--- a/documentation/project.pptx
+++ b/documentation/project.pptx
@@ -935,10 +935,24 @@
     <dgm:pt modelId="{C727DFF1-465C-44D7-890A-59D013C2C3C6}" type="parTrans" cxnId="{6F0B1CC6-BEFA-43DF-9F44-F67AF63F4851}">
       <dgm:prSet/>
       <dgm:spPr/>
+      <dgm:t>
+        <a:bodyPr/>
+        <a:lstStyle/>
+        <a:p>
+          <a:endParaRPr lang="en-US"/>
+        </a:p>
+      </dgm:t>
     </dgm:pt>
     <dgm:pt modelId="{49DA1277-BF8B-4782-9F0B-F408B308C87A}" type="sibTrans" cxnId="{6F0B1CC6-BEFA-43DF-9F44-F67AF63F4851}">
       <dgm:prSet/>
       <dgm:spPr/>
+      <dgm:t>
+        <a:bodyPr/>
+        <a:lstStyle/>
+        <a:p>
+          <a:endParaRPr lang="en-US"/>
+        </a:p>
+      </dgm:t>
     </dgm:pt>
     <dgm:pt modelId="{0B2F9ECA-D062-4130-B289-D5EEAA6A409F}">
       <dgm:prSet phldrT="[Text]"/>
@@ -958,10 +972,24 @@
     <dgm:pt modelId="{56611DEF-212D-475B-9725-8DCEF3BF0B9C}" type="parTrans" cxnId="{55454B11-D9C0-4942-8C2A-88C7994505EF}">
       <dgm:prSet/>
       <dgm:spPr/>
+      <dgm:t>
+        <a:bodyPr/>
+        <a:lstStyle/>
+        <a:p>
+          <a:endParaRPr lang="en-US"/>
+        </a:p>
+      </dgm:t>
     </dgm:pt>
     <dgm:pt modelId="{EFBCF41F-0EE6-42C3-B8B2-7F3E7B01DBDD}" type="sibTrans" cxnId="{55454B11-D9C0-4942-8C2A-88C7994505EF}">
       <dgm:prSet/>
       <dgm:spPr/>
+      <dgm:t>
+        <a:bodyPr/>
+        <a:lstStyle/>
+        <a:p>
+          <a:endParaRPr lang="en-US"/>
+        </a:p>
+      </dgm:t>
     </dgm:pt>
     <dgm:pt modelId="{4110F7CA-1DEE-4D9B-A79E-F220C89DC26F}">
       <dgm:prSet phldrT="[Text]"/>
@@ -981,10 +1009,24 @@
     <dgm:pt modelId="{81054186-B9B8-4CD5-B96B-9274BCD47627}" type="parTrans" cxnId="{9B0F5683-5D49-4551-A263-25F815277892}">
       <dgm:prSet/>
       <dgm:spPr/>
+      <dgm:t>
+        <a:bodyPr/>
+        <a:lstStyle/>
+        <a:p>
+          <a:endParaRPr lang="en-US"/>
+        </a:p>
+      </dgm:t>
     </dgm:pt>
     <dgm:pt modelId="{649A1FD8-7B48-48A3-92DB-1CAC4C9627AB}" type="sibTrans" cxnId="{9B0F5683-5D49-4551-A263-25F815277892}">
       <dgm:prSet/>
       <dgm:spPr/>
+      <dgm:t>
+        <a:bodyPr/>
+        <a:lstStyle/>
+        <a:p>
+          <a:endParaRPr lang="en-US"/>
+        </a:p>
+      </dgm:t>
     </dgm:pt>
     <dgm:pt modelId="{1630FF3D-A00C-468E-962F-E41FC3624E26}" type="pres">
       <dgm:prSet presAssocID="{96F3274B-589D-4F86-BA39-C6997E5CAFCC}" presName="Name0" presStyleCnt="0">
@@ -2693,7 +2735,7 @@
             <a:fld id="{F8C7FF59-B0F6-4E09-896C-454179FBCE5C}" type="datetimeFigureOut">
               <a:rPr lang="en-US" smtClean="0"/>
               <a:pPr/>
-              <a:t>4/22/2020</a:t>
+              <a:t>6/2/2020</a:t>
             </a:fld>
             <a:endParaRPr lang="en-US"/>
           </a:p>
@@ -3088,7 +3130,7 @@
             <a:fld id="{F8C7FF59-B0F6-4E09-896C-454179FBCE5C}" type="datetimeFigureOut">
               <a:rPr lang="en-US" smtClean="0"/>
               <a:pPr/>
-              <a:t>4/22/2020</a:t>
+              <a:t>6/2/2020</a:t>
             </a:fld>
             <a:endParaRPr lang="en-US"/>
           </a:p>
@@ -3623,7 +3665,7 @@
             <a:fld id="{F8C7FF59-B0F6-4E09-896C-454179FBCE5C}" type="datetimeFigureOut">
               <a:rPr lang="en-US" smtClean="0"/>
               <a:pPr/>
-              <a:t>4/22/2020</a:t>
+              <a:t>6/2/2020</a:t>
             </a:fld>
             <a:endParaRPr lang="en-US"/>
           </a:p>
@@ -3757,7 +3799,7 @@
             <a:fld id="{F8C7FF59-B0F6-4E09-896C-454179FBCE5C}" type="datetimeFigureOut">
               <a:rPr lang="en-US" smtClean="0"/>
               <a:pPr/>
-              <a:t>4/22/2020</a:t>
+              <a:t>6/2/2020</a:t>
             </a:fld>
             <a:endParaRPr lang="en-US"/>
           </a:p>
@@ -4302,7 +4344,7 @@
             <a:fld id="{F8C7FF59-B0F6-4E09-896C-454179FBCE5C}" type="datetimeFigureOut">
               <a:rPr lang="en-US" smtClean="0"/>
               <a:pPr/>
-              <a:t>4/22/2020</a:t>
+              <a:t>6/2/2020</a:t>
             </a:fld>
             <a:endParaRPr lang="en-US"/>
           </a:p>
@@ -4599,7 +4641,7 @@
             <a:fld id="{F8C7FF59-B0F6-4E09-896C-454179FBCE5C}" type="datetimeFigureOut">
               <a:rPr lang="en-US" smtClean="0"/>
               <a:pPr/>
-              <a:t>4/22/2020</a:t>
+              <a:t>6/2/2020</a:t>
             </a:fld>
             <a:endParaRPr lang="en-US"/>
           </a:p>
@@ -5260,7 +5302,7 @@
             <a:fld id="{F8C7FF59-B0F6-4E09-896C-454179FBCE5C}" type="datetimeFigureOut">
               <a:rPr lang="en-US" smtClean="0"/>
               <a:pPr/>
-              <a:t>4/22/2020</a:t>
+              <a:t>6/2/2020</a:t>
             </a:fld>
             <a:endParaRPr lang="en-US"/>
           </a:p>
@@ -5698,7 +5740,7 @@
             <a:fld id="{F8C7FF59-B0F6-4E09-896C-454179FBCE5C}" type="datetimeFigureOut">
               <a:rPr lang="en-US" smtClean="0"/>
               <a:pPr/>
-              <a:t>4/22/2020</a:t>
+              <a:t>6/2/2020</a:t>
             </a:fld>
             <a:endParaRPr lang="en-US"/>
           </a:p>
@@ -6013,7 +6055,7 @@
             <a:fld id="{F8C7FF59-B0F6-4E09-896C-454179FBCE5C}" type="datetimeFigureOut">
               <a:rPr lang="en-US" smtClean="0"/>
               <a:pPr/>
-              <a:t>4/22/2020</a:t>
+              <a:t>6/2/2020</a:t>
             </a:fld>
             <a:endParaRPr lang="en-US"/>
           </a:p>
@@ -6748,7 +6790,7 @@
             <a:fld id="{F8C7FF59-B0F6-4E09-896C-454179FBCE5C}" type="datetimeFigureOut">
               <a:rPr lang="en-US" smtClean="0"/>
               <a:pPr/>
-              <a:t>4/22/2020</a:t>
+              <a:t>6/2/2020</a:t>
             </a:fld>
             <a:endParaRPr lang="en-US"/>
           </a:p>
@@ -7414,7 +7456,7 @@
             <a:fld id="{F8C7FF59-B0F6-4E09-896C-454179FBCE5C}" type="datetimeFigureOut">
               <a:rPr lang="en-US" smtClean="0"/>
               <a:pPr/>
-              <a:t>4/22/2020</a:t>
+              <a:t>6/2/2020</a:t>
             </a:fld>
             <a:endParaRPr lang="en-US"/>
           </a:p>
@@ -7688,7 +7730,7 @@
             <a:fld id="{F8C7FF59-B0F6-4E09-896C-454179FBCE5C}" type="datetimeFigureOut">
               <a:rPr lang="en-US" smtClean="0"/>
               <a:pPr/>
-              <a:t>4/22/2020</a:t>
+              <a:t>6/2/2020</a:t>
             </a:fld>
             <a:endParaRPr lang="en-US"/>
           </a:p>
@@ -8374,8 +8416,8 @@
         </p:nvSpPr>
         <p:spPr>
           <a:xfrm>
-            <a:off x="1371600" y="2819400"/>
-            <a:ext cx="6400800" cy="2743200"/>
+            <a:off x="1371600" y="2971800"/>
+            <a:ext cx="6400800" cy="3200400"/>
           </a:xfrm>
         </p:spPr>
         <p:txBody>
@@ -8384,9 +8426,16 @@
           </a:bodyPr>
           <a:lstStyle/>
           <a:p>
+            <a:endParaRPr lang="en-US" dirty="0" smtClean="0"/>
+          </a:p>
+          <a:p>
             <a:r>
               <a:rPr lang="en-US" dirty="0" smtClean="0"/>
-              <a:t>Final year degree project</a:t>
+              <a:t>Final </a:t>
+            </a:r>
+            <a:r>
+              <a:rPr lang="en-US" dirty="0" smtClean="0"/>
+              <a:t>year degree project</a:t>
             </a:r>
           </a:p>
           <a:p>
@@ -8400,7 +8449,11 @@
             </a:r>
             <a:r>
               <a:rPr lang="en-US" dirty="0" smtClean="0"/>
-              <a:t> college </a:t>
+              <a:t> </a:t>
+            </a:r>
+            <a:r>
+              <a:rPr lang="en-US" dirty="0" smtClean="0"/>
+              <a:t>college, </a:t>
             </a:r>
             <a:r>
               <a:rPr lang="en-US" dirty="0" err="1" smtClean="0"/>
@@ -8504,14 +8557,19 @@
             <p:ph type="ctrTitle"/>
           </p:nvPr>
         </p:nvSpPr>
-        <p:spPr/>
+        <p:spPr>
+          <a:xfrm>
+            <a:off x="762000" y="304800"/>
+            <a:ext cx="7772400" cy="1295400"/>
+          </a:xfrm>
+        </p:spPr>
         <p:txBody>
           <a:bodyPr/>
           <a:lstStyle/>
           <a:p>
             <a:r>
               <a:rPr lang="en-US" dirty="0" smtClean="0"/>
-              <a:t>Tutorial Website</a:t>
+              <a:t>HACKERZDOM  TUTORIALS</a:t>
             </a:r>
             <a:endParaRPr lang="en-US" dirty="0"/>
           </a:p>
@@ -8593,8 +8651,8 @@
           <p:nvPr/>
         </p:nvGraphicFramePr>
         <p:xfrm>
-          <a:off x="1524000" y="1397000"/>
-          <a:ext cx="6096000" cy="4064000"/>
+          <a:off x="914400" y="1422400"/>
+          <a:ext cx="7315200" cy="4064000"/>
         </p:xfrm>
         <a:graphic>
           <a:graphicData uri="http://schemas.openxmlformats.org/drawingml/2006/diagram">
@@ -9681,9 +9739,32 @@
           <a:bodyPr/>
           <a:lstStyle/>
           <a:p>
+            <a:pPr>
+              <a:buNone/>
+            </a:pPr>
+            <a:endParaRPr lang="en-US" dirty="0" smtClean="0"/>
+          </a:p>
+          <a:p>
+            <a:pPr>
+              <a:buNone/>
+            </a:pPr>
+            <a:endParaRPr lang="en-US" dirty="0" smtClean="0"/>
+          </a:p>
+          <a:p>
+            <a:pPr algn="ctr">
+              <a:buNone/>
+            </a:pPr>
             <a:r>
               <a:rPr lang="en-US" dirty="0" smtClean="0"/>
-              <a:t>A tutorial website that provides students with courses on basic computer science topics</a:t>
+              <a:t>A </a:t>
+            </a:r>
+            <a:r>
+              <a:rPr lang="en-US" dirty="0" smtClean="0"/>
+              <a:t>tutorial website that provides students with courses on basic computer science </a:t>
+            </a:r>
+            <a:r>
+              <a:rPr lang="en-US" dirty="0" smtClean="0"/>
+              <a:t>topics.</a:t>
             </a:r>
             <a:endParaRPr lang="en-US" dirty="0"/>
           </a:p>
@@ -10716,35 +10797,33 @@
           <a:p>
             <a:r>
               <a:rPr lang="en-US" dirty="0" smtClean="0"/>
-              <a:t>This website provides quality classes to students for a low price .</a:t>
-            </a:r>
-          </a:p>
-          <a:p>
+              <a:t>This website provides quality classes to students for a low </a:t>
+            </a:r>
             <a:r>
               <a:rPr lang="en-US" dirty="0" smtClean="0"/>
-              <a:t>Provides features that help in testing  what they learned</a:t>
-            </a:r>
+              <a:t>price.</a:t>
+            </a:r>
+          </a:p>
+          <a:p>
+            <a:endParaRPr lang="en-US" dirty="0" smtClean="0"/>
           </a:p>
           <a:p>
             <a:r>
               <a:rPr lang="en-US" dirty="0" smtClean="0"/>
-              <a:t>Topics come under 3 sections: </a:t>
-            </a:r>
-            <a:r>
-              <a:rPr lang="en-US" smtClean="0"/>
-              <a:t>level 1 </a:t>
+              <a:t>Provides features that help in testing  what they </a:t>
             </a:r>
             <a:r>
               <a:rPr lang="en-US" dirty="0" smtClean="0"/>
-              <a:t>, </a:t>
-            </a:r>
-            <a:r>
-              <a:rPr lang="en-US" smtClean="0"/>
-              <a:t>level 2 , level3</a:t>
-            </a:r>
+              <a:t>learned.</a:t>
+            </a:r>
+          </a:p>
+          <a:p>
+            <a:endParaRPr lang="en-US" dirty="0" smtClean="0"/>
+          </a:p>
+          <a:p>
             <a:r>
               <a:rPr lang="en-US" dirty="0" smtClean="0"/>
-              <a:t/>
+              <a:t>Topics come under 3 sections: level 1 , level 2 , level3</a:t>
             </a:r>
             <a:br>
               <a:rPr lang="en-US" dirty="0" smtClean="0"/>
@@ -15654,9 +15733,16 @@
             <p:ph sz="quarter" idx="1"/>
           </p:nvPr>
         </p:nvSpPr>
-        <p:spPr/>
-        <p:txBody>
-          <a:bodyPr/>
+        <p:spPr>
+          <a:xfrm>
+            <a:off x="304800" y="2209800"/>
+            <a:ext cx="8503920" cy="2511552"/>
+          </a:xfrm>
+        </p:spPr>
+        <p:txBody>
+          <a:bodyPr>
+            <a:normAutofit lnSpcReduction="10000"/>
+          </a:bodyPr>
           <a:lstStyle/>
           <a:p>
             <a:pPr>

--- a/documentation/project.pptx
+++ b/documentation/project.pptx
@@ -15,53 +15,54 @@
     <p:sldId id="280" r:id="rId9"/>
     <p:sldId id="261" r:id="rId10"/>
     <p:sldId id="262" r:id="rId11"/>
-    <p:sldId id="259" r:id="rId12"/>
-    <p:sldId id="260" r:id="rId13"/>
-    <p:sldId id="278" r:id="rId14"/>
-    <p:sldId id="265" r:id="rId15"/>
-    <p:sldId id="266" r:id="rId16"/>
-    <p:sldId id="263" r:id="rId17"/>
-    <p:sldId id="281" r:id="rId18"/>
-    <p:sldId id="264" r:id="rId19"/>
-    <p:sldId id="267" r:id="rId20"/>
-    <p:sldId id="268" r:id="rId21"/>
-    <p:sldId id="269" r:id="rId22"/>
-    <p:sldId id="270" r:id="rId23"/>
-    <p:sldId id="271" r:id="rId24"/>
-    <p:sldId id="272" r:id="rId25"/>
-    <p:sldId id="282" r:id="rId26"/>
-    <p:sldId id="283" r:id="rId27"/>
-    <p:sldId id="284" r:id="rId28"/>
-    <p:sldId id="285" r:id="rId29"/>
-    <p:sldId id="286" r:id="rId30"/>
-    <p:sldId id="287" r:id="rId31"/>
-    <p:sldId id="295" r:id="rId32"/>
-    <p:sldId id="296" r:id="rId33"/>
-    <p:sldId id="288" r:id="rId34"/>
-    <p:sldId id="289" r:id="rId35"/>
-    <p:sldId id="290" r:id="rId36"/>
-    <p:sldId id="291" r:id="rId37"/>
-    <p:sldId id="292" r:id="rId38"/>
-    <p:sldId id="297" r:id="rId39"/>
-    <p:sldId id="293" r:id="rId40"/>
-    <p:sldId id="294" r:id="rId41"/>
-    <p:sldId id="298" r:id="rId42"/>
-    <p:sldId id="299" r:id="rId43"/>
-    <p:sldId id="300" r:id="rId44"/>
-    <p:sldId id="301" r:id="rId45"/>
-    <p:sldId id="313" r:id="rId46"/>
-    <p:sldId id="302" r:id="rId47"/>
-    <p:sldId id="303" r:id="rId48"/>
-    <p:sldId id="304" r:id="rId49"/>
-    <p:sldId id="305" r:id="rId50"/>
-    <p:sldId id="306" r:id="rId51"/>
-    <p:sldId id="307" r:id="rId52"/>
-    <p:sldId id="308" r:id="rId53"/>
-    <p:sldId id="309" r:id="rId54"/>
-    <p:sldId id="310" r:id="rId55"/>
-    <p:sldId id="311" r:id="rId56"/>
-    <p:sldId id="312" r:id="rId57"/>
-    <p:sldId id="273" r:id="rId58"/>
+    <p:sldId id="314" r:id="rId12"/>
+    <p:sldId id="315" r:id="rId13"/>
+    <p:sldId id="316" r:id="rId14"/>
+    <p:sldId id="263" r:id="rId15"/>
+    <p:sldId id="281" r:id="rId16"/>
+    <p:sldId id="264" r:id="rId17"/>
+    <p:sldId id="267" r:id="rId18"/>
+    <p:sldId id="268" r:id="rId19"/>
+    <p:sldId id="269" r:id="rId20"/>
+    <p:sldId id="270" r:id="rId21"/>
+    <p:sldId id="271" r:id="rId22"/>
+    <p:sldId id="282" r:id="rId23"/>
+    <p:sldId id="283" r:id="rId24"/>
+    <p:sldId id="294" r:id="rId25"/>
+    <p:sldId id="284" r:id="rId26"/>
+    <p:sldId id="286" r:id="rId27"/>
+    <p:sldId id="317" r:id="rId28"/>
+    <p:sldId id="287" r:id="rId29"/>
+    <p:sldId id="295" r:id="rId30"/>
+    <p:sldId id="318" r:id="rId31"/>
+    <p:sldId id="288" r:id="rId32"/>
+    <p:sldId id="290" r:id="rId33"/>
+    <p:sldId id="291" r:id="rId34"/>
+    <p:sldId id="293" r:id="rId35"/>
+    <p:sldId id="319" r:id="rId36"/>
+    <p:sldId id="292" r:id="rId37"/>
+    <p:sldId id="297" r:id="rId38"/>
+    <p:sldId id="299" r:id="rId39"/>
+    <p:sldId id="300" r:id="rId40"/>
+    <p:sldId id="301" r:id="rId41"/>
+    <p:sldId id="313" r:id="rId42"/>
+    <p:sldId id="302" r:id="rId43"/>
+    <p:sldId id="303" r:id="rId44"/>
+    <p:sldId id="304" r:id="rId45"/>
+    <p:sldId id="305" r:id="rId46"/>
+    <p:sldId id="306" r:id="rId47"/>
+    <p:sldId id="307" r:id="rId48"/>
+    <p:sldId id="308" r:id="rId49"/>
+    <p:sldId id="309" r:id="rId50"/>
+    <p:sldId id="310" r:id="rId51"/>
+    <p:sldId id="311" r:id="rId52"/>
+    <p:sldId id="312" r:id="rId53"/>
+    <p:sldId id="320" r:id="rId54"/>
+    <p:sldId id="321" r:id="rId55"/>
+    <p:sldId id="322" r:id="rId56"/>
+    <p:sldId id="323" r:id="rId57"/>
+    <p:sldId id="324" r:id="rId58"/>
+    <p:sldId id="273" r:id="rId59"/>
   </p:sldIdLst>
   <p:sldSz cx="9144000" cy="6858000" type="screen4x3"/>
   <p:notesSz cx="6858000" cy="9144000"/>
@@ -1028,6 +1029,80 @@
         </a:p>
       </dgm:t>
     </dgm:pt>
+    <dgm:pt modelId="{311ADC6B-9169-48CF-851A-E007224296FE}">
+      <dgm:prSet/>
+      <dgm:spPr/>
+      <dgm:t>
+        <a:bodyPr/>
+        <a:lstStyle/>
+        <a:p>
+          <a:r>
+            <a:rPr lang="en-IN" smtClean="0"/>
+            <a:t>Literature review</a:t>
+          </a:r>
+          <a:endParaRPr lang="en-US" dirty="0" smtClean="0"/>
+        </a:p>
+      </dgm:t>
+    </dgm:pt>
+    <dgm:pt modelId="{4D1A21DE-7505-4925-806A-EF08F8A3F10F}" type="parTrans" cxnId="{9623FFA6-1C7F-43DA-9AB4-1569E9D4F442}">
+      <dgm:prSet/>
+      <dgm:spPr/>
+      <dgm:t>
+        <a:bodyPr/>
+        <a:lstStyle/>
+        <a:p>
+          <a:endParaRPr lang="en-US"/>
+        </a:p>
+      </dgm:t>
+    </dgm:pt>
+    <dgm:pt modelId="{E74E8593-519E-44D5-B246-B98B47AA9F77}" type="sibTrans" cxnId="{9623FFA6-1C7F-43DA-9AB4-1569E9D4F442}">
+      <dgm:prSet/>
+      <dgm:spPr/>
+      <dgm:t>
+        <a:bodyPr/>
+        <a:lstStyle/>
+        <a:p>
+          <a:endParaRPr lang="en-US"/>
+        </a:p>
+      </dgm:t>
+    </dgm:pt>
+    <dgm:pt modelId="{DEF48C73-B667-41BA-945A-42CFC083AE37}">
+      <dgm:prSet/>
+      <dgm:spPr/>
+      <dgm:t>
+        <a:bodyPr/>
+        <a:lstStyle/>
+        <a:p>
+          <a:r>
+            <a:rPr lang="en-IN" smtClean="0"/>
+            <a:t>Visiting similar sites  </a:t>
+          </a:r>
+          <a:endParaRPr lang="en-US" dirty="0" smtClean="0"/>
+        </a:p>
+      </dgm:t>
+    </dgm:pt>
+    <dgm:pt modelId="{994FB9E2-7AC7-4D40-9276-0BB1A69CE142}" type="parTrans" cxnId="{C965F1C3-CB40-492D-B854-F0C46E29D1CE}">
+      <dgm:prSet/>
+      <dgm:spPr/>
+      <dgm:t>
+        <a:bodyPr/>
+        <a:lstStyle/>
+        <a:p>
+          <a:endParaRPr lang="en-US"/>
+        </a:p>
+      </dgm:t>
+    </dgm:pt>
+    <dgm:pt modelId="{589D46B1-A919-4A20-A2A3-B51C4D9C1F97}" type="sibTrans" cxnId="{C965F1C3-CB40-492D-B854-F0C46E29D1CE}">
+      <dgm:prSet/>
+      <dgm:spPr/>
+      <dgm:t>
+        <a:bodyPr/>
+        <a:lstStyle/>
+        <a:p>
+          <a:endParaRPr lang="en-US"/>
+        </a:p>
+      </dgm:t>
+    </dgm:pt>
     <dgm:pt modelId="{1630FF3D-A00C-468E-962F-E41FC3624E26}" type="pres">
       <dgm:prSet presAssocID="{96F3274B-589D-4F86-BA39-C6997E5CAFCC}" presName="Name0" presStyleCnt="0">
         <dgm:presLayoutVars>
@@ -1050,7 +1125,7 @@
       <dgm:spPr/>
     </dgm:pt>
     <dgm:pt modelId="{D4C3ED54-AFBF-42E6-9E30-AB92C76D3EA4}" type="pres">
-      <dgm:prSet presAssocID="{3900BB7C-EDD3-48FA-9BB1-AFBD0F8F95AD}" presName="bkgdShape" presStyleLbl="node1" presStyleIdx="0" presStyleCnt="3"/>
+      <dgm:prSet presAssocID="{3900BB7C-EDD3-48FA-9BB1-AFBD0F8F95AD}" presName="bkgdShape" presStyleLbl="node1" presStyleIdx="0" presStyleCnt="5"/>
       <dgm:spPr/>
       <dgm:t>
         <a:bodyPr/>
@@ -1061,7 +1136,7 @@
       </dgm:t>
     </dgm:pt>
     <dgm:pt modelId="{11A7F566-7E56-43DE-9407-BD45AE0AE41E}" type="pres">
-      <dgm:prSet presAssocID="{3900BB7C-EDD3-48FA-9BB1-AFBD0F8F95AD}" presName="nodeTx" presStyleLbl="node1" presStyleIdx="0" presStyleCnt="3">
+      <dgm:prSet presAssocID="{3900BB7C-EDD3-48FA-9BB1-AFBD0F8F95AD}" presName="nodeTx" presStyleLbl="node1" presStyleIdx="0" presStyleCnt="5">
         <dgm:presLayoutVars>
           <dgm:bulletEnabled val="1"/>
         </dgm:presLayoutVars>
@@ -1076,11 +1151,11 @@
       </dgm:t>
     </dgm:pt>
     <dgm:pt modelId="{5749DC81-D958-4351-9F41-ECF4E5450601}" type="pres">
-      <dgm:prSet presAssocID="{3900BB7C-EDD3-48FA-9BB1-AFBD0F8F95AD}" presName="invisiNode" presStyleLbl="node1" presStyleIdx="0" presStyleCnt="3"/>
+      <dgm:prSet presAssocID="{3900BB7C-EDD3-48FA-9BB1-AFBD0F8F95AD}" presName="invisiNode" presStyleLbl="node1" presStyleIdx="0" presStyleCnt="5"/>
       <dgm:spPr/>
     </dgm:pt>
     <dgm:pt modelId="{A26DF1B7-E66A-4C31-B151-2733FD1AF3DC}" type="pres">
-      <dgm:prSet presAssocID="{3900BB7C-EDD3-48FA-9BB1-AFBD0F8F95AD}" presName="imagNode" presStyleLbl="fgImgPlace1" presStyleIdx="0" presStyleCnt="3"/>
+      <dgm:prSet presAssocID="{3900BB7C-EDD3-48FA-9BB1-AFBD0F8F95AD}" presName="imagNode" presStyleLbl="fgImgPlace1" presStyleIdx="0" presStyleCnt="5"/>
       <dgm:spPr>
         <a:blipFill rotWithShape="0">
           <a:blip xmlns:r="http://schemas.openxmlformats.org/officeDocument/2006/relationships" r:embed="rId1"/>
@@ -1093,13 +1168,20 @@
     <dgm:pt modelId="{42AD9186-06EF-41C3-B058-A7B27FDB121D}" type="pres">
       <dgm:prSet presAssocID="{49DA1277-BF8B-4782-9F0B-F408B308C87A}" presName="sibTrans" presStyleLbl="sibTrans2D1" presStyleIdx="0" presStyleCnt="0"/>
       <dgm:spPr/>
+      <dgm:t>
+        <a:bodyPr/>
+        <a:lstStyle/>
+        <a:p>
+          <a:endParaRPr lang="en-US"/>
+        </a:p>
+      </dgm:t>
     </dgm:pt>
     <dgm:pt modelId="{4E86923B-45E0-4031-8911-181129675B36}" type="pres">
       <dgm:prSet presAssocID="{0B2F9ECA-D062-4130-B289-D5EEAA6A409F}" presName="compNode" presStyleCnt="0"/>
       <dgm:spPr/>
     </dgm:pt>
     <dgm:pt modelId="{60F37715-730A-49A4-A142-FAE125BD50AF}" type="pres">
-      <dgm:prSet presAssocID="{0B2F9ECA-D062-4130-B289-D5EEAA6A409F}" presName="bkgdShape" presStyleLbl="node1" presStyleIdx="1" presStyleCnt="3"/>
+      <dgm:prSet presAssocID="{0B2F9ECA-D062-4130-B289-D5EEAA6A409F}" presName="bkgdShape" presStyleLbl="node1" presStyleIdx="1" presStyleCnt="5"/>
       <dgm:spPr/>
       <dgm:t>
         <a:bodyPr/>
@@ -1110,7 +1192,7 @@
       </dgm:t>
     </dgm:pt>
     <dgm:pt modelId="{FC6E8231-A746-40BE-9D57-3536D6F586E4}" type="pres">
-      <dgm:prSet presAssocID="{0B2F9ECA-D062-4130-B289-D5EEAA6A409F}" presName="nodeTx" presStyleLbl="node1" presStyleIdx="1" presStyleCnt="3">
+      <dgm:prSet presAssocID="{0B2F9ECA-D062-4130-B289-D5EEAA6A409F}" presName="nodeTx" presStyleLbl="node1" presStyleIdx="1" presStyleCnt="5">
         <dgm:presLayoutVars>
           <dgm:bulletEnabled val="1"/>
         </dgm:presLayoutVars>
@@ -1125,11 +1207,11 @@
       </dgm:t>
     </dgm:pt>
     <dgm:pt modelId="{6CC9C68C-1925-459B-B69B-A48E83065E40}" type="pres">
-      <dgm:prSet presAssocID="{0B2F9ECA-D062-4130-B289-D5EEAA6A409F}" presName="invisiNode" presStyleLbl="node1" presStyleIdx="1" presStyleCnt="3"/>
+      <dgm:prSet presAssocID="{0B2F9ECA-D062-4130-B289-D5EEAA6A409F}" presName="invisiNode" presStyleLbl="node1" presStyleIdx="1" presStyleCnt="5"/>
       <dgm:spPr/>
     </dgm:pt>
     <dgm:pt modelId="{E8BA3CA3-9B5B-428C-8AB2-38CDC3CC6258}" type="pres">
-      <dgm:prSet presAssocID="{0B2F9ECA-D062-4130-B289-D5EEAA6A409F}" presName="imagNode" presStyleLbl="fgImgPlace1" presStyleIdx="1" presStyleCnt="3"/>
+      <dgm:prSet presAssocID="{0B2F9ECA-D062-4130-B289-D5EEAA6A409F}" presName="imagNode" presStyleLbl="fgImgPlace1" presStyleIdx="1" presStyleCnt="5"/>
       <dgm:spPr>
         <a:blipFill rotWithShape="0">
           <a:blip xmlns:r="http://schemas.openxmlformats.org/officeDocument/2006/relationships" r:embed="rId2"/>
@@ -1142,13 +1224,20 @@
     <dgm:pt modelId="{D51AFE7C-743B-4FE4-9B99-005B456C3157}" type="pres">
       <dgm:prSet presAssocID="{EFBCF41F-0EE6-42C3-B8B2-7F3E7B01DBDD}" presName="sibTrans" presStyleLbl="sibTrans2D1" presStyleIdx="0" presStyleCnt="0"/>
       <dgm:spPr/>
+      <dgm:t>
+        <a:bodyPr/>
+        <a:lstStyle/>
+        <a:p>
+          <a:endParaRPr lang="en-US"/>
+        </a:p>
+      </dgm:t>
     </dgm:pt>
     <dgm:pt modelId="{9EF03DE1-C588-49E2-A614-61B762C370F2}" type="pres">
       <dgm:prSet presAssocID="{4110F7CA-1DEE-4D9B-A79E-F220C89DC26F}" presName="compNode" presStyleCnt="0"/>
       <dgm:spPr/>
     </dgm:pt>
     <dgm:pt modelId="{1F732159-755A-4488-B71F-5FB600B3B865}" type="pres">
-      <dgm:prSet presAssocID="{4110F7CA-1DEE-4D9B-A79E-F220C89DC26F}" presName="bkgdShape" presStyleLbl="node1" presStyleIdx="2" presStyleCnt="3"/>
+      <dgm:prSet presAssocID="{4110F7CA-1DEE-4D9B-A79E-F220C89DC26F}" presName="bkgdShape" presStyleLbl="node1" presStyleIdx="2" presStyleCnt="5"/>
       <dgm:spPr/>
       <dgm:t>
         <a:bodyPr/>
@@ -1159,7 +1248,7 @@
       </dgm:t>
     </dgm:pt>
     <dgm:pt modelId="{64E2A096-21B2-4E4D-B872-C21AD97E00EE}" type="pres">
-      <dgm:prSet presAssocID="{4110F7CA-1DEE-4D9B-A79E-F220C89DC26F}" presName="nodeTx" presStyleLbl="node1" presStyleIdx="2" presStyleCnt="3">
+      <dgm:prSet presAssocID="{4110F7CA-1DEE-4D9B-A79E-F220C89DC26F}" presName="nodeTx" presStyleLbl="node1" presStyleIdx="2" presStyleCnt="5">
         <dgm:presLayoutVars>
           <dgm:bulletEnabled val="1"/>
         </dgm:presLayoutVars>
@@ -1174,11 +1263,11 @@
       </dgm:t>
     </dgm:pt>
     <dgm:pt modelId="{44839A1E-D078-42F0-82A6-778F07FF9BBE}" type="pres">
-      <dgm:prSet presAssocID="{4110F7CA-1DEE-4D9B-A79E-F220C89DC26F}" presName="invisiNode" presStyleLbl="node1" presStyleIdx="2" presStyleCnt="3"/>
+      <dgm:prSet presAssocID="{4110F7CA-1DEE-4D9B-A79E-F220C89DC26F}" presName="invisiNode" presStyleLbl="node1" presStyleIdx="2" presStyleCnt="5"/>
       <dgm:spPr/>
     </dgm:pt>
     <dgm:pt modelId="{2D245B3C-E12F-4F3F-BE3F-AC05594EB492}" type="pres">
-      <dgm:prSet presAssocID="{4110F7CA-1DEE-4D9B-A79E-F220C89DC26F}" presName="imagNode" presStyleLbl="fgImgPlace1" presStyleIdx="2" presStyleCnt="3"/>
+      <dgm:prSet presAssocID="{4110F7CA-1DEE-4D9B-A79E-F220C89DC26F}" presName="imagNode" presStyleLbl="fgImgPlace1" presStyleIdx="2" presStyleCnt="5"/>
       <dgm:spPr>
         <a:blipFill rotWithShape="0">
           <a:blip xmlns:r="http://schemas.openxmlformats.org/officeDocument/2006/relationships" r:embed="rId3"/>
@@ -1188,20 +1277,105 @@
         </a:blipFill>
       </dgm:spPr>
     </dgm:pt>
+    <dgm:pt modelId="{B43DC712-5E64-4D00-A482-FEC2E15D16ED}" type="pres">
+      <dgm:prSet presAssocID="{649A1FD8-7B48-48A3-92DB-1CAC4C9627AB}" presName="sibTrans" presStyleLbl="sibTrans2D1" presStyleIdx="0" presStyleCnt="0"/>
+      <dgm:spPr/>
+      <dgm:t>
+        <a:bodyPr/>
+        <a:lstStyle/>
+        <a:p>
+          <a:endParaRPr lang="en-US"/>
+        </a:p>
+      </dgm:t>
+    </dgm:pt>
+    <dgm:pt modelId="{E85339EC-D489-4A43-952E-A684E12FBE9B}" type="pres">
+      <dgm:prSet presAssocID="{311ADC6B-9169-48CF-851A-E007224296FE}" presName="compNode" presStyleCnt="0"/>
+      <dgm:spPr/>
+    </dgm:pt>
+    <dgm:pt modelId="{B09D2C9B-4BB8-46EC-9B9C-FB80184BA2C2}" type="pres">
+      <dgm:prSet presAssocID="{311ADC6B-9169-48CF-851A-E007224296FE}" presName="bkgdShape" presStyleLbl="node1" presStyleIdx="3" presStyleCnt="5"/>
+      <dgm:spPr/>
+    </dgm:pt>
+    <dgm:pt modelId="{D534074A-ADFA-4180-B099-B192B3BC0E79}" type="pres">
+      <dgm:prSet presAssocID="{311ADC6B-9169-48CF-851A-E007224296FE}" presName="nodeTx" presStyleLbl="node1" presStyleIdx="3" presStyleCnt="5">
+        <dgm:presLayoutVars>
+          <dgm:bulletEnabled val="1"/>
+        </dgm:presLayoutVars>
+      </dgm:prSet>
+      <dgm:spPr/>
+    </dgm:pt>
+    <dgm:pt modelId="{B7CD4CA6-C7A7-4624-9208-548E18F65E05}" type="pres">
+      <dgm:prSet presAssocID="{311ADC6B-9169-48CF-851A-E007224296FE}" presName="invisiNode" presStyleLbl="node1" presStyleIdx="3" presStyleCnt="5"/>
+      <dgm:spPr/>
+    </dgm:pt>
+    <dgm:pt modelId="{14124B5F-4736-4477-8302-5C4DDC0126BC}" type="pres">
+      <dgm:prSet presAssocID="{311ADC6B-9169-48CF-851A-E007224296FE}" presName="imagNode" presStyleLbl="fgImgPlace1" presStyleIdx="3" presStyleCnt="5"/>
+      <dgm:spPr>
+        <a:blipFill rotWithShape="0">
+          <a:blip xmlns:r="http://schemas.openxmlformats.org/officeDocument/2006/relationships" r:embed="rId4"/>
+          <a:stretch>
+            <a:fillRect/>
+          </a:stretch>
+        </a:blipFill>
+      </dgm:spPr>
+    </dgm:pt>
+    <dgm:pt modelId="{78F66834-D1A1-4DCA-AAE5-BAFA4EACF199}" type="pres">
+      <dgm:prSet presAssocID="{E74E8593-519E-44D5-B246-B98B47AA9F77}" presName="sibTrans" presStyleLbl="sibTrans2D1" presStyleIdx="0" presStyleCnt="0"/>
+      <dgm:spPr/>
+    </dgm:pt>
+    <dgm:pt modelId="{0F0729A9-F81E-4D1A-9DDE-F24994B91778}" type="pres">
+      <dgm:prSet presAssocID="{DEF48C73-B667-41BA-945A-42CFC083AE37}" presName="compNode" presStyleCnt="0"/>
+      <dgm:spPr/>
+    </dgm:pt>
+    <dgm:pt modelId="{D5D96D56-144E-4D09-91F8-8FC748FFCF21}" type="pres">
+      <dgm:prSet presAssocID="{DEF48C73-B667-41BA-945A-42CFC083AE37}" presName="bkgdShape" presStyleLbl="node1" presStyleIdx="4" presStyleCnt="5" custLinFactNeighborX="10752"/>
+      <dgm:spPr/>
+    </dgm:pt>
+    <dgm:pt modelId="{D0D29FB7-6BBA-462E-B6C7-AE207AFEC847}" type="pres">
+      <dgm:prSet presAssocID="{DEF48C73-B667-41BA-945A-42CFC083AE37}" presName="nodeTx" presStyleLbl="node1" presStyleIdx="4" presStyleCnt="5">
+        <dgm:presLayoutVars>
+          <dgm:bulletEnabled val="1"/>
+        </dgm:presLayoutVars>
+      </dgm:prSet>
+      <dgm:spPr/>
+    </dgm:pt>
+    <dgm:pt modelId="{07141B77-BEFA-4C13-BE44-C2555B107CCB}" type="pres">
+      <dgm:prSet presAssocID="{DEF48C73-B667-41BA-945A-42CFC083AE37}" presName="invisiNode" presStyleLbl="node1" presStyleIdx="4" presStyleCnt="5"/>
+      <dgm:spPr/>
+    </dgm:pt>
+    <dgm:pt modelId="{60B9BC38-D413-4047-A6BD-DE7E0DF250FC}" type="pres">
+      <dgm:prSet presAssocID="{DEF48C73-B667-41BA-945A-42CFC083AE37}" presName="imagNode" presStyleLbl="fgImgPlace1" presStyleIdx="4" presStyleCnt="5"/>
+      <dgm:spPr>
+        <a:blipFill rotWithShape="0">
+          <a:blip xmlns:r="http://schemas.openxmlformats.org/officeDocument/2006/relationships" r:embed="rId5"/>
+          <a:stretch>
+            <a:fillRect/>
+          </a:stretch>
+        </a:blipFill>
+      </dgm:spPr>
+    </dgm:pt>
   </dgm:ptLst>
   <dgm:cxnLst>
+    <dgm:cxn modelId="{7F230D9F-5A18-4A51-A16E-AA6BE381DC1F}" type="presOf" srcId="{3900BB7C-EDD3-48FA-9BB1-AFBD0F8F95AD}" destId="{11A7F566-7E56-43DE-9407-BD45AE0AE41E}" srcOrd="1" destOrd="0" presId="urn:microsoft.com/office/officeart/2005/8/layout/hList7"/>
+    <dgm:cxn modelId="{60495938-DDE7-417A-9A63-F46F343046E6}" type="presOf" srcId="{96F3274B-589D-4F86-BA39-C6997E5CAFCC}" destId="{1630FF3D-A00C-468E-962F-E41FC3624E26}" srcOrd="0" destOrd="0" presId="urn:microsoft.com/office/officeart/2005/8/layout/hList7"/>
+    <dgm:cxn modelId="{7D570CEC-EA81-4113-A85C-34D0380D586E}" type="presOf" srcId="{E74E8593-519E-44D5-B246-B98B47AA9F77}" destId="{78F66834-D1A1-4DCA-AAE5-BAFA4EACF199}" srcOrd="0" destOrd="0" presId="urn:microsoft.com/office/officeart/2005/8/layout/hList7"/>
+    <dgm:cxn modelId="{C965F1C3-CB40-492D-B854-F0C46E29D1CE}" srcId="{96F3274B-589D-4F86-BA39-C6997E5CAFCC}" destId="{DEF48C73-B667-41BA-945A-42CFC083AE37}" srcOrd="4" destOrd="0" parTransId="{994FB9E2-7AC7-4D40-9276-0BB1A69CE142}" sibTransId="{589D46B1-A919-4A20-A2A3-B51C4D9C1F97}"/>
+    <dgm:cxn modelId="{94859E3E-5FA2-4E69-B5E5-C3E80D631733}" type="presOf" srcId="{EFBCF41F-0EE6-42C3-B8B2-7F3E7B01DBDD}" destId="{D51AFE7C-743B-4FE4-9B99-005B456C3157}" srcOrd="0" destOrd="0" presId="urn:microsoft.com/office/officeart/2005/8/layout/hList7"/>
+    <dgm:cxn modelId="{CE28B9A0-0DFD-48EB-9DB4-E3281122A49E}" type="presOf" srcId="{311ADC6B-9169-48CF-851A-E007224296FE}" destId="{D534074A-ADFA-4180-B099-B192B3BC0E79}" srcOrd="1" destOrd="0" presId="urn:microsoft.com/office/officeart/2005/8/layout/hList7"/>
+    <dgm:cxn modelId="{513041CA-2B42-4C42-8120-43A12FED6F6D}" type="presOf" srcId="{4110F7CA-1DEE-4D9B-A79E-F220C89DC26F}" destId="{1F732159-755A-4488-B71F-5FB600B3B865}" srcOrd="0" destOrd="0" presId="urn:microsoft.com/office/officeart/2005/8/layout/hList7"/>
+    <dgm:cxn modelId="{9623FFA6-1C7F-43DA-9AB4-1569E9D4F442}" srcId="{96F3274B-589D-4F86-BA39-C6997E5CAFCC}" destId="{311ADC6B-9169-48CF-851A-E007224296FE}" srcOrd="3" destOrd="0" parTransId="{4D1A21DE-7505-4925-806A-EF08F8A3F10F}" sibTransId="{E74E8593-519E-44D5-B246-B98B47AA9F77}"/>
+    <dgm:cxn modelId="{8835325B-50BD-45D3-B95E-474BBDD40735}" type="presOf" srcId="{4110F7CA-1DEE-4D9B-A79E-F220C89DC26F}" destId="{64E2A096-21B2-4E4D-B872-C21AD97E00EE}" srcOrd="1" destOrd="0" presId="urn:microsoft.com/office/officeart/2005/8/layout/hList7"/>
+    <dgm:cxn modelId="{32938F62-88BB-41AA-9FF6-B510F878E7C2}" type="presOf" srcId="{DEF48C73-B667-41BA-945A-42CFC083AE37}" destId="{D0D29FB7-6BBA-462E-B6C7-AE207AFEC847}" srcOrd="1" destOrd="0" presId="urn:microsoft.com/office/officeart/2005/8/layout/hList7"/>
+    <dgm:cxn modelId="{E62D5D5C-1270-40F4-AA7A-AB9BB8313A61}" type="presOf" srcId="{0B2F9ECA-D062-4130-B289-D5EEAA6A409F}" destId="{60F37715-730A-49A4-A142-FAE125BD50AF}" srcOrd="0" destOrd="0" presId="urn:microsoft.com/office/officeart/2005/8/layout/hList7"/>
+    <dgm:cxn modelId="{9B0F5683-5D49-4551-A263-25F815277892}" srcId="{96F3274B-589D-4F86-BA39-C6997E5CAFCC}" destId="{4110F7CA-1DEE-4D9B-A79E-F220C89DC26F}" srcOrd="2" destOrd="0" parTransId="{81054186-B9B8-4CD5-B96B-9274BCD47627}" sibTransId="{649A1FD8-7B48-48A3-92DB-1CAC4C9627AB}"/>
+    <dgm:cxn modelId="{6F0B1CC6-BEFA-43DF-9F44-F67AF63F4851}" srcId="{96F3274B-589D-4F86-BA39-C6997E5CAFCC}" destId="{3900BB7C-EDD3-48FA-9BB1-AFBD0F8F95AD}" srcOrd="0" destOrd="0" parTransId="{C727DFF1-465C-44D7-890A-59D013C2C3C6}" sibTransId="{49DA1277-BF8B-4782-9F0B-F408B308C87A}"/>
+    <dgm:cxn modelId="{093900D5-9933-4268-B52E-24651D5EF42E}" type="presOf" srcId="{DEF48C73-B667-41BA-945A-42CFC083AE37}" destId="{D5D96D56-144E-4D09-91F8-8FC748FFCF21}" srcOrd="0" destOrd="0" presId="urn:microsoft.com/office/officeart/2005/8/layout/hList7"/>
+    <dgm:cxn modelId="{C1147988-0641-49F9-8287-E869B65D3A69}" type="presOf" srcId="{649A1FD8-7B48-48A3-92DB-1CAC4C9627AB}" destId="{B43DC712-5E64-4D00-A482-FEC2E15D16ED}" srcOrd="0" destOrd="0" presId="urn:microsoft.com/office/officeart/2005/8/layout/hList7"/>
+    <dgm:cxn modelId="{DEAD9112-BCBC-42A8-BF79-D5EB438A947F}" type="presOf" srcId="{49DA1277-BF8B-4782-9F0B-F408B308C87A}" destId="{42AD9186-06EF-41C3-B058-A7B27FDB121D}" srcOrd="0" destOrd="0" presId="urn:microsoft.com/office/officeart/2005/8/layout/hList7"/>
+    <dgm:cxn modelId="{6E07580A-6777-4313-A83B-D3EFA33EA98B}" type="presOf" srcId="{0B2F9ECA-D062-4130-B289-D5EEAA6A409F}" destId="{FC6E8231-A746-40BE-9D57-3536D6F586E4}" srcOrd="1" destOrd="0" presId="urn:microsoft.com/office/officeart/2005/8/layout/hList7"/>
+    <dgm:cxn modelId="{9C4E77C6-3D28-4860-89DA-D88526F7E384}" type="presOf" srcId="{311ADC6B-9169-48CF-851A-E007224296FE}" destId="{B09D2C9B-4BB8-46EC-9B9C-FB80184BA2C2}" srcOrd="0" destOrd="0" presId="urn:microsoft.com/office/officeart/2005/8/layout/hList7"/>
+    <dgm:cxn modelId="{55454B11-D9C0-4942-8C2A-88C7994505EF}" srcId="{96F3274B-589D-4F86-BA39-C6997E5CAFCC}" destId="{0B2F9ECA-D062-4130-B289-D5EEAA6A409F}" srcOrd="1" destOrd="0" parTransId="{56611DEF-212D-475B-9725-8DCEF3BF0B9C}" sibTransId="{EFBCF41F-0EE6-42C3-B8B2-7F3E7B01DBDD}"/>
     <dgm:cxn modelId="{BA1C9148-C374-411B-8D85-9636448A352F}" type="presOf" srcId="{3900BB7C-EDD3-48FA-9BB1-AFBD0F8F95AD}" destId="{D4C3ED54-AFBF-42E6-9E30-AB92C76D3EA4}" srcOrd="0" destOrd="0" presId="urn:microsoft.com/office/officeart/2005/8/layout/hList7"/>
-    <dgm:cxn modelId="{55454B11-D9C0-4942-8C2A-88C7994505EF}" srcId="{96F3274B-589D-4F86-BA39-C6997E5CAFCC}" destId="{0B2F9ECA-D062-4130-B289-D5EEAA6A409F}" srcOrd="1" destOrd="0" parTransId="{56611DEF-212D-475B-9725-8DCEF3BF0B9C}" sibTransId="{EFBCF41F-0EE6-42C3-B8B2-7F3E7B01DBDD}"/>
-    <dgm:cxn modelId="{94859E3E-5FA2-4E69-B5E5-C3E80D631733}" type="presOf" srcId="{EFBCF41F-0EE6-42C3-B8B2-7F3E7B01DBDD}" destId="{D51AFE7C-743B-4FE4-9B99-005B456C3157}" srcOrd="0" destOrd="0" presId="urn:microsoft.com/office/officeart/2005/8/layout/hList7"/>
-    <dgm:cxn modelId="{9B0F5683-5D49-4551-A263-25F815277892}" srcId="{96F3274B-589D-4F86-BA39-C6997E5CAFCC}" destId="{4110F7CA-1DEE-4D9B-A79E-F220C89DC26F}" srcOrd="2" destOrd="0" parTransId="{81054186-B9B8-4CD5-B96B-9274BCD47627}" sibTransId="{649A1FD8-7B48-48A3-92DB-1CAC4C9627AB}"/>
-    <dgm:cxn modelId="{DEAD9112-BCBC-42A8-BF79-D5EB438A947F}" type="presOf" srcId="{49DA1277-BF8B-4782-9F0B-F408B308C87A}" destId="{42AD9186-06EF-41C3-B058-A7B27FDB121D}" srcOrd="0" destOrd="0" presId="urn:microsoft.com/office/officeart/2005/8/layout/hList7"/>
-    <dgm:cxn modelId="{E62D5D5C-1270-40F4-AA7A-AB9BB8313A61}" type="presOf" srcId="{0B2F9ECA-D062-4130-B289-D5EEAA6A409F}" destId="{60F37715-730A-49A4-A142-FAE125BD50AF}" srcOrd="0" destOrd="0" presId="urn:microsoft.com/office/officeart/2005/8/layout/hList7"/>
-    <dgm:cxn modelId="{513041CA-2B42-4C42-8120-43A12FED6F6D}" type="presOf" srcId="{4110F7CA-1DEE-4D9B-A79E-F220C89DC26F}" destId="{1F732159-755A-4488-B71F-5FB600B3B865}" srcOrd="0" destOrd="0" presId="urn:microsoft.com/office/officeart/2005/8/layout/hList7"/>
-    <dgm:cxn modelId="{60495938-DDE7-417A-9A63-F46F343046E6}" type="presOf" srcId="{96F3274B-589D-4F86-BA39-C6997E5CAFCC}" destId="{1630FF3D-A00C-468E-962F-E41FC3624E26}" srcOrd="0" destOrd="0" presId="urn:microsoft.com/office/officeart/2005/8/layout/hList7"/>
-    <dgm:cxn modelId="{6E07580A-6777-4313-A83B-D3EFA33EA98B}" type="presOf" srcId="{0B2F9ECA-D062-4130-B289-D5EEAA6A409F}" destId="{FC6E8231-A746-40BE-9D57-3536D6F586E4}" srcOrd="1" destOrd="0" presId="urn:microsoft.com/office/officeart/2005/8/layout/hList7"/>
-    <dgm:cxn modelId="{8835325B-50BD-45D3-B95E-474BBDD40735}" type="presOf" srcId="{4110F7CA-1DEE-4D9B-A79E-F220C89DC26F}" destId="{64E2A096-21B2-4E4D-B872-C21AD97E00EE}" srcOrd="1" destOrd="0" presId="urn:microsoft.com/office/officeart/2005/8/layout/hList7"/>
-    <dgm:cxn modelId="{6F0B1CC6-BEFA-43DF-9F44-F67AF63F4851}" srcId="{96F3274B-589D-4F86-BA39-C6997E5CAFCC}" destId="{3900BB7C-EDD3-48FA-9BB1-AFBD0F8F95AD}" srcOrd="0" destOrd="0" parTransId="{C727DFF1-465C-44D7-890A-59D013C2C3C6}" sibTransId="{49DA1277-BF8B-4782-9F0B-F408B308C87A}"/>
-    <dgm:cxn modelId="{7F230D9F-5A18-4A51-A16E-AA6BE381DC1F}" type="presOf" srcId="{3900BB7C-EDD3-48FA-9BB1-AFBD0F8F95AD}" destId="{11A7F566-7E56-43DE-9407-BD45AE0AE41E}" srcOrd="1" destOrd="0" presId="urn:microsoft.com/office/officeart/2005/8/layout/hList7"/>
     <dgm:cxn modelId="{BC2794F2-4549-498B-90B4-A75006521639}" type="presParOf" srcId="{1630FF3D-A00C-468E-962F-E41FC3624E26}" destId="{28C5334B-D391-4972-968A-B17009BE51DE}" srcOrd="0" destOrd="0" presId="urn:microsoft.com/office/officeart/2005/8/layout/hList7"/>
     <dgm:cxn modelId="{5745BE28-E29D-4529-9381-BA99B49EF625}" type="presParOf" srcId="{1630FF3D-A00C-468E-962F-E41FC3624E26}" destId="{EA2E76C5-7A45-40DB-AABF-ADE23567BC5E}" srcOrd="1" destOrd="0" presId="urn:microsoft.com/office/officeart/2005/8/layout/hList7"/>
     <dgm:cxn modelId="{9FAAAF0F-B533-4BD3-908E-69B63BF56E11}" type="presParOf" srcId="{EA2E76C5-7A45-40DB-AABF-ADE23567BC5E}" destId="{0F0F3267-F7EC-481F-8478-4E4553B54E61}" srcOrd="0" destOrd="0" presId="urn:microsoft.com/office/officeart/2005/8/layout/hList7"/>
@@ -1221,6 +1395,18 @@
     <dgm:cxn modelId="{E9C1B19E-874B-477C-B133-3485C7686A47}" type="presParOf" srcId="{9EF03DE1-C588-49E2-A614-61B762C370F2}" destId="{64E2A096-21B2-4E4D-B872-C21AD97E00EE}" srcOrd="1" destOrd="0" presId="urn:microsoft.com/office/officeart/2005/8/layout/hList7"/>
     <dgm:cxn modelId="{038B3327-AAE6-446B-8117-8ED5F8385CE7}" type="presParOf" srcId="{9EF03DE1-C588-49E2-A614-61B762C370F2}" destId="{44839A1E-D078-42F0-82A6-778F07FF9BBE}" srcOrd="2" destOrd="0" presId="urn:microsoft.com/office/officeart/2005/8/layout/hList7"/>
     <dgm:cxn modelId="{7FA0C6F0-AEEB-4188-B594-A4D5835F4757}" type="presParOf" srcId="{9EF03DE1-C588-49E2-A614-61B762C370F2}" destId="{2D245B3C-E12F-4F3F-BE3F-AC05594EB492}" srcOrd="3" destOrd="0" presId="urn:microsoft.com/office/officeart/2005/8/layout/hList7"/>
+    <dgm:cxn modelId="{243F7533-9D50-490C-82D9-FBBAFC8698E1}" type="presParOf" srcId="{EA2E76C5-7A45-40DB-AABF-ADE23567BC5E}" destId="{B43DC712-5E64-4D00-A482-FEC2E15D16ED}" srcOrd="5" destOrd="0" presId="urn:microsoft.com/office/officeart/2005/8/layout/hList7"/>
+    <dgm:cxn modelId="{B5BD8CD6-8742-40AB-8C4D-5055E9D8D664}" type="presParOf" srcId="{EA2E76C5-7A45-40DB-AABF-ADE23567BC5E}" destId="{E85339EC-D489-4A43-952E-A684E12FBE9B}" srcOrd="6" destOrd="0" presId="urn:microsoft.com/office/officeart/2005/8/layout/hList7"/>
+    <dgm:cxn modelId="{9886C519-860B-47BC-85C3-406A5D6F11B1}" type="presParOf" srcId="{E85339EC-D489-4A43-952E-A684E12FBE9B}" destId="{B09D2C9B-4BB8-46EC-9B9C-FB80184BA2C2}" srcOrd="0" destOrd="0" presId="urn:microsoft.com/office/officeart/2005/8/layout/hList7"/>
+    <dgm:cxn modelId="{AEFC1B1C-7219-4866-9F71-70F963EAF5CD}" type="presParOf" srcId="{E85339EC-D489-4A43-952E-A684E12FBE9B}" destId="{D534074A-ADFA-4180-B099-B192B3BC0E79}" srcOrd="1" destOrd="0" presId="urn:microsoft.com/office/officeart/2005/8/layout/hList7"/>
+    <dgm:cxn modelId="{B716E715-395D-4F07-8F7F-78A93354C520}" type="presParOf" srcId="{E85339EC-D489-4A43-952E-A684E12FBE9B}" destId="{B7CD4CA6-C7A7-4624-9208-548E18F65E05}" srcOrd="2" destOrd="0" presId="urn:microsoft.com/office/officeart/2005/8/layout/hList7"/>
+    <dgm:cxn modelId="{920E9D82-C8E4-499D-80D2-14434EBEA019}" type="presParOf" srcId="{E85339EC-D489-4A43-952E-A684E12FBE9B}" destId="{14124B5F-4736-4477-8302-5C4DDC0126BC}" srcOrd="3" destOrd="0" presId="urn:microsoft.com/office/officeart/2005/8/layout/hList7"/>
+    <dgm:cxn modelId="{002D94A6-E3DD-49D4-A8D9-D96DDC4900B4}" type="presParOf" srcId="{EA2E76C5-7A45-40DB-AABF-ADE23567BC5E}" destId="{78F66834-D1A1-4DCA-AAE5-BAFA4EACF199}" srcOrd="7" destOrd="0" presId="urn:microsoft.com/office/officeart/2005/8/layout/hList7"/>
+    <dgm:cxn modelId="{B32B6A0B-8724-4CF2-91A9-8CA615A89272}" type="presParOf" srcId="{EA2E76C5-7A45-40DB-AABF-ADE23567BC5E}" destId="{0F0729A9-F81E-4D1A-9DDE-F24994B91778}" srcOrd="8" destOrd="0" presId="urn:microsoft.com/office/officeart/2005/8/layout/hList7"/>
+    <dgm:cxn modelId="{9000401C-F124-4BCE-BEE1-9CFE98C31D49}" type="presParOf" srcId="{0F0729A9-F81E-4D1A-9DDE-F24994B91778}" destId="{D5D96D56-144E-4D09-91F8-8FC748FFCF21}" srcOrd="0" destOrd="0" presId="urn:microsoft.com/office/officeart/2005/8/layout/hList7"/>
+    <dgm:cxn modelId="{351C1207-77CE-414C-AE47-3EF611F63849}" type="presParOf" srcId="{0F0729A9-F81E-4D1A-9DDE-F24994B91778}" destId="{D0D29FB7-6BBA-462E-B6C7-AE207AFEC847}" srcOrd="1" destOrd="0" presId="urn:microsoft.com/office/officeart/2005/8/layout/hList7"/>
+    <dgm:cxn modelId="{4083B04E-DA9E-40FF-84B9-83D7276F5167}" type="presParOf" srcId="{0F0729A9-F81E-4D1A-9DDE-F24994B91778}" destId="{07141B77-BEFA-4C13-BE44-C2555B107CCB}" srcOrd="2" destOrd="0" presId="urn:microsoft.com/office/officeart/2005/8/layout/hList7"/>
+    <dgm:cxn modelId="{1FF93084-E645-463E-8381-7FCB3C294475}" type="presParOf" srcId="{0F0729A9-F81E-4D1A-9DDE-F24994B91778}" destId="{60B9BC38-D413-4047-A6BD-DE7E0DF250FC}" srcOrd="3" destOrd="0" presId="urn:microsoft.com/office/officeart/2005/8/layout/hList7"/>
   </dgm:cxnLst>
   <dgm:bg/>
   <dgm:whole/>
@@ -2735,7 +2921,7 @@
             <a:fld id="{F8C7FF59-B0F6-4E09-896C-454179FBCE5C}" type="datetimeFigureOut">
               <a:rPr lang="en-US" smtClean="0"/>
               <a:pPr/>
-              <a:t>6/2/2020</a:t>
+              <a:t>6/4/2020</a:t>
             </a:fld>
             <a:endParaRPr lang="en-US"/>
           </a:p>
@@ -3130,7 +3316,7 @@
             <a:fld id="{F8C7FF59-B0F6-4E09-896C-454179FBCE5C}" type="datetimeFigureOut">
               <a:rPr lang="en-US" smtClean="0"/>
               <a:pPr/>
-              <a:t>6/2/2020</a:t>
+              <a:t>6/4/2020</a:t>
             </a:fld>
             <a:endParaRPr lang="en-US"/>
           </a:p>
@@ -3665,7 +3851,7 @@
             <a:fld id="{F8C7FF59-B0F6-4E09-896C-454179FBCE5C}" type="datetimeFigureOut">
               <a:rPr lang="en-US" smtClean="0"/>
               <a:pPr/>
-              <a:t>6/2/2020</a:t>
+              <a:t>6/4/2020</a:t>
             </a:fld>
             <a:endParaRPr lang="en-US"/>
           </a:p>
@@ -3799,7 +3985,7 @@
             <a:fld id="{F8C7FF59-B0F6-4E09-896C-454179FBCE5C}" type="datetimeFigureOut">
               <a:rPr lang="en-US" smtClean="0"/>
               <a:pPr/>
-              <a:t>6/2/2020</a:t>
+              <a:t>6/4/2020</a:t>
             </a:fld>
             <a:endParaRPr lang="en-US"/>
           </a:p>
@@ -4344,7 +4530,7 @@
             <a:fld id="{F8C7FF59-B0F6-4E09-896C-454179FBCE5C}" type="datetimeFigureOut">
               <a:rPr lang="en-US" smtClean="0"/>
               <a:pPr/>
-              <a:t>6/2/2020</a:t>
+              <a:t>6/4/2020</a:t>
             </a:fld>
             <a:endParaRPr lang="en-US"/>
           </a:p>
@@ -4641,7 +4827,7 @@
             <a:fld id="{F8C7FF59-B0F6-4E09-896C-454179FBCE5C}" type="datetimeFigureOut">
               <a:rPr lang="en-US" smtClean="0"/>
               <a:pPr/>
-              <a:t>6/2/2020</a:t>
+              <a:t>6/4/2020</a:t>
             </a:fld>
             <a:endParaRPr lang="en-US"/>
           </a:p>
@@ -5302,7 +5488,7 @@
             <a:fld id="{F8C7FF59-B0F6-4E09-896C-454179FBCE5C}" type="datetimeFigureOut">
               <a:rPr lang="en-US" smtClean="0"/>
               <a:pPr/>
-              <a:t>6/2/2020</a:t>
+              <a:t>6/4/2020</a:t>
             </a:fld>
             <a:endParaRPr lang="en-US"/>
           </a:p>
@@ -5740,7 +5926,7 @@
             <a:fld id="{F8C7FF59-B0F6-4E09-896C-454179FBCE5C}" type="datetimeFigureOut">
               <a:rPr lang="en-US" smtClean="0"/>
               <a:pPr/>
-              <a:t>6/2/2020</a:t>
+              <a:t>6/4/2020</a:t>
             </a:fld>
             <a:endParaRPr lang="en-US"/>
           </a:p>
@@ -6055,7 +6241,7 @@
             <a:fld id="{F8C7FF59-B0F6-4E09-896C-454179FBCE5C}" type="datetimeFigureOut">
               <a:rPr lang="en-US" smtClean="0"/>
               <a:pPr/>
-              <a:t>6/2/2020</a:t>
+              <a:t>6/4/2020</a:t>
             </a:fld>
             <a:endParaRPr lang="en-US"/>
           </a:p>
@@ -6790,7 +6976,7 @@
             <a:fld id="{F8C7FF59-B0F6-4E09-896C-454179FBCE5C}" type="datetimeFigureOut">
               <a:rPr lang="en-US" smtClean="0"/>
               <a:pPr/>
-              <a:t>6/2/2020</a:t>
+              <a:t>6/4/2020</a:t>
             </a:fld>
             <a:endParaRPr lang="en-US"/>
           </a:p>
@@ -7456,7 +7642,7 @@
             <a:fld id="{F8C7FF59-B0F6-4E09-896C-454179FBCE5C}" type="datetimeFigureOut">
               <a:rPr lang="en-US" smtClean="0"/>
               <a:pPr/>
-              <a:t>6/2/2020</a:t>
+              <a:t>6/4/2020</a:t>
             </a:fld>
             <a:endParaRPr lang="en-US"/>
           </a:p>
@@ -7730,7 +7916,7 @@
             <a:fld id="{F8C7FF59-B0F6-4E09-896C-454179FBCE5C}" type="datetimeFigureOut">
               <a:rPr lang="en-US" smtClean="0"/>
               <a:pPr/>
-              <a:t>6/2/2020</a:t>
+              <a:t>6/4/2020</a:t>
             </a:fld>
             <a:endParaRPr lang="en-US"/>
           </a:p>
@@ -8431,11 +8617,7 @@
           <a:p>
             <a:r>
               <a:rPr lang="en-US" dirty="0" smtClean="0"/>
-              <a:t>Final </a:t>
-            </a:r>
-            <a:r>
-              <a:rPr lang="en-US" dirty="0" smtClean="0"/>
-              <a:t>year degree project</a:t>
+              <a:t>Final year degree project</a:t>
             </a:r>
           </a:p>
           <a:p>
@@ -8449,11 +8631,7 @@
             </a:r>
             <a:r>
               <a:rPr lang="en-US" dirty="0" smtClean="0"/>
-              <a:t> </a:t>
-            </a:r>
-            <a:r>
-              <a:rPr lang="en-US" dirty="0" smtClean="0"/>
-              <a:t>college, </a:t>
+              <a:t> college, </a:t>
             </a:r>
             <a:r>
               <a:rPr lang="en-US" dirty="0" err="1" smtClean="0"/>
@@ -8615,8 +8793,8 @@
         </p:nvSpPr>
         <p:spPr>
           <a:xfrm>
-            <a:off x="914400" y="762000"/>
-            <a:ext cx="5819222" cy="369332"/>
+            <a:off x="1828800" y="533400"/>
+            <a:ext cx="5105400" cy="461665"/>
           </a:xfrm>
           <a:prstGeom prst="rect">
             <a:avLst/>
@@ -8624,23 +8802,20 @@
           <a:noFill/>
         </p:spPr>
         <p:txBody>
-          <a:bodyPr wrap="none" rtlCol="0">
+          <a:bodyPr wrap="square" rtlCol="0">
             <a:spAutoFit/>
           </a:bodyPr>
           <a:lstStyle/>
           <a:p>
             <a:r>
-              <a:rPr lang="en-US" dirty="0"/>
-              <a:t>The tools </a:t>
-            </a:r>
-            <a:r>
-              <a:rPr lang="en-US" dirty="0" smtClean="0"/>
-              <a:t>used in this project for this </a:t>
-            </a:r>
-            <a:r>
-              <a:rPr lang="en-US" dirty="0"/>
-              <a:t>are the traditional</a:t>
-            </a:r>
+              <a:rPr lang="en-US" sz="2400" dirty="0" smtClean="0"/>
+              <a:t>Methods to gather </a:t>
+            </a:r>
+            <a:r>
+              <a:rPr lang="en-US" sz="2400" dirty="0" smtClean="0"/>
+              <a:t>information are:</a:t>
+            </a:r>
+            <a:endParaRPr lang="en-US" sz="2400" dirty="0"/>
           </a:p>
         </p:txBody>
       </p:sp>
@@ -8651,8 +8826,8 @@
           <p:nvPr/>
         </p:nvGraphicFramePr>
         <p:xfrm>
-          <a:off x="914400" y="1422400"/>
-          <a:ext cx="7315200" cy="4064000"/>
+          <a:off x="381000" y="1295400"/>
+          <a:ext cx="8305800" cy="4800600"/>
         </p:xfrm>
         <a:graphic>
           <a:graphicData uri="http://schemas.openxmlformats.org/drawingml/2006/diagram">
@@ -8708,8 +8883,8 @@
           <a:lstStyle/>
           <a:p>
             <a:r>
-              <a:rPr lang="en-US" dirty="0" smtClean="0"/>
-              <a:t>Requirements</a:t>
+              <a:rPr lang="en-IN" dirty="0" smtClean="0"/>
+              <a:t>Existing System</a:t>
             </a:r>
             <a:endParaRPr lang="en-US" dirty="0"/>
           </a:p>
@@ -8728,78 +8903,75 @@
         <p:spPr/>
         <p:txBody>
           <a:bodyPr>
-            <a:normAutofit fontScale="77500" lnSpcReduction="20000"/>
+            <a:normAutofit lnSpcReduction="10000"/>
           </a:bodyPr>
           <a:lstStyle/>
           <a:p>
-            <a:pPr lvl="0"/>
-            <a:r>
-              <a:rPr lang="en-US" dirty="0" smtClean="0"/>
-              <a:t>Less data consuming</a:t>
-            </a:r>
-          </a:p>
-          <a:p>
-            <a:pPr lvl="0"/>
-            <a:r>
-              <a:rPr lang="en-US" dirty="0" smtClean="0"/>
-              <a:t>Video quality and playback options</a:t>
-            </a:r>
-          </a:p>
-          <a:p>
-            <a:pPr lvl="0"/>
-            <a:r>
-              <a:rPr lang="en-US" dirty="0" smtClean="0"/>
-              <a:t>Search bar should be provided to search the contents of the website.</a:t>
-            </a:r>
-          </a:p>
-          <a:p>
-            <a:pPr lvl="0"/>
-            <a:r>
-              <a:rPr lang="en-US" dirty="0" smtClean="0"/>
-              <a:t>Should not be overcrowded with advertisements.</a:t>
-            </a:r>
-          </a:p>
-          <a:p>
-            <a:pPr lvl="0"/>
-            <a:r>
-              <a:rPr lang="en-US" dirty="0" smtClean="0"/>
-              <a:t>Provide switches to go from bottom to top, links to other websites to read more and links to give info about keywords.</a:t>
-            </a:r>
-          </a:p>
-          <a:p>
-            <a:pPr lvl="0"/>
-            <a:r>
-              <a:rPr lang="en-US" dirty="0" smtClean="0"/>
-              <a:t>Provide options to convert language, provide feedback, post complaints, ask questions and view most-viewed or most-attended topics/courses.</a:t>
-            </a:r>
-          </a:p>
-          <a:p>
-            <a:pPr lvl="0"/>
-            <a:r>
-              <a:rPr lang="en-US" dirty="0" smtClean="0"/>
-              <a:t>Provide facilities for online tests.</a:t>
-            </a:r>
-          </a:p>
-          <a:p>
-            <a:pPr lvl="0"/>
-            <a:r>
-              <a:rPr lang="en-US" dirty="0" smtClean="0"/>
-              <a:t>Provide attractive interface to users(use flip, dark mode etc.).</a:t>
-            </a:r>
-          </a:p>
-          <a:p>
-            <a:pPr lvl="0"/>
-            <a:r>
-              <a:rPr lang="en-US" dirty="0" smtClean="0"/>
-              <a:t>Create website that is compatible with most devices and browsers.</a:t>
-            </a:r>
-          </a:p>
-          <a:p>
-            <a:pPr lvl="0"/>
-            <a:r>
-              <a:rPr lang="en-US" dirty="0" smtClean="0"/>
-              <a:t>Should load faster, should be able to make notes or video offline. </a:t>
-            </a:r>
+            <a:r>
+              <a:rPr lang="en-IN" dirty="0" smtClean="0"/>
+              <a:t>The current systems include tutorial sites with huge/less payment</a:t>
+            </a:r>
+            <a:r>
+              <a:rPr lang="en-IN" dirty="0" smtClean="0"/>
+              <a:t>.</a:t>
+            </a:r>
+            <a:endParaRPr lang="en-US" dirty="0" smtClean="0"/>
+          </a:p>
+          <a:p>
+            <a:r>
+              <a:rPr lang="en-IN" dirty="0" smtClean="0"/>
+              <a:t>Some sites uses complicated </a:t>
+            </a:r>
+            <a:r>
+              <a:rPr lang="en-IN" dirty="0" smtClean="0"/>
+              <a:t>language, difficult accent.</a:t>
+            </a:r>
+            <a:endParaRPr lang="en-US" dirty="0" smtClean="0"/>
+          </a:p>
+          <a:p>
+            <a:r>
+              <a:rPr lang="en-IN" dirty="0" smtClean="0"/>
+              <a:t>Quality of videos are controlled automatically.</a:t>
+            </a:r>
+            <a:endParaRPr lang="en-US" dirty="0" smtClean="0"/>
+          </a:p>
+          <a:p>
+            <a:r>
+              <a:rPr lang="en-IN" dirty="0" smtClean="0"/>
+              <a:t>Provides </a:t>
+            </a:r>
+            <a:r>
+              <a:rPr lang="en-IN" dirty="0" smtClean="0"/>
+              <a:t>demo videos for users.</a:t>
+            </a:r>
+            <a:endParaRPr lang="en-US" dirty="0" smtClean="0"/>
+          </a:p>
+          <a:p>
+            <a:r>
+              <a:rPr lang="en-IN" dirty="0" smtClean="0"/>
+              <a:t>Some sites </a:t>
+            </a:r>
+            <a:r>
+              <a:rPr lang="en-IN" dirty="0" smtClean="0"/>
+              <a:t>allow users to provide video classes to admin for money.</a:t>
+            </a:r>
+            <a:endParaRPr lang="en-US" dirty="0" smtClean="0"/>
+          </a:p>
+          <a:p>
+            <a:r>
+              <a:rPr lang="en-IN" dirty="0" smtClean="0"/>
+              <a:t>Current systems provide interactive interface, provide tests</a:t>
+            </a:r>
+            <a:r>
+              <a:rPr lang="en-IN" dirty="0" smtClean="0"/>
+              <a:t>.</a:t>
+            </a:r>
+          </a:p>
+          <a:p>
+            <a:pPr>
+              <a:buNone/>
+            </a:pPr>
+            <a:endParaRPr lang="en-US" dirty="0" smtClean="0"/>
           </a:p>
           <a:p>
             <a:endParaRPr lang="en-US" dirty="0"/>
@@ -8811,13 +8983,6 @@
   <p:clrMapOvr>
     <a:masterClrMapping/>
   </p:clrMapOvr>
-  <p:timing>
-    <p:tnLst>
-      <p:par>
-        <p:cTn id="1" dur="indefinite" restart="never" nodeType="tmRoot"/>
-      </p:par>
-    </p:tnLst>
-  </p:timing>
 </p:sld>
 </file>
 
@@ -8840,6 +9005,29 @@
       </p:grpSpPr>
       <p:sp>
         <p:nvSpPr>
+          <p:cNvPr id="2" name="Title 1"/>
+          <p:cNvSpPr>
+            <a:spLocks noGrp="1"/>
+          </p:cNvSpPr>
+          <p:nvPr>
+            <p:ph type="title"/>
+          </p:nvPr>
+        </p:nvSpPr>
+        <p:spPr/>
+        <p:txBody>
+          <a:bodyPr/>
+          <a:lstStyle/>
+          <a:p>
+            <a:r>
+              <a:rPr lang="en-IN" dirty="0" smtClean="0"/>
+              <a:t>Drawbacks of Existing System</a:t>
+            </a:r>
+            <a:endParaRPr lang="en-US" dirty="0"/>
+          </a:p>
+        </p:txBody>
+      </p:sp>
+      <p:sp>
+        <p:nvSpPr>
           <p:cNvPr id="3" name="Content Placeholder 2"/>
           <p:cNvSpPr>
             <a:spLocks noGrp="1"/>
@@ -8848,44 +9036,85 @@
             <p:ph sz="quarter" idx="1"/>
           </p:nvPr>
         </p:nvSpPr>
-        <p:spPr>
-          <a:xfrm>
-            <a:off x="301752" y="1600200"/>
-            <a:ext cx="8503920" cy="4498848"/>
-          </a:xfrm>
-        </p:spPr>
+        <p:spPr/>
         <p:txBody>
           <a:bodyPr>
-            <a:normAutofit fontScale="85000" lnSpcReduction="10000"/>
+            <a:normAutofit fontScale="92500" lnSpcReduction="20000"/>
           </a:bodyPr>
           <a:lstStyle/>
           <a:p>
-            <a:pPr lvl="0"/>
-            <a:r>
-              <a:rPr lang="en-US" dirty="0" smtClean="0"/>
-              <a:t>There should be 2 main people other than the user and admin to make the site efficient- Content developer and Inspector</a:t>
-            </a:r>
-          </a:p>
-          <a:p>
-            <a:pPr lvl="0"/>
-            <a:r>
-              <a:rPr lang="en-US" dirty="0" smtClean="0"/>
-              <a:t>Admin should be able to add inspectors, approve content developers and add videos and content, view users, view videos and content accepted by inspector and accept payments and view payment details.</a:t>
-            </a:r>
-          </a:p>
-          <a:p>
-            <a:pPr lvl="0"/>
-            <a:r>
-              <a:rPr lang="en-US" dirty="0" smtClean="0"/>
-              <a:t>Inspector should be able to view contents provided by admin and make sure it is relevant and if necessary should be able to add to website and else should be able to remove those.</a:t>
-            </a:r>
-          </a:p>
-          <a:p>
-            <a:pPr lvl="0"/>
-            <a:r>
-              <a:rPr lang="en-US" dirty="0" smtClean="0"/>
-              <a:t> Students should be able to view courses(and demo classes) see their progress, attend tests and request for contents not available in this site. To create interest in students badges can be made given based on their progress.</a:t>
-            </a:r>
+            <a:r>
+              <a:rPr lang="en-IN" dirty="0" smtClean="0"/>
+              <a:t>Do not </a:t>
+            </a:r>
+            <a:r>
+              <a:rPr lang="en-IN" dirty="0" smtClean="0"/>
+              <a:t>take feedback.</a:t>
+            </a:r>
+            <a:endParaRPr lang="en-US" dirty="0" smtClean="0"/>
+          </a:p>
+          <a:p>
+            <a:r>
+              <a:rPr lang="en-IN" dirty="0" smtClean="0"/>
+              <a:t>Some sites do not allow users to control video quality, playback.</a:t>
+            </a:r>
+            <a:endParaRPr lang="en-US" dirty="0" smtClean="0"/>
+          </a:p>
+          <a:p>
+            <a:r>
+              <a:rPr lang="en-IN" dirty="0" smtClean="0"/>
+              <a:t>Poor quality of content, not user friendly.</a:t>
+            </a:r>
+            <a:endParaRPr lang="en-US" dirty="0" smtClean="0"/>
+          </a:p>
+          <a:p>
+            <a:r>
+              <a:rPr lang="en-IN" dirty="0" smtClean="0"/>
+              <a:t>Some websites use lot of data.</a:t>
+            </a:r>
+            <a:endParaRPr lang="en-US" dirty="0" smtClean="0"/>
+          </a:p>
+          <a:p>
+            <a:r>
+              <a:rPr lang="en-IN" dirty="0" smtClean="0"/>
+              <a:t>Classes in native language is not available</a:t>
+            </a:r>
+            <a:endParaRPr lang="en-US" dirty="0" smtClean="0"/>
+          </a:p>
+          <a:p>
+            <a:r>
+              <a:rPr lang="en-IN" dirty="0" smtClean="0"/>
+              <a:t>Most websites are not compatible with certain browsers and interface is same in different devices.</a:t>
+            </a:r>
+            <a:endParaRPr lang="en-US" dirty="0" smtClean="0"/>
+          </a:p>
+          <a:p>
+            <a:r>
+              <a:rPr lang="en-IN" dirty="0" smtClean="0"/>
+              <a:t>Some sites provide either only </a:t>
+            </a:r>
+            <a:r>
+              <a:rPr lang="en-IN" dirty="0" smtClean="0"/>
+              <a:t>text material </a:t>
+            </a:r>
+            <a:r>
+              <a:rPr lang="en-IN" dirty="0" smtClean="0"/>
+              <a:t>or only videos</a:t>
+            </a:r>
+            <a:r>
+              <a:rPr lang="en-IN" dirty="0" smtClean="0"/>
+              <a:t>.</a:t>
+            </a:r>
+          </a:p>
+          <a:p>
+            <a:r>
+              <a:rPr lang="en-IN" dirty="0" smtClean="0"/>
+              <a:t>Does not give option to understand the learning level of students</a:t>
+            </a:r>
+            <a:endParaRPr lang="en-US" dirty="0" smtClean="0"/>
+          </a:p>
+          <a:p>
+            <a:endParaRPr lang="en-US" dirty="0"/>
           </a:p>
         </p:txBody>
       </p:sp>
@@ -8894,13 +9123,6 @@
   <p:clrMapOvr>
     <a:masterClrMapping/>
   </p:clrMapOvr>
-  <p:timing>
-    <p:tnLst>
-      <p:par>
-        <p:cTn id="1" dur="indefinite" restart="never" nodeType="tmRoot"/>
-      </p:par>
-    </p:tnLst>
-  </p:timing>
 </p:sld>
 </file>
 
@@ -8931,73 +9153,35 @@
             <p:ph sz="quarter" idx="1"/>
           </p:nvPr>
         </p:nvSpPr>
-        <p:spPr/>
+        <p:spPr>
+          <a:xfrm>
+            <a:off x="381000" y="2590800"/>
+            <a:ext cx="8763000" cy="1447800"/>
+          </a:xfrm>
+        </p:spPr>
         <p:txBody>
           <a:bodyPr>
-            <a:normAutofit fontScale="92500" lnSpcReduction="20000"/>
+            <a:noAutofit/>
           </a:bodyPr>
           <a:lstStyle/>
           <a:p>
-            <a:pPr lvl="0"/>
-            <a:r>
-              <a:rPr lang="en-US" dirty="0" smtClean="0"/>
-              <a:t>Log sessions of course for student: It is very useful to the student if whatever the student has learned until then are recorded and shown to the user in his dashboard for this, each time the user logs in and learns something it should be recorded and progress of a user in his course should be shown. </a:t>
-            </a:r>
-          </a:p>
-          <a:p>
-            <a:pPr lvl="0"/>
-            <a:r>
-              <a:rPr lang="en-US" dirty="0" smtClean="0"/>
-              <a:t>Login easily using </a:t>
-            </a:r>
-            <a:r>
-              <a:rPr lang="en-US" dirty="0" err="1" smtClean="0"/>
-              <a:t>google</a:t>
-            </a:r>
-            <a:r>
-              <a:rPr lang="en-US" dirty="0" smtClean="0"/>
-              <a:t> or </a:t>
-            </a:r>
-            <a:r>
-              <a:rPr lang="en-US" dirty="0" err="1" smtClean="0"/>
-              <a:t>facebook</a:t>
-            </a:r>
-            <a:r>
-              <a:rPr lang="en-US" dirty="0" smtClean="0"/>
-              <a:t>.</a:t>
-            </a:r>
-          </a:p>
-          <a:p>
-            <a:pPr lvl="0"/>
-            <a:r>
-              <a:rPr lang="en-US" dirty="0" smtClean="0"/>
-              <a:t>Provide details on what all you can do in this site(welcome note/guide).</a:t>
-            </a:r>
-          </a:p>
-          <a:p>
-            <a:pPr lvl="0"/>
-            <a:r>
-              <a:rPr lang="en-US" dirty="0" smtClean="0"/>
-              <a:t>Anybody can contribute contents to admin.</a:t>
-            </a:r>
-          </a:p>
-          <a:p>
-            <a:pPr lvl="0"/>
-            <a:r>
-              <a:rPr lang="en-US" dirty="0" smtClean="0"/>
-              <a:t>Live projects -we can work on sample projects, materials available in </a:t>
-            </a:r>
-            <a:r>
-              <a:rPr lang="en-US" dirty="0" err="1" smtClean="0"/>
-              <a:t>pdf</a:t>
-            </a:r>
-            <a:r>
-              <a:rPr lang="en-US" dirty="0" smtClean="0"/>
-              <a:t>, inbuilt text editors(we can use online editors without downloading software).</a:t>
-            </a:r>
-          </a:p>
-          <a:p>
-            <a:endParaRPr lang="en-US" dirty="0"/>
+            <a:pPr algn="ctr">
+              <a:buNone/>
+            </a:pPr>
+            <a:r>
+              <a:rPr lang="en-US" sz="3200" dirty="0" smtClean="0"/>
+              <a:t>Software Requirement specification</a:t>
+            </a:r>
+          </a:p>
+          <a:p>
+            <a:pPr algn="ctr">
+              <a:buNone/>
+            </a:pPr>
+            <a:r>
+              <a:rPr lang="en-US" sz="3200" dirty="0" smtClean="0"/>
+              <a:t> or Requirements</a:t>
+            </a:r>
+            <a:endParaRPr lang="en-US" sz="3200" dirty="0"/>
           </a:p>
         </p:txBody>
       </p:sp>
@@ -9033,7 +9217,7 @@
             <a:spLocks noGrp="1"/>
           </p:cNvSpPr>
           <p:nvPr>
-            <p:ph type="title"/>
+            <p:ph type="ctrTitle"/>
           </p:nvPr>
         </p:nvSpPr>
         <p:spPr/>
@@ -9042,8 +9226,8 @@
           <a:lstStyle/>
           <a:p>
             <a:r>
-              <a:rPr lang="en-IN" b="1" dirty="0" smtClean="0"/>
-              <a:t>EXISTING SYSTEM</a:t>
+              <a:rPr lang="en-US" dirty="0" smtClean="0"/>
+              <a:t>Proposed System</a:t>
             </a:r>
             <a:endParaRPr lang="en-US" dirty="0"/>
           </a:p>
@@ -9051,68 +9235,33 @@
       </p:sp>
       <p:sp>
         <p:nvSpPr>
-          <p:cNvPr id="3" name="Content Placeholder 2"/>
+          <p:cNvPr id="3" name="Subtitle 2"/>
           <p:cNvSpPr>
             <a:spLocks noGrp="1"/>
           </p:cNvSpPr>
           <p:nvPr>
-            <p:ph sz="quarter" idx="1"/>
+            <p:ph type="subTitle" idx="1"/>
           </p:nvPr>
         </p:nvSpPr>
-        <p:spPr/>
+        <p:spPr>
+          <a:xfrm>
+            <a:off x="381000" y="2667000"/>
+            <a:ext cx="8229600" cy="3657600"/>
+          </a:xfrm>
+        </p:spPr>
         <p:txBody>
           <a:bodyPr>
-            <a:normAutofit lnSpcReduction="10000"/>
+            <a:normAutofit/>
           </a:bodyPr>
           <a:lstStyle/>
           <a:p>
             <a:r>
-              <a:rPr lang="en-IN" dirty="0" smtClean="0"/>
-              <a:t>1.	The current systems include tutorial sites with huge payment.</a:t>
-            </a:r>
+              <a:rPr lang="en-US" dirty="0" smtClean="0"/>
+              <a:t>requirements being implemented in this tutorial site </a:t>
+            </a:r>
+          </a:p>
+          <a:p>
             <a:endParaRPr lang="en-US" dirty="0" smtClean="0"/>
-          </a:p>
-          <a:p>
-            <a:r>
-              <a:rPr lang="en-IN" dirty="0" smtClean="0"/>
-              <a:t>2.	Uses complicated language, difficult accent.</a:t>
-            </a:r>
-            <a:endParaRPr lang="en-US" dirty="0" smtClean="0"/>
-          </a:p>
-          <a:p>
-            <a:r>
-              <a:rPr lang="en-IN" dirty="0" smtClean="0"/>
-              <a:t>3.	Quality of videos are controlled automatically.</a:t>
-            </a:r>
-            <a:endParaRPr lang="en-US" dirty="0" smtClean="0"/>
-          </a:p>
-          <a:p>
-            <a:r>
-              <a:rPr lang="en-IN" dirty="0" smtClean="0"/>
-              <a:t>4.	Provides demo videos for users</a:t>
-            </a:r>
-            <a:endParaRPr lang="en-US" dirty="0" smtClean="0"/>
-          </a:p>
-          <a:p>
-            <a:r>
-              <a:rPr lang="en-IN" dirty="0" smtClean="0"/>
-              <a:t>5.	Some sites allow users to provide video classes to admin for money.</a:t>
-            </a:r>
-            <a:endParaRPr lang="en-US" dirty="0" smtClean="0"/>
-          </a:p>
-          <a:p>
-            <a:r>
-              <a:rPr lang="en-IN" dirty="0" smtClean="0"/>
-              <a:t>6.	Current systems provide interactive interface, provide tests.</a:t>
-            </a:r>
-            <a:endParaRPr lang="en-US" dirty="0" smtClean="0"/>
-          </a:p>
-          <a:p>
-            <a:r>
-              <a:rPr lang="en-US" dirty="0" smtClean="0"/>
-              <a:t> </a:t>
-            </a:r>
-            <a:endParaRPr lang="en-US" dirty="0"/>
           </a:p>
         </p:txBody>
       </p:sp>
@@ -9150,31 +9299,6 @@
       </p:grpSpPr>
       <p:sp>
         <p:nvSpPr>
-          <p:cNvPr id="2" name="Title 1"/>
-          <p:cNvSpPr>
-            <a:spLocks noGrp="1"/>
-          </p:cNvSpPr>
-          <p:nvPr>
-            <p:ph type="title"/>
-          </p:nvPr>
-        </p:nvSpPr>
-        <p:spPr/>
-        <p:txBody>
-          <a:bodyPr>
-            <a:normAutofit/>
-          </a:bodyPr>
-          <a:lstStyle/>
-          <a:p>
-            <a:r>
-              <a:rPr lang="en-IN" b="1" dirty="0" smtClean="0"/>
-              <a:t>Disadvantages of existing system</a:t>
-            </a:r>
-            <a:endParaRPr lang="en-US" dirty="0"/>
-          </a:p>
-        </p:txBody>
-      </p:sp>
-      <p:sp>
-        <p:nvSpPr>
           <p:cNvPr id="3" name="Content Placeholder 2"/>
           <p:cNvSpPr>
             <a:spLocks noGrp="1"/>
@@ -9185,49 +9309,98 @@
         </p:nvSpPr>
         <p:spPr/>
         <p:txBody>
-          <a:bodyPr/>
+          <a:bodyPr>
+            <a:normAutofit fontScale="92500" lnSpcReduction="20000"/>
+          </a:bodyPr>
           <a:lstStyle/>
           <a:p>
             <a:r>
-              <a:rPr lang="en-IN" dirty="0" smtClean="0"/>
-              <a:t>1.	Most systems do not take feedback.</a:t>
+              <a:rPr lang="en-US" dirty="0" smtClean="0"/>
+              <a:t>Video </a:t>
+            </a:r>
+            <a:r>
+              <a:rPr lang="en-US" dirty="0" smtClean="0"/>
+              <a:t>quality and playback options-users are able to change the quality of videos as per their convenience.</a:t>
+            </a:r>
+          </a:p>
+          <a:p>
+            <a:r>
+              <a:rPr lang="en-US" dirty="0" smtClean="0"/>
+              <a:t>S</a:t>
+            </a:r>
+            <a:r>
+              <a:rPr lang="en-US" dirty="0" smtClean="0"/>
+              <a:t>earch </a:t>
+            </a:r>
+            <a:r>
+              <a:rPr lang="en-US" dirty="0" smtClean="0"/>
+              <a:t>bar to search for topics and contents .</a:t>
+            </a:r>
+          </a:p>
+          <a:p>
+            <a:r>
+              <a:rPr lang="en-US" dirty="0" smtClean="0"/>
+              <a:t>3 levels.</a:t>
             </a:r>
             <a:endParaRPr lang="en-US" dirty="0" smtClean="0"/>
           </a:p>
           <a:p>
             <a:r>
-              <a:rPr lang="en-IN" dirty="0" smtClean="0"/>
-              <a:t>2.	Some sites do not allow users to control video          	quality, playback.</a:t>
-            </a:r>
-            <a:endParaRPr lang="en-US" dirty="0" smtClean="0"/>
-          </a:p>
-          <a:p>
-            <a:r>
-              <a:rPr lang="en-IN" dirty="0" smtClean="0"/>
-              <a:t>3.	Quality of content, not user friendly.</a:t>
-            </a:r>
-            <a:endParaRPr lang="en-US" dirty="0" smtClean="0"/>
-          </a:p>
-          <a:p>
-            <a:r>
-              <a:rPr lang="en-IN" dirty="0" smtClean="0"/>
-              <a:t>4.	Some websites use lot of data.</a:t>
-            </a:r>
-            <a:endParaRPr lang="en-US" dirty="0" smtClean="0"/>
-          </a:p>
-          <a:p>
-            <a:r>
-              <a:rPr lang="en-IN" dirty="0" smtClean="0"/>
-              <a:t>5.	Classes in native language is not available</a:t>
-            </a:r>
-            <a:endParaRPr lang="en-US" dirty="0" smtClean="0"/>
-          </a:p>
-          <a:p>
-            <a:r>
-              <a:rPr lang="en-IN" dirty="0" smtClean="0"/>
-              <a:t>6.	Most websites are not compatible with certain browsers and interface is same in different devices.</a:t>
-            </a:r>
-            <a:endParaRPr lang="en-US" dirty="0" smtClean="0"/>
+              <a:rPr lang="en-US" dirty="0" smtClean="0"/>
+              <a:t>P</a:t>
+            </a:r>
+            <a:r>
+              <a:rPr lang="en-US" dirty="0" smtClean="0"/>
+              <a:t>rovides </a:t>
+            </a:r>
+            <a:r>
+              <a:rPr lang="en-US" dirty="0" smtClean="0"/>
+              <a:t>no advertisements.</a:t>
+            </a:r>
+          </a:p>
+          <a:p>
+            <a:r>
+              <a:rPr lang="en-US" dirty="0" smtClean="0"/>
+              <a:t>Provide </a:t>
+            </a:r>
+            <a:r>
+              <a:rPr lang="en-US" dirty="0" smtClean="0"/>
+              <a:t>switches to go from bottom to top, links to other websites to read more and links to give info about keywords.</a:t>
+            </a:r>
+          </a:p>
+          <a:p>
+            <a:r>
+              <a:rPr lang="en-US" dirty="0" smtClean="0"/>
+              <a:t>P</a:t>
+            </a:r>
+            <a:r>
+              <a:rPr lang="en-US" dirty="0" smtClean="0"/>
+              <a:t>rovides </a:t>
+            </a:r>
+            <a:r>
+              <a:rPr lang="en-US" dirty="0" smtClean="0"/>
+              <a:t>feedback and comments to ask doubt.</a:t>
+            </a:r>
+          </a:p>
+          <a:p>
+            <a:r>
+              <a:rPr lang="en-US" dirty="0" smtClean="0"/>
+              <a:t>Provide </a:t>
+            </a:r>
+            <a:r>
+              <a:rPr lang="en-US" dirty="0" smtClean="0"/>
+              <a:t>facilities for online tests.</a:t>
+            </a:r>
+          </a:p>
+          <a:p>
+            <a:r>
+              <a:rPr lang="en-US" dirty="0" smtClean="0"/>
+              <a:t>Provide </a:t>
+            </a:r>
+            <a:r>
+              <a:rPr lang="en-US" dirty="0" smtClean="0"/>
+              <a:t>attractive interface to users(use flip, dark mode etc.).</a:t>
+            </a:r>
           </a:p>
           <a:p>
             <a:endParaRPr lang="en-US" dirty="0"/>
@@ -9239,13 +9412,6 @@
   <p:clrMapOvr>
     <a:masterClrMapping/>
   </p:clrMapOvr>
-  <p:timing>
-    <p:tnLst>
-      <p:par>
-        <p:cTn id="1" dur="indefinite" restart="never" nodeType="tmRoot"/>
-      </p:par>
-    </p:tnLst>
-  </p:timing>
 </p:sld>
 </file>
 
@@ -9273,7 +9439,7 @@
             <a:spLocks noGrp="1"/>
           </p:cNvSpPr>
           <p:nvPr>
-            <p:ph type="ctrTitle"/>
+            <p:ph type="title"/>
           </p:nvPr>
         </p:nvSpPr>
         <p:spPr/>
@@ -9281,30 +9447,21 @@
           <a:bodyPr/>
           <a:lstStyle/>
           <a:p>
-            <a:r>
-              <a:rPr lang="en-US" dirty="0" smtClean="0"/>
-              <a:t>Proposed System</a:t>
-            </a:r>
-            <a:endParaRPr lang="en-US" dirty="0"/>
+            <a:endParaRPr lang="en-US"/>
           </a:p>
         </p:txBody>
       </p:sp>
       <p:sp>
         <p:nvSpPr>
-          <p:cNvPr id="3" name="Subtitle 2"/>
+          <p:cNvPr id="3" name="Content Placeholder 2"/>
           <p:cNvSpPr>
             <a:spLocks noGrp="1"/>
           </p:cNvSpPr>
           <p:nvPr>
-            <p:ph type="subTitle" idx="1"/>
+            <p:ph sz="quarter" idx="1"/>
           </p:nvPr>
         </p:nvSpPr>
-        <p:spPr>
-          <a:xfrm>
-            <a:off x="381000" y="2667000"/>
-            <a:ext cx="8229600" cy="3657600"/>
-          </a:xfrm>
-        </p:spPr>
+        <p:spPr/>
         <p:txBody>
           <a:bodyPr>
             <a:normAutofit/>
@@ -9313,11 +9470,48 @@
           <a:p>
             <a:r>
               <a:rPr lang="en-US" dirty="0" smtClean="0"/>
-              <a:t>requirements being implemented in this tutorial site </a:t>
-            </a:r>
-          </a:p>
-          <a:p>
+              <a:t>Create </a:t>
+            </a:r>
+            <a:r>
+              <a:rPr lang="en-US" dirty="0" smtClean="0"/>
+              <a:t>website that is compatible with most devices and browsers</a:t>
+            </a:r>
+            <a:r>
+              <a:rPr lang="en-US" dirty="0" smtClean="0"/>
+              <a:t>.</a:t>
+            </a:r>
+          </a:p>
+          <a:p>
+            <a:r>
+              <a:rPr lang="en-US" dirty="0" smtClean="0"/>
+              <a:t>Role of admin</a:t>
+            </a:r>
             <a:endParaRPr lang="en-US" dirty="0" smtClean="0"/>
+          </a:p>
+          <a:p>
+            <a:r>
+              <a:rPr lang="en-US" dirty="0" smtClean="0"/>
+              <a:t>Role of inspector</a:t>
+            </a:r>
+          </a:p>
+          <a:p>
+            <a:r>
+              <a:rPr lang="en-US" dirty="0" smtClean="0"/>
+              <a:t>Students</a:t>
+            </a:r>
+          </a:p>
+          <a:p>
+            <a:r>
+              <a:rPr lang="en-US" dirty="0" smtClean="0"/>
+              <a:t>Provide details on what all you can do in this site(welcome note/guide).</a:t>
+            </a:r>
+          </a:p>
+          <a:p>
+            <a:r>
+              <a:rPr lang="en-US" dirty="0" smtClean="0"/>
+              <a:t>Anybody can contribute contents to admin.</a:t>
+            </a:r>
+            <a:endParaRPr lang="en-US" dirty="0"/>
           </a:p>
         </p:txBody>
       </p:sp>
@@ -9355,6 +9549,31 @@
       </p:grpSpPr>
       <p:sp>
         <p:nvSpPr>
+          <p:cNvPr id="2" name="Title 1"/>
+          <p:cNvSpPr>
+            <a:spLocks noGrp="1"/>
+          </p:cNvSpPr>
+          <p:nvPr>
+            <p:ph type="title"/>
+          </p:nvPr>
+        </p:nvSpPr>
+        <p:spPr/>
+        <p:txBody>
+          <a:bodyPr>
+            <a:normAutofit/>
+          </a:bodyPr>
+          <a:lstStyle/>
+          <a:p>
+            <a:r>
+              <a:rPr lang="en-IN" dirty="0" smtClean="0"/>
+              <a:t>Advantage of proposed system</a:t>
+            </a:r>
+            <a:endParaRPr lang="en-US" dirty="0"/>
+          </a:p>
+        </p:txBody>
+      </p:sp>
+      <p:sp>
+        <p:nvSpPr>
           <p:cNvPr id="3" name="Content Placeholder 2"/>
           <p:cNvSpPr>
             <a:spLocks noGrp="1"/>
@@ -9365,65 +9584,63 @@
         </p:nvSpPr>
         <p:spPr/>
         <p:txBody>
-          <a:bodyPr>
-            <a:normAutofit fontScale="85000" lnSpcReduction="20000"/>
-          </a:bodyPr>
+          <a:bodyPr/>
           <a:lstStyle/>
           <a:p>
-            <a:r>
-              <a:rPr lang="en-US" dirty="0" smtClean="0"/>
-              <a:t>1)Video quality and playback options-users are able to change the quality of videos as per their convenience.</a:t>
-            </a:r>
-          </a:p>
-          <a:p>
-            <a:r>
-              <a:rPr lang="en-US" dirty="0" smtClean="0"/>
-              <a:t>2)search bar to search for topics and contents .</a:t>
-            </a:r>
-          </a:p>
-          <a:p>
-            <a:r>
-              <a:rPr lang="en-US" dirty="0" smtClean="0"/>
-              <a:t>3)3 levels:level-0:is a responsive page where content gets updated everyday.level-2:is tutorial videos and content and level-3:totally </a:t>
-            </a:r>
-            <a:r>
-              <a:rPr lang="en-US" dirty="0" err="1" smtClean="0"/>
-              <a:t>pratical</a:t>
-            </a:r>
-            <a:r>
-              <a:rPr lang="en-US" dirty="0" smtClean="0"/>
-              <a:t> class.</a:t>
-            </a:r>
-          </a:p>
-          <a:p>
-            <a:r>
-              <a:rPr lang="en-US" dirty="0" smtClean="0"/>
-              <a:t>4)provides no advertisements.</a:t>
-            </a:r>
-          </a:p>
-          <a:p>
-            <a:r>
-              <a:rPr lang="en-US" dirty="0" smtClean="0"/>
-              <a:t>5)Provide switches to go from bottom to top, links to other websites to read more and links to give info about keywords.</a:t>
-            </a:r>
-          </a:p>
-          <a:p>
-            <a:r>
-              <a:rPr lang="en-US" dirty="0" smtClean="0"/>
-              <a:t>6)provides feedback and comments to ask doubt.</a:t>
-            </a:r>
-          </a:p>
-          <a:p>
-            <a:r>
-              <a:rPr lang="en-US" dirty="0" smtClean="0"/>
-              <a:t>7)Provide facilities for online tests.</a:t>
-            </a:r>
-          </a:p>
-          <a:p>
-            <a:r>
-              <a:rPr lang="en-US" dirty="0" smtClean="0"/>
-              <a:t>8)Provide attractive interface to users(use flip, dark mode etc.).</a:t>
-            </a:r>
+            <a:pPr lvl="0"/>
+            <a:r>
+              <a:rPr lang="en-IN" dirty="0" smtClean="0"/>
+              <a:t>Anybody can contribute contents to admin.</a:t>
+            </a:r>
+            <a:endParaRPr lang="en-US" dirty="0" smtClean="0"/>
+          </a:p>
+          <a:p>
+            <a:pPr lvl="0"/>
+            <a:r>
+              <a:rPr lang="en-IN" dirty="0" smtClean="0"/>
+              <a:t>Students can also earn money my making content.</a:t>
+            </a:r>
+            <a:endParaRPr lang="en-US" dirty="0" smtClean="0"/>
+          </a:p>
+          <a:p>
+            <a:pPr lvl="0"/>
+            <a:r>
+              <a:rPr lang="en-IN" dirty="0" smtClean="0"/>
+              <a:t>Compatible with most devices and browsers.</a:t>
+            </a:r>
+            <a:endParaRPr lang="en-US" dirty="0" smtClean="0"/>
+          </a:p>
+          <a:p>
+            <a:pPr lvl="0"/>
+            <a:r>
+              <a:rPr lang="en-IN" dirty="0" smtClean="0"/>
+              <a:t>Less advertisement and can clear doubts.</a:t>
+            </a:r>
+            <a:endParaRPr lang="en-US" dirty="0" smtClean="0"/>
+          </a:p>
+          <a:p>
+            <a:pPr lvl="0"/>
+            <a:r>
+              <a:rPr lang="en-IN" dirty="0" smtClean="0"/>
+              <a:t>Video quality and playback options for users.</a:t>
+            </a:r>
+            <a:endParaRPr lang="en-US" dirty="0" smtClean="0"/>
+          </a:p>
+          <a:p>
+            <a:pPr lvl="0"/>
+            <a:r>
+              <a:rPr lang="en-IN" dirty="0" smtClean="0"/>
+              <a:t>Easy, efficient and less time consuming.</a:t>
+            </a:r>
+            <a:endParaRPr lang="en-US" dirty="0" smtClean="0"/>
+          </a:p>
+          <a:p>
+            <a:pPr lvl="0"/>
+            <a:r>
+              <a:rPr lang="en-IN" dirty="0" smtClean="0"/>
+              <a:t>high speed response to users. </a:t>
+            </a:r>
+            <a:endParaRPr lang="en-US" dirty="0" smtClean="0"/>
           </a:p>
           <a:p>
             <a:endParaRPr lang="en-US" dirty="0"/>
@@ -9435,6 +9652,13 @@
   <p:clrMapOvr>
     <a:masterClrMapping/>
   </p:clrMapOvr>
+  <p:timing>
+    <p:tnLst>
+      <p:par>
+        <p:cTn id="1" dur="indefinite" restart="never" nodeType="tmRoot"/>
+      </p:par>
+    </p:tnLst>
+  </p:timing>
 </p:sld>
 </file>
 
@@ -9470,7 +9694,11 @@
           <a:bodyPr/>
           <a:lstStyle/>
           <a:p>
-            <a:endParaRPr lang="en-US"/>
+            <a:r>
+              <a:rPr lang="en-IN" b="1" dirty="0" smtClean="0"/>
+              <a:t>Feasibility study</a:t>
+            </a:r>
+            <a:endParaRPr lang="en-US" dirty="0"/>
           </a:p>
         </p:txBody>
       </p:sp>
@@ -9486,53 +9714,26 @@
         </p:nvSpPr>
         <p:spPr/>
         <p:txBody>
-          <a:bodyPr>
-            <a:normAutofit fontScale="70000" lnSpcReduction="20000"/>
-          </a:bodyPr>
+          <a:bodyPr/>
           <a:lstStyle/>
           <a:p>
-            <a:r>
-              <a:rPr lang="en-US" dirty="0" smtClean="0"/>
-              <a:t>9)Create website that is compatible with most devices and </a:t>
-            </a:r>
-            <a:r>
-              <a:rPr lang="en-US" dirty="0" err="1" smtClean="0"/>
-              <a:t>browsers.Admin</a:t>
-            </a:r>
-            <a:r>
-              <a:rPr lang="en-US" dirty="0" smtClean="0"/>
-              <a:t> should be able to add videos and content, view users, view videos and content accepted by inspector and accept payments and view payment details.</a:t>
-            </a:r>
-          </a:p>
-          <a:p>
-            <a:r>
-              <a:rPr lang="en-US" dirty="0" smtClean="0"/>
-              <a:t>10)Inspector should be able to view contents provided by admin and make sure it is relevant and if necessary should be able to add to website and else should be able to remove those.</a:t>
-            </a:r>
-          </a:p>
-          <a:p>
-            <a:r>
-              <a:rPr lang="en-US" dirty="0" smtClean="0"/>
-              <a:t>11)Students should be able to view courses(and demo classes) see their progress, attend tests and request for contents not available in this site. To create interest in students badges can be made given based on their progress.</a:t>
-            </a:r>
-          </a:p>
-          <a:p>
-            <a:r>
-              <a:rPr lang="en-US" dirty="0" smtClean="0"/>
-              <a:t>12)Log sessions of course for student: It is very useful to the student if whatever the student has learned until then are recorded and shown to the user in his dashboard for this, each time the user logs in and learns something it should be recorded and progress of a user in his course should be shown. </a:t>
-            </a:r>
-          </a:p>
-          <a:p>
-            <a:r>
-              <a:rPr lang="en-US" dirty="0" smtClean="0"/>
-              <a:t>13)Provide details on what all you can do in this site(welcome note/guide).</a:t>
-            </a:r>
-          </a:p>
-          <a:p>
-            <a:r>
-              <a:rPr lang="en-US" dirty="0" smtClean="0"/>
-              <a:t>14)Anybody can contribute contents to admin.</a:t>
-            </a:r>
+            <a:pPr>
+              <a:buNone/>
+            </a:pPr>
+            <a:r>
+              <a:rPr lang="en-IN" b="1" dirty="0" smtClean="0"/>
+              <a:t>Economical feasibility</a:t>
+            </a:r>
+            <a:endParaRPr lang="en-US" dirty="0" smtClean="0"/>
+          </a:p>
+          <a:p>
+            <a:r>
+              <a:rPr lang="en-IN" dirty="0" smtClean="0"/>
+              <a:t>Development of this application is economical feasible.  The organization or hypermarket need not spend much money for the accomplishment of the project since the resources required for the development of system is already available. Even after the development, the organization need not be in a position to invest more on maintenance and hence the system is economically feasible.</a:t>
+            </a:r>
+            <a:endParaRPr lang="en-US" dirty="0" smtClean="0"/>
+          </a:p>
+          <a:p>
             <a:endParaRPr lang="en-US" dirty="0"/>
           </a:p>
         </p:txBody>
@@ -9571,31 +9772,6 @@
       </p:grpSpPr>
       <p:sp>
         <p:nvSpPr>
-          <p:cNvPr id="2" name="Title 1"/>
-          <p:cNvSpPr>
-            <a:spLocks noGrp="1"/>
-          </p:cNvSpPr>
-          <p:nvPr>
-            <p:ph type="title"/>
-          </p:nvPr>
-        </p:nvSpPr>
-        <p:spPr/>
-        <p:txBody>
-          <a:bodyPr>
-            <a:normAutofit/>
-          </a:bodyPr>
-          <a:lstStyle/>
-          <a:p>
-            <a:r>
-              <a:rPr lang="en-IN" dirty="0" smtClean="0"/>
-              <a:t>Advantage of proposed system</a:t>
-            </a:r>
-            <a:endParaRPr lang="en-US" dirty="0"/>
-          </a:p>
-        </p:txBody>
-      </p:sp>
-      <p:sp>
-        <p:nvSpPr>
           <p:cNvPr id="3" name="Content Placeholder 2"/>
           <p:cNvSpPr>
             <a:spLocks noGrp="1"/>
@@ -9609,58 +9785,19 @@
           <a:bodyPr/>
           <a:lstStyle/>
           <a:p>
-            <a:pPr lvl="0"/>
+            <a:pPr>
+              <a:buNone/>
+            </a:pPr>
+            <a:r>
+              <a:rPr lang="en-IN" b="1" dirty="0" smtClean="0"/>
+              <a:t>Technical feasibility</a:t>
+            </a:r>
+            <a:endParaRPr lang="en-US" b="1" dirty="0" smtClean="0"/>
+          </a:p>
+          <a:p>
             <a:r>
               <a:rPr lang="en-IN" dirty="0" smtClean="0"/>
-              <a:t>Anybody can contribute contents to admin.</a:t>
-            </a:r>
-            <a:endParaRPr lang="en-US" dirty="0" smtClean="0"/>
-          </a:p>
-          <a:p>
-            <a:pPr lvl="0"/>
-            <a:r>
-              <a:rPr lang="en-IN" dirty="0" smtClean="0"/>
-              <a:t>Students can also earn money my making content.</a:t>
-            </a:r>
-            <a:endParaRPr lang="en-US" dirty="0" smtClean="0"/>
-          </a:p>
-          <a:p>
-            <a:pPr lvl="0"/>
-            <a:r>
-              <a:rPr lang="en-IN" dirty="0" smtClean="0"/>
-              <a:t>Compatible with most devices and browsers.</a:t>
-            </a:r>
-            <a:endParaRPr lang="en-US" dirty="0" smtClean="0"/>
-          </a:p>
-          <a:p>
-            <a:pPr lvl="0"/>
-            <a:r>
-              <a:rPr lang="en-IN" dirty="0" smtClean="0"/>
-              <a:t>Less advertisement and can clear doubts.</a:t>
-            </a:r>
-            <a:endParaRPr lang="en-US" dirty="0" smtClean="0"/>
-          </a:p>
-          <a:p>
-            <a:pPr lvl="0"/>
-            <a:r>
-              <a:rPr lang="en-IN" dirty="0" smtClean="0"/>
-              <a:t>Video quality and playback options for users.</a:t>
-            </a:r>
-            <a:endParaRPr lang="en-US" dirty="0" smtClean="0"/>
-          </a:p>
-          <a:p>
-            <a:pPr lvl="0"/>
-            <a:r>
-              <a:rPr lang="en-IN" dirty="0" smtClean="0"/>
-              <a:t>Easy, efficient and less time consuming.</a:t>
-            </a:r>
-            <a:endParaRPr lang="en-US" dirty="0" smtClean="0"/>
-          </a:p>
-          <a:p>
-            <a:pPr lvl="0"/>
-            <a:r>
-              <a:rPr lang="en-IN" dirty="0" smtClean="0"/>
-              <a:t>high speed response to users. </a:t>
+              <a:t>It involves determining whether or not a system can actually constructed to solve the problem at hand. The proposed system is technically feasible. Since the necessary technology exist in the organization and also will not be much difficulty in getting the required resources for the development and for the maintenance of the system as well. Ph p and android has a neutral architecture.</a:t>
             </a:r>
             <a:endParaRPr lang="en-US" dirty="0" smtClean="0"/>
           </a:p>
@@ -9756,15 +9893,7 @@
             </a:pPr>
             <a:r>
               <a:rPr lang="en-US" dirty="0" smtClean="0"/>
-              <a:t>A </a:t>
-            </a:r>
-            <a:r>
-              <a:rPr lang="en-US" dirty="0" smtClean="0"/>
-              <a:t>tutorial website that provides students with courses on basic computer science </a:t>
-            </a:r>
-            <a:r>
-              <a:rPr lang="en-US" dirty="0" smtClean="0"/>
-              <a:t>topics.</a:t>
+              <a:t>A tutorial website that provides students with courses on basic computer science topics.</a:t>
             </a:r>
             <a:endParaRPr lang="en-US" dirty="0"/>
           </a:p>
@@ -9804,29 +9933,6 @@
       </p:grpSpPr>
       <p:sp>
         <p:nvSpPr>
-          <p:cNvPr id="2" name="Title 1"/>
-          <p:cNvSpPr>
-            <a:spLocks noGrp="1"/>
-          </p:cNvSpPr>
-          <p:nvPr>
-            <p:ph type="title"/>
-          </p:nvPr>
-        </p:nvSpPr>
-        <p:spPr/>
-        <p:txBody>
-          <a:bodyPr/>
-          <a:lstStyle/>
-          <a:p>
-            <a:r>
-              <a:rPr lang="en-IN" b="1" dirty="0" smtClean="0"/>
-              <a:t>Feasibility study</a:t>
-            </a:r>
-            <a:endParaRPr lang="en-US" dirty="0"/>
-          </a:p>
-        </p:txBody>
-      </p:sp>
-      <p:sp>
-        <p:nvSpPr>
           <p:cNvPr id="3" name="Content Placeholder 2"/>
           <p:cNvSpPr>
             <a:spLocks noGrp="1"/>
@@ -9844,15 +9950,23 @@
               <a:buNone/>
             </a:pPr>
             <a:r>
-              <a:rPr lang="en-IN" b="1" dirty="0" smtClean="0"/>
-              <a:t>Economical feasibility</a:t>
-            </a:r>
-            <a:endParaRPr lang="en-US" dirty="0" smtClean="0"/>
+              <a:rPr lang="en-IN" sz="2800" b="1" dirty="0" smtClean="0"/>
+              <a:t>Operational </a:t>
+            </a:r>
+            <a:r>
+              <a:rPr lang="en-IN" sz="2800" b="1" dirty="0" smtClean="0"/>
+              <a:t>feasibility</a:t>
+            </a:r>
+            <a:endParaRPr lang="en-IN" dirty="0" smtClean="0"/>
           </a:p>
           <a:p>
             <a:r>
               <a:rPr lang="en-IN" dirty="0" smtClean="0"/>
-              <a:t>Development of this application is economical feasible.  The organization or hypermarket need not spend much money for the accomplishment of the project since the resources required for the development of system is already available. Even after the development, the organization need not be in a position to invest more on maintenance and hence the system is economically feasible.</a:t>
+              <a:t>Proposed </a:t>
+            </a:r>
+            <a:r>
+              <a:rPr lang="en-IN" dirty="0" smtClean="0"/>
+              <a:t>system is beneficial because they can be turned into information system will meet the organization’s operating requirements.</a:t>
             </a:r>
             <a:endParaRPr lang="en-US" dirty="0" smtClean="0"/>
           </a:p>
@@ -9895,6 +10009,29 @@
       </p:grpSpPr>
       <p:sp>
         <p:nvSpPr>
+          <p:cNvPr id="2" name="Title 1"/>
+          <p:cNvSpPr>
+            <a:spLocks noGrp="1"/>
+          </p:cNvSpPr>
+          <p:nvPr>
+            <p:ph type="title"/>
+          </p:nvPr>
+        </p:nvSpPr>
+        <p:spPr/>
+        <p:txBody>
+          <a:bodyPr/>
+          <a:lstStyle/>
+          <a:p>
+            <a:r>
+              <a:rPr lang="en-US" dirty="0" smtClean="0"/>
+              <a:t>Modules</a:t>
+            </a:r>
+            <a:endParaRPr lang="en-US" dirty="0"/>
+          </a:p>
+        </p:txBody>
+      </p:sp>
+      <p:sp>
+        <p:nvSpPr>
           <p:cNvPr id="3" name="Content Placeholder 2"/>
           <p:cNvSpPr>
             <a:spLocks noGrp="1"/>
@@ -9905,24 +10042,81 @@
         </p:nvSpPr>
         <p:spPr/>
         <p:txBody>
-          <a:bodyPr/>
+          <a:bodyPr>
+            <a:normAutofit fontScale="70000" lnSpcReduction="20000"/>
+          </a:bodyPr>
           <a:lstStyle/>
           <a:p>
             <a:r>
+              <a:rPr lang="en-IN" b="1" dirty="0" smtClean="0"/>
+              <a:t>ADMINISTRATOR MODULE</a:t>
+            </a:r>
+            <a:endParaRPr lang="en-US" dirty="0" smtClean="0"/>
+          </a:p>
+          <a:p>
+            <a:r>
               <a:rPr lang="en-IN" dirty="0" smtClean="0"/>
-              <a:t>Technical feasibility</a:t>
+              <a:t>  Admin should be able to add videos and content, view users, view videos and content accepted by inspector and accept payments and view payment details.</a:t>
             </a:r>
             <a:endParaRPr lang="en-US" dirty="0" smtClean="0"/>
           </a:p>
           <a:p>
             <a:r>
+              <a:rPr lang="en-IN" b="1" dirty="0" smtClean="0"/>
+              <a:t>INSPECTOR MODULE</a:t>
+            </a:r>
+            <a:endParaRPr lang="en-US" dirty="0" smtClean="0"/>
+          </a:p>
+          <a:p>
+            <a:r>
               <a:rPr lang="en-IN" dirty="0" smtClean="0"/>
-              <a:t>It involves determining whether or not a system can actually constructed to solve the problem at hand. The proposed system is technically feasible. Since the necessary technology exist in the organization and also will not be much difficulty in getting the required resources for the development and for the maintenance of the system as well. Ph p and android has a neutral architecture.</a:t>
+              <a:t>Inspector should be able to view contents provided by admin and make sure it is relevant and if necessary should be able to add to website and else should be able to remove those.</a:t>
             </a:r>
             <a:endParaRPr lang="en-US" dirty="0" smtClean="0"/>
           </a:p>
           <a:p>
-            <a:endParaRPr lang="en-US" dirty="0"/>
+            <a:r>
+              <a:rPr lang="en-IN" b="1" dirty="0" smtClean="0"/>
+              <a:t>STUDENT MODULE</a:t>
+            </a:r>
+            <a:endParaRPr lang="en-US" dirty="0" smtClean="0"/>
+          </a:p>
+          <a:p>
+            <a:r>
+              <a:rPr lang="en-IN" dirty="0" smtClean="0"/>
+              <a:t>Students should be able to view courses(and demo classes) see their progress, attend tests and request for contents not available in this site. To create interest in students badges can be made given based on their progress.</a:t>
+            </a:r>
+            <a:endParaRPr lang="en-US" dirty="0" smtClean="0"/>
+          </a:p>
+          <a:p>
+            <a:r>
+              <a:rPr lang="en-IN" b="1" dirty="0" smtClean="0"/>
+              <a:t>TEACHER MODULE</a:t>
+            </a:r>
+            <a:endParaRPr lang="en-US" dirty="0" smtClean="0"/>
+          </a:p>
+          <a:p>
+            <a:r>
+              <a:rPr lang="en-IN" dirty="0" smtClean="0"/>
+              <a:t>Provide content to the admin which are inspected by the </a:t>
+            </a:r>
+            <a:r>
+              <a:rPr lang="en-IN" dirty="0" err="1" smtClean="0"/>
+              <a:t>inpector</a:t>
+            </a:r>
+            <a:r>
+              <a:rPr lang="en-IN" dirty="0" smtClean="0"/>
+              <a:t> and approved or rejected by the </a:t>
+            </a:r>
+            <a:r>
+              <a:rPr lang="en-IN" dirty="0" err="1" smtClean="0"/>
+              <a:t>same.if</a:t>
+            </a:r>
+            <a:r>
+              <a:rPr lang="en-IN" dirty="0" smtClean="0"/>
+              <a:t> approved they get money for the work.</a:t>
+            </a:r>
+            <a:endParaRPr lang="en-US" dirty="0" smtClean="0"/>
           </a:p>
         </p:txBody>
       </p:sp>
@@ -9960,6 +10154,29 @@
       </p:grpSpPr>
       <p:sp>
         <p:nvSpPr>
+          <p:cNvPr id="2" name="Title 1"/>
+          <p:cNvSpPr>
+            <a:spLocks noGrp="1"/>
+          </p:cNvSpPr>
+          <p:nvPr>
+            <p:ph type="title"/>
+          </p:nvPr>
+        </p:nvSpPr>
+        <p:spPr/>
+        <p:txBody>
+          <a:bodyPr/>
+          <a:lstStyle/>
+          <a:p>
+            <a:r>
+              <a:rPr lang="en-US" dirty="0" smtClean="0"/>
+              <a:t>Design</a:t>
+            </a:r>
+            <a:endParaRPr lang="en-US" dirty="0"/>
+          </a:p>
+        </p:txBody>
+      </p:sp>
+      <p:sp>
+        <p:nvSpPr>
           <p:cNvPr id="3" name="Content Placeholder 2"/>
           <p:cNvSpPr>
             <a:spLocks noGrp="1"/>
@@ -9974,45 +10191,35 @@
           <a:lstStyle/>
           <a:p>
             <a:r>
-              <a:rPr lang="en-IN" dirty="0" smtClean="0"/>
-              <a:t>Proposed system is beneficial because they can be turned into information system will meet the organization’s operating requirements.</a:t>
+              <a:rPr lang="en-US" dirty="0" smtClean="0"/>
+              <a:t>DFD</a:t>
+            </a:r>
+          </a:p>
+          <a:p>
+            <a:r>
+              <a:rPr lang="en-US" dirty="0" smtClean="0"/>
+              <a:t>Use case Diagram</a:t>
+            </a:r>
+          </a:p>
+          <a:p>
+            <a:r>
+              <a:rPr lang="en-US" dirty="0" smtClean="0"/>
+              <a:t>ER diagram</a:t>
+            </a:r>
+          </a:p>
+          <a:p>
+            <a:r>
+              <a:rPr lang="en-US" dirty="0" smtClean="0"/>
+              <a:t>Class </a:t>
+            </a:r>
+            <a:r>
+              <a:rPr lang="en-US" dirty="0" smtClean="0"/>
+              <a:t>diagram (since OOP paradigm is used)</a:t>
             </a:r>
             <a:endParaRPr lang="en-US" dirty="0" smtClean="0"/>
           </a:p>
           <a:p>
             <a:endParaRPr lang="en-US" dirty="0"/>
-          </a:p>
-        </p:txBody>
-      </p:sp>
-      <p:sp>
-        <p:nvSpPr>
-          <p:cNvPr id="5" name="Rectangle 4"/>
-          <p:cNvSpPr/>
-          <p:nvPr/>
-        </p:nvSpPr>
-        <p:spPr>
-          <a:xfrm>
-            <a:off x="1752600" y="457200"/>
-            <a:ext cx="5181600" cy="584775"/>
-          </a:xfrm>
-          <a:prstGeom prst="rect">
-            <a:avLst/>
-          </a:prstGeom>
-        </p:spPr>
-        <p:txBody>
-          <a:bodyPr wrap="square">
-            <a:spAutoFit/>
-          </a:bodyPr>
-          <a:lstStyle/>
-          <a:p>
-            <a:pPr>
-              <a:buNone/>
-            </a:pPr>
-            <a:r>
-              <a:rPr lang="en-IN" sz="3200" b="1" dirty="0" smtClean="0"/>
-              <a:t>Operational feasibility</a:t>
-            </a:r>
-            <a:endParaRPr lang="en-US" sz="3200" dirty="0" smtClean="0"/>
           </a:p>
         </p:txBody>
       </p:sp>
@@ -10021,13 +10228,6 @@
   <p:clrMapOvr>
     <a:masterClrMapping/>
   </p:clrMapOvr>
-  <p:timing>
-    <p:tnLst>
-      <p:par>
-        <p:cTn id="1" dur="indefinite" restart="never" nodeType="tmRoot"/>
-      </p:par>
-    </p:tnLst>
-  </p:timing>
 </p:sld>
 </file>
 
@@ -10060,12 +10260,14 @@
         </p:nvSpPr>
         <p:spPr/>
         <p:txBody>
-          <a:bodyPr/>
+          <a:bodyPr>
+            <a:normAutofit/>
+          </a:bodyPr>
           <a:lstStyle/>
           <a:p>
             <a:r>
               <a:rPr lang="en-US" dirty="0" smtClean="0"/>
-              <a:t>Modules</a:t>
+              <a:t>Unified Modeling Language</a:t>
             </a:r>
             <a:endParaRPr lang="en-US" dirty="0"/>
           </a:p>
@@ -10083,81 +10285,31 @@
         </p:nvSpPr>
         <p:spPr/>
         <p:txBody>
-          <a:bodyPr>
-            <a:normAutofit fontScale="70000" lnSpcReduction="20000"/>
-          </a:bodyPr>
+          <a:bodyPr/>
           <a:lstStyle/>
           <a:p>
-            <a:r>
-              <a:rPr lang="en-IN" b="1" dirty="0" smtClean="0"/>
-              <a:t>ADMINISTRATOR MODULE</a:t>
-            </a:r>
-            <a:endParaRPr lang="en-US" dirty="0" smtClean="0"/>
-          </a:p>
-          <a:p>
-            <a:r>
-              <a:rPr lang="en-IN" dirty="0" smtClean="0"/>
-              <a:t>  Admin should be able to add videos and content, view users, view videos and content accepted by inspector and accept payments and view payment details.</a:t>
-            </a:r>
-            <a:endParaRPr lang="en-US" dirty="0" smtClean="0"/>
-          </a:p>
-          <a:p>
-            <a:r>
-              <a:rPr lang="en-IN" b="1" dirty="0" smtClean="0"/>
-              <a:t>INSPECTOR MODULE</a:t>
-            </a:r>
-            <a:endParaRPr lang="en-US" dirty="0" smtClean="0"/>
-          </a:p>
-          <a:p>
-            <a:r>
-              <a:rPr lang="en-IN" dirty="0" smtClean="0"/>
-              <a:t>Inspector should be able to view contents provided by admin and make sure it is relevant and if necessary should be able to add to website and else should be able to remove those.</a:t>
-            </a:r>
-            <a:endParaRPr lang="en-US" dirty="0" smtClean="0"/>
-          </a:p>
-          <a:p>
-            <a:r>
-              <a:rPr lang="en-IN" b="1" dirty="0" smtClean="0"/>
-              <a:t>STUDENT MODULE</a:t>
-            </a:r>
-            <a:endParaRPr lang="en-US" dirty="0" smtClean="0"/>
-          </a:p>
-          <a:p>
-            <a:r>
-              <a:rPr lang="en-IN" dirty="0" smtClean="0"/>
-              <a:t>Students should be able to view courses(and demo classes) see their progress, attend tests and request for contents not available in this site. To create interest in students badges can be made given based on their progress.</a:t>
-            </a:r>
-            <a:endParaRPr lang="en-US" dirty="0" smtClean="0"/>
-          </a:p>
-          <a:p>
-            <a:r>
-              <a:rPr lang="en-IN" b="1" dirty="0" smtClean="0"/>
-              <a:t>TEACHER MODULE</a:t>
-            </a:r>
-            <a:endParaRPr lang="en-US" dirty="0" smtClean="0"/>
-          </a:p>
-          <a:p>
-            <a:r>
-              <a:rPr lang="en-IN" dirty="0" smtClean="0"/>
-              <a:t>Provide content to the admin which are inspected by the </a:t>
-            </a:r>
-            <a:r>
-              <a:rPr lang="en-IN" dirty="0" err="1" smtClean="0"/>
-              <a:t>inpector</a:t>
-            </a:r>
-            <a:r>
-              <a:rPr lang="en-IN" dirty="0" smtClean="0"/>
-              <a:t> and approved or rejected by the </a:t>
-            </a:r>
-            <a:r>
-              <a:rPr lang="en-IN" dirty="0" err="1" smtClean="0"/>
-              <a:t>same.if</a:t>
-            </a:r>
-            <a:r>
-              <a:rPr lang="en-IN" dirty="0" smtClean="0"/>
-              <a:t> approved they get money for the work.</a:t>
-            </a:r>
-            <a:endParaRPr lang="en-US" dirty="0" smtClean="0"/>
+            <a:pPr>
+              <a:buNone/>
+            </a:pPr>
+            <a:r>
+              <a:rPr lang="en-US" dirty="0" smtClean="0"/>
+              <a:t/>
+            </a:r>
+            <a:br>
+              <a:rPr lang="en-US" dirty="0" smtClean="0"/>
+            </a:br>
+            <a:r>
+              <a:rPr lang="en-US" dirty="0" smtClean="0"/>
+              <a:t/>
+            </a:r>
+            <a:br>
+              <a:rPr lang="en-US" dirty="0" smtClean="0"/>
+            </a:br>
+            <a:r>
+              <a:rPr lang="en-US" dirty="0" smtClean="0"/>
+              <a:t>The Unified Modeling Language is a general-purpose, developmental, modeling language in the field of software engineering that is intended to provide a standard way to visualize the design of a system. </a:t>
+            </a:r>
+            <a:endParaRPr lang="en-US" dirty="0"/>
           </a:p>
         </p:txBody>
       </p:sp>
@@ -10166,13 +10318,6 @@
   <p:clrMapOvr>
     <a:masterClrMapping/>
   </p:clrMapOvr>
-  <p:timing>
-    <p:tnLst>
-      <p:par>
-        <p:cTn id="1" dur="indefinite" restart="never" nodeType="tmRoot"/>
-      </p:par>
-    </p:tnLst>
-  </p:timing>
 </p:sld>
 </file>
 
@@ -10195,29 +10340,30 @@
       </p:grpSpPr>
       <p:sp>
         <p:nvSpPr>
-          <p:cNvPr id="2" name="TextBox 1"/>
-          <p:cNvSpPr txBox="1"/>
-          <p:nvPr/>
+          <p:cNvPr id="2" name="Title 1"/>
+          <p:cNvSpPr>
+            <a:spLocks noGrp="1"/>
+          </p:cNvSpPr>
+          <p:nvPr>
+            <p:ph type="title"/>
+          </p:nvPr>
         </p:nvSpPr>
-        <p:spPr>
-          <a:xfrm>
-            <a:off x="1371600" y="609600"/>
-            <a:ext cx="5670142" cy="369332"/>
-          </a:xfrm>
-          <a:prstGeom prst="rect">
-            <a:avLst/>
-          </a:prstGeom>
-          <a:noFill/>
-        </p:spPr>
+        <p:spPr/>
         <p:txBody>
-          <a:bodyPr wrap="none" rtlCol="0">
-            <a:spAutoFit/>
-          </a:bodyPr>
+          <a:bodyPr/>
           <a:lstStyle/>
           <a:p>
             <a:r>
-              <a:rPr lang="en-IN" b="1" dirty="0" smtClean="0"/>
-              <a:t>SOFTWARE REQUIREMENT SPECIFICATION</a:t>
+              <a:rPr lang="en-US" dirty="0" smtClean="0"/>
+              <a:t>UML </a:t>
+            </a:r>
+            <a:r>
+              <a:rPr lang="en-US" dirty="0" err="1" smtClean="0"/>
+              <a:t>Diagrammimg</a:t>
+            </a:r>
+            <a:r>
+              <a:rPr lang="en-US" dirty="0" smtClean="0"/>
+              <a:t> tools</a:t>
             </a:r>
             <a:endParaRPr lang="en-US" dirty="0"/>
           </a:p>
@@ -10225,51 +10371,29 @@
       </p:sp>
       <p:sp>
         <p:nvSpPr>
-          <p:cNvPr id="3" name="TextBox 2"/>
-          <p:cNvSpPr txBox="1"/>
-          <p:nvPr/>
+          <p:cNvPr id="3" name="Content Placeholder 2"/>
+          <p:cNvSpPr>
+            <a:spLocks noGrp="1"/>
+          </p:cNvSpPr>
+          <p:nvPr>
+            <p:ph sz="quarter" idx="1"/>
+          </p:nvPr>
         </p:nvSpPr>
-        <p:spPr>
-          <a:xfrm>
-            <a:off x="609600" y="1676400"/>
-            <a:ext cx="7848600" cy="1200329"/>
-          </a:xfrm>
-          <a:prstGeom prst="rect">
-            <a:avLst/>
-          </a:prstGeom>
-          <a:noFill/>
-        </p:spPr>
+        <p:spPr/>
         <p:txBody>
-          <a:bodyPr wrap="square" rtlCol="0">
-            <a:spAutoFit/>
-          </a:bodyPr>
+          <a:bodyPr/>
           <a:lstStyle/>
           <a:p>
             <a:r>
-              <a:rPr lang="en-IN" dirty="0" smtClean="0"/>
-              <a:t>Operating system: windows 10</a:t>
-            </a:r>
-            <a:endParaRPr lang="en-US" dirty="0" smtClean="0"/>
-          </a:p>
-          <a:p>
-            <a:r>
-              <a:rPr lang="en-IN" dirty="0" smtClean="0"/>
-              <a:t>Front end: PHP</a:t>
-            </a:r>
-            <a:endParaRPr lang="en-US" dirty="0" smtClean="0"/>
-          </a:p>
-          <a:p>
-            <a:r>
-              <a:rPr lang="en-IN" dirty="0" smtClean="0"/>
-              <a:t>Back end: </a:t>
-            </a:r>
-            <a:r>
-              <a:rPr lang="en-IN" dirty="0" err="1" smtClean="0"/>
-              <a:t>MySQL</a:t>
-            </a:r>
-            <a:endParaRPr lang="en-US" dirty="0" smtClean="0"/>
-          </a:p>
-          <a:p>
+              <a:rPr lang="en-US" dirty="0" smtClean="0"/>
+              <a:t>Start UML</a:t>
+            </a:r>
+          </a:p>
+          <a:p>
+            <a:r>
+              <a:rPr lang="en-US" dirty="0" smtClean="0"/>
+              <a:t>Lucid Chart</a:t>
+            </a:r>
             <a:endParaRPr lang="en-US" dirty="0"/>
           </a:p>
         </p:txBody>
@@ -10279,13 +10403,6 @@
   <p:clrMapOvr>
     <a:masterClrMapping/>
   </p:clrMapOvr>
-  <p:timing>
-    <p:tnLst>
-      <p:par>
-        <p:cTn id="1" dur="indefinite" restart="never" nodeType="tmRoot"/>
-      </p:par>
-    </p:tnLst>
-  </p:timing>
 </p:sld>
 </file>
 
@@ -10323,7 +10440,7 @@
           <a:p>
             <a:r>
               <a:rPr lang="en-US" dirty="0" smtClean="0"/>
-              <a:t>Design</a:t>
+              <a:t>Use Case Diagram</a:t>
             </a:r>
             <a:endParaRPr lang="en-US" dirty="0"/>
           </a:p>
@@ -10341,33 +10458,21 @@
         </p:nvSpPr>
         <p:spPr/>
         <p:txBody>
-          <a:bodyPr/>
+          <a:bodyPr anchor="ctr"/>
           <a:lstStyle/>
           <a:p>
+            <a:pPr fontAlgn="base">
+              <a:buNone/>
+            </a:pPr>
             <a:r>
               <a:rPr lang="en-US" dirty="0" smtClean="0"/>
-              <a:t>DFD</a:t>
-            </a:r>
-          </a:p>
-          <a:p>
-            <a:r>
-              <a:rPr lang="en-US" dirty="0" smtClean="0"/>
-              <a:t>Use case Diagram</a:t>
-            </a:r>
-          </a:p>
-          <a:p>
-            <a:r>
-              <a:rPr lang="en-US" dirty="0" smtClean="0"/>
-              <a:t>ER diagram</a:t>
-            </a:r>
-          </a:p>
-          <a:p>
-            <a:r>
-              <a:rPr lang="en-US" dirty="0" smtClean="0"/>
-              <a:t>Class diagram</a:t>
-            </a:r>
-          </a:p>
-          <a:p>
+              <a:t>	The purpose of a use case diagram in UML is to demonstrate the different ways that a user might interact with a system. </a:t>
+            </a:r>
+          </a:p>
+          <a:p>
+            <a:pPr>
+              <a:buNone/>
+            </a:pPr>
             <a:endParaRPr lang="en-US" dirty="0"/>
           </a:p>
         </p:txBody>
@@ -10415,8 +10520,8 @@
           <a:lstStyle/>
           <a:p>
             <a:r>
-              <a:rPr lang="en-US" dirty="0" smtClean="0"/>
-              <a:t>Unified Modeling Language</a:t>
+              <a:rPr lang="en-US" b="1" dirty="0" smtClean="0"/>
+              <a:t>symbols and notation</a:t>
             </a:r>
             <a:endParaRPr lang="en-US" dirty="0"/>
           </a:p>
@@ -10434,31 +10539,53 @@
         </p:nvSpPr>
         <p:spPr/>
         <p:txBody>
-          <a:bodyPr/>
+          <a:bodyPr>
+            <a:normAutofit/>
+          </a:bodyPr>
           <a:lstStyle/>
           <a:p>
-            <a:pPr>
-              <a:buNone/>
-            </a:pPr>
-            <a:r>
-              <a:rPr lang="en-US" dirty="0" smtClean="0"/>
-              <a:t/>
-            </a:r>
-            <a:br>
-              <a:rPr lang="en-US" dirty="0" smtClean="0"/>
-            </a:br>
-            <a:r>
-              <a:rPr lang="en-US" dirty="0" smtClean="0"/>
-              <a:t/>
-            </a:r>
-            <a:br>
-              <a:rPr lang="en-US" dirty="0" smtClean="0"/>
-            </a:br>
-            <a:r>
-              <a:rPr lang="en-US" dirty="0" smtClean="0"/>
-              <a:t>The Unified Modeling Language is a general-purpose, developmental, modeling language in the field of software engineering that is intended to provide a standard way to visualize the design of a system. </a:t>
-            </a:r>
-            <a:endParaRPr lang="en-US" dirty="0"/>
+            <a:pPr fontAlgn="base"/>
+            <a:r>
+              <a:rPr lang="en-US" sz="2400" b="1" dirty="0" smtClean="0"/>
+              <a:t>Use cases:</a:t>
+            </a:r>
+            <a:r>
+              <a:rPr lang="en-US" sz="2400" dirty="0" smtClean="0"/>
+              <a:t> Horizontally shaped ovals that represent the different uses that a user might have.</a:t>
+            </a:r>
+          </a:p>
+          <a:p>
+            <a:pPr fontAlgn="base"/>
+            <a:r>
+              <a:rPr lang="en-US" sz="2400" b="1" dirty="0" smtClean="0"/>
+              <a:t>Actors:</a:t>
+            </a:r>
+            <a:r>
+              <a:rPr lang="en-US" sz="2400" dirty="0" smtClean="0"/>
+              <a:t> Stick figures that represent the people actually employing the use cases.</a:t>
+            </a:r>
+          </a:p>
+          <a:p>
+            <a:pPr fontAlgn="base"/>
+            <a:r>
+              <a:rPr lang="en-US" sz="2400" b="1" dirty="0" smtClean="0"/>
+              <a:t>Associations:</a:t>
+            </a:r>
+            <a:r>
+              <a:rPr lang="en-US" sz="2400" dirty="0" smtClean="0"/>
+              <a:t> A line between actors and use cases. In complex diagrams, it is important to know which actors are associated with which use cases.</a:t>
+            </a:r>
+          </a:p>
+          <a:p>
+            <a:r>
+              <a:rPr lang="en-US" sz="2400" b="1" dirty="0" smtClean="0"/>
+              <a:t>Packages:</a:t>
+            </a:r>
+            <a:r>
+              <a:rPr lang="en-US" sz="2400" dirty="0" smtClean="0"/>
+              <a:t> A UML shape that allows you to put different elements into groups. Just as with component diagrams, these groupings are represented as file folders.</a:t>
+            </a:r>
+            <a:endParaRPr lang="en-US" sz="2400" dirty="0"/>
           </a:p>
         </p:txBody>
       </p:sp>
@@ -10471,6 +10598,63 @@
 </file>
 
 <file path=ppt/slides/slide27.xml><?xml version="1.0" encoding="utf-8"?>
+<p:sld xmlns:a="http://schemas.openxmlformats.org/drawingml/2006/main" xmlns:r="http://schemas.openxmlformats.org/officeDocument/2006/relationships" xmlns:p="http://schemas.openxmlformats.org/presentationml/2006/main">
+  <p:cSld>
+    <p:spTree>
+      <p:nvGrpSpPr>
+        <p:cNvPr id="1" name=""/>
+        <p:cNvGrpSpPr/>
+        <p:nvPr/>
+      </p:nvGrpSpPr>
+      <p:grpSpPr>
+        <a:xfrm>
+          <a:off x="0" y="0"/>
+          <a:ext cx="0" cy="0"/>
+          <a:chOff x="0" y="0"/>
+          <a:chExt cx="0" cy="0"/>
+        </a:xfrm>
+      </p:grpSpPr>
+      <p:pic>
+        <p:nvPicPr>
+          <p:cNvPr id="2050" name="Picture 2" descr="Symbols-of-use-case-diagrams"/>
+          <p:cNvPicPr>
+            <a:picLocks noChangeAspect="1" noChangeArrowheads="1"/>
+          </p:cNvPicPr>
+          <p:nvPr/>
+        </p:nvPicPr>
+        <p:blipFill>
+          <a:blip r:embed="rId2"/>
+          <a:srcRect/>
+          <a:stretch>
+            <a:fillRect/>
+          </a:stretch>
+        </p:blipFill>
+        <p:spPr bwMode="auto">
+          <a:xfrm>
+            <a:off x="990600" y="304800"/>
+            <a:ext cx="6324600" cy="5943600"/>
+          </a:xfrm>
+          <a:prstGeom prst="rect">
+            <a:avLst/>
+          </a:prstGeom>
+          <a:noFill/>
+          <a:ln w="9525">
+            <a:noFill/>
+            <a:miter lim="800000"/>
+            <a:headEnd/>
+            <a:tailEnd/>
+          </a:ln>
+        </p:spPr>
+      </p:pic>
+    </p:spTree>
+  </p:cSld>
+  <p:clrMapOvr>
+    <a:masterClrMapping/>
+  </p:clrMapOvr>
+</p:sld>
+</file>
+
+<file path=ppt/slides/slide28.xml><?xml version="1.0" encoding="utf-8"?>
 <p:sld xmlns:a="http://schemas.openxmlformats.org/drawingml/2006/main" xmlns:r="http://schemas.openxmlformats.org/officeDocument/2006/relationships" xmlns:p="http://schemas.openxmlformats.org/presentationml/2006/main">
   <p:cSld>
     <p:spTree>
@@ -10504,7 +10688,7 @@
           <a:p>
             <a:r>
               <a:rPr lang="en-US" dirty="0" smtClean="0"/>
-              <a:t>Use Case Diagram</a:t>
+              <a:t>Class Diagram</a:t>
             </a:r>
             <a:endParaRPr lang="en-US" dirty="0"/>
           </a:p>
@@ -10522,100 +10706,16 @@
         </p:nvSpPr>
         <p:spPr/>
         <p:txBody>
-          <a:bodyPr anchor="ctr"/>
+          <a:bodyPr/>
           <a:lstStyle/>
-          <a:p>
-            <a:pPr fontAlgn="base">
-              <a:buNone/>
-            </a:pPr>
-            <a:r>
-              <a:rPr lang="en-US" dirty="0" smtClean="0"/>
-              <a:t>	The purpose of a use case diagram in UML is to demonstrate the different ways that a user might interact with a system. </a:t>
-            </a:r>
-          </a:p>
           <a:p>
             <a:pPr>
               <a:buNone/>
             </a:pPr>
-            <a:endParaRPr lang="en-US" dirty="0"/>
-          </a:p>
-        </p:txBody>
-      </p:sp>
-    </p:spTree>
-  </p:cSld>
-  <p:clrMapOvr>
-    <a:masterClrMapping/>
-  </p:clrMapOvr>
-</p:sld>
-</file>
-
-<file path=ppt/slides/slide28.xml><?xml version="1.0" encoding="utf-8"?>
-<p:sld xmlns:a="http://schemas.openxmlformats.org/drawingml/2006/main" xmlns:r="http://schemas.openxmlformats.org/officeDocument/2006/relationships" xmlns:p="http://schemas.openxmlformats.org/presentationml/2006/main">
-  <p:cSld>
-    <p:spTree>
-      <p:nvGrpSpPr>
-        <p:cNvPr id="1" name=""/>
-        <p:cNvGrpSpPr/>
-        <p:nvPr/>
-      </p:nvGrpSpPr>
-      <p:grpSpPr>
-        <a:xfrm>
-          <a:off x="0" y="0"/>
-          <a:ext cx="0" cy="0"/>
-          <a:chOff x="0" y="0"/>
-          <a:chExt cx="0" cy="0"/>
-        </a:xfrm>
-      </p:grpSpPr>
-      <p:sp>
-        <p:nvSpPr>
-          <p:cNvPr id="3" name="Content Placeholder 2"/>
-          <p:cNvSpPr>
-            <a:spLocks noGrp="1"/>
-          </p:cNvSpPr>
-          <p:nvPr>
-            <p:ph sz="quarter" idx="1"/>
-          </p:nvPr>
-        </p:nvSpPr>
-        <p:spPr/>
-        <p:txBody>
-          <a:bodyPr>
-            <a:normAutofit fontScale="92500"/>
-          </a:bodyPr>
-          <a:lstStyle/>
-          <a:p>
-            <a:pPr fontAlgn="base">
-              <a:buNone/>
-            </a:pPr>
             <a:r>
               <a:rPr lang="en-US" dirty="0" smtClean="0"/>
-              <a:t>	In the Unified Modeling Language (UML), a use case diagram can summarize the details of your system's users (also known as actors) and their interactions with the system. To build one, you'll use a set of specialized symbols and connectors. An effective use case diagram can help your team discuss and represent:</a:t>
-            </a:r>
-          </a:p>
-          <a:p>
-            <a:pPr fontAlgn="base"/>
-            <a:r>
-              <a:rPr lang="en-US" dirty="0" smtClean="0"/>
-              <a:t>Scenarios in which your system or application interacts with people, organizations, or external systems</a:t>
-            </a:r>
-          </a:p>
-          <a:p>
-            <a:pPr fontAlgn="base"/>
-            <a:r>
-              <a:rPr lang="en-US" dirty="0" smtClean="0"/>
-              <a:t>Goals that your system or application helps those entities (known as actors) achieve</a:t>
-            </a:r>
-          </a:p>
-          <a:p>
-            <a:pPr fontAlgn="base"/>
-            <a:r>
-              <a:rPr lang="en-US" dirty="0" smtClean="0"/>
-              <a:t>The scope of your system</a:t>
-            </a:r>
-          </a:p>
-          <a:p>
-            <a:pPr>
-              <a:buNone/>
-            </a:pPr>
+              <a:t>	Class diagrams are one of the most useful types of diagrams in UML as they clearly map out the structure of a particular system by modeling its classes, attributes, operations, and relationships between objects.</a:t>
+            </a:r>
             <a:endParaRPr lang="en-US" dirty="0"/>
           </a:p>
         </p:txBody>
@@ -10664,7 +10764,7 @@
           <a:p>
             <a:r>
               <a:rPr lang="en-US" b="1" dirty="0" smtClean="0"/>
-              <a:t>symbols and notation</a:t>
+              <a:t>Basic components of a class diagram</a:t>
             </a:r>
             <a:endParaRPr lang="en-US" dirty="0"/>
           </a:p>
@@ -10683,52 +10783,92 @@
         <p:spPr/>
         <p:txBody>
           <a:bodyPr>
-            <a:normAutofit/>
+            <a:normAutofit fontScale="92500" lnSpcReduction="10000"/>
           </a:bodyPr>
           <a:lstStyle/>
           <a:p>
+            <a:pPr marL="514350" indent="-514350" fontAlgn="base">
+              <a:buFont typeface="+mj-lt"/>
+              <a:buAutoNum type="arabicPeriod"/>
+            </a:pPr>
+            <a:r>
+              <a:rPr lang="en-US" b="1" dirty="0" smtClean="0"/>
+              <a:t>Classes</a:t>
+            </a:r>
+          </a:p>
+          <a:p>
+            <a:pPr marL="514350" indent="-514350" fontAlgn="base">
+              <a:buFont typeface="+mj-lt"/>
+              <a:buAutoNum type="arabicPeriod"/>
+            </a:pPr>
+            <a:r>
+              <a:rPr lang="en-US" b="1" dirty="0" smtClean="0"/>
+              <a:t>Attributes</a:t>
+            </a:r>
+          </a:p>
+          <a:p>
+            <a:pPr marL="514350" indent="-514350" fontAlgn="base">
+              <a:buFont typeface="+mj-lt"/>
+              <a:buAutoNum type="arabicPeriod"/>
+            </a:pPr>
+            <a:r>
+              <a:rPr lang="en-US" b="1" dirty="0" smtClean="0"/>
+              <a:t>Methods</a:t>
+            </a:r>
+            <a:endParaRPr lang="en-US" dirty="0" smtClean="0"/>
+          </a:p>
+          <a:p>
+            <a:pPr marL="514350" indent="-514350" fontAlgn="base">
+              <a:buFont typeface="+mj-lt"/>
+              <a:buAutoNum type="arabicPeriod"/>
+            </a:pPr>
+            <a:r>
+              <a:rPr lang="en-US" b="1" dirty="0" smtClean="0"/>
+              <a:t>Member access modifiers</a:t>
+            </a:r>
+          </a:p>
+          <a:p>
+            <a:pPr fontAlgn="base">
+              <a:buNone/>
+            </a:pPr>
+            <a:r>
+              <a:rPr lang="en-US" dirty="0" smtClean="0"/>
+              <a:t>	All classes have different access levels depending on the access modifier (visibility). Here are the access levels with their corresponding symbols:</a:t>
+            </a:r>
+          </a:p>
+          <a:p>
             <a:pPr fontAlgn="base"/>
             <a:r>
-              <a:rPr lang="en-US" sz="2400" b="1" dirty="0" smtClean="0"/>
-              <a:t>Use cases:</a:t>
-            </a:r>
-            <a:r>
-              <a:rPr lang="en-US" sz="2400" dirty="0" smtClean="0"/>
-              <a:t> Horizontally shaped ovals that represent the different uses that a user might have.</a:t>
+              <a:rPr lang="en-US" dirty="0" smtClean="0"/>
+              <a:t>Public (+)</a:t>
             </a:r>
           </a:p>
           <a:p>
             <a:pPr fontAlgn="base"/>
             <a:r>
-              <a:rPr lang="en-US" sz="2400" b="1" dirty="0" smtClean="0"/>
-              <a:t>Actors:</a:t>
-            </a:r>
-            <a:r>
-              <a:rPr lang="en-US" sz="2400" dirty="0" smtClean="0"/>
-              <a:t> Stick figures that represent the people actually employing the use cases.</a:t>
+              <a:rPr lang="en-US" dirty="0" smtClean="0"/>
+              <a:t>Private (-)</a:t>
             </a:r>
           </a:p>
           <a:p>
             <a:pPr fontAlgn="base"/>
             <a:r>
-              <a:rPr lang="en-US" sz="2400" b="1" dirty="0" smtClean="0"/>
-              <a:t>Associations:</a:t>
-            </a:r>
-            <a:r>
-              <a:rPr lang="en-US" sz="2400" dirty="0" smtClean="0"/>
-              <a:t> A line between actors and use cases. In complex diagrams, it is important to know which actors are associated with which use cases.</a:t>
-            </a:r>
-          </a:p>
-          <a:p>
-            <a:r>
-              <a:rPr lang="en-US" sz="2400" b="1" dirty="0" smtClean="0"/>
-              <a:t>Packages:</a:t>
-            </a:r>
-            <a:r>
-              <a:rPr lang="en-US" sz="2400" dirty="0" smtClean="0"/>
-              <a:t> A UML shape that allows you to put different elements into groups. Just as with component diagrams, these groupings are represented as file folders.</a:t>
-            </a:r>
-            <a:endParaRPr lang="en-US" sz="2400" dirty="0"/>
+              <a:rPr lang="en-US" dirty="0" smtClean="0"/>
+              <a:t>Protected (#)</a:t>
+            </a:r>
+          </a:p>
+          <a:p>
+            <a:pPr fontAlgn="base"/>
+            <a:r>
+              <a:rPr lang="en-US" dirty="0" smtClean="0"/>
+              <a:t>Package (~)</a:t>
+            </a:r>
+          </a:p>
+          <a:p>
+            <a:pPr>
+              <a:buNone/>
+            </a:pPr>
+            <a:endParaRPr lang="en-US" dirty="0"/>
           </a:p>
         </p:txBody>
       </p:sp>
@@ -10797,24 +10937,16 @@
           <a:p>
             <a:r>
               <a:rPr lang="en-US" dirty="0" smtClean="0"/>
-              <a:t>This website provides quality classes to students for a low </a:t>
-            </a:r>
+              <a:t>This website provides quality classes to students for a low price.</a:t>
+            </a:r>
+          </a:p>
+          <a:p>
+            <a:endParaRPr lang="en-US" dirty="0" smtClean="0"/>
+          </a:p>
+          <a:p>
             <a:r>
               <a:rPr lang="en-US" dirty="0" smtClean="0"/>
-              <a:t>price.</a:t>
-            </a:r>
-          </a:p>
-          <a:p>
-            <a:endParaRPr lang="en-US" dirty="0" smtClean="0"/>
-          </a:p>
-          <a:p>
-            <a:r>
-              <a:rPr lang="en-US" dirty="0" smtClean="0"/>
-              <a:t>Provides features that help in testing  what they </a:t>
-            </a:r>
-            <a:r>
-              <a:rPr lang="en-US" dirty="0" smtClean="0"/>
-              <a:t>learned.</a:t>
+              <a:t>Provides features that help in testing  what they learned.</a:t>
             </a:r>
           </a:p>
           <a:p>
@@ -10860,55 +10992,32 @@
           <a:chExt cx="0" cy="0"/>
         </a:xfrm>
       </p:grpSpPr>
-      <p:sp>
-        <p:nvSpPr>
-          <p:cNvPr id="2" name="Title 1"/>
-          <p:cNvSpPr>
-            <a:spLocks noGrp="1"/>
-          </p:cNvSpPr>
-          <p:nvPr>
-            <p:ph type="title"/>
-          </p:nvPr>
-        </p:nvSpPr>
-        <p:spPr/>
-        <p:txBody>
-          <a:bodyPr/>
-          <a:lstStyle/>
-          <a:p>
-            <a:r>
-              <a:rPr lang="en-US" dirty="0" smtClean="0"/>
-              <a:t>Class Diagram</a:t>
-            </a:r>
-            <a:endParaRPr lang="en-US" dirty="0"/>
-          </a:p>
-        </p:txBody>
-      </p:sp>
-      <p:sp>
-        <p:nvSpPr>
-          <p:cNvPr id="3" name="Content Placeholder 2"/>
-          <p:cNvSpPr>
-            <a:spLocks noGrp="1"/>
-          </p:cNvSpPr>
-          <p:nvPr>
-            <p:ph sz="quarter" idx="1"/>
-          </p:nvPr>
-        </p:nvSpPr>
-        <p:spPr/>
-        <p:txBody>
-          <a:bodyPr/>
-          <a:lstStyle/>
-          <a:p>
-            <a:pPr>
-              <a:buNone/>
-            </a:pPr>
-            <a:r>
-              <a:rPr lang="en-US" dirty="0" smtClean="0"/>
-              <a:t>	Class diagrams are one of the most useful types of diagrams in UML as they clearly map out the structure of a particular system by modeling its classes, attributes, operations, and relationships between objects.</a:t>
-            </a:r>
-            <a:endParaRPr lang="en-US" dirty="0"/>
-          </a:p>
-        </p:txBody>
-      </p:sp>
+      <p:pic>
+        <p:nvPicPr>
+          <p:cNvPr id="3074" name="Picture 2" descr="C:\Users\COMPAQ\Desktop\notation_class.jpg"/>
+          <p:cNvPicPr>
+            <a:picLocks noChangeAspect="1" noChangeArrowheads="1"/>
+          </p:cNvPicPr>
+          <p:nvPr/>
+        </p:nvPicPr>
+        <p:blipFill>
+          <a:blip r:embed="rId2"/>
+          <a:srcRect/>
+          <a:stretch>
+            <a:fillRect/>
+          </a:stretch>
+        </p:blipFill>
+        <p:spPr bwMode="auto">
+          <a:xfrm>
+            <a:off x="457200" y="1143000"/>
+            <a:ext cx="7793976" cy="3838575"/>
+          </a:xfrm>
+          <a:prstGeom prst="rect">
+            <a:avLst/>
+          </a:prstGeom>
+          <a:noFill/>
+        </p:spPr>
+      </p:pic>
     </p:spTree>
   </p:cSld>
   <p:clrMapOvr>
@@ -10946,14 +11055,12 @@
         </p:nvSpPr>
         <p:spPr/>
         <p:txBody>
-          <a:bodyPr>
-            <a:normAutofit/>
-          </a:bodyPr>
+          <a:bodyPr/>
           <a:lstStyle/>
           <a:p>
             <a:r>
-              <a:rPr lang="en-US" b="1" dirty="0" smtClean="0"/>
-              <a:t>Basic components of a class diagram</a:t>
+              <a:rPr lang="en-US" dirty="0" smtClean="0"/>
+              <a:t>DFD</a:t>
             </a:r>
             <a:endParaRPr lang="en-US" dirty="0"/>
           </a:p>
@@ -10971,92 +11078,16 @@
         </p:nvSpPr>
         <p:spPr/>
         <p:txBody>
-          <a:bodyPr>
-            <a:normAutofit fontScale="92500" lnSpcReduction="10000"/>
-          </a:bodyPr>
+          <a:bodyPr anchor="ctr"/>
           <a:lstStyle/>
-          <a:p>
-            <a:pPr marL="514350" indent="-514350" fontAlgn="base">
-              <a:buFont typeface="+mj-lt"/>
-              <a:buAutoNum type="arabicPeriod"/>
-            </a:pPr>
-            <a:r>
-              <a:rPr lang="en-US" b="1" dirty="0" smtClean="0"/>
-              <a:t>Classes</a:t>
-            </a:r>
-          </a:p>
-          <a:p>
-            <a:pPr marL="514350" indent="-514350" fontAlgn="base">
-              <a:buFont typeface="+mj-lt"/>
-              <a:buAutoNum type="arabicPeriod"/>
-            </a:pPr>
-            <a:r>
-              <a:rPr lang="en-US" b="1" dirty="0" smtClean="0"/>
-              <a:t>Attributes</a:t>
-            </a:r>
-          </a:p>
-          <a:p>
-            <a:pPr marL="514350" indent="-514350" fontAlgn="base">
-              <a:buFont typeface="+mj-lt"/>
-              <a:buAutoNum type="arabicPeriod"/>
-            </a:pPr>
-            <a:r>
-              <a:rPr lang="en-US" b="1" dirty="0" smtClean="0"/>
-              <a:t>Methods</a:t>
-            </a:r>
-            <a:endParaRPr lang="en-US" dirty="0" smtClean="0"/>
-          </a:p>
-          <a:p>
-            <a:pPr marL="514350" indent="-514350" fontAlgn="base">
-              <a:buFont typeface="+mj-lt"/>
-              <a:buAutoNum type="arabicPeriod"/>
-            </a:pPr>
-            <a:r>
-              <a:rPr lang="en-US" b="1" dirty="0" smtClean="0"/>
-              <a:t>Member access modifiers</a:t>
-            </a:r>
-          </a:p>
-          <a:p>
-            <a:pPr fontAlgn="base">
-              <a:buNone/>
-            </a:pPr>
-            <a:r>
-              <a:rPr lang="en-US" dirty="0" smtClean="0"/>
-              <a:t>	All classes have different access levels depending on the access modifier (visibility). Here are the access levels with their corresponding symbols:</a:t>
-            </a:r>
-          </a:p>
-          <a:p>
-            <a:pPr fontAlgn="base"/>
-            <a:r>
-              <a:rPr lang="en-US" dirty="0" smtClean="0"/>
-              <a:t>Public (+)</a:t>
-            </a:r>
-          </a:p>
-          <a:p>
-            <a:pPr fontAlgn="base"/>
-            <a:r>
-              <a:rPr lang="en-US" dirty="0" smtClean="0"/>
-              <a:t>Private (-)</a:t>
-            </a:r>
-          </a:p>
-          <a:p>
-            <a:pPr fontAlgn="base"/>
-            <a:r>
-              <a:rPr lang="en-US" dirty="0" smtClean="0"/>
-              <a:t>Protected (#)</a:t>
-            </a:r>
-          </a:p>
-          <a:p>
-            <a:pPr fontAlgn="base"/>
-            <a:r>
-              <a:rPr lang="en-US" dirty="0" smtClean="0"/>
-              <a:t>Package (~)</a:t>
-            </a:r>
-          </a:p>
           <a:p>
             <a:pPr>
               <a:buNone/>
             </a:pPr>
+            <a:r>
+              <a:rPr lang="en-US" dirty="0" smtClean="0"/>
+              <a:t>	A data flow diagram (DFD) maps out the flow of information for any process or system. It uses defined symbols like rectangles, circles and arrows, plus short text labels, to show data inputs, outputs, storage points and the routes between each destination. Data flowcharts can range from simple, even hand-drawn process overviews, to in-depth, multi-level DFDs that dig progressively deeper into how the data is handled.</a:t>
+            </a:r>
             <a:endParaRPr lang="en-US" dirty="0"/>
           </a:p>
         </p:txBody>
@@ -11105,7 +11136,7 @@
           <a:p>
             <a:r>
               <a:rPr lang="en-US" b="1" dirty="0" smtClean="0"/>
-              <a:t>Interactions of class diagram</a:t>
+              <a:t>What is an ER diagram?</a:t>
             </a:r>
             <a:endParaRPr lang="en-US" dirty="0"/>
           </a:p>
@@ -11123,12 +11154,15 @@
         </p:nvSpPr>
         <p:spPr/>
         <p:txBody>
-          <a:bodyPr/>
+          <a:bodyPr anchor="ctr"/>
           <a:lstStyle/>
           <a:p>
-            <a:r>
-              <a:rPr lang="en-US" b="1" dirty="0" smtClean="0"/>
-              <a:t>Inheritance</a:t>
+            <a:pPr>
+              <a:buNone/>
+            </a:pPr>
+            <a:r>
+              <a:rPr lang="en-US" dirty="0" smtClean="0"/>
+              <a:t>	An Entity Relationship (ER) Diagram is a type of flowchart that illustrates how “entities” such as people, objects or concepts relate to each other within a system. ER Diagrams are most often used to design or debug relational databases in the fields of software engineering</a:t>
             </a:r>
             <a:endParaRPr lang="en-US" dirty="0"/>
           </a:p>
@@ -11171,12 +11205,14 @@
         </p:nvSpPr>
         <p:spPr/>
         <p:txBody>
-          <a:bodyPr/>
+          <a:bodyPr>
+            <a:normAutofit/>
+          </a:bodyPr>
           <a:lstStyle/>
           <a:p>
             <a:r>
-              <a:rPr lang="en-US" dirty="0" smtClean="0"/>
-              <a:t>DFD</a:t>
+              <a:rPr lang="en-US" b="1" dirty="0" smtClean="0"/>
+              <a:t>The components of an ER diagram</a:t>
             </a:r>
             <a:endParaRPr lang="en-US" dirty="0"/>
           </a:p>
@@ -11194,16 +11230,79 @@
         </p:nvSpPr>
         <p:spPr/>
         <p:txBody>
-          <a:bodyPr anchor="ctr"/>
+          <a:bodyPr/>
           <a:lstStyle/>
           <a:p>
-            <a:pPr>
+            <a:pPr fontAlgn="base"/>
+            <a:r>
+              <a:rPr lang="en-US" b="1" dirty="0" err="1" smtClean="0"/>
+              <a:t>Entity:</a:t>
+            </a:r>
+            <a:r>
+              <a:rPr lang="en-US" dirty="0" err="1" smtClean="0"/>
+              <a:t>A</a:t>
+            </a:r>
+            <a:r>
+              <a:rPr lang="en-US" dirty="0" smtClean="0"/>
+              <a:t> definable thing—such as a person, object, concept or event—that can have data stored about it</a:t>
+            </a:r>
+          </a:p>
+          <a:p>
+            <a:pPr fontAlgn="base"/>
+            <a:r>
+              <a:rPr lang="en-US" b="1" dirty="0" err="1" smtClean="0"/>
+              <a:t>Relationship:</a:t>
+            </a:r>
+            <a:r>
+              <a:rPr lang="en-US" dirty="0" err="1" smtClean="0"/>
+              <a:t>How</a:t>
+            </a:r>
+            <a:r>
+              <a:rPr lang="en-US" dirty="0" smtClean="0"/>
+              <a:t> entities act upon each other or are associated with each other.</a:t>
+            </a:r>
+          </a:p>
+          <a:p>
+            <a:pPr fontAlgn="base"/>
+            <a:r>
+              <a:rPr lang="en-US" b="1" dirty="0" err="1" smtClean="0"/>
+              <a:t>Attribute:</a:t>
+            </a:r>
+            <a:r>
+              <a:rPr lang="en-US" dirty="0" err="1" smtClean="0"/>
+              <a:t>A</a:t>
+            </a:r>
+            <a:r>
+              <a:rPr lang="en-US" dirty="0" smtClean="0"/>
+              <a:t> property or characteristic of an entity</a:t>
+            </a:r>
+          </a:p>
+          <a:p>
+            <a:pPr fontAlgn="base"/>
+            <a:r>
+              <a:rPr lang="en-US" b="1" dirty="0" err="1" smtClean="0"/>
+              <a:t>Cardinality:</a:t>
+            </a:r>
+            <a:r>
+              <a:rPr lang="en-US" dirty="0" err="1" smtClean="0"/>
+              <a:t>Defines</a:t>
+            </a:r>
+            <a:r>
+              <a:rPr lang="en-US" dirty="0" smtClean="0"/>
+              <a:t> the numerical attributes of the relationship between two entities or entity sets</a:t>
+            </a:r>
+          </a:p>
+          <a:p>
+            <a:pPr fontAlgn="base">
               <a:buNone/>
             </a:pPr>
-            <a:r>
-              <a:rPr lang="en-US" dirty="0" smtClean="0"/>
-              <a:t>	A data flow diagram (DFD) maps out the flow of information for any process or system. It uses defined symbols like rectangles, circles and arrows, plus short text labels, to show data inputs, outputs, storage points and the routes between each destination. Data flowcharts can range from simple, even hand-drawn process overviews, to in-depth, multi-level DFDs that dig progressively deeper into how the data is handled.</a:t>
-            </a:r>
+            <a:endParaRPr lang="en-US" dirty="0" smtClean="0"/>
+          </a:p>
+          <a:p>
+            <a:pPr fontAlgn="base"/>
+            <a:endParaRPr lang="en-US" dirty="0" smtClean="0"/>
+          </a:p>
+          <a:p>
             <a:endParaRPr lang="en-US" dirty="0"/>
           </a:p>
         </p:txBody>
@@ -11245,14 +11344,12 @@
         </p:nvSpPr>
         <p:spPr/>
         <p:txBody>
-          <a:bodyPr>
-            <a:normAutofit/>
-          </a:bodyPr>
+          <a:bodyPr/>
           <a:lstStyle/>
           <a:p>
             <a:r>
-              <a:rPr lang="en-US" b="1" dirty="0" smtClean="0"/>
-              <a:t>Symbols and Notations Used in DFDs</a:t>
+              <a:rPr lang="en-US" dirty="0" smtClean="0"/>
+              <a:t>Styles</a:t>
             </a:r>
             <a:endParaRPr lang="en-US" dirty="0"/>
           </a:p>
@@ -11275,42 +11372,46 @@
           <a:p>
             <a:r>
               <a:rPr lang="en-US" b="1" dirty="0" smtClean="0"/>
-              <a:t>External entity:</a:t>
-            </a:r>
+              <a:t>Chen notation style</a:t>
+            </a:r>
+          </a:p>
+          <a:p>
+            <a:r>
+              <a:rPr lang="en-US" b="1" dirty="0" smtClean="0"/>
+              <a:t>Crow’s Foot/Martin/Information Engineering style</a:t>
+            </a:r>
+          </a:p>
+          <a:p>
+            <a:r>
+              <a:rPr lang="en-US" b="1" dirty="0" smtClean="0"/>
+              <a:t>Bachman </a:t>
+            </a:r>
+            <a:r>
+              <a:rPr lang="en-US" b="1" dirty="0" smtClean="0"/>
+              <a:t>style</a:t>
+            </a:r>
+          </a:p>
+          <a:p>
+            <a:pPr>
+              <a:buNone/>
+            </a:pPr>
+            <a:endParaRPr lang="en-US" b="1" dirty="0" smtClean="0"/>
+          </a:p>
+          <a:p>
+            <a:pPr>
+              <a:buNone/>
+            </a:pPr>
             <a:r>
               <a:rPr lang="en-US" dirty="0" smtClean="0"/>
-              <a:t> an outside system that sends or receives data, communicating with the system being diagrammed</a:t>
-            </a:r>
-          </a:p>
-          <a:p>
-            <a:r>
-              <a:rPr lang="en-US" b="1" dirty="0" smtClean="0"/>
-              <a:t>Process: </a:t>
+              <a:t>Here we are using crow foot mode</a:t>
             </a:r>
             <a:r>
               <a:rPr lang="en-US" dirty="0" smtClean="0"/>
-              <a:t>any process that changes the data, producing an output.</a:t>
-            </a:r>
-          </a:p>
-          <a:p>
-            <a:r>
-              <a:rPr lang="en-US" b="1" dirty="0" smtClean="0"/>
-              <a:t>Data store:</a:t>
-            </a:r>
-            <a:r>
-              <a:rPr lang="en-US" dirty="0" smtClean="0"/>
-              <a:t> files or repositories that hold information for later use, such as a database table or a membership form.</a:t>
-            </a:r>
-          </a:p>
-          <a:p>
-            <a:r>
-              <a:rPr lang="en-US" b="1" dirty="0" smtClean="0"/>
-              <a:t>Data flow:</a:t>
-            </a:r>
-            <a:r>
-              <a:rPr lang="en-US" dirty="0" smtClean="0"/>
-              <a:t> the route that data takes between the external entities, processes and data stores.</a:t>
-            </a:r>
+              <a:t>l</a:t>
+            </a:r>
+            <a:endParaRPr lang="en-US" dirty="0" smtClean="0"/>
+          </a:p>
+          <a:p>
             <a:endParaRPr lang="en-US" dirty="0"/>
           </a:p>
         </p:txBody>
@@ -11340,57 +11441,251 @@
           <a:chExt cx="0" cy="0"/>
         </a:xfrm>
       </p:grpSpPr>
-      <p:sp>
-        <p:nvSpPr>
-          <p:cNvPr id="2" name="Title 1"/>
-          <p:cNvSpPr>
-            <a:spLocks noGrp="1"/>
-          </p:cNvSpPr>
-          <p:nvPr>
-            <p:ph type="title"/>
-          </p:nvPr>
-        </p:nvSpPr>
-        <p:spPr/>
-        <p:txBody>
-          <a:bodyPr>
-            <a:normAutofit/>
-          </a:bodyPr>
-          <a:lstStyle/>
-          <a:p>
-            <a:r>
-              <a:rPr lang="en-US" b="1" dirty="0" smtClean="0"/>
-              <a:t>What is an ER diagram?</a:t>
-            </a:r>
-            <a:endParaRPr lang="en-US" dirty="0"/>
-          </a:p>
-        </p:txBody>
-      </p:sp>
-      <p:sp>
-        <p:nvSpPr>
-          <p:cNvPr id="3" name="Content Placeholder 2"/>
-          <p:cNvSpPr>
-            <a:spLocks noGrp="1"/>
-          </p:cNvSpPr>
-          <p:nvPr>
-            <p:ph sz="quarter" idx="1"/>
-          </p:nvPr>
-        </p:nvSpPr>
-        <p:spPr/>
-        <p:txBody>
-          <a:bodyPr anchor="ctr"/>
-          <a:lstStyle/>
-          <a:p>
-            <a:pPr>
-              <a:buNone/>
-            </a:pPr>
-            <a:r>
-              <a:rPr lang="en-US" dirty="0" smtClean="0"/>
-              <a:t>	An Entity Relationship (ER) Diagram is a type of flowchart that illustrates how “entities” such as people, objects or concepts relate to each other within a system. ER Diagrams are most often used to design or debug relational databases in the fields of software engineering</a:t>
-            </a:r>
-            <a:endParaRPr lang="en-US" dirty="0"/>
-          </a:p>
-        </p:txBody>
-      </p:sp>
+      <p:graphicFrame>
+        <p:nvGraphicFramePr>
+          <p:cNvPr id="5" name="Table 4"/>
+          <p:cNvGraphicFramePr>
+            <a:graphicFrameLocks noGrp="1"/>
+          </p:cNvGraphicFramePr>
+          <p:nvPr/>
+        </p:nvGraphicFramePr>
+        <p:xfrm>
+          <a:off x="3048000" y="1371600"/>
+          <a:ext cx="3303588" cy="2904172"/>
+        </p:xfrm>
+        <a:graphic>
+          <a:graphicData uri="http://schemas.openxmlformats.org/drawingml/2006/table">
+            <a:tbl>
+              <a:tblPr/>
+              <a:tblGrid>
+                <a:gridCol w="3303588"/>
+              </a:tblGrid>
+              <a:tr h="630490">
+                <a:tc>
+                  <a:txBody>
+                    <a:bodyPr/>
+                    <a:lstStyle/>
+                    <a:p>
+                      <a:pPr marL="0" marR="0" algn="ctr">
+                        <a:lnSpc>
+                          <a:spcPct val="150000"/>
+                        </a:lnSpc>
+                        <a:spcBef>
+                          <a:spcPts val="0"/>
+                        </a:spcBef>
+                        <a:spcAft>
+                          <a:spcPts val="600"/>
+                        </a:spcAft>
+                      </a:pPr>
+                      <a:r>
+                        <a:rPr lang="en-IN" sz="1800" dirty="0">
+                          <a:latin typeface="Times New Roman"/>
+                          <a:ea typeface="Times New Roman"/>
+                          <a:cs typeface="Times New Roman"/>
+                        </a:rPr>
+                        <a:t>Entity</a:t>
+                      </a:r>
+                      <a:endParaRPr lang="en-US" sz="1800" dirty="0">
+                        <a:latin typeface="Times New Roman"/>
+                        <a:ea typeface="Calibri"/>
+                        <a:cs typeface="Times New Roman"/>
+                      </a:endParaRPr>
+                    </a:p>
+                  </a:txBody>
+                  <a:tcPr marL="68580" marR="68580" marT="0" marB="0">
+                    <a:lnL w="12700" cap="flat" cmpd="sng" algn="ctr">
+                      <a:solidFill>
+                        <a:srgbClr val="000000"/>
+                      </a:solidFill>
+                      <a:prstDash val="solid"/>
+                      <a:round/>
+                      <a:headEnd type="none" w="med" len="med"/>
+                      <a:tailEnd type="none" w="med" len="med"/>
+                    </a:lnL>
+                    <a:lnR w="12700" cap="flat" cmpd="sng" algn="ctr">
+                      <a:solidFill>
+                        <a:srgbClr val="000000"/>
+                      </a:solidFill>
+                      <a:prstDash val="solid"/>
+                      <a:round/>
+                      <a:headEnd type="none" w="med" len="med"/>
+                      <a:tailEnd type="none" w="med" len="med"/>
+                    </a:lnR>
+                    <a:lnT w="12700" cap="flat" cmpd="sng" algn="ctr">
+                      <a:solidFill>
+                        <a:srgbClr val="000000"/>
+                      </a:solidFill>
+                      <a:prstDash val="solid"/>
+                      <a:round/>
+                      <a:headEnd type="none" w="med" len="med"/>
+                      <a:tailEnd type="none" w="med" len="med"/>
+                    </a:lnT>
+                    <a:lnB w="12700" cap="flat" cmpd="sng" algn="ctr">
+                      <a:solidFill>
+                        <a:srgbClr val="000000"/>
+                      </a:solidFill>
+                      <a:prstDash val="solid"/>
+                      <a:round/>
+                      <a:headEnd type="none" w="med" len="med"/>
+                      <a:tailEnd type="none" w="med" len="med"/>
+                    </a:lnB>
+                  </a:tcPr>
+                </a:tc>
+              </a:tr>
+              <a:tr h="2273682">
+                <a:tc>
+                  <a:txBody>
+                    <a:bodyPr/>
+                    <a:lstStyle/>
+                    <a:p>
+                      <a:pPr marL="0" marR="0" algn="just">
+                        <a:lnSpc>
+                          <a:spcPct val="150000"/>
+                        </a:lnSpc>
+                        <a:spcBef>
+                          <a:spcPts val="0"/>
+                        </a:spcBef>
+                        <a:spcAft>
+                          <a:spcPts val="600"/>
+                        </a:spcAft>
+                      </a:pPr>
+                      <a:r>
+                        <a:rPr lang="en-IN" sz="1800" dirty="0">
+                          <a:latin typeface="Times New Roman"/>
+                          <a:ea typeface="Times New Roman"/>
+                          <a:cs typeface="Times New Roman"/>
+                        </a:rPr>
+                        <a:t>Attribute</a:t>
+                      </a:r>
+                      <a:endParaRPr lang="en-US" sz="1800" dirty="0">
+                        <a:latin typeface="Times New Roman"/>
+                        <a:ea typeface="Calibri"/>
+                        <a:cs typeface="Times New Roman"/>
+                      </a:endParaRPr>
+                    </a:p>
+                    <a:p>
+                      <a:pPr marL="0" marR="0" algn="just">
+                        <a:lnSpc>
+                          <a:spcPct val="150000"/>
+                        </a:lnSpc>
+                        <a:spcBef>
+                          <a:spcPts val="0"/>
+                        </a:spcBef>
+                        <a:spcAft>
+                          <a:spcPts val="600"/>
+                        </a:spcAft>
+                      </a:pPr>
+                      <a:r>
+                        <a:rPr lang="en-IN" sz="1800" dirty="0">
+                          <a:latin typeface="Times New Roman"/>
+                          <a:ea typeface="Times New Roman"/>
+                          <a:cs typeface="Times New Roman"/>
+                        </a:rPr>
+                        <a:t>Attribute</a:t>
+                      </a:r>
+                      <a:endParaRPr lang="en-US" sz="1800" dirty="0">
+                        <a:latin typeface="Times New Roman"/>
+                        <a:ea typeface="Calibri"/>
+                        <a:cs typeface="Times New Roman"/>
+                      </a:endParaRPr>
+                    </a:p>
+                    <a:p>
+                      <a:pPr marL="0" marR="0" algn="just">
+                        <a:lnSpc>
+                          <a:spcPct val="150000"/>
+                        </a:lnSpc>
+                        <a:spcBef>
+                          <a:spcPts val="0"/>
+                        </a:spcBef>
+                        <a:spcAft>
+                          <a:spcPts val="600"/>
+                        </a:spcAft>
+                      </a:pPr>
+                      <a:r>
+                        <a:rPr lang="en-IN" sz="1800" dirty="0">
+                          <a:latin typeface="Times New Roman"/>
+                          <a:ea typeface="Times New Roman"/>
+                          <a:cs typeface="Times New Roman"/>
+                        </a:rPr>
+                        <a:t>Attribute</a:t>
+                      </a:r>
+                      <a:endParaRPr lang="en-US" sz="1800" dirty="0">
+                        <a:latin typeface="Times New Roman"/>
+                        <a:ea typeface="Calibri"/>
+                        <a:cs typeface="Times New Roman"/>
+                      </a:endParaRPr>
+                    </a:p>
+                    <a:p>
+                      <a:pPr marL="0" marR="0" algn="just">
+                        <a:lnSpc>
+                          <a:spcPct val="150000"/>
+                        </a:lnSpc>
+                        <a:spcBef>
+                          <a:spcPts val="0"/>
+                        </a:spcBef>
+                        <a:spcAft>
+                          <a:spcPts val="600"/>
+                        </a:spcAft>
+                      </a:pPr>
+                      <a:r>
+                        <a:rPr lang="en-IN" sz="1800" dirty="0">
+                          <a:latin typeface="Times New Roman"/>
+                          <a:ea typeface="Times New Roman"/>
+                          <a:cs typeface="Times New Roman"/>
+                        </a:rPr>
+                        <a:t>Attribute</a:t>
+                      </a:r>
+                      <a:endParaRPr lang="en-US" sz="1800" dirty="0">
+                        <a:latin typeface="Times New Roman"/>
+                        <a:ea typeface="Calibri"/>
+                        <a:cs typeface="Times New Roman"/>
+                      </a:endParaRPr>
+                    </a:p>
+                  </a:txBody>
+                  <a:tcPr marL="68580" marR="68580" marT="0" marB="0">
+                    <a:lnL w="12700" cap="flat" cmpd="sng" algn="ctr">
+                      <a:solidFill>
+                        <a:srgbClr val="000000"/>
+                      </a:solidFill>
+                      <a:prstDash val="solid"/>
+                      <a:round/>
+                      <a:headEnd type="none" w="med" len="med"/>
+                      <a:tailEnd type="none" w="med" len="med"/>
+                    </a:lnL>
+                    <a:lnR w="12700" cap="flat" cmpd="sng" algn="ctr">
+                      <a:solidFill>
+                        <a:srgbClr val="000000"/>
+                      </a:solidFill>
+                      <a:prstDash val="solid"/>
+                      <a:round/>
+                      <a:headEnd type="none" w="med" len="med"/>
+                      <a:tailEnd type="none" w="med" len="med"/>
+                    </a:lnR>
+                    <a:lnT w="12700" cap="flat" cmpd="sng" algn="ctr">
+                      <a:solidFill>
+                        <a:srgbClr val="000000"/>
+                      </a:solidFill>
+                      <a:prstDash val="solid"/>
+                      <a:round/>
+                      <a:headEnd type="none" w="med" len="med"/>
+                      <a:tailEnd type="none" w="med" len="med"/>
+                    </a:lnT>
+                    <a:lnB w="12700" cap="flat" cmpd="sng" algn="ctr">
+                      <a:solidFill>
+                        <a:srgbClr val="000000"/>
+                      </a:solidFill>
+                      <a:prstDash val="solid"/>
+                      <a:round/>
+                      <a:headEnd type="none" w="med" len="med"/>
+                      <a:tailEnd type="none" w="med" len="med"/>
+                    </a:lnB>
+                  </a:tcPr>
+                </a:tc>
+              </a:tr>
+            </a:tbl>
+          </a:graphicData>
+        </a:graphic>
+      </p:graphicFrame>
     </p:spTree>
   </p:cSld>
   <p:clrMapOvr>
@@ -11400,145 +11695,6 @@
 </file>
 
 <file path=ppt/slides/slide36.xml><?xml version="1.0" encoding="utf-8"?>
-<p:sld xmlns:a="http://schemas.openxmlformats.org/drawingml/2006/main" xmlns:r="http://schemas.openxmlformats.org/officeDocument/2006/relationships" xmlns:p="http://schemas.openxmlformats.org/presentationml/2006/main">
-  <p:cSld>
-    <p:spTree>
-      <p:nvGrpSpPr>
-        <p:cNvPr id="1" name=""/>
-        <p:cNvGrpSpPr/>
-        <p:nvPr/>
-      </p:nvGrpSpPr>
-      <p:grpSpPr>
-        <a:xfrm>
-          <a:off x="0" y="0"/>
-          <a:ext cx="0" cy="0"/>
-          <a:chOff x="0" y="0"/>
-          <a:chExt cx="0" cy="0"/>
-        </a:xfrm>
-      </p:grpSpPr>
-      <p:sp>
-        <p:nvSpPr>
-          <p:cNvPr id="2" name="Title 1"/>
-          <p:cNvSpPr>
-            <a:spLocks noGrp="1"/>
-          </p:cNvSpPr>
-          <p:nvPr>
-            <p:ph type="title"/>
-          </p:nvPr>
-        </p:nvSpPr>
-        <p:spPr/>
-        <p:txBody>
-          <a:bodyPr>
-            <a:normAutofit/>
-          </a:bodyPr>
-          <a:lstStyle/>
-          <a:p>
-            <a:r>
-              <a:rPr lang="en-US" b="1" dirty="0" smtClean="0"/>
-              <a:t>The components of an ER diagram</a:t>
-            </a:r>
-            <a:endParaRPr lang="en-US" dirty="0"/>
-          </a:p>
-        </p:txBody>
-      </p:sp>
-      <p:sp>
-        <p:nvSpPr>
-          <p:cNvPr id="3" name="Content Placeholder 2"/>
-          <p:cNvSpPr>
-            <a:spLocks noGrp="1"/>
-          </p:cNvSpPr>
-          <p:nvPr>
-            <p:ph sz="quarter" idx="1"/>
-          </p:nvPr>
-        </p:nvSpPr>
-        <p:spPr/>
-        <p:txBody>
-          <a:bodyPr/>
-          <a:lstStyle/>
-          <a:p>
-            <a:pPr fontAlgn="base"/>
-            <a:r>
-              <a:rPr lang="en-US" b="1" dirty="0" err="1" smtClean="0"/>
-              <a:t>Entity:</a:t>
-            </a:r>
-            <a:r>
-              <a:rPr lang="en-US" dirty="0" err="1" smtClean="0"/>
-              <a:t>A</a:t>
-            </a:r>
-            <a:r>
-              <a:rPr lang="en-US" dirty="0" smtClean="0"/>
-              <a:t> definable thing—such as a person, object, concept or event—that can have data stored about it</a:t>
-            </a:r>
-          </a:p>
-          <a:p>
-            <a:pPr fontAlgn="base"/>
-            <a:r>
-              <a:rPr lang="en-US" b="1" dirty="0" err="1" smtClean="0"/>
-              <a:t>Relationship:</a:t>
-            </a:r>
-            <a:r>
-              <a:rPr lang="en-US" dirty="0" err="1" smtClean="0"/>
-              <a:t>How</a:t>
-            </a:r>
-            <a:r>
-              <a:rPr lang="en-US" dirty="0" smtClean="0"/>
-              <a:t> entities act upon each other or are associated with each other.</a:t>
-            </a:r>
-          </a:p>
-          <a:p>
-            <a:pPr fontAlgn="base"/>
-            <a:r>
-              <a:rPr lang="en-US" b="1" dirty="0" err="1" smtClean="0"/>
-              <a:t>Attribute:</a:t>
-            </a:r>
-            <a:r>
-              <a:rPr lang="en-US" dirty="0" err="1" smtClean="0"/>
-              <a:t>A</a:t>
-            </a:r>
-            <a:r>
-              <a:rPr lang="en-US" dirty="0" smtClean="0"/>
-              <a:t> property or characteristic of an entity</a:t>
-            </a:r>
-          </a:p>
-          <a:p>
-            <a:pPr fontAlgn="base"/>
-            <a:r>
-              <a:rPr lang="en-US" b="1" dirty="0" err="1" smtClean="0"/>
-              <a:t>Cardinality:</a:t>
-            </a:r>
-            <a:r>
-              <a:rPr lang="en-US" dirty="0" err="1" smtClean="0"/>
-              <a:t>Defines</a:t>
-            </a:r>
-            <a:r>
-              <a:rPr lang="en-US" dirty="0" smtClean="0"/>
-              <a:t> the numerical attributes of the relationship between two entities or entity sets</a:t>
-            </a:r>
-          </a:p>
-          <a:p>
-            <a:pPr fontAlgn="base">
-              <a:buNone/>
-            </a:pPr>
-            <a:endParaRPr lang="en-US" dirty="0" smtClean="0"/>
-          </a:p>
-          <a:p>
-            <a:pPr fontAlgn="base"/>
-            <a:endParaRPr lang="en-US" dirty="0" smtClean="0"/>
-          </a:p>
-          <a:p>
-            <a:endParaRPr lang="en-US" dirty="0"/>
-          </a:p>
-        </p:txBody>
-      </p:sp>
-    </p:spTree>
-  </p:cSld>
-  <p:clrMapOvr>
-    <a:masterClrMapping/>
-  </p:clrMapOvr>
-</p:sld>
-</file>
-
-<file path=ppt/slides/slide37.xml><?xml version="1.0" encoding="utf-8"?>
 <p:sld xmlns:a="http://schemas.openxmlformats.org/drawingml/2006/main" xmlns:r="http://schemas.openxmlformats.org/officeDocument/2006/relationships" xmlns:p="http://schemas.openxmlformats.org/presentationml/2006/main">
   <p:cSld>
     <p:spTree>
@@ -11591,7 +11747,7 @@
 </p:sld>
 </file>
 
-<file path=ppt/slides/slide38.xml><?xml version="1.0" encoding="utf-8"?>
+<file path=ppt/slides/slide37.xml><?xml version="1.0" encoding="utf-8"?>
 <p:sld xmlns:a="http://schemas.openxmlformats.org/drawingml/2006/main" xmlns:r="http://schemas.openxmlformats.org/officeDocument/2006/relationships" xmlns:p="http://schemas.openxmlformats.org/presentationml/2006/main">
   <p:cSld>
     <p:spTree>
@@ -11663,327 +11819,7 @@
 </p:sld>
 </file>
 
-<file path=ppt/slides/slide39.xml><?xml version="1.0" encoding="utf-8"?>
-<p:sld xmlns:a="http://schemas.openxmlformats.org/drawingml/2006/main" xmlns:r="http://schemas.openxmlformats.org/officeDocument/2006/relationships" xmlns:p="http://schemas.openxmlformats.org/presentationml/2006/main">
-  <p:cSld>
-    <p:spTree>
-      <p:nvGrpSpPr>
-        <p:cNvPr id="1" name=""/>
-        <p:cNvGrpSpPr/>
-        <p:nvPr/>
-      </p:nvGrpSpPr>
-      <p:grpSpPr>
-        <a:xfrm>
-          <a:off x="0" y="0"/>
-          <a:ext cx="0" cy="0"/>
-          <a:chOff x="0" y="0"/>
-          <a:chExt cx="0" cy="0"/>
-        </a:xfrm>
-      </p:grpSpPr>
-      <p:sp>
-        <p:nvSpPr>
-          <p:cNvPr id="2" name="Title 1"/>
-          <p:cNvSpPr>
-            <a:spLocks noGrp="1"/>
-          </p:cNvSpPr>
-          <p:nvPr>
-            <p:ph type="title"/>
-          </p:nvPr>
-        </p:nvSpPr>
-        <p:spPr/>
-        <p:txBody>
-          <a:bodyPr/>
-          <a:lstStyle/>
-          <a:p>
-            <a:r>
-              <a:rPr lang="en-US" dirty="0" smtClean="0"/>
-              <a:t>Styles</a:t>
-            </a:r>
-            <a:endParaRPr lang="en-US" dirty="0"/>
-          </a:p>
-        </p:txBody>
-      </p:sp>
-      <p:sp>
-        <p:nvSpPr>
-          <p:cNvPr id="3" name="Content Placeholder 2"/>
-          <p:cNvSpPr>
-            <a:spLocks noGrp="1"/>
-          </p:cNvSpPr>
-          <p:nvPr>
-            <p:ph sz="quarter" idx="1"/>
-          </p:nvPr>
-        </p:nvSpPr>
-        <p:spPr/>
-        <p:txBody>
-          <a:bodyPr/>
-          <a:lstStyle/>
-          <a:p>
-            <a:r>
-              <a:rPr lang="en-US" b="1" dirty="0" smtClean="0"/>
-              <a:t>Chen notation style</a:t>
-            </a:r>
-          </a:p>
-          <a:p>
-            <a:r>
-              <a:rPr lang="en-US" b="1" dirty="0" smtClean="0"/>
-              <a:t>Crow’s Foot/Martin/Information Engineering style</a:t>
-            </a:r>
-          </a:p>
-          <a:p>
-            <a:r>
-              <a:rPr lang="en-US" b="1" dirty="0" smtClean="0"/>
-              <a:t>Bachman style</a:t>
-            </a:r>
-          </a:p>
-          <a:p>
-            <a:endParaRPr lang="en-US" dirty="0"/>
-          </a:p>
-        </p:txBody>
-      </p:sp>
-    </p:spTree>
-  </p:cSld>
-  <p:clrMapOvr>
-    <a:masterClrMapping/>
-  </p:clrMapOvr>
-</p:sld>
-</file>
-
-<file path=ppt/slides/slide4.xml><?xml version="1.0" encoding="utf-8"?>
-<p:sld xmlns:a="http://schemas.openxmlformats.org/drawingml/2006/main" xmlns:r="http://schemas.openxmlformats.org/officeDocument/2006/relationships" xmlns:p="http://schemas.openxmlformats.org/presentationml/2006/main">
-  <p:cSld>
-    <p:spTree>
-      <p:nvGrpSpPr>
-        <p:cNvPr id="1" name=""/>
-        <p:cNvGrpSpPr/>
-        <p:nvPr/>
-      </p:nvGrpSpPr>
-      <p:grpSpPr>
-        <a:xfrm>
-          <a:off x="0" y="0"/>
-          <a:ext cx="0" cy="0"/>
-          <a:chOff x="0" y="0"/>
-          <a:chExt cx="0" cy="0"/>
-        </a:xfrm>
-      </p:grpSpPr>
-      <p:sp>
-        <p:nvSpPr>
-          <p:cNvPr id="2" name="Title 1"/>
-          <p:cNvSpPr>
-            <a:spLocks noGrp="1"/>
-          </p:cNvSpPr>
-          <p:nvPr>
-            <p:ph type="title"/>
-          </p:nvPr>
-        </p:nvSpPr>
-        <p:spPr/>
-        <p:txBody>
-          <a:bodyPr/>
-          <a:lstStyle/>
-          <a:p>
-            <a:r>
-              <a:rPr lang="en-US" dirty="0" smtClean="0"/>
-              <a:t>Software Development Life Cycle</a:t>
-            </a:r>
-            <a:endParaRPr lang="en-US" dirty="0"/>
-          </a:p>
-        </p:txBody>
-      </p:sp>
-      <p:sp>
-        <p:nvSpPr>
-          <p:cNvPr id="3" name="Content Placeholder 2"/>
-          <p:cNvSpPr>
-            <a:spLocks noGrp="1"/>
-          </p:cNvSpPr>
-          <p:nvPr>
-            <p:ph sz="quarter" idx="1"/>
-          </p:nvPr>
-        </p:nvSpPr>
-        <p:spPr/>
-        <p:txBody>
-          <a:bodyPr/>
-          <a:lstStyle/>
-          <a:p>
-            <a:pPr>
-              <a:buNone/>
-            </a:pPr>
-            <a:r>
-              <a:rPr lang="en-US" dirty="0" smtClean="0"/>
-              <a:t>	An </a:t>
-            </a:r>
-            <a:r>
-              <a:rPr lang="en-US" b="1" dirty="0" smtClean="0"/>
-              <a:t>SDLC model</a:t>
-            </a:r>
-            <a:r>
-              <a:rPr lang="en-US" dirty="0" smtClean="0"/>
-              <a:t> is a conceptual framework describing all activities in a software development project from planning to maintenance.</a:t>
-            </a:r>
-          </a:p>
-          <a:p>
-            <a:pPr>
-              <a:buNone/>
-            </a:pPr>
-            <a:endParaRPr lang="en-US" dirty="0"/>
-          </a:p>
-        </p:txBody>
-      </p:sp>
-    </p:spTree>
-  </p:cSld>
-  <p:clrMapOvr>
-    <a:masterClrMapping/>
-  </p:clrMapOvr>
-</p:sld>
-</file>
-
-<file path=ppt/slides/slide40.xml><?xml version="1.0" encoding="utf-8"?>
-<p:sld xmlns:a="http://schemas.openxmlformats.org/drawingml/2006/main" xmlns:r="http://schemas.openxmlformats.org/officeDocument/2006/relationships" xmlns:p="http://schemas.openxmlformats.org/presentationml/2006/main">
-  <p:cSld>
-    <p:spTree>
-      <p:nvGrpSpPr>
-        <p:cNvPr id="1" name=""/>
-        <p:cNvGrpSpPr/>
-        <p:nvPr/>
-      </p:nvGrpSpPr>
-      <p:grpSpPr>
-        <a:xfrm>
-          <a:off x="0" y="0"/>
-          <a:ext cx="0" cy="0"/>
-          <a:chOff x="0" y="0"/>
-          <a:chExt cx="0" cy="0"/>
-        </a:xfrm>
-      </p:grpSpPr>
-      <p:sp>
-        <p:nvSpPr>
-          <p:cNvPr id="2" name="Title 1"/>
-          <p:cNvSpPr>
-            <a:spLocks noGrp="1"/>
-          </p:cNvSpPr>
-          <p:nvPr>
-            <p:ph type="title"/>
-          </p:nvPr>
-        </p:nvSpPr>
-        <p:spPr/>
-        <p:txBody>
-          <a:bodyPr/>
-          <a:lstStyle/>
-          <a:p>
-            <a:r>
-              <a:rPr lang="en-US" dirty="0" smtClean="0"/>
-              <a:t>UML </a:t>
-            </a:r>
-            <a:r>
-              <a:rPr lang="en-US" dirty="0" err="1" smtClean="0"/>
-              <a:t>Diagrammimg</a:t>
-            </a:r>
-            <a:r>
-              <a:rPr lang="en-US" dirty="0" smtClean="0"/>
-              <a:t> tools</a:t>
-            </a:r>
-            <a:endParaRPr lang="en-US" dirty="0"/>
-          </a:p>
-        </p:txBody>
-      </p:sp>
-      <p:sp>
-        <p:nvSpPr>
-          <p:cNvPr id="3" name="Content Placeholder 2"/>
-          <p:cNvSpPr>
-            <a:spLocks noGrp="1"/>
-          </p:cNvSpPr>
-          <p:nvPr>
-            <p:ph sz="quarter" idx="1"/>
-          </p:nvPr>
-        </p:nvSpPr>
-        <p:spPr/>
-        <p:txBody>
-          <a:bodyPr/>
-          <a:lstStyle/>
-          <a:p>
-            <a:r>
-              <a:rPr lang="en-US" dirty="0" smtClean="0"/>
-              <a:t>Start UML</a:t>
-            </a:r>
-          </a:p>
-          <a:p>
-            <a:r>
-              <a:rPr lang="en-US" dirty="0" smtClean="0"/>
-              <a:t>Lucid Chart</a:t>
-            </a:r>
-            <a:endParaRPr lang="en-US" dirty="0"/>
-          </a:p>
-        </p:txBody>
-      </p:sp>
-    </p:spTree>
-  </p:cSld>
-  <p:clrMapOvr>
-    <a:masterClrMapping/>
-  </p:clrMapOvr>
-</p:sld>
-</file>
-
-<file path=ppt/slides/slide41.xml><?xml version="1.0" encoding="utf-8"?>
-<p:sld xmlns:a="http://schemas.openxmlformats.org/drawingml/2006/main" xmlns:r="http://schemas.openxmlformats.org/officeDocument/2006/relationships" xmlns:p="http://schemas.openxmlformats.org/presentationml/2006/main">
-  <p:cSld>
-    <p:spTree>
-      <p:nvGrpSpPr>
-        <p:cNvPr id="1" name=""/>
-        <p:cNvGrpSpPr/>
-        <p:nvPr/>
-      </p:nvGrpSpPr>
-      <p:grpSpPr>
-        <a:xfrm>
-          <a:off x="0" y="0"/>
-          <a:ext cx="0" cy="0"/>
-          <a:chOff x="0" y="0"/>
-          <a:chExt cx="0" cy="0"/>
-        </a:xfrm>
-      </p:grpSpPr>
-      <p:sp>
-        <p:nvSpPr>
-          <p:cNvPr id="2" name="Title 1"/>
-          <p:cNvSpPr>
-            <a:spLocks noGrp="1"/>
-          </p:cNvSpPr>
-          <p:nvPr>
-            <p:ph type="title"/>
-          </p:nvPr>
-        </p:nvSpPr>
-        <p:spPr/>
-        <p:txBody>
-          <a:bodyPr/>
-          <a:lstStyle/>
-          <a:p>
-            <a:endParaRPr lang="en-US"/>
-          </a:p>
-        </p:txBody>
-      </p:sp>
-      <p:sp>
-        <p:nvSpPr>
-          <p:cNvPr id="5" name="Content Placeholder 4"/>
-          <p:cNvSpPr>
-            <a:spLocks noGrp="1"/>
-          </p:cNvSpPr>
-          <p:nvPr>
-            <p:ph sz="quarter" idx="1"/>
-          </p:nvPr>
-        </p:nvSpPr>
-        <p:spPr/>
-        <p:txBody>
-          <a:bodyPr/>
-          <a:lstStyle/>
-          <a:p>
-            <a:endParaRPr lang="en-US"/>
-          </a:p>
-        </p:txBody>
-      </p:sp>
-    </p:spTree>
-  </p:cSld>
-  <p:clrMapOvr>
-    <a:masterClrMapping/>
-  </p:clrMapOvr>
-</p:sld>
-</file>
-
-<file path=ppt/slides/slide42.xml><?xml version="1.0" encoding="utf-8"?>
+<file path=ppt/slides/slide38.xml><?xml version="1.0" encoding="utf-8"?>
 <p:sld xmlns:a="http://schemas.openxmlformats.org/drawingml/2006/main" xmlns:r="http://schemas.openxmlformats.org/officeDocument/2006/relationships" xmlns:p="http://schemas.openxmlformats.org/presentationml/2006/main">
   <p:cSld>
     <p:spTree>
@@ -12415,7 +12251,7 @@
 </p:sld>
 </file>
 
-<file path=ppt/slides/slide43.xml><?xml version="1.0" encoding="utf-8"?>
+<file path=ppt/slides/slide39.xml><?xml version="1.0" encoding="utf-8"?>
 <p:sld xmlns:a="http://schemas.openxmlformats.org/drawingml/2006/main" xmlns:r="http://schemas.openxmlformats.org/officeDocument/2006/relationships" xmlns:p="http://schemas.openxmlformats.org/presentationml/2006/main">
   <p:cSld>
     <p:spTree>
@@ -13133,7 +12969,150 @@
 </p:sld>
 </file>
 
-<file path=ppt/slides/slide44.xml><?xml version="1.0" encoding="utf-8"?>
+<file path=ppt/slides/slide4.xml><?xml version="1.0" encoding="utf-8"?>
+<p:sld xmlns:a="http://schemas.openxmlformats.org/drawingml/2006/main" xmlns:r="http://schemas.openxmlformats.org/officeDocument/2006/relationships" xmlns:p="http://schemas.openxmlformats.org/presentationml/2006/main">
+  <p:cSld>
+    <p:spTree>
+      <p:nvGrpSpPr>
+        <p:cNvPr id="1" name=""/>
+        <p:cNvGrpSpPr/>
+        <p:nvPr/>
+      </p:nvGrpSpPr>
+      <p:grpSpPr>
+        <a:xfrm>
+          <a:off x="0" y="0"/>
+          <a:ext cx="0" cy="0"/>
+          <a:chOff x="0" y="0"/>
+          <a:chExt cx="0" cy="0"/>
+        </a:xfrm>
+      </p:grpSpPr>
+      <p:sp>
+        <p:nvSpPr>
+          <p:cNvPr id="2" name="Title 1"/>
+          <p:cNvSpPr>
+            <a:spLocks noGrp="1"/>
+          </p:cNvSpPr>
+          <p:nvPr>
+            <p:ph type="title"/>
+          </p:nvPr>
+        </p:nvSpPr>
+        <p:spPr/>
+        <p:txBody>
+          <a:bodyPr/>
+          <a:lstStyle/>
+          <a:p>
+            <a:r>
+              <a:rPr lang="en-US" dirty="0" smtClean="0"/>
+              <a:t>Software Development Life Cycle</a:t>
+            </a:r>
+            <a:endParaRPr lang="en-US" dirty="0"/>
+          </a:p>
+        </p:txBody>
+      </p:sp>
+      <p:sp>
+        <p:nvSpPr>
+          <p:cNvPr id="3" name="Content Placeholder 2"/>
+          <p:cNvSpPr>
+            <a:spLocks noGrp="1"/>
+          </p:cNvSpPr>
+          <p:nvPr>
+            <p:ph sz="quarter" idx="1"/>
+          </p:nvPr>
+        </p:nvSpPr>
+        <p:spPr/>
+        <p:txBody>
+          <a:bodyPr/>
+          <a:lstStyle/>
+          <a:p>
+            <a:pPr>
+              <a:buNone/>
+            </a:pPr>
+            <a:r>
+              <a:rPr lang="en-US" dirty="0" smtClean="0"/>
+              <a:t>	An </a:t>
+            </a:r>
+            <a:r>
+              <a:rPr lang="en-US" b="1" dirty="0" smtClean="0"/>
+              <a:t>SDLC model</a:t>
+            </a:r>
+            <a:r>
+              <a:rPr lang="en-US" dirty="0" smtClean="0"/>
+              <a:t> is a conceptual framework describing all activities in a software development project from planning to maintenance</a:t>
+            </a:r>
+            <a:r>
+              <a:rPr lang="en-US" dirty="0" smtClean="0"/>
+              <a:t>.</a:t>
+            </a:r>
+          </a:p>
+          <a:p>
+            <a:pPr>
+              <a:buNone/>
+            </a:pPr>
+            <a:endParaRPr lang="en-US" dirty="0" smtClean="0"/>
+          </a:p>
+          <a:p>
+            <a:pPr>
+              <a:buNone/>
+            </a:pPr>
+            <a:r>
+              <a:rPr lang="en-US" dirty="0" smtClean="0"/>
+              <a:t>Some of the SDLC models are:</a:t>
+            </a:r>
+          </a:p>
+          <a:p>
+            <a:r>
+              <a:rPr lang="en-IN" dirty="0" smtClean="0"/>
+              <a:t>Iterative </a:t>
+            </a:r>
+            <a:r>
+              <a:rPr lang="en-IN" dirty="0" smtClean="0"/>
+              <a:t>Model</a:t>
+            </a:r>
+          </a:p>
+          <a:p>
+            <a:r>
+              <a:rPr lang="en-IN" dirty="0" smtClean="0"/>
+              <a:t>Spiral </a:t>
+            </a:r>
+            <a:r>
+              <a:rPr lang="en-IN" dirty="0" smtClean="0"/>
+              <a:t>Model</a:t>
+            </a:r>
+          </a:p>
+          <a:p>
+            <a:r>
+              <a:rPr lang="en-IN" dirty="0" smtClean="0"/>
+              <a:t>Agile </a:t>
+            </a:r>
+            <a:r>
+              <a:rPr lang="en-IN" dirty="0" smtClean="0"/>
+              <a:t>Model</a:t>
+            </a:r>
+          </a:p>
+          <a:p>
+            <a:r>
+              <a:rPr lang="en-IN" dirty="0" smtClean="0"/>
+              <a:t>Prototype Model</a:t>
+            </a:r>
+            <a:endParaRPr lang="en-US" dirty="0" smtClean="0"/>
+          </a:p>
+          <a:p>
+            <a:pPr>
+              <a:buNone/>
+            </a:pPr>
+            <a:endParaRPr lang="en-US" dirty="0"/>
+          </a:p>
+        </p:txBody>
+      </p:sp>
+    </p:spTree>
+  </p:cSld>
+  <p:clrMapOvr>
+    <a:masterClrMapping/>
+  </p:clrMapOvr>
+</p:sld>
+</file>
+
+<file path=ppt/slides/slide40.xml><?xml version="1.0" encoding="utf-8"?>
 <p:sld xmlns:a="http://schemas.openxmlformats.org/drawingml/2006/main" xmlns:r="http://schemas.openxmlformats.org/officeDocument/2006/relationships" xmlns:p="http://schemas.openxmlformats.org/presentationml/2006/main">
   <p:cSld>
     <p:spTree>
@@ -13785,7 +13764,7 @@
 </p:sld>
 </file>
 
-<file path=ppt/slides/slide45.xml><?xml version="1.0" encoding="utf-8"?>
+<file path=ppt/slides/slide41.xml><?xml version="1.0" encoding="utf-8"?>
 <p:sld xmlns:a="http://schemas.openxmlformats.org/drawingml/2006/main" xmlns:r="http://schemas.openxmlformats.org/officeDocument/2006/relationships" xmlns:p="http://schemas.openxmlformats.org/presentationml/2006/main">
   <p:cSld>
     <p:spTree>
@@ -14317,7 +14296,7 @@
 </p:sld>
 </file>
 
-<file path=ppt/slides/slide46.xml><?xml version="1.0" encoding="utf-8"?>
+<file path=ppt/slides/slide42.xml><?xml version="1.0" encoding="utf-8"?>
 <p:sld xmlns:a="http://schemas.openxmlformats.org/drawingml/2006/main" xmlns:r="http://schemas.openxmlformats.org/officeDocument/2006/relationships" xmlns:p="http://schemas.openxmlformats.org/presentationml/2006/main">
   <p:cSld>
     <p:spTree>
@@ -14725,7 +14704,7 @@
 </p:sld>
 </file>
 
-<file path=ppt/slides/slide47.xml><?xml version="1.0" encoding="utf-8"?>
+<file path=ppt/slides/slide43.xml><?xml version="1.0" encoding="utf-8"?>
 <p:sld xmlns:a="http://schemas.openxmlformats.org/drawingml/2006/main" xmlns:r="http://schemas.openxmlformats.org/officeDocument/2006/relationships" xmlns:p="http://schemas.openxmlformats.org/presentationml/2006/main">
   <p:cSld>
     <p:spTree>
@@ -15067,7 +15046,7 @@
 </p:sld>
 </file>
 
-<file path=ppt/slides/slide48.xml><?xml version="1.0" encoding="utf-8"?>
+<file path=ppt/slides/slide44.xml><?xml version="1.0" encoding="utf-8"?>
 <p:sld xmlns:a="http://schemas.openxmlformats.org/drawingml/2006/main" xmlns:r="http://schemas.openxmlformats.org/officeDocument/2006/relationships" xmlns:p="http://schemas.openxmlformats.org/presentationml/2006/main">
   <p:cSld>
     <p:spTree>
@@ -15351,7 +15330,7 @@
 </p:sld>
 </file>
 
-<file path=ppt/slides/slide49.xml><?xml version="1.0" encoding="utf-8"?>
+<file path=ppt/slides/slide45.xml><?xml version="1.0" encoding="utf-8"?>
 <p:sld xmlns:a="http://schemas.openxmlformats.org/drawingml/2006/main" xmlns:r="http://schemas.openxmlformats.org/officeDocument/2006/relationships" xmlns:p="http://schemas.openxmlformats.org/presentationml/2006/main">
   <p:cSld>
     <p:spTree>
@@ -15639,6 +15618,2478 @@
                       <a:r>
                         <a:rPr lang="en-US" sz="2100" u="none" strike="noStrike"/>
                         <a:t>boolean</a:t>
+                      </a:r>
+                      <a:endParaRPr lang="en-US" sz="2100" b="0" i="0" u="none" strike="noStrike">
+                        <a:solidFill>
+                          <a:srgbClr val="000000"/>
+                        </a:solidFill>
+                        <a:latin typeface="Calibri"/>
+                      </a:endParaRPr>
+                    </a:p>
+                  </a:txBody>
+                  <a:tcPr marL="9525" marR="9525" marT="9525" marB="0" anchor="b"/>
+                </a:tc>
+                <a:tc>
+                  <a:txBody>
+                    <a:bodyPr/>
+                    <a:lstStyle/>
+                    <a:p>
+                      <a:pPr algn="l" fontAlgn="b"/>
+                      <a:r>
+                        <a:rPr lang="en-US" sz="2100" u="none" strike="noStrike" dirty="0"/>
+                        <a:t> </a:t>
+                      </a:r>
+                      <a:endParaRPr lang="en-US" sz="2100" b="0" i="0" u="none" strike="noStrike" dirty="0">
+                        <a:solidFill>
+                          <a:srgbClr val="000000"/>
+                        </a:solidFill>
+                        <a:latin typeface="Calibri"/>
+                      </a:endParaRPr>
+                    </a:p>
+                  </a:txBody>
+                  <a:tcPr marL="9525" marR="9525" marT="9525" marB="0" anchor="b"/>
+                </a:tc>
+              </a:tr>
+            </a:tbl>
+          </a:graphicData>
+        </a:graphic>
+      </p:graphicFrame>
+    </p:spTree>
+  </p:cSld>
+  <p:clrMapOvr>
+    <a:masterClrMapping/>
+  </p:clrMapOvr>
+</p:sld>
+</file>
+
+<file path=ppt/slides/slide46.xml><?xml version="1.0" encoding="utf-8"?>
+<p:sld xmlns:a="http://schemas.openxmlformats.org/drawingml/2006/main" xmlns:r="http://schemas.openxmlformats.org/officeDocument/2006/relationships" xmlns:p="http://schemas.openxmlformats.org/presentationml/2006/main">
+  <p:cSld>
+    <p:spTree>
+      <p:nvGrpSpPr>
+        <p:cNvPr id="1" name=""/>
+        <p:cNvGrpSpPr/>
+        <p:nvPr/>
+      </p:nvGrpSpPr>
+      <p:grpSpPr>
+        <a:xfrm>
+          <a:off x="0" y="0"/>
+          <a:ext cx="0" cy="0"/>
+          <a:chOff x="0" y="0"/>
+          <a:chExt cx="0" cy="0"/>
+        </a:xfrm>
+      </p:grpSpPr>
+      <p:graphicFrame>
+        <p:nvGraphicFramePr>
+          <p:cNvPr id="2" name="Table 1"/>
+          <p:cNvGraphicFramePr>
+            <a:graphicFrameLocks noGrp="1"/>
+          </p:cNvGraphicFramePr>
+          <p:nvPr/>
+        </p:nvGraphicFramePr>
+        <p:xfrm>
+          <a:off x="381000" y="1752600"/>
+          <a:ext cx="8458200" cy="2971800"/>
+        </p:xfrm>
+        <a:graphic>
+          <a:graphicData uri="http://schemas.openxmlformats.org/drawingml/2006/table">
+            <a:tbl>
+              <a:tblPr firstRow="1">
+                <a:tableStyleId>{3C2FFA5D-87B4-456A-9821-1D502468CF0F}</a:tableStyleId>
+              </a:tblPr>
+              <a:tblGrid>
+                <a:gridCol w="3090157"/>
+                <a:gridCol w="2525099"/>
+                <a:gridCol w="2842944"/>
+              </a:tblGrid>
+              <a:tr h="594360">
+                <a:tc gridSpan="3">
+                  <a:txBody>
+                    <a:bodyPr/>
+                    <a:lstStyle/>
+                    <a:p>
+                      <a:pPr algn="ctr" fontAlgn="b"/>
+                      <a:r>
+                        <a:rPr lang="en-US" sz="1800" b="1" u="none" strike="noStrike" dirty="0"/>
+                        <a:t>inspector feedback</a:t>
+                      </a:r>
+                      <a:endParaRPr lang="en-US" sz="1800" b="1" i="0" u="none" strike="noStrike" dirty="0">
+                        <a:solidFill>
+                          <a:srgbClr val="000000"/>
+                        </a:solidFill>
+                        <a:latin typeface="Calibri"/>
+                      </a:endParaRPr>
+                    </a:p>
+                  </a:txBody>
+                  <a:tcPr marL="9525" marR="9525" marT="9525" marB="0" anchor="b"/>
+                </a:tc>
+                <a:tc hMerge="1">
+                  <a:txBody>
+                    <a:bodyPr/>
+                    <a:lstStyle/>
+                    <a:p>
+                      <a:endParaRPr lang="en-US"/>
+                    </a:p>
+                  </a:txBody>
+                  <a:tcPr/>
+                </a:tc>
+                <a:tc hMerge="1">
+                  <a:txBody>
+                    <a:bodyPr/>
+                    <a:lstStyle/>
+                    <a:p>
+                      <a:endParaRPr lang="en-US"/>
+                    </a:p>
+                  </a:txBody>
+                  <a:tcPr/>
+                </a:tc>
+              </a:tr>
+              <a:tr h="594360">
+                <a:tc>
+                  <a:txBody>
+                    <a:bodyPr/>
+                    <a:lstStyle/>
+                    <a:p>
+                      <a:pPr algn="l" fontAlgn="b"/>
+                      <a:r>
+                        <a:rPr lang="en-US" sz="1800" b="1" u="none" strike="noStrike"/>
+                        <a:t>column name</a:t>
+                      </a:r>
+                      <a:endParaRPr lang="en-US" sz="1800" b="1" i="0" u="none" strike="noStrike">
+                        <a:solidFill>
+                          <a:srgbClr val="000000"/>
+                        </a:solidFill>
+                        <a:latin typeface="Calibri"/>
+                      </a:endParaRPr>
+                    </a:p>
+                  </a:txBody>
+                  <a:tcPr marL="9525" marR="9525" marT="9525" marB="0" anchor="b"/>
+                </a:tc>
+                <a:tc>
+                  <a:txBody>
+                    <a:bodyPr/>
+                    <a:lstStyle/>
+                    <a:p>
+                      <a:pPr algn="l" fontAlgn="b"/>
+                      <a:r>
+                        <a:rPr lang="en-US" sz="1800" b="1" u="none" strike="noStrike" dirty="0"/>
+                        <a:t>data type</a:t>
+                      </a:r>
+                      <a:endParaRPr lang="en-US" sz="1800" b="1" i="0" u="none" strike="noStrike" dirty="0">
+                        <a:solidFill>
+                          <a:srgbClr val="000000"/>
+                        </a:solidFill>
+                        <a:latin typeface="Calibri"/>
+                      </a:endParaRPr>
+                    </a:p>
+                  </a:txBody>
+                  <a:tcPr marL="9525" marR="9525" marT="9525" marB="0" anchor="b"/>
+                </a:tc>
+                <a:tc>
+                  <a:txBody>
+                    <a:bodyPr/>
+                    <a:lstStyle/>
+                    <a:p>
+                      <a:pPr algn="l" fontAlgn="b"/>
+                      <a:r>
+                        <a:rPr lang="en-US" sz="1800" b="1" u="none" strike="noStrike" dirty="0"/>
+                        <a:t>constraint</a:t>
+                      </a:r>
+                      <a:endParaRPr lang="en-US" sz="1800" b="1" i="0" u="none" strike="noStrike" dirty="0">
+                        <a:solidFill>
+                          <a:srgbClr val="000000"/>
+                        </a:solidFill>
+                        <a:latin typeface="Calibri"/>
+                      </a:endParaRPr>
+                    </a:p>
+                  </a:txBody>
+                  <a:tcPr marL="9525" marR="9525" marT="9525" marB="0" anchor="b"/>
+                </a:tc>
+              </a:tr>
+              <a:tr h="594360">
+                <a:tc>
+                  <a:txBody>
+                    <a:bodyPr/>
+                    <a:lstStyle/>
+                    <a:p>
+                      <a:pPr algn="l" fontAlgn="b"/>
+                      <a:r>
+                        <a:rPr lang="en-US" sz="1800" u="none" strike="noStrike" dirty="0" err="1"/>
+                        <a:t>inspector_id</a:t>
+                      </a:r>
+                      <a:endParaRPr lang="en-US" sz="1800" b="0" i="0" u="none" strike="noStrike" dirty="0">
+                        <a:solidFill>
+                          <a:srgbClr val="000000"/>
+                        </a:solidFill>
+                        <a:latin typeface="Calibri"/>
+                      </a:endParaRPr>
+                    </a:p>
+                  </a:txBody>
+                  <a:tcPr marL="9525" marR="9525" marT="9525" marB="0" anchor="b"/>
+                </a:tc>
+                <a:tc>
+                  <a:txBody>
+                    <a:bodyPr/>
+                    <a:lstStyle/>
+                    <a:p>
+                      <a:pPr algn="l" fontAlgn="b"/>
+                      <a:r>
+                        <a:rPr lang="en-US" sz="1800" u="none" strike="noStrike"/>
+                        <a:t>integer</a:t>
+                      </a:r>
+                      <a:endParaRPr lang="en-US" sz="1800" b="0" i="0" u="none" strike="noStrike">
+                        <a:solidFill>
+                          <a:srgbClr val="000000"/>
+                        </a:solidFill>
+                        <a:latin typeface="Calibri"/>
+                      </a:endParaRPr>
+                    </a:p>
+                  </a:txBody>
+                  <a:tcPr marL="9525" marR="9525" marT="9525" marB="0" anchor="b"/>
+                </a:tc>
+                <a:tc rowSpan="2">
+                  <a:txBody>
+                    <a:bodyPr/>
+                    <a:lstStyle/>
+                    <a:p>
+                      <a:pPr algn="ctr" fontAlgn="ctr"/>
+                      <a:r>
+                        <a:rPr lang="en-US" sz="1800" u="none" strike="noStrike"/>
+                        <a:t>composite key</a:t>
+                      </a:r>
+                      <a:endParaRPr lang="en-US" sz="1800" b="0" i="0" u="none" strike="noStrike">
+                        <a:solidFill>
+                          <a:srgbClr val="000000"/>
+                        </a:solidFill>
+                        <a:latin typeface="Calibri"/>
+                      </a:endParaRPr>
+                    </a:p>
+                  </a:txBody>
+                  <a:tcPr marL="9525" marR="9525" marT="9525" marB="0" anchor="ctr"/>
+                </a:tc>
+              </a:tr>
+              <a:tr h="594360">
+                <a:tc>
+                  <a:txBody>
+                    <a:bodyPr/>
+                    <a:lstStyle/>
+                    <a:p>
+                      <a:pPr algn="l" fontAlgn="b"/>
+                      <a:r>
+                        <a:rPr lang="en-US" sz="1800" u="none" strike="noStrike"/>
+                        <a:t>content id</a:t>
+                      </a:r>
+                      <a:endParaRPr lang="en-US" sz="1800" b="0" i="0" u="none" strike="noStrike">
+                        <a:solidFill>
+                          <a:srgbClr val="000000"/>
+                        </a:solidFill>
+                        <a:latin typeface="Calibri"/>
+                      </a:endParaRPr>
+                    </a:p>
+                  </a:txBody>
+                  <a:tcPr marL="9525" marR="9525" marT="9525" marB="0" anchor="b"/>
+                </a:tc>
+                <a:tc>
+                  <a:txBody>
+                    <a:bodyPr/>
+                    <a:lstStyle/>
+                    <a:p>
+                      <a:pPr algn="l" fontAlgn="b"/>
+                      <a:r>
+                        <a:rPr lang="en-US" sz="1800" u="none" strike="noStrike"/>
+                        <a:t>integer</a:t>
+                      </a:r>
+                      <a:endParaRPr lang="en-US" sz="1800" b="0" i="0" u="none" strike="noStrike">
+                        <a:solidFill>
+                          <a:srgbClr val="000000"/>
+                        </a:solidFill>
+                        <a:latin typeface="Calibri"/>
+                      </a:endParaRPr>
+                    </a:p>
+                  </a:txBody>
+                  <a:tcPr marL="9525" marR="9525" marT="9525" marB="0" anchor="b"/>
+                </a:tc>
+                <a:tc vMerge="1">
+                  <a:txBody>
+                    <a:bodyPr/>
+                    <a:lstStyle/>
+                    <a:p>
+                      <a:endParaRPr lang="en-US"/>
+                    </a:p>
+                  </a:txBody>
+                  <a:tcPr/>
+                </a:tc>
+              </a:tr>
+              <a:tr h="594360">
+                <a:tc>
+                  <a:txBody>
+                    <a:bodyPr/>
+                    <a:lstStyle/>
+                    <a:p>
+                      <a:pPr algn="l" fontAlgn="b"/>
+                      <a:r>
+                        <a:rPr lang="en-US" sz="1800" u="none" strike="noStrike"/>
+                        <a:t>feedback</a:t>
+                      </a:r>
+                      <a:endParaRPr lang="en-US" sz="1800" b="0" i="0" u="none" strike="noStrike">
+                        <a:solidFill>
+                          <a:srgbClr val="000000"/>
+                        </a:solidFill>
+                        <a:latin typeface="Calibri"/>
+                      </a:endParaRPr>
+                    </a:p>
+                  </a:txBody>
+                  <a:tcPr marL="9525" marR="9525" marT="9525" marB="0" anchor="b"/>
+                </a:tc>
+                <a:tc>
+                  <a:txBody>
+                    <a:bodyPr/>
+                    <a:lstStyle/>
+                    <a:p>
+                      <a:pPr algn="l" fontAlgn="b"/>
+                      <a:r>
+                        <a:rPr lang="en-US" sz="1800" u="none" strike="noStrike"/>
+                        <a:t>varchar(100)</a:t>
+                      </a:r>
+                      <a:endParaRPr lang="en-US" sz="1800" b="0" i="0" u="none" strike="noStrike">
+                        <a:solidFill>
+                          <a:srgbClr val="000000"/>
+                        </a:solidFill>
+                        <a:latin typeface="Calibri"/>
+                      </a:endParaRPr>
+                    </a:p>
+                  </a:txBody>
+                  <a:tcPr marL="9525" marR="9525" marT="9525" marB="0" anchor="b"/>
+                </a:tc>
+                <a:tc>
+                  <a:txBody>
+                    <a:bodyPr/>
+                    <a:lstStyle/>
+                    <a:p>
+                      <a:pPr algn="l" fontAlgn="b"/>
+                      <a:r>
+                        <a:rPr lang="en-US" sz="1800" u="none" strike="noStrike" dirty="0"/>
+                        <a:t> </a:t>
+                      </a:r>
+                      <a:endParaRPr lang="en-US" sz="1800" b="0" i="0" u="none" strike="noStrike" dirty="0">
+                        <a:solidFill>
+                          <a:srgbClr val="000000"/>
+                        </a:solidFill>
+                        <a:latin typeface="Calibri"/>
+                      </a:endParaRPr>
+                    </a:p>
+                  </a:txBody>
+                  <a:tcPr marL="9525" marR="9525" marT="9525" marB="0" anchor="b"/>
+                </a:tc>
+              </a:tr>
+            </a:tbl>
+          </a:graphicData>
+        </a:graphic>
+      </p:graphicFrame>
+    </p:spTree>
+  </p:cSld>
+  <p:clrMapOvr>
+    <a:masterClrMapping/>
+  </p:clrMapOvr>
+</p:sld>
+</file>
+
+<file path=ppt/slides/slide47.xml><?xml version="1.0" encoding="utf-8"?>
+<p:sld xmlns:a="http://schemas.openxmlformats.org/drawingml/2006/main" xmlns:r="http://schemas.openxmlformats.org/officeDocument/2006/relationships" xmlns:p="http://schemas.openxmlformats.org/presentationml/2006/main">
+  <p:cSld>
+    <p:spTree>
+      <p:nvGrpSpPr>
+        <p:cNvPr id="1" name=""/>
+        <p:cNvGrpSpPr/>
+        <p:nvPr/>
+      </p:nvGrpSpPr>
+      <p:grpSpPr>
+        <a:xfrm>
+          <a:off x="0" y="0"/>
+          <a:ext cx="0" cy="0"/>
+          <a:chOff x="0" y="0"/>
+          <a:chExt cx="0" cy="0"/>
+        </a:xfrm>
+      </p:grpSpPr>
+      <p:graphicFrame>
+        <p:nvGraphicFramePr>
+          <p:cNvPr id="2" name="Table 1"/>
+          <p:cNvGraphicFramePr>
+            <a:graphicFrameLocks noGrp="1"/>
+          </p:cNvGraphicFramePr>
+          <p:nvPr/>
+        </p:nvGraphicFramePr>
+        <p:xfrm>
+          <a:off x="228600" y="411480"/>
+          <a:ext cx="8763000" cy="2636520"/>
+        </p:xfrm>
+        <a:graphic>
+          <a:graphicData uri="http://schemas.openxmlformats.org/drawingml/2006/table">
+            <a:tbl>
+              <a:tblPr firstRow="1">
+                <a:tableStyleId>{3C2FFA5D-87B4-456A-9821-1D502468CF0F}</a:tableStyleId>
+              </a:tblPr>
+              <a:tblGrid>
+                <a:gridCol w="3230509"/>
+                <a:gridCol w="2437392"/>
+                <a:gridCol w="3095099"/>
+              </a:tblGrid>
+              <a:tr h="295275">
+                <a:tc gridSpan="3">
+                  <a:txBody>
+                    <a:bodyPr/>
+                    <a:lstStyle/>
+                    <a:p>
+                      <a:pPr algn="ctr" fontAlgn="b"/>
+                      <a:r>
+                        <a:rPr lang="en-US" sz="2100" b="1" u="none" strike="noStrike" dirty="0"/>
+                        <a:t>student log</a:t>
+                      </a:r>
+                      <a:endParaRPr lang="en-US" sz="2100" b="1" i="0" u="none" strike="noStrike" dirty="0">
+                        <a:solidFill>
+                          <a:srgbClr val="000000"/>
+                        </a:solidFill>
+                        <a:latin typeface="Calibri"/>
+                      </a:endParaRPr>
+                    </a:p>
+                  </a:txBody>
+                  <a:tcPr marL="9525" marR="9525" marT="9525" marB="0" anchor="b"/>
+                </a:tc>
+                <a:tc hMerge="1">
+                  <a:txBody>
+                    <a:bodyPr/>
+                    <a:lstStyle/>
+                    <a:p>
+                      <a:endParaRPr lang="en-US"/>
+                    </a:p>
+                  </a:txBody>
+                  <a:tcPr/>
+                </a:tc>
+                <a:tc hMerge="1">
+                  <a:txBody>
+                    <a:bodyPr/>
+                    <a:lstStyle/>
+                    <a:p>
+                      <a:endParaRPr lang="en-US"/>
+                    </a:p>
+                  </a:txBody>
+                  <a:tcPr/>
+                </a:tc>
+              </a:tr>
+              <a:tr h="295275">
+                <a:tc>
+                  <a:txBody>
+                    <a:bodyPr/>
+                    <a:lstStyle/>
+                    <a:p>
+                      <a:pPr algn="l" fontAlgn="b"/>
+                      <a:r>
+                        <a:rPr lang="en-US" sz="2100" b="1" u="none" strike="noStrike"/>
+                        <a:t>column name</a:t>
+                      </a:r>
+                      <a:endParaRPr lang="en-US" sz="2100" b="1" i="0" u="none" strike="noStrike">
+                        <a:solidFill>
+                          <a:srgbClr val="000000"/>
+                        </a:solidFill>
+                        <a:latin typeface="Calibri"/>
+                      </a:endParaRPr>
+                    </a:p>
+                  </a:txBody>
+                  <a:tcPr marL="9525" marR="9525" marT="9525" marB="0" anchor="b"/>
+                </a:tc>
+                <a:tc>
+                  <a:txBody>
+                    <a:bodyPr/>
+                    <a:lstStyle/>
+                    <a:p>
+                      <a:pPr algn="l" fontAlgn="b"/>
+                      <a:r>
+                        <a:rPr lang="en-US" sz="2100" b="1" u="none" strike="noStrike" dirty="0"/>
+                        <a:t>data type</a:t>
+                      </a:r>
+                      <a:endParaRPr lang="en-US" sz="2100" b="1" i="0" u="none" strike="noStrike" dirty="0">
+                        <a:solidFill>
+                          <a:srgbClr val="000000"/>
+                        </a:solidFill>
+                        <a:latin typeface="Calibri"/>
+                      </a:endParaRPr>
+                    </a:p>
+                  </a:txBody>
+                  <a:tcPr marL="9525" marR="9525" marT="9525" marB="0" anchor="b"/>
+                </a:tc>
+                <a:tc>
+                  <a:txBody>
+                    <a:bodyPr/>
+                    <a:lstStyle/>
+                    <a:p>
+                      <a:pPr algn="l" fontAlgn="b"/>
+                      <a:r>
+                        <a:rPr lang="en-US" sz="2100" b="1" u="none" strike="noStrike" dirty="0"/>
+                        <a:t>constraint</a:t>
+                      </a:r>
+                      <a:endParaRPr lang="en-US" sz="2100" b="1" i="0" u="none" strike="noStrike" dirty="0">
+                        <a:solidFill>
+                          <a:srgbClr val="000000"/>
+                        </a:solidFill>
+                        <a:latin typeface="Calibri"/>
+                      </a:endParaRPr>
+                    </a:p>
+                  </a:txBody>
+                  <a:tcPr marL="9525" marR="9525" marT="9525" marB="0" anchor="b"/>
+                </a:tc>
+              </a:tr>
+              <a:tr h="295275">
+                <a:tc>
+                  <a:txBody>
+                    <a:bodyPr/>
+                    <a:lstStyle/>
+                    <a:p>
+                      <a:pPr algn="l" fontAlgn="b"/>
+                      <a:r>
+                        <a:rPr lang="en-US" sz="2100" u="none" strike="noStrike"/>
+                        <a:t>student_id</a:t>
+                      </a:r>
+                      <a:endParaRPr lang="en-US" sz="2100" b="0" i="0" u="none" strike="noStrike">
+                        <a:solidFill>
+                          <a:srgbClr val="000000"/>
+                        </a:solidFill>
+                        <a:latin typeface="Calibri"/>
+                      </a:endParaRPr>
+                    </a:p>
+                  </a:txBody>
+                  <a:tcPr marL="9525" marR="9525" marT="9525" marB="0" anchor="b"/>
+                </a:tc>
+                <a:tc>
+                  <a:txBody>
+                    <a:bodyPr/>
+                    <a:lstStyle/>
+                    <a:p>
+                      <a:pPr algn="l" fontAlgn="b"/>
+                      <a:r>
+                        <a:rPr lang="en-US" sz="2100" u="none" strike="noStrike"/>
+                        <a:t>integer</a:t>
+                      </a:r>
+                      <a:endParaRPr lang="en-US" sz="2100" b="0" i="0" u="none" strike="noStrike">
+                        <a:solidFill>
+                          <a:srgbClr val="000000"/>
+                        </a:solidFill>
+                        <a:latin typeface="Calibri"/>
+                      </a:endParaRPr>
+                    </a:p>
+                  </a:txBody>
+                  <a:tcPr marL="9525" marR="9525" marT="9525" marB="0" anchor="b"/>
+                </a:tc>
+                <a:tc rowSpan="2">
+                  <a:txBody>
+                    <a:bodyPr/>
+                    <a:lstStyle/>
+                    <a:p>
+                      <a:pPr algn="ctr" fontAlgn="ctr"/>
+                      <a:r>
+                        <a:rPr lang="en-US" sz="2100" u="none" strike="noStrike" dirty="0"/>
+                        <a:t>composite key</a:t>
+                      </a:r>
+                      <a:endParaRPr lang="en-US" sz="2100" b="0" i="0" u="none" strike="noStrike" dirty="0">
+                        <a:solidFill>
+                          <a:srgbClr val="000000"/>
+                        </a:solidFill>
+                        <a:latin typeface="Calibri"/>
+                      </a:endParaRPr>
+                    </a:p>
+                  </a:txBody>
+                  <a:tcPr marL="9525" marR="9525" marT="9525" marB="0" anchor="ctr"/>
+                </a:tc>
+              </a:tr>
+              <a:tr h="295275">
+                <a:tc>
+                  <a:txBody>
+                    <a:bodyPr/>
+                    <a:lstStyle/>
+                    <a:p>
+                      <a:pPr algn="l" fontAlgn="b"/>
+                      <a:r>
+                        <a:rPr lang="en-US" sz="2100" u="none" strike="noStrike"/>
+                        <a:t>content_id</a:t>
+                      </a:r>
+                      <a:endParaRPr lang="en-US" sz="2100" b="0" i="0" u="none" strike="noStrike">
+                        <a:solidFill>
+                          <a:srgbClr val="000000"/>
+                        </a:solidFill>
+                        <a:latin typeface="Calibri"/>
+                      </a:endParaRPr>
+                    </a:p>
+                  </a:txBody>
+                  <a:tcPr marL="9525" marR="9525" marT="9525" marB="0" anchor="b"/>
+                </a:tc>
+                <a:tc>
+                  <a:txBody>
+                    <a:bodyPr/>
+                    <a:lstStyle/>
+                    <a:p>
+                      <a:pPr algn="l" fontAlgn="b"/>
+                      <a:r>
+                        <a:rPr lang="en-US" sz="2100" u="none" strike="noStrike"/>
+                        <a:t>integer</a:t>
+                      </a:r>
+                      <a:endParaRPr lang="en-US" sz="2100" b="0" i="0" u="none" strike="noStrike">
+                        <a:solidFill>
+                          <a:srgbClr val="000000"/>
+                        </a:solidFill>
+                        <a:latin typeface="Calibri"/>
+                      </a:endParaRPr>
+                    </a:p>
+                  </a:txBody>
+                  <a:tcPr marL="9525" marR="9525" marT="9525" marB="0" anchor="b"/>
+                </a:tc>
+                <a:tc vMerge="1">
+                  <a:txBody>
+                    <a:bodyPr/>
+                    <a:lstStyle/>
+                    <a:p>
+                      <a:endParaRPr lang="en-US"/>
+                    </a:p>
+                  </a:txBody>
+                  <a:tcPr/>
+                </a:tc>
+              </a:tr>
+              <a:tr h="295275">
+                <a:tc>
+                  <a:txBody>
+                    <a:bodyPr/>
+                    <a:lstStyle/>
+                    <a:p>
+                      <a:pPr algn="l" fontAlgn="b"/>
+                      <a:r>
+                        <a:rPr lang="en-US" sz="2100" u="none" strike="noStrike"/>
+                        <a:t>paused time</a:t>
+                      </a:r>
+                      <a:endParaRPr lang="en-US" sz="2100" b="0" i="0" u="none" strike="noStrike">
+                        <a:solidFill>
+                          <a:srgbClr val="000000"/>
+                        </a:solidFill>
+                        <a:latin typeface="Calibri"/>
+                      </a:endParaRPr>
+                    </a:p>
+                  </a:txBody>
+                  <a:tcPr marL="9525" marR="9525" marT="9525" marB="0" anchor="b"/>
+                </a:tc>
+                <a:tc>
+                  <a:txBody>
+                    <a:bodyPr/>
+                    <a:lstStyle/>
+                    <a:p>
+                      <a:pPr algn="l" fontAlgn="b"/>
+                      <a:r>
+                        <a:rPr lang="en-US" sz="2100" u="none" strike="noStrike"/>
+                        <a:t>time</a:t>
+                      </a:r>
+                      <a:endParaRPr lang="en-US" sz="2100" b="0" i="0" u="none" strike="noStrike">
+                        <a:solidFill>
+                          <a:srgbClr val="000000"/>
+                        </a:solidFill>
+                        <a:latin typeface="Calibri"/>
+                      </a:endParaRPr>
+                    </a:p>
+                  </a:txBody>
+                  <a:tcPr marL="9525" marR="9525" marT="9525" marB="0" anchor="b"/>
+                </a:tc>
+                <a:tc>
+                  <a:txBody>
+                    <a:bodyPr/>
+                    <a:lstStyle/>
+                    <a:p>
+                      <a:pPr algn="l" fontAlgn="b"/>
+                      <a:r>
+                        <a:rPr lang="en-US" sz="2100" u="none" strike="noStrike"/>
+                        <a:t> </a:t>
+                      </a:r>
+                      <a:endParaRPr lang="en-US" sz="2100" b="0" i="0" u="none" strike="noStrike">
+                        <a:solidFill>
+                          <a:srgbClr val="000000"/>
+                        </a:solidFill>
+                        <a:latin typeface="Calibri"/>
+                      </a:endParaRPr>
+                    </a:p>
+                  </a:txBody>
+                  <a:tcPr marL="9525" marR="9525" marT="9525" marB="0" anchor="b"/>
+                </a:tc>
+              </a:tr>
+              <a:tr h="295275">
+                <a:tc>
+                  <a:txBody>
+                    <a:bodyPr/>
+                    <a:lstStyle/>
+                    <a:p>
+                      <a:pPr algn="l" fontAlgn="b"/>
+                      <a:r>
+                        <a:rPr lang="en-US" sz="2100" u="none" strike="noStrike" dirty="0"/>
+                        <a:t>rating</a:t>
+                      </a:r>
+                      <a:endParaRPr lang="en-US" sz="2100" b="0" i="0" u="none" strike="noStrike" dirty="0">
+                        <a:solidFill>
+                          <a:srgbClr val="000000"/>
+                        </a:solidFill>
+                        <a:latin typeface="Calibri"/>
+                      </a:endParaRPr>
+                    </a:p>
+                  </a:txBody>
+                  <a:tcPr marL="9525" marR="9525" marT="9525" marB="0" anchor="b"/>
+                </a:tc>
+                <a:tc>
+                  <a:txBody>
+                    <a:bodyPr/>
+                    <a:lstStyle/>
+                    <a:p>
+                      <a:pPr algn="l" fontAlgn="b"/>
+                      <a:r>
+                        <a:rPr lang="en-US" sz="2100" u="none" strike="noStrike" dirty="0"/>
+                        <a:t>integer</a:t>
+                      </a:r>
+                      <a:endParaRPr lang="en-US" sz="2100" b="0" i="0" u="none" strike="noStrike" dirty="0">
+                        <a:solidFill>
+                          <a:srgbClr val="000000"/>
+                        </a:solidFill>
+                        <a:latin typeface="Calibri"/>
+                      </a:endParaRPr>
+                    </a:p>
+                  </a:txBody>
+                  <a:tcPr marL="9525" marR="9525" marT="9525" marB="0" anchor="b"/>
+                </a:tc>
+                <a:tc>
+                  <a:txBody>
+                    <a:bodyPr/>
+                    <a:lstStyle/>
+                    <a:p>
+                      <a:pPr algn="l" fontAlgn="b"/>
+                      <a:r>
+                        <a:rPr lang="en-US" sz="2100" u="none" strike="noStrike"/>
+                        <a:t> </a:t>
+                      </a:r>
+                      <a:endParaRPr lang="en-US" sz="2100" b="0" i="0" u="none" strike="noStrike">
+                        <a:solidFill>
+                          <a:srgbClr val="000000"/>
+                        </a:solidFill>
+                        <a:latin typeface="Calibri"/>
+                      </a:endParaRPr>
+                    </a:p>
+                  </a:txBody>
+                  <a:tcPr marL="9525" marR="9525" marT="9525" marB="0" anchor="b"/>
+                </a:tc>
+              </a:tr>
+              <a:tr h="295275">
+                <a:tc>
+                  <a:txBody>
+                    <a:bodyPr/>
+                    <a:lstStyle/>
+                    <a:p>
+                      <a:pPr algn="l" fontAlgn="b"/>
+                      <a:r>
+                        <a:rPr lang="en-US" sz="2100" u="none" strike="noStrike"/>
+                        <a:t>date(paid for course on)</a:t>
+                      </a:r>
+                      <a:endParaRPr lang="en-US" sz="2100" b="0" i="0" u="none" strike="noStrike">
+                        <a:solidFill>
+                          <a:srgbClr val="000000"/>
+                        </a:solidFill>
+                        <a:latin typeface="Calibri"/>
+                      </a:endParaRPr>
+                    </a:p>
+                  </a:txBody>
+                  <a:tcPr marL="9525" marR="9525" marT="9525" marB="0" anchor="b"/>
+                </a:tc>
+                <a:tc>
+                  <a:txBody>
+                    <a:bodyPr/>
+                    <a:lstStyle/>
+                    <a:p>
+                      <a:pPr algn="l" fontAlgn="b"/>
+                      <a:r>
+                        <a:rPr lang="en-US" sz="2100" u="none" strike="noStrike"/>
+                        <a:t>date</a:t>
+                      </a:r>
+                      <a:endParaRPr lang="en-US" sz="2100" b="0" i="0" u="none" strike="noStrike">
+                        <a:solidFill>
+                          <a:srgbClr val="000000"/>
+                        </a:solidFill>
+                        <a:latin typeface="Calibri"/>
+                      </a:endParaRPr>
+                    </a:p>
+                  </a:txBody>
+                  <a:tcPr marL="9525" marR="9525" marT="9525" marB="0" anchor="b"/>
+                </a:tc>
+                <a:tc>
+                  <a:txBody>
+                    <a:bodyPr/>
+                    <a:lstStyle/>
+                    <a:p>
+                      <a:pPr algn="l" fontAlgn="b"/>
+                      <a:r>
+                        <a:rPr lang="en-US" sz="2100" u="none" strike="noStrike"/>
+                        <a:t> </a:t>
+                      </a:r>
+                      <a:endParaRPr lang="en-US" sz="2100" b="0" i="0" u="none" strike="noStrike">
+                        <a:solidFill>
+                          <a:srgbClr val="000000"/>
+                        </a:solidFill>
+                        <a:latin typeface="Calibri"/>
+                      </a:endParaRPr>
+                    </a:p>
+                  </a:txBody>
+                  <a:tcPr marL="9525" marR="9525" marT="9525" marB="0" anchor="b"/>
+                </a:tc>
+              </a:tr>
+              <a:tr h="295275">
+                <a:tc>
+                  <a:txBody>
+                    <a:bodyPr/>
+                    <a:lstStyle/>
+                    <a:p>
+                      <a:pPr algn="l" fontAlgn="b"/>
+                      <a:r>
+                        <a:rPr lang="en-US" sz="2100" u="none" strike="noStrike"/>
+                        <a:t>watch time</a:t>
+                      </a:r>
+                      <a:endParaRPr lang="en-US" sz="2100" b="0" i="0" u="none" strike="noStrike">
+                        <a:solidFill>
+                          <a:srgbClr val="000000"/>
+                        </a:solidFill>
+                        <a:latin typeface="Calibri"/>
+                      </a:endParaRPr>
+                    </a:p>
+                  </a:txBody>
+                  <a:tcPr marL="9525" marR="9525" marT="9525" marB="0" anchor="b"/>
+                </a:tc>
+                <a:tc>
+                  <a:txBody>
+                    <a:bodyPr/>
+                    <a:lstStyle/>
+                    <a:p>
+                      <a:pPr algn="l" fontAlgn="b"/>
+                      <a:r>
+                        <a:rPr lang="en-US" sz="2100" u="none" strike="noStrike"/>
+                        <a:t>time</a:t>
+                      </a:r>
+                      <a:endParaRPr lang="en-US" sz="2100" b="0" i="0" u="none" strike="noStrike">
+                        <a:solidFill>
+                          <a:srgbClr val="000000"/>
+                        </a:solidFill>
+                        <a:latin typeface="Calibri"/>
+                      </a:endParaRPr>
+                    </a:p>
+                  </a:txBody>
+                  <a:tcPr marL="9525" marR="9525" marT="9525" marB="0" anchor="b"/>
+                </a:tc>
+                <a:tc>
+                  <a:txBody>
+                    <a:bodyPr/>
+                    <a:lstStyle/>
+                    <a:p>
+                      <a:pPr algn="l" fontAlgn="b"/>
+                      <a:r>
+                        <a:rPr lang="en-US" sz="2100" u="none" strike="noStrike" dirty="0"/>
+                        <a:t> </a:t>
+                      </a:r>
+                      <a:endParaRPr lang="en-US" sz="2100" b="0" i="0" u="none" strike="noStrike" dirty="0">
+                        <a:solidFill>
+                          <a:srgbClr val="000000"/>
+                        </a:solidFill>
+                        <a:latin typeface="Calibri"/>
+                      </a:endParaRPr>
+                    </a:p>
+                  </a:txBody>
+                  <a:tcPr marL="9525" marR="9525" marT="9525" marB="0" anchor="b"/>
+                </a:tc>
+              </a:tr>
+            </a:tbl>
+          </a:graphicData>
+        </a:graphic>
+      </p:graphicFrame>
+      <p:graphicFrame>
+        <p:nvGraphicFramePr>
+          <p:cNvPr id="3" name="Table 2"/>
+          <p:cNvGraphicFramePr>
+            <a:graphicFrameLocks noGrp="1"/>
+          </p:cNvGraphicFramePr>
+          <p:nvPr/>
+        </p:nvGraphicFramePr>
+        <p:xfrm>
+          <a:off x="228600" y="3657600"/>
+          <a:ext cx="8686799" cy="2362200"/>
+        </p:xfrm>
+        <a:graphic>
+          <a:graphicData uri="http://schemas.openxmlformats.org/drawingml/2006/table">
+            <a:tbl>
+              <a:tblPr firstRow="1">
+                <a:tableStyleId>{3C2FFA5D-87B4-456A-9821-1D502468CF0F}</a:tableStyleId>
+              </a:tblPr>
+              <a:tblGrid>
+                <a:gridCol w="3202418"/>
+                <a:gridCol w="2416196"/>
+                <a:gridCol w="3068185"/>
+              </a:tblGrid>
+              <a:tr h="472440">
+                <a:tc gridSpan="3">
+                  <a:txBody>
+                    <a:bodyPr/>
+                    <a:lstStyle/>
+                    <a:p>
+                      <a:pPr algn="ctr" fontAlgn="b"/>
+                      <a:r>
+                        <a:rPr lang="en-US" sz="2100" b="1" u="none" strike="noStrike" dirty="0"/>
+                        <a:t>request</a:t>
+                      </a:r>
+                      <a:endParaRPr lang="en-US" sz="2100" b="1" i="0" u="none" strike="noStrike" dirty="0">
+                        <a:solidFill>
+                          <a:srgbClr val="000000"/>
+                        </a:solidFill>
+                        <a:latin typeface="Calibri"/>
+                      </a:endParaRPr>
+                    </a:p>
+                  </a:txBody>
+                  <a:tcPr marL="9525" marR="9525" marT="9525" marB="0" anchor="b"/>
+                </a:tc>
+                <a:tc hMerge="1">
+                  <a:txBody>
+                    <a:bodyPr/>
+                    <a:lstStyle/>
+                    <a:p>
+                      <a:endParaRPr lang="en-US"/>
+                    </a:p>
+                  </a:txBody>
+                  <a:tcPr/>
+                </a:tc>
+                <a:tc hMerge="1">
+                  <a:txBody>
+                    <a:bodyPr/>
+                    <a:lstStyle/>
+                    <a:p>
+                      <a:endParaRPr lang="en-US"/>
+                    </a:p>
+                  </a:txBody>
+                  <a:tcPr/>
+                </a:tc>
+              </a:tr>
+              <a:tr h="472440">
+                <a:tc>
+                  <a:txBody>
+                    <a:bodyPr/>
+                    <a:lstStyle/>
+                    <a:p>
+                      <a:pPr algn="l" fontAlgn="b"/>
+                      <a:r>
+                        <a:rPr lang="en-US" sz="2100" b="1" u="none" strike="noStrike" dirty="0"/>
+                        <a:t>column name</a:t>
+                      </a:r>
+                      <a:endParaRPr lang="en-US" sz="2100" b="1" i="0" u="none" strike="noStrike" dirty="0">
+                        <a:solidFill>
+                          <a:srgbClr val="000000"/>
+                        </a:solidFill>
+                        <a:latin typeface="Calibri"/>
+                      </a:endParaRPr>
+                    </a:p>
+                  </a:txBody>
+                  <a:tcPr marL="9525" marR="9525" marT="9525" marB="0" anchor="b"/>
+                </a:tc>
+                <a:tc>
+                  <a:txBody>
+                    <a:bodyPr/>
+                    <a:lstStyle/>
+                    <a:p>
+                      <a:pPr algn="l" fontAlgn="b"/>
+                      <a:r>
+                        <a:rPr lang="en-US" sz="2100" b="1" u="none" strike="noStrike"/>
+                        <a:t>data type</a:t>
+                      </a:r>
+                      <a:endParaRPr lang="en-US" sz="2100" b="1" i="0" u="none" strike="noStrike">
+                        <a:solidFill>
+                          <a:srgbClr val="000000"/>
+                        </a:solidFill>
+                        <a:latin typeface="Calibri"/>
+                      </a:endParaRPr>
+                    </a:p>
+                  </a:txBody>
+                  <a:tcPr marL="9525" marR="9525" marT="9525" marB="0" anchor="b"/>
+                </a:tc>
+                <a:tc>
+                  <a:txBody>
+                    <a:bodyPr/>
+                    <a:lstStyle/>
+                    <a:p>
+                      <a:pPr algn="l" fontAlgn="b"/>
+                      <a:r>
+                        <a:rPr lang="en-US" sz="2100" b="1" u="none" strike="noStrike" dirty="0"/>
+                        <a:t>constraint</a:t>
+                      </a:r>
+                      <a:endParaRPr lang="en-US" sz="2100" b="1" i="0" u="none" strike="noStrike" dirty="0">
+                        <a:solidFill>
+                          <a:srgbClr val="000000"/>
+                        </a:solidFill>
+                        <a:latin typeface="Calibri"/>
+                      </a:endParaRPr>
+                    </a:p>
+                  </a:txBody>
+                  <a:tcPr marL="9525" marR="9525" marT="9525" marB="0" anchor="b"/>
+                </a:tc>
+              </a:tr>
+              <a:tr h="472440">
+                <a:tc>
+                  <a:txBody>
+                    <a:bodyPr/>
+                    <a:lstStyle/>
+                    <a:p>
+                      <a:pPr algn="l" fontAlgn="b"/>
+                      <a:r>
+                        <a:rPr lang="en-US" sz="2100" u="none" strike="noStrike" dirty="0" err="1"/>
+                        <a:t>student_id</a:t>
+                      </a:r>
+                      <a:endParaRPr lang="en-US" sz="2100" b="0" i="0" u="none" strike="noStrike" dirty="0">
+                        <a:solidFill>
+                          <a:srgbClr val="000000"/>
+                        </a:solidFill>
+                        <a:latin typeface="Calibri"/>
+                      </a:endParaRPr>
+                    </a:p>
+                  </a:txBody>
+                  <a:tcPr marL="9525" marR="9525" marT="9525" marB="0" anchor="b"/>
+                </a:tc>
+                <a:tc>
+                  <a:txBody>
+                    <a:bodyPr/>
+                    <a:lstStyle/>
+                    <a:p>
+                      <a:pPr algn="l" fontAlgn="b"/>
+                      <a:r>
+                        <a:rPr lang="en-US" sz="2100" u="none" strike="noStrike" dirty="0"/>
+                        <a:t>integer</a:t>
+                      </a:r>
+                      <a:endParaRPr lang="en-US" sz="2100" b="0" i="0" u="none" strike="noStrike" dirty="0">
+                        <a:solidFill>
+                          <a:srgbClr val="000000"/>
+                        </a:solidFill>
+                        <a:latin typeface="Calibri"/>
+                      </a:endParaRPr>
+                    </a:p>
+                  </a:txBody>
+                  <a:tcPr marL="9525" marR="9525" marT="9525" marB="0" anchor="b"/>
+                </a:tc>
+                <a:tc>
+                  <a:txBody>
+                    <a:bodyPr/>
+                    <a:lstStyle/>
+                    <a:p>
+                      <a:pPr algn="l" fontAlgn="b"/>
+                      <a:r>
+                        <a:rPr lang="en-US" sz="2100" u="none" strike="noStrike"/>
+                        <a:t>primary key</a:t>
+                      </a:r>
+                      <a:endParaRPr lang="en-US" sz="2100" b="0" i="0" u="none" strike="noStrike">
+                        <a:solidFill>
+                          <a:srgbClr val="000000"/>
+                        </a:solidFill>
+                        <a:latin typeface="Calibri"/>
+                      </a:endParaRPr>
+                    </a:p>
+                  </a:txBody>
+                  <a:tcPr marL="9525" marR="9525" marT="9525" marB="0" anchor="b"/>
+                </a:tc>
+              </a:tr>
+              <a:tr h="472440">
+                <a:tc>
+                  <a:txBody>
+                    <a:bodyPr/>
+                    <a:lstStyle/>
+                    <a:p>
+                      <a:pPr algn="l" fontAlgn="b"/>
+                      <a:r>
+                        <a:rPr lang="en-US" sz="2100" u="none" strike="noStrike"/>
+                        <a:t>requests</a:t>
+                      </a:r>
+                      <a:endParaRPr lang="en-US" sz="2100" b="0" i="0" u="none" strike="noStrike">
+                        <a:solidFill>
+                          <a:srgbClr val="000000"/>
+                        </a:solidFill>
+                        <a:latin typeface="Calibri"/>
+                      </a:endParaRPr>
+                    </a:p>
+                  </a:txBody>
+                  <a:tcPr marL="9525" marR="9525" marT="9525" marB="0" anchor="b"/>
+                </a:tc>
+                <a:tc>
+                  <a:txBody>
+                    <a:bodyPr/>
+                    <a:lstStyle/>
+                    <a:p>
+                      <a:pPr algn="l" fontAlgn="b"/>
+                      <a:r>
+                        <a:rPr lang="en-US" sz="2100" u="none" strike="noStrike" dirty="0" err="1"/>
+                        <a:t>varchar</a:t>
+                      </a:r>
+                      <a:r>
+                        <a:rPr lang="en-US" sz="2100" u="none" strike="noStrike" dirty="0"/>
+                        <a:t>(100)</a:t>
+                      </a:r>
+                      <a:endParaRPr lang="en-US" sz="2100" b="0" i="0" u="none" strike="noStrike" dirty="0">
+                        <a:solidFill>
+                          <a:srgbClr val="000000"/>
+                        </a:solidFill>
+                        <a:latin typeface="Calibri"/>
+                      </a:endParaRPr>
+                    </a:p>
+                  </a:txBody>
+                  <a:tcPr marL="9525" marR="9525" marT="9525" marB="0" anchor="b"/>
+                </a:tc>
+                <a:tc>
+                  <a:txBody>
+                    <a:bodyPr/>
+                    <a:lstStyle/>
+                    <a:p>
+                      <a:pPr algn="l" fontAlgn="b"/>
+                      <a:r>
+                        <a:rPr lang="en-US" sz="2100" u="none" strike="noStrike" dirty="0"/>
+                        <a:t> </a:t>
+                      </a:r>
+                      <a:endParaRPr lang="en-US" sz="2100" b="0" i="0" u="none" strike="noStrike" dirty="0">
+                        <a:solidFill>
+                          <a:srgbClr val="000000"/>
+                        </a:solidFill>
+                        <a:latin typeface="Calibri"/>
+                      </a:endParaRPr>
+                    </a:p>
+                  </a:txBody>
+                  <a:tcPr marL="9525" marR="9525" marT="9525" marB="0" anchor="b"/>
+                </a:tc>
+              </a:tr>
+              <a:tr h="472440">
+                <a:tc>
+                  <a:txBody>
+                    <a:bodyPr/>
+                    <a:lstStyle/>
+                    <a:p>
+                      <a:pPr algn="l" fontAlgn="b"/>
+                      <a:r>
+                        <a:rPr lang="en-US" sz="2100" u="none" strike="noStrike"/>
+                        <a:t>date</a:t>
+                      </a:r>
+                      <a:endParaRPr lang="en-US" sz="2100" b="0" i="0" u="none" strike="noStrike">
+                        <a:solidFill>
+                          <a:srgbClr val="000000"/>
+                        </a:solidFill>
+                        <a:latin typeface="Calibri"/>
+                      </a:endParaRPr>
+                    </a:p>
+                  </a:txBody>
+                  <a:tcPr marL="9525" marR="9525" marT="9525" marB="0" anchor="b"/>
+                </a:tc>
+                <a:tc>
+                  <a:txBody>
+                    <a:bodyPr/>
+                    <a:lstStyle/>
+                    <a:p>
+                      <a:pPr algn="l" fontAlgn="b"/>
+                      <a:r>
+                        <a:rPr lang="en-US" sz="2100" u="none" strike="noStrike" dirty="0"/>
+                        <a:t>integer</a:t>
+                      </a:r>
+                      <a:endParaRPr lang="en-US" sz="2100" b="0" i="0" u="none" strike="noStrike" dirty="0">
+                        <a:solidFill>
+                          <a:srgbClr val="000000"/>
+                        </a:solidFill>
+                        <a:latin typeface="Calibri"/>
+                      </a:endParaRPr>
+                    </a:p>
+                  </a:txBody>
+                  <a:tcPr marL="9525" marR="9525" marT="9525" marB="0" anchor="b"/>
+                </a:tc>
+                <a:tc>
+                  <a:txBody>
+                    <a:bodyPr/>
+                    <a:lstStyle/>
+                    <a:p>
+                      <a:pPr algn="l" fontAlgn="b"/>
+                      <a:r>
+                        <a:rPr lang="en-US" sz="2100" u="none" strike="noStrike" dirty="0"/>
+                        <a:t> </a:t>
+                      </a:r>
+                      <a:endParaRPr lang="en-US" sz="2100" b="0" i="0" u="none" strike="noStrike" dirty="0">
+                        <a:solidFill>
+                          <a:srgbClr val="000000"/>
+                        </a:solidFill>
+                        <a:latin typeface="Calibri"/>
+                      </a:endParaRPr>
+                    </a:p>
+                  </a:txBody>
+                  <a:tcPr marL="9525" marR="9525" marT="9525" marB="0" anchor="b"/>
+                </a:tc>
+              </a:tr>
+            </a:tbl>
+          </a:graphicData>
+        </a:graphic>
+      </p:graphicFrame>
+    </p:spTree>
+  </p:cSld>
+  <p:clrMapOvr>
+    <a:masterClrMapping/>
+  </p:clrMapOvr>
+</p:sld>
+</file>
+
+<file path=ppt/slides/slide48.xml><?xml version="1.0" encoding="utf-8"?>
+<p:sld xmlns:a="http://schemas.openxmlformats.org/drawingml/2006/main" xmlns:r="http://schemas.openxmlformats.org/officeDocument/2006/relationships" xmlns:p="http://schemas.openxmlformats.org/presentationml/2006/main">
+  <p:cSld>
+    <p:spTree>
+      <p:nvGrpSpPr>
+        <p:cNvPr id="1" name=""/>
+        <p:cNvGrpSpPr/>
+        <p:nvPr/>
+      </p:nvGrpSpPr>
+      <p:grpSpPr>
+        <a:xfrm>
+          <a:off x="0" y="0"/>
+          <a:ext cx="0" cy="0"/>
+          <a:chOff x="0" y="0"/>
+          <a:chExt cx="0" cy="0"/>
+        </a:xfrm>
+      </p:grpSpPr>
+      <p:graphicFrame>
+        <p:nvGraphicFramePr>
+          <p:cNvPr id="2" name="Table 1"/>
+          <p:cNvGraphicFramePr>
+            <a:graphicFrameLocks noGrp="1"/>
+          </p:cNvGraphicFramePr>
+          <p:nvPr/>
+        </p:nvGraphicFramePr>
+        <p:xfrm>
+          <a:off x="304800" y="1371600"/>
+          <a:ext cx="8534399" cy="3990108"/>
+        </p:xfrm>
+        <a:graphic>
+          <a:graphicData uri="http://schemas.openxmlformats.org/drawingml/2006/table">
+            <a:tbl>
+              <a:tblPr firstRow="1">
+                <a:tableStyleId>{3C2FFA5D-87B4-456A-9821-1D502468CF0F}</a:tableStyleId>
+              </a:tblPr>
+              <a:tblGrid>
+                <a:gridCol w="2844800"/>
+                <a:gridCol w="2844799"/>
+                <a:gridCol w="2844800"/>
+              </a:tblGrid>
+              <a:tr h="332509">
+                <a:tc gridSpan="3">
+                  <a:txBody>
+                    <a:bodyPr/>
+                    <a:lstStyle/>
+                    <a:p>
+                      <a:pPr algn="ctr" fontAlgn="b"/>
+                      <a:r>
+                        <a:rPr lang="en-US" sz="2100" b="1" u="none" strike="noStrike" dirty="0">
+                          <a:latin typeface="+mn-lt"/>
+                        </a:rPr>
+                        <a:t>tests</a:t>
+                      </a:r>
+                      <a:endParaRPr lang="en-US" sz="2100" b="1" i="0" u="none" strike="noStrike" dirty="0">
+                        <a:solidFill>
+                          <a:srgbClr val="000000"/>
+                        </a:solidFill>
+                        <a:latin typeface="+mn-lt"/>
+                      </a:endParaRPr>
+                    </a:p>
+                  </a:txBody>
+                  <a:tcPr marL="9525" marR="9525" marT="9525" marB="0" anchor="b"/>
+                </a:tc>
+                <a:tc hMerge="1">
+                  <a:txBody>
+                    <a:bodyPr/>
+                    <a:lstStyle/>
+                    <a:p>
+                      <a:endParaRPr lang="en-US"/>
+                    </a:p>
+                  </a:txBody>
+                  <a:tcPr/>
+                </a:tc>
+                <a:tc hMerge="1">
+                  <a:txBody>
+                    <a:bodyPr/>
+                    <a:lstStyle/>
+                    <a:p>
+                      <a:endParaRPr lang="en-US"/>
+                    </a:p>
+                  </a:txBody>
+                  <a:tcPr/>
+                </a:tc>
+              </a:tr>
+              <a:tr h="332509">
+                <a:tc>
+                  <a:txBody>
+                    <a:bodyPr/>
+                    <a:lstStyle/>
+                    <a:p>
+                      <a:pPr algn="ctr" fontAlgn="b"/>
+                      <a:r>
+                        <a:rPr lang="en-US" sz="2100" b="1" i="0" u="none" strike="noStrike" dirty="0" smtClean="0">
+                          <a:solidFill>
+                            <a:srgbClr val="000000"/>
+                          </a:solidFill>
+                          <a:latin typeface="+mn-lt"/>
+                        </a:rPr>
+                        <a:t>column name</a:t>
+                      </a:r>
+                      <a:endParaRPr lang="en-US" sz="2100" b="1" i="0" u="none" strike="noStrike" dirty="0">
+                        <a:solidFill>
+                          <a:srgbClr val="000000"/>
+                        </a:solidFill>
+                        <a:latin typeface="+mn-lt"/>
+                      </a:endParaRPr>
+                    </a:p>
+                  </a:txBody>
+                  <a:tcPr marL="9525" marR="9525" marT="9525" marB="0" anchor="b"/>
+                </a:tc>
+                <a:tc>
+                  <a:txBody>
+                    <a:bodyPr/>
+                    <a:lstStyle/>
+                    <a:p>
+                      <a:pPr algn="ctr" fontAlgn="b"/>
+                      <a:r>
+                        <a:rPr lang="en-US" sz="2100" b="1" i="0" u="none" strike="noStrike" dirty="0" smtClean="0">
+                          <a:solidFill>
+                            <a:srgbClr val="000000"/>
+                          </a:solidFill>
+                          <a:latin typeface="+mn-lt"/>
+                        </a:rPr>
+                        <a:t>data type</a:t>
+                      </a:r>
+                      <a:endParaRPr lang="en-US" sz="2100" b="1" i="0" u="none" strike="noStrike" dirty="0">
+                        <a:solidFill>
+                          <a:srgbClr val="000000"/>
+                        </a:solidFill>
+                        <a:latin typeface="+mn-lt"/>
+                      </a:endParaRPr>
+                    </a:p>
+                  </a:txBody>
+                  <a:tcPr marL="9525" marR="9525" marT="9525" marB="0" anchor="b"/>
+                </a:tc>
+                <a:tc>
+                  <a:txBody>
+                    <a:bodyPr/>
+                    <a:lstStyle/>
+                    <a:p>
+                      <a:pPr algn="ctr" fontAlgn="b"/>
+                      <a:r>
+                        <a:rPr lang="en-US" sz="2100" b="1" i="0" u="none" strike="noStrike" dirty="0" smtClean="0">
+                          <a:solidFill>
+                            <a:srgbClr val="000000"/>
+                          </a:solidFill>
+                          <a:latin typeface="+mn-lt"/>
+                        </a:rPr>
+                        <a:t>constraint</a:t>
+                      </a:r>
+                      <a:endParaRPr lang="en-US" sz="2100" b="1" i="0" u="none" strike="noStrike" dirty="0">
+                        <a:solidFill>
+                          <a:srgbClr val="000000"/>
+                        </a:solidFill>
+                        <a:latin typeface="+mn-lt"/>
+                      </a:endParaRPr>
+                    </a:p>
+                  </a:txBody>
+                  <a:tcPr marL="9525" marR="9525" marT="9525" marB="0" anchor="b"/>
+                </a:tc>
+              </a:tr>
+              <a:tr h="332509">
+                <a:tc>
+                  <a:txBody>
+                    <a:bodyPr/>
+                    <a:lstStyle/>
+                    <a:p>
+                      <a:pPr algn="l" fontAlgn="b"/>
+                      <a:r>
+                        <a:rPr lang="en-US" sz="2100" u="none" strike="noStrike">
+                          <a:latin typeface="+mn-lt"/>
+                        </a:rPr>
+                        <a:t>test number</a:t>
+                      </a:r>
+                      <a:endParaRPr lang="en-US" sz="2100" b="0" i="0" u="none" strike="noStrike">
+                        <a:solidFill>
+                          <a:srgbClr val="000000"/>
+                        </a:solidFill>
+                        <a:latin typeface="+mn-lt"/>
+                      </a:endParaRPr>
+                    </a:p>
+                  </a:txBody>
+                  <a:tcPr marL="9525" marR="9525" marT="9525" marB="0" anchor="b"/>
+                </a:tc>
+                <a:tc>
+                  <a:txBody>
+                    <a:bodyPr/>
+                    <a:lstStyle/>
+                    <a:p>
+                      <a:pPr algn="l" fontAlgn="b"/>
+                      <a:r>
+                        <a:rPr lang="en-US" sz="2100" u="none" strike="noStrike" dirty="0" err="1">
+                          <a:latin typeface="+mn-lt"/>
+                        </a:rPr>
+                        <a:t>varchar</a:t>
+                      </a:r>
+                      <a:r>
+                        <a:rPr lang="en-US" sz="2100" u="none" strike="noStrike" dirty="0">
+                          <a:latin typeface="+mn-lt"/>
+                        </a:rPr>
+                        <a:t>(6)</a:t>
+                      </a:r>
+                      <a:endParaRPr lang="en-US" sz="2100" b="0" i="0" u="none" strike="noStrike" dirty="0">
+                        <a:solidFill>
+                          <a:srgbClr val="000000"/>
+                        </a:solidFill>
+                        <a:latin typeface="+mn-lt"/>
+                      </a:endParaRPr>
+                    </a:p>
+                  </a:txBody>
+                  <a:tcPr marL="9525" marR="9525" marT="9525" marB="0" anchor="b"/>
+                </a:tc>
+                <a:tc rowSpan="3">
+                  <a:txBody>
+                    <a:bodyPr/>
+                    <a:lstStyle/>
+                    <a:p>
+                      <a:pPr algn="ctr" fontAlgn="ctr"/>
+                      <a:r>
+                        <a:rPr lang="en-US" sz="2100" u="none" strike="noStrike">
+                          <a:latin typeface="+mn-lt"/>
+                        </a:rPr>
+                        <a:t>composite key</a:t>
+                      </a:r>
+                      <a:endParaRPr lang="en-US" sz="2100" b="0" i="0" u="none" strike="noStrike">
+                        <a:solidFill>
+                          <a:srgbClr val="000000"/>
+                        </a:solidFill>
+                        <a:latin typeface="+mn-lt"/>
+                      </a:endParaRPr>
+                    </a:p>
+                  </a:txBody>
+                  <a:tcPr marL="9525" marR="9525" marT="9525" marB="0" anchor="ctr"/>
+                </a:tc>
+              </a:tr>
+              <a:tr h="332509">
+                <a:tc>
+                  <a:txBody>
+                    <a:bodyPr/>
+                    <a:lstStyle/>
+                    <a:p>
+                      <a:pPr algn="l" fontAlgn="b"/>
+                      <a:r>
+                        <a:rPr lang="en-US" sz="2100" u="none" strike="noStrike">
+                          <a:latin typeface="+mn-lt"/>
+                        </a:rPr>
+                        <a:t>content id</a:t>
+                      </a:r>
+                      <a:endParaRPr lang="en-US" sz="2100" b="0" i="0" u="none" strike="noStrike">
+                        <a:solidFill>
+                          <a:srgbClr val="000000"/>
+                        </a:solidFill>
+                        <a:latin typeface="+mn-lt"/>
+                      </a:endParaRPr>
+                    </a:p>
+                  </a:txBody>
+                  <a:tcPr marL="9525" marR="9525" marT="9525" marB="0" anchor="b"/>
+                </a:tc>
+                <a:tc>
+                  <a:txBody>
+                    <a:bodyPr/>
+                    <a:lstStyle/>
+                    <a:p>
+                      <a:pPr algn="l" fontAlgn="b"/>
+                      <a:r>
+                        <a:rPr lang="en-US" sz="2100" u="none" strike="noStrike">
+                          <a:latin typeface="+mn-lt"/>
+                        </a:rPr>
+                        <a:t>integer</a:t>
+                      </a:r>
+                      <a:endParaRPr lang="en-US" sz="2100" b="0" i="0" u="none" strike="noStrike">
+                        <a:solidFill>
+                          <a:srgbClr val="000000"/>
+                        </a:solidFill>
+                        <a:latin typeface="+mn-lt"/>
+                      </a:endParaRPr>
+                    </a:p>
+                  </a:txBody>
+                  <a:tcPr marL="9525" marR="9525" marT="9525" marB="0" anchor="b"/>
+                </a:tc>
+                <a:tc vMerge="1">
+                  <a:txBody>
+                    <a:bodyPr/>
+                    <a:lstStyle/>
+                    <a:p>
+                      <a:endParaRPr lang="en-US"/>
+                    </a:p>
+                  </a:txBody>
+                  <a:tcPr/>
+                </a:tc>
+              </a:tr>
+              <a:tr h="332509">
+                <a:tc>
+                  <a:txBody>
+                    <a:bodyPr/>
+                    <a:lstStyle/>
+                    <a:p>
+                      <a:pPr algn="l" fontAlgn="b"/>
+                      <a:r>
+                        <a:rPr lang="en-US" sz="2100" u="none" strike="noStrike" dirty="0" err="1">
+                          <a:latin typeface="+mn-lt"/>
+                        </a:rPr>
+                        <a:t>question_num</a:t>
+                      </a:r>
+                      <a:endParaRPr lang="en-US" sz="2100" b="0" i="0" u="none" strike="noStrike" dirty="0">
+                        <a:solidFill>
+                          <a:srgbClr val="000000"/>
+                        </a:solidFill>
+                        <a:latin typeface="+mn-lt"/>
+                      </a:endParaRPr>
+                    </a:p>
+                  </a:txBody>
+                  <a:tcPr marL="9525" marR="9525" marT="9525" marB="0" anchor="b"/>
+                </a:tc>
+                <a:tc>
+                  <a:txBody>
+                    <a:bodyPr/>
+                    <a:lstStyle/>
+                    <a:p>
+                      <a:pPr algn="l" fontAlgn="b"/>
+                      <a:r>
+                        <a:rPr lang="en-US" sz="2100" u="none" strike="noStrike">
+                          <a:latin typeface="+mn-lt"/>
+                        </a:rPr>
+                        <a:t>integer</a:t>
+                      </a:r>
+                      <a:endParaRPr lang="en-US" sz="2100" b="0" i="0" u="none" strike="noStrike">
+                        <a:solidFill>
+                          <a:srgbClr val="000000"/>
+                        </a:solidFill>
+                        <a:latin typeface="+mn-lt"/>
+                      </a:endParaRPr>
+                    </a:p>
+                  </a:txBody>
+                  <a:tcPr marL="9525" marR="9525" marT="9525" marB="0" anchor="b"/>
+                </a:tc>
+                <a:tc vMerge="1">
+                  <a:txBody>
+                    <a:bodyPr/>
+                    <a:lstStyle/>
+                    <a:p>
+                      <a:endParaRPr lang="en-US"/>
+                    </a:p>
+                  </a:txBody>
+                  <a:tcPr/>
+                </a:tc>
+              </a:tr>
+              <a:tr h="332509">
+                <a:tc>
+                  <a:txBody>
+                    <a:bodyPr/>
+                    <a:lstStyle/>
+                    <a:p>
+                      <a:pPr algn="l" fontAlgn="b"/>
+                      <a:r>
+                        <a:rPr lang="en-US" sz="2100" u="none" strike="noStrike">
+                          <a:latin typeface="+mn-lt"/>
+                        </a:rPr>
+                        <a:t>question</a:t>
+                      </a:r>
+                      <a:endParaRPr lang="en-US" sz="2100" b="0" i="0" u="none" strike="noStrike">
+                        <a:solidFill>
+                          <a:srgbClr val="000000"/>
+                        </a:solidFill>
+                        <a:latin typeface="+mn-lt"/>
+                      </a:endParaRPr>
+                    </a:p>
+                  </a:txBody>
+                  <a:tcPr marL="9525" marR="9525" marT="9525" marB="0" anchor="b"/>
+                </a:tc>
+                <a:tc>
+                  <a:txBody>
+                    <a:bodyPr/>
+                    <a:lstStyle/>
+                    <a:p>
+                      <a:pPr algn="l" fontAlgn="b"/>
+                      <a:r>
+                        <a:rPr lang="en-US" sz="2100" u="none" strike="noStrike">
+                          <a:latin typeface="+mn-lt"/>
+                        </a:rPr>
+                        <a:t>varchar(100)</a:t>
+                      </a:r>
+                      <a:endParaRPr lang="en-US" sz="2100" b="0" i="0" u="none" strike="noStrike">
+                        <a:solidFill>
+                          <a:srgbClr val="000000"/>
+                        </a:solidFill>
+                        <a:latin typeface="+mn-lt"/>
+                      </a:endParaRPr>
+                    </a:p>
+                  </a:txBody>
+                  <a:tcPr marL="9525" marR="9525" marT="9525" marB="0" anchor="b"/>
+                </a:tc>
+                <a:tc>
+                  <a:txBody>
+                    <a:bodyPr/>
+                    <a:lstStyle/>
+                    <a:p>
+                      <a:pPr algn="l" fontAlgn="b"/>
+                      <a:r>
+                        <a:rPr lang="en-US" sz="2100" u="none" strike="noStrike">
+                          <a:latin typeface="+mn-lt"/>
+                        </a:rPr>
+                        <a:t> </a:t>
+                      </a:r>
+                      <a:endParaRPr lang="en-US" sz="2100" b="0" i="0" u="none" strike="noStrike">
+                        <a:solidFill>
+                          <a:srgbClr val="000000"/>
+                        </a:solidFill>
+                        <a:latin typeface="+mn-lt"/>
+                      </a:endParaRPr>
+                    </a:p>
+                  </a:txBody>
+                  <a:tcPr marL="9525" marR="9525" marT="9525" marB="0" anchor="b"/>
+                </a:tc>
+              </a:tr>
+              <a:tr h="332509">
+                <a:tc>
+                  <a:txBody>
+                    <a:bodyPr/>
+                    <a:lstStyle/>
+                    <a:p>
+                      <a:pPr algn="l" fontAlgn="b"/>
+                      <a:r>
+                        <a:rPr lang="en-US" sz="2100" u="none" strike="noStrike">
+                          <a:latin typeface="+mn-lt"/>
+                        </a:rPr>
+                        <a:t>option a</a:t>
+                      </a:r>
+                      <a:endParaRPr lang="en-US" sz="2100" b="0" i="0" u="none" strike="noStrike">
+                        <a:solidFill>
+                          <a:srgbClr val="000000"/>
+                        </a:solidFill>
+                        <a:latin typeface="+mn-lt"/>
+                      </a:endParaRPr>
+                    </a:p>
+                  </a:txBody>
+                  <a:tcPr marL="9525" marR="9525" marT="9525" marB="0" anchor="b"/>
+                </a:tc>
+                <a:tc>
+                  <a:txBody>
+                    <a:bodyPr/>
+                    <a:lstStyle/>
+                    <a:p>
+                      <a:pPr algn="l" fontAlgn="b"/>
+                      <a:r>
+                        <a:rPr lang="en-US" sz="2100" u="none" strike="noStrike">
+                          <a:latin typeface="+mn-lt"/>
+                        </a:rPr>
+                        <a:t>varchar(50)</a:t>
+                      </a:r>
+                      <a:endParaRPr lang="en-US" sz="2100" b="0" i="0" u="none" strike="noStrike">
+                        <a:solidFill>
+                          <a:srgbClr val="000000"/>
+                        </a:solidFill>
+                        <a:latin typeface="+mn-lt"/>
+                      </a:endParaRPr>
+                    </a:p>
+                  </a:txBody>
+                  <a:tcPr marL="9525" marR="9525" marT="9525" marB="0" anchor="b"/>
+                </a:tc>
+                <a:tc>
+                  <a:txBody>
+                    <a:bodyPr/>
+                    <a:lstStyle/>
+                    <a:p>
+                      <a:pPr algn="l" fontAlgn="b"/>
+                      <a:r>
+                        <a:rPr lang="en-US" sz="2100" u="none" strike="noStrike">
+                          <a:latin typeface="+mn-lt"/>
+                        </a:rPr>
+                        <a:t> </a:t>
+                      </a:r>
+                      <a:endParaRPr lang="en-US" sz="2100" b="0" i="0" u="none" strike="noStrike">
+                        <a:solidFill>
+                          <a:srgbClr val="000000"/>
+                        </a:solidFill>
+                        <a:latin typeface="+mn-lt"/>
+                      </a:endParaRPr>
+                    </a:p>
+                  </a:txBody>
+                  <a:tcPr marL="9525" marR="9525" marT="9525" marB="0" anchor="b"/>
+                </a:tc>
+              </a:tr>
+              <a:tr h="332509">
+                <a:tc>
+                  <a:txBody>
+                    <a:bodyPr/>
+                    <a:lstStyle/>
+                    <a:p>
+                      <a:pPr algn="l" fontAlgn="b"/>
+                      <a:r>
+                        <a:rPr lang="en-US" sz="2100" u="none" strike="noStrike">
+                          <a:latin typeface="+mn-lt"/>
+                        </a:rPr>
+                        <a:t>option b</a:t>
+                      </a:r>
+                      <a:endParaRPr lang="en-US" sz="2100" b="0" i="0" u="none" strike="noStrike">
+                        <a:solidFill>
+                          <a:srgbClr val="000000"/>
+                        </a:solidFill>
+                        <a:latin typeface="+mn-lt"/>
+                      </a:endParaRPr>
+                    </a:p>
+                  </a:txBody>
+                  <a:tcPr marL="9525" marR="9525" marT="9525" marB="0" anchor="b"/>
+                </a:tc>
+                <a:tc>
+                  <a:txBody>
+                    <a:bodyPr/>
+                    <a:lstStyle/>
+                    <a:p>
+                      <a:pPr algn="l" fontAlgn="b"/>
+                      <a:r>
+                        <a:rPr lang="en-US" sz="2100" u="none" strike="noStrike">
+                          <a:latin typeface="+mn-lt"/>
+                        </a:rPr>
+                        <a:t>varchar(50)</a:t>
+                      </a:r>
+                      <a:endParaRPr lang="en-US" sz="2100" b="0" i="0" u="none" strike="noStrike">
+                        <a:solidFill>
+                          <a:srgbClr val="000000"/>
+                        </a:solidFill>
+                        <a:latin typeface="+mn-lt"/>
+                      </a:endParaRPr>
+                    </a:p>
+                  </a:txBody>
+                  <a:tcPr marL="9525" marR="9525" marT="9525" marB="0" anchor="b"/>
+                </a:tc>
+                <a:tc>
+                  <a:txBody>
+                    <a:bodyPr/>
+                    <a:lstStyle/>
+                    <a:p>
+                      <a:pPr algn="l" fontAlgn="b"/>
+                      <a:r>
+                        <a:rPr lang="en-US" sz="2100" u="none" strike="noStrike">
+                          <a:latin typeface="+mn-lt"/>
+                        </a:rPr>
+                        <a:t> </a:t>
+                      </a:r>
+                      <a:endParaRPr lang="en-US" sz="2100" b="0" i="0" u="none" strike="noStrike">
+                        <a:solidFill>
+                          <a:srgbClr val="000000"/>
+                        </a:solidFill>
+                        <a:latin typeface="+mn-lt"/>
+                      </a:endParaRPr>
+                    </a:p>
+                  </a:txBody>
+                  <a:tcPr marL="9525" marR="9525" marT="9525" marB="0" anchor="b"/>
+                </a:tc>
+              </a:tr>
+              <a:tr h="332509">
+                <a:tc>
+                  <a:txBody>
+                    <a:bodyPr/>
+                    <a:lstStyle/>
+                    <a:p>
+                      <a:pPr algn="l" fontAlgn="b"/>
+                      <a:r>
+                        <a:rPr lang="en-US" sz="2100" u="none" strike="noStrike">
+                          <a:latin typeface="+mn-lt"/>
+                        </a:rPr>
+                        <a:t>option c</a:t>
+                      </a:r>
+                      <a:endParaRPr lang="en-US" sz="2100" b="0" i="0" u="none" strike="noStrike">
+                        <a:solidFill>
+                          <a:srgbClr val="000000"/>
+                        </a:solidFill>
+                        <a:latin typeface="+mn-lt"/>
+                      </a:endParaRPr>
+                    </a:p>
+                  </a:txBody>
+                  <a:tcPr marL="9525" marR="9525" marT="9525" marB="0" anchor="b"/>
+                </a:tc>
+                <a:tc>
+                  <a:txBody>
+                    <a:bodyPr/>
+                    <a:lstStyle/>
+                    <a:p>
+                      <a:pPr algn="l" fontAlgn="b"/>
+                      <a:r>
+                        <a:rPr lang="en-US" sz="2100" u="none" strike="noStrike">
+                          <a:latin typeface="+mn-lt"/>
+                        </a:rPr>
+                        <a:t>varchar(50)</a:t>
+                      </a:r>
+                      <a:endParaRPr lang="en-US" sz="2100" b="0" i="0" u="none" strike="noStrike">
+                        <a:solidFill>
+                          <a:srgbClr val="000000"/>
+                        </a:solidFill>
+                        <a:latin typeface="+mn-lt"/>
+                      </a:endParaRPr>
+                    </a:p>
+                  </a:txBody>
+                  <a:tcPr marL="9525" marR="9525" marT="9525" marB="0" anchor="b"/>
+                </a:tc>
+                <a:tc>
+                  <a:txBody>
+                    <a:bodyPr/>
+                    <a:lstStyle/>
+                    <a:p>
+                      <a:pPr algn="l" fontAlgn="b"/>
+                      <a:r>
+                        <a:rPr lang="en-US" sz="2100" u="none" strike="noStrike">
+                          <a:latin typeface="+mn-lt"/>
+                        </a:rPr>
+                        <a:t> </a:t>
+                      </a:r>
+                      <a:endParaRPr lang="en-US" sz="2100" b="0" i="0" u="none" strike="noStrike">
+                        <a:solidFill>
+                          <a:srgbClr val="000000"/>
+                        </a:solidFill>
+                        <a:latin typeface="+mn-lt"/>
+                      </a:endParaRPr>
+                    </a:p>
+                  </a:txBody>
+                  <a:tcPr marL="9525" marR="9525" marT="9525" marB="0" anchor="b"/>
+                </a:tc>
+              </a:tr>
+              <a:tr h="332509">
+                <a:tc>
+                  <a:txBody>
+                    <a:bodyPr/>
+                    <a:lstStyle/>
+                    <a:p>
+                      <a:pPr algn="l" fontAlgn="b"/>
+                      <a:r>
+                        <a:rPr lang="en-US" sz="2100" u="none" strike="noStrike">
+                          <a:latin typeface="+mn-lt"/>
+                        </a:rPr>
+                        <a:t>option d</a:t>
+                      </a:r>
+                      <a:endParaRPr lang="en-US" sz="2100" b="0" i="0" u="none" strike="noStrike">
+                        <a:solidFill>
+                          <a:srgbClr val="000000"/>
+                        </a:solidFill>
+                        <a:latin typeface="+mn-lt"/>
+                      </a:endParaRPr>
+                    </a:p>
+                  </a:txBody>
+                  <a:tcPr marL="9525" marR="9525" marT="9525" marB="0" anchor="b"/>
+                </a:tc>
+                <a:tc>
+                  <a:txBody>
+                    <a:bodyPr/>
+                    <a:lstStyle/>
+                    <a:p>
+                      <a:pPr algn="l" fontAlgn="b"/>
+                      <a:r>
+                        <a:rPr lang="en-US" sz="2100" u="none" strike="noStrike">
+                          <a:latin typeface="+mn-lt"/>
+                        </a:rPr>
+                        <a:t>varchar(50)</a:t>
+                      </a:r>
+                      <a:endParaRPr lang="en-US" sz="2100" b="0" i="0" u="none" strike="noStrike">
+                        <a:solidFill>
+                          <a:srgbClr val="000000"/>
+                        </a:solidFill>
+                        <a:latin typeface="+mn-lt"/>
+                      </a:endParaRPr>
+                    </a:p>
+                  </a:txBody>
+                  <a:tcPr marL="9525" marR="9525" marT="9525" marB="0" anchor="b"/>
+                </a:tc>
+                <a:tc>
+                  <a:txBody>
+                    <a:bodyPr/>
+                    <a:lstStyle/>
+                    <a:p>
+                      <a:pPr algn="l" fontAlgn="b"/>
+                      <a:r>
+                        <a:rPr lang="en-US" sz="2100" u="none" strike="noStrike">
+                          <a:latin typeface="+mn-lt"/>
+                        </a:rPr>
+                        <a:t> </a:t>
+                      </a:r>
+                      <a:endParaRPr lang="en-US" sz="2100" b="0" i="0" u="none" strike="noStrike">
+                        <a:solidFill>
+                          <a:srgbClr val="000000"/>
+                        </a:solidFill>
+                        <a:latin typeface="+mn-lt"/>
+                      </a:endParaRPr>
+                    </a:p>
+                  </a:txBody>
+                  <a:tcPr marL="9525" marR="9525" marT="9525" marB="0" anchor="b"/>
+                </a:tc>
+              </a:tr>
+              <a:tr h="332509">
+                <a:tc>
+                  <a:txBody>
+                    <a:bodyPr/>
+                    <a:lstStyle/>
+                    <a:p>
+                      <a:pPr algn="l" fontAlgn="b"/>
+                      <a:r>
+                        <a:rPr lang="en-US" sz="2100" u="none" strike="noStrike">
+                          <a:latin typeface="+mn-lt"/>
+                        </a:rPr>
+                        <a:t>answer option</a:t>
+                      </a:r>
+                      <a:endParaRPr lang="en-US" sz="2100" b="0" i="0" u="none" strike="noStrike">
+                        <a:solidFill>
+                          <a:srgbClr val="000000"/>
+                        </a:solidFill>
+                        <a:latin typeface="+mn-lt"/>
+                      </a:endParaRPr>
+                    </a:p>
+                  </a:txBody>
+                  <a:tcPr marL="9525" marR="9525" marT="9525" marB="0" anchor="b"/>
+                </a:tc>
+                <a:tc>
+                  <a:txBody>
+                    <a:bodyPr/>
+                    <a:lstStyle/>
+                    <a:p>
+                      <a:pPr algn="l" fontAlgn="b"/>
+                      <a:r>
+                        <a:rPr lang="en-US" sz="2100" u="none" strike="noStrike">
+                          <a:latin typeface="+mn-lt"/>
+                        </a:rPr>
+                        <a:t>char(1)</a:t>
+                      </a:r>
+                      <a:endParaRPr lang="en-US" sz="2100" b="0" i="0" u="none" strike="noStrike">
+                        <a:solidFill>
+                          <a:srgbClr val="000000"/>
+                        </a:solidFill>
+                        <a:latin typeface="+mn-lt"/>
+                      </a:endParaRPr>
+                    </a:p>
+                  </a:txBody>
+                  <a:tcPr marL="9525" marR="9525" marT="9525" marB="0" anchor="b"/>
+                </a:tc>
+                <a:tc>
+                  <a:txBody>
+                    <a:bodyPr/>
+                    <a:lstStyle/>
+                    <a:p>
+                      <a:pPr algn="l" fontAlgn="b"/>
+                      <a:r>
+                        <a:rPr lang="en-US" sz="2100" u="none" strike="noStrike">
+                          <a:latin typeface="+mn-lt"/>
+                        </a:rPr>
+                        <a:t> </a:t>
+                      </a:r>
+                      <a:endParaRPr lang="en-US" sz="2100" b="0" i="0" u="none" strike="noStrike">
+                        <a:solidFill>
+                          <a:srgbClr val="000000"/>
+                        </a:solidFill>
+                        <a:latin typeface="+mn-lt"/>
+                      </a:endParaRPr>
+                    </a:p>
+                  </a:txBody>
+                  <a:tcPr marL="9525" marR="9525" marT="9525" marB="0" anchor="b"/>
+                </a:tc>
+              </a:tr>
+              <a:tr h="332509">
+                <a:tc>
+                  <a:txBody>
+                    <a:bodyPr/>
+                    <a:lstStyle/>
+                    <a:p>
+                      <a:pPr algn="l" fontAlgn="b"/>
+                      <a:r>
+                        <a:rPr lang="en-US" sz="2100" u="none" strike="noStrike">
+                          <a:latin typeface="+mn-lt"/>
+                        </a:rPr>
+                        <a:t>dificulty level</a:t>
+                      </a:r>
+                      <a:endParaRPr lang="en-US" sz="2100" b="0" i="0" u="none" strike="noStrike">
+                        <a:solidFill>
+                          <a:srgbClr val="000000"/>
+                        </a:solidFill>
+                        <a:latin typeface="+mn-lt"/>
+                      </a:endParaRPr>
+                    </a:p>
+                  </a:txBody>
+                  <a:tcPr marL="9525" marR="9525" marT="9525" marB="0" anchor="b"/>
+                </a:tc>
+                <a:tc>
+                  <a:txBody>
+                    <a:bodyPr/>
+                    <a:lstStyle/>
+                    <a:p>
+                      <a:pPr algn="l" fontAlgn="b"/>
+                      <a:r>
+                        <a:rPr lang="en-US" sz="2100" u="none" strike="noStrike">
+                          <a:latin typeface="+mn-lt"/>
+                        </a:rPr>
+                        <a:t>integer</a:t>
+                      </a:r>
+                      <a:endParaRPr lang="en-US" sz="2100" b="0" i="0" u="none" strike="noStrike">
+                        <a:solidFill>
+                          <a:srgbClr val="000000"/>
+                        </a:solidFill>
+                        <a:latin typeface="+mn-lt"/>
+                      </a:endParaRPr>
+                    </a:p>
+                  </a:txBody>
+                  <a:tcPr marL="9525" marR="9525" marT="9525" marB="0" anchor="b"/>
+                </a:tc>
+                <a:tc>
+                  <a:txBody>
+                    <a:bodyPr/>
+                    <a:lstStyle/>
+                    <a:p>
+                      <a:pPr algn="l" fontAlgn="b"/>
+                      <a:r>
+                        <a:rPr lang="en-US" sz="2100" u="none" strike="noStrike" dirty="0">
+                          <a:latin typeface="+mn-lt"/>
+                        </a:rPr>
+                        <a:t> </a:t>
+                      </a:r>
+                      <a:endParaRPr lang="en-US" sz="2100" b="0" i="0" u="none" strike="noStrike" dirty="0">
+                        <a:solidFill>
+                          <a:srgbClr val="000000"/>
+                        </a:solidFill>
+                        <a:latin typeface="+mn-lt"/>
+                      </a:endParaRPr>
+                    </a:p>
+                  </a:txBody>
+                  <a:tcPr marL="9525" marR="9525" marT="9525" marB="0" anchor="b"/>
+                </a:tc>
+              </a:tr>
+            </a:tbl>
+          </a:graphicData>
+        </a:graphic>
+      </p:graphicFrame>
+    </p:spTree>
+  </p:cSld>
+  <p:clrMapOvr>
+    <a:masterClrMapping/>
+  </p:clrMapOvr>
+</p:sld>
+</file>
+
+<file path=ppt/slides/slide49.xml><?xml version="1.0" encoding="utf-8"?>
+<p:sld xmlns:a="http://schemas.openxmlformats.org/drawingml/2006/main" xmlns:r="http://schemas.openxmlformats.org/officeDocument/2006/relationships" xmlns:p="http://schemas.openxmlformats.org/presentationml/2006/main">
+  <p:cSld>
+    <p:spTree>
+      <p:nvGrpSpPr>
+        <p:cNvPr id="1" name=""/>
+        <p:cNvGrpSpPr/>
+        <p:nvPr/>
+      </p:nvGrpSpPr>
+      <p:grpSpPr>
+        <a:xfrm>
+          <a:off x="0" y="0"/>
+          <a:ext cx="0" cy="0"/>
+          <a:chOff x="0" y="0"/>
+          <a:chExt cx="0" cy="0"/>
+        </a:xfrm>
+      </p:grpSpPr>
+      <p:graphicFrame>
+        <p:nvGraphicFramePr>
+          <p:cNvPr id="2" name="Table 1"/>
+          <p:cNvGraphicFramePr>
+            <a:graphicFrameLocks noGrp="1"/>
+          </p:cNvGraphicFramePr>
+          <p:nvPr/>
+        </p:nvGraphicFramePr>
+        <p:xfrm>
+          <a:off x="914400" y="1524000"/>
+          <a:ext cx="6959599" cy="3162299"/>
+        </p:xfrm>
+        <a:graphic>
+          <a:graphicData uri="http://schemas.openxmlformats.org/drawingml/2006/table">
+            <a:tbl>
+              <a:tblPr firstRow="1">
+                <a:tableStyleId>{3C2FFA5D-87B4-456A-9821-1D502468CF0F}</a:tableStyleId>
+              </a:tblPr>
+              <a:tblGrid>
+                <a:gridCol w="2565680"/>
+                <a:gridCol w="1935783"/>
+                <a:gridCol w="2458136"/>
+              </a:tblGrid>
+              <a:tr h="451757">
+                <a:tc gridSpan="3">
+                  <a:txBody>
+                    <a:bodyPr/>
+                    <a:lstStyle/>
+                    <a:p>
+                      <a:pPr algn="ctr" fontAlgn="b"/>
+                      <a:r>
+                        <a:rPr lang="en-US" sz="2100" b="1" u="none" strike="noStrike" dirty="0"/>
+                        <a:t>payment</a:t>
+                      </a:r>
+                      <a:endParaRPr lang="en-US" sz="2100" b="1" i="0" u="none" strike="noStrike" dirty="0">
+                        <a:solidFill>
+                          <a:srgbClr val="000000"/>
+                        </a:solidFill>
+                        <a:latin typeface="Calibri"/>
+                      </a:endParaRPr>
+                    </a:p>
+                  </a:txBody>
+                  <a:tcPr marL="9525" marR="9525" marT="9525" marB="0" anchor="b"/>
+                </a:tc>
+                <a:tc hMerge="1">
+                  <a:txBody>
+                    <a:bodyPr/>
+                    <a:lstStyle/>
+                    <a:p>
+                      <a:endParaRPr lang="en-US"/>
+                    </a:p>
+                  </a:txBody>
+                  <a:tcPr/>
+                </a:tc>
+                <a:tc hMerge="1">
+                  <a:txBody>
+                    <a:bodyPr/>
+                    <a:lstStyle/>
+                    <a:p>
+                      <a:endParaRPr lang="en-US"/>
+                    </a:p>
+                  </a:txBody>
+                  <a:tcPr/>
+                </a:tc>
+              </a:tr>
+              <a:tr h="451757">
+                <a:tc>
+                  <a:txBody>
+                    <a:bodyPr/>
+                    <a:lstStyle/>
+                    <a:p>
+                      <a:pPr algn="l" fontAlgn="b"/>
+                      <a:r>
+                        <a:rPr lang="en-US" sz="2100" b="1" u="none" strike="noStrike" dirty="0"/>
+                        <a:t>column name</a:t>
+                      </a:r>
+                      <a:endParaRPr lang="en-US" sz="2100" b="1" i="0" u="none" strike="noStrike" dirty="0">
+                        <a:solidFill>
+                          <a:srgbClr val="000000"/>
+                        </a:solidFill>
+                        <a:latin typeface="Calibri"/>
+                      </a:endParaRPr>
+                    </a:p>
+                  </a:txBody>
+                  <a:tcPr marL="9525" marR="9525" marT="9525" marB="0" anchor="b"/>
+                </a:tc>
+                <a:tc>
+                  <a:txBody>
+                    <a:bodyPr/>
+                    <a:lstStyle/>
+                    <a:p>
+                      <a:pPr algn="l" fontAlgn="b"/>
+                      <a:r>
+                        <a:rPr lang="en-US" sz="2100" b="1" u="none" strike="noStrike"/>
+                        <a:t>data type</a:t>
+                      </a:r>
+                      <a:endParaRPr lang="en-US" sz="2100" b="1" i="0" u="none" strike="noStrike">
+                        <a:solidFill>
+                          <a:srgbClr val="000000"/>
+                        </a:solidFill>
+                        <a:latin typeface="Calibri"/>
+                      </a:endParaRPr>
+                    </a:p>
+                  </a:txBody>
+                  <a:tcPr marL="9525" marR="9525" marT="9525" marB="0" anchor="b"/>
+                </a:tc>
+                <a:tc>
+                  <a:txBody>
+                    <a:bodyPr/>
+                    <a:lstStyle/>
+                    <a:p>
+                      <a:pPr algn="l" fontAlgn="b"/>
+                      <a:r>
+                        <a:rPr lang="en-US" sz="2100" b="1" u="none" strike="noStrike" dirty="0"/>
+                        <a:t>constraint</a:t>
+                      </a:r>
+                      <a:endParaRPr lang="en-US" sz="2100" b="1" i="0" u="none" strike="noStrike" dirty="0">
+                        <a:solidFill>
+                          <a:srgbClr val="000000"/>
+                        </a:solidFill>
+                        <a:latin typeface="Calibri"/>
+                      </a:endParaRPr>
+                    </a:p>
+                  </a:txBody>
+                  <a:tcPr marL="9525" marR="9525" marT="9525" marB="0" anchor="b"/>
+                </a:tc>
+              </a:tr>
+              <a:tr h="451757">
+                <a:tc>
+                  <a:txBody>
+                    <a:bodyPr/>
+                    <a:lstStyle/>
+                    <a:p>
+                      <a:pPr algn="l" fontAlgn="b"/>
+                      <a:r>
+                        <a:rPr lang="en-US" sz="2100" u="none" strike="noStrike"/>
+                        <a:t>trans_num</a:t>
+                      </a:r>
+                      <a:endParaRPr lang="en-US" sz="2100" b="0" i="0" u="none" strike="noStrike">
+                        <a:solidFill>
+                          <a:srgbClr val="000000"/>
+                        </a:solidFill>
+                        <a:latin typeface="Calibri"/>
+                      </a:endParaRPr>
+                    </a:p>
+                  </a:txBody>
+                  <a:tcPr marL="9525" marR="9525" marT="9525" marB="0" anchor="b"/>
+                </a:tc>
+                <a:tc>
+                  <a:txBody>
+                    <a:bodyPr/>
+                    <a:lstStyle/>
+                    <a:p>
+                      <a:pPr algn="l" fontAlgn="b"/>
+                      <a:r>
+                        <a:rPr lang="en-US" sz="2100" u="none" strike="noStrike"/>
+                        <a:t>varchar(18)</a:t>
+                      </a:r>
+                      <a:endParaRPr lang="en-US" sz="2100" b="0" i="0" u="none" strike="noStrike">
+                        <a:solidFill>
+                          <a:srgbClr val="000000"/>
+                        </a:solidFill>
+                        <a:latin typeface="Calibri"/>
+                      </a:endParaRPr>
+                    </a:p>
+                  </a:txBody>
+                  <a:tcPr marL="9525" marR="9525" marT="9525" marB="0" anchor="b"/>
+                </a:tc>
+                <a:tc>
+                  <a:txBody>
+                    <a:bodyPr/>
+                    <a:lstStyle/>
+                    <a:p>
+                      <a:pPr algn="l" fontAlgn="b"/>
+                      <a:r>
+                        <a:rPr lang="en-US" sz="2100" u="none" strike="noStrike"/>
+                        <a:t>primary key</a:t>
+                      </a:r>
+                      <a:endParaRPr lang="en-US" sz="2100" b="0" i="0" u="none" strike="noStrike">
+                        <a:solidFill>
+                          <a:srgbClr val="000000"/>
+                        </a:solidFill>
+                        <a:latin typeface="Calibri"/>
+                      </a:endParaRPr>
+                    </a:p>
+                  </a:txBody>
+                  <a:tcPr marL="9525" marR="9525" marT="9525" marB="0" anchor="b"/>
+                </a:tc>
+              </a:tr>
+              <a:tr h="451757">
+                <a:tc>
+                  <a:txBody>
+                    <a:bodyPr/>
+                    <a:lstStyle/>
+                    <a:p>
+                      <a:pPr algn="l" fontAlgn="b"/>
+                      <a:r>
+                        <a:rPr lang="en-US" sz="2100" u="none" strike="noStrike"/>
+                        <a:t>email</a:t>
+                      </a:r>
+                      <a:endParaRPr lang="en-US" sz="2100" b="0" i="0" u="none" strike="noStrike">
+                        <a:solidFill>
+                          <a:srgbClr val="000000"/>
+                        </a:solidFill>
+                        <a:latin typeface="Calibri"/>
+                      </a:endParaRPr>
+                    </a:p>
+                  </a:txBody>
+                  <a:tcPr marL="9525" marR="9525" marT="9525" marB="0" anchor="b"/>
+                </a:tc>
+                <a:tc>
+                  <a:txBody>
+                    <a:bodyPr/>
+                    <a:lstStyle/>
+                    <a:p>
+                      <a:pPr algn="l" fontAlgn="b"/>
+                      <a:r>
+                        <a:rPr lang="en-US" sz="2100" u="none" strike="noStrike"/>
+                        <a:t>varchar(18)</a:t>
+                      </a:r>
+                      <a:endParaRPr lang="en-US" sz="2100" b="0" i="0" u="none" strike="noStrike">
+                        <a:solidFill>
+                          <a:srgbClr val="000000"/>
+                        </a:solidFill>
+                        <a:latin typeface="Calibri"/>
+                      </a:endParaRPr>
+                    </a:p>
+                  </a:txBody>
+                  <a:tcPr marL="9525" marR="9525" marT="9525" marB="0" anchor="b"/>
+                </a:tc>
+                <a:tc>
+                  <a:txBody>
+                    <a:bodyPr/>
+                    <a:lstStyle/>
+                    <a:p>
+                      <a:pPr algn="l" fontAlgn="b"/>
+                      <a:r>
+                        <a:rPr lang="en-US" sz="2100" u="none" strike="noStrike"/>
+                        <a:t> </a:t>
+                      </a:r>
+                      <a:endParaRPr lang="en-US" sz="2100" b="0" i="0" u="none" strike="noStrike">
+                        <a:solidFill>
+                          <a:srgbClr val="000000"/>
+                        </a:solidFill>
+                        <a:latin typeface="Calibri"/>
+                      </a:endParaRPr>
+                    </a:p>
+                  </a:txBody>
+                  <a:tcPr marL="9525" marR="9525" marT="9525" marB="0" anchor="b"/>
+                </a:tc>
+              </a:tr>
+              <a:tr h="451757">
+                <a:tc>
+                  <a:txBody>
+                    <a:bodyPr/>
+                    <a:lstStyle/>
+                    <a:p>
+                      <a:pPr algn="l" fontAlgn="b"/>
+                      <a:r>
+                        <a:rPr lang="en-US" sz="2100" u="none" strike="noStrike"/>
+                        <a:t>content id</a:t>
+                      </a:r>
+                      <a:endParaRPr lang="en-US" sz="2100" b="0" i="0" u="none" strike="noStrike">
+                        <a:solidFill>
+                          <a:srgbClr val="000000"/>
+                        </a:solidFill>
+                        <a:latin typeface="Calibri"/>
+                      </a:endParaRPr>
+                    </a:p>
+                  </a:txBody>
+                  <a:tcPr marL="9525" marR="9525" marT="9525" marB="0" anchor="b"/>
+                </a:tc>
+                <a:tc>
+                  <a:txBody>
+                    <a:bodyPr/>
+                    <a:lstStyle/>
+                    <a:p>
+                      <a:pPr algn="l" fontAlgn="b"/>
+                      <a:r>
+                        <a:rPr lang="en-US" sz="2100" u="none" strike="noStrike"/>
+                        <a:t>integer</a:t>
+                      </a:r>
+                      <a:endParaRPr lang="en-US" sz="2100" b="0" i="0" u="none" strike="noStrike">
+                        <a:solidFill>
+                          <a:srgbClr val="000000"/>
+                        </a:solidFill>
+                        <a:latin typeface="Calibri"/>
+                      </a:endParaRPr>
+                    </a:p>
+                  </a:txBody>
+                  <a:tcPr marL="9525" marR="9525" marT="9525" marB="0" anchor="b"/>
+                </a:tc>
+                <a:tc>
+                  <a:txBody>
+                    <a:bodyPr/>
+                    <a:lstStyle/>
+                    <a:p>
+                      <a:pPr algn="l" fontAlgn="b"/>
+                      <a:r>
+                        <a:rPr lang="en-US" sz="2100" u="none" strike="noStrike"/>
+                        <a:t> </a:t>
+                      </a:r>
+                      <a:endParaRPr lang="en-US" sz="2100" b="0" i="0" u="none" strike="noStrike">
+                        <a:solidFill>
+                          <a:srgbClr val="000000"/>
+                        </a:solidFill>
+                        <a:latin typeface="Calibri"/>
+                      </a:endParaRPr>
+                    </a:p>
+                  </a:txBody>
+                  <a:tcPr marL="9525" marR="9525" marT="9525" marB="0" anchor="b"/>
+                </a:tc>
+              </a:tr>
+              <a:tr h="451757">
+                <a:tc>
+                  <a:txBody>
+                    <a:bodyPr/>
+                    <a:lstStyle/>
+                    <a:p>
+                      <a:pPr algn="l" fontAlgn="b"/>
+                      <a:r>
+                        <a:rPr lang="en-US" sz="2100" u="none" strike="noStrike"/>
+                        <a:t>transaction date</a:t>
+                      </a:r>
+                      <a:endParaRPr lang="en-US" sz="2100" b="0" i="0" u="none" strike="noStrike">
+                        <a:solidFill>
+                          <a:srgbClr val="000000"/>
+                        </a:solidFill>
+                        <a:latin typeface="Calibri"/>
+                      </a:endParaRPr>
+                    </a:p>
+                  </a:txBody>
+                  <a:tcPr marL="9525" marR="9525" marT="9525" marB="0" anchor="b"/>
+                </a:tc>
+                <a:tc>
+                  <a:txBody>
+                    <a:bodyPr/>
+                    <a:lstStyle/>
+                    <a:p>
+                      <a:pPr algn="l" fontAlgn="b"/>
+                      <a:r>
+                        <a:rPr lang="en-US" sz="2100" u="none" strike="noStrike"/>
+                        <a:t>varchar(10)</a:t>
+                      </a:r>
+                      <a:endParaRPr lang="en-US" sz="2100" b="0" i="0" u="none" strike="noStrike">
+                        <a:solidFill>
+                          <a:srgbClr val="000000"/>
+                        </a:solidFill>
+                        <a:latin typeface="Calibri"/>
+                      </a:endParaRPr>
+                    </a:p>
+                  </a:txBody>
+                  <a:tcPr marL="9525" marR="9525" marT="9525" marB="0" anchor="b"/>
+                </a:tc>
+                <a:tc>
+                  <a:txBody>
+                    <a:bodyPr/>
+                    <a:lstStyle/>
+                    <a:p>
+                      <a:pPr algn="l" fontAlgn="b"/>
+                      <a:r>
+                        <a:rPr lang="en-US" sz="2100" u="none" strike="noStrike"/>
+                        <a:t> </a:t>
+                      </a:r>
+                      <a:endParaRPr lang="en-US" sz="2100" b="0" i="0" u="none" strike="noStrike">
+                        <a:solidFill>
+                          <a:srgbClr val="000000"/>
+                        </a:solidFill>
+                        <a:latin typeface="Calibri"/>
+                      </a:endParaRPr>
+                    </a:p>
+                  </a:txBody>
+                  <a:tcPr marL="9525" marR="9525" marT="9525" marB="0" anchor="b"/>
+                </a:tc>
+              </a:tr>
+              <a:tr h="451757">
+                <a:tc>
+                  <a:txBody>
+                    <a:bodyPr/>
+                    <a:lstStyle/>
+                    <a:p>
+                      <a:pPr algn="l" fontAlgn="b"/>
+                      <a:r>
+                        <a:rPr lang="en-US" sz="2100" u="none" strike="noStrike"/>
+                        <a:t>transaction amount</a:t>
+                      </a:r>
+                      <a:endParaRPr lang="en-US" sz="2100" b="0" i="0" u="none" strike="noStrike">
+                        <a:solidFill>
+                          <a:srgbClr val="000000"/>
+                        </a:solidFill>
+                        <a:latin typeface="Calibri"/>
+                      </a:endParaRPr>
+                    </a:p>
+                  </a:txBody>
+                  <a:tcPr marL="9525" marR="9525" marT="9525" marB="0" anchor="b"/>
+                </a:tc>
+                <a:tc>
+                  <a:txBody>
+                    <a:bodyPr/>
+                    <a:lstStyle/>
+                    <a:p>
+                      <a:pPr algn="l" fontAlgn="b"/>
+                      <a:r>
+                        <a:rPr lang="en-US" sz="2100" u="none" strike="noStrike"/>
+                        <a:t>integer</a:t>
                       </a:r>
                       <a:endParaRPr lang="en-US" sz="2100" b="0" i="0" u="none" strike="noStrike">
                         <a:solidFill>
@@ -15790,2478 +18241,6 @@
           <p:nvPr/>
         </p:nvGraphicFramePr>
         <p:xfrm>
-          <a:off x="381000" y="1752600"/>
-          <a:ext cx="8458200" cy="2971800"/>
-        </p:xfrm>
-        <a:graphic>
-          <a:graphicData uri="http://schemas.openxmlformats.org/drawingml/2006/table">
-            <a:tbl>
-              <a:tblPr firstRow="1">
-                <a:tableStyleId>{3C2FFA5D-87B4-456A-9821-1D502468CF0F}</a:tableStyleId>
-              </a:tblPr>
-              <a:tblGrid>
-                <a:gridCol w="3090157"/>
-                <a:gridCol w="2525099"/>
-                <a:gridCol w="2842944"/>
-              </a:tblGrid>
-              <a:tr h="594360">
-                <a:tc gridSpan="3">
-                  <a:txBody>
-                    <a:bodyPr/>
-                    <a:lstStyle/>
-                    <a:p>
-                      <a:pPr algn="ctr" fontAlgn="b"/>
-                      <a:r>
-                        <a:rPr lang="en-US" sz="1800" b="1" u="none" strike="noStrike" dirty="0"/>
-                        <a:t>inspector feedback</a:t>
-                      </a:r>
-                      <a:endParaRPr lang="en-US" sz="1800" b="1" i="0" u="none" strike="noStrike" dirty="0">
-                        <a:solidFill>
-                          <a:srgbClr val="000000"/>
-                        </a:solidFill>
-                        <a:latin typeface="Calibri"/>
-                      </a:endParaRPr>
-                    </a:p>
-                  </a:txBody>
-                  <a:tcPr marL="9525" marR="9525" marT="9525" marB="0" anchor="b"/>
-                </a:tc>
-                <a:tc hMerge="1">
-                  <a:txBody>
-                    <a:bodyPr/>
-                    <a:lstStyle/>
-                    <a:p>
-                      <a:endParaRPr lang="en-US"/>
-                    </a:p>
-                  </a:txBody>
-                  <a:tcPr/>
-                </a:tc>
-                <a:tc hMerge="1">
-                  <a:txBody>
-                    <a:bodyPr/>
-                    <a:lstStyle/>
-                    <a:p>
-                      <a:endParaRPr lang="en-US"/>
-                    </a:p>
-                  </a:txBody>
-                  <a:tcPr/>
-                </a:tc>
-              </a:tr>
-              <a:tr h="594360">
-                <a:tc>
-                  <a:txBody>
-                    <a:bodyPr/>
-                    <a:lstStyle/>
-                    <a:p>
-                      <a:pPr algn="l" fontAlgn="b"/>
-                      <a:r>
-                        <a:rPr lang="en-US" sz="1800" b="1" u="none" strike="noStrike"/>
-                        <a:t>column name</a:t>
-                      </a:r>
-                      <a:endParaRPr lang="en-US" sz="1800" b="1" i="0" u="none" strike="noStrike">
-                        <a:solidFill>
-                          <a:srgbClr val="000000"/>
-                        </a:solidFill>
-                        <a:latin typeface="Calibri"/>
-                      </a:endParaRPr>
-                    </a:p>
-                  </a:txBody>
-                  <a:tcPr marL="9525" marR="9525" marT="9525" marB="0" anchor="b"/>
-                </a:tc>
-                <a:tc>
-                  <a:txBody>
-                    <a:bodyPr/>
-                    <a:lstStyle/>
-                    <a:p>
-                      <a:pPr algn="l" fontAlgn="b"/>
-                      <a:r>
-                        <a:rPr lang="en-US" sz="1800" b="1" u="none" strike="noStrike" dirty="0"/>
-                        <a:t>data type</a:t>
-                      </a:r>
-                      <a:endParaRPr lang="en-US" sz="1800" b="1" i="0" u="none" strike="noStrike" dirty="0">
-                        <a:solidFill>
-                          <a:srgbClr val="000000"/>
-                        </a:solidFill>
-                        <a:latin typeface="Calibri"/>
-                      </a:endParaRPr>
-                    </a:p>
-                  </a:txBody>
-                  <a:tcPr marL="9525" marR="9525" marT="9525" marB="0" anchor="b"/>
-                </a:tc>
-                <a:tc>
-                  <a:txBody>
-                    <a:bodyPr/>
-                    <a:lstStyle/>
-                    <a:p>
-                      <a:pPr algn="l" fontAlgn="b"/>
-                      <a:r>
-                        <a:rPr lang="en-US" sz="1800" b="1" u="none" strike="noStrike" dirty="0"/>
-                        <a:t>constraint</a:t>
-                      </a:r>
-                      <a:endParaRPr lang="en-US" sz="1800" b="1" i="0" u="none" strike="noStrike" dirty="0">
-                        <a:solidFill>
-                          <a:srgbClr val="000000"/>
-                        </a:solidFill>
-                        <a:latin typeface="Calibri"/>
-                      </a:endParaRPr>
-                    </a:p>
-                  </a:txBody>
-                  <a:tcPr marL="9525" marR="9525" marT="9525" marB="0" anchor="b"/>
-                </a:tc>
-              </a:tr>
-              <a:tr h="594360">
-                <a:tc>
-                  <a:txBody>
-                    <a:bodyPr/>
-                    <a:lstStyle/>
-                    <a:p>
-                      <a:pPr algn="l" fontAlgn="b"/>
-                      <a:r>
-                        <a:rPr lang="en-US" sz="1800" u="none" strike="noStrike" dirty="0" err="1"/>
-                        <a:t>inspector_id</a:t>
-                      </a:r>
-                      <a:endParaRPr lang="en-US" sz="1800" b="0" i="0" u="none" strike="noStrike" dirty="0">
-                        <a:solidFill>
-                          <a:srgbClr val="000000"/>
-                        </a:solidFill>
-                        <a:latin typeface="Calibri"/>
-                      </a:endParaRPr>
-                    </a:p>
-                  </a:txBody>
-                  <a:tcPr marL="9525" marR="9525" marT="9525" marB="0" anchor="b"/>
-                </a:tc>
-                <a:tc>
-                  <a:txBody>
-                    <a:bodyPr/>
-                    <a:lstStyle/>
-                    <a:p>
-                      <a:pPr algn="l" fontAlgn="b"/>
-                      <a:r>
-                        <a:rPr lang="en-US" sz="1800" u="none" strike="noStrike"/>
-                        <a:t>integer</a:t>
-                      </a:r>
-                      <a:endParaRPr lang="en-US" sz="1800" b="0" i="0" u="none" strike="noStrike">
-                        <a:solidFill>
-                          <a:srgbClr val="000000"/>
-                        </a:solidFill>
-                        <a:latin typeface="Calibri"/>
-                      </a:endParaRPr>
-                    </a:p>
-                  </a:txBody>
-                  <a:tcPr marL="9525" marR="9525" marT="9525" marB="0" anchor="b"/>
-                </a:tc>
-                <a:tc rowSpan="2">
-                  <a:txBody>
-                    <a:bodyPr/>
-                    <a:lstStyle/>
-                    <a:p>
-                      <a:pPr algn="ctr" fontAlgn="ctr"/>
-                      <a:r>
-                        <a:rPr lang="en-US" sz="1800" u="none" strike="noStrike"/>
-                        <a:t>composite key</a:t>
-                      </a:r>
-                      <a:endParaRPr lang="en-US" sz="1800" b="0" i="0" u="none" strike="noStrike">
-                        <a:solidFill>
-                          <a:srgbClr val="000000"/>
-                        </a:solidFill>
-                        <a:latin typeface="Calibri"/>
-                      </a:endParaRPr>
-                    </a:p>
-                  </a:txBody>
-                  <a:tcPr marL="9525" marR="9525" marT="9525" marB="0" anchor="ctr"/>
-                </a:tc>
-              </a:tr>
-              <a:tr h="594360">
-                <a:tc>
-                  <a:txBody>
-                    <a:bodyPr/>
-                    <a:lstStyle/>
-                    <a:p>
-                      <a:pPr algn="l" fontAlgn="b"/>
-                      <a:r>
-                        <a:rPr lang="en-US" sz="1800" u="none" strike="noStrike"/>
-                        <a:t>content id</a:t>
-                      </a:r>
-                      <a:endParaRPr lang="en-US" sz="1800" b="0" i="0" u="none" strike="noStrike">
-                        <a:solidFill>
-                          <a:srgbClr val="000000"/>
-                        </a:solidFill>
-                        <a:latin typeface="Calibri"/>
-                      </a:endParaRPr>
-                    </a:p>
-                  </a:txBody>
-                  <a:tcPr marL="9525" marR="9525" marT="9525" marB="0" anchor="b"/>
-                </a:tc>
-                <a:tc>
-                  <a:txBody>
-                    <a:bodyPr/>
-                    <a:lstStyle/>
-                    <a:p>
-                      <a:pPr algn="l" fontAlgn="b"/>
-                      <a:r>
-                        <a:rPr lang="en-US" sz="1800" u="none" strike="noStrike"/>
-                        <a:t>integer</a:t>
-                      </a:r>
-                      <a:endParaRPr lang="en-US" sz="1800" b="0" i="0" u="none" strike="noStrike">
-                        <a:solidFill>
-                          <a:srgbClr val="000000"/>
-                        </a:solidFill>
-                        <a:latin typeface="Calibri"/>
-                      </a:endParaRPr>
-                    </a:p>
-                  </a:txBody>
-                  <a:tcPr marL="9525" marR="9525" marT="9525" marB="0" anchor="b"/>
-                </a:tc>
-                <a:tc vMerge="1">
-                  <a:txBody>
-                    <a:bodyPr/>
-                    <a:lstStyle/>
-                    <a:p>
-                      <a:endParaRPr lang="en-US"/>
-                    </a:p>
-                  </a:txBody>
-                  <a:tcPr/>
-                </a:tc>
-              </a:tr>
-              <a:tr h="594360">
-                <a:tc>
-                  <a:txBody>
-                    <a:bodyPr/>
-                    <a:lstStyle/>
-                    <a:p>
-                      <a:pPr algn="l" fontAlgn="b"/>
-                      <a:r>
-                        <a:rPr lang="en-US" sz="1800" u="none" strike="noStrike"/>
-                        <a:t>feedback</a:t>
-                      </a:r>
-                      <a:endParaRPr lang="en-US" sz="1800" b="0" i="0" u="none" strike="noStrike">
-                        <a:solidFill>
-                          <a:srgbClr val="000000"/>
-                        </a:solidFill>
-                        <a:latin typeface="Calibri"/>
-                      </a:endParaRPr>
-                    </a:p>
-                  </a:txBody>
-                  <a:tcPr marL="9525" marR="9525" marT="9525" marB="0" anchor="b"/>
-                </a:tc>
-                <a:tc>
-                  <a:txBody>
-                    <a:bodyPr/>
-                    <a:lstStyle/>
-                    <a:p>
-                      <a:pPr algn="l" fontAlgn="b"/>
-                      <a:r>
-                        <a:rPr lang="en-US" sz="1800" u="none" strike="noStrike"/>
-                        <a:t>varchar(100)</a:t>
-                      </a:r>
-                      <a:endParaRPr lang="en-US" sz="1800" b="0" i="0" u="none" strike="noStrike">
-                        <a:solidFill>
-                          <a:srgbClr val="000000"/>
-                        </a:solidFill>
-                        <a:latin typeface="Calibri"/>
-                      </a:endParaRPr>
-                    </a:p>
-                  </a:txBody>
-                  <a:tcPr marL="9525" marR="9525" marT="9525" marB="0" anchor="b"/>
-                </a:tc>
-                <a:tc>
-                  <a:txBody>
-                    <a:bodyPr/>
-                    <a:lstStyle/>
-                    <a:p>
-                      <a:pPr algn="l" fontAlgn="b"/>
-                      <a:r>
-                        <a:rPr lang="en-US" sz="1800" u="none" strike="noStrike" dirty="0"/>
-                        <a:t> </a:t>
-                      </a:r>
-                      <a:endParaRPr lang="en-US" sz="1800" b="0" i="0" u="none" strike="noStrike" dirty="0">
-                        <a:solidFill>
-                          <a:srgbClr val="000000"/>
-                        </a:solidFill>
-                        <a:latin typeface="Calibri"/>
-                      </a:endParaRPr>
-                    </a:p>
-                  </a:txBody>
-                  <a:tcPr marL="9525" marR="9525" marT="9525" marB="0" anchor="b"/>
-                </a:tc>
-              </a:tr>
-            </a:tbl>
-          </a:graphicData>
-        </a:graphic>
-      </p:graphicFrame>
-    </p:spTree>
-  </p:cSld>
-  <p:clrMapOvr>
-    <a:masterClrMapping/>
-  </p:clrMapOvr>
-</p:sld>
-</file>
-
-<file path=ppt/slides/slide51.xml><?xml version="1.0" encoding="utf-8"?>
-<p:sld xmlns:a="http://schemas.openxmlformats.org/drawingml/2006/main" xmlns:r="http://schemas.openxmlformats.org/officeDocument/2006/relationships" xmlns:p="http://schemas.openxmlformats.org/presentationml/2006/main">
-  <p:cSld>
-    <p:spTree>
-      <p:nvGrpSpPr>
-        <p:cNvPr id="1" name=""/>
-        <p:cNvGrpSpPr/>
-        <p:nvPr/>
-      </p:nvGrpSpPr>
-      <p:grpSpPr>
-        <a:xfrm>
-          <a:off x="0" y="0"/>
-          <a:ext cx="0" cy="0"/>
-          <a:chOff x="0" y="0"/>
-          <a:chExt cx="0" cy="0"/>
-        </a:xfrm>
-      </p:grpSpPr>
-      <p:graphicFrame>
-        <p:nvGraphicFramePr>
-          <p:cNvPr id="2" name="Table 1"/>
-          <p:cNvGraphicFramePr>
-            <a:graphicFrameLocks noGrp="1"/>
-          </p:cNvGraphicFramePr>
-          <p:nvPr/>
-        </p:nvGraphicFramePr>
-        <p:xfrm>
-          <a:off x="228600" y="411480"/>
-          <a:ext cx="8763000" cy="2636520"/>
-        </p:xfrm>
-        <a:graphic>
-          <a:graphicData uri="http://schemas.openxmlformats.org/drawingml/2006/table">
-            <a:tbl>
-              <a:tblPr firstRow="1">
-                <a:tableStyleId>{3C2FFA5D-87B4-456A-9821-1D502468CF0F}</a:tableStyleId>
-              </a:tblPr>
-              <a:tblGrid>
-                <a:gridCol w="3230509"/>
-                <a:gridCol w="2437392"/>
-                <a:gridCol w="3095099"/>
-              </a:tblGrid>
-              <a:tr h="295275">
-                <a:tc gridSpan="3">
-                  <a:txBody>
-                    <a:bodyPr/>
-                    <a:lstStyle/>
-                    <a:p>
-                      <a:pPr algn="ctr" fontAlgn="b"/>
-                      <a:r>
-                        <a:rPr lang="en-US" sz="2100" b="1" u="none" strike="noStrike" dirty="0"/>
-                        <a:t>student log</a:t>
-                      </a:r>
-                      <a:endParaRPr lang="en-US" sz="2100" b="1" i="0" u="none" strike="noStrike" dirty="0">
-                        <a:solidFill>
-                          <a:srgbClr val="000000"/>
-                        </a:solidFill>
-                        <a:latin typeface="Calibri"/>
-                      </a:endParaRPr>
-                    </a:p>
-                  </a:txBody>
-                  <a:tcPr marL="9525" marR="9525" marT="9525" marB="0" anchor="b"/>
-                </a:tc>
-                <a:tc hMerge="1">
-                  <a:txBody>
-                    <a:bodyPr/>
-                    <a:lstStyle/>
-                    <a:p>
-                      <a:endParaRPr lang="en-US"/>
-                    </a:p>
-                  </a:txBody>
-                  <a:tcPr/>
-                </a:tc>
-                <a:tc hMerge="1">
-                  <a:txBody>
-                    <a:bodyPr/>
-                    <a:lstStyle/>
-                    <a:p>
-                      <a:endParaRPr lang="en-US"/>
-                    </a:p>
-                  </a:txBody>
-                  <a:tcPr/>
-                </a:tc>
-              </a:tr>
-              <a:tr h="295275">
-                <a:tc>
-                  <a:txBody>
-                    <a:bodyPr/>
-                    <a:lstStyle/>
-                    <a:p>
-                      <a:pPr algn="l" fontAlgn="b"/>
-                      <a:r>
-                        <a:rPr lang="en-US" sz="2100" b="1" u="none" strike="noStrike"/>
-                        <a:t>column name</a:t>
-                      </a:r>
-                      <a:endParaRPr lang="en-US" sz="2100" b="1" i="0" u="none" strike="noStrike">
-                        <a:solidFill>
-                          <a:srgbClr val="000000"/>
-                        </a:solidFill>
-                        <a:latin typeface="Calibri"/>
-                      </a:endParaRPr>
-                    </a:p>
-                  </a:txBody>
-                  <a:tcPr marL="9525" marR="9525" marT="9525" marB="0" anchor="b"/>
-                </a:tc>
-                <a:tc>
-                  <a:txBody>
-                    <a:bodyPr/>
-                    <a:lstStyle/>
-                    <a:p>
-                      <a:pPr algn="l" fontAlgn="b"/>
-                      <a:r>
-                        <a:rPr lang="en-US" sz="2100" b="1" u="none" strike="noStrike" dirty="0"/>
-                        <a:t>data type</a:t>
-                      </a:r>
-                      <a:endParaRPr lang="en-US" sz="2100" b="1" i="0" u="none" strike="noStrike" dirty="0">
-                        <a:solidFill>
-                          <a:srgbClr val="000000"/>
-                        </a:solidFill>
-                        <a:latin typeface="Calibri"/>
-                      </a:endParaRPr>
-                    </a:p>
-                  </a:txBody>
-                  <a:tcPr marL="9525" marR="9525" marT="9525" marB="0" anchor="b"/>
-                </a:tc>
-                <a:tc>
-                  <a:txBody>
-                    <a:bodyPr/>
-                    <a:lstStyle/>
-                    <a:p>
-                      <a:pPr algn="l" fontAlgn="b"/>
-                      <a:r>
-                        <a:rPr lang="en-US" sz="2100" b="1" u="none" strike="noStrike" dirty="0"/>
-                        <a:t>constraint</a:t>
-                      </a:r>
-                      <a:endParaRPr lang="en-US" sz="2100" b="1" i="0" u="none" strike="noStrike" dirty="0">
-                        <a:solidFill>
-                          <a:srgbClr val="000000"/>
-                        </a:solidFill>
-                        <a:latin typeface="Calibri"/>
-                      </a:endParaRPr>
-                    </a:p>
-                  </a:txBody>
-                  <a:tcPr marL="9525" marR="9525" marT="9525" marB="0" anchor="b"/>
-                </a:tc>
-              </a:tr>
-              <a:tr h="295275">
-                <a:tc>
-                  <a:txBody>
-                    <a:bodyPr/>
-                    <a:lstStyle/>
-                    <a:p>
-                      <a:pPr algn="l" fontAlgn="b"/>
-                      <a:r>
-                        <a:rPr lang="en-US" sz="2100" u="none" strike="noStrike"/>
-                        <a:t>student_id</a:t>
-                      </a:r>
-                      <a:endParaRPr lang="en-US" sz="2100" b="0" i="0" u="none" strike="noStrike">
-                        <a:solidFill>
-                          <a:srgbClr val="000000"/>
-                        </a:solidFill>
-                        <a:latin typeface="Calibri"/>
-                      </a:endParaRPr>
-                    </a:p>
-                  </a:txBody>
-                  <a:tcPr marL="9525" marR="9525" marT="9525" marB="0" anchor="b"/>
-                </a:tc>
-                <a:tc>
-                  <a:txBody>
-                    <a:bodyPr/>
-                    <a:lstStyle/>
-                    <a:p>
-                      <a:pPr algn="l" fontAlgn="b"/>
-                      <a:r>
-                        <a:rPr lang="en-US" sz="2100" u="none" strike="noStrike"/>
-                        <a:t>integer</a:t>
-                      </a:r>
-                      <a:endParaRPr lang="en-US" sz="2100" b="0" i="0" u="none" strike="noStrike">
-                        <a:solidFill>
-                          <a:srgbClr val="000000"/>
-                        </a:solidFill>
-                        <a:latin typeface="Calibri"/>
-                      </a:endParaRPr>
-                    </a:p>
-                  </a:txBody>
-                  <a:tcPr marL="9525" marR="9525" marT="9525" marB="0" anchor="b"/>
-                </a:tc>
-                <a:tc rowSpan="2">
-                  <a:txBody>
-                    <a:bodyPr/>
-                    <a:lstStyle/>
-                    <a:p>
-                      <a:pPr algn="ctr" fontAlgn="ctr"/>
-                      <a:r>
-                        <a:rPr lang="en-US" sz="2100" u="none" strike="noStrike" dirty="0"/>
-                        <a:t>composite key</a:t>
-                      </a:r>
-                      <a:endParaRPr lang="en-US" sz="2100" b="0" i="0" u="none" strike="noStrike" dirty="0">
-                        <a:solidFill>
-                          <a:srgbClr val="000000"/>
-                        </a:solidFill>
-                        <a:latin typeface="Calibri"/>
-                      </a:endParaRPr>
-                    </a:p>
-                  </a:txBody>
-                  <a:tcPr marL="9525" marR="9525" marT="9525" marB="0" anchor="ctr"/>
-                </a:tc>
-              </a:tr>
-              <a:tr h="295275">
-                <a:tc>
-                  <a:txBody>
-                    <a:bodyPr/>
-                    <a:lstStyle/>
-                    <a:p>
-                      <a:pPr algn="l" fontAlgn="b"/>
-                      <a:r>
-                        <a:rPr lang="en-US" sz="2100" u="none" strike="noStrike"/>
-                        <a:t>content_id</a:t>
-                      </a:r>
-                      <a:endParaRPr lang="en-US" sz="2100" b="0" i="0" u="none" strike="noStrike">
-                        <a:solidFill>
-                          <a:srgbClr val="000000"/>
-                        </a:solidFill>
-                        <a:latin typeface="Calibri"/>
-                      </a:endParaRPr>
-                    </a:p>
-                  </a:txBody>
-                  <a:tcPr marL="9525" marR="9525" marT="9525" marB="0" anchor="b"/>
-                </a:tc>
-                <a:tc>
-                  <a:txBody>
-                    <a:bodyPr/>
-                    <a:lstStyle/>
-                    <a:p>
-                      <a:pPr algn="l" fontAlgn="b"/>
-                      <a:r>
-                        <a:rPr lang="en-US" sz="2100" u="none" strike="noStrike"/>
-                        <a:t>integer</a:t>
-                      </a:r>
-                      <a:endParaRPr lang="en-US" sz="2100" b="0" i="0" u="none" strike="noStrike">
-                        <a:solidFill>
-                          <a:srgbClr val="000000"/>
-                        </a:solidFill>
-                        <a:latin typeface="Calibri"/>
-                      </a:endParaRPr>
-                    </a:p>
-                  </a:txBody>
-                  <a:tcPr marL="9525" marR="9525" marT="9525" marB="0" anchor="b"/>
-                </a:tc>
-                <a:tc vMerge="1">
-                  <a:txBody>
-                    <a:bodyPr/>
-                    <a:lstStyle/>
-                    <a:p>
-                      <a:endParaRPr lang="en-US"/>
-                    </a:p>
-                  </a:txBody>
-                  <a:tcPr/>
-                </a:tc>
-              </a:tr>
-              <a:tr h="295275">
-                <a:tc>
-                  <a:txBody>
-                    <a:bodyPr/>
-                    <a:lstStyle/>
-                    <a:p>
-                      <a:pPr algn="l" fontAlgn="b"/>
-                      <a:r>
-                        <a:rPr lang="en-US" sz="2100" u="none" strike="noStrike"/>
-                        <a:t>paused time</a:t>
-                      </a:r>
-                      <a:endParaRPr lang="en-US" sz="2100" b="0" i="0" u="none" strike="noStrike">
-                        <a:solidFill>
-                          <a:srgbClr val="000000"/>
-                        </a:solidFill>
-                        <a:latin typeface="Calibri"/>
-                      </a:endParaRPr>
-                    </a:p>
-                  </a:txBody>
-                  <a:tcPr marL="9525" marR="9525" marT="9525" marB="0" anchor="b"/>
-                </a:tc>
-                <a:tc>
-                  <a:txBody>
-                    <a:bodyPr/>
-                    <a:lstStyle/>
-                    <a:p>
-                      <a:pPr algn="l" fontAlgn="b"/>
-                      <a:r>
-                        <a:rPr lang="en-US" sz="2100" u="none" strike="noStrike"/>
-                        <a:t>time</a:t>
-                      </a:r>
-                      <a:endParaRPr lang="en-US" sz="2100" b="0" i="0" u="none" strike="noStrike">
-                        <a:solidFill>
-                          <a:srgbClr val="000000"/>
-                        </a:solidFill>
-                        <a:latin typeface="Calibri"/>
-                      </a:endParaRPr>
-                    </a:p>
-                  </a:txBody>
-                  <a:tcPr marL="9525" marR="9525" marT="9525" marB="0" anchor="b"/>
-                </a:tc>
-                <a:tc>
-                  <a:txBody>
-                    <a:bodyPr/>
-                    <a:lstStyle/>
-                    <a:p>
-                      <a:pPr algn="l" fontAlgn="b"/>
-                      <a:r>
-                        <a:rPr lang="en-US" sz="2100" u="none" strike="noStrike"/>
-                        <a:t> </a:t>
-                      </a:r>
-                      <a:endParaRPr lang="en-US" sz="2100" b="0" i="0" u="none" strike="noStrike">
-                        <a:solidFill>
-                          <a:srgbClr val="000000"/>
-                        </a:solidFill>
-                        <a:latin typeface="Calibri"/>
-                      </a:endParaRPr>
-                    </a:p>
-                  </a:txBody>
-                  <a:tcPr marL="9525" marR="9525" marT="9525" marB="0" anchor="b"/>
-                </a:tc>
-              </a:tr>
-              <a:tr h="295275">
-                <a:tc>
-                  <a:txBody>
-                    <a:bodyPr/>
-                    <a:lstStyle/>
-                    <a:p>
-                      <a:pPr algn="l" fontAlgn="b"/>
-                      <a:r>
-                        <a:rPr lang="en-US" sz="2100" u="none" strike="noStrike" dirty="0"/>
-                        <a:t>rating</a:t>
-                      </a:r>
-                      <a:endParaRPr lang="en-US" sz="2100" b="0" i="0" u="none" strike="noStrike" dirty="0">
-                        <a:solidFill>
-                          <a:srgbClr val="000000"/>
-                        </a:solidFill>
-                        <a:latin typeface="Calibri"/>
-                      </a:endParaRPr>
-                    </a:p>
-                  </a:txBody>
-                  <a:tcPr marL="9525" marR="9525" marT="9525" marB="0" anchor="b"/>
-                </a:tc>
-                <a:tc>
-                  <a:txBody>
-                    <a:bodyPr/>
-                    <a:lstStyle/>
-                    <a:p>
-                      <a:pPr algn="l" fontAlgn="b"/>
-                      <a:r>
-                        <a:rPr lang="en-US" sz="2100" u="none" strike="noStrike" dirty="0"/>
-                        <a:t>integer</a:t>
-                      </a:r>
-                      <a:endParaRPr lang="en-US" sz="2100" b="0" i="0" u="none" strike="noStrike" dirty="0">
-                        <a:solidFill>
-                          <a:srgbClr val="000000"/>
-                        </a:solidFill>
-                        <a:latin typeface="Calibri"/>
-                      </a:endParaRPr>
-                    </a:p>
-                  </a:txBody>
-                  <a:tcPr marL="9525" marR="9525" marT="9525" marB="0" anchor="b"/>
-                </a:tc>
-                <a:tc>
-                  <a:txBody>
-                    <a:bodyPr/>
-                    <a:lstStyle/>
-                    <a:p>
-                      <a:pPr algn="l" fontAlgn="b"/>
-                      <a:r>
-                        <a:rPr lang="en-US" sz="2100" u="none" strike="noStrike"/>
-                        <a:t> </a:t>
-                      </a:r>
-                      <a:endParaRPr lang="en-US" sz="2100" b="0" i="0" u="none" strike="noStrike">
-                        <a:solidFill>
-                          <a:srgbClr val="000000"/>
-                        </a:solidFill>
-                        <a:latin typeface="Calibri"/>
-                      </a:endParaRPr>
-                    </a:p>
-                  </a:txBody>
-                  <a:tcPr marL="9525" marR="9525" marT="9525" marB="0" anchor="b"/>
-                </a:tc>
-              </a:tr>
-              <a:tr h="295275">
-                <a:tc>
-                  <a:txBody>
-                    <a:bodyPr/>
-                    <a:lstStyle/>
-                    <a:p>
-                      <a:pPr algn="l" fontAlgn="b"/>
-                      <a:r>
-                        <a:rPr lang="en-US" sz="2100" u="none" strike="noStrike"/>
-                        <a:t>date(paid for course on)</a:t>
-                      </a:r>
-                      <a:endParaRPr lang="en-US" sz="2100" b="0" i="0" u="none" strike="noStrike">
-                        <a:solidFill>
-                          <a:srgbClr val="000000"/>
-                        </a:solidFill>
-                        <a:latin typeface="Calibri"/>
-                      </a:endParaRPr>
-                    </a:p>
-                  </a:txBody>
-                  <a:tcPr marL="9525" marR="9525" marT="9525" marB="0" anchor="b"/>
-                </a:tc>
-                <a:tc>
-                  <a:txBody>
-                    <a:bodyPr/>
-                    <a:lstStyle/>
-                    <a:p>
-                      <a:pPr algn="l" fontAlgn="b"/>
-                      <a:r>
-                        <a:rPr lang="en-US" sz="2100" u="none" strike="noStrike"/>
-                        <a:t>date</a:t>
-                      </a:r>
-                      <a:endParaRPr lang="en-US" sz="2100" b="0" i="0" u="none" strike="noStrike">
-                        <a:solidFill>
-                          <a:srgbClr val="000000"/>
-                        </a:solidFill>
-                        <a:latin typeface="Calibri"/>
-                      </a:endParaRPr>
-                    </a:p>
-                  </a:txBody>
-                  <a:tcPr marL="9525" marR="9525" marT="9525" marB="0" anchor="b"/>
-                </a:tc>
-                <a:tc>
-                  <a:txBody>
-                    <a:bodyPr/>
-                    <a:lstStyle/>
-                    <a:p>
-                      <a:pPr algn="l" fontAlgn="b"/>
-                      <a:r>
-                        <a:rPr lang="en-US" sz="2100" u="none" strike="noStrike"/>
-                        <a:t> </a:t>
-                      </a:r>
-                      <a:endParaRPr lang="en-US" sz="2100" b="0" i="0" u="none" strike="noStrike">
-                        <a:solidFill>
-                          <a:srgbClr val="000000"/>
-                        </a:solidFill>
-                        <a:latin typeface="Calibri"/>
-                      </a:endParaRPr>
-                    </a:p>
-                  </a:txBody>
-                  <a:tcPr marL="9525" marR="9525" marT="9525" marB="0" anchor="b"/>
-                </a:tc>
-              </a:tr>
-              <a:tr h="295275">
-                <a:tc>
-                  <a:txBody>
-                    <a:bodyPr/>
-                    <a:lstStyle/>
-                    <a:p>
-                      <a:pPr algn="l" fontAlgn="b"/>
-                      <a:r>
-                        <a:rPr lang="en-US" sz="2100" u="none" strike="noStrike"/>
-                        <a:t>watch time</a:t>
-                      </a:r>
-                      <a:endParaRPr lang="en-US" sz="2100" b="0" i="0" u="none" strike="noStrike">
-                        <a:solidFill>
-                          <a:srgbClr val="000000"/>
-                        </a:solidFill>
-                        <a:latin typeface="Calibri"/>
-                      </a:endParaRPr>
-                    </a:p>
-                  </a:txBody>
-                  <a:tcPr marL="9525" marR="9525" marT="9525" marB="0" anchor="b"/>
-                </a:tc>
-                <a:tc>
-                  <a:txBody>
-                    <a:bodyPr/>
-                    <a:lstStyle/>
-                    <a:p>
-                      <a:pPr algn="l" fontAlgn="b"/>
-                      <a:r>
-                        <a:rPr lang="en-US" sz="2100" u="none" strike="noStrike"/>
-                        <a:t>time</a:t>
-                      </a:r>
-                      <a:endParaRPr lang="en-US" sz="2100" b="0" i="0" u="none" strike="noStrike">
-                        <a:solidFill>
-                          <a:srgbClr val="000000"/>
-                        </a:solidFill>
-                        <a:latin typeface="Calibri"/>
-                      </a:endParaRPr>
-                    </a:p>
-                  </a:txBody>
-                  <a:tcPr marL="9525" marR="9525" marT="9525" marB="0" anchor="b"/>
-                </a:tc>
-                <a:tc>
-                  <a:txBody>
-                    <a:bodyPr/>
-                    <a:lstStyle/>
-                    <a:p>
-                      <a:pPr algn="l" fontAlgn="b"/>
-                      <a:r>
-                        <a:rPr lang="en-US" sz="2100" u="none" strike="noStrike" dirty="0"/>
-                        <a:t> </a:t>
-                      </a:r>
-                      <a:endParaRPr lang="en-US" sz="2100" b="0" i="0" u="none" strike="noStrike" dirty="0">
-                        <a:solidFill>
-                          <a:srgbClr val="000000"/>
-                        </a:solidFill>
-                        <a:latin typeface="Calibri"/>
-                      </a:endParaRPr>
-                    </a:p>
-                  </a:txBody>
-                  <a:tcPr marL="9525" marR="9525" marT="9525" marB="0" anchor="b"/>
-                </a:tc>
-              </a:tr>
-            </a:tbl>
-          </a:graphicData>
-        </a:graphic>
-      </p:graphicFrame>
-      <p:graphicFrame>
-        <p:nvGraphicFramePr>
-          <p:cNvPr id="3" name="Table 2"/>
-          <p:cNvGraphicFramePr>
-            <a:graphicFrameLocks noGrp="1"/>
-          </p:cNvGraphicFramePr>
-          <p:nvPr/>
-        </p:nvGraphicFramePr>
-        <p:xfrm>
-          <a:off x="228600" y="3657600"/>
-          <a:ext cx="8686799" cy="2362200"/>
-        </p:xfrm>
-        <a:graphic>
-          <a:graphicData uri="http://schemas.openxmlformats.org/drawingml/2006/table">
-            <a:tbl>
-              <a:tblPr firstRow="1">
-                <a:tableStyleId>{3C2FFA5D-87B4-456A-9821-1D502468CF0F}</a:tableStyleId>
-              </a:tblPr>
-              <a:tblGrid>
-                <a:gridCol w="3202418"/>
-                <a:gridCol w="2416196"/>
-                <a:gridCol w="3068185"/>
-              </a:tblGrid>
-              <a:tr h="472440">
-                <a:tc gridSpan="3">
-                  <a:txBody>
-                    <a:bodyPr/>
-                    <a:lstStyle/>
-                    <a:p>
-                      <a:pPr algn="ctr" fontAlgn="b"/>
-                      <a:r>
-                        <a:rPr lang="en-US" sz="2100" b="1" u="none" strike="noStrike" dirty="0"/>
-                        <a:t>request</a:t>
-                      </a:r>
-                      <a:endParaRPr lang="en-US" sz="2100" b="1" i="0" u="none" strike="noStrike" dirty="0">
-                        <a:solidFill>
-                          <a:srgbClr val="000000"/>
-                        </a:solidFill>
-                        <a:latin typeface="Calibri"/>
-                      </a:endParaRPr>
-                    </a:p>
-                  </a:txBody>
-                  <a:tcPr marL="9525" marR="9525" marT="9525" marB="0" anchor="b"/>
-                </a:tc>
-                <a:tc hMerge="1">
-                  <a:txBody>
-                    <a:bodyPr/>
-                    <a:lstStyle/>
-                    <a:p>
-                      <a:endParaRPr lang="en-US"/>
-                    </a:p>
-                  </a:txBody>
-                  <a:tcPr/>
-                </a:tc>
-                <a:tc hMerge="1">
-                  <a:txBody>
-                    <a:bodyPr/>
-                    <a:lstStyle/>
-                    <a:p>
-                      <a:endParaRPr lang="en-US"/>
-                    </a:p>
-                  </a:txBody>
-                  <a:tcPr/>
-                </a:tc>
-              </a:tr>
-              <a:tr h="472440">
-                <a:tc>
-                  <a:txBody>
-                    <a:bodyPr/>
-                    <a:lstStyle/>
-                    <a:p>
-                      <a:pPr algn="l" fontAlgn="b"/>
-                      <a:r>
-                        <a:rPr lang="en-US" sz="2100" b="1" u="none" strike="noStrike" dirty="0"/>
-                        <a:t>column name</a:t>
-                      </a:r>
-                      <a:endParaRPr lang="en-US" sz="2100" b="1" i="0" u="none" strike="noStrike" dirty="0">
-                        <a:solidFill>
-                          <a:srgbClr val="000000"/>
-                        </a:solidFill>
-                        <a:latin typeface="Calibri"/>
-                      </a:endParaRPr>
-                    </a:p>
-                  </a:txBody>
-                  <a:tcPr marL="9525" marR="9525" marT="9525" marB="0" anchor="b"/>
-                </a:tc>
-                <a:tc>
-                  <a:txBody>
-                    <a:bodyPr/>
-                    <a:lstStyle/>
-                    <a:p>
-                      <a:pPr algn="l" fontAlgn="b"/>
-                      <a:r>
-                        <a:rPr lang="en-US" sz="2100" b="1" u="none" strike="noStrike"/>
-                        <a:t>data type</a:t>
-                      </a:r>
-                      <a:endParaRPr lang="en-US" sz="2100" b="1" i="0" u="none" strike="noStrike">
-                        <a:solidFill>
-                          <a:srgbClr val="000000"/>
-                        </a:solidFill>
-                        <a:latin typeface="Calibri"/>
-                      </a:endParaRPr>
-                    </a:p>
-                  </a:txBody>
-                  <a:tcPr marL="9525" marR="9525" marT="9525" marB="0" anchor="b"/>
-                </a:tc>
-                <a:tc>
-                  <a:txBody>
-                    <a:bodyPr/>
-                    <a:lstStyle/>
-                    <a:p>
-                      <a:pPr algn="l" fontAlgn="b"/>
-                      <a:r>
-                        <a:rPr lang="en-US" sz="2100" b="1" u="none" strike="noStrike" dirty="0"/>
-                        <a:t>constraint</a:t>
-                      </a:r>
-                      <a:endParaRPr lang="en-US" sz="2100" b="1" i="0" u="none" strike="noStrike" dirty="0">
-                        <a:solidFill>
-                          <a:srgbClr val="000000"/>
-                        </a:solidFill>
-                        <a:latin typeface="Calibri"/>
-                      </a:endParaRPr>
-                    </a:p>
-                  </a:txBody>
-                  <a:tcPr marL="9525" marR="9525" marT="9525" marB="0" anchor="b"/>
-                </a:tc>
-              </a:tr>
-              <a:tr h="472440">
-                <a:tc>
-                  <a:txBody>
-                    <a:bodyPr/>
-                    <a:lstStyle/>
-                    <a:p>
-                      <a:pPr algn="l" fontAlgn="b"/>
-                      <a:r>
-                        <a:rPr lang="en-US" sz="2100" u="none" strike="noStrike" dirty="0" err="1"/>
-                        <a:t>student_id</a:t>
-                      </a:r>
-                      <a:endParaRPr lang="en-US" sz="2100" b="0" i="0" u="none" strike="noStrike" dirty="0">
-                        <a:solidFill>
-                          <a:srgbClr val="000000"/>
-                        </a:solidFill>
-                        <a:latin typeface="Calibri"/>
-                      </a:endParaRPr>
-                    </a:p>
-                  </a:txBody>
-                  <a:tcPr marL="9525" marR="9525" marT="9525" marB="0" anchor="b"/>
-                </a:tc>
-                <a:tc>
-                  <a:txBody>
-                    <a:bodyPr/>
-                    <a:lstStyle/>
-                    <a:p>
-                      <a:pPr algn="l" fontAlgn="b"/>
-                      <a:r>
-                        <a:rPr lang="en-US" sz="2100" u="none" strike="noStrike" dirty="0"/>
-                        <a:t>integer</a:t>
-                      </a:r>
-                      <a:endParaRPr lang="en-US" sz="2100" b="0" i="0" u="none" strike="noStrike" dirty="0">
-                        <a:solidFill>
-                          <a:srgbClr val="000000"/>
-                        </a:solidFill>
-                        <a:latin typeface="Calibri"/>
-                      </a:endParaRPr>
-                    </a:p>
-                  </a:txBody>
-                  <a:tcPr marL="9525" marR="9525" marT="9525" marB="0" anchor="b"/>
-                </a:tc>
-                <a:tc>
-                  <a:txBody>
-                    <a:bodyPr/>
-                    <a:lstStyle/>
-                    <a:p>
-                      <a:pPr algn="l" fontAlgn="b"/>
-                      <a:r>
-                        <a:rPr lang="en-US" sz="2100" u="none" strike="noStrike"/>
-                        <a:t>primary key</a:t>
-                      </a:r>
-                      <a:endParaRPr lang="en-US" sz="2100" b="0" i="0" u="none" strike="noStrike">
-                        <a:solidFill>
-                          <a:srgbClr val="000000"/>
-                        </a:solidFill>
-                        <a:latin typeface="Calibri"/>
-                      </a:endParaRPr>
-                    </a:p>
-                  </a:txBody>
-                  <a:tcPr marL="9525" marR="9525" marT="9525" marB="0" anchor="b"/>
-                </a:tc>
-              </a:tr>
-              <a:tr h="472440">
-                <a:tc>
-                  <a:txBody>
-                    <a:bodyPr/>
-                    <a:lstStyle/>
-                    <a:p>
-                      <a:pPr algn="l" fontAlgn="b"/>
-                      <a:r>
-                        <a:rPr lang="en-US" sz="2100" u="none" strike="noStrike"/>
-                        <a:t>requests</a:t>
-                      </a:r>
-                      <a:endParaRPr lang="en-US" sz="2100" b="0" i="0" u="none" strike="noStrike">
-                        <a:solidFill>
-                          <a:srgbClr val="000000"/>
-                        </a:solidFill>
-                        <a:latin typeface="Calibri"/>
-                      </a:endParaRPr>
-                    </a:p>
-                  </a:txBody>
-                  <a:tcPr marL="9525" marR="9525" marT="9525" marB="0" anchor="b"/>
-                </a:tc>
-                <a:tc>
-                  <a:txBody>
-                    <a:bodyPr/>
-                    <a:lstStyle/>
-                    <a:p>
-                      <a:pPr algn="l" fontAlgn="b"/>
-                      <a:r>
-                        <a:rPr lang="en-US" sz="2100" u="none" strike="noStrike" dirty="0" err="1"/>
-                        <a:t>varchar</a:t>
-                      </a:r>
-                      <a:r>
-                        <a:rPr lang="en-US" sz="2100" u="none" strike="noStrike" dirty="0"/>
-                        <a:t>(100)</a:t>
-                      </a:r>
-                      <a:endParaRPr lang="en-US" sz="2100" b="0" i="0" u="none" strike="noStrike" dirty="0">
-                        <a:solidFill>
-                          <a:srgbClr val="000000"/>
-                        </a:solidFill>
-                        <a:latin typeface="Calibri"/>
-                      </a:endParaRPr>
-                    </a:p>
-                  </a:txBody>
-                  <a:tcPr marL="9525" marR="9525" marT="9525" marB="0" anchor="b"/>
-                </a:tc>
-                <a:tc>
-                  <a:txBody>
-                    <a:bodyPr/>
-                    <a:lstStyle/>
-                    <a:p>
-                      <a:pPr algn="l" fontAlgn="b"/>
-                      <a:r>
-                        <a:rPr lang="en-US" sz="2100" u="none" strike="noStrike" dirty="0"/>
-                        <a:t> </a:t>
-                      </a:r>
-                      <a:endParaRPr lang="en-US" sz="2100" b="0" i="0" u="none" strike="noStrike" dirty="0">
-                        <a:solidFill>
-                          <a:srgbClr val="000000"/>
-                        </a:solidFill>
-                        <a:latin typeface="Calibri"/>
-                      </a:endParaRPr>
-                    </a:p>
-                  </a:txBody>
-                  <a:tcPr marL="9525" marR="9525" marT="9525" marB="0" anchor="b"/>
-                </a:tc>
-              </a:tr>
-              <a:tr h="472440">
-                <a:tc>
-                  <a:txBody>
-                    <a:bodyPr/>
-                    <a:lstStyle/>
-                    <a:p>
-                      <a:pPr algn="l" fontAlgn="b"/>
-                      <a:r>
-                        <a:rPr lang="en-US" sz="2100" u="none" strike="noStrike"/>
-                        <a:t>date</a:t>
-                      </a:r>
-                      <a:endParaRPr lang="en-US" sz="2100" b="0" i="0" u="none" strike="noStrike">
-                        <a:solidFill>
-                          <a:srgbClr val="000000"/>
-                        </a:solidFill>
-                        <a:latin typeface="Calibri"/>
-                      </a:endParaRPr>
-                    </a:p>
-                  </a:txBody>
-                  <a:tcPr marL="9525" marR="9525" marT="9525" marB="0" anchor="b"/>
-                </a:tc>
-                <a:tc>
-                  <a:txBody>
-                    <a:bodyPr/>
-                    <a:lstStyle/>
-                    <a:p>
-                      <a:pPr algn="l" fontAlgn="b"/>
-                      <a:r>
-                        <a:rPr lang="en-US" sz="2100" u="none" strike="noStrike" dirty="0"/>
-                        <a:t>integer</a:t>
-                      </a:r>
-                      <a:endParaRPr lang="en-US" sz="2100" b="0" i="0" u="none" strike="noStrike" dirty="0">
-                        <a:solidFill>
-                          <a:srgbClr val="000000"/>
-                        </a:solidFill>
-                        <a:latin typeface="Calibri"/>
-                      </a:endParaRPr>
-                    </a:p>
-                  </a:txBody>
-                  <a:tcPr marL="9525" marR="9525" marT="9525" marB="0" anchor="b"/>
-                </a:tc>
-                <a:tc>
-                  <a:txBody>
-                    <a:bodyPr/>
-                    <a:lstStyle/>
-                    <a:p>
-                      <a:pPr algn="l" fontAlgn="b"/>
-                      <a:r>
-                        <a:rPr lang="en-US" sz="2100" u="none" strike="noStrike" dirty="0"/>
-                        <a:t> </a:t>
-                      </a:r>
-                      <a:endParaRPr lang="en-US" sz="2100" b="0" i="0" u="none" strike="noStrike" dirty="0">
-                        <a:solidFill>
-                          <a:srgbClr val="000000"/>
-                        </a:solidFill>
-                        <a:latin typeface="Calibri"/>
-                      </a:endParaRPr>
-                    </a:p>
-                  </a:txBody>
-                  <a:tcPr marL="9525" marR="9525" marT="9525" marB="0" anchor="b"/>
-                </a:tc>
-              </a:tr>
-            </a:tbl>
-          </a:graphicData>
-        </a:graphic>
-      </p:graphicFrame>
-    </p:spTree>
-  </p:cSld>
-  <p:clrMapOvr>
-    <a:masterClrMapping/>
-  </p:clrMapOvr>
-</p:sld>
-</file>
-
-<file path=ppt/slides/slide52.xml><?xml version="1.0" encoding="utf-8"?>
-<p:sld xmlns:a="http://schemas.openxmlformats.org/drawingml/2006/main" xmlns:r="http://schemas.openxmlformats.org/officeDocument/2006/relationships" xmlns:p="http://schemas.openxmlformats.org/presentationml/2006/main">
-  <p:cSld>
-    <p:spTree>
-      <p:nvGrpSpPr>
-        <p:cNvPr id="1" name=""/>
-        <p:cNvGrpSpPr/>
-        <p:nvPr/>
-      </p:nvGrpSpPr>
-      <p:grpSpPr>
-        <a:xfrm>
-          <a:off x="0" y="0"/>
-          <a:ext cx="0" cy="0"/>
-          <a:chOff x="0" y="0"/>
-          <a:chExt cx="0" cy="0"/>
-        </a:xfrm>
-      </p:grpSpPr>
-      <p:graphicFrame>
-        <p:nvGraphicFramePr>
-          <p:cNvPr id="2" name="Table 1"/>
-          <p:cNvGraphicFramePr>
-            <a:graphicFrameLocks noGrp="1"/>
-          </p:cNvGraphicFramePr>
-          <p:nvPr/>
-        </p:nvGraphicFramePr>
-        <p:xfrm>
-          <a:off x="304800" y="1371600"/>
-          <a:ext cx="8534399" cy="3990108"/>
-        </p:xfrm>
-        <a:graphic>
-          <a:graphicData uri="http://schemas.openxmlformats.org/drawingml/2006/table">
-            <a:tbl>
-              <a:tblPr firstRow="1">
-                <a:tableStyleId>{3C2FFA5D-87B4-456A-9821-1D502468CF0F}</a:tableStyleId>
-              </a:tblPr>
-              <a:tblGrid>
-                <a:gridCol w="2844800"/>
-                <a:gridCol w="2844799"/>
-                <a:gridCol w="2844800"/>
-              </a:tblGrid>
-              <a:tr h="332509">
-                <a:tc gridSpan="3">
-                  <a:txBody>
-                    <a:bodyPr/>
-                    <a:lstStyle/>
-                    <a:p>
-                      <a:pPr algn="ctr" fontAlgn="b"/>
-                      <a:r>
-                        <a:rPr lang="en-US" sz="2100" b="1" u="none" strike="noStrike" dirty="0">
-                          <a:latin typeface="+mn-lt"/>
-                        </a:rPr>
-                        <a:t>tests</a:t>
-                      </a:r>
-                      <a:endParaRPr lang="en-US" sz="2100" b="1" i="0" u="none" strike="noStrike" dirty="0">
-                        <a:solidFill>
-                          <a:srgbClr val="000000"/>
-                        </a:solidFill>
-                        <a:latin typeface="+mn-lt"/>
-                      </a:endParaRPr>
-                    </a:p>
-                  </a:txBody>
-                  <a:tcPr marL="9525" marR="9525" marT="9525" marB="0" anchor="b"/>
-                </a:tc>
-                <a:tc hMerge="1">
-                  <a:txBody>
-                    <a:bodyPr/>
-                    <a:lstStyle/>
-                    <a:p>
-                      <a:endParaRPr lang="en-US"/>
-                    </a:p>
-                  </a:txBody>
-                  <a:tcPr/>
-                </a:tc>
-                <a:tc hMerge="1">
-                  <a:txBody>
-                    <a:bodyPr/>
-                    <a:lstStyle/>
-                    <a:p>
-                      <a:endParaRPr lang="en-US"/>
-                    </a:p>
-                  </a:txBody>
-                  <a:tcPr/>
-                </a:tc>
-              </a:tr>
-              <a:tr h="332509">
-                <a:tc>
-                  <a:txBody>
-                    <a:bodyPr/>
-                    <a:lstStyle/>
-                    <a:p>
-                      <a:pPr algn="ctr" fontAlgn="b"/>
-                      <a:r>
-                        <a:rPr lang="en-US" sz="2100" b="1" i="0" u="none" strike="noStrike" dirty="0" smtClean="0">
-                          <a:solidFill>
-                            <a:srgbClr val="000000"/>
-                          </a:solidFill>
-                          <a:latin typeface="+mn-lt"/>
-                        </a:rPr>
-                        <a:t>column name</a:t>
-                      </a:r>
-                      <a:endParaRPr lang="en-US" sz="2100" b="1" i="0" u="none" strike="noStrike" dirty="0">
-                        <a:solidFill>
-                          <a:srgbClr val="000000"/>
-                        </a:solidFill>
-                        <a:latin typeface="+mn-lt"/>
-                      </a:endParaRPr>
-                    </a:p>
-                  </a:txBody>
-                  <a:tcPr marL="9525" marR="9525" marT="9525" marB="0" anchor="b"/>
-                </a:tc>
-                <a:tc>
-                  <a:txBody>
-                    <a:bodyPr/>
-                    <a:lstStyle/>
-                    <a:p>
-                      <a:pPr algn="ctr" fontAlgn="b"/>
-                      <a:r>
-                        <a:rPr lang="en-US" sz="2100" b="1" i="0" u="none" strike="noStrike" dirty="0" smtClean="0">
-                          <a:solidFill>
-                            <a:srgbClr val="000000"/>
-                          </a:solidFill>
-                          <a:latin typeface="+mn-lt"/>
-                        </a:rPr>
-                        <a:t>data type</a:t>
-                      </a:r>
-                      <a:endParaRPr lang="en-US" sz="2100" b="1" i="0" u="none" strike="noStrike" dirty="0">
-                        <a:solidFill>
-                          <a:srgbClr val="000000"/>
-                        </a:solidFill>
-                        <a:latin typeface="+mn-lt"/>
-                      </a:endParaRPr>
-                    </a:p>
-                  </a:txBody>
-                  <a:tcPr marL="9525" marR="9525" marT="9525" marB="0" anchor="b"/>
-                </a:tc>
-                <a:tc>
-                  <a:txBody>
-                    <a:bodyPr/>
-                    <a:lstStyle/>
-                    <a:p>
-                      <a:pPr algn="ctr" fontAlgn="b"/>
-                      <a:r>
-                        <a:rPr lang="en-US" sz="2100" b="1" i="0" u="none" strike="noStrike" dirty="0" smtClean="0">
-                          <a:solidFill>
-                            <a:srgbClr val="000000"/>
-                          </a:solidFill>
-                          <a:latin typeface="+mn-lt"/>
-                        </a:rPr>
-                        <a:t>constraint</a:t>
-                      </a:r>
-                      <a:endParaRPr lang="en-US" sz="2100" b="1" i="0" u="none" strike="noStrike" dirty="0">
-                        <a:solidFill>
-                          <a:srgbClr val="000000"/>
-                        </a:solidFill>
-                        <a:latin typeface="+mn-lt"/>
-                      </a:endParaRPr>
-                    </a:p>
-                  </a:txBody>
-                  <a:tcPr marL="9525" marR="9525" marT="9525" marB="0" anchor="b"/>
-                </a:tc>
-              </a:tr>
-              <a:tr h="332509">
-                <a:tc>
-                  <a:txBody>
-                    <a:bodyPr/>
-                    <a:lstStyle/>
-                    <a:p>
-                      <a:pPr algn="l" fontAlgn="b"/>
-                      <a:r>
-                        <a:rPr lang="en-US" sz="2100" u="none" strike="noStrike">
-                          <a:latin typeface="+mn-lt"/>
-                        </a:rPr>
-                        <a:t>test number</a:t>
-                      </a:r>
-                      <a:endParaRPr lang="en-US" sz="2100" b="0" i="0" u="none" strike="noStrike">
-                        <a:solidFill>
-                          <a:srgbClr val="000000"/>
-                        </a:solidFill>
-                        <a:latin typeface="+mn-lt"/>
-                      </a:endParaRPr>
-                    </a:p>
-                  </a:txBody>
-                  <a:tcPr marL="9525" marR="9525" marT="9525" marB="0" anchor="b"/>
-                </a:tc>
-                <a:tc>
-                  <a:txBody>
-                    <a:bodyPr/>
-                    <a:lstStyle/>
-                    <a:p>
-                      <a:pPr algn="l" fontAlgn="b"/>
-                      <a:r>
-                        <a:rPr lang="en-US" sz="2100" u="none" strike="noStrike" dirty="0" err="1">
-                          <a:latin typeface="+mn-lt"/>
-                        </a:rPr>
-                        <a:t>varchar</a:t>
-                      </a:r>
-                      <a:r>
-                        <a:rPr lang="en-US" sz="2100" u="none" strike="noStrike" dirty="0">
-                          <a:latin typeface="+mn-lt"/>
-                        </a:rPr>
-                        <a:t>(6)</a:t>
-                      </a:r>
-                      <a:endParaRPr lang="en-US" sz="2100" b="0" i="0" u="none" strike="noStrike" dirty="0">
-                        <a:solidFill>
-                          <a:srgbClr val="000000"/>
-                        </a:solidFill>
-                        <a:latin typeface="+mn-lt"/>
-                      </a:endParaRPr>
-                    </a:p>
-                  </a:txBody>
-                  <a:tcPr marL="9525" marR="9525" marT="9525" marB="0" anchor="b"/>
-                </a:tc>
-                <a:tc rowSpan="3">
-                  <a:txBody>
-                    <a:bodyPr/>
-                    <a:lstStyle/>
-                    <a:p>
-                      <a:pPr algn="ctr" fontAlgn="ctr"/>
-                      <a:r>
-                        <a:rPr lang="en-US" sz="2100" u="none" strike="noStrike">
-                          <a:latin typeface="+mn-lt"/>
-                        </a:rPr>
-                        <a:t>composite key</a:t>
-                      </a:r>
-                      <a:endParaRPr lang="en-US" sz="2100" b="0" i="0" u="none" strike="noStrike">
-                        <a:solidFill>
-                          <a:srgbClr val="000000"/>
-                        </a:solidFill>
-                        <a:latin typeface="+mn-lt"/>
-                      </a:endParaRPr>
-                    </a:p>
-                  </a:txBody>
-                  <a:tcPr marL="9525" marR="9525" marT="9525" marB="0" anchor="ctr"/>
-                </a:tc>
-              </a:tr>
-              <a:tr h="332509">
-                <a:tc>
-                  <a:txBody>
-                    <a:bodyPr/>
-                    <a:lstStyle/>
-                    <a:p>
-                      <a:pPr algn="l" fontAlgn="b"/>
-                      <a:r>
-                        <a:rPr lang="en-US" sz="2100" u="none" strike="noStrike">
-                          <a:latin typeface="+mn-lt"/>
-                        </a:rPr>
-                        <a:t>content id</a:t>
-                      </a:r>
-                      <a:endParaRPr lang="en-US" sz="2100" b="0" i="0" u="none" strike="noStrike">
-                        <a:solidFill>
-                          <a:srgbClr val="000000"/>
-                        </a:solidFill>
-                        <a:latin typeface="+mn-lt"/>
-                      </a:endParaRPr>
-                    </a:p>
-                  </a:txBody>
-                  <a:tcPr marL="9525" marR="9525" marT="9525" marB="0" anchor="b"/>
-                </a:tc>
-                <a:tc>
-                  <a:txBody>
-                    <a:bodyPr/>
-                    <a:lstStyle/>
-                    <a:p>
-                      <a:pPr algn="l" fontAlgn="b"/>
-                      <a:r>
-                        <a:rPr lang="en-US" sz="2100" u="none" strike="noStrike">
-                          <a:latin typeface="+mn-lt"/>
-                        </a:rPr>
-                        <a:t>integer</a:t>
-                      </a:r>
-                      <a:endParaRPr lang="en-US" sz="2100" b="0" i="0" u="none" strike="noStrike">
-                        <a:solidFill>
-                          <a:srgbClr val="000000"/>
-                        </a:solidFill>
-                        <a:latin typeface="+mn-lt"/>
-                      </a:endParaRPr>
-                    </a:p>
-                  </a:txBody>
-                  <a:tcPr marL="9525" marR="9525" marT="9525" marB="0" anchor="b"/>
-                </a:tc>
-                <a:tc vMerge="1">
-                  <a:txBody>
-                    <a:bodyPr/>
-                    <a:lstStyle/>
-                    <a:p>
-                      <a:endParaRPr lang="en-US"/>
-                    </a:p>
-                  </a:txBody>
-                  <a:tcPr/>
-                </a:tc>
-              </a:tr>
-              <a:tr h="332509">
-                <a:tc>
-                  <a:txBody>
-                    <a:bodyPr/>
-                    <a:lstStyle/>
-                    <a:p>
-                      <a:pPr algn="l" fontAlgn="b"/>
-                      <a:r>
-                        <a:rPr lang="en-US" sz="2100" u="none" strike="noStrike" dirty="0" err="1">
-                          <a:latin typeface="+mn-lt"/>
-                        </a:rPr>
-                        <a:t>question_num</a:t>
-                      </a:r>
-                      <a:endParaRPr lang="en-US" sz="2100" b="0" i="0" u="none" strike="noStrike" dirty="0">
-                        <a:solidFill>
-                          <a:srgbClr val="000000"/>
-                        </a:solidFill>
-                        <a:latin typeface="+mn-lt"/>
-                      </a:endParaRPr>
-                    </a:p>
-                  </a:txBody>
-                  <a:tcPr marL="9525" marR="9525" marT="9525" marB="0" anchor="b"/>
-                </a:tc>
-                <a:tc>
-                  <a:txBody>
-                    <a:bodyPr/>
-                    <a:lstStyle/>
-                    <a:p>
-                      <a:pPr algn="l" fontAlgn="b"/>
-                      <a:r>
-                        <a:rPr lang="en-US" sz="2100" u="none" strike="noStrike">
-                          <a:latin typeface="+mn-lt"/>
-                        </a:rPr>
-                        <a:t>integer</a:t>
-                      </a:r>
-                      <a:endParaRPr lang="en-US" sz="2100" b="0" i="0" u="none" strike="noStrike">
-                        <a:solidFill>
-                          <a:srgbClr val="000000"/>
-                        </a:solidFill>
-                        <a:latin typeface="+mn-lt"/>
-                      </a:endParaRPr>
-                    </a:p>
-                  </a:txBody>
-                  <a:tcPr marL="9525" marR="9525" marT="9525" marB="0" anchor="b"/>
-                </a:tc>
-                <a:tc vMerge="1">
-                  <a:txBody>
-                    <a:bodyPr/>
-                    <a:lstStyle/>
-                    <a:p>
-                      <a:endParaRPr lang="en-US"/>
-                    </a:p>
-                  </a:txBody>
-                  <a:tcPr/>
-                </a:tc>
-              </a:tr>
-              <a:tr h="332509">
-                <a:tc>
-                  <a:txBody>
-                    <a:bodyPr/>
-                    <a:lstStyle/>
-                    <a:p>
-                      <a:pPr algn="l" fontAlgn="b"/>
-                      <a:r>
-                        <a:rPr lang="en-US" sz="2100" u="none" strike="noStrike">
-                          <a:latin typeface="+mn-lt"/>
-                        </a:rPr>
-                        <a:t>question</a:t>
-                      </a:r>
-                      <a:endParaRPr lang="en-US" sz="2100" b="0" i="0" u="none" strike="noStrike">
-                        <a:solidFill>
-                          <a:srgbClr val="000000"/>
-                        </a:solidFill>
-                        <a:latin typeface="+mn-lt"/>
-                      </a:endParaRPr>
-                    </a:p>
-                  </a:txBody>
-                  <a:tcPr marL="9525" marR="9525" marT="9525" marB="0" anchor="b"/>
-                </a:tc>
-                <a:tc>
-                  <a:txBody>
-                    <a:bodyPr/>
-                    <a:lstStyle/>
-                    <a:p>
-                      <a:pPr algn="l" fontAlgn="b"/>
-                      <a:r>
-                        <a:rPr lang="en-US" sz="2100" u="none" strike="noStrike">
-                          <a:latin typeface="+mn-lt"/>
-                        </a:rPr>
-                        <a:t>varchar(100)</a:t>
-                      </a:r>
-                      <a:endParaRPr lang="en-US" sz="2100" b="0" i="0" u="none" strike="noStrike">
-                        <a:solidFill>
-                          <a:srgbClr val="000000"/>
-                        </a:solidFill>
-                        <a:latin typeface="+mn-lt"/>
-                      </a:endParaRPr>
-                    </a:p>
-                  </a:txBody>
-                  <a:tcPr marL="9525" marR="9525" marT="9525" marB="0" anchor="b"/>
-                </a:tc>
-                <a:tc>
-                  <a:txBody>
-                    <a:bodyPr/>
-                    <a:lstStyle/>
-                    <a:p>
-                      <a:pPr algn="l" fontAlgn="b"/>
-                      <a:r>
-                        <a:rPr lang="en-US" sz="2100" u="none" strike="noStrike">
-                          <a:latin typeface="+mn-lt"/>
-                        </a:rPr>
-                        <a:t> </a:t>
-                      </a:r>
-                      <a:endParaRPr lang="en-US" sz="2100" b="0" i="0" u="none" strike="noStrike">
-                        <a:solidFill>
-                          <a:srgbClr val="000000"/>
-                        </a:solidFill>
-                        <a:latin typeface="+mn-lt"/>
-                      </a:endParaRPr>
-                    </a:p>
-                  </a:txBody>
-                  <a:tcPr marL="9525" marR="9525" marT="9525" marB="0" anchor="b"/>
-                </a:tc>
-              </a:tr>
-              <a:tr h="332509">
-                <a:tc>
-                  <a:txBody>
-                    <a:bodyPr/>
-                    <a:lstStyle/>
-                    <a:p>
-                      <a:pPr algn="l" fontAlgn="b"/>
-                      <a:r>
-                        <a:rPr lang="en-US" sz="2100" u="none" strike="noStrike">
-                          <a:latin typeface="+mn-lt"/>
-                        </a:rPr>
-                        <a:t>option a</a:t>
-                      </a:r>
-                      <a:endParaRPr lang="en-US" sz="2100" b="0" i="0" u="none" strike="noStrike">
-                        <a:solidFill>
-                          <a:srgbClr val="000000"/>
-                        </a:solidFill>
-                        <a:latin typeface="+mn-lt"/>
-                      </a:endParaRPr>
-                    </a:p>
-                  </a:txBody>
-                  <a:tcPr marL="9525" marR="9525" marT="9525" marB="0" anchor="b"/>
-                </a:tc>
-                <a:tc>
-                  <a:txBody>
-                    <a:bodyPr/>
-                    <a:lstStyle/>
-                    <a:p>
-                      <a:pPr algn="l" fontAlgn="b"/>
-                      <a:r>
-                        <a:rPr lang="en-US" sz="2100" u="none" strike="noStrike">
-                          <a:latin typeface="+mn-lt"/>
-                        </a:rPr>
-                        <a:t>varchar(50)</a:t>
-                      </a:r>
-                      <a:endParaRPr lang="en-US" sz="2100" b="0" i="0" u="none" strike="noStrike">
-                        <a:solidFill>
-                          <a:srgbClr val="000000"/>
-                        </a:solidFill>
-                        <a:latin typeface="+mn-lt"/>
-                      </a:endParaRPr>
-                    </a:p>
-                  </a:txBody>
-                  <a:tcPr marL="9525" marR="9525" marT="9525" marB="0" anchor="b"/>
-                </a:tc>
-                <a:tc>
-                  <a:txBody>
-                    <a:bodyPr/>
-                    <a:lstStyle/>
-                    <a:p>
-                      <a:pPr algn="l" fontAlgn="b"/>
-                      <a:r>
-                        <a:rPr lang="en-US" sz="2100" u="none" strike="noStrike">
-                          <a:latin typeface="+mn-lt"/>
-                        </a:rPr>
-                        <a:t> </a:t>
-                      </a:r>
-                      <a:endParaRPr lang="en-US" sz="2100" b="0" i="0" u="none" strike="noStrike">
-                        <a:solidFill>
-                          <a:srgbClr val="000000"/>
-                        </a:solidFill>
-                        <a:latin typeface="+mn-lt"/>
-                      </a:endParaRPr>
-                    </a:p>
-                  </a:txBody>
-                  <a:tcPr marL="9525" marR="9525" marT="9525" marB="0" anchor="b"/>
-                </a:tc>
-              </a:tr>
-              <a:tr h="332509">
-                <a:tc>
-                  <a:txBody>
-                    <a:bodyPr/>
-                    <a:lstStyle/>
-                    <a:p>
-                      <a:pPr algn="l" fontAlgn="b"/>
-                      <a:r>
-                        <a:rPr lang="en-US" sz="2100" u="none" strike="noStrike">
-                          <a:latin typeface="+mn-lt"/>
-                        </a:rPr>
-                        <a:t>option b</a:t>
-                      </a:r>
-                      <a:endParaRPr lang="en-US" sz="2100" b="0" i="0" u="none" strike="noStrike">
-                        <a:solidFill>
-                          <a:srgbClr val="000000"/>
-                        </a:solidFill>
-                        <a:latin typeface="+mn-lt"/>
-                      </a:endParaRPr>
-                    </a:p>
-                  </a:txBody>
-                  <a:tcPr marL="9525" marR="9525" marT="9525" marB="0" anchor="b"/>
-                </a:tc>
-                <a:tc>
-                  <a:txBody>
-                    <a:bodyPr/>
-                    <a:lstStyle/>
-                    <a:p>
-                      <a:pPr algn="l" fontAlgn="b"/>
-                      <a:r>
-                        <a:rPr lang="en-US" sz="2100" u="none" strike="noStrike">
-                          <a:latin typeface="+mn-lt"/>
-                        </a:rPr>
-                        <a:t>varchar(50)</a:t>
-                      </a:r>
-                      <a:endParaRPr lang="en-US" sz="2100" b="0" i="0" u="none" strike="noStrike">
-                        <a:solidFill>
-                          <a:srgbClr val="000000"/>
-                        </a:solidFill>
-                        <a:latin typeface="+mn-lt"/>
-                      </a:endParaRPr>
-                    </a:p>
-                  </a:txBody>
-                  <a:tcPr marL="9525" marR="9525" marT="9525" marB="0" anchor="b"/>
-                </a:tc>
-                <a:tc>
-                  <a:txBody>
-                    <a:bodyPr/>
-                    <a:lstStyle/>
-                    <a:p>
-                      <a:pPr algn="l" fontAlgn="b"/>
-                      <a:r>
-                        <a:rPr lang="en-US" sz="2100" u="none" strike="noStrike">
-                          <a:latin typeface="+mn-lt"/>
-                        </a:rPr>
-                        <a:t> </a:t>
-                      </a:r>
-                      <a:endParaRPr lang="en-US" sz="2100" b="0" i="0" u="none" strike="noStrike">
-                        <a:solidFill>
-                          <a:srgbClr val="000000"/>
-                        </a:solidFill>
-                        <a:latin typeface="+mn-lt"/>
-                      </a:endParaRPr>
-                    </a:p>
-                  </a:txBody>
-                  <a:tcPr marL="9525" marR="9525" marT="9525" marB="0" anchor="b"/>
-                </a:tc>
-              </a:tr>
-              <a:tr h="332509">
-                <a:tc>
-                  <a:txBody>
-                    <a:bodyPr/>
-                    <a:lstStyle/>
-                    <a:p>
-                      <a:pPr algn="l" fontAlgn="b"/>
-                      <a:r>
-                        <a:rPr lang="en-US" sz="2100" u="none" strike="noStrike">
-                          <a:latin typeface="+mn-lt"/>
-                        </a:rPr>
-                        <a:t>option c</a:t>
-                      </a:r>
-                      <a:endParaRPr lang="en-US" sz="2100" b="0" i="0" u="none" strike="noStrike">
-                        <a:solidFill>
-                          <a:srgbClr val="000000"/>
-                        </a:solidFill>
-                        <a:latin typeface="+mn-lt"/>
-                      </a:endParaRPr>
-                    </a:p>
-                  </a:txBody>
-                  <a:tcPr marL="9525" marR="9525" marT="9525" marB="0" anchor="b"/>
-                </a:tc>
-                <a:tc>
-                  <a:txBody>
-                    <a:bodyPr/>
-                    <a:lstStyle/>
-                    <a:p>
-                      <a:pPr algn="l" fontAlgn="b"/>
-                      <a:r>
-                        <a:rPr lang="en-US" sz="2100" u="none" strike="noStrike">
-                          <a:latin typeface="+mn-lt"/>
-                        </a:rPr>
-                        <a:t>varchar(50)</a:t>
-                      </a:r>
-                      <a:endParaRPr lang="en-US" sz="2100" b="0" i="0" u="none" strike="noStrike">
-                        <a:solidFill>
-                          <a:srgbClr val="000000"/>
-                        </a:solidFill>
-                        <a:latin typeface="+mn-lt"/>
-                      </a:endParaRPr>
-                    </a:p>
-                  </a:txBody>
-                  <a:tcPr marL="9525" marR="9525" marT="9525" marB="0" anchor="b"/>
-                </a:tc>
-                <a:tc>
-                  <a:txBody>
-                    <a:bodyPr/>
-                    <a:lstStyle/>
-                    <a:p>
-                      <a:pPr algn="l" fontAlgn="b"/>
-                      <a:r>
-                        <a:rPr lang="en-US" sz="2100" u="none" strike="noStrike">
-                          <a:latin typeface="+mn-lt"/>
-                        </a:rPr>
-                        <a:t> </a:t>
-                      </a:r>
-                      <a:endParaRPr lang="en-US" sz="2100" b="0" i="0" u="none" strike="noStrike">
-                        <a:solidFill>
-                          <a:srgbClr val="000000"/>
-                        </a:solidFill>
-                        <a:latin typeface="+mn-lt"/>
-                      </a:endParaRPr>
-                    </a:p>
-                  </a:txBody>
-                  <a:tcPr marL="9525" marR="9525" marT="9525" marB="0" anchor="b"/>
-                </a:tc>
-              </a:tr>
-              <a:tr h="332509">
-                <a:tc>
-                  <a:txBody>
-                    <a:bodyPr/>
-                    <a:lstStyle/>
-                    <a:p>
-                      <a:pPr algn="l" fontAlgn="b"/>
-                      <a:r>
-                        <a:rPr lang="en-US" sz="2100" u="none" strike="noStrike">
-                          <a:latin typeface="+mn-lt"/>
-                        </a:rPr>
-                        <a:t>option d</a:t>
-                      </a:r>
-                      <a:endParaRPr lang="en-US" sz="2100" b="0" i="0" u="none" strike="noStrike">
-                        <a:solidFill>
-                          <a:srgbClr val="000000"/>
-                        </a:solidFill>
-                        <a:latin typeface="+mn-lt"/>
-                      </a:endParaRPr>
-                    </a:p>
-                  </a:txBody>
-                  <a:tcPr marL="9525" marR="9525" marT="9525" marB="0" anchor="b"/>
-                </a:tc>
-                <a:tc>
-                  <a:txBody>
-                    <a:bodyPr/>
-                    <a:lstStyle/>
-                    <a:p>
-                      <a:pPr algn="l" fontAlgn="b"/>
-                      <a:r>
-                        <a:rPr lang="en-US" sz="2100" u="none" strike="noStrike">
-                          <a:latin typeface="+mn-lt"/>
-                        </a:rPr>
-                        <a:t>varchar(50)</a:t>
-                      </a:r>
-                      <a:endParaRPr lang="en-US" sz="2100" b="0" i="0" u="none" strike="noStrike">
-                        <a:solidFill>
-                          <a:srgbClr val="000000"/>
-                        </a:solidFill>
-                        <a:latin typeface="+mn-lt"/>
-                      </a:endParaRPr>
-                    </a:p>
-                  </a:txBody>
-                  <a:tcPr marL="9525" marR="9525" marT="9525" marB="0" anchor="b"/>
-                </a:tc>
-                <a:tc>
-                  <a:txBody>
-                    <a:bodyPr/>
-                    <a:lstStyle/>
-                    <a:p>
-                      <a:pPr algn="l" fontAlgn="b"/>
-                      <a:r>
-                        <a:rPr lang="en-US" sz="2100" u="none" strike="noStrike">
-                          <a:latin typeface="+mn-lt"/>
-                        </a:rPr>
-                        <a:t> </a:t>
-                      </a:r>
-                      <a:endParaRPr lang="en-US" sz="2100" b="0" i="0" u="none" strike="noStrike">
-                        <a:solidFill>
-                          <a:srgbClr val="000000"/>
-                        </a:solidFill>
-                        <a:latin typeface="+mn-lt"/>
-                      </a:endParaRPr>
-                    </a:p>
-                  </a:txBody>
-                  <a:tcPr marL="9525" marR="9525" marT="9525" marB="0" anchor="b"/>
-                </a:tc>
-              </a:tr>
-              <a:tr h="332509">
-                <a:tc>
-                  <a:txBody>
-                    <a:bodyPr/>
-                    <a:lstStyle/>
-                    <a:p>
-                      <a:pPr algn="l" fontAlgn="b"/>
-                      <a:r>
-                        <a:rPr lang="en-US" sz="2100" u="none" strike="noStrike">
-                          <a:latin typeface="+mn-lt"/>
-                        </a:rPr>
-                        <a:t>answer option</a:t>
-                      </a:r>
-                      <a:endParaRPr lang="en-US" sz="2100" b="0" i="0" u="none" strike="noStrike">
-                        <a:solidFill>
-                          <a:srgbClr val="000000"/>
-                        </a:solidFill>
-                        <a:latin typeface="+mn-lt"/>
-                      </a:endParaRPr>
-                    </a:p>
-                  </a:txBody>
-                  <a:tcPr marL="9525" marR="9525" marT="9525" marB="0" anchor="b"/>
-                </a:tc>
-                <a:tc>
-                  <a:txBody>
-                    <a:bodyPr/>
-                    <a:lstStyle/>
-                    <a:p>
-                      <a:pPr algn="l" fontAlgn="b"/>
-                      <a:r>
-                        <a:rPr lang="en-US" sz="2100" u="none" strike="noStrike">
-                          <a:latin typeface="+mn-lt"/>
-                        </a:rPr>
-                        <a:t>char(1)</a:t>
-                      </a:r>
-                      <a:endParaRPr lang="en-US" sz="2100" b="0" i="0" u="none" strike="noStrike">
-                        <a:solidFill>
-                          <a:srgbClr val="000000"/>
-                        </a:solidFill>
-                        <a:latin typeface="+mn-lt"/>
-                      </a:endParaRPr>
-                    </a:p>
-                  </a:txBody>
-                  <a:tcPr marL="9525" marR="9525" marT="9525" marB="0" anchor="b"/>
-                </a:tc>
-                <a:tc>
-                  <a:txBody>
-                    <a:bodyPr/>
-                    <a:lstStyle/>
-                    <a:p>
-                      <a:pPr algn="l" fontAlgn="b"/>
-                      <a:r>
-                        <a:rPr lang="en-US" sz="2100" u="none" strike="noStrike">
-                          <a:latin typeface="+mn-lt"/>
-                        </a:rPr>
-                        <a:t> </a:t>
-                      </a:r>
-                      <a:endParaRPr lang="en-US" sz="2100" b="0" i="0" u="none" strike="noStrike">
-                        <a:solidFill>
-                          <a:srgbClr val="000000"/>
-                        </a:solidFill>
-                        <a:latin typeface="+mn-lt"/>
-                      </a:endParaRPr>
-                    </a:p>
-                  </a:txBody>
-                  <a:tcPr marL="9525" marR="9525" marT="9525" marB="0" anchor="b"/>
-                </a:tc>
-              </a:tr>
-              <a:tr h="332509">
-                <a:tc>
-                  <a:txBody>
-                    <a:bodyPr/>
-                    <a:lstStyle/>
-                    <a:p>
-                      <a:pPr algn="l" fontAlgn="b"/>
-                      <a:r>
-                        <a:rPr lang="en-US" sz="2100" u="none" strike="noStrike">
-                          <a:latin typeface="+mn-lt"/>
-                        </a:rPr>
-                        <a:t>dificulty level</a:t>
-                      </a:r>
-                      <a:endParaRPr lang="en-US" sz="2100" b="0" i="0" u="none" strike="noStrike">
-                        <a:solidFill>
-                          <a:srgbClr val="000000"/>
-                        </a:solidFill>
-                        <a:latin typeface="+mn-lt"/>
-                      </a:endParaRPr>
-                    </a:p>
-                  </a:txBody>
-                  <a:tcPr marL="9525" marR="9525" marT="9525" marB="0" anchor="b"/>
-                </a:tc>
-                <a:tc>
-                  <a:txBody>
-                    <a:bodyPr/>
-                    <a:lstStyle/>
-                    <a:p>
-                      <a:pPr algn="l" fontAlgn="b"/>
-                      <a:r>
-                        <a:rPr lang="en-US" sz="2100" u="none" strike="noStrike">
-                          <a:latin typeface="+mn-lt"/>
-                        </a:rPr>
-                        <a:t>integer</a:t>
-                      </a:r>
-                      <a:endParaRPr lang="en-US" sz="2100" b="0" i="0" u="none" strike="noStrike">
-                        <a:solidFill>
-                          <a:srgbClr val="000000"/>
-                        </a:solidFill>
-                        <a:latin typeface="+mn-lt"/>
-                      </a:endParaRPr>
-                    </a:p>
-                  </a:txBody>
-                  <a:tcPr marL="9525" marR="9525" marT="9525" marB="0" anchor="b"/>
-                </a:tc>
-                <a:tc>
-                  <a:txBody>
-                    <a:bodyPr/>
-                    <a:lstStyle/>
-                    <a:p>
-                      <a:pPr algn="l" fontAlgn="b"/>
-                      <a:r>
-                        <a:rPr lang="en-US" sz="2100" u="none" strike="noStrike" dirty="0">
-                          <a:latin typeface="+mn-lt"/>
-                        </a:rPr>
-                        <a:t> </a:t>
-                      </a:r>
-                      <a:endParaRPr lang="en-US" sz="2100" b="0" i="0" u="none" strike="noStrike" dirty="0">
-                        <a:solidFill>
-                          <a:srgbClr val="000000"/>
-                        </a:solidFill>
-                        <a:latin typeface="+mn-lt"/>
-                      </a:endParaRPr>
-                    </a:p>
-                  </a:txBody>
-                  <a:tcPr marL="9525" marR="9525" marT="9525" marB="0" anchor="b"/>
-                </a:tc>
-              </a:tr>
-            </a:tbl>
-          </a:graphicData>
-        </a:graphic>
-      </p:graphicFrame>
-    </p:spTree>
-  </p:cSld>
-  <p:clrMapOvr>
-    <a:masterClrMapping/>
-  </p:clrMapOvr>
-</p:sld>
-</file>
-
-<file path=ppt/slides/slide53.xml><?xml version="1.0" encoding="utf-8"?>
-<p:sld xmlns:a="http://schemas.openxmlformats.org/drawingml/2006/main" xmlns:r="http://schemas.openxmlformats.org/officeDocument/2006/relationships" xmlns:p="http://schemas.openxmlformats.org/presentationml/2006/main">
-  <p:cSld>
-    <p:spTree>
-      <p:nvGrpSpPr>
-        <p:cNvPr id="1" name=""/>
-        <p:cNvGrpSpPr/>
-        <p:nvPr/>
-      </p:nvGrpSpPr>
-      <p:grpSpPr>
-        <a:xfrm>
-          <a:off x="0" y="0"/>
-          <a:ext cx="0" cy="0"/>
-          <a:chOff x="0" y="0"/>
-          <a:chExt cx="0" cy="0"/>
-        </a:xfrm>
-      </p:grpSpPr>
-      <p:graphicFrame>
-        <p:nvGraphicFramePr>
-          <p:cNvPr id="2" name="Table 1"/>
-          <p:cNvGraphicFramePr>
-            <a:graphicFrameLocks noGrp="1"/>
-          </p:cNvGraphicFramePr>
-          <p:nvPr/>
-        </p:nvGraphicFramePr>
-        <p:xfrm>
-          <a:off x="914400" y="1524000"/>
-          <a:ext cx="6959599" cy="3162299"/>
-        </p:xfrm>
-        <a:graphic>
-          <a:graphicData uri="http://schemas.openxmlformats.org/drawingml/2006/table">
-            <a:tbl>
-              <a:tblPr firstRow="1">
-                <a:tableStyleId>{3C2FFA5D-87B4-456A-9821-1D502468CF0F}</a:tableStyleId>
-              </a:tblPr>
-              <a:tblGrid>
-                <a:gridCol w="2565680"/>
-                <a:gridCol w="1935783"/>
-                <a:gridCol w="2458136"/>
-              </a:tblGrid>
-              <a:tr h="451757">
-                <a:tc gridSpan="3">
-                  <a:txBody>
-                    <a:bodyPr/>
-                    <a:lstStyle/>
-                    <a:p>
-                      <a:pPr algn="ctr" fontAlgn="b"/>
-                      <a:r>
-                        <a:rPr lang="en-US" sz="2100" b="1" u="none" strike="noStrike" dirty="0"/>
-                        <a:t>payment</a:t>
-                      </a:r>
-                      <a:endParaRPr lang="en-US" sz="2100" b="1" i="0" u="none" strike="noStrike" dirty="0">
-                        <a:solidFill>
-                          <a:srgbClr val="000000"/>
-                        </a:solidFill>
-                        <a:latin typeface="Calibri"/>
-                      </a:endParaRPr>
-                    </a:p>
-                  </a:txBody>
-                  <a:tcPr marL="9525" marR="9525" marT="9525" marB="0" anchor="b"/>
-                </a:tc>
-                <a:tc hMerge="1">
-                  <a:txBody>
-                    <a:bodyPr/>
-                    <a:lstStyle/>
-                    <a:p>
-                      <a:endParaRPr lang="en-US"/>
-                    </a:p>
-                  </a:txBody>
-                  <a:tcPr/>
-                </a:tc>
-                <a:tc hMerge="1">
-                  <a:txBody>
-                    <a:bodyPr/>
-                    <a:lstStyle/>
-                    <a:p>
-                      <a:endParaRPr lang="en-US"/>
-                    </a:p>
-                  </a:txBody>
-                  <a:tcPr/>
-                </a:tc>
-              </a:tr>
-              <a:tr h="451757">
-                <a:tc>
-                  <a:txBody>
-                    <a:bodyPr/>
-                    <a:lstStyle/>
-                    <a:p>
-                      <a:pPr algn="l" fontAlgn="b"/>
-                      <a:r>
-                        <a:rPr lang="en-US" sz="2100" b="1" u="none" strike="noStrike" dirty="0"/>
-                        <a:t>column name</a:t>
-                      </a:r>
-                      <a:endParaRPr lang="en-US" sz="2100" b="1" i="0" u="none" strike="noStrike" dirty="0">
-                        <a:solidFill>
-                          <a:srgbClr val="000000"/>
-                        </a:solidFill>
-                        <a:latin typeface="Calibri"/>
-                      </a:endParaRPr>
-                    </a:p>
-                  </a:txBody>
-                  <a:tcPr marL="9525" marR="9525" marT="9525" marB="0" anchor="b"/>
-                </a:tc>
-                <a:tc>
-                  <a:txBody>
-                    <a:bodyPr/>
-                    <a:lstStyle/>
-                    <a:p>
-                      <a:pPr algn="l" fontAlgn="b"/>
-                      <a:r>
-                        <a:rPr lang="en-US" sz="2100" b="1" u="none" strike="noStrike"/>
-                        <a:t>data type</a:t>
-                      </a:r>
-                      <a:endParaRPr lang="en-US" sz="2100" b="1" i="0" u="none" strike="noStrike">
-                        <a:solidFill>
-                          <a:srgbClr val="000000"/>
-                        </a:solidFill>
-                        <a:latin typeface="Calibri"/>
-                      </a:endParaRPr>
-                    </a:p>
-                  </a:txBody>
-                  <a:tcPr marL="9525" marR="9525" marT="9525" marB="0" anchor="b"/>
-                </a:tc>
-                <a:tc>
-                  <a:txBody>
-                    <a:bodyPr/>
-                    <a:lstStyle/>
-                    <a:p>
-                      <a:pPr algn="l" fontAlgn="b"/>
-                      <a:r>
-                        <a:rPr lang="en-US" sz="2100" b="1" u="none" strike="noStrike" dirty="0"/>
-                        <a:t>constraint</a:t>
-                      </a:r>
-                      <a:endParaRPr lang="en-US" sz="2100" b="1" i="0" u="none" strike="noStrike" dirty="0">
-                        <a:solidFill>
-                          <a:srgbClr val="000000"/>
-                        </a:solidFill>
-                        <a:latin typeface="Calibri"/>
-                      </a:endParaRPr>
-                    </a:p>
-                  </a:txBody>
-                  <a:tcPr marL="9525" marR="9525" marT="9525" marB="0" anchor="b"/>
-                </a:tc>
-              </a:tr>
-              <a:tr h="451757">
-                <a:tc>
-                  <a:txBody>
-                    <a:bodyPr/>
-                    <a:lstStyle/>
-                    <a:p>
-                      <a:pPr algn="l" fontAlgn="b"/>
-                      <a:r>
-                        <a:rPr lang="en-US" sz="2100" u="none" strike="noStrike"/>
-                        <a:t>trans_num</a:t>
-                      </a:r>
-                      <a:endParaRPr lang="en-US" sz="2100" b="0" i="0" u="none" strike="noStrike">
-                        <a:solidFill>
-                          <a:srgbClr val="000000"/>
-                        </a:solidFill>
-                        <a:latin typeface="Calibri"/>
-                      </a:endParaRPr>
-                    </a:p>
-                  </a:txBody>
-                  <a:tcPr marL="9525" marR="9525" marT="9525" marB="0" anchor="b"/>
-                </a:tc>
-                <a:tc>
-                  <a:txBody>
-                    <a:bodyPr/>
-                    <a:lstStyle/>
-                    <a:p>
-                      <a:pPr algn="l" fontAlgn="b"/>
-                      <a:r>
-                        <a:rPr lang="en-US" sz="2100" u="none" strike="noStrike"/>
-                        <a:t>varchar(18)</a:t>
-                      </a:r>
-                      <a:endParaRPr lang="en-US" sz="2100" b="0" i="0" u="none" strike="noStrike">
-                        <a:solidFill>
-                          <a:srgbClr val="000000"/>
-                        </a:solidFill>
-                        <a:latin typeface="Calibri"/>
-                      </a:endParaRPr>
-                    </a:p>
-                  </a:txBody>
-                  <a:tcPr marL="9525" marR="9525" marT="9525" marB="0" anchor="b"/>
-                </a:tc>
-                <a:tc>
-                  <a:txBody>
-                    <a:bodyPr/>
-                    <a:lstStyle/>
-                    <a:p>
-                      <a:pPr algn="l" fontAlgn="b"/>
-                      <a:r>
-                        <a:rPr lang="en-US" sz="2100" u="none" strike="noStrike"/>
-                        <a:t>primary key</a:t>
-                      </a:r>
-                      <a:endParaRPr lang="en-US" sz="2100" b="0" i="0" u="none" strike="noStrike">
-                        <a:solidFill>
-                          <a:srgbClr val="000000"/>
-                        </a:solidFill>
-                        <a:latin typeface="Calibri"/>
-                      </a:endParaRPr>
-                    </a:p>
-                  </a:txBody>
-                  <a:tcPr marL="9525" marR="9525" marT="9525" marB="0" anchor="b"/>
-                </a:tc>
-              </a:tr>
-              <a:tr h="451757">
-                <a:tc>
-                  <a:txBody>
-                    <a:bodyPr/>
-                    <a:lstStyle/>
-                    <a:p>
-                      <a:pPr algn="l" fontAlgn="b"/>
-                      <a:r>
-                        <a:rPr lang="en-US" sz="2100" u="none" strike="noStrike"/>
-                        <a:t>email</a:t>
-                      </a:r>
-                      <a:endParaRPr lang="en-US" sz="2100" b="0" i="0" u="none" strike="noStrike">
-                        <a:solidFill>
-                          <a:srgbClr val="000000"/>
-                        </a:solidFill>
-                        <a:latin typeface="Calibri"/>
-                      </a:endParaRPr>
-                    </a:p>
-                  </a:txBody>
-                  <a:tcPr marL="9525" marR="9525" marT="9525" marB="0" anchor="b"/>
-                </a:tc>
-                <a:tc>
-                  <a:txBody>
-                    <a:bodyPr/>
-                    <a:lstStyle/>
-                    <a:p>
-                      <a:pPr algn="l" fontAlgn="b"/>
-                      <a:r>
-                        <a:rPr lang="en-US" sz="2100" u="none" strike="noStrike"/>
-                        <a:t>varchar(18)</a:t>
-                      </a:r>
-                      <a:endParaRPr lang="en-US" sz="2100" b="0" i="0" u="none" strike="noStrike">
-                        <a:solidFill>
-                          <a:srgbClr val="000000"/>
-                        </a:solidFill>
-                        <a:latin typeface="Calibri"/>
-                      </a:endParaRPr>
-                    </a:p>
-                  </a:txBody>
-                  <a:tcPr marL="9525" marR="9525" marT="9525" marB="0" anchor="b"/>
-                </a:tc>
-                <a:tc>
-                  <a:txBody>
-                    <a:bodyPr/>
-                    <a:lstStyle/>
-                    <a:p>
-                      <a:pPr algn="l" fontAlgn="b"/>
-                      <a:r>
-                        <a:rPr lang="en-US" sz="2100" u="none" strike="noStrike"/>
-                        <a:t> </a:t>
-                      </a:r>
-                      <a:endParaRPr lang="en-US" sz="2100" b="0" i="0" u="none" strike="noStrike">
-                        <a:solidFill>
-                          <a:srgbClr val="000000"/>
-                        </a:solidFill>
-                        <a:latin typeface="Calibri"/>
-                      </a:endParaRPr>
-                    </a:p>
-                  </a:txBody>
-                  <a:tcPr marL="9525" marR="9525" marT="9525" marB="0" anchor="b"/>
-                </a:tc>
-              </a:tr>
-              <a:tr h="451757">
-                <a:tc>
-                  <a:txBody>
-                    <a:bodyPr/>
-                    <a:lstStyle/>
-                    <a:p>
-                      <a:pPr algn="l" fontAlgn="b"/>
-                      <a:r>
-                        <a:rPr lang="en-US" sz="2100" u="none" strike="noStrike"/>
-                        <a:t>content id</a:t>
-                      </a:r>
-                      <a:endParaRPr lang="en-US" sz="2100" b="0" i="0" u="none" strike="noStrike">
-                        <a:solidFill>
-                          <a:srgbClr val="000000"/>
-                        </a:solidFill>
-                        <a:latin typeface="Calibri"/>
-                      </a:endParaRPr>
-                    </a:p>
-                  </a:txBody>
-                  <a:tcPr marL="9525" marR="9525" marT="9525" marB="0" anchor="b"/>
-                </a:tc>
-                <a:tc>
-                  <a:txBody>
-                    <a:bodyPr/>
-                    <a:lstStyle/>
-                    <a:p>
-                      <a:pPr algn="l" fontAlgn="b"/>
-                      <a:r>
-                        <a:rPr lang="en-US" sz="2100" u="none" strike="noStrike"/>
-                        <a:t>integer</a:t>
-                      </a:r>
-                      <a:endParaRPr lang="en-US" sz="2100" b="0" i="0" u="none" strike="noStrike">
-                        <a:solidFill>
-                          <a:srgbClr val="000000"/>
-                        </a:solidFill>
-                        <a:latin typeface="Calibri"/>
-                      </a:endParaRPr>
-                    </a:p>
-                  </a:txBody>
-                  <a:tcPr marL="9525" marR="9525" marT="9525" marB="0" anchor="b"/>
-                </a:tc>
-                <a:tc>
-                  <a:txBody>
-                    <a:bodyPr/>
-                    <a:lstStyle/>
-                    <a:p>
-                      <a:pPr algn="l" fontAlgn="b"/>
-                      <a:r>
-                        <a:rPr lang="en-US" sz="2100" u="none" strike="noStrike"/>
-                        <a:t> </a:t>
-                      </a:r>
-                      <a:endParaRPr lang="en-US" sz="2100" b="0" i="0" u="none" strike="noStrike">
-                        <a:solidFill>
-                          <a:srgbClr val="000000"/>
-                        </a:solidFill>
-                        <a:latin typeface="Calibri"/>
-                      </a:endParaRPr>
-                    </a:p>
-                  </a:txBody>
-                  <a:tcPr marL="9525" marR="9525" marT="9525" marB="0" anchor="b"/>
-                </a:tc>
-              </a:tr>
-              <a:tr h="451757">
-                <a:tc>
-                  <a:txBody>
-                    <a:bodyPr/>
-                    <a:lstStyle/>
-                    <a:p>
-                      <a:pPr algn="l" fontAlgn="b"/>
-                      <a:r>
-                        <a:rPr lang="en-US" sz="2100" u="none" strike="noStrike"/>
-                        <a:t>transaction date</a:t>
-                      </a:r>
-                      <a:endParaRPr lang="en-US" sz="2100" b="0" i="0" u="none" strike="noStrike">
-                        <a:solidFill>
-                          <a:srgbClr val="000000"/>
-                        </a:solidFill>
-                        <a:latin typeface="Calibri"/>
-                      </a:endParaRPr>
-                    </a:p>
-                  </a:txBody>
-                  <a:tcPr marL="9525" marR="9525" marT="9525" marB="0" anchor="b"/>
-                </a:tc>
-                <a:tc>
-                  <a:txBody>
-                    <a:bodyPr/>
-                    <a:lstStyle/>
-                    <a:p>
-                      <a:pPr algn="l" fontAlgn="b"/>
-                      <a:r>
-                        <a:rPr lang="en-US" sz="2100" u="none" strike="noStrike"/>
-                        <a:t>varchar(10)</a:t>
-                      </a:r>
-                      <a:endParaRPr lang="en-US" sz="2100" b="0" i="0" u="none" strike="noStrike">
-                        <a:solidFill>
-                          <a:srgbClr val="000000"/>
-                        </a:solidFill>
-                        <a:latin typeface="Calibri"/>
-                      </a:endParaRPr>
-                    </a:p>
-                  </a:txBody>
-                  <a:tcPr marL="9525" marR="9525" marT="9525" marB="0" anchor="b"/>
-                </a:tc>
-                <a:tc>
-                  <a:txBody>
-                    <a:bodyPr/>
-                    <a:lstStyle/>
-                    <a:p>
-                      <a:pPr algn="l" fontAlgn="b"/>
-                      <a:r>
-                        <a:rPr lang="en-US" sz="2100" u="none" strike="noStrike"/>
-                        <a:t> </a:t>
-                      </a:r>
-                      <a:endParaRPr lang="en-US" sz="2100" b="0" i="0" u="none" strike="noStrike">
-                        <a:solidFill>
-                          <a:srgbClr val="000000"/>
-                        </a:solidFill>
-                        <a:latin typeface="Calibri"/>
-                      </a:endParaRPr>
-                    </a:p>
-                  </a:txBody>
-                  <a:tcPr marL="9525" marR="9525" marT="9525" marB="0" anchor="b"/>
-                </a:tc>
-              </a:tr>
-              <a:tr h="451757">
-                <a:tc>
-                  <a:txBody>
-                    <a:bodyPr/>
-                    <a:lstStyle/>
-                    <a:p>
-                      <a:pPr algn="l" fontAlgn="b"/>
-                      <a:r>
-                        <a:rPr lang="en-US" sz="2100" u="none" strike="noStrike"/>
-                        <a:t>transaction amount</a:t>
-                      </a:r>
-                      <a:endParaRPr lang="en-US" sz="2100" b="0" i="0" u="none" strike="noStrike">
-                        <a:solidFill>
-                          <a:srgbClr val="000000"/>
-                        </a:solidFill>
-                        <a:latin typeface="Calibri"/>
-                      </a:endParaRPr>
-                    </a:p>
-                  </a:txBody>
-                  <a:tcPr marL="9525" marR="9525" marT="9525" marB="0" anchor="b"/>
-                </a:tc>
-                <a:tc>
-                  <a:txBody>
-                    <a:bodyPr/>
-                    <a:lstStyle/>
-                    <a:p>
-                      <a:pPr algn="l" fontAlgn="b"/>
-                      <a:r>
-                        <a:rPr lang="en-US" sz="2100" u="none" strike="noStrike"/>
-                        <a:t>integer</a:t>
-                      </a:r>
-                      <a:endParaRPr lang="en-US" sz="2100" b="0" i="0" u="none" strike="noStrike">
-                        <a:solidFill>
-                          <a:srgbClr val="000000"/>
-                        </a:solidFill>
-                        <a:latin typeface="Calibri"/>
-                      </a:endParaRPr>
-                    </a:p>
-                  </a:txBody>
-                  <a:tcPr marL="9525" marR="9525" marT="9525" marB="0" anchor="b"/>
-                </a:tc>
-                <a:tc>
-                  <a:txBody>
-                    <a:bodyPr/>
-                    <a:lstStyle/>
-                    <a:p>
-                      <a:pPr algn="l" fontAlgn="b"/>
-                      <a:r>
-                        <a:rPr lang="en-US" sz="2100" u="none" strike="noStrike" dirty="0"/>
-                        <a:t> </a:t>
-                      </a:r>
-                      <a:endParaRPr lang="en-US" sz="2100" b="0" i="0" u="none" strike="noStrike" dirty="0">
-                        <a:solidFill>
-                          <a:srgbClr val="000000"/>
-                        </a:solidFill>
-                        <a:latin typeface="Calibri"/>
-                      </a:endParaRPr>
-                    </a:p>
-                  </a:txBody>
-                  <a:tcPr marL="9525" marR="9525" marT="9525" marB="0" anchor="b"/>
-                </a:tc>
-              </a:tr>
-            </a:tbl>
-          </a:graphicData>
-        </a:graphic>
-      </p:graphicFrame>
-    </p:spTree>
-  </p:cSld>
-  <p:clrMapOvr>
-    <a:masterClrMapping/>
-  </p:clrMapOvr>
-</p:sld>
-</file>
-
-<file path=ppt/slides/slide54.xml><?xml version="1.0" encoding="utf-8"?>
-<p:sld xmlns:a="http://schemas.openxmlformats.org/drawingml/2006/main" xmlns:r="http://schemas.openxmlformats.org/officeDocument/2006/relationships" xmlns:p="http://schemas.openxmlformats.org/presentationml/2006/main">
-  <p:cSld>
-    <p:spTree>
-      <p:nvGrpSpPr>
-        <p:cNvPr id="1" name=""/>
-        <p:cNvGrpSpPr/>
-        <p:nvPr/>
-      </p:nvGrpSpPr>
-      <p:grpSpPr>
-        <a:xfrm>
-          <a:off x="0" y="0"/>
-          <a:ext cx="0" cy="0"/>
-          <a:chOff x="0" y="0"/>
-          <a:chExt cx="0" cy="0"/>
-        </a:xfrm>
-      </p:grpSpPr>
-      <p:graphicFrame>
-        <p:nvGraphicFramePr>
-          <p:cNvPr id="2" name="Table 1"/>
-          <p:cNvGraphicFramePr>
-            <a:graphicFrameLocks noGrp="1"/>
-          </p:cNvGraphicFramePr>
-          <p:nvPr/>
-        </p:nvGraphicFramePr>
-        <p:xfrm>
           <a:off x="609600" y="381000"/>
           <a:ext cx="8026399" cy="2762250"/>
         </p:xfrm>
@@ -18833,7 +18812,7 @@
 </p:sld>
 </file>
 
-<file path=ppt/slides/slide55.xml><?xml version="1.0" encoding="utf-8"?>
+<file path=ppt/slides/slide51.xml><?xml version="1.0" encoding="utf-8"?>
 <p:sld xmlns:a="http://schemas.openxmlformats.org/drawingml/2006/main" xmlns:r="http://schemas.openxmlformats.org/officeDocument/2006/relationships" xmlns:p="http://schemas.openxmlformats.org/presentationml/2006/main">
   <p:cSld>
     <p:spTree>
@@ -19647,7 +19626,7 @@
 </p:sld>
 </file>
 
-<file path=ppt/slides/slide56.xml><?xml version="1.0" encoding="utf-8"?>
+<file path=ppt/slides/slide52.xml><?xml version="1.0" encoding="utf-8"?>
 <p:sld xmlns:a="http://schemas.openxmlformats.org/drawingml/2006/main" xmlns:r="http://schemas.openxmlformats.org/officeDocument/2006/relationships" xmlns:p="http://schemas.openxmlformats.org/presentationml/2006/main">
   <p:cSld>
     <p:spTree>
@@ -20172,7 +20151,593 @@
 </p:sld>
 </file>
 
+<file path=ppt/slides/slide53.xml><?xml version="1.0" encoding="utf-8"?>
+<p:sld xmlns:a="http://schemas.openxmlformats.org/drawingml/2006/main" xmlns:r="http://schemas.openxmlformats.org/officeDocument/2006/relationships" xmlns:p="http://schemas.openxmlformats.org/presentationml/2006/main">
+  <p:cSld>
+    <p:spTree>
+      <p:nvGrpSpPr>
+        <p:cNvPr id="1" name=""/>
+        <p:cNvGrpSpPr/>
+        <p:nvPr/>
+      </p:nvGrpSpPr>
+      <p:grpSpPr>
+        <a:xfrm>
+          <a:off x="0" y="0"/>
+          <a:ext cx="0" cy="0"/>
+          <a:chOff x="0" y="0"/>
+          <a:chExt cx="0" cy="0"/>
+        </a:xfrm>
+      </p:grpSpPr>
+      <p:sp>
+        <p:nvSpPr>
+          <p:cNvPr id="2" name="Title 1"/>
+          <p:cNvSpPr>
+            <a:spLocks noGrp="1"/>
+          </p:cNvSpPr>
+          <p:nvPr>
+            <p:ph type="ctrTitle"/>
+          </p:nvPr>
+        </p:nvSpPr>
+        <p:spPr/>
+        <p:txBody>
+          <a:bodyPr/>
+          <a:lstStyle/>
+          <a:p>
+            <a:r>
+              <a:rPr lang="en-US" dirty="0" smtClean="0"/>
+              <a:t>CODING</a:t>
+            </a:r>
+            <a:endParaRPr lang="en-US" dirty="0"/>
+          </a:p>
+        </p:txBody>
+      </p:sp>
+      <p:sp>
+        <p:nvSpPr>
+          <p:cNvPr id="3" name="Subtitle 2"/>
+          <p:cNvSpPr>
+            <a:spLocks noGrp="1"/>
+          </p:cNvSpPr>
+          <p:nvPr>
+            <p:ph type="subTitle" idx="1"/>
+          </p:nvPr>
+        </p:nvSpPr>
+        <p:spPr>
+          <a:xfrm>
+            <a:off x="1371600" y="2819400"/>
+            <a:ext cx="6400800" cy="3429000"/>
+          </a:xfrm>
+        </p:spPr>
+        <p:txBody>
+          <a:bodyPr>
+            <a:normAutofit/>
+          </a:bodyPr>
+          <a:lstStyle/>
+          <a:p>
+            <a:r>
+              <a:rPr lang="en-US" dirty="0" smtClean="0"/>
+              <a:t>OOP paradigm</a:t>
+            </a:r>
+          </a:p>
+          <a:p>
+            <a:endParaRPr lang="en-US" dirty="0" smtClean="0"/>
+          </a:p>
+          <a:p>
+            <a:r>
+              <a:rPr lang="en-US" dirty="0" smtClean="0"/>
+              <a:t>Form validations</a:t>
+            </a:r>
+          </a:p>
+          <a:p>
+            <a:endParaRPr lang="en-US" dirty="0" smtClean="0"/>
+          </a:p>
+          <a:p>
+            <a:r>
+              <a:rPr lang="en-US" dirty="0" smtClean="0"/>
+              <a:t>Sublime text editor</a:t>
+            </a:r>
+          </a:p>
+          <a:p>
+            <a:endParaRPr lang="en-US" dirty="0" smtClean="0"/>
+          </a:p>
+          <a:p>
+            <a:r>
+              <a:rPr lang="en-US" dirty="0" err="1" smtClean="0"/>
+              <a:t>Otp</a:t>
+            </a:r>
+            <a:endParaRPr lang="en-US" dirty="0" smtClean="0"/>
+          </a:p>
+          <a:p>
+            <a:endParaRPr lang="en-US" dirty="0" smtClean="0"/>
+          </a:p>
+          <a:p>
+            <a:r>
+              <a:rPr lang="en-US" dirty="0" err="1" smtClean="0"/>
+              <a:t>Github</a:t>
+            </a:r>
+            <a:endParaRPr lang="en-US" dirty="0" smtClean="0"/>
+          </a:p>
+          <a:p>
+            <a:endParaRPr lang="en-US" dirty="0" smtClean="0"/>
+          </a:p>
+          <a:p>
+            <a:r>
+              <a:rPr lang="en-US" dirty="0" smtClean="0"/>
+              <a:t>Inspector analysis algorithm</a:t>
+            </a:r>
+          </a:p>
+          <a:p>
+            <a:endParaRPr lang="en-US" dirty="0" smtClean="0"/>
+          </a:p>
+          <a:p>
+            <a:endParaRPr lang="en-US" dirty="0" smtClean="0"/>
+          </a:p>
+          <a:p>
+            <a:endParaRPr lang="en-US" dirty="0"/>
+          </a:p>
+        </p:txBody>
+      </p:sp>
+    </p:spTree>
+  </p:cSld>
+  <p:clrMapOvr>
+    <a:masterClrMapping/>
+  </p:clrMapOvr>
+</p:sld>
+</file>
+
+<file path=ppt/slides/slide54.xml><?xml version="1.0" encoding="utf-8"?>
+<p:sld xmlns:a="http://schemas.openxmlformats.org/drawingml/2006/main" xmlns:r="http://schemas.openxmlformats.org/officeDocument/2006/relationships" xmlns:p="http://schemas.openxmlformats.org/presentationml/2006/main">
+  <p:cSld>
+    <p:spTree>
+      <p:nvGrpSpPr>
+        <p:cNvPr id="1" name=""/>
+        <p:cNvGrpSpPr/>
+        <p:nvPr/>
+      </p:nvGrpSpPr>
+      <p:grpSpPr>
+        <a:xfrm>
+          <a:off x="0" y="0"/>
+          <a:ext cx="0" cy="0"/>
+          <a:chOff x="0" y="0"/>
+          <a:chExt cx="0" cy="0"/>
+        </a:xfrm>
+      </p:grpSpPr>
+      <p:sp>
+        <p:nvSpPr>
+          <p:cNvPr id="2" name="Title 1"/>
+          <p:cNvSpPr>
+            <a:spLocks noGrp="1"/>
+          </p:cNvSpPr>
+          <p:nvPr>
+            <p:ph type="title"/>
+          </p:nvPr>
+        </p:nvSpPr>
+        <p:spPr/>
+        <p:txBody>
+          <a:bodyPr/>
+          <a:lstStyle/>
+          <a:p>
+            <a:r>
+              <a:rPr lang="en-US" dirty="0" smtClean="0"/>
+              <a:t>Testing</a:t>
+            </a:r>
+            <a:endParaRPr lang="en-US" dirty="0"/>
+          </a:p>
+        </p:txBody>
+      </p:sp>
+      <p:sp>
+        <p:nvSpPr>
+          <p:cNvPr id="3" name="Content Placeholder 2"/>
+          <p:cNvSpPr>
+            <a:spLocks noGrp="1"/>
+          </p:cNvSpPr>
+          <p:nvPr>
+            <p:ph sz="quarter" idx="1"/>
+          </p:nvPr>
+        </p:nvSpPr>
+        <p:spPr/>
+        <p:txBody>
+          <a:bodyPr/>
+          <a:lstStyle/>
+          <a:p>
+            <a:r>
+              <a:rPr lang="en-IN" dirty="0" smtClean="0"/>
+              <a:t>Unit </a:t>
+            </a:r>
+            <a:r>
+              <a:rPr lang="en-IN" dirty="0" smtClean="0"/>
+              <a:t>Testing (module wise testing)</a:t>
+            </a:r>
+            <a:endParaRPr lang="en-US" dirty="0" smtClean="0"/>
+          </a:p>
+          <a:p>
+            <a:r>
+              <a:rPr lang="en-IN" dirty="0" smtClean="0"/>
+              <a:t>Integration </a:t>
+            </a:r>
+            <a:r>
+              <a:rPr lang="en-IN" dirty="0" smtClean="0"/>
+              <a:t>Testing </a:t>
+            </a:r>
+            <a:endParaRPr lang="en-US" dirty="0" smtClean="0"/>
+          </a:p>
+          <a:p>
+            <a:r>
+              <a:rPr lang="en-IN" dirty="0" smtClean="0"/>
+              <a:t>Validation </a:t>
+            </a:r>
+            <a:r>
+              <a:rPr lang="en-IN" dirty="0" smtClean="0"/>
+              <a:t>Testing (checking with the requirements)</a:t>
+            </a:r>
+            <a:endParaRPr lang="en-US" dirty="0" smtClean="0"/>
+          </a:p>
+          <a:p>
+            <a:r>
+              <a:rPr lang="en-IN" dirty="0" smtClean="0"/>
+              <a:t>Output Testing</a:t>
+            </a:r>
+            <a:endParaRPr lang="en-US" dirty="0" smtClean="0"/>
+          </a:p>
+          <a:p>
+            <a:r>
+              <a:rPr lang="en-IN" dirty="0" smtClean="0"/>
+              <a:t>User Acceptance </a:t>
+            </a:r>
+            <a:r>
+              <a:rPr lang="en-IN" dirty="0" smtClean="0"/>
+              <a:t>Testing (for clients)</a:t>
+            </a:r>
+            <a:endParaRPr lang="en-US" dirty="0" smtClean="0"/>
+          </a:p>
+          <a:p>
+            <a:endParaRPr lang="en-US" dirty="0"/>
+          </a:p>
+        </p:txBody>
+      </p:sp>
+    </p:spTree>
+  </p:cSld>
+  <p:clrMapOvr>
+    <a:masterClrMapping/>
+  </p:clrMapOvr>
+</p:sld>
+</file>
+
+<file path=ppt/slides/slide55.xml><?xml version="1.0" encoding="utf-8"?>
+<p:sld xmlns:a="http://schemas.openxmlformats.org/drawingml/2006/main" xmlns:r="http://schemas.openxmlformats.org/officeDocument/2006/relationships" xmlns:p="http://schemas.openxmlformats.org/presentationml/2006/main">
+  <p:cSld>
+    <p:spTree>
+      <p:nvGrpSpPr>
+        <p:cNvPr id="1" name=""/>
+        <p:cNvGrpSpPr/>
+        <p:nvPr/>
+      </p:nvGrpSpPr>
+      <p:grpSpPr>
+        <a:xfrm>
+          <a:off x="0" y="0"/>
+          <a:ext cx="0" cy="0"/>
+          <a:chOff x="0" y="0"/>
+          <a:chExt cx="0" cy="0"/>
+        </a:xfrm>
+      </p:grpSpPr>
+      <p:sp>
+        <p:nvSpPr>
+          <p:cNvPr id="2" name="Title 1"/>
+          <p:cNvSpPr>
+            <a:spLocks noGrp="1"/>
+          </p:cNvSpPr>
+          <p:nvPr>
+            <p:ph type="title"/>
+          </p:nvPr>
+        </p:nvSpPr>
+        <p:spPr/>
+        <p:txBody>
+          <a:bodyPr/>
+          <a:lstStyle/>
+          <a:p>
+            <a:r>
+              <a:rPr lang="en-US" dirty="0" smtClean="0"/>
+              <a:t>FUTUTRE</a:t>
+            </a:r>
+            <a:endParaRPr lang="en-US" dirty="0"/>
+          </a:p>
+        </p:txBody>
+      </p:sp>
+      <p:sp>
+        <p:nvSpPr>
+          <p:cNvPr id="3" name="Content Placeholder 2"/>
+          <p:cNvSpPr>
+            <a:spLocks noGrp="1"/>
+          </p:cNvSpPr>
+          <p:nvPr>
+            <p:ph sz="quarter" idx="1"/>
+          </p:nvPr>
+        </p:nvSpPr>
+        <p:spPr/>
+        <p:txBody>
+          <a:bodyPr>
+            <a:normAutofit/>
+          </a:bodyPr>
+          <a:lstStyle/>
+          <a:p>
+            <a:r>
+              <a:rPr lang="en-US" dirty="0" smtClean="0"/>
+              <a:t>E-mail ids can be changed</a:t>
+            </a:r>
+          </a:p>
+          <a:p>
+            <a:r>
+              <a:rPr lang="en-US" dirty="0" smtClean="0"/>
+              <a:t>Text along with video will be given</a:t>
+            </a:r>
+          </a:p>
+          <a:p>
+            <a:r>
+              <a:rPr lang="en-US" dirty="0" smtClean="0"/>
+              <a:t>Security issues</a:t>
+            </a:r>
+          </a:p>
+          <a:p>
+            <a:r>
+              <a:rPr lang="en-US" dirty="0" smtClean="0"/>
+              <a:t>Search bar</a:t>
+            </a:r>
+          </a:p>
+          <a:p>
+            <a:r>
+              <a:rPr lang="en-US" dirty="0" smtClean="0"/>
+              <a:t>Dark mode</a:t>
+            </a:r>
+          </a:p>
+          <a:p>
+            <a:r>
+              <a:rPr lang="en-US" dirty="0" smtClean="0"/>
+              <a:t>Inspector analysis will be completed</a:t>
+            </a:r>
+          </a:p>
+          <a:p>
+            <a:r>
+              <a:rPr lang="en-IN" dirty="0" smtClean="0"/>
+              <a:t>Provide tutorials in many native languages.</a:t>
+            </a:r>
+            <a:endParaRPr lang="en-US" dirty="0" smtClean="0"/>
+          </a:p>
+          <a:p>
+            <a:r>
+              <a:rPr lang="en-IN" dirty="0" smtClean="0"/>
+              <a:t>Students can be assigned with a guide.</a:t>
+            </a:r>
+            <a:endParaRPr lang="en-US" dirty="0" smtClean="0"/>
+          </a:p>
+          <a:p>
+            <a:endParaRPr lang="en-US" dirty="0" smtClean="0"/>
+          </a:p>
+          <a:p>
+            <a:endParaRPr lang="en-US" dirty="0" smtClean="0"/>
+          </a:p>
+          <a:p>
+            <a:endParaRPr lang="en-US" dirty="0"/>
+          </a:p>
+        </p:txBody>
+      </p:sp>
+    </p:spTree>
+  </p:cSld>
+  <p:clrMapOvr>
+    <a:masterClrMapping/>
+  </p:clrMapOvr>
+</p:sld>
+</file>
+
+<file path=ppt/slides/slide56.xml><?xml version="1.0" encoding="utf-8"?>
+<p:sld xmlns:a="http://schemas.openxmlformats.org/drawingml/2006/main" xmlns:r="http://schemas.openxmlformats.org/officeDocument/2006/relationships" xmlns:p="http://schemas.openxmlformats.org/presentationml/2006/main">
+  <p:cSld>
+    <p:spTree>
+      <p:nvGrpSpPr>
+        <p:cNvPr id="1" name=""/>
+        <p:cNvGrpSpPr/>
+        <p:nvPr/>
+      </p:nvGrpSpPr>
+      <p:grpSpPr>
+        <a:xfrm>
+          <a:off x="0" y="0"/>
+          <a:ext cx="0" cy="0"/>
+          <a:chOff x="0" y="0"/>
+          <a:chExt cx="0" cy="0"/>
+        </a:xfrm>
+      </p:grpSpPr>
+      <p:sp>
+        <p:nvSpPr>
+          <p:cNvPr id="2" name="Title 1"/>
+          <p:cNvSpPr>
+            <a:spLocks noGrp="1"/>
+          </p:cNvSpPr>
+          <p:nvPr>
+            <p:ph type="title"/>
+          </p:nvPr>
+        </p:nvSpPr>
+        <p:spPr/>
+        <p:txBody>
+          <a:bodyPr/>
+          <a:lstStyle/>
+          <a:p>
+            <a:endParaRPr lang="en-US" dirty="0"/>
+          </a:p>
+        </p:txBody>
+      </p:sp>
+      <p:sp>
+        <p:nvSpPr>
+          <p:cNvPr id="3" name="Content Placeholder 2"/>
+          <p:cNvSpPr>
+            <a:spLocks noGrp="1"/>
+          </p:cNvSpPr>
+          <p:nvPr>
+            <p:ph sz="quarter" idx="1"/>
+          </p:nvPr>
+        </p:nvSpPr>
+        <p:spPr/>
+        <p:txBody>
+          <a:bodyPr>
+            <a:normAutofit/>
+          </a:bodyPr>
+          <a:lstStyle/>
+          <a:p>
+            <a:r>
+              <a:rPr lang="en-IN" dirty="0" smtClean="0"/>
+              <a:t>Less data </a:t>
+            </a:r>
+            <a:r>
+              <a:rPr lang="en-IN" dirty="0" smtClean="0"/>
+              <a:t>consuming</a:t>
+            </a:r>
+            <a:endParaRPr lang="en-US" dirty="0" smtClean="0"/>
+          </a:p>
+          <a:p>
+            <a:r>
+              <a:rPr lang="en-IN" dirty="0" smtClean="0"/>
+              <a:t>Should load faster, should be able to make materials and video offline.</a:t>
+            </a:r>
+            <a:endParaRPr lang="en-US" dirty="0" smtClean="0"/>
+          </a:p>
+          <a:p>
+            <a:r>
+              <a:rPr lang="en-IN" dirty="0" smtClean="0"/>
+              <a:t>Login easily using Google or </a:t>
+            </a:r>
+            <a:r>
+              <a:rPr lang="en-IN" dirty="0" err="1" smtClean="0"/>
+              <a:t>Facebook</a:t>
+            </a:r>
+            <a:r>
+              <a:rPr lang="en-IN" dirty="0" smtClean="0"/>
+              <a:t>.</a:t>
+            </a:r>
+            <a:endParaRPr lang="en-US" dirty="0" smtClean="0"/>
+          </a:p>
+          <a:p>
+            <a:r>
+              <a:rPr lang="en-IN" dirty="0" smtClean="0"/>
+              <a:t>Study materials available in </a:t>
+            </a:r>
+            <a:r>
+              <a:rPr lang="en-IN" dirty="0" err="1" smtClean="0"/>
+              <a:t>pdf</a:t>
+            </a:r>
+            <a:r>
+              <a:rPr lang="en-IN" dirty="0" smtClean="0"/>
+              <a:t> also.</a:t>
+            </a:r>
+            <a:endParaRPr lang="en-US" dirty="0" smtClean="0"/>
+          </a:p>
+          <a:p>
+            <a:r>
+              <a:rPr lang="en-IN" dirty="0" smtClean="0"/>
+              <a:t>Live </a:t>
+            </a:r>
+            <a:r>
+              <a:rPr lang="en-IN" dirty="0" smtClean="0"/>
+              <a:t>projects</a:t>
+            </a:r>
+            <a:endParaRPr lang="en-US" dirty="0" smtClean="0"/>
+          </a:p>
+          <a:p>
+            <a:endParaRPr lang="en-US" dirty="0"/>
+          </a:p>
+        </p:txBody>
+      </p:sp>
+    </p:spTree>
+  </p:cSld>
+  <p:clrMapOvr>
+    <a:masterClrMapping/>
+  </p:clrMapOvr>
+</p:sld>
+</file>
+
 <file path=ppt/slides/slide57.xml><?xml version="1.0" encoding="utf-8"?>
+<p:sld xmlns:a="http://schemas.openxmlformats.org/drawingml/2006/main" xmlns:r="http://schemas.openxmlformats.org/officeDocument/2006/relationships" xmlns:p="http://schemas.openxmlformats.org/presentationml/2006/main">
+  <p:cSld>
+    <p:spTree>
+      <p:nvGrpSpPr>
+        <p:cNvPr id="1" name=""/>
+        <p:cNvGrpSpPr/>
+        <p:nvPr/>
+      </p:nvGrpSpPr>
+      <p:grpSpPr>
+        <a:xfrm>
+          <a:off x="0" y="0"/>
+          <a:ext cx="0" cy="0"/>
+          <a:chOff x="0" y="0"/>
+          <a:chExt cx="0" cy="0"/>
+        </a:xfrm>
+      </p:grpSpPr>
+      <p:sp>
+        <p:nvSpPr>
+          <p:cNvPr id="2" name="Title 1"/>
+          <p:cNvSpPr>
+            <a:spLocks noGrp="1"/>
+          </p:cNvSpPr>
+          <p:nvPr>
+            <p:ph type="title"/>
+          </p:nvPr>
+        </p:nvSpPr>
+        <p:spPr/>
+        <p:txBody>
+          <a:bodyPr/>
+          <a:lstStyle/>
+          <a:p>
+            <a:r>
+              <a:rPr lang="en-US" dirty="0" smtClean="0"/>
+              <a:t>REFERENCES</a:t>
+            </a:r>
+            <a:endParaRPr lang="en-US" dirty="0"/>
+          </a:p>
+        </p:txBody>
+      </p:sp>
+      <p:sp>
+        <p:nvSpPr>
+          <p:cNvPr id="3" name="Content Placeholder 2"/>
+          <p:cNvSpPr>
+            <a:spLocks noGrp="1"/>
+          </p:cNvSpPr>
+          <p:nvPr>
+            <p:ph sz="quarter" idx="1"/>
+          </p:nvPr>
+        </p:nvSpPr>
+        <p:spPr/>
+        <p:txBody>
+          <a:bodyPr/>
+          <a:lstStyle/>
+          <a:p>
+            <a:r>
+              <a:rPr lang="en-IN" dirty="0" smtClean="0"/>
+              <a:t>Systems Analysis and Design : Elias M. </a:t>
+            </a:r>
+            <a:r>
+              <a:rPr lang="en-IN" dirty="0" err="1" smtClean="0"/>
+              <a:t>Awad</a:t>
+            </a:r>
+            <a:endParaRPr lang="en-US" dirty="0" smtClean="0"/>
+          </a:p>
+          <a:p>
+            <a:r>
+              <a:rPr lang="en-IN" dirty="0" smtClean="0"/>
+              <a:t>Principles of Software Engineering : </a:t>
+            </a:r>
+            <a:r>
+              <a:rPr lang="en-IN" dirty="0" err="1" smtClean="0"/>
+              <a:t>Rohitkhurana</a:t>
+            </a:r>
+            <a:endParaRPr lang="en-US" dirty="0" smtClean="0"/>
+          </a:p>
+        </p:txBody>
+      </p:sp>
+    </p:spTree>
+  </p:cSld>
+  <p:clrMapOvr>
+    <a:masterClrMapping/>
+  </p:clrMapOvr>
+</p:sld>
+</file>
+
+<file path=ppt/slides/slide58.xml><?xml version="1.0" encoding="utf-8"?>
 <p:sld xmlns:a="http://schemas.openxmlformats.org/drawingml/2006/main" xmlns:r="http://schemas.openxmlformats.org/officeDocument/2006/relationships" xmlns:p="http://schemas.openxmlformats.org/presentationml/2006/main">
   <p:cSld>
     <p:spTree>

--- a/documentation/project.pptx
+++ b/documentation/project.pptx
@@ -25,44 +25,51 @@
     <p:sldId id="268" r:id="rId19"/>
     <p:sldId id="269" r:id="rId20"/>
     <p:sldId id="270" r:id="rId21"/>
-    <p:sldId id="271" r:id="rId22"/>
-    <p:sldId id="282" r:id="rId23"/>
-    <p:sldId id="283" r:id="rId24"/>
-    <p:sldId id="294" r:id="rId25"/>
-    <p:sldId id="284" r:id="rId26"/>
-    <p:sldId id="286" r:id="rId27"/>
-    <p:sldId id="317" r:id="rId28"/>
-    <p:sldId id="287" r:id="rId29"/>
-    <p:sldId id="295" r:id="rId30"/>
-    <p:sldId id="318" r:id="rId31"/>
-    <p:sldId id="288" r:id="rId32"/>
-    <p:sldId id="290" r:id="rId33"/>
-    <p:sldId id="291" r:id="rId34"/>
-    <p:sldId id="293" r:id="rId35"/>
-    <p:sldId id="319" r:id="rId36"/>
-    <p:sldId id="292" r:id="rId37"/>
-    <p:sldId id="297" r:id="rId38"/>
-    <p:sldId id="299" r:id="rId39"/>
-    <p:sldId id="300" r:id="rId40"/>
-    <p:sldId id="301" r:id="rId41"/>
-    <p:sldId id="313" r:id="rId42"/>
-    <p:sldId id="302" r:id="rId43"/>
-    <p:sldId id="303" r:id="rId44"/>
-    <p:sldId id="304" r:id="rId45"/>
-    <p:sldId id="305" r:id="rId46"/>
-    <p:sldId id="306" r:id="rId47"/>
-    <p:sldId id="307" r:id="rId48"/>
-    <p:sldId id="308" r:id="rId49"/>
-    <p:sldId id="309" r:id="rId50"/>
-    <p:sldId id="310" r:id="rId51"/>
-    <p:sldId id="311" r:id="rId52"/>
-    <p:sldId id="312" r:id="rId53"/>
-    <p:sldId id="320" r:id="rId54"/>
-    <p:sldId id="321" r:id="rId55"/>
-    <p:sldId id="322" r:id="rId56"/>
-    <p:sldId id="323" r:id="rId57"/>
-    <p:sldId id="324" r:id="rId58"/>
-    <p:sldId id="273" r:id="rId59"/>
+    <p:sldId id="325" r:id="rId22"/>
+    <p:sldId id="271" r:id="rId23"/>
+    <p:sldId id="282" r:id="rId24"/>
+    <p:sldId id="283" r:id="rId25"/>
+    <p:sldId id="294" r:id="rId26"/>
+    <p:sldId id="284" r:id="rId27"/>
+    <p:sldId id="286" r:id="rId28"/>
+    <p:sldId id="317" r:id="rId29"/>
+    <p:sldId id="326" r:id="rId30"/>
+    <p:sldId id="327" r:id="rId31"/>
+    <p:sldId id="287" r:id="rId32"/>
+    <p:sldId id="295" r:id="rId33"/>
+    <p:sldId id="318" r:id="rId34"/>
+    <p:sldId id="288" r:id="rId35"/>
+    <p:sldId id="290" r:id="rId36"/>
+    <p:sldId id="291" r:id="rId37"/>
+    <p:sldId id="293" r:id="rId38"/>
+    <p:sldId id="319" r:id="rId39"/>
+    <p:sldId id="292" r:id="rId40"/>
+    <p:sldId id="297" r:id="rId41"/>
+    <p:sldId id="329" r:id="rId42"/>
+    <p:sldId id="330" r:id="rId43"/>
+    <p:sldId id="331" r:id="rId44"/>
+    <p:sldId id="299" r:id="rId45"/>
+    <p:sldId id="300" r:id="rId46"/>
+    <p:sldId id="301" r:id="rId47"/>
+    <p:sldId id="313" r:id="rId48"/>
+    <p:sldId id="302" r:id="rId49"/>
+    <p:sldId id="303" r:id="rId50"/>
+    <p:sldId id="304" r:id="rId51"/>
+    <p:sldId id="305" r:id="rId52"/>
+    <p:sldId id="306" r:id="rId53"/>
+    <p:sldId id="307" r:id="rId54"/>
+    <p:sldId id="308" r:id="rId55"/>
+    <p:sldId id="309" r:id="rId56"/>
+    <p:sldId id="310" r:id="rId57"/>
+    <p:sldId id="311" r:id="rId58"/>
+    <p:sldId id="312" r:id="rId59"/>
+    <p:sldId id="328" r:id="rId60"/>
+    <p:sldId id="320" r:id="rId61"/>
+    <p:sldId id="321" r:id="rId62"/>
+    <p:sldId id="322" r:id="rId63"/>
+    <p:sldId id="323" r:id="rId64"/>
+    <p:sldId id="324" r:id="rId65"/>
+    <p:sldId id="273" r:id="rId66"/>
   </p:sldIdLst>
   <p:sldSz cx="9144000" cy="6858000" type="screen4x3"/>
   <p:notesSz cx="6858000" cy="9144000"/>
@@ -1295,6 +1302,13 @@
     <dgm:pt modelId="{B09D2C9B-4BB8-46EC-9B9C-FB80184BA2C2}" type="pres">
       <dgm:prSet presAssocID="{311ADC6B-9169-48CF-851A-E007224296FE}" presName="bkgdShape" presStyleLbl="node1" presStyleIdx="3" presStyleCnt="5"/>
       <dgm:spPr/>
+      <dgm:t>
+        <a:bodyPr/>
+        <a:lstStyle/>
+        <a:p>
+          <a:endParaRPr lang="en-US"/>
+        </a:p>
+      </dgm:t>
     </dgm:pt>
     <dgm:pt modelId="{D534074A-ADFA-4180-B099-B192B3BC0E79}" type="pres">
       <dgm:prSet presAssocID="{311ADC6B-9169-48CF-851A-E007224296FE}" presName="nodeTx" presStyleLbl="node1" presStyleIdx="3" presStyleCnt="5">
@@ -1303,6 +1317,13 @@
         </dgm:presLayoutVars>
       </dgm:prSet>
       <dgm:spPr/>
+      <dgm:t>
+        <a:bodyPr/>
+        <a:lstStyle/>
+        <a:p>
+          <a:endParaRPr lang="en-US"/>
+        </a:p>
+      </dgm:t>
     </dgm:pt>
     <dgm:pt modelId="{B7CD4CA6-C7A7-4624-9208-548E18F65E05}" type="pres">
       <dgm:prSet presAssocID="{311ADC6B-9169-48CF-851A-E007224296FE}" presName="invisiNode" presStyleLbl="node1" presStyleIdx="3" presStyleCnt="5"/>
@@ -1322,6 +1343,13 @@
     <dgm:pt modelId="{78F66834-D1A1-4DCA-AAE5-BAFA4EACF199}" type="pres">
       <dgm:prSet presAssocID="{E74E8593-519E-44D5-B246-B98B47AA9F77}" presName="sibTrans" presStyleLbl="sibTrans2D1" presStyleIdx="0" presStyleCnt="0"/>
       <dgm:spPr/>
+      <dgm:t>
+        <a:bodyPr/>
+        <a:lstStyle/>
+        <a:p>
+          <a:endParaRPr lang="en-US"/>
+        </a:p>
+      </dgm:t>
     </dgm:pt>
     <dgm:pt modelId="{0F0729A9-F81E-4D1A-9DDE-F24994B91778}" type="pres">
       <dgm:prSet presAssocID="{DEF48C73-B667-41BA-945A-42CFC083AE37}" presName="compNode" presStyleCnt="0"/>
@@ -1330,6 +1358,13 @@
     <dgm:pt modelId="{D5D96D56-144E-4D09-91F8-8FC748FFCF21}" type="pres">
       <dgm:prSet presAssocID="{DEF48C73-B667-41BA-945A-42CFC083AE37}" presName="bkgdShape" presStyleLbl="node1" presStyleIdx="4" presStyleCnt="5" custLinFactNeighborX="10752"/>
       <dgm:spPr/>
+      <dgm:t>
+        <a:bodyPr/>
+        <a:lstStyle/>
+        <a:p>
+          <a:endParaRPr lang="en-US"/>
+        </a:p>
+      </dgm:t>
     </dgm:pt>
     <dgm:pt modelId="{D0D29FB7-6BBA-462E-B6C7-AE207AFEC847}" type="pres">
       <dgm:prSet presAssocID="{DEF48C73-B667-41BA-945A-42CFC083AE37}" presName="nodeTx" presStyleLbl="node1" presStyleIdx="4" presStyleCnt="5">
@@ -1338,6 +1373,13 @@
         </dgm:presLayoutVars>
       </dgm:prSet>
       <dgm:spPr/>
+      <dgm:t>
+        <a:bodyPr/>
+        <a:lstStyle/>
+        <a:p>
+          <a:endParaRPr lang="en-US"/>
+        </a:p>
+      </dgm:t>
     </dgm:pt>
     <dgm:pt modelId="{07141B77-BEFA-4C13-BE44-C2555B107CCB}" type="pres">
       <dgm:prSet presAssocID="{DEF48C73-B667-41BA-945A-42CFC083AE37}" presName="invisiNode" presStyleLbl="node1" presStyleIdx="4" presStyleCnt="5"/>
@@ -1356,26 +1398,26 @@
     </dgm:pt>
   </dgm:ptLst>
   <dgm:cxnLst>
-    <dgm:cxn modelId="{7F230D9F-5A18-4A51-A16E-AA6BE381DC1F}" type="presOf" srcId="{3900BB7C-EDD3-48FA-9BB1-AFBD0F8F95AD}" destId="{11A7F566-7E56-43DE-9407-BD45AE0AE41E}" srcOrd="1" destOrd="0" presId="urn:microsoft.com/office/officeart/2005/8/layout/hList7"/>
-    <dgm:cxn modelId="{60495938-DDE7-417A-9A63-F46F343046E6}" type="presOf" srcId="{96F3274B-589D-4F86-BA39-C6997E5CAFCC}" destId="{1630FF3D-A00C-468E-962F-E41FC3624E26}" srcOrd="0" destOrd="0" presId="urn:microsoft.com/office/officeart/2005/8/layout/hList7"/>
+    <dgm:cxn modelId="{9B0F5683-5D49-4551-A263-25F815277892}" srcId="{96F3274B-589D-4F86-BA39-C6997E5CAFCC}" destId="{4110F7CA-1DEE-4D9B-A79E-F220C89DC26F}" srcOrd="2" destOrd="0" parTransId="{81054186-B9B8-4CD5-B96B-9274BCD47627}" sibTransId="{649A1FD8-7B48-48A3-92DB-1CAC4C9627AB}"/>
+    <dgm:cxn modelId="{DEAD9112-BCBC-42A8-BF79-D5EB438A947F}" type="presOf" srcId="{49DA1277-BF8B-4782-9F0B-F408B308C87A}" destId="{42AD9186-06EF-41C3-B058-A7B27FDB121D}" srcOrd="0" destOrd="0" presId="urn:microsoft.com/office/officeart/2005/8/layout/hList7"/>
     <dgm:cxn modelId="{7D570CEC-EA81-4113-A85C-34D0380D586E}" type="presOf" srcId="{E74E8593-519E-44D5-B246-B98B47AA9F77}" destId="{78F66834-D1A1-4DCA-AAE5-BAFA4EACF199}" srcOrd="0" destOrd="0" presId="urn:microsoft.com/office/officeart/2005/8/layout/hList7"/>
-    <dgm:cxn modelId="{C965F1C3-CB40-492D-B854-F0C46E29D1CE}" srcId="{96F3274B-589D-4F86-BA39-C6997E5CAFCC}" destId="{DEF48C73-B667-41BA-945A-42CFC083AE37}" srcOrd="4" destOrd="0" parTransId="{994FB9E2-7AC7-4D40-9276-0BB1A69CE142}" sibTransId="{589D46B1-A919-4A20-A2A3-B51C4D9C1F97}"/>
+    <dgm:cxn modelId="{9C4E77C6-3D28-4860-89DA-D88526F7E384}" type="presOf" srcId="{311ADC6B-9169-48CF-851A-E007224296FE}" destId="{B09D2C9B-4BB8-46EC-9B9C-FB80184BA2C2}" srcOrd="0" destOrd="0" presId="urn:microsoft.com/office/officeart/2005/8/layout/hList7"/>
     <dgm:cxn modelId="{94859E3E-5FA2-4E69-B5E5-C3E80D631733}" type="presOf" srcId="{EFBCF41F-0EE6-42C3-B8B2-7F3E7B01DBDD}" destId="{D51AFE7C-743B-4FE4-9B99-005B456C3157}" srcOrd="0" destOrd="0" presId="urn:microsoft.com/office/officeart/2005/8/layout/hList7"/>
-    <dgm:cxn modelId="{CE28B9A0-0DFD-48EB-9DB4-E3281122A49E}" type="presOf" srcId="{311ADC6B-9169-48CF-851A-E007224296FE}" destId="{D534074A-ADFA-4180-B099-B192B3BC0E79}" srcOrd="1" destOrd="0" presId="urn:microsoft.com/office/officeart/2005/8/layout/hList7"/>
-    <dgm:cxn modelId="{513041CA-2B42-4C42-8120-43A12FED6F6D}" type="presOf" srcId="{4110F7CA-1DEE-4D9B-A79E-F220C89DC26F}" destId="{1F732159-755A-4488-B71F-5FB600B3B865}" srcOrd="0" destOrd="0" presId="urn:microsoft.com/office/officeart/2005/8/layout/hList7"/>
-    <dgm:cxn modelId="{9623FFA6-1C7F-43DA-9AB4-1569E9D4F442}" srcId="{96F3274B-589D-4F86-BA39-C6997E5CAFCC}" destId="{311ADC6B-9169-48CF-851A-E007224296FE}" srcOrd="3" destOrd="0" parTransId="{4D1A21DE-7505-4925-806A-EF08F8A3F10F}" sibTransId="{E74E8593-519E-44D5-B246-B98B47AA9F77}"/>
-    <dgm:cxn modelId="{8835325B-50BD-45D3-B95E-474BBDD40735}" type="presOf" srcId="{4110F7CA-1DEE-4D9B-A79E-F220C89DC26F}" destId="{64E2A096-21B2-4E4D-B872-C21AD97E00EE}" srcOrd="1" destOrd="0" presId="urn:microsoft.com/office/officeart/2005/8/layout/hList7"/>
-    <dgm:cxn modelId="{32938F62-88BB-41AA-9FF6-B510F878E7C2}" type="presOf" srcId="{DEF48C73-B667-41BA-945A-42CFC083AE37}" destId="{D0D29FB7-6BBA-462E-B6C7-AE207AFEC847}" srcOrd="1" destOrd="0" presId="urn:microsoft.com/office/officeart/2005/8/layout/hList7"/>
-    <dgm:cxn modelId="{E62D5D5C-1270-40F4-AA7A-AB9BB8313A61}" type="presOf" srcId="{0B2F9ECA-D062-4130-B289-D5EEAA6A409F}" destId="{60F37715-730A-49A4-A142-FAE125BD50AF}" srcOrd="0" destOrd="0" presId="urn:microsoft.com/office/officeart/2005/8/layout/hList7"/>
-    <dgm:cxn modelId="{9B0F5683-5D49-4551-A263-25F815277892}" srcId="{96F3274B-589D-4F86-BA39-C6997E5CAFCC}" destId="{4110F7CA-1DEE-4D9B-A79E-F220C89DC26F}" srcOrd="2" destOrd="0" parTransId="{81054186-B9B8-4CD5-B96B-9274BCD47627}" sibTransId="{649A1FD8-7B48-48A3-92DB-1CAC4C9627AB}"/>
     <dgm:cxn modelId="{6F0B1CC6-BEFA-43DF-9F44-F67AF63F4851}" srcId="{96F3274B-589D-4F86-BA39-C6997E5CAFCC}" destId="{3900BB7C-EDD3-48FA-9BB1-AFBD0F8F95AD}" srcOrd="0" destOrd="0" parTransId="{C727DFF1-465C-44D7-890A-59D013C2C3C6}" sibTransId="{49DA1277-BF8B-4782-9F0B-F408B308C87A}"/>
     <dgm:cxn modelId="{093900D5-9933-4268-B52E-24651D5EF42E}" type="presOf" srcId="{DEF48C73-B667-41BA-945A-42CFC083AE37}" destId="{D5D96D56-144E-4D09-91F8-8FC748FFCF21}" srcOrd="0" destOrd="0" presId="urn:microsoft.com/office/officeart/2005/8/layout/hList7"/>
+    <dgm:cxn modelId="{32938F62-88BB-41AA-9FF6-B510F878E7C2}" type="presOf" srcId="{DEF48C73-B667-41BA-945A-42CFC083AE37}" destId="{D0D29FB7-6BBA-462E-B6C7-AE207AFEC847}" srcOrd="1" destOrd="0" presId="urn:microsoft.com/office/officeart/2005/8/layout/hList7"/>
     <dgm:cxn modelId="{C1147988-0641-49F9-8287-E869B65D3A69}" type="presOf" srcId="{649A1FD8-7B48-48A3-92DB-1CAC4C9627AB}" destId="{B43DC712-5E64-4D00-A482-FEC2E15D16ED}" srcOrd="0" destOrd="0" presId="urn:microsoft.com/office/officeart/2005/8/layout/hList7"/>
-    <dgm:cxn modelId="{DEAD9112-BCBC-42A8-BF79-D5EB438A947F}" type="presOf" srcId="{49DA1277-BF8B-4782-9F0B-F408B308C87A}" destId="{42AD9186-06EF-41C3-B058-A7B27FDB121D}" srcOrd="0" destOrd="0" presId="urn:microsoft.com/office/officeart/2005/8/layout/hList7"/>
+    <dgm:cxn modelId="{8835325B-50BD-45D3-B95E-474BBDD40735}" type="presOf" srcId="{4110F7CA-1DEE-4D9B-A79E-F220C89DC26F}" destId="{64E2A096-21B2-4E4D-B872-C21AD97E00EE}" srcOrd="1" destOrd="0" presId="urn:microsoft.com/office/officeart/2005/8/layout/hList7"/>
+    <dgm:cxn modelId="{9623FFA6-1C7F-43DA-9AB4-1569E9D4F442}" srcId="{96F3274B-589D-4F86-BA39-C6997E5CAFCC}" destId="{311ADC6B-9169-48CF-851A-E007224296FE}" srcOrd="3" destOrd="0" parTransId="{4D1A21DE-7505-4925-806A-EF08F8A3F10F}" sibTransId="{E74E8593-519E-44D5-B246-B98B47AA9F77}"/>
+    <dgm:cxn modelId="{BA1C9148-C374-411B-8D85-9636448A352F}" type="presOf" srcId="{3900BB7C-EDD3-48FA-9BB1-AFBD0F8F95AD}" destId="{D4C3ED54-AFBF-42E6-9E30-AB92C76D3EA4}" srcOrd="0" destOrd="0" presId="urn:microsoft.com/office/officeart/2005/8/layout/hList7"/>
+    <dgm:cxn modelId="{E62D5D5C-1270-40F4-AA7A-AB9BB8313A61}" type="presOf" srcId="{0B2F9ECA-D062-4130-B289-D5EEAA6A409F}" destId="{60F37715-730A-49A4-A142-FAE125BD50AF}" srcOrd="0" destOrd="0" presId="urn:microsoft.com/office/officeart/2005/8/layout/hList7"/>
     <dgm:cxn modelId="{6E07580A-6777-4313-A83B-D3EFA33EA98B}" type="presOf" srcId="{0B2F9ECA-D062-4130-B289-D5EEAA6A409F}" destId="{FC6E8231-A746-40BE-9D57-3536D6F586E4}" srcOrd="1" destOrd="0" presId="urn:microsoft.com/office/officeart/2005/8/layout/hList7"/>
-    <dgm:cxn modelId="{9C4E77C6-3D28-4860-89DA-D88526F7E384}" type="presOf" srcId="{311ADC6B-9169-48CF-851A-E007224296FE}" destId="{B09D2C9B-4BB8-46EC-9B9C-FB80184BA2C2}" srcOrd="0" destOrd="0" presId="urn:microsoft.com/office/officeart/2005/8/layout/hList7"/>
+    <dgm:cxn modelId="{7F230D9F-5A18-4A51-A16E-AA6BE381DC1F}" type="presOf" srcId="{3900BB7C-EDD3-48FA-9BB1-AFBD0F8F95AD}" destId="{11A7F566-7E56-43DE-9407-BD45AE0AE41E}" srcOrd="1" destOrd="0" presId="urn:microsoft.com/office/officeart/2005/8/layout/hList7"/>
+    <dgm:cxn modelId="{CE28B9A0-0DFD-48EB-9DB4-E3281122A49E}" type="presOf" srcId="{311ADC6B-9169-48CF-851A-E007224296FE}" destId="{D534074A-ADFA-4180-B099-B192B3BC0E79}" srcOrd="1" destOrd="0" presId="urn:microsoft.com/office/officeart/2005/8/layout/hList7"/>
     <dgm:cxn modelId="{55454B11-D9C0-4942-8C2A-88C7994505EF}" srcId="{96F3274B-589D-4F86-BA39-C6997E5CAFCC}" destId="{0B2F9ECA-D062-4130-B289-D5EEAA6A409F}" srcOrd="1" destOrd="0" parTransId="{56611DEF-212D-475B-9725-8DCEF3BF0B9C}" sibTransId="{EFBCF41F-0EE6-42C3-B8B2-7F3E7B01DBDD}"/>
-    <dgm:cxn modelId="{BA1C9148-C374-411B-8D85-9636448A352F}" type="presOf" srcId="{3900BB7C-EDD3-48FA-9BB1-AFBD0F8F95AD}" destId="{D4C3ED54-AFBF-42E6-9E30-AB92C76D3EA4}" srcOrd="0" destOrd="0" presId="urn:microsoft.com/office/officeart/2005/8/layout/hList7"/>
+    <dgm:cxn modelId="{513041CA-2B42-4C42-8120-43A12FED6F6D}" type="presOf" srcId="{4110F7CA-1DEE-4D9B-A79E-F220C89DC26F}" destId="{1F732159-755A-4488-B71F-5FB600B3B865}" srcOrd="0" destOrd="0" presId="urn:microsoft.com/office/officeart/2005/8/layout/hList7"/>
+    <dgm:cxn modelId="{C965F1C3-CB40-492D-B854-F0C46E29D1CE}" srcId="{96F3274B-589D-4F86-BA39-C6997E5CAFCC}" destId="{DEF48C73-B667-41BA-945A-42CFC083AE37}" srcOrd="4" destOrd="0" parTransId="{994FB9E2-7AC7-4D40-9276-0BB1A69CE142}" sibTransId="{589D46B1-A919-4A20-A2A3-B51C4D9C1F97}"/>
+    <dgm:cxn modelId="{60495938-DDE7-417A-9A63-F46F343046E6}" type="presOf" srcId="{96F3274B-589D-4F86-BA39-C6997E5CAFCC}" destId="{1630FF3D-A00C-468E-962F-E41FC3624E26}" srcOrd="0" destOrd="0" presId="urn:microsoft.com/office/officeart/2005/8/layout/hList7"/>
     <dgm:cxn modelId="{BC2794F2-4549-498B-90B4-A75006521639}" type="presParOf" srcId="{1630FF3D-A00C-468E-962F-E41FC3624E26}" destId="{28C5334B-D391-4972-968A-B17009BE51DE}" srcOrd="0" destOrd="0" presId="urn:microsoft.com/office/officeart/2005/8/layout/hList7"/>
     <dgm:cxn modelId="{5745BE28-E29D-4529-9381-BA99B49EF625}" type="presParOf" srcId="{1630FF3D-A00C-468E-962F-E41FC3624E26}" destId="{EA2E76C5-7A45-40DB-AABF-ADE23567BC5E}" srcOrd="1" destOrd="0" presId="urn:microsoft.com/office/officeart/2005/8/layout/hList7"/>
     <dgm:cxn modelId="{9FAAAF0F-B533-4BD3-908E-69B63BF56E11}" type="presParOf" srcId="{EA2E76C5-7A45-40DB-AABF-ADE23567BC5E}" destId="{0F0F3267-F7EC-481F-8478-4E4553B54E61}" srcOrd="0" destOrd="0" presId="urn:microsoft.com/office/officeart/2005/8/layout/hList7"/>
@@ -2921,7 +2963,7 @@
             <a:fld id="{F8C7FF59-B0F6-4E09-896C-454179FBCE5C}" type="datetimeFigureOut">
               <a:rPr lang="en-US" smtClean="0"/>
               <a:pPr/>
-              <a:t>6/4/2020</a:t>
+              <a:t>6/5/2020</a:t>
             </a:fld>
             <a:endParaRPr lang="en-US"/>
           </a:p>
@@ -3316,7 +3358,7 @@
             <a:fld id="{F8C7FF59-B0F6-4E09-896C-454179FBCE5C}" type="datetimeFigureOut">
               <a:rPr lang="en-US" smtClean="0"/>
               <a:pPr/>
-              <a:t>6/4/2020</a:t>
+              <a:t>6/5/2020</a:t>
             </a:fld>
             <a:endParaRPr lang="en-US"/>
           </a:p>
@@ -3851,7 +3893,7 @@
             <a:fld id="{F8C7FF59-B0F6-4E09-896C-454179FBCE5C}" type="datetimeFigureOut">
               <a:rPr lang="en-US" smtClean="0"/>
               <a:pPr/>
-              <a:t>6/4/2020</a:t>
+              <a:t>6/5/2020</a:t>
             </a:fld>
             <a:endParaRPr lang="en-US"/>
           </a:p>
@@ -3985,7 +4027,7 @@
             <a:fld id="{F8C7FF59-B0F6-4E09-896C-454179FBCE5C}" type="datetimeFigureOut">
               <a:rPr lang="en-US" smtClean="0"/>
               <a:pPr/>
-              <a:t>6/4/2020</a:t>
+              <a:t>6/5/2020</a:t>
             </a:fld>
             <a:endParaRPr lang="en-US"/>
           </a:p>
@@ -4530,7 +4572,7 @@
             <a:fld id="{F8C7FF59-B0F6-4E09-896C-454179FBCE5C}" type="datetimeFigureOut">
               <a:rPr lang="en-US" smtClean="0"/>
               <a:pPr/>
-              <a:t>6/4/2020</a:t>
+              <a:t>6/5/2020</a:t>
             </a:fld>
             <a:endParaRPr lang="en-US"/>
           </a:p>
@@ -4827,7 +4869,7 @@
             <a:fld id="{F8C7FF59-B0F6-4E09-896C-454179FBCE5C}" type="datetimeFigureOut">
               <a:rPr lang="en-US" smtClean="0"/>
               <a:pPr/>
-              <a:t>6/4/2020</a:t>
+              <a:t>6/5/2020</a:t>
             </a:fld>
             <a:endParaRPr lang="en-US"/>
           </a:p>
@@ -5488,7 +5530,7 @@
             <a:fld id="{F8C7FF59-B0F6-4E09-896C-454179FBCE5C}" type="datetimeFigureOut">
               <a:rPr lang="en-US" smtClean="0"/>
               <a:pPr/>
-              <a:t>6/4/2020</a:t>
+              <a:t>6/5/2020</a:t>
             </a:fld>
             <a:endParaRPr lang="en-US"/>
           </a:p>
@@ -5926,7 +5968,7 @@
             <a:fld id="{F8C7FF59-B0F6-4E09-896C-454179FBCE5C}" type="datetimeFigureOut">
               <a:rPr lang="en-US" smtClean="0"/>
               <a:pPr/>
-              <a:t>6/4/2020</a:t>
+              <a:t>6/5/2020</a:t>
             </a:fld>
             <a:endParaRPr lang="en-US"/>
           </a:p>
@@ -6241,7 +6283,7 @@
             <a:fld id="{F8C7FF59-B0F6-4E09-896C-454179FBCE5C}" type="datetimeFigureOut">
               <a:rPr lang="en-US" smtClean="0"/>
               <a:pPr/>
-              <a:t>6/4/2020</a:t>
+              <a:t>6/5/2020</a:t>
             </a:fld>
             <a:endParaRPr lang="en-US"/>
           </a:p>
@@ -6976,7 +7018,7 @@
             <a:fld id="{F8C7FF59-B0F6-4E09-896C-454179FBCE5C}" type="datetimeFigureOut">
               <a:rPr lang="en-US" smtClean="0"/>
               <a:pPr/>
-              <a:t>6/4/2020</a:t>
+              <a:t>6/5/2020</a:t>
             </a:fld>
             <a:endParaRPr lang="en-US"/>
           </a:p>
@@ -7642,7 +7684,7 @@
             <a:fld id="{F8C7FF59-B0F6-4E09-896C-454179FBCE5C}" type="datetimeFigureOut">
               <a:rPr lang="en-US" smtClean="0"/>
               <a:pPr/>
-              <a:t>6/4/2020</a:t>
+              <a:t>6/5/2020</a:t>
             </a:fld>
             <a:endParaRPr lang="en-US"/>
           </a:p>
@@ -7916,7 +7958,7 @@
             <a:fld id="{F8C7FF59-B0F6-4E09-896C-454179FBCE5C}" type="datetimeFigureOut">
               <a:rPr lang="en-US" smtClean="0"/>
               <a:pPr/>
-              <a:t>6/4/2020</a:t>
+              <a:t>6/5/2020</a:t>
             </a:fld>
             <a:endParaRPr lang="en-US"/>
           </a:p>
@@ -8809,11 +8851,7 @@
           <a:p>
             <a:r>
               <a:rPr lang="en-US" sz="2400" dirty="0" smtClean="0"/>
-              <a:t>Methods to gather </a:t>
-            </a:r>
-            <a:r>
-              <a:rPr lang="en-US" sz="2400" dirty="0" smtClean="0"/>
-              <a:t>information are:</a:t>
+              <a:t>Methods to gather information are:</a:t>
             </a:r>
             <a:endParaRPr lang="en-US" sz="2400" dirty="0"/>
           </a:p>
@@ -8909,22 +8947,14 @@
           <a:p>
             <a:r>
               <a:rPr lang="en-IN" dirty="0" smtClean="0"/>
-              <a:t>The current systems include tutorial sites with huge/less payment</a:t>
-            </a:r>
+              <a:t>The current systems include tutorial sites with huge/less payment.</a:t>
+            </a:r>
+            <a:endParaRPr lang="en-US" dirty="0" smtClean="0"/>
+          </a:p>
+          <a:p>
             <a:r>
               <a:rPr lang="en-IN" dirty="0" smtClean="0"/>
-              <a:t>.</a:t>
-            </a:r>
-            <a:endParaRPr lang="en-US" dirty="0" smtClean="0"/>
-          </a:p>
-          <a:p>
-            <a:r>
-              <a:rPr lang="en-IN" dirty="0" smtClean="0"/>
-              <a:t>Some sites uses complicated </a:t>
-            </a:r>
-            <a:r>
-              <a:rPr lang="en-IN" dirty="0" smtClean="0"/>
-              <a:t>language, difficult accent.</a:t>
+              <a:t>Some sites uses complicated language, difficult accent.</a:t>
             </a:r>
             <a:endParaRPr lang="en-US" dirty="0" smtClean="0"/>
           </a:p>
@@ -8938,33 +8968,21 @@
           <a:p>
             <a:r>
               <a:rPr lang="en-IN" dirty="0" smtClean="0"/>
-              <a:t>Provides </a:t>
-            </a:r>
+              <a:t>Provides demo videos for users.</a:t>
+            </a:r>
+            <a:endParaRPr lang="en-US" dirty="0" smtClean="0"/>
+          </a:p>
+          <a:p>
             <a:r>
               <a:rPr lang="en-IN" dirty="0" smtClean="0"/>
-              <a:t>demo videos for users.</a:t>
+              <a:t>Some sites allow users to provide video classes to admin for money.</a:t>
             </a:r>
             <a:endParaRPr lang="en-US" dirty="0" smtClean="0"/>
           </a:p>
           <a:p>
             <a:r>
               <a:rPr lang="en-IN" dirty="0" smtClean="0"/>
-              <a:t>Some sites </a:t>
-            </a:r>
-            <a:r>
-              <a:rPr lang="en-IN" dirty="0" smtClean="0"/>
-              <a:t>allow users to provide video classes to admin for money.</a:t>
-            </a:r>
-            <a:endParaRPr lang="en-US" dirty="0" smtClean="0"/>
-          </a:p>
-          <a:p>
-            <a:r>
-              <a:rPr lang="en-IN" dirty="0" smtClean="0"/>
-              <a:t>Current systems provide interactive interface, provide tests</a:t>
-            </a:r>
-            <a:r>
-              <a:rPr lang="en-IN" dirty="0" smtClean="0"/>
-              <a:t>.</a:t>
+              <a:t>Current systems provide interactive interface, provide tests.</a:t>
             </a:r>
           </a:p>
           <a:p>
@@ -9045,11 +9063,7 @@
           <a:p>
             <a:r>
               <a:rPr lang="en-IN" dirty="0" smtClean="0"/>
-              <a:t>Do not </a:t>
-            </a:r>
-            <a:r>
-              <a:rPr lang="en-IN" dirty="0" smtClean="0"/>
-              <a:t>take feedback.</a:t>
+              <a:t>Do not take feedback.</a:t>
             </a:r>
             <a:endParaRPr lang="en-US" dirty="0" smtClean="0"/>
           </a:p>
@@ -9091,19 +9105,7 @@
           <a:p>
             <a:r>
               <a:rPr lang="en-IN" dirty="0" smtClean="0"/>
-              <a:t>Some sites provide either only </a:t>
-            </a:r>
-            <a:r>
-              <a:rPr lang="en-IN" dirty="0" smtClean="0"/>
-              <a:t>text material </a:t>
-            </a:r>
-            <a:r>
-              <a:rPr lang="en-IN" dirty="0" smtClean="0"/>
-              <a:t>or only videos</a:t>
-            </a:r>
-            <a:r>
-              <a:rPr lang="en-IN" dirty="0" smtClean="0"/>
-              <a:t>.</a:t>
+              <a:t>Some sites provide either only text material or only videos.</a:t>
             </a:r>
           </a:p>
           <a:p>
@@ -9316,25 +9318,13 @@
           <a:p>
             <a:r>
               <a:rPr lang="en-US" dirty="0" smtClean="0"/>
-              <a:t>Video </a:t>
-            </a:r>
+              <a:t>Video quality and playback options-users are able to change the quality of videos as per their convenience.</a:t>
+            </a:r>
+          </a:p>
+          <a:p>
             <a:r>
               <a:rPr lang="en-US" dirty="0" smtClean="0"/>
-              <a:t>quality and playback options-users are able to change the quality of videos as per their convenience.</a:t>
-            </a:r>
-          </a:p>
-          <a:p>
-            <a:r>
-              <a:rPr lang="en-US" dirty="0" smtClean="0"/>
-              <a:t>S</a:t>
-            </a:r>
-            <a:r>
-              <a:rPr lang="en-US" dirty="0" smtClean="0"/>
-              <a:t>earch </a:t>
-            </a:r>
-            <a:r>
-              <a:rPr lang="en-US" dirty="0" smtClean="0"/>
-              <a:t>bar to search for topics and contents .</a:t>
+              <a:t>Search bar to search for topics and contents .</a:t>
             </a:r>
           </a:p>
           <a:p>
@@ -9342,64 +9332,35 @@
               <a:rPr lang="en-US" dirty="0" smtClean="0"/>
               <a:t>3 levels.</a:t>
             </a:r>
-            <a:endParaRPr lang="en-US" dirty="0" smtClean="0"/>
           </a:p>
           <a:p>
             <a:r>
               <a:rPr lang="en-US" dirty="0" smtClean="0"/>
-              <a:t>P</a:t>
-            </a:r>
+              <a:t>Provides no advertisements.</a:t>
+            </a:r>
+          </a:p>
+          <a:p>
             <a:r>
               <a:rPr lang="en-US" dirty="0" smtClean="0"/>
-              <a:t>rovides </a:t>
-            </a:r>
+              <a:t>Provide switches to go from bottom to top, links to other websites to read more and links to give info about keywords.</a:t>
+            </a:r>
+          </a:p>
+          <a:p>
             <a:r>
               <a:rPr lang="en-US" dirty="0" smtClean="0"/>
-              <a:t>no advertisements.</a:t>
+              <a:t>Provides feedback and comments to ask doubt.</a:t>
             </a:r>
           </a:p>
           <a:p>
             <a:r>
               <a:rPr lang="en-US" dirty="0" smtClean="0"/>
-              <a:t>Provide </a:t>
-            </a:r>
+              <a:t>Provide facilities for online tests.</a:t>
+            </a:r>
+          </a:p>
+          <a:p>
             <a:r>
               <a:rPr lang="en-US" dirty="0" smtClean="0"/>
-              <a:t>switches to go from bottom to top, links to other websites to read more and links to give info about keywords.</a:t>
-            </a:r>
-          </a:p>
-          <a:p>
-            <a:r>
-              <a:rPr lang="en-US" dirty="0" smtClean="0"/>
-              <a:t>P</a:t>
-            </a:r>
-            <a:r>
-              <a:rPr lang="en-US" dirty="0" smtClean="0"/>
-              <a:t>rovides </a:t>
-            </a:r>
-            <a:r>
-              <a:rPr lang="en-US" dirty="0" smtClean="0"/>
-              <a:t>feedback and comments to ask doubt.</a:t>
-            </a:r>
-          </a:p>
-          <a:p>
-            <a:r>
-              <a:rPr lang="en-US" dirty="0" smtClean="0"/>
-              <a:t>Provide </a:t>
-            </a:r>
-            <a:r>
-              <a:rPr lang="en-US" dirty="0" smtClean="0"/>
-              <a:t>facilities for online tests.</a:t>
-            </a:r>
-          </a:p>
-          <a:p>
-            <a:r>
-              <a:rPr lang="en-US" dirty="0" smtClean="0"/>
-              <a:t>Provide </a:t>
-            </a:r>
-            <a:r>
-              <a:rPr lang="en-US" dirty="0" smtClean="0"/>
-              <a:t>attractive interface to users(use flip, dark mode etc.).</a:t>
+              <a:t>Provide attractive interface to users(use flip, dark mode etc.).</a:t>
             </a:r>
           </a:p>
           <a:p>
@@ -9470,15 +9431,7 @@
           <a:p>
             <a:r>
               <a:rPr lang="en-US" dirty="0" smtClean="0"/>
-              <a:t>Create </a:t>
-            </a:r>
-            <a:r>
-              <a:rPr lang="en-US" dirty="0" smtClean="0"/>
-              <a:t>website that is compatible with most devices and browsers</a:t>
-            </a:r>
-            <a:r>
-              <a:rPr lang="en-US" dirty="0" smtClean="0"/>
-              <a:t>.</a:t>
+              <a:t>Create website that is compatible with most devices and browsers.</a:t>
             </a:r>
           </a:p>
           <a:p>
@@ -9486,7 +9439,6 @@
               <a:rPr lang="en-US" dirty="0" smtClean="0"/>
               <a:t>Role of admin</a:t>
             </a:r>
-            <a:endParaRPr lang="en-US" dirty="0" smtClean="0"/>
           </a:p>
           <a:p>
             <a:r>
@@ -9729,8 +9681,11 @@
           <a:p>
             <a:r>
               <a:rPr lang="en-IN" dirty="0" smtClean="0"/>
-              <a:t>Development of this application is economical feasible.  The organization or hypermarket need not spend much money for the accomplishment of the project since the resources required for the development of system is already available. Even after the development, the organization need not be in a position to invest more on maintenance and hence the system is economically feasible.</a:t>
-            </a:r>
+              <a:t>Development of this application is economical feasible. Economic feasibility also known as cost/benefit analysis is a procedure to determine the benefits and savings that are expected from a candidate system and compare them with cost. If benefits outweigh costs, then the decision is made to design and implement the system.</a:t>
+            </a:r>
+            <a:endParaRPr lang="en-US" dirty="0" smtClean="0"/>
+          </a:p>
+          <a:p>
             <a:endParaRPr lang="en-US" dirty="0" smtClean="0"/>
           </a:p>
           <a:p>
@@ -9797,7 +9752,17 @@
           <a:p>
             <a:r>
               <a:rPr lang="en-IN" dirty="0" smtClean="0"/>
-              <a:t>It involves determining whether or not a system can actually constructed to solve the problem at hand. The proposed system is technically feasible. Since the necessary technology exist in the organization and also will not be much difficulty in getting the required resources for the development and for the maintenance of the system as well. Ph p and android has a neutral architecture.</a:t>
+              <a:t>It involves determining whether or not a system can actually constructed to solve the problem at hand. The proposed system is technically feasible. Since the necessary technology exist and the required resources for the development and maintenance is easily available as well. </a:t>
+            </a:r>
+            <a:endParaRPr lang="en-US" dirty="0" smtClean="0"/>
+          </a:p>
+          <a:p>
+            <a:pPr>
+              <a:buNone/>
+            </a:pPr>
+            <a:r>
+              <a:rPr lang="en-IN" dirty="0" smtClean="0"/>
+              <a:t> </a:t>
             </a:r>
             <a:endParaRPr lang="en-US" dirty="0" smtClean="0"/>
           </a:p>
@@ -9950,27 +9915,25 @@
               <a:buNone/>
             </a:pPr>
             <a:r>
+              <a:rPr lang="en-IN" sz="2800" b="1" dirty="0" err="1" smtClean="0"/>
+              <a:t>Behavioral</a:t>
+            </a:r>
+            <a:r>
               <a:rPr lang="en-IN" sz="2800" b="1" dirty="0" smtClean="0"/>
-              <a:t>Operational </a:t>
-            </a:r>
-            <a:r>
-              <a:rPr lang="en-IN" sz="2800" b="1" dirty="0" smtClean="0"/>
-              <a:t>feasibility</a:t>
-            </a:r>
-            <a:endParaRPr lang="en-IN" dirty="0" smtClean="0"/>
+              <a:t> Feasibility</a:t>
+            </a:r>
           </a:p>
           <a:p>
             <a:r>
               <a:rPr lang="en-IN" dirty="0" smtClean="0"/>
-              <a:t>Proposed </a:t>
-            </a:r>
+              <a:t>People are inherently resistant to change, and computers have been known to facilitate change. </a:t>
+            </a:r>
+          </a:p>
+          <a:p>
             <a:r>
               <a:rPr lang="en-IN" dirty="0" smtClean="0"/>
-              <a:t>system is beneficial because they can be turned into information system will meet the organization’s operating requirements.</a:t>
-            </a:r>
-            <a:endParaRPr lang="en-US" dirty="0" smtClean="0"/>
-          </a:p>
-          <a:p>
+              <a:t>In this project there is minimum behavioural feasibility as the users are mainly students and are already very well aware of tutorial sites and skilled enough to use a computer properly.</a:t>
+            </a:r>
             <a:endParaRPr lang="en-US" dirty="0"/>
           </a:p>
         </p:txBody>
@@ -10009,29 +9972,6 @@
       </p:grpSpPr>
       <p:sp>
         <p:nvSpPr>
-          <p:cNvPr id="2" name="Title 1"/>
-          <p:cNvSpPr>
-            <a:spLocks noGrp="1"/>
-          </p:cNvSpPr>
-          <p:nvPr>
-            <p:ph type="title"/>
-          </p:nvPr>
-        </p:nvSpPr>
-        <p:spPr/>
-        <p:txBody>
-          <a:bodyPr/>
-          <a:lstStyle/>
-          <a:p>
-            <a:r>
-              <a:rPr lang="en-US" dirty="0" smtClean="0"/>
-              <a:t>Modules</a:t>
-            </a:r>
-            <a:endParaRPr lang="en-US" dirty="0"/>
-          </a:p>
-        </p:txBody>
-      </p:sp>
-      <p:sp>
-        <p:nvSpPr>
           <p:cNvPr id="3" name="Content Placeholder 2"/>
           <p:cNvSpPr>
             <a:spLocks noGrp="1"/>
@@ -10042,81 +9982,23 @@
         </p:nvSpPr>
         <p:spPr/>
         <p:txBody>
-          <a:bodyPr>
-            <a:normAutofit fontScale="70000" lnSpcReduction="20000"/>
-          </a:bodyPr>
+          <a:bodyPr/>
           <a:lstStyle/>
           <a:p>
+            <a:pPr>
+              <a:buNone/>
+            </a:pPr>
             <a:r>
               <a:rPr lang="en-IN" b="1" dirty="0" smtClean="0"/>
-              <a:t>ADMINISTRATOR MODULE</a:t>
-            </a:r>
-            <a:endParaRPr lang="en-US" dirty="0" smtClean="0"/>
+              <a:t>Legal Feasibility</a:t>
+            </a:r>
           </a:p>
           <a:p>
             <a:r>
               <a:rPr lang="en-IN" dirty="0" smtClean="0"/>
-              <a:t>  Admin should be able to add videos and content, view users, view videos and content accepted by inspector and accept payments and view payment details.</a:t>
-            </a:r>
-            <a:endParaRPr lang="en-US" dirty="0" smtClean="0"/>
-          </a:p>
-          <a:p>
-            <a:r>
-              <a:rPr lang="en-IN" b="1" dirty="0" smtClean="0"/>
-              <a:t>INSPECTOR MODULE</a:t>
-            </a:r>
-            <a:endParaRPr lang="en-US" dirty="0" smtClean="0"/>
-          </a:p>
-          <a:p>
-            <a:r>
-              <a:rPr lang="en-IN" dirty="0" smtClean="0"/>
-              <a:t>Inspector should be able to view contents provided by admin and make sure it is relevant and if necessary should be able to add to website and else should be able to remove those.</a:t>
-            </a:r>
-            <a:endParaRPr lang="en-US" dirty="0" smtClean="0"/>
-          </a:p>
-          <a:p>
-            <a:r>
-              <a:rPr lang="en-IN" b="1" dirty="0" smtClean="0"/>
-              <a:t>STUDENT MODULE</a:t>
-            </a:r>
-            <a:endParaRPr lang="en-US" dirty="0" smtClean="0"/>
-          </a:p>
-          <a:p>
-            <a:r>
-              <a:rPr lang="en-IN" dirty="0" smtClean="0"/>
-              <a:t>Students should be able to view courses(and demo classes) see their progress, attend tests and request for contents not available in this site. To create interest in students badges can be made given based on their progress.</a:t>
-            </a:r>
-            <a:endParaRPr lang="en-US" dirty="0" smtClean="0"/>
-          </a:p>
-          <a:p>
-            <a:r>
-              <a:rPr lang="en-IN" b="1" dirty="0" smtClean="0"/>
-              <a:t>TEACHER MODULE</a:t>
-            </a:r>
-            <a:endParaRPr lang="en-US" dirty="0" smtClean="0"/>
-          </a:p>
-          <a:p>
-            <a:r>
-              <a:rPr lang="en-IN" dirty="0" smtClean="0"/>
-              <a:t>Provide content to the admin which are inspected by the </a:t>
-            </a:r>
-            <a:r>
-              <a:rPr lang="en-IN" dirty="0" err="1" smtClean="0"/>
-              <a:t>inpector</a:t>
-            </a:r>
-            <a:r>
-              <a:rPr lang="en-IN" dirty="0" smtClean="0"/>
-              <a:t> and approved or rejected by the </a:t>
-            </a:r>
-            <a:r>
-              <a:rPr lang="en-IN" dirty="0" err="1" smtClean="0"/>
-              <a:t>same.if</a:t>
-            </a:r>
-            <a:r>
-              <a:rPr lang="en-IN" dirty="0" smtClean="0"/>
-              <a:t> approved they get money for the work.</a:t>
-            </a:r>
-            <a:endParaRPr lang="en-US" dirty="0" smtClean="0"/>
+              <a:t>Legal feasibility is the study to know if the proposed project conform the legal and ethical requirements. Content we distribute should be our own, it should not be copied from any other source, if done we should reference it .</a:t>
+            </a:r>
+            <a:endParaRPr lang="en-US" b="1" dirty="0"/>
           </a:p>
         </p:txBody>
       </p:sp>
@@ -10125,13 +10007,6 @@
   <p:clrMapOvr>
     <a:masterClrMapping/>
   </p:clrMapOvr>
-  <p:timing>
-    <p:tnLst>
-      <p:par>
-        <p:cTn id="1" dur="indefinite" restart="never" nodeType="tmRoot"/>
-      </p:par>
-    </p:tnLst>
-  </p:timing>
 </p:sld>
 </file>
 
@@ -10169,7 +10044,7 @@
           <a:p>
             <a:r>
               <a:rPr lang="en-US" dirty="0" smtClean="0"/>
-              <a:t>Design</a:t>
+              <a:t>Modules</a:t>
             </a:r>
             <a:endParaRPr lang="en-US" dirty="0"/>
           </a:p>
@@ -10187,39 +10062,81 @@
         </p:nvSpPr>
         <p:spPr/>
         <p:txBody>
-          <a:bodyPr/>
+          <a:bodyPr>
+            <a:normAutofit fontScale="70000" lnSpcReduction="20000"/>
+          </a:bodyPr>
           <a:lstStyle/>
           <a:p>
             <a:r>
-              <a:rPr lang="en-US" dirty="0" smtClean="0"/>
-              <a:t>DFD</a:t>
-            </a:r>
-          </a:p>
-          <a:p>
-            <a:r>
-              <a:rPr lang="en-US" dirty="0" smtClean="0"/>
-              <a:t>Use case Diagram</a:t>
-            </a:r>
-          </a:p>
-          <a:p>
-            <a:r>
-              <a:rPr lang="en-US" dirty="0" smtClean="0"/>
-              <a:t>ER diagram</a:t>
-            </a:r>
-          </a:p>
-          <a:p>
-            <a:r>
-              <a:rPr lang="en-US" dirty="0" smtClean="0"/>
-              <a:t>Class </a:t>
-            </a:r>
-            <a:r>
-              <a:rPr lang="en-US" dirty="0" smtClean="0"/>
-              <a:t>diagram (since OOP paradigm is used)</a:t>
+              <a:rPr lang="en-IN" b="1" dirty="0" smtClean="0"/>
+              <a:t>ADMINISTRATOR MODULE</a:t>
             </a:r>
             <a:endParaRPr lang="en-US" dirty="0" smtClean="0"/>
           </a:p>
           <a:p>
-            <a:endParaRPr lang="en-US" dirty="0"/>
+            <a:r>
+              <a:rPr lang="en-IN" dirty="0" smtClean="0"/>
+              <a:t>  Admin should be able to add videos and content, view users, view videos and content accepted by inspector and accept payments and view payment details.</a:t>
+            </a:r>
+            <a:endParaRPr lang="en-US" dirty="0" smtClean="0"/>
+          </a:p>
+          <a:p>
+            <a:r>
+              <a:rPr lang="en-IN" b="1" dirty="0" smtClean="0"/>
+              <a:t>INSPECTOR MODULE</a:t>
+            </a:r>
+            <a:endParaRPr lang="en-US" dirty="0" smtClean="0"/>
+          </a:p>
+          <a:p>
+            <a:r>
+              <a:rPr lang="en-IN" dirty="0" smtClean="0"/>
+              <a:t>Inspector should be able to view contents provided by admin and make sure it is relevant and if necessary should be able to add to website and else should be able to remove those.</a:t>
+            </a:r>
+            <a:endParaRPr lang="en-US" dirty="0" smtClean="0"/>
+          </a:p>
+          <a:p>
+            <a:r>
+              <a:rPr lang="en-IN" b="1" dirty="0" smtClean="0"/>
+              <a:t>STUDENT MODULE</a:t>
+            </a:r>
+            <a:endParaRPr lang="en-US" dirty="0" smtClean="0"/>
+          </a:p>
+          <a:p>
+            <a:r>
+              <a:rPr lang="en-IN" dirty="0" smtClean="0"/>
+              <a:t>Students should be able to view courses(and demo classes) see their progress, attend tests and request for contents not available in this site. To create interest in students badges can be made given based on their progress.</a:t>
+            </a:r>
+            <a:endParaRPr lang="en-US" dirty="0" smtClean="0"/>
+          </a:p>
+          <a:p>
+            <a:r>
+              <a:rPr lang="en-IN" b="1" dirty="0" smtClean="0"/>
+              <a:t>TEACHER MODULE</a:t>
+            </a:r>
+            <a:endParaRPr lang="en-US" dirty="0" smtClean="0"/>
+          </a:p>
+          <a:p>
+            <a:r>
+              <a:rPr lang="en-IN" dirty="0" smtClean="0"/>
+              <a:t>Provide content to the admin which are inspected by the </a:t>
+            </a:r>
+            <a:r>
+              <a:rPr lang="en-IN" dirty="0" err="1" smtClean="0"/>
+              <a:t>inpector</a:t>
+            </a:r>
+            <a:r>
+              <a:rPr lang="en-IN" dirty="0" smtClean="0"/>
+              <a:t> and approved or rejected by the </a:t>
+            </a:r>
+            <a:r>
+              <a:rPr lang="en-IN" dirty="0" err="1" smtClean="0"/>
+              <a:t>same.if</a:t>
+            </a:r>
+            <a:r>
+              <a:rPr lang="en-IN" dirty="0" smtClean="0"/>
+              <a:t> approved they get money for the work.</a:t>
+            </a:r>
+            <a:endParaRPr lang="en-US" dirty="0" smtClean="0"/>
           </a:p>
         </p:txBody>
       </p:sp>
@@ -10228,6 +10145,13 @@
   <p:clrMapOvr>
     <a:masterClrMapping/>
   </p:clrMapOvr>
+  <p:timing>
+    <p:tnLst>
+      <p:par>
+        <p:cTn id="1" dur="indefinite" restart="never" nodeType="tmRoot"/>
+      </p:par>
+    </p:tnLst>
+  </p:timing>
 </p:sld>
 </file>
 
@@ -10260,14 +10184,12 @@
         </p:nvSpPr>
         <p:spPr/>
         <p:txBody>
-          <a:bodyPr>
-            <a:normAutofit/>
-          </a:bodyPr>
+          <a:bodyPr/>
           <a:lstStyle/>
           <a:p>
             <a:r>
               <a:rPr lang="en-US" dirty="0" smtClean="0"/>
-              <a:t>Unified Modeling Language</a:t>
+              <a:t>Design</a:t>
             </a:r>
             <a:endParaRPr lang="en-US" dirty="0"/>
           </a:p>
@@ -10288,27 +10210,30 @@
           <a:bodyPr/>
           <a:lstStyle/>
           <a:p>
-            <a:pPr>
-              <a:buNone/>
-            </a:pPr>
             <a:r>
               <a:rPr lang="en-US" dirty="0" smtClean="0"/>
-              <a:t/>
-            </a:r>
-            <a:br>
+              <a:t>DFD</a:t>
+            </a:r>
+          </a:p>
+          <a:p>
+            <a:r>
               <a:rPr lang="en-US" dirty="0" smtClean="0"/>
-            </a:br>
+              <a:t>Use case Diagram</a:t>
+            </a:r>
+          </a:p>
+          <a:p>
             <a:r>
               <a:rPr lang="en-US" dirty="0" smtClean="0"/>
-              <a:t/>
-            </a:r>
-            <a:br>
+              <a:t>ER diagram</a:t>
+            </a:r>
+          </a:p>
+          <a:p>
+            <a:r>
               <a:rPr lang="en-US" dirty="0" smtClean="0"/>
-            </a:br>
-            <a:r>
-              <a:rPr lang="en-US" dirty="0" smtClean="0"/>
-              <a:t>The Unified Modeling Language is a general-purpose, developmental, modeling language in the field of software engineering that is intended to provide a standard way to visualize the design of a system. </a:t>
-            </a:r>
+              <a:t>Class diagram (since OOP paradigm is used)</a:t>
+            </a:r>
+          </a:p>
+          <a:p>
             <a:endParaRPr lang="en-US" dirty="0"/>
           </a:p>
         </p:txBody>
@@ -10350,20 +10275,14 @@
         </p:nvSpPr>
         <p:spPr/>
         <p:txBody>
-          <a:bodyPr/>
+          <a:bodyPr>
+            <a:normAutofit/>
+          </a:bodyPr>
           <a:lstStyle/>
           <a:p>
             <a:r>
               <a:rPr lang="en-US" dirty="0" smtClean="0"/>
-              <a:t>UML </a:t>
-            </a:r>
-            <a:r>
-              <a:rPr lang="en-US" dirty="0" err="1" smtClean="0"/>
-              <a:t>Diagrammimg</a:t>
-            </a:r>
-            <a:r>
-              <a:rPr lang="en-US" dirty="0" smtClean="0"/>
-              <a:t> tools</a:t>
+              <a:t>Unified Modeling Language</a:t>
             </a:r>
             <a:endParaRPr lang="en-US" dirty="0"/>
           </a:p>
@@ -10384,15 +10303,26 @@
           <a:bodyPr/>
           <a:lstStyle/>
           <a:p>
+            <a:pPr>
+              <a:buNone/>
+            </a:pPr>
             <a:r>
               <a:rPr lang="en-US" dirty="0" smtClean="0"/>
-              <a:t>Start UML</a:t>
-            </a:r>
-          </a:p>
-          <a:p>
-            <a:r>
+              <a:t/>
+            </a:r>
+            <a:br>
               <a:rPr lang="en-US" dirty="0" smtClean="0"/>
-              <a:t>Lucid Chart</a:t>
+            </a:br>
+            <a:r>
+              <a:rPr lang="en-US" dirty="0" smtClean="0"/>
+              <a:t/>
+            </a:r>
+            <a:br>
+              <a:rPr lang="en-US" dirty="0" smtClean="0"/>
+            </a:br>
+            <a:r>
+              <a:rPr lang="en-US" dirty="0" smtClean="0"/>
+              <a:t>The Unified Modeling Language is a general-purpose, developmental, modeling language in the field of software engineering that is intended to provide a standard way to visualize the design of a system. </a:t>
             </a:r>
             <a:endParaRPr lang="en-US" dirty="0"/>
           </a:p>
@@ -10440,7 +10370,15 @@
           <a:p>
             <a:r>
               <a:rPr lang="en-US" dirty="0" smtClean="0"/>
-              <a:t>Use Case Diagram</a:t>
+              <a:t>UML </a:t>
+            </a:r>
+            <a:r>
+              <a:rPr lang="en-US" dirty="0" err="1" smtClean="0"/>
+              <a:t>Diagrammimg</a:t>
+            </a:r>
+            <a:r>
+              <a:rPr lang="en-US" dirty="0" smtClean="0"/>
+              <a:t> tools</a:t>
             </a:r>
             <a:endParaRPr lang="en-US" dirty="0"/>
           </a:p>
@@ -10458,21 +10396,19 @@
         </p:nvSpPr>
         <p:spPr/>
         <p:txBody>
-          <a:bodyPr anchor="ctr"/>
+          <a:bodyPr/>
           <a:lstStyle/>
           <a:p>
-            <a:pPr fontAlgn="base">
-              <a:buNone/>
-            </a:pPr>
             <a:r>
               <a:rPr lang="en-US" dirty="0" smtClean="0"/>
-              <a:t>	The purpose of a use case diagram in UML is to demonstrate the different ways that a user might interact with a system. </a:t>
-            </a:r>
-          </a:p>
-          <a:p>
-            <a:pPr>
-              <a:buNone/>
-            </a:pPr>
+              <a:t>Start UML</a:t>
+            </a:r>
+          </a:p>
+          <a:p>
+            <a:r>
+              <a:rPr lang="en-US" dirty="0" smtClean="0"/>
+              <a:t>Lucid Chart</a:t>
+            </a:r>
             <a:endParaRPr lang="en-US" dirty="0"/>
           </a:p>
         </p:txBody>
@@ -10514,6 +10450,85 @@
         </p:nvSpPr>
         <p:spPr/>
         <p:txBody>
+          <a:bodyPr/>
+          <a:lstStyle/>
+          <a:p>
+            <a:r>
+              <a:rPr lang="en-US" dirty="0" smtClean="0"/>
+              <a:t>Use Case Diagram</a:t>
+            </a:r>
+            <a:endParaRPr lang="en-US" dirty="0"/>
+          </a:p>
+        </p:txBody>
+      </p:sp>
+      <p:sp>
+        <p:nvSpPr>
+          <p:cNvPr id="3" name="Content Placeholder 2"/>
+          <p:cNvSpPr>
+            <a:spLocks noGrp="1"/>
+          </p:cNvSpPr>
+          <p:nvPr>
+            <p:ph sz="quarter" idx="1"/>
+          </p:nvPr>
+        </p:nvSpPr>
+        <p:spPr/>
+        <p:txBody>
+          <a:bodyPr anchor="ctr"/>
+          <a:lstStyle/>
+          <a:p>
+            <a:pPr fontAlgn="base">
+              <a:buNone/>
+            </a:pPr>
+            <a:r>
+              <a:rPr lang="en-US" dirty="0" smtClean="0"/>
+              <a:t>	The purpose of a use case diagram in UML is to demonstrate the different ways that a user might interact with a system. </a:t>
+            </a:r>
+          </a:p>
+          <a:p>
+            <a:pPr>
+              <a:buNone/>
+            </a:pPr>
+            <a:endParaRPr lang="en-US" dirty="0"/>
+          </a:p>
+        </p:txBody>
+      </p:sp>
+    </p:spTree>
+  </p:cSld>
+  <p:clrMapOvr>
+    <a:masterClrMapping/>
+  </p:clrMapOvr>
+</p:sld>
+</file>
+
+<file path=ppt/slides/slide27.xml><?xml version="1.0" encoding="utf-8"?>
+<p:sld xmlns:a="http://schemas.openxmlformats.org/drawingml/2006/main" xmlns:r="http://schemas.openxmlformats.org/officeDocument/2006/relationships" xmlns:p="http://schemas.openxmlformats.org/presentationml/2006/main">
+  <p:cSld>
+    <p:spTree>
+      <p:nvGrpSpPr>
+        <p:cNvPr id="1" name=""/>
+        <p:cNvGrpSpPr/>
+        <p:nvPr/>
+      </p:nvGrpSpPr>
+      <p:grpSpPr>
+        <a:xfrm>
+          <a:off x="0" y="0"/>
+          <a:ext cx="0" cy="0"/>
+          <a:chOff x="0" y="0"/>
+          <a:chExt cx="0" cy="0"/>
+        </a:xfrm>
+      </p:grpSpPr>
+      <p:sp>
+        <p:nvSpPr>
+          <p:cNvPr id="2" name="Title 1"/>
+          <p:cNvSpPr>
+            <a:spLocks noGrp="1"/>
+          </p:cNvSpPr>
+          <p:nvPr>
+            <p:ph type="title"/>
+          </p:nvPr>
+        </p:nvSpPr>
+        <p:spPr/>
+        <p:txBody>
           <a:bodyPr>
             <a:normAutofit/>
           </a:bodyPr>
@@ -10597,7 +10612,7 @@
 </p:sld>
 </file>
 
-<file path=ppt/slides/slide27.xml><?xml version="1.0" encoding="utf-8"?>
+<file path=ppt/slides/slide28.xml><?xml version="1.0" encoding="utf-8"?>
 <p:sld xmlns:a="http://schemas.openxmlformats.org/drawingml/2006/main" xmlns:r="http://schemas.openxmlformats.org/officeDocument/2006/relationships" xmlns:p="http://schemas.openxmlformats.org/presentationml/2006/main">
   <p:cSld>
     <p:spTree>
@@ -10654,80 +10669,6 @@
 </p:sld>
 </file>
 
-<file path=ppt/slides/slide28.xml><?xml version="1.0" encoding="utf-8"?>
-<p:sld xmlns:a="http://schemas.openxmlformats.org/drawingml/2006/main" xmlns:r="http://schemas.openxmlformats.org/officeDocument/2006/relationships" xmlns:p="http://schemas.openxmlformats.org/presentationml/2006/main">
-  <p:cSld>
-    <p:spTree>
-      <p:nvGrpSpPr>
-        <p:cNvPr id="1" name=""/>
-        <p:cNvGrpSpPr/>
-        <p:nvPr/>
-      </p:nvGrpSpPr>
-      <p:grpSpPr>
-        <a:xfrm>
-          <a:off x="0" y="0"/>
-          <a:ext cx="0" cy="0"/>
-          <a:chOff x="0" y="0"/>
-          <a:chExt cx="0" cy="0"/>
-        </a:xfrm>
-      </p:grpSpPr>
-      <p:sp>
-        <p:nvSpPr>
-          <p:cNvPr id="2" name="Title 1"/>
-          <p:cNvSpPr>
-            <a:spLocks noGrp="1"/>
-          </p:cNvSpPr>
-          <p:nvPr>
-            <p:ph type="title"/>
-          </p:nvPr>
-        </p:nvSpPr>
-        <p:spPr/>
-        <p:txBody>
-          <a:bodyPr/>
-          <a:lstStyle/>
-          <a:p>
-            <a:r>
-              <a:rPr lang="en-US" dirty="0" smtClean="0"/>
-              <a:t>Class Diagram</a:t>
-            </a:r>
-            <a:endParaRPr lang="en-US" dirty="0"/>
-          </a:p>
-        </p:txBody>
-      </p:sp>
-      <p:sp>
-        <p:nvSpPr>
-          <p:cNvPr id="3" name="Content Placeholder 2"/>
-          <p:cNvSpPr>
-            <a:spLocks noGrp="1"/>
-          </p:cNvSpPr>
-          <p:nvPr>
-            <p:ph sz="quarter" idx="1"/>
-          </p:nvPr>
-        </p:nvSpPr>
-        <p:spPr/>
-        <p:txBody>
-          <a:bodyPr/>
-          <a:lstStyle/>
-          <a:p>
-            <a:pPr>
-              <a:buNone/>
-            </a:pPr>
-            <a:r>
-              <a:rPr lang="en-US" dirty="0" smtClean="0"/>
-              <a:t>	Class diagrams are one of the most useful types of diagrams in UML as they clearly map out the structure of a particular system by modeling its classes, attributes, operations, and relationships between objects.</a:t>
-            </a:r>
-            <a:endParaRPr lang="en-US" dirty="0"/>
-          </a:p>
-        </p:txBody>
-      </p:sp>
-    </p:spTree>
-  </p:cSld>
-  <p:clrMapOvr>
-    <a:masterClrMapping/>
-  </p:clrMapOvr>
-</p:sld>
-</file>
-
 <file path=ppt/slides/slide29.xml><?xml version="1.0" encoding="utf-8"?>
 <p:sld xmlns:a="http://schemas.openxmlformats.org/drawingml/2006/main" xmlns:r="http://schemas.openxmlformats.org/officeDocument/2006/relationships" xmlns:p="http://schemas.openxmlformats.org/presentationml/2006/main">
   <p:cSld>
@@ -10745,133 +10686,32 @@
           <a:chExt cx="0" cy="0"/>
         </a:xfrm>
       </p:grpSpPr>
-      <p:sp>
-        <p:nvSpPr>
-          <p:cNvPr id="2" name="Title 1"/>
-          <p:cNvSpPr>
-            <a:spLocks noGrp="1"/>
-          </p:cNvSpPr>
-          <p:nvPr>
-            <p:ph type="title"/>
-          </p:nvPr>
-        </p:nvSpPr>
-        <p:spPr/>
-        <p:txBody>
-          <a:bodyPr>
-            <a:normAutofit/>
-          </a:bodyPr>
-          <a:lstStyle/>
-          <a:p>
-            <a:r>
-              <a:rPr lang="en-US" b="1" dirty="0" smtClean="0"/>
-              <a:t>Basic components of a class diagram</a:t>
-            </a:r>
-            <a:endParaRPr lang="en-US" dirty="0"/>
-          </a:p>
-        </p:txBody>
-      </p:sp>
-      <p:sp>
-        <p:nvSpPr>
-          <p:cNvPr id="3" name="Content Placeholder 2"/>
-          <p:cNvSpPr>
-            <a:spLocks noGrp="1"/>
-          </p:cNvSpPr>
-          <p:nvPr>
-            <p:ph sz="quarter" idx="1"/>
-          </p:nvPr>
-        </p:nvSpPr>
-        <p:spPr/>
-        <p:txBody>
-          <a:bodyPr>
-            <a:normAutofit fontScale="92500" lnSpcReduction="10000"/>
-          </a:bodyPr>
-          <a:lstStyle/>
-          <a:p>
-            <a:pPr marL="514350" indent="-514350" fontAlgn="base">
-              <a:buFont typeface="+mj-lt"/>
-              <a:buAutoNum type="arabicPeriod"/>
-            </a:pPr>
-            <a:r>
-              <a:rPr lang="en-US" b="1" dirty="0" smtClean="0"/>
-              <a:t>Classes</a:t>
-            </a:r>
-          </a:p>
-          <a:p>
-            <a:pPr marL="514350" indent="-514350" fontAlgn="base">
-              <a:buFont typeface="+mj-lt"/>
-              <a:buAutoNum type="arabicPeriod"/>
-            </a:pPr>
-            <a:r>
-              <a:rPr lang="en-US" b="1" dirty="0" smtClean="0"/>
-              <a:t>Attributes</a:t>
-            </a:r>
-          </a:p>
-          <a:p>
-            <a:pPr marL="514350" indent="-514350" fontAlgn="base">
-              <a:buFont typeface="+mj-lt"/>
-              <a:buAutoNum type="arabicPeriod"/>
-            </a:pPr>
-            <a:r>
-              <a:rPr lang="en-US" b="1" dirty="0" smtClean="0"/>
-              <a:t>Methods</a:t>
-            </a:r>
-            <a:endParaRPr lang="en-US" dirty="0" smtClean="0"/>
-          </a:p>
-          <a:p>
-            <a:pPr marL="514350" indent="-514350" fontAlgn="base">
-              <a:buFont typeface="+mj-lt"/>
-              <a:buAutoNum type="arabicPeriod"/>
-            </a:pPr>
-            <a:r>
-              <a:rPr lang="en-US" b="1" dirty="0" smtClean="0"/>
-              <a:t>Member access modifiers</a:t>
-            </a:r>
-          </a:p>
-          <a:p>
-            <a:pPr fontAlgn="base">
-              <a:buNone/>
-            </a:pPr>
-            <a:r>
-              <a:rPr lang="en-US" dirty="0" smtClean="0"/>
-              <a:t>	All classes have different access levels depending on the access modifier (visibility). Here are the access levels with their corresponding symbols:</a:t>
-            </a:r>
-          </a:p>
-          <a:p>
-            <a:pPr fontAlgn="base"/>
-            <a:r>
-              <a:rPr lang="en-US" dirty="0" smtClean="0"/>
-              <a:t>Public (+)</a:t>
-            </a:r>
-          </a:p>
-          <a:p>
-            <a:pPr fontAlgn="base"/>
-            <a:r>
-              <a:rPr lang="en-US" dirty="0" smtClean="0"/>
-              <a:t>Private (-)</a:t>
-            </a:r>
-          </a:p>
-          <a:p>
-            <a:pPr fontAlgn="base"/>
-            <a:r>
-              <a:rPr lang="en-US" dirty="0" smtClean="0"/>
-              <a:t>Protected (#)</a:t>
-            </a:r>
-          </a:p>
-          <a:p>
-            <a:pPr fontAlgn="base"/>
-            <a:r>
-              <a:rPr lang="en-US" dirty="0" smtClean="0"/>
-              <a:t>Package (~)</a:t>
-            </a:r>
-          </a:p>
-          <a:p>
-            <a:pPr>
-              <a:buNone/>
-            </a:pPr>
-            <a:endParaRPr lang="en-US" dirty="0"/>
-          </a:p>
-        </p:txBody>
-      </p:sp>
+      <p:pic>
+        <p:nvPicPr>
+          <p:cNvPr id="1026" name="Picture 2" descr="C:\Users\COMPAQ\Desktop\VThNF.png"/>
+          <p:cNvPicPr>
+            <a:picLocks noChangeAspect="1" noChangeArrowheads="1"/>
+          </p:cNvPicPr>
+          <p:nvPr/>
+        </p:nvPicPr>
+        <p:blipFill>
+          <a:blip r:embed="rId2"/>
+          <a:srcRect/>
+          <a:stretch>
+            <a:fillRect/>
+          </a:stretch>
+        </p:blipFill>
+        <p:spPr bwMode="auto">
+          <a:xfrm>
+            <a:off x="381000" y="1676400"/>
+            <a:ext cx="8355637" cy="2821209"/>
+          </a:xfrm>
+          <a:prstGeom prst="rect">
+            <a:avLst/>
+          </a:prstGeom>
+          <a:noFill/>
+        </p:spPr>
+      </p:pic>
     </p:spTree>
   </p:cSld>
   <p:clrMapOvr>
@@ -10976,6 +10816,283 @@
 </file>
 
 <file path=ppt/slides/slide30.xml><?xml version="1.0" encoding="utf-8"?>
+<p:sld xmlns:a="http://schemas.openxmlformats.org/drawingml/2006/main" xmlns:r="http://schemas.openxmlformats.org/officeDocument/2006/relationships" xmlns:p="http://schemas.openxmlformats.org/presentationml/2006/main">
+  <p:cSld>
+    <p:spTree>
+      <p:nvGrpSpPr>
+        <p:cNvPr id="1" name=""/>
+        <p:cNvGrpSpPr/>
+        <p:nvPr/>
+      </p:nvGrpSpPr>
+      <p:grpSpPr>
+        <a:xfrm>
+          <a:off x="0" y="0"/>
+          <a:ext cx="0" cy="0"/>
+          <a:chOff x="0" y="0"/>
+          <a:chExt cx="0" cy="0"/>
+        </a:xfrm>
+      </p:grpSpPr>
+      <p:pic>
+        <p:nvPicPr>
+          <p:cNvPr id="2050" name="Picture 2" descr="C:\Users\COMPAQ\Desktop\use-case-include-split.png"/>
+          <p:cNvPicPr>
+            <a:picLocks noChangeAspect="1" noChangeArrowheads="1"/>
+          </p:cNvPicPr>
+          <p:nvPr/>
+        </p:nvPicPr>
+        <p:blipFill>
+          <a:blip r:embed="rId2"/>
+          <a:srcRect/>
+          <a:stretch>
+            <a:fillRect/>
+          </a:stretch>
+        </p:blipFill>
+        <p:spPr bwMode="auto">
+          <a:xfrm>
+            <a:off x="1676400" y="1156624"/>
+            <a:ext cx="5638800" cy="4426367"/>
+          </a:xfrm>
+          <a:prstGeom prst="rect">
+            <a:avLst/>
+          </a:prstGeom>
+          <a:noFill/>
+        </p:spPr>
+      </p:pic>
+    </p:spTree>
+  </p:cSld>
+  <p:clrMapOvr>
+    <a:masterClrMapping/>
+  </p:clrMapOvr>
+</p:sld>
+</file>
+
+<file path=ppt/slides/slide31.xml><?xml version="1.0" encoding="utf-8"?>
+<p:sld xmlns:a="http://schemas.openxmlformats.org/drawingml/2006/main" xmlns:r="http://schemas.openxmlformats.org/officeDocument/2006/relationships" xmlns:p="http://schemas.openxmlformats.org/presentationml/2006/main">
+  <p:cSld>
+    <p:spTree>
+      <p:nvGrpSpPr>
+        <p:cNvPr id="1" name=""/>
+        <p:cNvGrpSpPr/>
+        <p:nvPr/>
+      </p:nvGrpSpPr>
+      <p:grpSpPr>
+        <a:xfrm>
+          <a:off x="0" y="0"/>
+          <a:ext cx="0" cy="0"/>
+          <a:chOff x="0" y="0"/>
+          <a:chExt cx="0" cy="0"/>
+        </a:xfrm>
+      </p:grpSpPr>
+      <p:sp>
+        <p:nvSpPr>
+          <p:cNvPr id="2" name="Title 1"/>
+          <p:cNvSpPr>
+            <a:spLocks noGrp="1"/>
+          </p:cNvSpPr>
+          <p:nvPr>
+            <p:ph type="title"/>
+          </p:nvPr>
+        </p:nvSpPr>
+        <p:spPr/>
+        <p:txBody>
+          <a:bodyPr/>
+          <a:lstStyle/>
+          <a:p>
+            <a:r>
+              <a:rPr lang="en-US" dirty="0" smtClean="0"/>
+              <a:t>Class Diagram</a:t>
+            </a:r>
+            <a:endParaRPr lang="en-US" dirty="0"/>
+          </a:p>
+        </p:txBody>
+      </p:sp>
+      <p:sp>
+        <p:nvSpPr>
+          <p:cNvPr id="3" name="Content Placeholder 2"/>
+          <p:cNvSpPr>
+            <a:spLocks noGrp="1"/>
+          </p:cNvSpPr>
+          <p:nvPr>
+            <p:ph sz="quarter" idx="1"/>
+          </p:nvPr>
+        </p:nvSpPr>
+        <p:spPr/>
+        <p:txBody>
+          <a:bodyPr/>
+          <a:lstStyle/>
+          <a:p>
+            <a:pPr>
+              <a:buNone/>
+            </a:pPr>
+            <a:r>
+              <a:rPr lang="en-US" dirty="0" smtClean="0"/>
+              <a:t>	Class diagrams are one of the most useful types of diagrams in UML as they clearly map out the structure of a particular system by modeling its classes, attributes, operations, and relationships between objects.</a:t>
+            </a:r>
+            <a:endParaRPr lang="en-US" dirty="0"/>
+          </a:p>
+        </p:txBody>
+      </p:sp>
+    </p:spTree>
+  </p:cSld>
+  <p:clrMapOvr>
+    <a:masterClrMapping/>
+  </p:clrMapOvr>
+</p:sld>
+</file>
+
+<file path=ppt/slides/slide32.xml><?xml version="1.0" encoding="utf-8"?>
+<p:sld xmlns:a="http://schemas.openxmlformats.org/drawingml/2006/main" xmlns:r="http://schemas.openxmlformats.org/officeDocument/2006/relationships" xmlns:p="http://schemas.openxmlformats.org/presentationml/2006/main">
+  <p:cSld>
+    <p:spTree>
+      <p:nvGrpSpPr>
+        <p:cNvPr id="1" name=""/>
+        <p:cNvGrpSpPr/>
+        <p:nvPr/>
+      </p:nvGrpSpPr>
+      <p:grpSpPr>
+        <a:xfrm>
+          <a:off x="0" y="0"/>
+          <a:ext cx="0" cy="0"/>
+          <a:chOff x="0" y="0"/>
+          <a:chExt cx="0" cy="0"/>
+        </a:xfrm>
+      </p:grpSpPr>
+      <p:sp>
+        <p:nvSpPr>
+          <p:cNvPr id="2" name="Title 1"/>
+          <p:cNvSpPr>
+            <a:spLocks noGrp="1"/>
+          </p:cNvSpPr>
+          <p:nvPr>
+            <p:ph type="title"/>
+          </p:nvPr>
+        </p:nvSpPr>
+        <p:spPr/>
+        <p:txBody>
+          <a:bodyPr>
+            <a:normAutofit/>
+          </a:bodyPr>
+          <a:lstStyle/>
+          <a:p>
+            <a:r>
+              <a:rPr lang="en-US" b="1" dirty="0" smtClean="0"/>
+              <a:t>Basic components of a class diagram</a:t>
+            </a:r>
+            <a:endParaRPr lang="en-US" dirty="0"/>
+          </a:p>
+        </p:txBody>
+      </p:sp>
+      <p:sp>
+        <p:nvSpPr>
+          <p:cNvPr id="3" name="Content Placeholder 2"/>
+          <p:cNvSpPr>
+            <a:spLocks noGrp="1"/>
+          </p:cNvSpPr>
+          <p:nvPr>
+            <p:ph sz="quarter" idx="1"/>
+          </p:nvPr>
+        </p:nvSpPr>
+        <p:spPr/>
+        <p:txBody>
+          <a:bodyPr>
+            <a:normAutofit fontScale="92500" lnSpcReduction="10000"/>
+          </a:bodyPr>
+          <a:lstStyle/>
+          <a:p>
+            <a:pPr marL="514350" indent="-514350" fontAlgn="base">
+              <a:buFont typeface="+mj-lt"/>
+              <a:buAutoNum type="arabicPeriod"/>
+            </a:pPr>
+            <a:r>
+              <a:rPr lang="en-US" b="1" dirty="0" smtClean="0"/>
+              <a:t>Classes</a:t>
+            </a:r>
+          </a:p>
+          <a:p>
+            <a:pPr marL="514350" indent="-514350" fontAlgn="base">
+              <a:buFont typeface="+mj-lt"/>
+              <a:buAutoNum type="arabicPeriod"/>
+            </a:pPr>
+            <a:r>
+              <a:rPr lang="en-US" b="1" dirty="0" smtClean="0"/>
+              <a:t>Attributes</a:t>
+            </a:r>
+          </a:p>
+          <a:p>
+            <a:pPr marL="514350" indent="-514350" fontAlgn="base">
+              <a:buFont typeface="+mj-lt"/>
+              <a:buAutoNum type="arabicPeriod"/>
+            </a:pPr>
+            <a:r>
+              <a:rPr lang="en-US" b="1" dirty="0" smtClean="0"/>
+              <a:t>Methods</a:t>
+            </a:r>
+            <a:endParaRPr lang="en-US" dirty="0" smtClean="0"/>
+          </a:p>
+          <a:p>
+            <a:pPr marL="514350" indent="-514350" fontAlgn="base">
+              <a:buFont typeface="+mj-lt"/>
+              <a:buAutoNum type="arabicPeriod"/>
+            </a:pPr>
+            <a:r>
+              <a:rPr lang="en-US" b="1" dirty="0" smtClean="0"/>
+              <a:t>Member access modifiers</a:t>
+            </a:r>
+          </a:p>
+          <a:p>
+            <a:pPr fontAlgn="base">
+              <a:buNone/>
+            </a:pPr>
+            <a:r>
+              <a:rPr lang="en-US" dirty="0" smtClean="0"/>
+              <a:t>	All classes have different access levels depending on the access modifier (visibility). Here are the access levels with their corresponding symbols:</a:t>
+            </a:r>
+          </a:p>
+          <a:p>
+            <a:pPr fontAlgn="base"/>
+            <a:r>
+              <a:rPr lang="en-US" dirty="0" smtClean="0"/>
+              <a:t>Public (+)</a:t>
+            </a:r>
+          </a:p>
+          <a:p>
+            <a:pPr fontAlgn="base"/>
+            <a:r>
+              <a:rPr lang="en-US" dirty="0" smtClean="0"/>
+              <a:t>Private (-)</a:t>
+            </a:r>
+          </a:p>
+          <a:p>
+            <a:pPr fontAlgn="base"/>
+            <a:r>
+              <a:rPr lang="en-US" dirty="0" smtClean="0"/>
+              <a:t>Protected (#)</a:t>
+            </a:r>
+          </a:p>
+          <a:p>
+            <a:pPr fontAlgn="base"/>
+            <a:r>
+              <a:rPr lang="en-US" dirty="0" smtClean="0"/>
+              <a:t>Package (~)</a:t>
+            </a:r>
+          </a:p>
+          <a:p>
+            <a:pPr>
+              <a:buNone/>
+            </a:pPr>
+            <a:endParaRPr lang="en-US" dirty="0"/>
+          </a:p>
+        </p:txBody>
+      </p:sp>
+    </p:spTree>
+  </p:cSld>
+  <p:clrMapOvr>
+    <a:masterClrMapping/>
+  </p:clrMapOvr>
+</p:sld>
+</file>
+
+<file path=ppt/slides/slide33.xml><?xml version="1.0" encoding="utf-8"?>
 <p:sld xmlns:a="http://schemas.openxmlformats.org/drawingml/2006/main" xmlns:r="http://schemas.openxmlformats.org/officeDocument/2006/relationships" xmlns:p="http://schemas.openxmlformats.org/presentationml/2006/main">
   <p:cSld>
     <p:spTree>
@@ -11026,7 +11143,7 @@
 </p:sld>
 </file>
 
-<file path=ppt/slides/slide31.xml><?xml version="1.0" encoding="utf-8"?>
+<file path=ppt/slides/slide34.xml><?xml version="1.0" encoding="utf-8"?>
 <p:sld xmlns:a="http://schemas.openxmlformats.org/drawingml/2006/main" xmlns:r="http://schemas.openxmlformats.org/officeDocument/2006/relationships" xmlns:p="http://schemas.openxmlformats.org/presentationml/2006/main">
   <p:cSld>
     <p:spTree>
@@ -11100,7 +11217,7 @@
 </p:sld>
 </file>
 
-<file path=ppt/slides/slide32.xml><?xml version="1.0" encoding="utf-8"?>
+<file path=ppt/slides/slide35.xml><?xml version="1.0" encoding="utf-8"?>
 <p:sld xmlns:a="http://schemas.openxmlformats.org/drawingml/2006/main" xmlns:r="http://schemas.openxmlformats.org/officeDocument/2006/relationships" xmlns:p="http://schemas.openxmlformats.org/presentationml/2006/main">
   <p:cSld>
     <p:spTree>
@@ -11176,7 +11293,7 @@
 </p:sld>
 </file>
 
-<file path=ppt/slides/slide33.xml><?xml version="1.0" encoding="utf-8"?>
+<file path=ppt/slides/slide36.xml><?xml version="1.0" encoding="utf-8"?>
 <p:sld xmlns:a="http://schemas.openxmlformats.org/drawingml/2006/main" xmlns:r="http://schemas.openxmlformats.org/officeDocument/2006/relationships" xmlns:p="http://schemas.openxmlformats.org/presentationml/2006/main">
   <p:cSld>
     <p:spTree>
@@ -11315,7 +11432,7 @@
 </p:sld>
 </file>
 
-<file path=ppt/slides/slide34.xml><?xml version="1.0" encoding="utf-8"?>
+<file path=ppt/slides/slide37.xml><?xml version="1.0" encoding="utf-8"?>
 <p:sld xmlns:a="http://schemas.openxmlformats.org/drawingml/2006/main" xmlns:r="http://schemas.openxmlformats.org/officeDocument/2006/relationships" xmlns:p="http://schemas.openxmlformats.org/presentationml/2006/main">
   <p:cSld>
     <p:spTree>
@@ -11384,11 +11501,7 @@
           <a:p>
             <a:r>
               <a:rPr lang="en-US" b="1" dirty="0" smtClean="0"/>
-              <a:t>Bachman </a:t>
-            </a:r>
-            <a:r>
-              <a:rPr lang="en-US" b="1" dirty="0" smtClean="0"/>
-              <a:t>style</a:t>
+              <a:t>Bachman style</a:t>
             </a:r>
           </a:p>
           <a:p>
@@ -11403,13 +11516,8 @@
             </a:pPr>
             <a:r>
               <a:rPr lang="en-US" dirty="0" smtClean="0"/>
-              <a:t>Here we are using crow foot mode</a:t>
-            </a:r>
-            <a:r>
-              <a:rPr lang="en-US" dirty="0" smtClean="0"/>
-              <a:t>l</a:t>
-            </a:r>
-            <a:endParaRPr lang="en-US" dirty="0" smtClean="0"/>
+              <a:t>Here we are using crow foot model</a:t>
+            </a:r>
           </a:p>
           <a:p>
             <a:endParaRPr lang="en-US" dirty="0"/>
@@ -11424,7 +11532,7 @@
 </p:sld>
 </file>
 
-<file path=ppt/slides/slide35.xml><?xml version="1.0" encoding="utf-8"?>
+<file path=ppt/slides/slide38.xml><?xml version="1.0" encoding="utf-8"?>
 <p:sld xmlns:a="http://schemas.openxmlformats.org/drawingml/2006/main" xmlns:r="http://schemas.openxmlformats.org/officeDocument/2006/relationships" xmlns:p="http://schemas.openxmlformats.org/presentationml/2006/main">
   <p:cSld>
     <p:spTree>
@@ -11694,7 +11802,7 @@
 </p:sld>
 </file>
 
-<file path=ppt/slides/slide36.xml><?xml version="1.0" encoding="utf-8"?>
+<file path=ppt/slides/slide39.xml><?xml version="1.0" encoding="utf-8"?>
 <p:sld xmlns:a="http://schemas.openxmlformats.org/drawingml/2006/main" xmlns:r="http://schemas.openxmlformats.org/officeDocument/2006/relationships" xmlns:p="http://schemas.openxmlformats.org/presentationml/2006/main">
   <p:cSld>
     <p:spTree>
@@ -11747,7 +11855,134 @@
 </p:sld>
 </file>
 
-<file path=ppt/slides/slide37.xml><?xml version="1.0" encoding="utf-8"?>
+<file path=ppt/slides/slide4.xml><?xml version="1.0" encoding="utf-8"?>
+<p:sld xmlns:a="http://schemas.openxmlformats.org/drawingml/2006/main" xmlns:r="http://schemas.openxmlformats.org/officeDocument/2006/relationships" xmlns:p="http://schemas.openxmlformats.org/presentationml/2006/main">
+  <p:cSld>
+    <p:spTree>
+      <p:nvGrpSpPr>
+        <p:cNvPr id="1" name=""/>
+        <p:cNvGrpSpPr/>
+        <p:nvPr/>
+      </p:nvGrpSpPr>
+      <p:grpSpPr>
+        <a:xfrm>
+          <a:off x="0" y="0"/>
+          <a:ext cx="0" cy="0"/>
+          <a:chOff x="0" y="0"/>
+          <a:chExt cx="0" cy="0"/>
+        </a:xfrm>
+      </p:grpSpPr>
+      <p:sp>
+        <p:nvSpPr>
+          <p:cNvPr id="2" name="Title 1"/>
+          <p:cNvSpPr>
+            <a:spLocks noGrp="1"/>
+          </p:cNvSpPr>
+          <p:nvPr>
+            <p:ph type="title"/>
+          </p:nvPr>
+        </p:nvSpPr>
+        <p:spPr/>
+        <p:txBody>
+          <a:bodyPr/>
+          <a:lstStyle/>
+          <a:p>
+            <a:r>
+              <a:rPr lang="en-US" dirty="0" smtClean="0"/>
+              <a:t>Software Development Life Cycle</a:t>
+            </a:r>
+            <a:endParaRPr lang="en-US" dirty="0"/>
+          </a:p>
+        </p:txBody>
+      </p:sp>
+      <p:sp>
+        <p:nvSpPr>
+          <p:cNvPr id="3" name="Content Placeholder 2"/>
+          <p:cNvSpPr>
+            <a:spLocks noGrp="1"/>
+          </p:cNvSpPr>
+          <p:nvPr>
+            <p:ph sz="quarter" idx="1"/>
+          </p:nvPr>
+        </p:nvSpPr>
+        <p:spPr/>
+        <p:txBody>
+          <a:bodyPr/>
+          <a:lstStyle/>
+          <a:p>
+            <a:pPr>
+              <a:buNone/>
+            </a:pPr>
+            <a:r>
+              <a:rPr lang="en-US" dirty="0" smtClean="0"/>
+              <a:t>	An </a:t>
+            </a:r>
+            <a:r>
+              <a:rPr lang="en-US" b="1" dirty="0" smtClean="0"/>
+              <a:t>SDLC model</a:t>
+            </a:r>
+            <a:r>
+              <a:rPr lang="en-US" dirty="0" smtClean="0"/>
+              <a:t> is a conceptual framework describing all activities in a software development project from planning to maintenance.</a:t>
+            </a:r>
+          </a:p>
+          <a:p>
+            <a:pPr>
+              <a:buNone/>
+            </a:pPr>
+            <a:endParaRPr lang="en-US" dirty="0" smtClean="0"/>
+          </a:p>
+          <a:p>
+            <a:pPr>
+              <a:buNone/>
+            </a:pPr>
+            <a:r>
+              <a:rPr lang="en-US" dirty="0" smtClean="0"/>
+              <a:t>Some of the SDLC models are:</a:t>
+            </a:r>
+          </a:p>
+          <a:p>
+            <a:r>
+              <a:rPr lang="en-IN" dirty="0" smtClean="0"/>
+              <a:t>Iterative Model</a:t>
+            </a:r>
+          </a:p>
+          <a:p>
+            <a:r>
+              <a:rPr lang="en-IN" dirty="0" smtClean="0"/>
+              <a:t>Spiral Model</a:t>
+            </a:r>
+          </a:p>
+          <a:p>
+            <a:r>
+              <a:rPr lang="en-IN" dirty="0" smtClean="0"/>
+              <a:t>Agile Model</a:t>
+            </a:r>
+          </a:p>
+          <a:p>
+            <a:r>
+              <a:rPr lang="en-IN" dirty="0" smtClean="0"/>
+              <a:t>Prototype Model</a:t>
+            </a:r>
+            <a:endParaRPr lang="en-US" dirty="0" smtClean="0"/>
+          </a:p>
+          <a:p>
+            <a:pPr>
+              <a:buNone/>
+            </a:pPr>
+            <a:endParaRPr lang="en-US" dirty="0"/>
+          </a:p>
+        </p:txBody>
+      </p:sp>
+    </p:spTree>
+  </p:cSld>
+  <p:clrMapOvr>
+    <a:masterClrMapping/>
+  </p:clrMapOvr>
+</p:sld>
+</file>
+
+<file path=ppt/slides/slide40.xml><?xml version="1.0" encoding="utf-8"?>
 <p:sld xmlns:a="http://schemas.openxmlformats.org/drawingml/2006/main" xmlns:r="http://schemas.openxmlformats.org/officeDocument/2006/relationships" xmlns:p="http://schemas.openxmlformats.org/presentationml/2006/main">
   <p:cSld>
     <p:spTree>
@@ -11819,7 +12054,160 @@
 </p:sld>
 </file>
 
-<file path=ppt/slides/slide38.xml><?xml version="1.0" encoding="utf-8"?>
+<file path=ppt/slides/slide41.xml><?xml version="1.0" encoding="utf-8"?>
+<p:sld xmlns:a="http://schemas.openxmlformats.org/drawingml/2006/main" xmlns:r="http://schemas.openxmlformats.org/officeDocument/2006/relationships" xmlns:p="http://schemas.openxmlformats.org/presentationml/2006/main">
+  <p:cSld>
+    <p:spTree>
+      <p:nvGrpSpPr>
+        <p:cNvPr id="1" name=""/>
+        <p:cNvGrpSpPr/>
+        <p:nvPr/>
+      </p:nvGrpSpPr>
+      <p:grpSpPr>
+        <a:xfrm>
+          <a:off x="0" y="0"/>
+          <a:ext cx="0" cy="0"/>
+          <a:chOff x="0" y="0"/>
+          <a:chExt cx="0" cy="0"/>
+        </a:xfrm>
+      </p:grpSpPr>
+      <p:pic>
+        <p:nvPicPr>
+          <p:cNvPr id="3074" name="Picture 2" descr="C:\Users\COMPAQ\Desktop\Capture.PNG"/>
+          <p:cNvPicPr>
+            <a:picLocks noChangeAspect="1" noChangeArrowheads="1"/>
+          </p:cNvPicPr>
+          <p:nvPr/>
+        </p:nvPicPr>
+        <p:blipFill>
+          <a:blip r:embed="rId2"/>
+          <a:srcRect/>
+          <a:stretch>
+            <a:fillRect/>
+          </a:stretch>
+        </p:blipFill>
+        <p:spPr bwMode="auto">
+          <a:xfrm>
+            <a:off x="228600" y="2049922"/>
+            <a:ext cx="8644218" cy="3160252"/>
+          </a:xfrm>
+          <a:prstGeom prst="rect">
+            <a:avLst/>
+          </a:prstGeom>
+          <a:noFill/>
+        </p:spPr>
+      </p:pic>
+    </p:spTree>
+  </p:cSld>
+  <p:clrMapOvr>
+    <a:masterClrMapping/>
+  </p:clrMapOvr>
+</p:sld>
+</file>
+
+<file path=ppt/slides/slide42.xml><?xml version="1.0" encoding="utf-8"?>
+<p:sld xmlns:a="http://schemas.openxmlformats.org/drawingml/2006/main" xmlns:r="http://schemas.openxmlformats.org/officeDocument/2006/relationships" xmlns:p="http://schemas.openxmlformats.org/presentationml/2006/main">
+  <p:cSld>
+    <p:spTree>
+      <p:nvGrpSpPr>
+        <p:cNvPr id="1" name=""/>
+        <p:cNvGrpSpPr/>
+        <p:nvPr/>
+      </p:nvGrpSpPr>
+      <p:grpSpPr>
+        <a:xfrm>
+          <a:off x="0" y="0"/>
+          <a:ext cx="0" cy="0"/>
+          <a:chOff x="0" y="0"/>
+          <a:chExt cx="0" cy="0"/>
+        </a:xfrm>
+      </p:grpSpPr>
+      <p:pic>
+        <p:nvPicPr>
+          <p:cNvPr id="4098" name="Picture 2" descr="C:\Users\COMPAQ\Desktop\Capture2.PNG"/>
+          <p:cNvPicPr>
+            <a:picLocks noChangeAspect="1" noChangeArrowheads="1"/>
+          </p:cNvPicPr>
+          <p:nvPr/>
+        </p:nvPicPr>
+        <p:blipFill>
+          <a:blip r:embed="rId2"/>
+          <a:srcRect/>
+          <a:stretch>
+            <a:fillRect/>
+          </a:stretch>
+        </p:blipFill>
+        <p:spPr bwMode="auto">
+          <a:xfrm>
+            <a:off x="228600" y="2124339"/>
+            <a:ext cx="8686800" cy="2985823"/>
+          </a:xfrm>
+          <a:prstGeom prst="rect">
+            <a:avLst/>
+          </a:prstGeom>
+          <a:noFill/>
+        </p:spPr>
+      </p:pic>
+    </p:spTree>
+  </p:cSld>
+  <p:clrMapOvr>
+    <a:masterClrMapping/>
+  </p:clrMapOvr>
+</p:sld>
+</file>
+
+<file path=ppt/slides/slide43.xml><?xml version="1.0" encoding="utf-8"?>
+<p:sld xmlns:a="http://schemas.openxmlformats.org/drawingml/2006/main" xmlns:r="http://schemas.openxmlformats.org/officeDocument/2006/relationships" xmlns:p="http://schemas.openxmlformats.org/presentationml/2006/main">
+  <p:cSld>
+    <p:spTree>
+      <p:nvGrpSpPr>
+        <p:cNvPr id="1" name=""/>
+        <p:cNvGrpSpPr/>
+        <p:nvPr/>
+      </p:nvGrpSpPr>
+      <p:grpSpPr>
+        <a:xfrm>
+          <a:off x="0" y="0"/>
+          <a:ext cx="0" cy="0"/>
+          <a:chOff x="0" y="0"/>
+          <a:chExt cx="0" cy="0"/>
+        </a:xfrm>
+      </p:grpSpPr>
+      <p:pic>
+        <p:nvPicPr>
+          <p:cNvPr id="5122" name="Picture 2" descr="C:\Users\COMPAQ\Desktop\Capture3.PNG"/>
+          <p:cNvPicPr>
+            <a:picLocks noChangeAspect="1" noChangeArrowheads="1"/>
+          </p:cNvPicPr>
+          <p:nvPr/>
+        </p:nvPicPr>
+        <p:blipFill>
+          <a:blip r:embed="rId2"/>
+          <a:srcRect/>
+          <a:stretch>
+            <a:fillRect/>
+          </a:stretch>
+        </p:blipFill>
+        <p:spPr bwMode="auto">
+          <a:xfrm>
+            <a:off x="304800" y="1923032"/>
+            <a:ext cx="8534400" cy="3158692"/>
+          </a:xfrm>
+          <a:prstGeom prst="rect">
+            <a:avLst/>
+          </a:prstGeom>
+          <a:noFill/>
+        </p:spPr>
+      </p:pic>
+    </p:spTree>
+  </p:cSld>
+  <p:clrMapOvr>
+    <a:masterClrMapping/>
+  </p:clrMapOvr>
+</p:sld>
+</file>
+
+<file path=ppt/slides/slide44.xml><?xml version="1.0" encoding="utf-8"?>
 <p:sld xmlns:a="http://schemas.openxmlformats.org/drawingml/2006/main" xmlns:r="http://schemas.openxmlformats.org/officeDocument/2006/relationships" xmlns:p="http://schemas.openxmlformats.org/presentationml/2006/main">
   <p:cSld>
     <p:spTree>
@@ -12251,7 +12639,7 @@
 </p:sld>
 </file>
 
-<file path=ppt/slides/slide39.xml><?xml version="1.0" encoding="utf-8"?>
+<file path=ppt/slides/slide45.xml><?xml version="1.0" encoding="utf-8"?>
 <p:sld xmlns:a="http://schemas.openxmlformats.org/drawingml/2006/main" xmlns:r="http://schemas.openxmlformats.org/officeDocument/2006/relationships" xmlns:p="http://schemas.openxmlformats.org/presentationml/2006/main">
   <p:cSld>
     <p:spTree>
@@ -12969,150 +13357,7 @@
 </p:sld>
 </file>
 
-<file path=ppt/slides/slide4.xml><?xml version="1.0" encoding="utf-8"?>
-<p:sld xmlns:a="http://schemas.openxmlformats.org/drawingml/2006/main" xmlns:r="http://schemas.openxmlformats.org/officeDocument/2006/relationships" xmlns:p="http://schemas.openxmlformats.org/presentationml/2006/main">
-  <p:cSld>
-    <p:spTree>
-      <p:nvGrpSpPr>
-        <p:cNvPr id="1" name=""/>
-        <p:cNvGrpSpPr/>
-        <p:nvPr/>
-      </p:nvGrpSpPr>
-      <p:grpSpPr>
-        <a:xfrm>
-          <a:off x="0" y="0"/>
-          <a:ext cx="0" cy="0"/>
-          <a:chOff x="0" y="0"/>
-          <a:chExt cx="0" cy="0"/>
-        </a:xfrm>
-      </p:grpSpPr>
-      <p:sp>
-        <p:nvSpPr>
-          <p:cNvPr id="2" name="Title 1"/>
-          <p:cNvSpPr>
-            <a:spLocks noGrp="1"/>
-          </p:cNvSpPr>
-          <p:nvPr>
-            <p:ph type="title"/>
-          </p:nvPr>
-        </p:nvSpPr>
-        <p:spPr/>
-        <p:txBody>
-          <a:bodyPr/>
-          <a:lstStyle/>
-          <a:p>
-            <a:r>
-              <a:rPr lang="en-US" dirty="0" smtClean="0"/>
-              <a:t>Software Development Life Cycle</a:t>
-            </a:r>
-            <a:endParaRPr lang="en-US" dirty="0"/>
-          </a:p>
-        </p:txBody>
-      </p:sp>
-      <p:sp>
-        <p:nvSpPr>
-          <p:cNvPr id="3" name="Content Placeholder 2"/>
-          <p:cNvSpPr>
-            <a:spLocks noGrp="1"/>
-          </p:cNvSpPr>
-          <p:nvPr>
-            <p:ph sz="quarter" idx="1"/>
-          </p:nvPr>
-        </p:nvSpPr>
-        <p:spPr/>
-        <p:txBody>
-          <a:bodyPr/>
-          <a:lstStyle/>
-          <a:p>
-            <a:pPr>
-              <a:buNone/>
-            </a:pPr>
-            <a:r>
-              <a:rPr lang="en-US" dirty="0" smtClean="0"/>
-              <a:t>	An </a:t>
-            </a:r>
-            <a:r>
-              <a:rPr lang="en-US" b="1" dirty="0" smtClean="0"/>
-              <a:t>SDLC model</a:t>
-            </a:r>
-            <a:r>
-              <a:rPr lang="en-US" dirty="0" smtClean="0"/>
-              <a:t> is a conceptual framework describing all activities in a software development project from planning to maintenance</a:t>
-            </a:r>
-            <a:r>
-              <a:rPr lang="en-US" dirty="0" smtClean="0"/>
-              <a:t>.</a:t>
-            </a:r>
-          </a:p>
-          <a:p>
-            <a:pPr>
-              <a:buNone/>
-            </a:pPr>
-            <a:endParaRPr lang="en-US" dirty="0" smtClean="0"/>
-          </a:p>
-          <a:p>
-            <a:pPr>
-              <a:buNone/>
-            </a:pPr>
-            <a:r>
-              <a:rPr lang="en-US" dirty="0" smtClean="0"/>
-              <a:t>Some of the SDLC models are:</a:t>
-            </a:r>
-          </a:p>
-          <a:p>
-            <a:r>
-              <a:rPr lang="en-IN" dirty="0" smtClean="0"/>
-              <a:t>Iterative </a:t>
-            </a:r>
-            <a:r>
-              <a:rPr lang="en-IN" dirty="0" smtClean="0"/>
-              <a:t>Model</a:t>
-            </a:r>
-          </a:p>
-          <a:p>
-            <a:r>
-              <a:rPr lang="en-IN" dirty="0" smtClean="0"/>
-              <a:t>Spiral </a:t>
-            </a:r>
-            <a:r>
-              <a:rPr lang="en-IN" dirty="0" smtClean="0"/>
-              <a:t>Model</a:t>
-            </a:r>
-          </a:p>
-          <a:p>
-            <a:r>
-              <a:rPr lang="en-IN" dirty="0" smtClean="0"/>
-              <a:t>Agile </a:t>
-            </a:r>
-            <a:r>
-              <a:rPr lang="en-IN" dirty="0" smtClean="0"/>
-              <a:t>Model</a:t>
-            </a:r>
-          </a:p>
-          <a:p>
-            <a:r>
-              <a:rPr lang="en-IN" dirty="0" smtClean="0"/>
-              <a:t>Prototype Model</a:t>
-            </a:r>
-            <a:endParaRPr lang="en-US" dirty="0" smtClean="0"/>
-          </a:p>
-          <a:p>
-            <a:pPr>
-              <a:buNone/>
-            </a:pPr>
-            <a:endParaRPr lang="en-US" dirty="0"/>
-          </a:p>
-        </p:txBody>
-      </p:sp>
-    </p:spTree>
-  </p:cSld>
-  <p:clrMapOvr>
-    <a:masterClrMapping/>
-  </p:clrMapOvr>
-</p:sld>
-</file>
-
-<file path=ppt/slides/slide40.xml><?xml version="1.0" encoding="utf-8"?>
+<file path=ppt/slides/slide46.xml><?xml version="1.0" encoding="utf-8"?>
 <p:sld xmlns:a="http://schemas.openxmlformats.org/drawingml/2006/main" xmlns:r="http://schemas.openxmlformats.org/officeDocument/2006/relationships" xmlns:p="http://schemas.openxmlformats.org/presentationml/2006/main">
   <p:cSld>
     <p:spTree>
@@ -13764,7 +14009,7 @@
 </p:sld>
 </file>
 
-<file path=ppt/slides/slide41.xml><?xml version="1.0" encoding="utf-8"?>
+<file path=ppt/slides/slide47.xml><?xml version="1.0" encoding="utf-8"?>
 <p:sld xmlns:a="http://schemas.openxmlformats.org/drawingml/2006/main" xmlns:r="http://schemas.openxmlformats.org/officeDocument/2006/relationships" xmlns:p="http://schemas.openxmlformats.org/presentationml/2006/main">
   <p:cSld>
     <p:spTree>
@@ -14296,7 +14541,7 @@
 </p:sld>
 </file>
 
-<file path=ppt/slides/slide42.xml><?xml version="1.0" encoding="utf-8"?>
+<file path=ppt/slides/slide48.xml><?xml version="1.0" encoding="utf-8"?>
 <p:sld xmlns:a="http://schemas.openxmlformats.org/drawingml/2006/main" xmlns:r="http://schemas.openxmlformats.org/officeDocument/2006/relationships" xmlns:p="http://schemas.openxmlformats.org/presentationml/2006/main">
   <p:cSld>
     <p:spTree>
@@ -14704,7 +14949,7 @@
 </p:sld>
 </file>
 
-<file path=ppt/slides/slide43.xml><?xml version="1.0" encoding="utf-8"?>
+<file path=ppt/slides/slide49.xml><?xml version="1.0" encoding="utf-8"?>
 <p:sld xmlns:a="http://schemas.openxmlformats.org/drawingml/2006/main" xmlns:r="http://schemas.openxmlformats.org/officeDocument/2006/relationships" xmlns:p="http://schemas.openxmlformats.org/presentationml/2006/main">
   <p:cSld>
     <p:spTree>
@@ -15002,3094 +15247,6 @@
                       <a:r>
                         <a:rPr lang="en-US" sz="2100" u="none" strike="noStrike"/>
                         <a:t>varchar(10)</a:t>
-                      </a:r>
-                      <a:endParaRPr lang="en-US" sz="2100" b="0" i="0" u="none" strike="noStrike">
-                        <a:solidFill>
-                          <a:srgbClr val="000000"/>
-                        </a:solidFill>
-                        <a:latin typeface="Calibri"/>
-                      </a:endParaRPr>
-                    </a:p>
-                  </a:txBody>
-                  <a:tcPr marL="9525" marR="9525" marT="9525" marB="0" anchor="b"/>
-                </a:tc>
-                <a:tc>
-                  <a:txBody>
-                    <a:bodyPr/>
-                    <a:lstStyle/>
-                    <a:p>
-                      <a:pPr algn="l" fontAlgn="b"/>
-                      <a:r>
-                        <a:rPr lang="en-US" sz="2100" u="none" strike="noStrike" dirty="0"/>
-                        <a:t> </a:t>
-                      </a:r>
-                      <a:endParaRPr lang="en-US" sz="2100" b="0" i="0" u="none" strike="noStrike" dirty="0">
-                        <a:solidFill>
-                          <a:srgbClr val="000000"/>
-                        </a:solidFill>
-                        <a:latin typeface="Calibri"/>
-                      </a:endParaRPr>
-                    </a:p>
-                  </a:txBody>
-                  <a:tcPr marL="9525" marR="9525" marT="9525" marB="0" anchor="b"/>
-                </a:tc>
-              </a:tr>
-            </a:tbl>
-          </a:graphicData>
-        </a:graphic>
-      </p:graphicFrame>
-    </p:spTree>
-  </p:cSld>
-  <p:clrMapOvr>
-    <a:masterClrMapping/>
-  </p:clrMapOvr>
-</p:sld>
-</file>
-
-<file path=ppt/slides/slide44.xml><?xml version="1.0" encoding="utf-8"?>
-<p:sld xmlns:a="http://schemas.openxmlformats.org/drawingml/2006/main" xmlns:r="http://schemas.openxmlformats.org/officeDocument/2006/relationships" xmlns:p="http://schemas.openxmlformats.org/presentationml/2006/main">
-  <p:cSld>
-    <p:spTree>
-      <p:nvGrpSpPr>
-        <p:cNvPr id="1" name=""/>
-        <p:cNvGrpSpPr/>
-        <p:nvPr/>
-      </p:nvGrpSpPr>
-      <p:grpSpPr>
-        <a:xfrm>
-          <a:off x="0" y="0"/>
-          <a:ext cx="0" cy="0"/>
-          <a:chOff x="0" y="0"/>
-          <a:chExt cx="0" cy="0"/>
-        </a:xfrm>
-      </p:grpSpPr>
-      <p:graphicFrame>
-        <p:nvGraphicFramePr>
-          <p:cNvPr id="2" name="Table 1"/>
-          <p:cNvGraphicFramePr>
-            <a:graphicFrameLocks noGrp="1"/>
-          </p:cNvGraphicFramePr>
-          <p:nvPr/>
-        </p:nvGraphicFramePr>
-        <p:xfrm>
-          <a:off x="304801" y="2133600"/>
-          <a:ext cx="8686799" cy="1981200"/>
-        </p:xfrm>
-        <a:graphic>
-          <a:graphicData uri="http://schemas.openxmlformats.org/drawingml/2006/table">
-            <a:tbl>
-              <a:tblPr firstRow="1">
-                <a:tableStyleId>{3C2FFA5D-87B4-456A-9821-1D502468CF0F}</a:tableStyleId>
-              </a:tblPr>
-              <a:tblGrid>
-                <a:gridCol w="3173674"/>
-                <a:gridCol w="2593345"/>
-                <a:gridCol w="2919780"/>
-              </a:tblGrid>
-              <a:tr h="495300">
-                <a:tc gridSpan="3">
-                  <a:txBody>
-                    <a:bodyPr/>
-                    <a:lstStyle/>
-                    <a:p>
-                      <a:pPr algn="ctr" fontAlgn="b"/>
-                      <a:r>
-                        <a:rPr lang="en-US" sz="2100" b="1" u="none" strike="noStrike" dirty="0"/>
-                        <a:t>search</a:t>
-                      </a:r>
-                      <a:endParaRPr lang="en-US" sz="2100" b="1" i="0" u="none" strike="noStrike" dirty="0">
-                        <a:solidFill>
-                          <a:srgbClr val="000000"/>
-                        </a:solidFill>
-                        <a:latin typeface="Calibri"/>
-                      </a:endParaRPr>
-                    </a:p>
-                  </a:txBody>
-                  <a:tcPr marL="9525" marR="9525" marT="9525" marB="0" anchor="b"/>
-                </a:tc>
-                <a:tc hMerge="1">
-                  <a:txBody>
-                    <a:bodyPr/>
-                    <a:lstStyle/>
-                    <a:p>
-                      <a:endParaRPr lang="en-US"/>
-                    </a:p>
-                  </a:txBody>
-                  <a:tcPr/>
-                </a:tc>
-                <a:tc hMerge="1">
-                  <a:txBody>
-                    <a:bodyPr/>
-                    <a:lstStyle/>
-                    <a:p>
-                      <a:endParaRPr lang="en-US"/>
-                    </a:p>
-                  </a:txBody>
-                  <a:tcPr/>
-                </a:tc>
-              </a:tr>
-              <a:tr h="495300">
-                <a:tc>
-                  <a:txBody>
-                    <a:bodyPr/>
-                    <a:lstStyle/>
-                    <a:p>
-                      <a:pPr algn="l" fontAlgn="b"/>
-                      <a:r>
-                        <a:rPr lang="en-US" sz="2100" b="1" u="none" strike="noStrike" dirty="0"/>
-                        <a:t>column name</a:t>
-                      </a:r>
-                      <a:endParaRPr lang="en-US" sz="2100" b="1" i="0" u="none" strike="noStrike" dirty="0">
-                        <a:solidFill>
-                          <a:srgbClr val="000000"/>
-                        </a:solidFill>
-                        <a:latin typeface="Calibri"/>
-                      </a:endParaRPr>
-                    </a:p>
-                  </a:txBody>
-                  <a:tcPr marL="9525" marR="9525" marT="9525" marB="0" anchor="b"/>
-                </a:tc>
-                <a:tc>
-                  <a:txBody>
-                    <a:bodyPr/>
-                    <a:lstStyle/>
-                    <a:p>
-                      <a:pPr algn="l" fontAlgn="b"/>
-                      <a:r>
-                        <a:rPr lang="en-US" sz="2100" b="1" u="none" strike="noStrike" dirty="0"/>
-                        <a:t>data type</a:t>
-                      </a:r>
-                      <a:endParaRPr lang="en-US" sz="2100" b="1" i="0" u="none" strike="noStrike" dirty="0">
-                        <a:solidFill>
-                          <a:srgbClr val="000000"/>
-                        </a:solidFill>
-                        <a:latin typeface="Calibri"/>
-                      </a:endParaRPr>
-                    </a:p>
-                  </a:txBody>
-                  <a:tcPr marL="9525" marR="9525" marT="9525" marB="0" anchor="b"/>
-                </a:tc>
-                <a:tc>
-                  <a:txBody>
-                    <a:bodyPr/>
-                    <a:lstStyle/>
-                    <a:p>
-                      <a:pPr algn="l" fontAlgn="b"/>
-                      <a:r>
-                        <a:rPr lang="en-US" sz="2100" b="1" u="none" strike="noStrike" dirty="0"/>
-                        <a:t>constraint</a:t>
-                      </a:r>
-                      <a:endParaRPr lang="en-US" sz="2100" b="1" i="0" u="none" strike="noStrike" dirty="0">
-                        <a:solidFill>
-                          <a:srgbClr val="000000"/>
-                        </a:solidFill>
-                        <a:latin typeface="Calibri"/>
-                      </a:endParaRPr>
-                    </a:p>
-                  </a:txBody>
-                  <a:tcPr marL="9525" marR="9525" marT="9525" marB="0" anchor="b"/>
-                </a:tc>
-              </a:tr>
-              <a:tr h="495300">
-                <a:tc>
-                  <a:txBody>
-                    <a:bodyPr/>
-                    <a:lstStyle/>
-                    <a:p>
-                      <a:pPr algn="l" fontAlgn="b"/>
-                      <a:r>
-                        <a:rPr lang="en-US" sz="2100" u="none" strike="noStrike"/>
-                        <a:t>keyword</a:t>
-                      </a:r>
-                      <a:endParaRPr lang="en-US" sz="2100" b="0" i="0" u="none" strike="noStrike">
-                        <a:solidFill>
-                          <a:srgbClr val="000000"/>
-                        </a:solidFill>
-                        <a:latin typeface="Calibri"/>
-                      </a:endParaRPr>
-                    </a:p>
-                  </a:txBody>
-                  <a:tcPr marL="9525" marR="9525" marT="9525" marB="0" anchor="b"/>
-                </a:tc>
-                <a:tc>
-                  <a:txBody>
-                    <a:bodyPr/>
-                    <a:lstStyle/>
-                    <a:p>
-                      <a:pPr algn="l" fontAlgn="b"/>
-                      <a:r>
-                        <a:rPr lang="en-US" sz="2100" u="none" strike="noStrike" dirty="0" err="1"/>
-                        <a:t>varchar</a:t>
-                      </a:r>
-                      <a:r>
-                        <a:rPr lang="en-US" sz="2100" u="none" strike="noStrike" dirty="0"/>
-                        <a:t>(15)</a:t>
-                      </a:r>
-                      <a:endParaRPr lang="en-US" sz="2100" b="0" i="0" u="none" strike="noStrike" dirty="0">
-                        <a:solidFill>
-                          <a:srgbClr val="000000"/>
-                        </a:solidFill>
-                        <a:latin typeface="Calibri"/>
-                      </a:endParaRPr>
-                    </a:p>
-                  </a:txBody>
-                  <a:tcPr marL="9525" marR="9525" marT="9525" marB="0" anchor="b"/>
-                </a:tc>
-                <a:tc>
-                  <a:txBody>
-                    <a:bodyPr/>
-                    <a:lstStyle/>
-                    <a:p>
-                      <a:pPr algn="l" fontAlgn="b"/>
-                      <a:r>
-                        <a:rPr lang="en-US" sz="2100" u="none" strike="noStrike"/>
-                        <a:t>primary key</a:t>
-                      </a:r>
-                      <a:endParaRPr lang="en-US" sz="2100" b="0" i="0" u="none" strike="noStrike">
-                        <a:solidFill>
-                          <a:srgbClr val="000000"/>
-                        </a:solidFill>
-                        <a:latin typeface="Calibri"/>
-                      </a:endParaRPr>
-                    </a:p>
-                  </a:txBody>
-                  <a:tcPr marL="9525" marR="9525" marT="9525" marB="0" anchor="b"/>
-                </a:tc>
-              </a:tr>
-              <a:tr h="495300">
-                <a:tc>
-                  <a:txBody>
-                    <a:bodyPr/>
-                    <a:lstStyle/>
-                    <a:p>
-                      <a:pPr algn="l" fontAlgn="b"/>
-                      <a:r>
-                        <a:rPr lang="en-US" sz="2100" u="none" strike="noStrike"/>
-                        <a:t>value</a:t>
-                      </a:r>
-                      <a:endParaRPr lang="en-US" sz="2100" b="0" i="0" u="none" strike="noStrike">
-                        <a:solidFill>
-                          <a:srgbClr val="000000"/>
-                        </a:solidFill>
-                        <a:latin typeface="Calibri"/>
-                      </a:endParaRPr>
-                    </a:p>
-                  </a:txBody>
-                  <a:tcPr marL="9525" marR="9525" marT="9525" marB="0" anchor="b"/>
-                </a:tc>
-                <a:tc>
-                  <a:txBody>
-                    <a:bodyPr/>
-                    <a:lstStyle/>
-                    <a:p>
-                      <a:pPr algn="l" fontAlgn="b"/>
-                      <a:r>
-                        <a:rPr lang="en-US" sz="2100" u="none" strike="noStrike"/>
-                        <a:t>integer</a:t>
-                      </a:r>
-                      <a:endParaRPr lang="en-US" sz="2100" b="0" i="0" u="none" strike="noStrike">
-                        <a:solidFill>
-                          <a:srgbClr val="000000"/>
-                        </a:solidFill>
-                        <a:latin typeface="Calibri"/>
-                      </a:endParaRPr>
-                    </a:p>
-                  </a:txBody>
-                  <a:tcPr marL="9525" marR="9525" marT="9525" marB="0" anchor="b"/>
-                </a:tc>
-                <a:tc>
-                  <a:txBody>
-                    <a:bodyPr/>
-                    <a:lstStyle/>
-                    <a:p>
-                      <a:pPr algn="l" fontAlgn="b"/>
-                      <a:r>
-                        <a:rPr lang="en-US" sz="2100" u="none" strike="noStrike" dirty="0"/>
-                        <a:t> </a:t>
-                      </a:r>
-                      <a:endParaRPr lang="en-US" sz="2100" b="0" i="0" u="none" strike="noStrike" dirty="0">
-                        <a:solidFill>
-                          <a:srgbClr val="000000"/>
-                        </a:solidFill>
-                        <a:latin typeface="Calibri"/>
-                      </a:endParaRPr>
-                    </a:p>
-                  </a:txBody>
-                  <a:tcPr marL="9525" marR="9525" marT="9525" marB="0" anchor="b"/>
-                </a:tc>
-              </a:tr>
-            </a:tbl>
-          </a:graphicData>
-        </a:graphic>
-      </p:graphicFrame>
-    </p:spTree>
-  </p:cSld>
-  <p:clrMapOvr>
-    <a:masterClrMapping/>
-  </p:clrMapOvr>
-</p:sld>
-</file>
-
-<file path=ppt/slides/slide45.xml><?xml version="1.0" encoding="utf-8"?>
-<p:sld xmlns:a="http://schemas.openxmlformats.org/drawingml/2006/main" xmlns:r="http://schemas.openxmlformats.org/officeDocument/2006/relationships" xmlns:p="http://schemas.openxmlformats.org/presentationml/2006/main">
-  <p:cSld>
-    <p:spTree>
-      <p:nvGrpSpPr>
-        <p:cNvPr id="1" name=""/>
-        <p:cNvGrpSpPr/>
-        <p:nvPr/>
-      </p:nvGrpSpPr>
-      <p:grpSpPr>
-        <a:xfrm>
-          <a:off x="0" y="0"/>
-          <a:ext cx="0" cy="0"/>
-          <a:chOff x="0" y="0"/>
-          <a:chExt cx="0" cy="0"/>
-        </a:xfrm>
-      </p:grpSpPr>
-      <p:graphicFrame>
-        <p:nvGraphicFramePr>
-          <p:cNvPr id="2" name="Table 1"/>
-          <p:cNvGraphicFramePr>
-            <a:graphicFrameLocks noGrp="1"/>
-          </p:cNvGraphicFramePr>
-          <p:nvPr/>
-        </p:nvGraphicFramePr>
-        <p:xfrm>
-          <a:off x="381000" y="1752600"/>
-          <a:ext cx="8458200" cy="2286000"/>
-        </p:xfrm>
-        <a:graphic>
-          <a:graphicData uri="http://schemas.openxmlformats.org/drawingml/2006/table">
-            <a:tbl>
-              <a:tblPr firstRow="1">
-                <a:tableStyleId>{3C2FFA5D-87B4-456A-9821-1D502468CF0F}</a:tableStyleId>
-              </a:tblPr>
-              <a:tblGrid>
-                <a:gridCol w="3090156"/>
-                <a:gridCol w="2525100"/>
-                <a:gridCol w="2842944"/>
-              </a:tblGrid>
-              <a:tr h="457200">
-                <a:tc gridSpan="3">
-                  <a:txBody>
-                    <a:bodyPr/>
-                    <a:lstStyle/>
-                    <a:p>
-                      <a:pPr algn="ctr" fontAlgn="b"/>
-                      <a:r>
-                        <a:rPr lang="en-US" sz="2100" b="1" u="none" strike="noStrike" dirty="0"/>
-                        <a:t>approvals</a:t>
-                      </a:r>
-                      <a:endParaRPr lang="en-US" sz="2100" b="1" i="0" u="none" strike="noStrike" dirty="0">
-                        <a:solidFill>
-                          <a:srgbClr val="000000"/>
-                        </a:solidFill>
-                        <a:latin typeface="Calibri"/>
-                      </a:endParaRPr>
-                    </a:p>
-                  </a:txBody>
-                  <a:tcPr marL="9525" marR="9525" marT="9525" marB="0" anchor="b"/>
-                </a:tc>
-                <a:tc hMerge="1">
-                  <a:txBody>
-                    <a:bodyPr/>
-                    <a:lstStyle/>
-                    <a:p>
-                      <a:endParaRPr lang="en-US"/>
-                    </a:p>
-                  </a:txBody>
-                  <a:tcPr/>
-                </a:tc>
-                <a:tc hMerge="1">
-                  <a:txBody>
-                    <a:bodyPr/>
-                    <a:lstStyle/>
-                    <a:p>
-                      <a:endParaRPr lang="en-US"/>
-                    </a:p>
-                  </a:txBody>
-                  <a:tcPr/>
-                </a:tc>
-              </a:tr>
-              <a:tr h="457200">
-                <a:tc>
-                  <a:txBody>
-                    <a:bodyPr/>
-                    <a:lstStyle/>
-                    <a:p>
-                      <a:pPr algn="l" fontAlgn="b"/>
-                      <a:r>
-                        <a:rPr lang="en-US" sz="2100" b="1" u="none" strike="noStrike"/>
-                        <a:t>column name</a:t>
-                      </a:r>
-                      <a:endParaRPr lang="en-US" sz="2100" b="1" i="0" u="none" strike="noStrike">
-                        <a:solidFill>
-                          <a:srgbClr val="000000"/>
-                        </a:solidFill>
-                        <a:latin typeface="Calibri"/>
-                      </a:endParaRPr>
-                    </a:p>
-                  </a:txBody>
-                  <a:tcPr marL="9525" marR="9525" marT="9525" marB="0" anchor="b"/>
-                </a:tc>
-                <a:tc>
-                  <a:txBody>
-                    <a:bodyPr/>
-                    <a:lstStyle/>
-                    <a:p>
-                      <a:pPr algn="l" fontAlgn="b"/>
-                      <a:r>
-                        <a:rPr lang="en-US" sz="2100" b="1" u="none" strike="noStrike"/>
-                        <a:t>data type</a:t>
-                      </a:r>
-                      <a:endParaRPr lang="en-US" sz="2100" b="1" i="0" u="none" strike="noStrike">
-                        <a:solidFill>
-                          <a:srgbClr val="000000"/>
-                        </a:solidFill>
-                        <a:latin typeface="Calibri"/>
-                      </a:endParaRPr>
-                    </a:p>
-                  </a:txBody>
-                  <a:tcPr marL="9525" marR="9525" marT="9525" marB="0" anchor="b"/>
-                </a:tc>
-                <a:tc>
-                  <a:txBody>
-                    <a:bodyPr/>
-                    <a:lstStyle/>
-                    <a:p>
-                      <a:pPr algn="l" fontAlgn="b"/>
-                      <a:r>
-                        <a:rPr lang="en-US" sz="2100" b="1" u="none" strike="noStrike" dirty="0"/>
-                        <a:t>constraint</a:t>
-                      </a:r>
-                      <a:endParaRPr lang="en-US" sz="2100" b="1" i="0" u="none" strike="noStrike" dirty="0">
-                        <a:solidFill>
-                          <a:srgbClr val="000000"/>
-                        </a:solidFill>
-                        <a:latin typeface="Calibri"/>
-                      </a:endParaRPr>
-                    </a:p>
-                  </a:txBody>
-                  <a:tcPr marL="9525" marR="9525" marT="9525" marB="0" anchor="b"/>
-                </a:tc>
-              </a:tr>
-              <a:tr h="457200">
-                <a:tc>
-                  <a:txBody>
-                    <a:bodyPr/>
-                    <a:lstStyle/>
-                    <a:p>
-                      <a:pPr algn="l" fontAlgn="b"/>
-                      <a:r>
-                        <a:rPr lang="en-US" sz="2100" u="none" strike="noStrike"/>
-                        <a:t>content id</a:t>
-                      </a:r>
-                      <a:endParaRPr lang="en-US" sz="2100" b="0" i="0" u="none" strike="noStrike">
-                        <a:solidFill>
-                          <a:srgbClr val="000000"/>
-                        </a:solidFill>
-                        <a:latin typeface="Calibri"/>
-                      </a:endParaRPr>
-                    </a:p>
-                  </a:txBody>
-                  <a:tcPr marL="9525" marR="9525" marT="9525" marB="0" anchor="b"/>
-                </a:tc>
-                <a:tc>
-                  <a:txBody>
-                    <a:bodyPr/>
-                    <a:lstStyle/>
-                    <a:p>
-                      <a:pPr algn="l" fontAlgn="b"/>
-                      <a:r>
-                        <a:rPr lang="en-US" sz="2100" u="none" strike="noStrike"/>
-                        <a:t>integer</a:t>
-                      </a:r>
-                      <a:endParaRPr lang="en-US" sz="2100" b="0" i="0" u="none" strike="noStrike">
-                        <a:solidFill>
-                          <a:srgbClr val="000000"/>
-                        </a:solidFill>
-                        <a:latin typeface="Calibri"/>
-                      </a:endParaRPr>
-                    </a:p>
-                  </a:txBody>
-                  <a:tcPr marL="9525" marR="9525" marT="9525" marB="0" anchor="b"/>
-                </a:tc>
-                <a:tc rowSpan="2">
-                  <a:txBody>
-                    <a:bodyPr/>
-                    <a:lstStyle/>
-                    <a:p>
-                      <a:pPr algn="ctr" fontAlgn="ctr"/>
-                      <a:r>
-                        <a:rPr lang="en-US" sz="2100" u="none" strike="noStrike"/>
-                        <a:t>composite key</a:t>
-                      </a:r>
-                      <a:endParaRPr lang="en-US" sz="2100" b="0" i="0" u="none" strike="noStrike">
-                        <a:solidFill>
-                          <a:srgbClr val="000000"/>
-                        </a:solidFill>
-                        <a:latin typeface="Calibri"/>
-                      </a:endParaRPr>
-                    </a:p>
-                  </a:txBody>
-                  <a:tcPr marL="9525" marR="9525" marT="9525" marB="0" anchor="ctr"/>
-                </a:tc>
-              </a:tr>
-              <a:tr h="457200">
-                <a:tc>
-                  <a:txBody>
-                    <a:bodyPr/>
-                    <a:lstStyle/>
-                    <a:p>
-                      <a:pPr algn="l" fontAlgn="b"/>
-                      <a:r>
-                        <a:rPr lang="en-US" sz="2100" u="none" strike="noStrike"/>
-                        <a:t>inspector id</a:t>
-                      </a:r>
-                      <a:endParaRPr lang="en-US" sz="2100" b="0" i="0" u="none" strike="noStrike">
-                        <a:solidFill>
-                          <a:srgbClr val="000000"/>
-                        </a:solidFill>
-                        <a:latin typeface="Calibri"/>
-                      </a:endParaRPr>
-                    </a:p>
-                  </a:txBody>
-                  <a:tcPr marL="9525" marR="9525" marT="9525" marB="0" anchor="b"/>
-                </a:tc>
-                <a:tc>
-                  <a:txBody>
-                    <a:bodyPr/>
-                    <a:lstStyle/>
-                    <a:p>
-                      <a:pPr algn="l" fontAlgn="b"/>
-                      <a:r>
-                        <a:rPr lang="en-US" sz="2100" u="none" strike="noStrike"/>
-                        <a:t>integer</a:t>
-                      </a:r>
-                      <a:endParaRPr lang="en-US" sz="2100" b="0" i="0" u="none" strike="noStrike">
-                        <a:solidFill>
-                          <a:srgbClr val="000000"/>
-                        </a:solidFill>
-                        <a:latin typeface="Calibri"/>
-                      </a:endParaRPr>
-                    </a:p>
-                  </a:txBody>
-                  <a:tcPr marL="9525" marR="9525" marT="9525" marB="0" anchor="b"/>
-                </a:tc>
-                <a:tc vMerge="1">
-                  <a:txBody>
-                    <a:bodyPr/>
-                    <a:lstStyle/>
-                    <a:p>
-                      <a:endParaRPr lang="en-US"/>
-                    </a:p>
-                  </a:txBody>
-                  <a:tcPr/>
-                </a:tc>
-              </a:tr>
-              <a:tr h="457200">
-                <a:tc>
-                  <a:txBody>
-                    <a:bodyPr/>
-                    <a:lstStyle/>
-                    <a:p>
-                      <a:pPr algn="l" fontAlgn="b"/>
-                      <a:r>
-                        <a:rPr lang="en-US" sz="2100" u="none" strike="noStrike"/>
-                        <a:t>approved</a:t>
-                      </a:r>
-                      <a:endParaRPr lang="en-US" sz="2100" b="0" i="0" u="none" strike="noStrike">
-                        <a:solidFill>
-                          <a:srgbClr val="000000"/>
-                        </a:solidFill>
-                        <a:latin typeface="Calibri"/>
-                      </a:endParaRPr>
-                    </a:p>
-                  </a:txBody>
-                  <a:tcPr marL="9525" marR="9525" marT="9525" marB="0" anchor="b"/>
-                </a:tc>
-                <a:tc>
-                  <a:txBody>
-                    <a:bodyPr/>
-                    <a:lstStyle/>
-                    <a:p>
-                      <a:pPr algn="l" fontAlgn="b"/>
-                      <a:r>
-                        <a:rPr lang="en-US" sz="2100" u="none" strike="noStrike"/>
-                        <a:t>boolean</a:t>
-                      </a:r>
-                      <a:endParaRPr lang="en-US" sz="2100" b="0" i="0" u="none" strike="noStrike">
-                        <a:solidFill>
-                          <a:srgbClr val="000000"/>
-                        </a:solidFill>
-                        <a:latin typeface="Calibri"/>
-                      </a:endParaRPr>
-                    </a:p>
-                  </a:txBody>
-                  <a:tcPr marL="9525" marR="9525" marT="9525" marB="0" anchor="b"/>
-                </a:tc>
-                <a:tc>
-                  <a:txBody>
-                    <a:bodyPr/>
-                    <a:lstStyle/>
-                    <a:p>
-                      <a:pPr algn="l" fontAlgn="b"/>
-                      <a:r>
-                        <a:rPr lang="en-US" sz="2100" u="none" strike="noStrike" dirty="0"/>
-                        <a:t> </a:t>
-                      </a:r>
-                      <a:endParaRPr lang="en-US" sz="2100" b="0" i="0" u="none" strike="noStrike" dirty="0">
-                        <a:solidFill>
-                          <a:srgbClr val="000000"/>
-                        </a:solidFill>
-                        <a:latin typeface="Calibri"/>
-                      </a:endParaRPr>
-                    </a:p>
-                  </a:txBody>
-                  <a:tcPr marL="9525" marR="9525" marT="9525" marB="0" anchor="b"/>
-                </a:tc>
-              </a:tr>
-            </a:tbl>
-          </a:graphicData>
-        </a:graphic>
-      </p:graphicFrame>
-    </p:spTree>
-  </p:cSld>
-  <p:clrMapOvr>
-    <a:masterClrMapping/>
-  </p:clrMapOvr>
-</p:sld>
-</file>
-
-<file path=ppt/slides/slide46.xml><?xml version="1.0" encoding="utf-8"?>
-<p:sld xmlns:a="http://schemas.openxmlformats.org/drawingml/2006/main" xmlns:r="http://schemas.openxmlformats.org/officeDocument/2006/relationships" xmlns:p="http://schemas.openxmlformats.org/presentationml/2006/main">
-  <p:cSld>
-    <p:spTree>
-      <p:nvGrpSpPr>
-        <p:cNvPr id="1" name=""/>
-        <p:cNvGrpSpPr/>
-        <p:nvPr/>
-      </p:nvGrpSpPr>
-      <p:grpSpPr>
-        <a:xfrm>
-          <a:off x="0" y="0"/>
-          <a:ext cx="0" cy="0"/>
-          <a:chOff x="0" y="0"/>
-          <a:chExt cx="0" cy="0"/>
-        </a:xfrm>
-      </p:grpSpPr>
-      <p:graphicFrame>
-        <p:nvGraphicFramePr>
-          <p:cNvPr id="2" name="Table 1"/>
-          <p:cNvGraphicFramePr>
-            <a:graphicFrameLocks noGrp="1"/>
-          </p:cNvGraphicFramePr>
-          <p:nvPr/>
-        </p:nvGraphicFramePr>
-        <p:xfrm>
-          <a:off x="381000" y="1752600"/>
-          <a:ext cx="8458200" cy="2971800"/>
-        </p:xfrm>
-        <a:graphic>
-          <a:graphicData uri="http://schemas.openxmlformats.org/drawingml/2006/table">
-            <a:tbl>
-              <a:tblPr firstRow="1">
-                <a:tableStyleId>{3C2FFA5D-87B4-456A-9821-1D502468CF0F}</a:tableStyleId>
-              </a:tblPr>
-              <a:tblGrid>
-                <a:gridCol w="3090157"/>
-                <a:gridCol w="2525099"/>
-                <a:gridCol w="2842944"/>
-              </a:tblGrid>
-              <a:tr h="594360">
-                <a:tc gridSpan="3">
-                  <a:txBody>
-                    <a:bodyPr/>
-                    <a:lstStyle/>
-                    <a:p>
-                      <a:pPr algn="ctr" fontAlgn="b"/>
-                      <a:r>
-                        <a:rPr lang="en-US" sz="1800" b="1" u="none" strike="noStrike" dirty="0"/>
-                        <a:t>inspector feedback</a:t>
-                      </a:r>
-                      <a:endParaRPr lang="en-US" sz="1800" b="1" i="0" u="none" strike="noStrike" dirty="0">
-                        <a:solidFill>
-                          <a:srgbClr val="000000"/>
-                        </a:solidFill>
-                        <a:latin typeface="Calibri"/>
-                      </a:endParaRPr>
-                    </a:p>
-                  </a:txBody>
-                  <a:tcPr marL="9525" marR="9525" marT="9525" marB="0" anchor="b"/>
-                </a:tc>
-                <a:tc hMerge="1">
-                  <a:txBody>
-                    <a:bodyPr/>
-                    <a:lstStyle/>
-                    <a:p>
-                      <a:endParaRPr lang="en-US"/>
-                    </a:p>
-                  </a:txBody>
-                  <a:tcPr/>
-                </a:tc>
-                <a:tc hMerge="1">
-                  <a:txBody>
-                    <a:bodyPr/>
-                    <a:lstStyle/>
-                    <a:p>
-                      <a:endParaRPr lang="en-US"/>
-                    </a:p>
-                  </a:txBody>
-                  <a:tcPr/>
-                </a:tc>
-              </a:tr>
-              <a:tr h="594360">
-                <a:tc>
-                  <a:txBody>
-                    <a:bodyPr/>
-                    <a:lstStyle/>
-                    <a:p>
-                      <a:pPr algn="l" fontAlgn="b"/>
-                      <a:r>
-                        <a:rPr lang="en-US" sz="1800" b="1" u="none" strike="noStrike"/>
-                        <a:t>column name</a:t>
-                      </a:r>
-                      <a:endParaRPr lang="en-US" sz="1800" b="1" i="0" u="none" strike="noStrike">
-                        <a:solidFill>
-                          <a:srgbClr val="000000"/>
-                        </a:solidFill>
-                        <a:latin typeface="Calibri"/>
-                      </a:endParaRPr>
-                    </a:p>
-                  </a:txBody>
-                  <a:tcPr marL="9525" marR="9525" marT="9525" marB="0" anchor="b"/>
-                </a:tc>
-                <a:tc>
-                  <a:txBody>
-                    <a:bodyPr/>
-                    <a:lstStyle/>
-                    <a:p>
-                      <a:pPr algn="l" fontAlgn="b"/>
-                      <a:r>
-                        <a:rPr lang="en-US" sz="1800" b="1" u="none" strike="noStrike" dirty="0"/>
-                        <a:t>data type</a:t>
-                      </a:r>
-                      <a:endParaRPr lang="en-US" sz="1800" b="1" i="0" u="none" strike="noStrike" dirty="0">
-                        <a:solidFill>
-                          <a:srgbClr val="000000"/>
-                        </a:solidFill>
-                        <a:latin typeface="Calibri"/>
-                      </a:endParaRPr>
-                    </a:p>
-                  </a:txBody>
-                  <a:tcPr marL="9525" marR="9525" marT="9525" marB="0" anchor="b"/>
-                </a:tc>
-                <a:tc>
-                  <a:txBody>
-                    <a:bodyPr/>
-                    <a:lstStyle/>
-                    <a:p>
-                      <a:pPr algn="l" fontAlgn="b"/>
-                      <a:r>
-                        <a:rPr lang="en-US" sz="1800" b="1" u="none" strike="noStrike" dirty="0"/>
-                        <a:t>constraint</a:t>
-                      </a:r>
-                      <a:endParaRPr lang="en-US" sz="1800" b="1" i="0" u="none" strike="noStrike" dirty="0">
-                        <a:solidFill>
-                          <a:srgbClr val="000000"/>
-                        </a:solidFill>
-                        <a:latin typeface="Calibri"/>
-                      </a:endParaRPr>
-                    </a:p>
-                  </a:txBody>
-                  <a:tcPr marL="9525" marR="9525" marT="9525" marB="0" anchor="b"/>
-                </a:tc>
-              </a:tr>
-              <a:tr h="594360">
-                <a:tc>
-                  <a:txBody>
-                    <a:bodyPr/>
-                    <a:lstStyle/>
-                    <a:p>
-                      <a:pPr algn="l" fontAlgn="b"/>
-                      <a:r>
-                        <a:rPr lang="en-US" sz="1800" u="none" strike="noStrike" dirty="0" err="1"/>
-                        <a:t>inspector_id</a:t>
-                      </a:r>
-                      <a:endParaRPr lang="en-US" sz="1800" b="0" i="0" u="none" strike="noStrike" dirty="0">
-                        <a:solidFill>
-                          <a:srgbClr val="000000"/>
-                        </a:solidFill>
-                        <a:latin typeface="Calibri"/>
-                      </a:endParaRPr>
-                    </a:p>
-                  </a:txBody>
-                  <a:tcPr marL="9525" marR="9525" marT="9525" marB="0" anchor="b"/>
-                </a:tc>
-                <a:tc>
-                  <a:txBody>
-                    <a:bodyPr/>
-                    <a:lstStyle/>
-                    <a:p>
-                      <a:pPr algn="l" fontAlgn="b"/>
-                      <a:r>
-                        <a:rPr lang="en-US" sz="1800" u="none" strike="noStrike"/>
-                        <a:t>integer</a:t>
-                      </a:r>
-                      <a:endParaRPr lang="en-US" sz="1800" b="0" i="0" u="none" strike="noStrike">
-                        <a:solidFill>
-                          <a:srgbClr val="000000"/>
-                        </a:solidFill>
-                        <a:latin typeface="Calibri"/>
-                      </a:endParaRPr>
-                    </a:p>
-                  </a:txBody>
-                  <a:tcPr marL="9525" marR="9525" marT="9525" marB="0" anchor="b"/>
-                </a:tc>
-                <a:tc rowSpan="2">
-                  <a:txBody>
-                    <a:bodyPr/>
-                    <a:lstStyle/>
-                    <a:p>
-                      <a:pPr algn="ctr" fontAlgn="ctr"/>
-                      <a:r>
-                        <a:rPr lang="en-US" sz="1800" u="none" strike="noStrike"/>
-                        <a:t>composite key</a:t>
-                      </a:r>
-                      <a:endParaRPr lang="en-US" sz="1800" b="0" i="0" u="none" strike="noStrike">
-                        <a:solidFill>
-                          <a:srgbClr val="000000"/>
-                        </a:solidFill>
-                        <a:latin typeface="Calibri"/>
-                      </a:endParaRPr>
-                    </a:p>
-                  </a:txBody>
-                  <a:tcPr marL="9525" marR="9525" marT="9525" marB="0" anchor="ctr"/>
-                </a:tc>
-              </a:tr>
-              <a:tr h="594360">
-                <a:tc>
-                  <a:txBody>
-                    <a:bodyPr/>
-                    <a:lstStyle/>
-                    <a:p>
-                      <a:pPr algn="l" fontAlgn="b"/>
-                      <a:r>
-                        <a:rPr lang="en-US" sz="1800" u="none" strike="noStrike"/>
-                        <a:t>content id</a:t>
-                      </a:r>
-                      <a:endParaRPr lang="en-US" sz="1800" b="0" i="0" u="none" strike="noStrike">
-                        <a:solidFill>
-                          <a:srgbClr val="000000"/>
-                        </a:solidFill>
-                        <a:latin typeface="Calibri"/>
-                      </a:endParaRPr>
-                    </a:p>
-                  </a:txBody>
-                  <a:tcPr marL="9525" marR="9525" marT="9525" marB="0" anchor="b"/>
-                </a:tc>
-                <a:tc>
-                  <a:txBody>
-                    <a:bodyPr/>
-                    <a:lstStyle/>
-                    <a:p>
-                      <a:pPr algn="l" fontAlgn="b"/>
-                      <a:r>
-                        <a:rPr lang="en-US" sz="1800" u="none" strike="noStrike"/>
-                        <a:t>integer</a:t>
-                      </a:r>
-                      <a:endParaRPr lang="en-US" sz="1800" b="0" i="0" u="none" strike="noStrike">
-                        <a:solidFill>
-                          <a:srgbClr val="000000"/>
-                        </a:solidFill>
-                        <a:latin typeface="Calibri"/>
-                      </a:endParaRPr>
-                    </a:p>
-                  </a:txBody>
-                  <a:tcPr marL="9525" marR="9525" marT="9525" marB="0" anchor="b"/>
-                </a:tc>
-                <a:tc vMerge="1">
-                  <a:txBody>
-                    <a:bodyPr/>
-                    <a:lstStyle/>
-                    <a:p>
-                      <a:endParaRPr lang="en-US"/>
-                    </a:p>
-                  </a:txBody>
-                  <a:tcPr/>
-                </a:tc>
-              </a:tr>
-              <a:tr h="594360">
-                <a:tc>
-                  <a:txBody>
-                    <a:bodyPr/>
-                    <a:lstStyle/>
-                    <a:p>
-                      <a:pPr algn="l" fontAlgn="b"/>
-                      <a:r>
-                        <a:rPr lang="en-US" sz="1800" u="none" strike="noStrike"/>
-                        <a:t>feedback</a:t>
-                      </a:r>
-                      <a:endParaRPr lang="en-US" sz="1800" b="0" i="0" u="none" strike="noStrike">
-                        <a:solidFill>
-                          <a:srgbClr val="000000"/>
-                        </a:solidFill>
-                        <a:latin typeface="Calibri"/>
-                      </a:endParaRPr>
-                    </a:p>
-                  </a:txBody>
-                  <a:tcPr marL="9525" marR="9525" marT="9525" marB="0" anchor="b"/>
-                </a:tc>
-                <a:tc>
-                  <a:txBody>
-                    <a:bodyPr/>
-                    <a:lstStyle/>
-                    <a:p>
-                      <a:pPr algn="l" fontAlgn="b"/>
-                      <a:r>
-                        <a:rPr lang="en-US" sz="1800" u="none" strike="noStrike"/>
-                        <a:t>varchar(100)</a:t>
-                      </a:r>
-                      <a:endParaRPr lang="en-US" sz="1800" b="0" i="0" u="none" strike="noStrike">
-                        <a:solidFill>
-                          <a:srgbClr val="000000"/>
-                        </a:solidFill>
-                        <a:latin typeface="Calibri"/>
-                      </a:endParaRPr>
-                    </a:p>
-                  </a:txBody>
-                  <a:tcPr marL="9525" marR="9525" marT="9525" marB="0" anchor="b"/>
-                </a:tc>
-                <a:tc>
-                  <a:txBody>
-                    <a:bodyPr/>
-                    <a:lstStyle/>
-                    <a:p>
-                      <a:pPr algn="l" fontAlgn="b"/>
-                      <a:r>
-                        <a:rPr lang="en-US" sz="1800" u="none" strike="noStrike" dirty="0"/>
-                        <a:t> </a:t>
-                      </a:r>
-                      <a:endParaRPr lang="en-US" sz="1800" b="0" i="0" u="none" strike="noStrike" dirty="0">
-                        <a:solidFill>
-                          <a:srgbClr val="000000"/>
-                        </a:solidFill>
-                        <a:latin typeface="Calibri"/>
-                      </a:endParaRPr>
-                    </a:p>
-                  </a:txBody>
-                  <a:tcPr marL="9525" marR="9525" marT="9525" marB="0" anchor="b"/>
-                </a:tc>
-              </a:tr>
-            </a:tbl>
-          </a:graphicData>
-        </a:graphic>
-      </p:graphicFrame>
-    </p:spTree>
-  </p:cSld>
-  <p:clrMapOvr>
-    <a:masterClrMapping/>
-  </p:clrMapOvr>
-</p:sld>
-</file>
-
-<file path=ppt/slides/slide47.xml><?xml version="1.0" encoding="utf-8"?>
-<p:sld xmlns:a="http://schemas.openxmlformats.org/drawingml/2006/main" xmlns:r="http://schemas.openxmlformats.org/officeDocument/2006/relationships" xmlns:p="http://schemas.openxmlformats.org/presentationml/2006/main">
-  <p:cSld>
-    <p:spTree>
-      <p:nvGrpSpPr>
-        <p:cNvPr id="1" name=""/>
-        <p:cNvGrpSpPr/>
-        <p:nvPr/>
-      </p:nvGrpSpPr>
-      <p:grpSpPr>
-        <a:xfrm>
-          <a:off x="0" y="0"/>
-          <a:ext cx="0" cy="0"/>
-          <a:chOff x="0" y="0"/>
-          <a:chExt cx="0" cy="0"/>
-        </a:xfrm>
-      </p:grpSpPr>
-      <p:graphicFrame>
-        <p:nvGraphicFramePr>
-          <p:cNvPr id="2" name="Table 1"/>
-          <p:cNvGraphicFramePr>
-            <a:graphicFrameLocks noGrp="1"/>
-          </p:cNvGraphicFramePr>
-          <p:nvPr/>
-        </p:nvGraphicFramePr>
-        <p:xfrm>
-          <a:off x="228600" y="411480"/>
-          <a:ext cx="8763000" cy="2636520"/>
-        </p:xfrm>
-        <a:graphic>
-          <a:graphicData uri="http://schemas.openxmlformats.org/drawingml/2006/table">
-            <a:tbl>
-              <a:tblPr firstRow="1">
-                <a:tableStyleId>{3C2FFA5D-87B4-456A-9821-1D502468CF0F}</a:tableStyleId>
-              </a:tblPr>
-              <a:tblGrid>
-                <a:gridCol w="3230509"/>
-                <a:gridCol w="2437392"/>
-                <a:gridCol w="3095099"/>
-              </a:tblGrid>
-              <a:tr h="295275">
-                <a:tc gridSpan="3">
-                  <a:txBody>
-                    <a:bodyPr/>
-                    <a:lstStyle/>
-                    <a:p>
-                      <a:pPr algn="ctr" fontAlgn="b"/>
-                      <a:r>
-                        <a:rPr lang="en-US" sz="2100" b="1" u="none" strike="noStrike" dirty="0"/>
-                        <a:t>student log</a:t>
-                      </a:r>
-                      <a:endParaRPr lang="en-US" sz="2100" b="1" i="0" u="none" strike="noStrike" dirty="0">
-                        <a:solidFill>
-                          <a:srgbClr val="000000"/>
-                        </a:solidFill>
-                        <a:latin typeface="Calibri"/>
-                      </a:endParaRPr>
-                    </a:p>
-                  </a:txBody>
-                  <a:tcPr marL="9525" marR="9525" marT="9525" marB="0" anchor="b"/>
-                </a:tc>
-                <a:tc hMerge="1">
-                  <a:txBody>
-                    <a:bodyPr/>
-                    <a:lstStyle/>
-                    <a:p>
-                      <a:endParaRPr lang="en-US"/>
-                    </a:p>
-                  </a:txBody>
-                  <a:tcPr/>
-                </a:tc>
-                <a:tc hMerge="1">
-                  <a:txBody>
-                    <a:bodyPr/>
-                    <a:lstStyle/>
-                    <a:p>
-                      <a:endParaRPr lang="en-US"/>
-                    </a:p>
-                  </a:txBody>
-                  <a:tcPr/>
-                </a:tc>
-              </a:tr>
-              <a:tr h="295275">
-                <a:tc>
-                  <a:txBody>
-                    <a:bodyPr/>
-                    <a:lstStyle/>
-                    <a:p>
-                      <a:pPr algn="l" fontAlgn="b"/>
-                      <a:r>
-                        <a:rPr lang="en-US" sz="2100" b="1" u="none" strike="noStrike"/>
-                        <a:t>column name</a:t>
-                      </a:r>
-                      <a:endParaRPr lang="en-US" sz="2100" b="1" i="0" u="none" strike="noStrike">
-                        <a:solidFill>
-                          <a:srgbClr val="000000"/>
-                        </a:solidFill>
-                        <a:latin typeface="Calibri"/>
-                      </a:endParaRPr>
-                    </a:p>
-                  </a:txBody>
-                  <a:tcPr marL="9525" marR="9525" marT="9525" marB="0" anchor="b"/>
-                </a:tc>
-                <a:tc>
-                  <a:txBody>
-                    <a:bodyPr/>
-                    <a:lstStyle/>
-                    <a:p>
-                      <a:pPr algn="l" fontAlgn="b"/>
-                      <a:r>
-                        <a:rPr lang="en-US" sz="2100" b="1" u="none" strike="noStrike" dirty="0"/>
-                        <a:t>data type</a:t>
-                      </a:r>
-                      <a:endParaRPr lang="en-US" sz="2100" b="1" i="0" u="none" strike="noStrike" dirty="0">
-                        <a:solidFill>
-                          <a:srgbClr val="000000"/>
-                        </a:solidFill>
-                        <a:latin typeface="Calibri"/>
-                      </a:endParaRPr>
-                    </a:p>
-                  </a:txBody>
-                  <a:tcPr marL="9525" marR="9525" marT="9525" marB="0" anchor="b"/>
-                </a:tc>
-                <a:tc>
-                  <a:txBody>
-                    <a:bodyPr/>
-                    <a:lstStyle/>
-                    <a:p>
-                      <a:pPr algn="l" fontAlgn="b"/>
-                      <a:r>
-                        <a:rPr lang="en-US" sz="2100" b="1" u="none" strike="noStrike" dirty="0"/>
-                        <a:t>constraint</a:t>
-                      </a:r>
-                      <a:endParaRPr lang="en-US" sz="2100" b="1" i="0" u="none" strike="noStrike" dirty="0">
-                        <a:solidFill>
-                          <a:srgbClr val="000000"/>
-                        </a:solidFill>
-                        <a:latin typeface="Calibri"/>
-                      </a:endParaRPr>
-                    </a:p>
-                  </a:txBody>
-                  <a:tcPr marL="9525" marR="9525" marT="9525" marB="0" anchor="b"/>
-                </a:tc>
-              </a:tr>
-              <a:tr h="295275">
-                <a:tc>
-                  <a:txBody>
-                    <a:bodyPr/>
-                    <a:lstStyle/>
-                    <a:p>
-                      <a:pPr algn="l" fontAlgn="b"/>
-                      <a:r>
-                        <a:rPr lang="en-US" sz="2100" u="none" strike="noStrike"/>
-                        <a:t>student_id</a:t>
-                      </a:r>
-                      <a:endParaRPr lang="en-US" sz="2100" b="0" i="0" u="none" strike="noStrike">
-                        <a:solidFill>
-                          <a:srgbClr val="000000"/>
-                        </a:solidFill>
-                        <a:latin typeface="Calibri"/>
-                      </a:endParaRPr>
-                    </a:p>
-                  </a:txBody>
-                  <a:tcPr marL="9525" marR="9525" marT="9525" marB="0" anchor="b"/>
-                </a:tc>
-                <a:tc>
-                  <a:txBody>
-                    <a:bodyPr/>
-                    <a:lstStyle/>
-                    <a:p>
-                      <a:pPr algn="l" fontAlgn="b"/>
-                      <a:r>
-                        <a:rPr lang="en-US" sz="2100" u="none" strike="noStrike"/>
-                        <a:t>integer</a:t>
-                      </a:r>
-                      <a:endParaRPr lang="en-US" sz="2100" b="0" i="0" u="none" strike="noStrike">
-                        <a:solidFill>
-                          <a:srgbClr val="000000"/>
-                        </a:solidFill>
-                        <a:latin typeface="Calibri"/>
-                      </a:endParaRPr>
-                    </a:p>
-                  </a:txBody>
-                  <a:tcPr marL="9525" marR="9525" marT="9525" marB="0" anchor="b"/>
-                </a:tc>
-                <a:tc rowSpan="2">
-                  <a:txBody>
-                    <a:bodyPr/>
-                    <a:lstStyle/>
-                    <a:p>
-                      <a:pPr algn="ctr" fontAlgn="ctr"/>
-                      <a:r>
-                        <a:rPr lang="en-US" sz="2100" u="none" strike="noStrike" dirty="0"/>
-                        <a:t>composite key</a:t>
-                      </a:r>
-                      <a:endParaRPr lang="en-US" sz="2100" b="0" i="0" u="none" strike="noStrike" dirty="0">
-                        <a:solidFill>
-                          <a:srgbClr val="000000"/>
-                        </a:solidFill>
-                        <a:latin typeface="Calibri"/>
-                      </a:endParaRPr>
-                    </a:p>
-                  </a:txBody>
-                  <a:tcPr marL="9525" marR="9525" marT="9525" marB="0" anchor="ctr"/>
-                </a:tc>
-              </a:tr>
-              <a:tr h="295275">
-                <a:tc>
-                  <a:txBody>
-                    <a:bodyPr/>
-                    <a:lstStyle/>
-                    <a:p>
-                      <a:pPr algn="l" fontAlgn="b"/>
-                      <a:r>
-                        <a:rPr lang="en-US" sz="2100" u="none" strike="noStrike"/>
-                        <a:t>content_id</a:t>
-                      </a:r>
-                      <a:endParaRPr lang="en-US" sz="2100" b="0" i="0" u="none" strike="noStrike">
-                        <a:solidFill>
-                          <a:srgbClr val="000000"/>
-                        </a:solidFill>
-                        <a:latin typeface="Calibri"/>
-                      </a:endParaRPr>
-                    </a:p>
-                  </a:txBody>
-                  <a:tcPr marL="9525" marR="9525" marT="9525" marB="0" anchor="b"/>
-                </a:tc>
-                <a:tc>
-                  <a:txBody>
-                    <a:bodyPr/>
-                    <a:lstStyle/>
-                    <a:p>
-                      <a:pPr algn="l" fontAlgn="b"/>
-                      <a:r>
-                        <a:rPr lang="en-US" sz="2100" u="none" strike="noStrike"/>
-                        <a:t>integer</a:t>
-                      </a:r>
-                      <a:endParaRPr lang="en-US" sz="2100" b="0" i="0" u="none" strike="noStrike">
-                        <a:solidFill>
-                          <a:srgbClr val="000000"/>
-                        </a:solidFill>
-                        <a:latin typeface="Calibri"/>
-                      </a:endParaRPr>
-                    </a:p>
-                  </a:txBody>
-                  <a:tcPr marL="9525" marR="9525" marT="9525" marB="0" anchor="b"/>
-                </a:tc>
-                <a:tc vMerge="1">
-                  <a:txBody>
-                    <a:bodyPr/>
-                    <a:lstStyle/>
-                    <a:p>
-                      <a:endParaRPr lang="en-US"/>
-                    </a:p>
-                  </a:txBody>
-                  <a:tcPr/>
-                </a:tc>
-              </a:tr>
-              <a:tr h="295275">
-                <a:tc>
-                  <a:txBody>
-                    <a:bodyPr/>
-                    <a:lstStyle/>
-                    <a:p>
-                      <a:pPr algn="l" fontAlgn="b"/>
-                      <a:r>
-                        <a:rPr lang="en-US" sz="2100" u="none" strike="noStrike"/>
-                        <a:t>paused time</a:t>
-                      </a:r>
-                      <a:endParaRPr lang="en-US" sz="2100" b="0" i="0" u="none" strike="noStrike">
-                        <a:solidFill>
-                          <a:srgbClr val="000000"/>
-                        </a:solidFill>
-                        <a:latin typeface="Calibri"/>
-                      </a:endParaRPr>
-                    </a:p>
-                  </a:txBody>
-                  <a:tcPr marL="9525" marR="9525" marT="9525" marB="0" anchor="b"/>
-                </a:tc>
-                <a:tc>
-                  <a:txBody>
-                    <a:bodyPr/>
-                    <a:lstStyle/>
-                    <a:p>
-                      <a:pPr algn="l" fontAlgn="b"/>
-                      <a:r>
-                        <a:rPr lang="en-US" sz="2100" u="none" strike="noStrike"/>
-                        <a:t>time</a:t>
-                      </a:r>
-                      <a:endParaRPr lang="en-US" sz="2100" b="0" i="0" u="none" strike="noStrike">
-                        <a:solidFill>
-                          <a:srgbClr val="000000"/>
-                        </a:solidFill>
-                        <a:latin typeface="Calibri"/>
-                      </a:endParaRPr>
-                    </a:p>
-                  </a:txBody>
-                  <a:tcPr marL="9525" marR="9525" marT="9525" marB="0" anchor="b"/>
-                </a:tc>
-                <a:tc>
-                  <a:txBody>
-                    <a:bodyPr/>
-                    <a:lstStyle/>
-                    <a:p>
-                      <a:pPr algn="l" fontAlgn="b"/>
-                      <a:r>
-                        <a:rPr lang="en-US" sz="2100" u="none" strike="noStrike"/>
-                        <a:t> </a:t>
-                      </a:r>
-                      <a:endParaRPr lang="en-US" sz="2100" b="0" i="0" u="none" strike="noStrike">
-                        <a:solidFill>
-                          <a:srgbClr val="000000"/>
-                        </a:solidFill>
-                        <a:latin typeface="Calibri"/>
-                      </a:endParaRPr>
-                    </a:p>
-                  </a:txBody>
-                  <a:tcPr marL="9525" marR="9525" marT="9525" marB="0" anchor="b"/>
-                </a:tc>
-              </a:tr>
-              <a:tr h="295275">
-                <a:tc>
-                  <a:txBody>
-                    <a:bodyPr/>
-                    <a:lstStyle/>
-                    <a:p>
-                      <a:pPr algn="l" fontAlgn="b"/>
-                      <a:r>
-                        <a:rPr lang="en-US" sz="2100" u="none" strike="noStrike" dirty="0"/>
-                        <a:t>rating</a:t>
-                      </a:r>
-                      <a:endParaRPr lang="en-US" sz="2100" b="0" i="0" u="none" strike="noStrike" dirty="0">
-                        <a:solidFill>
-                          <a:srgbClr val="000000"/>
-                        </a:solidFill>
-                        <a:latin typeface="Calibri"/>
-                      </a:endParaRPr>
-                    </a:p>
-                  </a:txBody>
-                  <a:tcPr marL="9525" marR="9525" marT="9525" marB="0" anchor="b"/>
-                </a:tc>
-                <a:tc>
-                  <a:txBody>
-                    <a:bodyPr/>
-                    <a:lstStyle/>
-                    <a:p>
-                      <a:pPr algn="l" fontAlgn="b"/>
-                      <a:r>
-                        <a:rPr lang="en-US" sz="2100" u="none" strike="noStrike" dirty="0"/>
-                        <a:t>integer</a:t>
-                      </a:r>
-                      <a:endParaRPr lang="en-US" sz="2100" b="0" i="0" u="none" strike="noStrike" dirty="0">
-                        <a:solidFill>
-                          <a:srgbClr val="000000"/>
-                        </a:solidFill>
-                        <a:latin typeface="Calibri"/>
-                      </a:endParaRPr>
-                    </a:p>
-                  </a:txBody>
-                  <a:tcPr marL="9525" marR="9525" marT="9525" marB="0" anchor="b"/>
-                </a:tc>
-                <a:tc>
-                  <a:txBody>
-                    <a:bodyPr/>
-                    <a:lstStyle/>
-                    <a:p>
-                      <a:pPr algn="l" fontAlgn="b"/>
-                      <a:r>
-                        <a:rPr lang="en-US" sz="2100" u="none" strike="noStrike"/>
-                        <a:t> </a:t>
-                      </a:r>
-                      <a:endParaRPr lang="en-US" sz="2100" b="0" i="0" u="none" strike="noStrike">
-                        <a:solidFill>
-                          <a:srgbClr val="000000"/>
-                        </a:solidFill>
-                        <a:latin typeface="Calibri"/>
-                      </a:endParaRPr>
-                    </a:p>
-                  </a:txBody>
-                  <a:tcPr marL="9525" marR="9525" marT="9525" marB="0" anchor="b"/>
-                </a:tc>
-              </a:tr>
-              <a:tr h="295275">
-                <a:tc>
-                  <a:txBody>
-                    <a:bodyPr/>
-                    <a:lstStyle/>
-                    <a:p>
-                      <a:pPr algn="l" fontAlgn="b"/>
-                      <a:r>
-                        <a:rPr lang="en-US" sz="2100" u="none" strike="noStrike"/>
-                        <a:t>date(paid for course on)</a:t>
-                      </a:r>
-                      <a:endParaRPr lang="en-US" sz="2100" b="0" i="0" u="none" strike="noStrike">
-                        <a:solidFill>
-                          <a:srgbClr val="000000"/>
-                        </a:solidFill>
-                        <a:latin typeface="Calibri"/>
-                      </a:endParaRPr>
-                    </a:p>
-                  </a:txBody>
-                  <a:tcPr marL="9525" marR="9525" marT="9525" marB="0" anchor="b"/>
-                </a:tc>
-                <a:tc>
-                  <a:txBody>
-                    <a:bodyPr/>
-                    <a:lstStyle/>
-                    <a:p>
-                      <a:pPr algn="l" fontAlgn="b"/>
-                      <a:r>
-                        <a:rPr lang="en-US" sz="2100" u="none" strike="noStrike"/>
-                        <a:t>date</a:t>
-                      </a:r>
-                      <a:endParaRPr lang="en-US" sz="2100" b="0" i="0" u="none" strike="noStrike">
-                        <a:solidFill>
-                          <a:srgbClr val="000000"/>
-                        </a:solidFill>
-                        <a:latin typeface="Calibri"/>
-                      </a:endParaRPr>
-                    </a:p>
-                  </a:txBody>
-                  <a:tcPr marL="9525" marR="9525" marT="9525" marB="0" anchor="b"/>
-                </a:tc>
-                <a:tc>
-                  <a:txBody>
-                    <a:bodyPr/>
-                    <a:lstStyle/>
-                    <a:p>
-                      <a:pPr algn="l" fontAlgn="b"/>
-                      <a:r>
-                        <a:rPr lang="en-US" sz="2100" u="none" strike="noStrike"/>
-                        <a:t> </a:t>
-                      </a:r>
-                      <a:endParaRPr lang="en-US" sz="2100" b="0" i="0" u="none" strike="noStrike">
-                        <a:solidFill>
-                          <a:srgbClr val="000000"/>
-                        </a:solidFill>
-                        <a:latin typeface="Calibri"/>
-                      </a:endParaRPr>
-                    </a:p>
-                  </a:txBody>
-                  <a:tcPr marL="9525" marR="9525" marT="9525" marB="0" anchor="b"/>
-                </a:tc>
-              </a:tr>
-              <a:tr h="295275">
-                <a:tc>
-                  <a:txBody>
-                    <a:bodyPr/>
-                    <a:lstStyle/>
-                    <a:p>
-                      <a:pPr algn="l" fontAlgn="b"/>
-                      <a:r>
-                        <a:rPr lang="en-US" sz="2100" u="none" strike="noStrike"/>
-                        <a:t>watch time</a:t>
-                      </a:r>
-                      <a:endParaRPr lang="en-US" sz="2100" b="0" i="0" u="none" strike="noStrike">
-                        <a:solidFill>
-                          <a:srgbClr val="000000"/>
-                        </a:solidFill>
-                        <a:latin typeface="Calibri"/>
-                      </a:endParaRPr>
-                    </a:p>
-                  </a:txBody>
-                  <a:tcPr marL="9525" marR="9525" marT="9525" marB="0" anchor="b"/>
-                </a:tc>
-                <a:tc>
-                  <a:txBody>
-                    <a:bodyPr/>
-                    <a:lstStyle/>
-                    <a:p>
-                      <a:pPr algn="l" fontAlgn="b"/>
-                      <a:r>
-                        <a:rPr lang="en-US" sz="2100" u="none" strike="noStrike"/>
-                        <a:t>time</a:t>
-                      </a:r>
-                      <a:endParaRPr lang="en-US" sz="2100" b="0" i="0" u="none" strike="noStrike">
-                        <a:solidFill>
-                          <a:srgbClr val="000000"/>
-                        </a:solidFill>
-                        <a:latin typeface="Calibri"/>
-                      </a:endParaRPr>
-                    </a:p>
-                  </a:txBody>
-                  <a:tcPr marL="9525" marR="9525" marT="9525" marB="0" anchor="b"/>
-                </a:tc>
-                <a:tc>
-                  <a:txBody>
-                    <a:bodyPr/>
-                    <a:lstStyle/>
-                    <a:p>
-                      <a:pPr algn="l" fontAlgn="b"/>
-                      <a:r>
-                        <a:rPr lang="en-US" sz="2100" u="none" strike="noStrike" dirty="0"/>
-                        <a:t> </a:t>
-                      </a:r>
-                      <a:endParaRPr lang="en-US" sz="2100" b="0" i="0" u="none" strike="noStrike" dirty="0">
-                        <a:solidFill>
-                          <a:srgbClr val="000000"/>
-                        </a:solidFill>
-                        <a:latin typeface="Calibri"/>
-                      </a:endParaRPr>
-                    </a:p>
-                  </a:txBody>
-                  <a:tcPr marL="9525" marR="9525" marT="9525" marB="0" anchor="b"/>
-                </a:tc>
-              </a:tr>
-            </a:tbl>
-          </a:graphicData>
-        </a:graphic>
-      </p:graphicFrame>
-      <p:graphicFrame>
-        <p:nvGraphicFramePr>
-          <p:cNvPr id="3" name="Table 2"/>
-          <p:cNvGraphicFramePr>
-            <a:graphicFrameLocks noGrp="1"/>
-          </p:cNvGraphicFramePr>
-          <p:nvPr/>
-        </p:nvGraphicFramePr>
-        <p:xfrm>
-          <a:off x="228600" y="3657600"/>
-          <a:ext cx="8686799" cy="2362200"/>
-        </p:xfrm>
-        <a:graphic>
-          <a:graphicData uri="http://schemas.openxmlformats.org/drawingml/2006/table">
-            <a:tbl>
-              <a:tblPr firstRow="1">
-                <a:tableStyleId>{3C2FFA5D-87B4-456A-9821-1D502468CF0F}</a:tableStyleId>
-              </a:tblPr>
-              <a:tblGrid>
-                <a:gridCol w="3202418"/>
-                <a:gridCol w="2416196"/>
-                <a:gridCol w="3068185"/>
-              </a:tblGrid>
-              <a:tr h="472440">
-                <a:tc gridSpan="3">
-                  <a:txBody>
-                    <a:bodyPr/>
-                    <a:lstStyle/>
-                    <a:p>
-                      <a:pPr algn="ctr" fontAlgn="b"/>
-                      <a:r>
-                        <a:rPr lang="en-US" sz="2100" b="1" u="none" strike="noStrike" dirty="0"/>
-                        <a:t>request</a:t>
-                      </a:r>
-                      <a:endParaRPr lang="en-US" sz="2100" b="1" i="0" u="none" strike="noStrike" dirty="0">
-                        <a:solidFill>
-                          <a:srgbClr val="000000"/>
-                        </a:solidFill>
-                        <a:latin typeface="Calibri"/>
-                      </a:endParaRPr>
-                    </a:p>
-                  </a:txBody>
-                  <a:tcPr marL="9525" marR="9525" marT="9525" marB="0" anchor="b"/>
-                </a:tc>
-                <a:tc hMerge="1">
-                  <a:txBody>
-                    <a:bodyPr/>
-                    <a:lstStyle/>
-                    <a:p>
-                      <a:endParaRPr lang="en-US"/>
-                    </a:p>
-                  </a:txBody>
-                  <a:tcPr/>
-                </a:tc>
-                <a:tc hMerge="1">
-                  <a:txBody>
-                    <a:bodyPr/>
-                    <a:lstStyle/>
-                    <a:p>
-                      <a:endParaRPr lang="en-US"/>
-                    </a:p>
-                  </a:txBody>
-                  <a:tcPr/>
-                </a:tc>
-              </a:tr>
-              <a:tr h="472440">
-                <a:tc>
-                  <a:txBody>
-                    <a:bodyPr/>
-                    <a:lstStyle/>
-                    <a:p>
-                      <a:pPr algn="l" fontAlgn="b"/>
-                      <a:r>
-                        <a:rPr lang="en-US" sz="2100" b="1" u="none" strike="noStrike" dirty="0"/>
-                        <a:t>column name</a:t>
-                      </a:r>
-                      <a:endParaRPr lang="en-US" sz="2100" b="1" i="0" u="none" strike="noStrike" dirty="0">
-                        <a:solidFill>
-                          <a:srgbClr val="000000"/>
-                        </a:solidFill>
-                        <a:latin typeface="Calibri"/>
-                      </a:endParaRPr>
-                    </a:p>
-                  </a:txBody>
-                  <a:tcPr marL="9525" marR="9525" marT="9525" marB="0" anchor="b"/>
-                </a:tc>
-                <a:tc>
-                  <a:txBody>
-                    <a:bodyPr/>
-                    <a:lstStyle/>
-                    <a:p>
-                      <a:pPr algn="l" fontAlgn="b"/>
-                      <a:r>
-                        <a:rPr lang="en-US" sz="2100" b="1" u="none" strike="noStrike"/>
-                        <a:t>data type</a:t>
-                      </a:r>
-                      <a:endParaRPr lang="en-US" sz="2100" b="1" i="0" u="none" strike="noStrike">
-                        <a:solidFill>
-                          <a:srgbClr val="000000"/>
-                        </a:solidFill>
-                        <a:latin typeface="Calibri"/>
-                      </a:endParaRPr>
-                    </a:p>
-                  </a:txBody>
-                  <a:tcPr marL="9525" marR="9525" marT="9525" marB="0" anchor="b"/>
-                </a:tc>
-                <a:tc>
-                  <a:txBody>
-                    <a:bodyPr/>
-                    <a:lstStyle/>
-                    <a:p>
-                      <a:pPr algn="l" fontAlgn="b"/>
-                      <a:r>
-                        <a:rPr lang="en-US" sz="2100" b="1" u="none" strike="noStrike" dirty="0"/>
-                        <a:t>constraint</a:t>
-                      </a:r>
-                      <a:endParaRPr lang="en-US" sz="2100" b="1" i="0" u="none" strike="noStrike" dirty="0">
-                        <a:solidFill>
-                          <a:srgbClr val="000000"/>
-                        </a:solidFill>
-                        <a:latin typeface="Calibri"/>
-                      </a:endParaRPr>
-                    </a:p>
-                  </a:txBody>
-                  <a:tcPr marL="9525" marR="9525" marT="9525" marB="0" anchor="b"/>
-                </a:tc>
-              </a:tr>
-              <a:tr h="472440">
-                <a:tc>
-                  <a:txBody>
-                    <a:bodyPr/>
-                    <a:lstStyle/>
-                    <a:p>
-                      <a:pPr algn="l" fontAlgn="b"/>
-                      <a:r>
-                        <a:rPr lang="en-US" sz="2100" u="none" strike="noStrike" dirty="0" err="1"/>
-                        <a:t>student_id</a:t>
-                      </a:r>
-                      <a:endParaRPr lang="en-US" sz="2100" b="0" i="0" u="none" strike="noStrike" dirty="0">
-                        <a:solidFill>
-                          <a:srgbClr val="000000"/>
-                        </a:solidFill>
-                        <a:latin typeface="Calibri"/>
-                      </a:endParaRPr>
-                    </a:p>
-                  </a:txBody>
-                  <a:tcPr marL="9525" marR="9525" marT="9525" marB="0" anchor="b"/>
-                </a:tc>
-                <a:tc>
-                  <a:txBody>
-                    <a:bodyPr/>
-                    <a:lstStyle/>
-                    <a:p>
-                      <a:pPr algn="l" fontAlgn="b"/>
-                      <a:r>
-                        <a:rPr lang="en-US" sz="2100" u="none" strike="noStrike" dirty="0"/>
-                        <a:t>integer</a:t>
-                      </a:r>
-                      <a:endParaRPr lang="en-US" sz="2100" b="0" i="0" u="none" strike="noStrike" dirty="0">
-                        <a:solidFill>
-                          <a:srgbClr val="000000"/>
-                        </a:solidFill>
-                        <a:latin typeface="Calibri"/>
-                      </a:endParaRPr>
-                    </a:p>
-                  </a:txBody>
-                  <a:tcPr marL="9525" marR="9525" marT="9525" marB="0" anchor="b"/>
-                </a:tc>
-                <a:tc>
-                  <a:txBody>
-                    <a:bodyPr/>
-                    <a:lstStyle/>
-                    <a:p>
-                      <a:pPr algn="l" fontAlgn="b"/>
-                      <a:r>
-                        <a:rPr lang="en-US" sz="2100" u="none" strike="noStrike"/>
-                        <a:t>primary key</a:t>
-                      </a:r>
-                      <a:endParaRPr lang="en-US" sz="2100" b="0" i="0" u="none" strike="noStrike">
-                        <a:solidFill>
-                          <a:srgbClr val="000000"/>
-                        </a:solidFill>
-                        <a:latin typeface="Calibri"/>
-                      </a:endParaRPr>
-                    </a:p>
-                  </a:txBody>
-                  <a:tcPr marL="9525" marR="9525" marT="9525" marB="0" anchor="b"/>
-                </a:tc>
-              </a:tr>
-              <a:tr h="472440">
-                <a:tc>
-                  <a:txBody>
-                    <a:bodyPr/>
-                    <a:lstStyle/>
-                    <a:p>
-                      <a:pPr algn="l" fontAlgn="b"/>
-                      <a:r>
-                        <a:rPr lang="en-US" sz="2100" u="none" strike="noStrike"/>
-                        <a:t>requests</a:t>
-                      </a:r>
-                      <a:endParaRPr lang="en-US" sz="2100" b="0" i="0" u="none" strike="noStrike">
-                        <a:solidFill>
-                          <a:srgbClr val="000000"/>
-                        </a:solidFill>
-                        <a:latin typeface="Calibri"/>
-                      </a:endParaRPr>
-                    </a:p>
-                  </a:txBody>
-                  <a:tcPr marL="9525" marR="9525" marT="9525" marB="0" anchor="b"/>
-                </a:tc>
-                <a:tc>
-                  <a:txBody>
-                    <a:bodyPr/>
-                    <a:lstStyle/>
-                    <a:p>
-                      <a:pPr algn="l" fontAlgn="b"/>
-                      <a:r>
-                        <a:rPr lang="en-US" sz="2100" u="none" strike="noStrike" dirty="0" err="1"/>
-                        <a:t>varchar</a:t>
-                      </a:r>
-                      <a:r>
-                        <a:rPr lang="en-US" sz="2100" u="none" strike="noStrike" dirty="0"/>
-                        <a:t>(100)</a:t>
-                      </a:r>
-                      <a:endParaRPr lang="en-US" sz="2100" b="0" i="0" u="none" strike="noStrike" dirty="0">
-                        <a:solidFill>
-                          <a:srgbClr val="000000"/>
-                        </a:solidFill>
-                        <a:latin typeface="Calibri"/>
-                      </a:endParaRPr>
-                    </a:p>
-                  </a:txBody>
-                  <a:tcPr marL="9525" marR="9525" marT="9525" marB="0" anchor="b"/>
-                </a:tc>
-                <a:tc>
-                  <a:txBody>
-                    <a:bodyPr/>
-                    <a:lstStyle/>
-                    <a:p>
-                      <a:pPr algn="l" fontAlgn="b"/>
-                      <a:r>
-                        <a:rPr lang="en-US" sz="2100" u="none" strike="noStrike" dirty="0"/>
-                        <a:t> </a:t>
-                      </a:r>
-                      <a:endParaRPr lang="en-US" sz="2100" b="0" i="0" u="none" strike="noStrike" dirty="0">
-                        <a:solidFill>
-                          <a:srgbClr val="000000"/>
-                        </a:solidFill>
-                        <a:latin typeface="Calibri"/>
-                      </a:endParaRPr>
-                    </a:p>
-                  </a:txBody>
-                  <a:tcPr marL="9525" marR="9525" marT="9525" marB="0" anchor="b"/>
-                </a:tc>
-              </a:tr>
-              <a:tr h="472440">
-                <a:tc>
-                  <a:txBody>
-                    <a:bodyPr/>
-                    <a:lstStyle/>
-                    <a:p>
-                      <a:pPr algn="l" fontAlgn="b"/>
-                      <a:r>
-                        <a:rPr lang="en-US" sz="2100" u="none" strike="noStrike"/>
-                        <a:t>date</a:t>
-                      </a:r>
-                      <a:endParaRPr lang="en-US" sz="2100" b="0" i="0" u="none" strike="noStrike">
-                        <a:solidFill>
-                          <a:srgbClr val="000000"/>
-                        </a:solidFill>
-                        <a:latin typeface="Calibri"/>
-                      </a:endParaRPr>
-                    </a:p>
-                  </a:txBody>
-                  <a:tcPr marL="9525" marR="9525" marT="9525" marB="0" anchor="b"/>
-                </a:tc>
-                <a:tc>
-                  <a:txBody>
-                    <a:bodyPr/>
-                    <a:lstStyle/>
-                    <a:p>
-                      <a:pPr algn="l" fontAlgn="b"/>
-                      <a:r>
-                        <a:rPr lang="en-US" sz="2100" u="none" strike="noStrike" dirty="0"/>
-                        <a:t>integer</a:t>
-                      </a:r>
-                      <a:endParaRPr lang="en-US" sz="2100" b="0" i="0" u="none" strike="noStrike" dirty="0">
-                        <a:solidFill>
-                          <a:srgbClr val="000000"/>
-                        </a:solidFill>
-                        <a:latin typeface="Calibri"/>
-                      </a:endParaRPr>
-                    </a:p>
-                  </a:txBody>
-                  <a:tcPr marL="9525" marR="9525" marT="9525" marB="0" anchor="b"/>
-                </a:tc>
-                <a:tc>
-                  <a:txBody>
-                    <a:bodyPr/>
-                    <a:lstStyle/>
-                    <a:p>
-                      <a:pPr algn="l" fontAlgn="b"/>
-                      <a:r>
-                        <a:rPr lang="en-US" sz="2100" u="none" strike="noStrike" dirty="0"/>
-                        <a:t> </a:t>
-                      </a:r>
-                      <a:endParaRPr lang="en-US" sz="2100" b="0" i="0" u="none" strike="noStrike" dirty="0">
-                        <a:solidFill>
-                          <a:srgbClr val="000000"/>
-                        </a:solidFill>
-                        <a:latin typeface="Calibri"/>
-                      </a:endParaRPr>
-                    </a:p>
-                  </a:txBody>
-                  <a:tcPr marL="9525" marR="9525" marT="9525" marB="0" anchor="b"/>
-                </a:tc>
-              </a:tr>
-            </a:tbl>
-          </a:graphicData>
-        </a:graphic>
-      </p:graphicFrame>
-    </p:spTree>
-  </p:cSld>
-  <p:clrMapOvr>
-    <a:masterClrMapping/>
-  </p:clrMapOvr>
-</p:sld>
-</file>
-
-<file path=ppt/slides/slide48.xml><?xml version="1.0" encoding="utf-8"?>
-<p:sld xmlns:a="http://schemas.openxmlformats.org/drawingml/2006/main" xmlns:r="http://schemas.openxmlformats.org/officeDocument/2006/relationships" xmlns:p="http://schemas.openxmlformats.org/presentationml/2006/main">
-  <p:cSld>
-    <p:spTree>
-      <p:nvGrpSpPr>
-        <p:cNvPr id="1" name=""/>
-        <p:cNvGrpSpPr/>
-        <p:nvPr/>
-      </p:nvGrpSpPr>
-      <p:grpSpPr>
-        <a:xfrm>
-          <a:off x="0" y="0"/>
-          <a:ext cx="0" cy="0"/>
-          <a:chOff x="0" y="0"/>
-          <a:chExt cx="0" cy="0"/>
-        </a:xfrm>
-      </p:grpSpPr>
-      <p:graphicFrame>
-        <p:nvGraphicFramePr>
-          <p:cNvPr id="2" name="Table 1"/>
-          <p:cNvGraphicFramePr>
-            <a:graphicFrameLocks noGrp="1"/>
-          </p:cNvGraphicFramePr>
-          <p:nvPr/>
-        </p:nvGraphicFramePr>
-        <p:xfrm>
-          <a:off x="304800" y="1371600"/>
-          <a:ext cx="8534399" cy="3990108"/>
-        </p:xfrm>
-        <a:graphic>
-          <a:graphicData uri="http://schemas.openxmlformats.org/drawingml/2006/table">
-            <a:tbl>
-              <a:tblPr firstRow="1">
-                <a:tableStyleId>{3C2FFA5D-87B4-456A-9821-1D502468CF0F}</a:tableStyleId>
-              </a:tblPr>
-              <a:tblGrid>
-                <a:gridCol w="2844800"/>
-                <a:gridCol w="2844799"/>
-                <a:gridCol w="2844800"/>
-              </a:tblGrid>
-              <a:tr h="332509">
-                <a:tc gridSpan="3">
-                  <a:txBody>
-                    <a:bodyPr/>
-                    <a:lstStyle/>
-                    <a:p>
-                      <a:pPr algn="ctr" fontAlgn="b"/>
-                      <a:r>
-                        <a:rPr lang="en-US" sz="2100" b="1" u="none" strike="noStrike" dirty="0">
-                          <a:latin typeface="+mn-lt"/>
-                        </a:rPr>
-                        <a:t>tests</a:t>
-                      </a:r>
-                      <a:endParaRPr lang="en-US" sz="2100" b="1" i="0" u="none" strike="noStrike" dirty="0">
-                        <a:solidFill>
-                          <a:srgbClr val="000000"/>
-                        </a:solidFill>
-                        <a:latin typeface="+mn-lt"/>
-                      </a:endParaRPr>
-                    </a:p>
-                  </a:txBody>
-                  <a:tcPr marL="9525" marR="9525" marT="9525" marB="0" anchor="b"/>
-                </a:tc>
-                <a:tc hMerge="1">
-                  <a:txBody>
-                    <a:bodyPr/>
-                    <a:lstStyle/>
-                    <a:p>
-                      <a:endParaRPr lang="en-US"/>
-                    </a:p>
-                  </a:txBody>
-                  <a:tcPr/>
-                </a:tc>
-                <a:tc hMerge="1">
-                  <a:txBody>
-                    <a:bodyPr/>
-                    <a:lstStyle/>
-                    <a:p>
-                      <a:endParaRPr lang="en-US"/>
-                    </a:p>
-                  </a:txBody>
-                  <a:tcPr/>
-                </a:tc>
-              </a:tr>
-              <a:tr h="332509">
-                <a:tc>
-                  <a:txBody>
-                    <a:bodyPr/>
-                    <a:lstStyle/>
-                    <a:p>
-                      <a:pPr algn="ctr" fontAlgn="b"/>
-                      <a:r>
-                        <a:rPr lang="en-US" sz="2100" b="1" i="0" u="none" strike="noStrike" dirty="0" smtClean="0">
-                          <a:solidFill>
-                            <a:srgbClr val="000000"/>
-                          </a:solidFill>
-                          <a:latin typeface="+mn-lt"/>
-                        </a:rPr>
-                        <a:t>column name</a:t>
-                      </a:r>
-                      <a:endParaRPr lang="en-US" sz="2100" b="1" i="0" u="none" strike="noStrike" dirty="0">
-                        <a:solidFill>
-                          <a:srgbClr val="000000"/>
-                        </a:solidFill>
-                        <a:latin typeface="+mn-lt"/>
-                      </a:endParaRPr>
-                    </a:p>
-                  </a:txBody>
-                  <a:tcPr marL="9525" marR="9525" marT="9525" marB="0" anchor="b"/>
-                </a:tc>
-                <a:tc>
-                  <a:txBody>
-                    <a:bodyPr/>
-                    <a:lstStyle/>
-                    <a:p>
-                      <a:pPr algn="ctr" fontAlgn="b"/>
-                      <a:r>
-                        <a:rPr lang="en-US" sz="2100" b="1" i="0" u="none" strike="noStrike" dirty="0" smtClean="0">
-                          <a:solidFill>
-                            <a:srgbClr val="000000"/>
-                          </a:solidFill>
-                          <a:latin typeface="+mn-lt"/>
-                        </a:rPr>
-                        <a:t>data type</a:t>
-                      </a:r>
-                      <a:endParaRPr lang="en-US" sz="2100" b="1" i="0" u="none" strike="noStrike" dirty="0">
-                        <a:solidFill>
-                          <a:srgbClr val="000000"/>
-                        </a:solidFill>
-                        <a:latin typeface="+mn-lt"/>
-                      </a:endParaRPr>
-                    </a:p>
-                  </a:txBody>
-                  <a:tcPr marL="9525" marR="9525" marT="9525" marB="0" anchor="b"/>
-                </a:tc>
-                <a:tc>
-                  <a:txBody>
-                    <a:bodyPr/>
-                    <a:lstStyle/>
-                    <a:p>
-                      <a:pPr algn="ctr" fontAlgn="b"/>
-                      <a:r>
-                        <a:rPr lang="en-US" sz="2100" b="1" i="0" u="none" strike="noStrike" dirty="0" smtClean="0">
-                          <a:solidFill>
-                            <a:srgbClr val="000000"/>
-                          </a:solidFill>
-                          <a:latin typeface="+mn-lt"/>
-                        </a:rPr>
-                        <a:t>constraint</a:t>
-                      </a:r>
-                      <a:endParaRPr lang="en-US" sz="2100" b="1" i="0" u="none" strike="noStrike" dirty="0">
-                        <a:solidFill>
-                          <a:srgbClr val="000000"/>
-                        </a:solidFill>
-                        <a:latin typeface="+mn-lt"/>
-                      </a:endParaRPr>
-                    </a:p>
-                  </a:txBody>
-                  <a:tcPr marL="9525" marR="9525" marT="9525" marB="0" anchor="b"/>
-                </a:tc>
-              </a:tr>
-              <a:tr h="332509">
-                <a:tc>
-                  <a:txBody>
-                    <a:bodyPr/>
-                    <a:lstStyle/>
-                    <a:p>
-                      <a:pPr algn="l" fontAlgn="b"/>
-                      <a:r>
-                        <a:rPr lang="en-US" sz="2100" u="none" strike="noStrike">
-                          <a:latin typeface="+mn-lt"/>
-                        </a:rPr>
-                        <a:t>test number</a:t>
-                      </a:r>
-                      <a:endParaRPr lang="en-US" sz="2100" b="0" i="0" u="none" strike="noStrike">
-                        <a:solidFill>
-                          <a:srgbClr val="000000"/>
-                        </a:solidFill>
-                        <a:latin typeface="+mn-lt"/>
-                      </a:endParaRPr>
-                    </a:p>
-                  </a:txBody>
-                  <a:tcPr marL="9525" marR="9525" marT="9525" marB="0" anchor="b"/>
-                </a:tc>
-                <a:tc>
-                  <a:txBody>
-                    <a:bodyPr/>
-                    <a:lstStyle/>
-                    <a:p>
-                      <a:pPr algn="l" fontAlgn="b"/>
-                      <a:r>
-                        <a:rPr lang="en-US" sz="2100" u="none" strike="noStrike" dirty="0" err="1">
-                          <a:latin typeface="+mn-lt"/>
-                        </a:rPr>
-                        <a:t>varchar</a:t>
-                      </a:r>
-                      <a:r>
-                        <a:rPr lang="en-US" sz="2100" u="none" strike="noStrike" dirty="0">
-                          <a:latin typeface="+mn-lt"/>
-                        </a:rPr>
-                        <a:t>(6)</a:t>
-                      </a:r>
-                      <a:endParaRPr lang="en-US" sz="2100" b="0" i="0" u="none" strike="noStrike" dirty="0">
-                        <a:solidFill>
-                          <a:srgbClr val="000000"/>
-                        </a:solidFill>
-                        <a:latin typeface="+mn-lt"/>
-                      </a:endParaRPr>
-                    </a:p>
-                  </a:txBody>
-                  <a:tcPr marL="9525" marR="9525" marT="9525" marB="0" anchor="b"/>
-                </a:tc>
-                <a:tc rowSpan="3">
-                  <a:txBody>
-                    <a:bodyPr/>
-                    <a:lstStyle/>
-                    <a:p>
-                      <a:pPr algn="ctr" fontAlgn="ctr"/>
-                      <a:r>
-                        <a:rPr lang="en-US" sz="2100" u="none" strike="noStrike">
-                          <a:latin typeface="+mn-lt"/>
-                        </a:rPr>
-                        <a:t>composite key</a:t>
-                      </a:r>
-                      <a:endParaRPr lang="en-US" sz="2100" b="0" i="0" u="none" strike="noStrike">
-                        <a:solidFill>
-                          <a:srgbClr val="000000"/>
-                        </a:solidFill>
-                        <a:latin typeface="+mn-lt"/>
-                      </a:endParaRPr>
-                    </a:p>
-                  </a:txBody>
-                  <a:tcPr marL="9525" marR="9525" marT="9525" marB="0" anchor="ctr"/>
-                </a:tc>
-              </a:tr>
-              <a:tr h="332509">
-                <a:tc>
-                  <a:txBody>
-                    <a:bodyPr/>
-                    <a:lstStyle/>
-                    <a:p>
-                      <a:pPr algn="l" fontAlgn="b"/>
-                      <a:r>
-                        <a:rPr lang="en-US" sz="2100" u="none" strike="noStrike">
-                          <a:latin typeface="+mn-lt"/>
-                        </a:rPr>
-                        <a:t>content id</a:t>
-                      </a:r>
-                      <a:endParaRPr lang="en-US" sz="2100" b="0" i="0" u="none" strike="noStrike">
-                        <a:solidFill>
-                          <a:srgbClr val="000000"/>
-                        </a:solidFill>
-                        <a:latin typeface="+mn-lt"/>
-                      </a:endParaRPr>
-                    </a:p>
-                  </a:txBody>
-                  <a:tcPr marL="9525" marR="9525" marT="9525" marB="0" anchor="b"/>
-                </a:tc>
-                <a:tc>
-                  <a:txBody>
-                    <a:bodyPr/>
-                    <a:lstStyle/>
-                    <a:p>
-                      <a:pPr algn="l" fontAlgn="b"/>
-                      <a:r>
-                        <a:rPr lang="en-US" sz="2100" u="none" strike="noStrike">
-                          <a:latin typeface="+mn-lt"/>
-                        </a:rPr>
-                        <a:t>integer</a:t>
-                      </a:r>
-                      <a:endParaRPr lang="en-US" sz="2100" b="0" i="0" u="none" strike="noStrike">
-                        <a:solidFill>
-                          <a:srgbClr val="000000"/>
-                        </a:solidFill>
-                        <a:latin typeface="+mn-lt"/>
-                      </a:endParaRPr>
-                    </a:p>
-                  </a:txBody>
-                  <a:tcPr marL="9525" marR="9525" marT="9525" marB="0" anchor="b"/>
-                </a:tc>
-                <a:tc vMerge="1">
-                  <a:txBody>
-                    <a:bodyPr/>
-                    <a:lstStyle/>
-                    <a:p>
-                      <a:endParaRPr lang="en-US"/>
-                    </a:p>
-                  </a:txBody>
-                  <a:tcPr/>
-                </a:tc>
-              </a:tr>
-              <a:tr h="332509">
-                <a:tc>
-                  <a:txBody>
-                    <a:bodyPr/>
-                    <a:lstStyle/>
-                    <a:p>
-                      <a:pPr algn="l" fontAlgn="b"/>
-                      <a:r>
-                        <a:rPr lang="en-US" sz="2100" u="none" strike="noStrike" dirty="0" err="1">
-                          <a:latin typeface="+mn-lt"/>
-                        </a:rPr>
-                        <a:t>question_num</a:t>
-                      </a:r>
-                      <a:endParaRPr lang="en-US" sz="2100" b="0" i="0" u="none" strike="noStrike" dirty="0">
-                        <a:solidFill>
-                          <a:srgbClr val="000000"/>
-                        </a:solidFill>
-                        <a:latin typeface="+mn-lt"/>
-                      </a:endParaRPr>
-                    </a:p>
-                  </a:txBody>
-                  <a:tcPr marL="9525" marR="9525" marT="9525" marB="0" anchor="b"/>
-                </a:tc>
-                <a:tc>
-                  <a:txBody>
-                    <a:bodyPr/>
-                    <a:lstStyle/>
-                    <a:p>
-                      <a:pPr algn="l" fontAlgn="b"/>
-                      <a:r>
-                        <a:rPr lang="en-US" sz="2100" u="none" strike="noStrike">
-                          <a:latin typeface="+mn-lt"/>
-                        </a:rPr>
-                        <a:t>integer</a:t>
-                      </a:r>
-                      <a:endParaRPr lang="en-US" sz="2100" b="0" i="0" u="none" strike="noStrike">
-                        <a:solidFill>
-                          <a:srgbClr val="000000"/>
-                        </a:solidFill>
-                        <a:latin typeface="+mn-lt"/>
-                      </a:endParaRPr>
-                    </a:p>
-                  </a:txBody>
-                  <a:tcPr marL="9525" marR="9525" marT="9525" marB="0" anchor="b"/>
-                </a:tc>
-                <a:tc vMerge="1">
-                  <a:txBody>
-                    <a:bodyPr/>
-                    <a:lstStyle/>
-                    <a:p>
-                      <a:endParaRPr lang="en-US"/>
-                    </a:p>
-                  </a:txBody>
-                  <a:tcPr/>
-                </a:tc>
-              </a:tr>
-              <a:tr h="332509">
-                <a:tc>
-                  <a:txBody>
-                    <a:bodyPr/>
-                    <a:lstStyle/>
-                    <a:p>
-                      <a:pPr algn="l" fontAlgn="b"/>
-                      <a:r>
-                        <a:rPr lang="en-US" sz="2100" u="none" strike="noStrike">
-                          <a:latin typeface="+mn-lt"/>
-                        </a:rPr>
-                        <a:t>question</a:t>
-                      </a:r>
-                      <a:endParaRPr lang="en-US" sz="2100" b="0" i="0" u="none" strike="noStrike">
-                        <a:solidFill>
-                          <a:srgbClr val="000000"/>
-                        </a:solidFill>
-                        <a:latin typeface="+mn-lt"/>
-                      </a:endParaRPr>
-                    </a:p>
-                  </a:txBody>
-                  <a:tcPr marL="9525" marR="9525" marT="9525" marB="0" anchor="b"/>
-                </a:tc>
-                <a:tc>
-                  <a:txBody>
-                    <a:bodyPr/>
-                    <a:lstStyle/>
-                    <a:p>
-                      <a:pPr algn="l" fontAlgn="b"/>
-                      <a:r>
-                        <a:rPr lang="en-US" sz="2100" u="none" strike="noStrike">
-                          <a:latin typeface="+mn-lt"/>
-                        </a:rPr>
-                        <a:t>varchar(100)</a:t>
-                      </a:r>
-                      <a:endParaRPr lang="en-US" sz="2100" b="0" i="0" u="none" strike="noStrike">
-                        <a:solidFill>
-                          <a:srgbClr val="000000"/>
-                        </a:solidFill>
-                        <a:latin typeface="+mn-lt"/>
-                      </a:endParaRPr>
-                    </a:p>
-                  </a:txBody>
-                  <a:tcPr marL="9525" marR="9525" marT="9525" marB="0" anchor="b"/>
-                </a:tc>
-                <a:tc>
-                  <a:txBody>
-                    <a:bodyPr/>
-                    <a:lstStyle/>
-                    <a:p>
-                      <a:pPr algn="l" fontAlgn="b"/>
-                      <a:r>
-                        <a:rPr lang="en-US" sz="2100" u="none" strike="noStrike">
-                          <a:latin typeface="+mn-lt"/>
-                        </a:rPr>
-                        <a:t> </a:t>
-                      </a:r>
-                      <a:endParaRPr lang="en-US" sz="2100" b="0" i="0" u="none" strike="noStrike">
-                        <a:solidFill>
-                          <a:srgbClr val="000000"/>
-                        </a:solidFill>
-                        <a:latin typeface="+mn-lt"/>
-                      </a:endParaRPr>
-                    </a:p>
-                  </a:txBody>
-                  <a:tcPr marL="9525" marR="9525" marT="9525" marB="0" anchor="b"/>
-                </a:tc>
-              </a:tr>
-              <a:tr h="332509">
-                <a:tc>
-                  <a:txBody>
-                    <a:bodyPr/>
-                    <a:lstStyle/>
-                    <a:p>
-                      <a:pPr algn="l" fontAlgn="b"/>
-                      <a:r>
-                        <a:rPr lang="en-US" sz="2100" u="none" strike="noStrike">
-                          <a:latin typeface="+mn-lt"/>
-                        </a:rPr>
-                        <a:t>option a</a:t>
-                      </a:r>
-                      <a:endParaRPr lang="en-US" sz="2100" b="0" i="0" u="none" strike="noStrike">
-                        <a:solidFill>
-                          <a:srgbClr val="000000"/>
-                        </a:solidFill>
-                        <a:latin typeface="+mn-lt"/>
-                      </a:endParaRPr>
-                    </a:p>
-                  </a:txBody>
-                  <a:tcPr marL="9525" marR="9525" marT="9525" marB="0" anchor="b"/>
-                </a:tc>
-                <a:tc>
-                  <a:txBody>
-                    <a:bodyPr/>
-                    <a:lstStyle/>
-                    <a:p>
-                      <a:pPr algn="l" fontAlgn="b"/>
-                      <a:r>
-                        <a:rPr lang="en-US" sz="2100" u="none" strike="noStrike">
-                          <a:latin typeface="+mn-lt"/>
-                        </a:rPr>
-                        <a:t>varchar(50)</a:t>
-                      </a:r>
-                      <a:endParaRPr lang="en-US" sz="2100" b="0" i="0" u="none" strike="noStrike">
-                        <a:solidFill>
-                          <a:srgbClr val="000000"/>
-                        </a:solidFill>
-                        <a:latin typeface="+mn-lt"/>
-                      </a:endParaRPr>
-                    </a:p>
-                  </a:txBody>
-                  <a:tcPr marL="9525" marR="9525" marT="9525" marB="0" anchor="b"/>
-                </a:tc>
-                <a:tc>
-                  <a:txBody>
-                    <a:bodyPr/>
-                    <a:lstStyle/>
-                    <a:p>
-                      <a:pPr algn="l" fontAlgn="b"/>
-                      <a:r>
-                        <a:rPr lang="en-US" sz="2100" u="none" strike="noStrike">
-                          <a:latin typeface="+mn-lt"/>
-                        </a:rPr>
-                        <a:t> </a:t>
-                      </a:r>
-                      <a:endParaRPr lang="en-US" sz="2100" b="0" i="0" u="none" strike="noStrike">
-                        <a:solidFill>
-                          <a:srgbClr val="000000"/>
-                        </a:solidFill>
-                        <a:latin typeface="+mn-lt"/>
-                      </a:endParaRPr>
-                    </a:p>
-                  </a:txBody>
-                  <a:tcPr marL="9525" marR="9525" marT="9525" marB="0" anchor="b"/>
-                </a:tc>
-              </a:tr>
-              <a:tr h="332509">
-                <a:tc>
-                  <a:txBody>
-                    <a:bodyPr/>
-                    <a:lstStyle/>
-                    <a:p>
-                      <a:pPr algn="l" fontAlgn="b"/>
-                      <a:r>
-                        <a:rPr lang="en-US" sz="2100" u="none" strike="noStrike">
-                          <a:latin typeface="+mn-lt"/>
-                        </a:rPr>
-                        <a:t>option b</a:t>
-                      </a:r>
-                      <a:endParaRPr lang="en-US" sz="2100" b="0" i="0" u="none" strike="noStrike">
-                        <a:solidFill>
-                          <a:srgbClr val="000000"/>
-                        </a:solidFill>
-                        <a:latin typeface="+mn-lt"/>
-                      </a:endParaRPr>
-                    </a:p>
-                  </a:txBody>
-                  <a:tcPr marL="9525" marR="9525" marT="9525" marB="0" anchor="b"/>
-                </a:tc>
-                <a:tc>
-                  <a:txBody>
-                    <a:bodyPr/>
-                    <a:lstStyle/>
-                    <a:p>
-                      <a:pPr algn="l" fontAlgn="b"/>
-                      <a:r>
-                        <a:rPr lang="en-US" sz="2100" u="none" strike="noStrike">
-                          <a:latin typeface="+mn-lt"/>
-                        </a:rPr>
-                        <a:t>varchar(50)</a:t>
-                      </a:r>
-                      <a:endParaRPr lang="en-US" sz="2100" b="0" i="0" u="none" strike="noStrike">
-                        <a:solidFill>
-                          <a:srgbClr val="000000"/>
-                        </a:solidFill>
-                        <a:latin typeface="+mn-lt"/>
-                      </a:endParaRPr>
-                    </a:p>
-                  </a:txBody>
-                  <a:tcPr marL="9525" marR="9525" marT="9525" marB="0" anchor="b"/>
-                </a:tc>
-                <a:tc>
-                  <a:txBody>
-                    <a:bodyPr/>
-                    <a:lstStyle/>
-                    <a:p>
-                      <a:pPr algn="l" fontAlgn="b"/>
-                      <a:r>
-                        <a:rPr lang="en-US" sz="2100" u="none" strike="noStrike">
-                          <a:latin typeface="+mn-lt"/>
-                        </a:rPr>
-                        <a:t> </a:t>
-                      </a:r>
-                      <a:endParaRPr lang="en-US" sz="2100" b="0" i="0" u="none" strike="noStrike">
-                        <a:solidFill>
-                          <a:srgbClr val="000000"/>
-                        </a:solidFill>
-                        <a:latin typeface="+mn-lt"/>
-                      </a:endParaRPr>
-                    </a:p>
-                  </a:txBody>
-                  <a:tcPr marL="9525" marR="9525" marT="9525" marB="0" anchor="b"/>
-                </a:tc>
-              </a:tr>
-              <a:tr h="332509">
-                <a:tc>
-                  <a:txBody>
-                    <a:bodyPr/>
-                    <a:lstStyle/>
-                    <a:p>
-                      <a:pPr algn="l" fontAlgn="b"/>
-                      <a:r>
-                        <a:rPr lang="en-US" sz="2100" u="none" strike="noStrike">
-                          <a:latin typeface="+mn-lt"/>
-                        </a:rPr>
-                        <a:t>option c</a:t>
-                      </a:r>
-                      <a:endParaRPr lang="en-US" sz="2100" b="0" i="0" u="none" strike="noStrike">
-                        <a:solidFill>
-                          <a:srgbClr val="000000"/>
-                        </a:solidFill>
-                        <a:latin typeface="+mn-lt"/>
-                      </a:endParaRPr>
-                    </a:p>
-                  </a:txBody>
-                  <a:tcPr marL="9525" marR="9525" marT="9525" marB="0" anchor="b"/>
-                </a:tc>
-                <a:tc>
-                  <a:txBody>
-                    <a:bodyPr/>
-                    <a:lstStyle/>
-                    <a:p>
-                      <a:pPr algn="l" fontAlgn="b"/>
-                      <a:r>
-                        <a:rPr lang="en-US" sz="2100" u="none" strike="noStrike">
-                          <a:latin typeface="+mn-lt"/>
-                        </a:rPr>
-                        <a:t>varchar(50)</a:t>
-                      </a:r>
-                      <a:endParaRPr lang="en-US" sz="2100" b="0" i="0" u="none" strike="noStrike">
-                        <a:solidFill>
-                          <a:srgbClr val="000000"/>
-                        </a:solidFill>
-                        <a:latin typeface="+mn-lt"/>
-                      </a:endParaRPr>
-                    </a:p>
-                  </a:txBody>
-                  <a:tcPr marL="9525" marR="9525" marT="9525" marB="0" anchor="b"/>
-                </a:tc>
-                <a:tc>
-                  <a:txBody>
-                    <a:bodyPr/>
-                    <a:lstStyle/>
-                    <a:p>
-                      <a:pPr algn="l" fontAlgn="b"/>
-                      <a:r>
-                        <a:rPr lang="en-US" sz="2100" u="none" strike="noStrike">
-                          <a:latin typeface="+mn-lt"/>
-                        </a:rPr>
-                        <a:t> </a:t>
-                      </a:r>
-                      <a:endParaRPr lang="en-US" sz="2100" b="0" i="0" u="none" strike="noStrike">
-                        <a:solidFill>
-                          <a:srgbClr val="000000"/>
-                        </a:solidFill>
-                        <a:latin typeface="+mn-lt"/>
-                      </a:endParaRPr>
-                    </a:p>
-                  </a:txBody>
-                  <a:tcPr marL="9525" marR="9525" marT="9525" marB="0" anchor="b"/>
-                </a:tc>
-              </a:tr>
-              <a:tr h="332509">
-                <a:tc>
-                  <a:txBody>
-                    <a:bodyPr/>
-                    <a:lstStyle/>
-                    <a:p>
-                      <a:pPr algn="l" fontAlgn="b"/>
-                      <a:r>
-                        <a:rPr lang="en-US" sz="2100" u="none" strike="noStrike">
-                          <a:latin typeface="+mn-lt"/>
-                        </a:rPr>
-                        <a:t>option d</a:t>
-                      </a:r>
-                      <a:endParaRPr lang="en-US" sz="2100" b="0" i="0" u="none" strike="noStrike">
-                        <a:solidFill>
-                          <a:srgbClr val="000000"/>
-                        </a:solidFill>
-                        <a:latin typeface="+mn-lt"/>
-                      </a:endParaRPr>
-                    </a:p>
-                  </a:txBody>
-                  <a:tcPr marL="9525" marR="9525" marT="9525" marB="0" anchor="b"/>
-                </a:tc>
-                <a:tc>
-                  <a:txBody>
-                    <a:bodyPr/>
-                    <a:lstStyle/>
-                    <a:p>
-                      <a:pPr algn="l" fontAlgn="b"/>
-                      <a:r>
-                        <a:rPr lang="en-US" sz="2100" u="none" strike="noStrike">
-                          <a:latin typeface="+mn-lt"/>
-                        </a:rPr>
-                        <a:t>varchar(50)</a:t>
-                      </a:r>
-                      <a:endParaRPr lang="en-US" sz="2100" b="0" i="0" u="none" strike="noStrike">
-                        <a:solidFill>
-                          <a:srgbClr val="000000"/>
-                        </a:solidFill>
-                        <a:latin typeface="+mn-lt"/>
-                      </a:endParaRPr>
-                    </a:p>
-                  </a:txBody>
-                  <a:tcPr marL="9525" marR="9525" marT="9525" marB="0" anchor="b"/>
-                </a:tc>
-                <a:tc>
-                  <a:txBody>
-                    <a:bodyPr/>
-                    <a:lstStyle/>
-                    <a:p>
-                      <a:pPr algn="l" fontAlgn="b"/>
-                      <a:r>
-                        <a:rPr lang="en-US" sz="2100" u="none" strike="noStrike">
-                          <a:latin typeface="+mn-lt"/>
-                        </a:rPr>
-                        <a:t> </a:t>
-                      </a:r>
-                      <a:endParaRPr lang="en-US" sz="2100" b="0" i="0" u="none" strike="noStrike">
-                        <a:solidFill>
-                          <a:srgbClr val="000000"/>
-                        </a:solidFill>
-                        <a:latin typeface="+mn-lt"/>
-                      </a:endParaRPr>
-                    </a:p>
-                  </a:txBody>
-                  <a:tcPr marL="9525" marR="9525" marT="9525" marB="0" anchor="b"/>
-                </a:tc>
-              </a:tr>
-              <a:tr h="332509">
-                <a:tc>
-                  <a:txBody>
-                    <a:bodyPr/>
-                    <a:lstStyle/>
-                    <a:p>
-                      <a:pPr algn="l" fontAlgn="b"/>
-                      <a:r>
-                        <a:rPr lang="en-US" sz="2100" u="none" strike="noStrike">
-                          <a:latin typeface="+mn-lt"/>
-                        </a:rPr>
-                        <a:t>answer option</a:t>
-                      </a:r>
-                      <a:endParaRPr lang="en-US" sz="2100" b="0" i="0" u="none" strike="noStrike">
-                        <a:solidFill>
-                          <a:srgbClr val="000000"/>
-                        </a:solidFill>
-                        <a:latin typeface="+mn-lt"/>
-                      </a:endParaRPr>
-                    </a:p>
-                  </a:txBody>
-                  <a:tcPr marL="9525" marR="9525" marT="9525" marB="0" anchor="b"/>
-                </a:tc>
-                <a:tc>
-                  <a:txBody>
-                    <a:bodyPr/>
-                    <a:lstStyle/>
-                    <a:p>
-                      <a:pPr algn="l" fontAlgn="b"/>
-                      <a:r>
-                        <a:rPr lang="en-US" sz="2100" u="none" strike="noStrike">
-                          <a:latin typeface="+mn-lt"/>
-                        </a:rPr>
-                        <a:t>char(1)</a:t>
-                      </a:r>
-                      <a:endParaRPr lang="en-US" sz="2100" b="0" i="0" u="none" strike="noStrike">
-                        <a:solidFill>
-                          <a:srgbClr val="000000"/>
-                        </a:solidFill>
-                        <a:latin typeface="+mn-lt"/>
-                      </a:endParaRPr>
-                    </a:p>
-                  </a:txBody>
-                  <a:tcPr marL="9525" marR="9525" marT="9525" marB="0" anchor="b"/>
-                </a:tc>
-                <a:tc>
-                  <a:txBody>
-                    <a:bodyPr/>
-                    <a:lstStyle/>
-                    <a:p>
-                      <a:pPr algn="l" fontAlgn="b"/>
-                      <a:r>
-                        <a:rPr lang="en-US" sz="2100" u="none" strike="noStrike">
-                          <a:latin typeface="+mn-lt"/>
-                        </a:rPr>
-                        <a:t> </a:t>
-                      </a:r>
-                      <a:endParaRPr lang="en-US" sz="2100" b="0" i="0" u="none" strike="noStrike">
-                        <a:solidFill>
-                          <a:srgbClr val="000000"/>
-                        </a:solidFill>
-                        <a:latin typeface="+mn-lt"/>
-                      </a:endParaRPr>
-                    </a:p>
-                  </a:txBody>
-                  <a:tcPr marL="9525" marR="9525" marT="9525" marB="0" anchor="b"/>
-                </a:tc>
-              </a:tr>
-              <a:tr h="332509">
-                <a:tc>
-                  <a:txBody>
-                    <a:bodyPr/>
-                    <a:lstStyle/>
-                    <a:p>
-                      <a:pPr algn="l" fontAlgn="b"/>
-                      <a:r>
-                        <a:rPr lang="en-US" sz="2100" u="none" strike="noStrike">
-                          <a:latin typeface="+mn-lt"/>
-                        </a:rPr>
-                        <a:t>dificulty level</a:t>
-                      </a:r>
-                      <a:endParaRPr lang="en-US" sz="2100" b="0" i="0" u="none" strike="noStrike">
-                        <a:solidFill>
-                          <a:srgbClr val="000000"/>
-                        </a:solidFill>
-                        <a:latin typeface="+mn-lt"/>
-                      </a:endParaRPr>
-                    </a:p>
-                  </a:txBody>
-                  <a:tcPr marL="9525" marR="9525" marT="9525" marB="0" anchor="b"/>
-                </a:tc>
-                <a:tc>
-                  <a:txBody>
-                    <a:bodyPr/>
-                    <a:lstStyle/>
-                    <a:p>
-                      <a:pPr algn="l" fontAlgn="b"/>
-                      <a:r>
-                        <a:rPr lang="en-US" sz="2100" u="none" strike="noStrike">
-                          <a:latin typeface="+mn-lt"/>
-                        </a:rPr>
-                        <a:t>integer</a:t>
-                      </a:r>
-                      <a:endParaRPr lang="en-US" sz="2100" b="0" i="0" u="none" strike="noStrike">
-                        <a:solidFill>
-                          <a:srgbClr val="000000"/>
-                        </a:solidFill>
-                        <a:latin typeface="+mn-lt"/>
-                      </a:endParaRPr>
-                    </a:p>
-                  </a:txBody>
-                  <a:tcPr marL="9525" marR="9525" marT="9525" marB="0" anchor="b"/>
-                </a:tc>
-                <a:tc>
-                  <a:txBody>
-                    <a:bodyPr/>
-                    <a:lstStyle/>
-                    <a:p>
-                      <a:pPr algn="l" fontAlgn="b"/>
-                      <a:r>
-                        <a:rPr lang="en-US" sz="2100" u="none" strike="noStrike" dirty="0">
-                          <a:latin typeface="+mn-lt"/>
-                        </a:rPr>
-                        <a:t> </a:t>
-                      </a:r>
-                      <a:endParaRPr lang="en-US" sz="2100" b="0" i="0" u="none" strike="noStrike" dirty="0">
-                        <a:solidFill>
-                          <a:srgbClr val="000000"/>
-                        </a:solidFill>
-                        <a:latin typeface="+mn-lt"/>
-                      </a:endParaRPr>
-                    </a:p>
-                  </a:txBody>
-                  <a:tcPr marL="9525" marR="9525" marT="9525" marB="0" anchor="b"/>
-                </a:tc>
-              </a:tr>
-            </a:tbl>
-          </a:graphicData>
-        </a:graphic>
-      </p:graphicFrame>
-    </p:spTree>
-  </p:cSld>
-  <p:clrMapOvr>
-    <a:masterClrMapping/>
-  </p:clrMapOvr>
-</p:sld>
-</file>
-
-<file path=ppt/slides/slide49.xml><?xml version="1.0" encoding="utf-8"?>
-<p:sld xmlns:a="http://schemas.openxmlformats.org/drawingml/2006/main" xmlns:r="http://schemas.openxmlformats.org/officeDocument/2006/relationships" xmlns:p="http://schemas.openxmlformats.org/presentationml/2006/main">
-  <p:cSld>
-    <p:spTree>
-      <p:nvGrpSpPr>
-        <p:cNvPr id="1" name=""/>
-        <p:cNvGrpSpPr/>
-        <p:nvPr/>
-      </p:nvGrpSpPr>
-      <p:grpSpPr>
-        <a:xfrm>
-          <a:off x="0" y="0"/>
-          <a:ext cx="0" cy="0"/>
-          <a:chOff x="0" y="0"/>
-          <a:chExt cx="0" cy="0"/>
-        </a:xfrm>
-      </p:grpSpPr>
-      <p:graphicFrame>
-        <p:nvGraphicFramePr>
-          <p:cNvPr id="2" name="Table 1"/>
-          <p:cNvGraphicFramePr>
-            <a:graphicFrameLocks noGrp="1"/>
-          </p:cNvGraphicFramePr>
-          <p:nvPr/>
-        </p:nvGraphicFramePr>
-        <p:xfrm>
-          <a:off x="914400" y="1524000"/>
-          <a:ext cx="6959599" cy="3162299"/>
-        </p:xfrm>
-        <a:graphic>
-          <a:graphicData uri="http://schemas.openxmlformats.org/drawingml/2006/table">
-            <a:tbl>
-              <a:tblPr firstRow="1">
-                <a:tableStyleId>{3C2FFA5D-87B4-456A-9821-1D502468CF0F}</a:tableStyleId>
-              </a:tblPr>
-              <a:tblGrid>
-                <a:gridCol w="2565680"/>
-                <a:gridCol w="1935783"/>
-                <a:gridCol w="2458136"/>
-              </a:tblGrid>
-              <a:tr h="451757">
-                <a:tc gridSpan="3">
-                  <a:txBody>
-                    <a:bodyPr/>
-                    <a:lstStyle/>
-                    <a:p>
-                      <a:pPr algn="ctr" fontAlgn="b"/>
-                      <a:r>
-                        <a:rPr lang="en-US" sz="2100" b="1" u="none" strike="noStrike" dirty="0"/>
-                        <a:t>payment</a:t>
-                      </a:r>
-                      <a:endParaRPr lang="en-US" sz="2100" b="1" i="0" u="none" strike="noStrike" dirty="0">
-                        <a:solidFill>
-                          <a:srgbClr val="000000"/>
-                        </a:solidFill>
-                        <a:latin typeface="Calibri"/>
-                      </a:endParaRPr>
-                    </a:p>
-                  </a:txBody>
-                  <a:tcPr marL="9525" marR="9525" marT="9525" marB="0" anchor="b"/>
-                </a:tc>
-                <a:tc hMerge="1">
-                  <a:txBody>
-                    <a:bodyPr/>
-                    <a:lstStyle/>
-                    <a:p>
-                      <a:endParaRPr lang="en-US"/>
-                    </a:p>
-                  </a:txBody>
-                  <a:tcPr/>
-                </a:tc>
-                <a:tc hMerge="1">
-                  <a:txBody>
-                    <a:bodyPr/>
-                    <a:lstStyle/>
-                    <a:p>
-                      <a:endParaRPr lang="en-US"/>
-                    </a:p>
-                  </a:txBody>
-                  <a:tcPr/>
-                </a:tc>
-              </a:tr>
-              <a:tr h="451757">
-                <a:tc>
-                  <a:txBody>
-                    <a:bodyPr/>
-                    <a:lstStyle/>
-                    <a:p>
-                      <a:pPr algn="l" fontAlgn="b"/>
-                      <a:r>
-                        <a:rPr lang="en-US" sz="2100" b="1" u="none" strike="noStrike" dirty="0"/>
-                        <a:t>column name</a:t>
-                      </a:r>
-                      <a:endParaRPr lang="en-US" sz="2100" b="1" i="0" u="none" strike="noStrike" dirty="0">
-                        <a:solidFill>
-                          <a:srgbClr val="000000"/>
-                        </a:solidFill>
-                        <a:latin typeface="Calibri"/>
-                      </a:endParaRPr>
-                    </a:p>
-                  </a:txBody>
-                  <a:tcPr marL="9525" marR="9525" marT="9525" marB="0" anchor="b"/>
-                </a:tc>
-                <a:tc>
-                  <a:txBody>
-                    <a:bodyPr/>
-                    <a:lstStyle/>
-                    <a:p>
-                      <a:pPr algn="l" fontAlgn="b"/>
-                      <a:r>
-                        <a:rPr lang="en-US" sz="2100" b="1" u="none" strike="noStrike"/>
-                        <a:t>data type</a:t>
-                      </a:r>
-                      <a:endParaRPr lang="en-US" sz="2100" b="1" i="0" u="none" strike="noStrike">
-                        <a:solidFill>
-                          <a:srgbClr val="000000"/>
-                        </a:solidFill>
-                        <a:latin typeface="Calibri"/>
-                      </a:endParaRPr>
-                    </a:p>
-                  </a:txBody>
-                  <a:tcPr marL="9525" marR="9525" marT="9525" marB="0" anchor="b"/>
-                </a:tc>
-                <a:tc>
-                  <a:txBody>
-                    <a:bodyPr/>
-                    <a:lstStyle/>
-                    <a:p>
-                      <a:pPr algn="l" fontAlgn="b"/>
-                      <a:r>
-                        <a:rPr lang="en-US" sz="2100" b="1" u="none" strike="noStrike" dirty="0"/>
-                        <a:t>constraint</a:t>
-                      </a:r>
-                      <a:endParaRPr lang="en-US" sz="2100" b="1" i="0" u="none" strike="noStrike" dirty="0">
-                        <a:solidFill>
-                          <a:srgbClr val="000000"/>
-                        </a:solidFill>
-                        <a:latin typeface="Calibri"/>
-                      </a:endParaRPr>
-                    </a:p>
-                  </a:txBody>
-                  <a:tcPr marL="9525" marR="9525" marT="9525" marB="0" anchor="b"/>
-                </a:tc>
-              </a:tr>
-              <a:tr h="451757">
-                <a:tc>
-                  <a:txBody>
-                    <a:bodyPr/>
-                    <a:lstStyle/>
-                    <a:p>
-                      <a:pPr algn="l" fontAlgn="b"/>
-                      <a:r>
-                        <a:rPr lang="en-US" sz="2100" u="none" strike="noStrike"/>
-                        <a:t>trans_num</a:t>
-                      </a:r>
-                      <a:endParaRPr lang="en-US" sz="2100" b="0" i="0" u="none" strike="noStrike">
-                        <a:solidFill>
-                          <a:srgbClr val="000000"/>
-                        </a:solidFill>
-                        <a:latin typeface="Calibri"/>
-                      </a:endParaRPr>
-                    </a:p>
-                  </a:txBody>
-                  <a:tcPr marL="9525" marR="9525" marT="9525" marB="0" anchor="b"/>
-                </a:tc>
-                <a:tc>
-                  <a:txBody>
-                    <a:bodyPr/>
-                    <a:lstStyle/>
-                    <a:p>
-                      <a:pPr algn="l" fontAlgn="b"/>
-                      <a:r>
-                        <a:rPr lang="en-US" sz="2100" u="none" strike="noStrike"/>
-                        <a:t>varchar(18)</a:t>
-                      </a:r>
-                      <a:endParaRPr lang="en-US" sz="2100" b="0" i="0" u="none" strike="noStrike">
-                        <a:solidFill>
-                          <a:srgbClr val="000000"/>
-                        </a:solidFill>
-                        <a:latin typeface="Calibri"/>
-                      </a:endParaRPr>
-                    </a:p>
-                  </a:txBody>
-                  <a:tcPr marL="9525" marR="9525" marT="9525" marB="0" anchor="b"/>
-                </a:tc>
-                <a:tc>
-                  <a:txBody>
-                    <a:bodyPr/>
-                    <a:lstStyle/>
-                    <a:p>
-                      <a:pPr algn="l" fontAlgn="b"/>
-                      <a:r>
-                        <a:rPr lang="en-US" sz="2100" u="none" strike="noStrike"/>
-                        <a:t>primary key</a:t>
-                      </a:r>
-                      <a:endParaRPr lang="en-US" sz="2100" b="0" i="0" u="none" strike="noStrike">
-                        <a:solidFill>
-                          <a:srgbClr val="000000"/>
-                        </a:solidFill>
-                        <a:latin typeface="Calibri"/>
-                      </a:endParaRPr>
-                    </a:p>
-                  </a:txBody>
-                  <a:tcPr marL="9525" marR="9525" marT="9525" marB="0" anchor="b"/>
-                </a:tc>
-              </a:tr>
-              <a:tr h="451757">
-                <a:tc>
-                  <a:txBody>
-                    <a:bodyPr/>
-                    <a:lstStyle/>
-                    <a:p>
-                      <a:pPr algn="l" fontAlgn="b"/>
-                      <a:r>
-                        <a:rPr lang="en-US" sz="2100" u="none" strike="noStrike"/>
-                        <a:t>email</a:t>
-                      </a:r>
-                      <a:endParaRPr lang="en-US" sz="2100" b="0" i="0" u="none" strike="noStrike">
-                        <a:solidFill>
-                          <a:srgbClr val="000000"/>
-                        </a:solidFill>
-                        <a:latin typeface="Calibri"/>
-                      </a:endParaRPr>
-                    </a:p>
-                  </a:txBody>
-                  <a:tcPr marL="9525" marR="9525" marT="9525" marB="0" anchor="b"/>
-                </a:tc>
-                <a:tc>
-                  <a:txBody>
-                    <a:bodyPr/>
-                    <a:lstStyle/>
-                    <a:p>
-                      <a:pPr algn="l" fontAlgn="b"/>
-                      <a:r>
-                        <a:rPr lang="en-US" sz="2100" u="none" strike="noStrike"/>
-                        <a:t>varchar(18)</a:t>
-                      </a:r>
-                      <a:endParaRPr lang="en-US" sz="2100" b="0" i="0" u="none" strike="noStrike">
-                        <a:solidFill>
-                          <a:srgbClr val="000000"/>
-                        </a:solidFill>
-                        <a:latin typeface="Calibri"/>
-                      </a:endParaRPr>
-                    </a:p>
-                  </a:txBody>
-                  <a:tcPr marL="9525" marR="9525" marT="9525" marB="0" anchor="b"/>
-                </a:tc>
-                <a:tc>
-                  <a:txBody>
-                    <a:bodyPr/>
-                    <a:lstStyle/>
-                    <a:p>
-                      <a:pPr algn="l" fontAlgn="b"/>
-                      <a:r>
-                        <a:rPr lang="en-US" sz="2100" u="none" strike="noStrike"/>
-                        <a:t> </a:t>
-                      </a:r>
-                      <a:endParaRPr lang="en-US" sz="2100" b="0" i="0" u="none" strike="noStrike">
-                        <a:solidFill>
-                          <a:srgbClr val="000000"/>
-                        </a:solidFill>
-                        <a:latin typeface="Calibri"/>
-                      </a:endParaRPr>
-                    </a:p>
-                  </a:txBody>
-                  <a:tcPr marL="9525" marR="9525" marT="9525" marB="0" anchor="b"/>
-                </a:tc>
-              </a:tr>
-              <a:tr h="451757">
-                <a:tc>
-                  <a:txBody>
-                    <a:bodyPr/>
-                    <a:lstStyle/>
-                    <a:p>
-                      <a:pPr algn="l" fontAlgn="b"/>
-                      <a:r>
-                        <a:rPr lang="en-US" sz="2100" u="none" strike="noStrike"/>
-                        <a:t>content id</a:t>
-                      </a:r>
-                      <a:endParaRPr lang="en-US" sz="2100" b="0" i="0" u="none" strike="noStrike">
-                        <a:solidFill>
-                          <a:srgbClr val="000000"/>
-                        </a:solidFill>
-                        <a:latin typeface="Calibri"/>
-                      </a:endParaRPr>
-                    </a:p>
-                  </a:txBody>
-                  <a:tcPr marL="9525" marR="9525" marT="9525" marB="0" anchor="b"/>
-                </a:tc>
-                <a:tc>
-                  <a:txBody>
-                    <a:bodyPr/>
-                    <a:lstStyle/>
-                    <a:p>
-                      <a:pPr algn="l" fontAlgn="b"/>
-                      <a:r>
-                        <a:rPr lang="en-US" sz="2100" u="none" strike="noStrike"/>
-                        <a:t>integer</a:t>
-                      </a:r>
-                      <a:endParaRPr lang="en-US" sz="2100" b="0" i="0" u="none" strike="noStrike">
-                        <a:solidFill>
-                          <a:srgbClr val="000000"/>
-                        </a:solidFill>
-                        <a:latin typeface="Calibri"/>
-                      </a:endParaRPr>
-                    </a:p>
-                  </a:txBody>
-                  <a:tcPr marL="9525" marR="9525" marT="9525" marB="0" anchor="b"/>
-                </a:tc>
-                <a:tc>
-                  <a:txBody>
-                    <a:bodyPr/>
-                    <a:lstStyle/>
-                    <a:p>
-                      <a:pPr algn="l" fontAlgn="b"/>
-                      <a:r>
-                        <a:rPr lang="en-US" sz="2100" u="none" strike="noStrike"/>
-                        <a:t> </a:t>
-                      </a:r>
-                      <a:endParaRPr lang="en-US" sz="2100" b="0" i="0" u="none" strike="noStrike">
-                        <a:solidFill>
-                          <a:srgbClr val="000000"/>
-                        </a:solidFill>
-                        <a:latin typeface="Calibri"/>
-                      </a:endParaRPr>
-                    </a:p>
-                  </a:txBody>
-                  <a:tcPr marL="9525" marR="9525" marT="9525" marB="0" anchor="b"/>
-                </a:tc>
-              </a:tr>
-              <a:tr h="451757">
-                <a:tc>
-                  <a:txBody>
-                    <a:bodyPr/>
-                    <a:lstStyle/>
-                    <a:p>
-                      <a:pPr algn="l" fontAlgn="b"/>
-                      <a:r>
-                        <a:rPr lang="en-US" sz="2100" u="none" strike="noStrike"/>
-                        <a:t>transaction date</a:t>
-                      </a:r>
-                      <a:endParaRPr lang="en-US" sz="2100" b="0" i="0" u="none" strike="noStrike">
-                        <a:solidFill>
-                          <a:srgbClr val="000000"/>
-                        </a:solidFill>
-                        <a:latin typeface="Calibri"/>
-                      </a:endParaRPr>
-                    </a:p>
-                  </a:txBody>
-                  <a:tcPr marL="9525" marR="9525" marT="9525" marB="0" anchor="b"/>
-                </a:tc>
-                <a:tc>
-                  <a:txBody>
-                    <a:bodyPr/>
-                    <a:lstStyle/>
-                    <a:p>
-                      <a:pPr algn="l" fontAlgn="b"/>
-                      <a:r>
-                        <a:rPr lang="en-US" sz="2100" u="none" strike="noStrike"/>
-                        <a:t>varchar(10)</a:t>
-                      </a:r>
-                      <a:endParaRPr lang="en-US" sz="2100" b="0" i="0" u="none" strike="noStrike">
-                        <a:solidFill>
-                          <a:srgbClr val="000000"/>
-                        </a:solidFill>
-                        <a:latin typeface="Calibri"/>
-                      </a:endParaRPr>
-                    </a:p>
-                  </a:txBody>
-                  <a:tcPr marL="9525" marR="9525" marT="9525" marB="0" anchor="b"/>
-                </a:tc>
-                <a:tc>
-                  <a:txBody>
-                    <a:bodyPr/>
-                    <a:lstStyle/>
-                    <a:p>
-                      <a:pPr algn="l" fontAlgn="b"/>
-                      <a:r>
-                        <a:rPr lang="en-US" sz="2100" u="none" strike="noStrike"/>
-                        <a:t> </a:t>
-                      </a:r>
-                      <a:endParaRPr lang="en-US" sz="2100" b="0" i="0" u="none" strike="noStrike">
-                        <a:solidFill>
-                          <a:srgbClr val="000000"/>
-                        </a:solidFill>
-                        <a:latin typeface="Calibri"/>
-                      </a:endParaRPr>
-                    </a:p>
-                  </a:txBody>
-                  <a:tcPr marL="9525" marR="9525" marT="9525" marB="0" anchor="b"/>
-                </a:tc>
-              </a:tr>
-              <a:tr h="451757">
-                <a:tc>
-                  <a:txBody>
-                    <a:bodyPr/>
-                    <a:lstStyle/>
-                    <a:p>
-                      <a:pPr algn="l" fontAlgn="b"/>
-                      <a:r>
-                        <a:rPr lang="en-US" sz="2100" u="none" strike="noStrike"/>
-                        <a:t>transaction amount</a:t>
-                      </a:r>
-                      <a:endParaRPr lang="en-US" sz="2100" b="0" i="0" u="none" strike="noStrike">
-                        <a:solidFill>
-                          <a:srgbClr val="000000"/>
-                        </a:solidFill>
-                        <a:latin typeface="Calibri"/>
-                      </a:endParaRPr>
-                    </a:p>
-                  </a:txBody>
-                  <a:tcPr marL="9525" marR="9525" marT="9525" marB="0" anchor="b"/>
-                </a:tc>
-                <a:tc>
-                  <a:txBody>
-                    <a:bodyPr/>
-                    <a:lstStyle/>
-                    <a:p>
-                      <a:pPr algn="l" fontAlgn="b"/>
-                      <a:r>
-                        <a:rPr lang="en-US" sz="2100" u="none" strike="noStrike"/>
-                        <a:t>integer</a:t>
                       </a:r>
                       <a:endParaRPr lang="en-US" sz="2100" b="0" i="0" u="none" strike="noStrike">
                         <a:solidFill>
@@ -18241,6 +15398,3094 @@
           <p:nvPr/>
         </p:nvGraphicFramePr>
         <p:xfrm>
+          <a:off x="304801" y="2133600"/>
+          <a:ext cx="8686799" cy="1981200"/>
+        </p:xfrm>
+        <a:graphic>
+          <a:graphicData uri="http://schemas.openxmlformats.org/drawingml/2006/table">
+            <a:tbl>
+              <a:tblPr firstRow="1">
+                <a:tableStyleId>{3C2FFA5D-87B4-456A-9821-1D502468CF0F}</a:tableStyleId>
+              </a:tblPr>
+              <a:tblGrid>
+                <a:gridCol w="3173674"/>
+                <a:gridCol w="2593345"/>
+                <a:gridCol w="2919780"/>
+              </a:tblGrid>
+              <a:tr h="495300">
+                <a:tc gridSpan="3">
+                  <a:txBody>
+                    <a:bodyPr/>
+                    <a:lstStyle/>
+                    <a:p>
+                      <a:pPr algn="ctr" fontAlgn="b"/>
+                      <a:r>
+                        <a:rPr lang="en-US" sz="2100" b="1" u="none" strike="noStrike" dirty="0"/>
+                        <a:t>search</a:t>
+                      </a:r>
+                      <a:endParaRPr lang="en-US" sz="2100" b="1" i="0" u="none" strike="noStrike" dirty="0">
+                        <a:solidFill>
+                          <a:srgbClr val="000000"/>
+                        </a:solidFill>
+                        <a:latin typeface="Calibri"/>
+                      </a:endParaRPr>
+                    </a:p>
+                  </a:txBody>
+                  <a:tcPr marL="9525" marR="9525" marT="9525" marB="0" anchor="b"/>
+                </a:tc>
+                <a:tc hMerge="1">
+                  <a:txBody>
+                    <a:bodyPr/>
+                    <a:lstStyle/>
+                    <a:p>
+                      <a:endParaRPr lang="en-US"/>
+                    </a:p>
+                  </a:txBody>
+                  <a:tcPr/>
+                </a:tc>
+                <a:tc hMerge="1">
+                  <a:txBody>
+                    <a:bodyPr/>
+                    <a:lstStyle/>
+                    <a:p>
+                      <a:endParaRPr lang="en-US"/>
+                    </a:p>
+                  </a:txBody>
+                  <a:tcPr/>
+                </a:tc>
+              </a:tr>
+              <a:tr h="495300">
+                <a:tc>
+                  <a:txBody>
+                    <a:bodyPr/>
+                    <a:lstStyle/>
+                    <a:p>
+                      <a:pPr algn="l" fontAlgn="b"/>
+                      <a:r>
+                        <a:rPr lang="en-US" sz="2100" b="1" u="none" strike="noStrike" dirty="0"/>
+                        <a:t>column name</a:t>
+                      </a:r>
+                      <a:endParaRPr lang="en-US" sz="2100" b="1" i="0" u="none" strike="noStrike" dirty="0">
+                        <a:solidFill>
+                          <a:srgbClr val="000000"/>
+                        </a:solidFill>
+                        <a:latin typeface="Calibri"/>
+                      </a:endParaRPr>
+                    </a:p>
+                  </a:txBody>
+                  <a:tcPr marL="9525" marR="9525" marT="9525" marB="0" anchor="b"/>
+                </a:tc>
+                <a:tc>
+                  <a:txBody>
+                    <a:bodyPr/>
+                    <a:lstStyle/>
+                    <a:p>
+                      <a:pPr algn="l" fontAlgn="b"/>
+                      <a:r>
+                        <a:rPr lang="en-US" sz="2100" b="1" u="none" strike="noStrike" dirty="0"/>
+                        <a:t>data type</a:t>
+                      </a:r>
+                      <a:endParaRPr lang="en-US" sz="2100" b="1" i="0" u="none" strike="noStrike" dirty="0">
+                        <a:solidFill>
+                          <a:srgbClr val="000000"/>
+                        </a:solidFill>
+                        <a:latin typeface="Calibri"/>
+                      </a:endParaRPr>
+                    </a:p>
+                  </a:txBody>
+                  <a:tcPr marL="9525" marR="9525" marT="9525" marB="0" anchor="b"/>
+                </a:tc>
+                <a:tc>
+                  <a:txBody>
+                    <a:bodyPr/>
+                    <a:lstStyle/>
+                    <a:p>
+                      <a:pPr algn="l" fontAlgn="b"/>
+                      <a:r>
+                        <a:rPr lang="en-US" sz="2100" b="1" u="none" strike="noStrike" dirty="0"/>
+                        <a:t>constraint</a:t>
+                      </a:r>
+                      <a:endParaRPr lang="en-US" sz="2100" b="1" i="0" u="none" strike="noStrike" dirty="0">
+                        <a:solidFill>
+                          <a:srgbClr val="000000"/>
+                        </a:solidFill>
+                        <a:latin typeface="Calibri"/>
+                      </a:endParaRPr>
+                    </a:p>
+                  </a:txBody>
+                  <a:tcPr marL="9525" marR="9525" marT="9525" marB="0" anchor="b"/>
+                </a:tc>
+              </a:tr>
+              <a:tr h="495300">
+                <a:tc>
+                  <a:txBody>
+                    <a:bodyPr/>
+                    <a:lstStyle/>
+                    <a:p>
+                      <a:pPr algn="l" fontAlgn="b"/>
+                      <a:r>
+                        <a:rPr lang="en-US" sz="2100" u="none" strike="noStrike"/>
+                        <a:t>keyword</a:t>
+                      </a:r>
+                      <a:endParaRPr lang="en-US" sz="2100" b="0" i="0" u="none" strike="noStrike">
+                        <a:solidFill>
+                          <a:srgbClr val="000000"/>
+                        </a:solidFill>
+                        <a:latin typeface="Calibri"/>
+                      </a:endParaRPr>
+                    </a:p>
+                  </a:txBody>
+                  <a:tcPr marL="9525" marR="9525" marT="9525" marB="0" anchor="b"/>
+                </a:tc>
+                <a:tc>
+                  <a:txBody>
+                    <a:bodyPr/>
+                    <a:lstStyle/>
+                    <a:p>
+                      <a:pPr algn="l" fontAlgn="b"/>
+                      <a:r>
+                        <a:rPr lang="en-US" sz="2100" u="none" strike="noStrike" dirty="0" err="1"/>
+                        <a:t>varchar</a:t>
+                      </a:r>
+                      <a:r>
+                        <a:rPr lang="en-US" sz="2100" u="none" strike="noStrike" dirty="0"/>
+                        <a:t>(15)</a:t>
+                      </a:r>
+                      <a:endParaRPr lang="en-US" sz="2100" b="0" i="0" u="none" strike="noStrike" dirty="0">
+                        <a:solidFill>
+                          <a:srgbClr val="000000"/>
+                        </a:solidFill>
+                        <a:latin typeface="Calibri"/>
+                      </a:endParaRPr>
+                    </a:p>
+                  </a:txBody>
+                  <a:tcPr marL="9525" marR="9525" marT="9525" marB="0" anchor="b"/>
+                </a:tc>
+                <a:tc>
+                  <a:txBody>
+                    <a:bodyPr/>
+                    <a:lstStyle/>
+                    <a:p>
+                      <a:pPr algn="l" fontAlgn="b"/>
+                      <a:r>
+                        <a:rPr lang="en-US" sz="2100" u="none" strike="noStrike"/>
+                        <a:t>primary key</a:t>
+                      </a:r>
+                      <a:endParaRPr lang="en-US" sz="2100" b="0" i="0" u="none" strike="noStrike">
+                        <a:solidFill>
+                          <a:srgbClr val="000000"/>
+                        </a:solidFill>
+                        <a:latin typeface="Calibri"/>
+                      </a:endParaRPr>
+                    </a:p>
+                  </a:txBody>
+                  <a:tcPr marL="9525" marR="9525" marT="9525" marB="0" anchor="b"/>
+                </a:tc>
+              </a:tr>
+              <a:tr h="495300">
+                <a:tc>
+                  <a:txBody>
+                    <a:bodyPr/>
+                    <a:lstStyle/>
+                    <a:p>
+                      <a:pPr algn="l" fontAlgn="b"/>
+                      <a:r>
+                        <a:rPr lang="en-US" sz="2100" u="none" strike="noStrike"/>
+                        <a:t>value</a:t>
+                      </a:r>
+                      <a:endParaRPr lang="en-US" sz="2100" b="0" i="0" u="none" strike="noStrike">
+                        <a:solidFill>
+                          <a:srgbClr val="000000"/>
+                        </a:solidFill>
+                        <a:latin typeface="Calibri"/>
+                      </a:endParaRPr>
+                    </a:p>
+                  </a:txBody>
+                  <a:tcPr marL="9525" marR="9525" marT="9525" marB="0" anchor="b"/>
+                </a:tc>
+                <a:tc>
+                  <a:txBody>
+                    <a:bodyPr/>
+                    <a:lstStyle/>
+                    <a:p>
+                      <a:pPr algn="l" fontAlgn="b"/>
+                      <a:r>
+                        <a:rPr lang="en-US" sz="2100" u="none" strike="noStrike"/>
+                        <a:t>integer</a:t>
+                      </a:r>
+                      <a:endParaRPr lang="en-US" sz="2100" b="0" i="0" u="none" strike="noStrike">
+                        <a:solidFill>
+                          <a:srgbClr val="000000"/>
+                        </a:solidFill>
+                        <a:latin typeface="Calibri"/>
+                      </a:endParaRPr>
+                    </a:p>
+                  </a:txBody>
+                  <a:tcPr marL="9525" marR="9525" marT="9525" marB="0" anchor="b"/>
+                </a:tc>
+                <a:tc>
+                  <a:txBody>
+                    <a:bodyPr/>
+                    <a:lstStyle/>
+                    <a:p>
+                      <a:pPr algn="l" fontAlgn="b"/>
+                      <a:r>
+                        <a:rPr lang="en-US" sz="2100" u="none" strike="noStrike" dirty="0"/>
+                        <a:t> </a:t>
+                      </a:r>
+                      <a:endParaRPr lang="en-US" sz="2100" b="0" i="0" u="none" strike="noStrike" dirty="0">
+                        <a:solidFill>
+                          <a:srgbClr val="000000"/>
+                        </a:solidFill>
+                        <a:latin typeface="Calibri"/>
+                      </a:endParaRPr>
+                    </a:p>
+                  </a:txBody>
+                  <a:tcPr marL="9525" marR="9525" marT="9525" marB="0" anchor="b"/>
+                </a:tc>
+              </a:tr>
+            </a:tbl>
+          </a:graphicData>
+        </a:graphic>
+      </p:graphicFrame>
+    </p:spTree>
+  </p:cSld>
+  <p:clrMapOvr>
+    <a:masterClrMapping/>
+  </p:clrMapOvr>
+</p:sld>
+</file>
+
+<file path=ppt/slides/slide51.xml><?xml version="1.0" encoding="utf-8"?>
+<p:sld xmlns:a="http://schemas.openxmlformats.org/drawingml/2006/main" xmlns:r="http://schemas.openxmlformats.org/officeDocument/2006/relationships" xmlns:p="http://schemas.openxmlformats.org/presentationml/2006/main">
+  <p:cSld>
+    <p:spTree>
+      <p:nvGrpSpPr>
+        <p:cNvPr id="1" name=""/>
+        <p:cNvGrpSpPr/>
+        <p:nvPr/>
+      </p:nvGrpSpPr>
+      <p:grpSpPr>
+        <a:xfrm>
+          <a:off x="0" y="0"/>
+          <a:ext cx="0" cy="0"/>
+          <a:chOff x="0" y="0"/>
+          <a:chExt cx="0" cy="0"/>
+        </a:xfrm>
+      </p:grpSpPr>
+      <p:graphicFrame>
+        <p:nvGraphicFramePr>
+          <p:cNvPr id="2" name="Table 1"/>
+          <p:cNvGraphicFramePr>
+            <a:graphicFrameLocks noGrp="1"/>
+          </p:cNvGraphicFramePr>
+          <p:nvPr/>
+        </p:nvGraphicFramePr>
+        <p:xfrm>
+          <a:off x="381000" y="1752600"/>
+          <a:ext cx="8458200" cy="2286000"/>
+        </p:xfrm>
+        <a:graphic>
+          <a:graphicData uri="http://schemas.openxmlformats.org/drawingml/2006/table">
+            <a:tbl>
+              <a:tblPr firstRow="1">
+                <a:tableStyleId>{3C2FFA5D-87B4-456A-9821-1D502468CF0F}</a:tableStyleId>
+              </a:tblPr>
+              <a:tblGrid>
+                <a:gridCol w="3090156"/>
+                <a:gridCol w="2525100"/>
+                <a:gridCol w="2842944"/>
+              </a:tblGrid>
+              <a:tr h="457200">
+                <a:tc gridSpan="3">
+                  <a:txBody>
+                    <a:bodyPr/>
+                    <a:lstStyle/>
+                    <a:p>
+                      <a:pPr algn="ctr" fontAlgn="b"/>
+                      <a:r>
+                        <a:rPr lang="en-US" sz="2100" b="1" u="none" strike="noStrike" dirty="0"/>
+                        <a:t>approvals</a:t>
+                      </a:r>
+                      <a:endParaRPr lang="en-US" sz="2100" b="1" i="0" u="none" strike="noStrike" dirty="0">
+                        <a:solidFill>
+                          <a:srgbClr val="000000"/>
+                        </a:solidFill>
+                        <a:latin typeface="Calibri"/>
+                      </a:endParaRPr>
+                    </a:p>
+                  </a:txBody>
+                  <a:tcPr marL="9525" marR="9525" marT="9525" marB="0" anchor="b"/>
+                </a:tc>
+                <a:tc hMerge="1">
+                  <a:txBody>
+                    <a:bodyPr/>
+                    <a:lstStyle/>
+                    <a:p>
+                      <a:endParaRPr lang="en-US"/>
+                    </a:p>
+                  </a:txBody>
+                  <a:tcPr/>
+                </a:tc>
+                <a:tc hMerge="1">
+                  <a:txBody>
+                    <a:bodyPr/>
+                    <a:lstStyle/>
+                    <a:p>
+                      <a:endParaRPr lang="en-US"/>
+                    </a:p>
+                  </a:txBody>
+                  <a:tcPr/>
+                </a:tc>
+              </a:tr>
+              <a:tr h="457200">
+                <a:tc>
+                  <a:txBody>
+                    <a:bodyPr/>
+                    <a:lstStyle/>
+                    <a:p>
+                      <a:pPr algn="l" fontAlgn="b"/>
+                      <a:r>
+                        <a:rPr lang="en-US" sz="2100" b="1" u="none" strike="noStrike"/>
+                        <a:t>column name</a:t>
+                      </a:r>
+                      <a:endParaRPr lang="en-US" sz="2100" b="1" i="0" u="none" strike="noStrike">
+                        <a:solidFill>
+                          <a:srgbClr val="000000"/>
+                        </a:solidFill>
+                        <a:latin typeface="Calibri"/>
+                      </a:endParaRPr>
+                    </a:p>
+                  </a:txBody>
+                  <a:tcPr marL="9525" marR="9525" marT="9525" marB="0" anchor="b"/>
+                </a:tc>
+                <a:tc>
+                  <a:txBody>
+                    <a:bodyPr/>
+                    <a:lstStyle/>
+                    <a:p>
+                      <a:pPr algn="l" fontAlgn="b"/>
+                      <a:r>
+                        <a:rPr lang="en-US" sz="2100" b="1" u="none" strike="noStrike"/>
+                        <a:t>data type</a:t>
+                      </a:r>
+                      <a:endParaRPr lang="en-US" sz="2100" b="1" i="0" u="none" strike="noStrike">
+                        <a:solidFill>
+                          <a:srgbClr val="000000"/>
+                        </a:solidFill>
+                        <a:latin typeface="Calibri"/>
+                      </a:endParaRPr>
+                    </a:p>
+                  </a:txBody>
+                  <a:tcPr marL="9525" marR="9525" marT="9525" marB="0" anchor="b"/>
+                </a:tc>
+                <a:tc>
+                  <a:txBody>
+                    <a:bodyPr/>
+                    <a:lstStyle/>
+                    <a:p>
+                      <a:pPr algn="l" fontAlgn="b"/>
+                      <a:r>
+                        <a:rPr lang="en-US" sz="2100" b="1" u="none" strike="noStrike" dirty="0"/>
+                        <a:t>constraint</a:t>
+                      </a:r>
+                      <a:endParaRPr lang="en-US" sz="2100" b="1" i="0" u="none" strike="noStrike" dirty="0">
+                        <a:solidFill>
+                          <a:srgbClr val="000000"/>
+                        </a:solidFill>
+                        <a:latin typeface="Calibri"/>
+                      </a:endParaRPr>
+                    </a:p>
+                  </a:txBody>
+                  <a:tcPr marL="9525" marR="9525" marT="9525" marB="0" anchor="b"/>
+                </a:tc>
+              </a:tr>
+              <a:tr h="457200">
+                <a:tc>
+                  <a:txBody>
+                    <a:bodyPr/>
+                    <a:lstStyle/>
+                    <a:p>
+                      <a:pPr algn="l" fontAlgn="b"/>
+                      <a:r>
+                        <a:rPr lang="en-US" sz="2100" u="none" strike="noStrike"/>
+                        <a:t>content id</a:t>
+                      </a:r>
+                      <a:endParaRPr lang="en-US" sz="2100" b="0" i="0" u="none" strike="noStrike">
+                        <a:solidFill>
+                          <a:srgbClr val="000000"/>
+                        </a:solidFill>
+                        <a:latin typeface="Calibri"/>
+                      </a:endParaRPr>
+                    </a:p>
+                  </a:txBody>
+                  <a:tcPr marL="9525" marR="9525" marT="9525" marB="0" anchor="b"/>
+                </a:tc>
+                <a:tc>
+                  <a:txBody>
+                    <a:bodyPr/>
+                    <a:lstStyle/>
+                    <a:p>
+                      <a:pPr algn="l" fontAlgn="b"/>
+                      <a:r>
+                        <a:rPr lang="en-US" sz="2100" u="none" strike="noStrike"/>
+                        <a:t>integer</a:t>
+                      </a:r>
+                      <a:endParaRPr lang="en-US" sz="2100" b="0" i="0" u="none" strike="noStrike">
+                        <a:solidFill>
+                          <a:srgbClr val="000000"/>
+                        </a:solidFill>
+                        <a:latin typeface="Calibri"/>
+                      </a:endParaRPr>
+                    </a:p>
+                  </a:txBody>
+                  <a:tcPr marL="9525" marR="9525" marT="9525" marB="0" anchor="b"/>
+                </a:tc>
+                <a:tc rowSpan="2">
+                  <a:txBody>
+                    <a:bodyPr/>
+                    <a:lstStyle/>
+                    <a:p>
+                      <a:pPr algn="ctr" fontAlgn="ctr"/>
+                      <a:r>
+                        <a:rPr lang="en-US" sz="2100" u="none" strike="noStrike"/>
+                        <a:t>composite key</a:t>
+                      </a:r>
+                      <a:endParaRPr lang="en-US" sz="2100" b="0" i="0" u="none" strike="noStrike">
+                        <a:solidFill>
+                          <a:srgbClr val="000000"/>
+                        </a:solidFill>
+                        <a:latin typeface="Calibri"/>
+                      </a:endParaRPr>
+                    </a:p>
+                  </a:txBody>
+                  <a:tcPr marL="9525" marR="9525" marT="9525" marB="0" anchor="ctr"/>
+                </a:tc>
+              </a:tr>
+              <a:tr h="457200">
+                <a:tc>
+                  <a:txBody>
+                    <a:bodyPr/>
+                    <a:lstStyle/>
+                    <a:p>
+                      <a:pPr algn="l" fontAlgn="b"/>
+                      <a:r>
+                        <a:rPr lang="en-US" sz="2100" u="none" strike="noStrike"/>
+                        <a:t>inspector id</a:t>
+                      </a:r>
+                      <a:endParaRPr lang="en-US" sz="2100" b="0" i="0" u="none" strike="noStrike">
+                        <a:solidFill>
+                          <a:srgbClr val="000000"/>
+                        </a:solidFill>
+                        <a:latin typeface="Calibri"/>
+                      </a:endParaRPr>
+                    </a:p>
+                  </a:txBody>
+                  <a:tcPr marL="9525" marR="9525" marT="9525" marB="0" anchor="b"/>
+                </a:tc>
+                <a:tc>
+                  <a:txBody>
+                    <a:bodyPr/>
+                    <a:lstStyle/>
+                    <a:p>
+                      <a:pPr algn="l" fontAlgn="b"/>
+                      <a:r>
+                        <a:rPr lang="en-US" sz="2100" u="none" strike="noStrike"/>
+                        <a:t>integer</a:t>
+                      </a:r>
+                      <a:endParaRPr lang="en-US" sz="2100" b="0" i="0" u="none" strike="noStrike">
+                        <a:solidFill>
+                          <a:srgbClr val="000000"/>
+                        </a:solidFill>
+                        <a:latin typeface="Calibri"/>
+                      </a:endParaRPr>
+                    </a:p>
+                  </a:txBody>
+                  <a:tcPr marL="9525" marR="9525" marT="9525" marB="0" anchor="b"/>
+                </a:tc>
+                <a:tc vMerge="1">
+                  <a:txBody>
+                    <a:bodyPr/>
+                    <a:lstStyle/>
+                    <a:p>
+                      <a:endParaRPr lang="en-US"/>
+                    </a:p>
+                  </a:txBody>
+                  <a:tcPr/>
+                </a:tc>
+              </a:tr>
+              <a:tr h="457200">
+                <a:tc>
+                  <a:txBody>
+                    <a:bodyPr/>
+                    <a:lstStyle/>
+                    <a:p>
+                      <a:pPr algn="l" fontAlgn="b"/>
+                      <a:r>
+                        <a:rPr lang="en-US" sz="2100" u="none" strike="noStrike"/>
+                        <a:t>approved</a:t>
+                      </a:r>
+                      <a:endParaRPr lang="en-US" sz="2100" b="0" i="0" u="none" strike="noStrike">
+                        <a:solidFill>
+                          <a:srgbClr val="000000"/>
+                        </a:solidFill>
+                        <a:latin typeface="Calibri"/>
+                      </a:endParaRPr>
+                    </a:p>
+                  </a:txBody>
+                  <a:tcPr marL="9525" marR="9525" marT="9525" marB="0" anchor="b"/>
+                </a:tc>
+                <a:tc>
+                  <a:txBody>
+                    <a:bodyPr/>
+                    <a:lstStyle/>
+                    <a:p>
+                      <a:pPr algn="l" fontAlgn="b"/>
+                      <a:r>
+                        <a:rPr lang="en-US" sz="2100" u="none" strike="noStrike"/>
+                        <a:t>boolean</a:t>
+                      </a:r>
+                      <a:endParaRPr lang="en-US" sz="2100" b="0" i="0" u="none" strike="noStrike">
+                        <a:solidFill>
+                          <a:srgbClr val="000000"/>
+                        </a:solidFill>
+                        <a:latin typeface="Calibri"/>
+                      </a:endParaRPr>
+                    </a:p>
+                  </a:txBody>
+                  <a:tcPr marL="9525" marR="9525" marT="9525" marB="0" anchor="b"/>
+                </a:tc>
+                <a:tc>
+                  <a:txBody>
+                    <a:bodyPr/>
+                    <a:lstStyle/>
+                    <a:p>
+                      <a:pPr algn="l" fontAlgn="b"/>
+                      <a:r>
+                        <a:rPr lang="en-US" sz="2100" u="none" strike="noStrike" dirty="0"/>
+                        <a:t> </a:t>
+                      </a:r>
+                      <a:endParaRPr lang="en-US" sz="2100" b="0" i="0" u="none" strike="noStrike" dirty="0">
+                        <a:solidFill>
+                          <a:srgbClr val="000000"/>
+                        </a:solidFill>
+                        <a:latin typeface="Calibri"/>
+                      </a:endParaRPr>
+                    </a:p>
+                  </a:txBody>
+                  <a:tcPr marL="9525" marR="9525" marT="9525" marB="0" anchor="b"/>
+                </a:tc>
+              </a:tr>
+            </a:tbl>
+          </a:graphicData>
+        </a:graphic>
+      </p:graphicFrame>
+    </p:spTree>
+  </p:cSld>
+  <p:clrMapOvr>
+    <a:masterClrMapping/>
+  </p:clrMapOvr>
+</p:sld>
+</file>
+
+<file path=ppt/slides/slide52.xml><?xml version="1.0" encoding="utf-8"?>
+<p:sld xmlns:a="http://schemas.openxmlformats.org/drawingml/2006/main" xmlns:r="http://schemas.openxmlformats.org/officeDocument/2006/relationships" xmlns:p="http://schemas.openxmlformats.org/presentationml/2006/main">
+  <p:cSld>
+    <p:spTree>
+      <p:nvGrpSpPr>
+        <p:cNvPr id="1" name=""/>
+        <p:cNvGrpSpPr/>
+        <p:nvPr/>
+      </p:nvGrpSpPr>
+      <p:grpSpPr>
+        <a:xfrm>
+          <a:off x="0" y="0"/>
+          <a:ext cx="0" cy="0"/>
+          <a:chOff x="0" y="0"/>
+          <a:chExt cx="0" cy="0"/>
+        </a:xfrm>
+      </p:grpSpPr>
+      <p:graphicFrame>
+        <p:nvGraphicFramePr>
+          <p:cNvPr id="2" name="Table 1"/>
+          <p:cNvGraphicFramePr>
+            <a:graphicFrameLocks noGrp="1"/>
+          </p:cNvGraphicFramePr>
+          <p:nvPr/>
+        </p:nvGraphicFramePr>
+        <p:xfrm>
+          <a:off x="381000" y="1752600"/>
+          <a:ext cx="8458200" cy="2971800"/>
+        </p:xfrm>
+        <a:graphic>
+          <a:graphicData uri="http://schemas.openxmlformats.org/drawingml/2006/table">
+            <a:tbl>
+              <a:tblPr firstRow="1">
+                <a:tableStyleId>{3C2FFA5D-87B4-456A-9821-1D502468CF0F}</a:tableStyleId>
+              </a:tblPr>
+              <a:tblGrid>
+                <a:gridCol w="3090157"/>
+                <a:gridCol w="2525099"/>
+                <a:gridCol w="2842944"/>
+              </a:tblGrid>
+              <a:tr h="594360">
+                <a:tc gridSpan="3">
+                  <a:txBody>
+                    <a:bodyPr/>
+                    <a:lstStyle/>
+                    <a:p>
+                      <a:pPr algn="ctr" fontAlgn="b"/>
+                      <a:r>
+                        <a:rPr lang="en-US" sz="1800" b="1" u="none" strike="noStrike" dirty="0"/>
+                        <a:t>inspector feedback</a:t>
+                      </a:r>
+                      <a:endParaRPr lang="en-US" sz="1800" b="1" i="0" u="none" strike="noStrike" dirty="0">
+                        <a:solidFill>
+                          <a:srgbClr val="000000"/>
+                        </a:solidFill>
+                        <a:latin typeface="Calibri"/>
+                      </a:endParaRPr>
+                    </a:p>
+                  </a:txBody>
+                  <a:tcPr marL="9525" marR="9525" marT="9525" marB="0" anchor="b"/>
+                </a:tc>
+                <a:tc hMerge="1">
+                  <a:txBody>
+                    <a:bodyPr/>
+                    <a:lstStyle/>
+                    <a:p>
+                      <a:endParaRPr lang="en-US"/>
+                    </a:p>
+                  </a:txBody>
+                  <a:tcPr/>
+                </a:tc>
+                <a:tc hMerge="1">
+                  <a:txBody>
+                    <a:bodyPr/>
+                    <a:lstStyle/>
+                    <a:p>
+                      <a:endParaRPr lang="en-US"/>
+                    </a:p>
+                  </a:txBody>
+                  <a:tcPr/>
+                </a:tc>
+              </a:tr>
+              <a:tr h="594360">
+                <a:tc>
+                  <a:txBody>
+                    <a:bodyPr/>
+                    <a:lstStyle/>
+                    <a:p>
+                      <a:pPr algn="l" fontAlgn="b"/>
+                      <a:r>
+                        <a:rPr lang="en-US" sz="1800" b="1" u="none" strike="noStrike"/>
+                        <a:t>column name</a:t>
+                      </a:r>
+                      <a:endParaRPr lang="en-US" sz="1800" b="1" i="0" u="none" strike="noStrike">
+                        <a:solidFill>
+                          <a:srgbClr val="000000"/>
+                        </a:solidFill>
+                        <a:latin typeface="Calibri"/>
+                      </a:endParaRPr>
+                    </a:p>
+                  </a:txBody>
+                  <a:tcPr marL="9525" marR="9525" marT="9525" marB="0" anchor="b"/>
+                </a:tc>
+                <a:tc>
+                  <a:txBody>
+                    <a:bodyPr/>
+                    <a:lstStyle/>
+                    <a:p>
+                      <a:pPr algn="l" fontAlgn="b"/>
+                      <a:r>
+                        <a:rPr lang="en-US" sz="1800" b="1" u="none" strike="noStrike" dirty="0"/>
+                        <a:t>data type</a:t>
+                      </a:r>
+                      <a:endParaRPr lang="en-US" sz="1800" b="1" i="0" u="none" strike="noStrike" dirty="0">
+                        <a:solidFill>
+                          <a:srgbClr val="000000"/>
+                        </a:solidFill>
+                        <a:latin typeface="Calibri"/>
+                      </a:endParaRPr>
+                    </a:p>
+                  </a:txBody>
+                  <a:tcPr marL="9525" marR="9525" marT="9525" marB="0" anchor="b"/>
+                </a:tc>
+                <a:tc>
+                  <a:txBody>
+                    <a:bodyPr/>
+                    <a:lstStyle/>
+                    <a:p>
+                      <a:pPr algn="l" fontAlgn="b"/>
+                      <a:r>
+                        <a:rPr lang="en-US" sz="1800" b="1" u="none" strike="noStrike" dirty="0"/>
+                        <a:t>constraint</a:t>
+                      </a:r>
+                      <a:endParaRPr lang="en-US" sz="1800" b="1" i="0" u="none" strike="noStrike" dirty="0">
+                        <a:solidFill>
+                          <a:srgbClr val="000000"/>
+                        </a:solidFill>
+                        <a:latin typeface="Calibri"/>
+                      </a:endParaRPr>
+                    </a:p>
+                  </a:txBody>
+                  <a:tcPr marL="9525" marR="9525" marT="9525" marB="0" anchor="b"/>
+                </a:tc>
+              </a:tr>
+              <a:tr h="594360">
+                <a:tc>
+                  <a:txBody>
+                    <a:bodyPr/>
+                    <a:lstStyle/>
+                    <a:p>
+                      <a:pPr algn="l" fontAlgn="b"/>
+                      <a:r>
+                        <a:rPr lang="en-US" sz="1800" u="none" strike="noStrike" dirty="0" err="1"/>
+                        <a:t>inspector_id</a:t>
+                      </a:r>
+                      <a:endParaRPr lang="en-US" sz="1800" b="0" i="0" u="none" strike="noStrike" dirty="0">
+                        <a:solidFill>
+                          <a:srgbClr val="000000"/>
+                        </a:solidFill>
+                        <a:latin typeface="Calibri"/>
+                      </a:endParaRPr>
+                    </a:p>
+                  </a:txBody>
+                  <a:tcPr marL="9525" marR="9525" marT="9525" marB="0" anchor="b"/>
+                </a:tc>
+                <a:tc>
+                  <a:txBody>
+                    <a:bodyPr/>
+                    <a:lstStyle/>
+                    <a:p>
+                      <a:pPr algn="l" fontAlgn="b"/>
+                      <a:r>
+                        <a:rPr lang="en-US" sz="1800" u="none" strike="noStrike"/>
+                        <a:t>integer</a:t>
+                      </a:r>
+                      <a:endParaRPr lang="en-US" sz="1800" b="0" i="0" u="none" strike="noStrike">
+                        <a:solidFill>
+                          <a:srgbClr val="000000"/>
+                        </a:solidFill>
+                        <a:latin typeface="Calibri"/>
+                      </a:endParaRPr>
+                    </a:p>
+                  </a:txBody>
+                  <a:tcPr marL="9525" marR="9525" marT="9525" marB="0" anchor="b"/>
+                </a:tc>
+                <a:tc rowSpan="2">
+                  <a:txBody>
+                    <a:bodyPr/>
+                    <a:lstStyle/>
+                    <a:p>
+                      <a:pPr algn="ctr" fontAlgn="ctr"/>
+                      <a:r>
+                        <a:rPr lang="en-US" sz="1800" u="none" strike="noStrike"/>
+                        <a:t>composite key</a:t>
+                      </a:r>
+                      <a:endParaRPr lang="en-US" sz="1800" b="0" i="0" u="none" strike="noStrike">
+                        <a:solidFill>
+                          <a:srgbClr val="000000"/>
+                        </a:solidFill>
+                        <a:latin typeface="Calibri"/>
+                      </a:endParaRPr>
+                    </a:p>
+                  </a:txBody>
+                  <a:tcPr marL="9525" marR="9525" marT="9525" marB="0" anchor="ctr"/>
+                </a:tc>
+              </a:tr>
+              <a:tr h="594360">
+                <a:tc>
+                  <a:txBody>
+                    <a:bodyPr/>
+                    <a:lstStyle/>
+                    <a:p>
+                      <a:pPr algn="l" fontAlgn="b"/>
+                      <a:r>
+                        <a:rPr lang="en-US" sz="1800" u="none" strike="noStrike"/>
+                        <a:t>content id</a:t>
+                      </a:r>
+                      <a:endParaRPr lang="en-US" sz="1800" b="0" i="0" u="none" strike="noStrike">
+                        <a:solidFill>
+                          <a:srgbClr val="000000"/>
+                        </a:solidFill>
+                        <a:latin typeface="Calibri"/>
+                      </a:endParaRPr>
+                    </a:p>
+                  </a:txBody>
+                  <a:tcPr marL="9525" marR="9525" marT="9525" marB="0" anchor="b"/>
+                </a:tc>
+                <a:tc>
+                  <a:txBody>
+                    <a:bodyPr/>
+                    <a:lstStyle/>
+                    <a:p>
+                      <a:pPr algn="l" fontAlgn="b"/>
+                      <a:r>
+                        <a:rPr lang="en-US" sz="1800" u="none" strike="noStrike"/>
+                        <a:t>integer</a:t>
+                      </a:r>
+                      <a:endParaRPr lang="en-US" sz="1800" b="0" i="0" u="none" strike="noStrike">
+                        <a:solidFill>
+                          <a:srgbClr val="000000"/>
+                        </a:solidFill>
+                        <a:latin typeface="Calibri"/>
+                      </a:endParaRPr>
+                    </a:p>
+                  </a:txBody>
+                  <a:tcPr marL="9525" marR="9525" marT="9525" marB="0" anchor="b"/>
+                </a:tc>
+                <a:tc vMerge="1">
+                  <a:txBody>
+                    <a:bodyPr/>
+                    <a:lstStyle/>
+                    <a:p>
+                      <a:endParaRPr lang="en-US"/>
+                    </a:p>
+                  </a:txBody>
+                  <a:tcPr/>
+                </a:tc>
+              </a:tr>
+              <a:tr h="594360">
+                <a:tc>
+                  <a:txBody>
+                    <a:bodyPr/>
+                    <a:lstStyle/>
+                    <a:p>
+                      <a:pPr algn="l" fontAlgn="b"/>
+                      <a:r>
+                        <a:rPr lang="en-US" sz="1800" u="none" strike="noStrike"/>
+                        <a:t>feedback</a:t>
+                      </a:r>
+                      <a:endParaRPr lang="en-US" sz="1800" b="0" i="0" u="none" strike="noStrike">
+                        <a:solidFill>
+                          <a:srgbClr val="000000"/>
+                        </a:solidFill>
+                        <a:latin typeface="Calibri"/>
+                      </a:endParaRPr>
+                    </a:p>
+                  </a:txBody>
+                  <a:tcPr marL="9525" marR="9525" marT="9525" marB="0" anchor="b"/>
+                </a:tc>
+                <a:tc>
+                  <a:txBody>
+                    <a:bodyPr/>
+                    <a:lstStyle/>
+                    <a:p>
+                      <a:pPr algn="l" fontAlgn="b"/>
+                      <a:r>
+                        <a:rPr lang="en-US" sz="1800" u="none" strike="noStrike"/>
+                        <a:t>varchar(100)</a:t>
+                      </a:r>
+                      <a:endParaRPr lang="en-US" sz="1800" b="0" i="0" u="none" strike="noStrike">
+                        <a:solidFill>
+                          <a:srgbClr val="000000"/>
+                        </a:solidFill>
+                        <a:latin typeface="Calibri"/>
+                      </a:endParaRPr>
+                    </a:p>
+                  </a:txBody>
+                  <a:tcPr marL="9525" marR="9525" marT="9525" marB="0" anchor="b"/>
+                </a:tc>
+                <a:tc>
+                  <a:txBody>
+                    <a:bodyPr/>
+                    <a:lstStyle/>
+                    <a:p>
+                      <a:pPr algn="l" fontAlgn="b"/>
+                      <a:r>
+                        <a:rPr lang="en-US" sz="1800" u="none" strike="noStrike" dirty="0"/>
+                        <a:t> </a:t>
+                      </a:r>
+                      <a:endParaRPr lang="en-US" sz="1800" b="0" i="0" u="none" strike="noStrike" dirty="0">
+                        <a:solidFill>
+                          <a:srgbClr val="000000"/>
+                        </a:solidFill>
+                        <a:latin typeface="Calibri"/>
+                      </a:endParaRPr>
+                    </a:p>
+                  </a:txBody>
+                  <a:tcPr marL="9525" marR="9525" marT="9525" marB="0" anchor="b"/>
+                </a:tc>
+              </a:tr>
+            </a:tbl>
+          </a:graphicData>
+        </a:graphic>
+      </p:graphicFrame>
+    </p:spTree>
+  </p:cSld>
+  <p:clrMapOvr>
+    <a:masterClrMapping/>
+  </p:clrMapOvr>
+</p:sld>
+</file>
+
+<file path=ppt/slides/slide53.xml><?xml version="1.0" encoding="utf-8"?>
+<p:sld xmlns:a="http://schemas.openxmlformats.org/drawingml/2006/main" xmlns:r="http://schemas.openxmlformats.org/officeDocument/2006/relationships" xmlns:p="http://schemas.openxmlformats.org/presentationml/2006/main">
+  <p:cSld>
+    <p:spTree>
+      <p:nvGrpSpPr>
+        <p:cNvPr id="1" name=""/>
+        <p:cNvGrpSpPr/>
+        <p:nvPr/>
+      </p:nvGrpSpPr>
+      <p:grpSpPr>
+        <a:xfrm>
+          <a:off x="0" y="0"/>
+          <a:ext cx="0" cy="0"/>
+          <a:chOff x="0" y="0"/>
+          <a:chExt cx="0" cy="0"/>
+        </a:xfrm>
+      </p:grpSpPr>
+      <p:graphicFrame>
+        <p:nvGraphicFramePr>
+          <p:cNvPr id="2" name="Table 1"/>
+          <p:cNvGraphicFramePr>
+            <a:graphicFrameLocks noGrp="1"/>
+          </p:cNvGraphicFramePr>
+          <p:nvPr/>
+        </p:nvGraphicFramePr>
+        <p:xfrm>
+          <a:off x="228600" y="411480"/>
+          <a:ext cx="8763000" cy="2636520"/>
+        </p:xfrm>
+        <a:graphic>
+          <a:graphicData uri="http://schemas.openxmlformats.org/drawingml/2006/table">
+            <a:tbl>
+              <a:tblPr firstRow="1">
+                <a:tableStyleId>{3C2FFA5D-87B4-456A-9821-1D502468CF0F}</a:tableStyleId>
+              </a:tblPr>
+              <a:tblGrid>
+                <a:gridCol w="3230509"/>
+                <a:gridCol w="2437392"/>
+                <a:gridCol w="3095099"/>
+              </a:tblGrid>
+              <a:tr h="295275">
+                <a:tc gridSpan="3">
+                  <a:txBody>
+                    <a:bodyPr/>
+                    <a:lstStyle/>
+                    <a:p>
+                      <a:pPr algn="ctr" fontAlgn="b"/>
+                      <a:r>
+                        <a:rPr lang="en-US" sz="2100" b="1" u="none" strike="noStrike" dirty="0"/>
+                        <a:t>student log</a:t>
+                      </a:r>
+                      <a:endParaRPr lang="en-US" sz="2100" b="1" i="0" u="none" strike="noStrike" dirty="0">
+                        <a:solidFill>
+                          <a:srgbClr val="000000"/>
+                        </a:solidFill>
+                        <a:latin typeface="Calibri"/>
+                      </a:endParaRPr>
+                    </a:p>
+                  </a:txBody>
+                  <a:tcPr marL="9525" marR="9525" marT="9525" marB="0" anchor="b"/>
+                </a:tc>
+                <a:tc hMerge="1">
+                  <a:txBody>
+                    <a:bodyPr/>
+                    <a:lstStyle/>
+                    <a:p>
+                      <a:endParaRPr lang="en-US"/>
+                    </a:p>
+                  </a:txBody>
+                  <a:tcPr/>
+                </a:tc>
+                <a:tc hMerge="1">
+                  <a:txBody>
+                    <a:bodyPr/>
+                    <a:lstStyle/>
+                    <a:p>
+                      <a:endParaRPr lang="en-US"/>
+                    </a:p>
+                  </a:txBody>
+                  <a:tcPr/>
+                </a:tc>
+              </a:tr>
+              <a:tr h="295275">
+                <a:tc>
+                  <a:txBody>
+                    <a:bodyPr/>
+                    <a:lstStyle/>
+                    <a:p>
+                      <a:pPr algn="l" fontAlgn="b"/>
+                      <a:r>
+                        <a:rPr lang="en-US" sz="2100" b="1" u="none" strike="noStrike"/>
+                        <a:t>column name</a:t>
+                      </a:r>
+                      <a:endParaRPr lang="en-US" sz="2100" b="1" i="0" u="none" strike="noStrike">
+                        <a:solidFill>
+                          <a:srgbClr val="000000"/>
+                        </a:solidFill>
+                        <a:latin typeface="Calibri"/>
+                      </a:endParaRPr>
+                    </a:p>
+                  </a:txBody>
+                  <a:tcPr marL="9525" marR="9525" marT="9525" marB="0" anchor="b"/>
+                </a:tc>
+                <a:tc>
+                  <a:txBody>
+                    <a:bodyPr/>
+                    <a:lstStyle/>
+                    <a:p>
+                      <a:pPr algn="l" fontAlgn="b"/>
+                      <a:r>
+                        <a:rPr lang="en-US" sz="2100" b="1" u="none" strike="noStrike" dirty="0"/>
+                        <a:t>data type</a:t>
+                      </a:r>
+                      <a:endParaRPr lang="en-US" sz="2100" b="1" i="0" u="none" strike="noStrike" dirty="0">
+                        <a:solidFill>
+                          <a:srgbClr val="000000"/>
+                        </a:solidFill>
+                        <a:latin typeface="Calibri"/>
+                      </a:endParaRPr>
+                    </a:p>
+                  </a:txBody>
+                  <a:tcPr marL="9525" marR="9525" marT="9525" marB="0" anchor="b"/>
+                </a:tc>
+                <a:tc>
+                  <a:txBody>
+                    <a:bodyPr/>
+                    <a:lstStyle/>
+                    <a:p>
+                      <a:pPr algn="l" fontAlgn="b"/>
+                      <a:r>
+                        <a:rPr lang="en-US" sz="2100" b="1" u="none" strike="noStrike" dirty="0"/>
+                        <a:t>constraint</a:t>
+                      </a:r>
+                      <a:endParaRPr lang="en-US" sz="2100" b="1" i="0" u="none" strike="noStrike" dirty="0">
+                        <a:solidFill>
+                          <a:srgbClr val="000000"/>
+                        </a:solidFill>
+                        <a:latin typeface="Calibri"/>
+                      </a:endParaRPr>
+                    </a:p>
+                  </a:txBody>
+                  <a:tcPr marL="9525" marR="9525" marT="9525" marB="0" anchor="b"/>
+                </a:tc>
+              </a:tr>
+              <a:tr h="295275">
+                <a:tc>
+                  <a:txBody>
+                    <a:bodyPr/>
+                    <a:lstStyle/>
+                    <a:p>
+                      <a:pPr algn="l" fontAlgn="b"/>
+                      <a:r>
+                        <a:rPr lang="en-US" sz="2100" u="none" strike="noStrike"/>
+                        <a:t>student_id</a:t>
+                      </a:r>
+                      <a:endParaRPr lang="en-US" sz="2100" b="0" i="0" u="none" strike="noStrike">
+                        <a:solidFill>
+                          <a:srgbClr val="000000"/>
+                        </a:solidFill>
+                        <a:latin typeface="Calibri"/>
+                      </a:endParaRPr>
+                    </a:p>
+                  </a:txBody>
+                  <a:tcPr marL="9525" marR="9525" marT="9525" marB="0" anchor="b"/>
+                </a:tc>
+                <a:tc>
+                  <a:txBody>
+                    <a:bodyPr/>
+                    <a:lstStyle/>
+                    <a:p>
+                      <a:pPr algn="l" fontAlgn="b"/>
+                      <a:r>
+                        <a:rPr lang="en-US" sz="2100" u="none" strike="noStrike"/>
+                        <a:t>integer</a:t>
+                      </a:r>
+                      <a:endParaRPr lang="en-US" sz="2100" b="0" i="0" u="none" strike="noStrike">
+                        <a:solidFill>
+                          <a:srgbClr val="000000"/>
+                        </a:solidFill>
+                        <a:latin typeface="Calibri"/>
+                      </a:endParaRPr>
+                    </a:p>
+                  </a:txBody>
+                  <a:tcPr marL="9525" marR="9525" marT="9525" marB="0" anchor="b"/>
+                </a:tc>
+                <a:tc rowSpan="2">
+                  <a:txBody>
+                    <a:bodyPr/>
+                    <a:lstStyle/>
+                    <a:p>
+                      <a:pPr algn="ctr" fontAlgn="ctr"/>
+                      <a:r>
+                        <a:rPr lang="en-US" sz="2100" u="none" strike="noStrike" dirty="0"/>
+                        <a:t>composite key</a:t>
+                      </a:r>
+                      <a:endParaRPr lang="en-US" sz="2100" b="0" i="0" u="none" strike="noStrike" dirty="0">
+                        <a:solidFill>
+                          <a:srgbClr val="000000"/>
+                        </a:solidFill>
+                        <a:latin typeface="Calibri"/>
+                      </a:endParaRPr>
+                    </a:p>
+                  </a:txBody>
+                  <a:tcPr marL="9525" marR="9525" marT="9525" marB="0" anchor="ctr"/>
+                </a:tc>
+              </a:tr>
+              <a:tr h="295275">
+                <a:tc>
+                  <a:txBody>
+                    <a:bodyPr/>
+                    <a:lstStyle/>
+                    <a:p>
+                      <a:pPr algn="l" fontAlgn="b"/>
+                      <a:r>
+                        <a:rPr lang="en-US" sz="2100" u="none" strike="noStrike"/>
+                        <a:t>content_id</a:t>
+                      </a:r>
+                      <a:endParaRPr lang="en-US" sz="2100" b="0" i="0" u="none" strike="noStrike">
+                        <a:solidFill>
+                          <a:srgbClr val="000000"/>
+                        </a:solidFill>
+                        <a:latin typeface="Calibri"/>
+                      </a:endParaRPr>
+                    </a:p>
+                  </a:txBody>
+                  <a:tcPr marL="9525" marR="9525" marT="9525" marB="0" anchor="b"/>
+                </a:tc>
+                <a:tc>
+                  <a:txBody>
+                    <a:bodyPr/>
+                    <a:lstStyle/>
+                    <a:p>
+                      <a:pPr algn="l" fontAlgn="b"/>
+                      <a:r>
+                        <a:rPr lang="en-US" sz="2100" u="none" strike="noStrike"/>
+                        <a:t>integer</a:t>
+                      </a:r>
+                      <a:endParaRPr lang="en-US" sz="2100" b="0" i="0" u="none" strike="noStrike">
+                        <a:solidFill>
+                          <a:srgbClr val="000000"/>
+                        </a:solidFill>
+                        <a:latin typeface="Calibri"/>
+                      </a:endParaRPr>
+                    </a:p>
+                  </a:txBody>
+                  <a:tcPr marL="9525" marR="9525" marT="9525" marB="0" anchor="b"/>
+                </a:tc>
+                <a:tc vMerge="1">
+                  <a:txBody>
+                    <a:bodyPr/>
+                    <a:lstStyle/>
+                    <a:p>
+                      <a:endParaRPr lang="en-US"/>
+                    </a:p>
+                  </a:txBody>
+                  <a:tcPr/>
+                </a:tc>
+              </a:tr>
+              <a:tr h="295275">
+                <a:tc>
+                  <a:txBody>
+                    <a:bodyPr/>
+                    <a:lstStyle/>
+                    <a:p>
+                      <a:pPr algn="l" fontAlgn="b"/>
+                      <a:r>
+                        <a:rPr lang="en-US" sz="2100" u="none" strike="noStrike"/>
+                        <a:t>paused time</a:t>
+                      </a:r>
+                      <a:endParaRPr lang="en-US" sz="2100" b="0" i="0" u="none" strike="noStrike">
+                        <a:solidFill>
+                          <a:srgbClr val="000000"/>
+                        </a:solidFill>
+                        <a:latin typeface="Calibri"/>
+                      </a:endParaRPr>
+                    </a:p>
+                  </a:txBody>
+                  <a:tcPr marL="9525" marR="9525" marT="9525" marB="0" anchor="b"/>
+                </a:tc>
+                <a:tc>
+                  <a:txBody>
+                    <a:bodyPr/>
+                    <a:lstStyle/>
+                    <a:p>
+                      <a:pPr algn="l" fontAlgn="b"/>
+                      <a:r>
+                        <a:rPr lang="en-US" sz="2100" u="none" strike="noStrike"/>
+                        <a:t>time</a:t>
+                      </a:r>
+                      <a:endParaRPr lang="en-US" sz="2100" b="0" i="0" u="none" strike="noStrike">
+                        <a:solidFill>
+                          <a:srgbClr val="000000"/>
+                        </a:solidFill>
+                        <a:latin typeface="Calibri"/>
+                      </a:endParaRPr>
+                    </a:p>
+                  </a:txBody>
+                  <a:tcPr marL="9525" marR="9525" marT="9525" marB="0" anchor="b"/>
+                </a:tc>
+                <a:tc>
+                  <a:txBody>
+                    <a:bodyPr/>
+                    <a:lstStyle/>
+                    <a:p>
+                      <a:pPr algn="l" fontAlgn="b"/>
+                      <a:r>
+                        <a:rPr lang="en-US" sz="2100" u="none" strike="noStrike"/>
+                        <a:t> </a:t>
+                      </a:r>
+                      <a:endParaRPr lang="en-US" sz="2100" b="0" i="0" u="none" strike="noStrike">
+                        <a:solidFill>
+                          <a:srgbClr val="000000"/>
+                        </a:solidFill>
+                        <a:latin typeface="Calibri"/>
+                      </a:endParaRPr>
+                    </a:p>
+                  </a:txBody>
+                  <a:tcPr marL="9525" marR="9525" marT="9525" marB="0" anchor="b"/>
+                </a:tc>
+              </a:tr>
+              <a:tr h="295275">
+                <a:tc>
+                  <a:txBody>
+                    <a:bodyPr/>
+                    <a:lstStyle/>
+                    <a:p>
+                      <a:pPr algn="l" fontAlgn="b"/>
+                      <a:r>
+                        <a:rPr lang="en-US" sz="2100" u="none" strike="noStrike" dirty="0"/>
+                        <a:t>rating</a:t>
+                      </a:r>
+                      <a:endParaRPr lang="en-US" sz="2100" b="0" i="0" u="none" strike="noStrike" dirty="0">
+                        <a:solidFill>
+                          <a:srgbClr val="000000"/>
+                        </a:solidFill>
+                        <a:latin typeface="Calibri"/>
+                      </a:endParaRPr>
+                    </a:p>
+                  </a:txBody>
+                  <a:tcPr marL="9525" marR="9525" marT="9525" marB="0" anchor="b"/>
+                </a:tc>
+                <a:tc>
+                  <a:txBody>
+                    <a:bodyPr/>
+                    <a:lstStyle/>
+                    <a:p>
+                      <a:pPr algn="l" fontAlgn="b"/>
+                      <a:r>
+                        <a:rPr lang="en-US" sz="2100" u="none" strike="noStrike" dirty="0"/>
+                        <a:t>integer</a:t>
+                      </a:r>
+                      <a:endParaRPr lang="en-US" sz="2100" b="0" i="0" u="none" strike="noStrike" dirty="0">
+                        <a:solidFill>
+                          <a:srgbClr val="000000"/>
+                        </a:solidFill>
+                        <a:latin typeface="Calibri"/>
+                      </a:endParaRPr>
+                    </a:p>
+                  </a:txBody>
+                  <a:tcPr marL="9525" marR="9525" marT="9525" marB="0" anchor="b"/>
+                </a:tc>
+                <a:tc>
+                  <a:txBody>
+                    <a:bodyPr/>
+                    <a:lstStyle/>
+                    <a:p>
+                      <a:pPr algn="l" fontAlgn="b"/>
+                      <a:r>
+                        <a:rPr lang="en-US" sz="2100" u="none" strike="noStrike"/>
+                        <a:t> </a:t>
+                      </a:r>
+                      <a:endParaRPr lang="en-US" sz="2100" b="0" i="0" u="none" strike="noStrike">
+                        <a:solidFill>
+                          <a:srgbClr val="000000"/>
+                        </a:solidFill>
+                        <a:latin typeface="Calibri"/>
+                      </a:endParaRPr>
+                    </a:p>
+                  </a:txBody>
+                  <a:tcPr marL="9525" marR="9525" marT="9525" marB="0" anchor="b"/>
+                </a:tc>
+              </a:tr>
+              <a:tr h="295275">
+                <a:tc>
+                  <a:txBody>
+                    <a:bodyPr/>
+                    <a:lstStyle/>
+                    <a:p>
+                      <a:pPr algn="l" fontAlgn="b"/>
+                      <a:r>
+                        <a:rPr lang="en-US" sz="2100" u="none" strike="noStrike"/>
+                        <a:t>date(paid for course on)</a:t>
+                      </a:r>
+                      <a:endParaRPr lang="en-US" sz="2100" b="0" i="0" u="none" strike="noStrike">
+                        <a:solidFill>
+                          <a:srgbClr val="000000"/>
+                        </a:solidFill>
+                        <a:latin typeface="Calibri"/>
+                      </a:endParaRPr>
+                    </a:p>
+                  </a:txBody>
+                  <a:tcPr marL="9525" marR="9525" marT="9525" marB="0" anchor="b"/>
+                </a:tc>
+                <a:tc>
+                  <a:txBody>
+                    <a:bodyPr/>
+                    <a:lstStyle/>
+                    <a:p>
+                      <a:pPr algn="l" fontAlgn="b"/>
+                      <a:r>
+                        <a:rPr lang="en-US" sz="2100" u="none" strike="noStrike"/>
+                        <a:t>date</a:t>
+                      </a:r>
+                      <a:endParaRPr lang="en-US" sz="2100" b="0" i="0" u="none" strike="noStrike">
+                        <a:solidFill>
+                          <a:srgbClr val="000000"/>
+                        </a:solidFill>
+                        <a:latin typeface="Calibri"/>
+                      </a:endParaRPr>
+                    </a:p>
+                  </a:txBody>
+                  <a:tcPr marL="9525" marR="9525" marT="9525" marB="0" anchor="b"/>
+                </a:tc>
+                <a:tc>
+                  <a:txBody>
+                    <a:bodyPr/>
+                    <a:lstStyle/>
+                    <a:p>
+                      <a:pPr algn="l" fontAlgn="b"/>
+                      <a:r>
+                        <a:rPr lang="en-US" sz="2100" u="none" strike="noStrike"/>
+                        <a:t> </a:t>
+                      </a:r>
+                      <a:endParaRPr lang="en-US" sz="2100" b="0" i="0" u="none" strike="noStrike">
+                        <a:solidFill>
+                          <a:srgbClr val="000000"/>
+                        </a:solidFill>
+                        <a:latin typeface="Calibri"/>
+                      </a:endParaRPr>
+                    </a:p>
+                  </a:txBody>
+                  <a:tcPr marL="9525" marR="9525" marT="9525" marB="0" anchor="b"/>
+                </a:tc>
+              </a:tr>
+              <a:tr h="295275">
+                <a:tc>
+                  <a:txBody>
+                    <a:bodyPr/>
+                    <a:lstStyle/>
+                    <a:p>
+                      <a:pPr algn="l" fontAlgn="b"/>
+                      <a:r>
+                        <a:rPr lang="en-US" sz="2100" u="none" strike="noStrike"/>
+                        <a:t>watch time</a:t>
+                      </a:r>
+                      <a:endParaRPr lang="en-US" sz="2100" b="0" i="0" u="none" strike="noStrike">
+                        <a:solidFill>
+                          <a:srgbClr val="000000"/>
+                        </a:solidFill>
+                        <a:latin typeface="Calibri"/>
+                      </a:endParaRPr>
+                    </a:p>
+                  </a:txBody>
+                  <a:tcPr marL="9525" marR="9525" marT="9525" marB="0" anchor="b"/>
+                </a:tc>
+                <a:tc>
+                  <a:txBody>
+                    <a:bodyPr/>
+                    <a:lstStyle/>
+                    <a:p>
+                      <a:pPr algn="l" fontAlgn="b"/>
+                      <a:r>
+                        <a:rPr lang="en-US" sz="2100" u="none" strike="noStrike"/>
+                        <a:t>time</a:t>
+                      </a:r>
+                      <a:endParaRPr lang="en-US" sz="2100" b="0" i="0" u="none" strike="noStrike">
+                        <a:solidFill>
+                          <a:srgbClr val="000000"/>
+                        </a:solidFill>
+                        <a:latin typeface="Calibri"/>
+                      </a:endParaRPr>
+                    </a:p>
+                  </a:txBody>
+                  <a:tcPr marL="9525" marR="9525" marT="9525" marB="0" anchor="b"/>
+                </a:tc>
+                <a:tc>
+                  <a:txBody>
+                    <a:bodyPr/>
+                    <a:lstStyle/>
+                    <a:p>
+                      <a:pPr algn="l" fontAlgn="b"/>
+                      <a:r>
+                        <a:rPr lang="en-US" sz="2100" u="none" strike="noStrike" dirty="0"/>
+                        <a:t> </a:t>
+                      </a:r>
+                      <a:endParaRPr lang="en-US" sz="2100" b="0" i="0" u="none" strike="noStrike" dirty="0">
+                        <a:solidFill>
+                          <a:srgbClr val="000000"/>
+                        </a:solidFill>
+                        <a:latin typeface="Calibri"/>
+                      </a:endParaRPr>
+                    </a:p>
+                  </a:txBody>
+                  <a:tcPr marL="9525" marR="9525" marT="9525" marB="0" anchor="b"/>
+                </a:tc>
+              </a:tr>
+            </a:tbl>
+          </a:graphicData>
+        </a:graphic>
+      </p:graphicFrame>
+      <p:graphicFrame>
+        <p:nvGraphicFramePr>
+          <p:cNvPr id="3" name="Table 2"/>
+          <p:cNvGraphicFramePr>
+            <a:graphicFrameLocks noGrp="1"/>
+          </p:cNvGraphicFramePr>
+          <p:nvPr/>
+        </p:nvGraphicFramePr>
+        <p:xfrm>
+          <a:off x="228600" y="3657600"/>
+          <a:ext cx="8686799" cy="2362200"/>
+        </p:xfrm>
+        <a:graphic>
+          <a:graphicData uri="http://schemas.openxmlformats.org/drawingml/2006/table">
+            <a:tbl>
+              <a:tblPr firstRow="1">
+                <a:tableStyleId>{3C2FFA5D-87B4-456A-9821-1D502468CF0F}</a:tableStyleId>
+              </a:tblPr>
+              <a:tblGrid>
+                <a:gridCol w="3202418"/>
+                <a:gridCol w="2416196"/>
+                <a:gridCol w="3068185"/>
+              </a:tblGrid>
+              <a:tr h="472440">
+                <a:tc gridSpan="3">
+                  <a:txBody>
+                    <a:bodyPr/>
+                    <a:lstStyle/>
+                    <a:p>
+                      <a:pPr algn="ctr" fontAlgn="b"/>
+                      <a:r>
+                        <a:rPr lang="en-US" sz="2100" b="1" u="none" strike="noStrike" dirty="0"/>
+                        <a:t>request</a:t>
+                      </a:r>
+                      <a:endParaRPr lang="en-US" sz="2100" b="1" i="0" u="none" strike="noStrike" dirty="0">
+                        <a:solidFill>
+                          <a:srgbClr val="000000"/>
+                        </a:solidFill>
+                        <a:latin typeface="Calibri"/>
+                      </a:endParaRPr>
+                    </a:p>
+                  </a:txBody>
+                  <a:tcPr marL="9525" marR="9525" marT="9525" marB="0" anchor="b"/>
+                </a:tc>
+                <a:tc hMerge="1">
+                  <a:txBody>
+                    <a:bodyPr/>
+                    <a:lstStyle/>
+                    <a:p>
+                      <a:endParaRPr lang="en-US"/>
+                    </a:p>
+                  </a:txBody>
+                  <a:tcPr/>
+                </a:tc>
+                <a:tc hMerge="1">
+                  <a:txBody>
+                    <a:bodyPr/>
+                    <a:lstStyle/>
+                    <a:p>
+                      <a:endParaRPr lang="en-US"/>
+                    </a:p>
+                  </a:txBody>
+                  <a:tcPr/>
+                </a:tc>
+              </a:tr>
+              <a:tr h="472440">
+                <a:tc>
+                  <a:txBody>
+                    <a:bodyPr/>
+                    <a:lstStyle/>
+                    <a:p>
+                      <a:pPr algn="l" fontAlgn="b"/>
+                      <a:r>
+                        <a:rPr lang="en-US" sz="2100" b="1" u="none" strike="noStrike" dirty="0"/>
+                        <a:t>column name</a:t>
+                      </a:r>
+                      <a:endParaRPr lang="en-US" sz="2100" b="1" i="0" u="none" strike="noStrike" dirty="0">
+                        <a:solidFill>
+                          <a:srgbClr val="000000"/>
+                        </a:solidFill>
+                        <a:latin typeface="Calibri"/>
+                      </a:endParaRPr>
+                    </a:p>
+                  </a:txBody>
+                  <a:tcPr marL="9525" marR="9525" marT="9525" marB="0" anchor="b"/>
+                </a:tc>
+                <a:tc>
+                  <a:txBody>
+                    <a:bodyPr/>
+                    <a:lstStyle/>
+                    <a:p>
+                      <a:pPr algn="l" fontAlgn="b"/>
+                      <a:r>
+                        <a:rPr lang="en-US" sz="2100" b="1" u="none" strike="noStrike"/>
+                        <a:t>data type</a:t>
+                      </a:r>
+                      <a:endParaRPr lang="en-US" sz="2100" b="1" i="0" u="none" strike="noStrike">
+                        <a:solidFill>
+                          <a:srgbClr val="000000"/>
+                        </a:solidFill>
+                        <a:latin typeface="Calibri"/>
+                      </a:endParaRPr>
+                    </a:p>
+                  </a:txBody>
+                  <a:tcPr marL="9525" marR="9525" marT="9525" marB="0" anchor="b"/>
+                </a:tc>
+                <a:tc>
+                  <a:txBody>
+                    <a:bodyPr/>
+                    <a:lstStyle/>
+                    <a:p>
+                      <a:pPr algn="l" fontAlgn="b"/>
+                      <a:r>
+                        <a:rPr lang="en-US" sz="2100" b="1" u="none" strike="noStrike" dirty="0"/>
+                        <a:t>constraint</a:t>
+                      </a:r>
+                      <a:endParaRPr lang="en-US" sz="2100" b="1" i="0" u="none" strike="noStrike" dirty="0">
+                        <a:solidFill>
+                          <a:srgbClr val="000000"/>
+                        </a:solidFill>
+                        <a:latin typeface="Calibri"/>
+                      </a:endParaRPr>
+                    </a:p>
+                  </a:txBody>
+                  <a:tcPr marL="9525" marR="9525" marT="9525" marB="0" anchor="b"/>
+                </a:tc>
+              </a:tr>
+              <a:tr h="472440">
+                <a:tc>
+                  <a:txBody>
+                    <a:bodyPr/>
+                    <a:lstStyle/>
+                    <a:p>
+                      <a:pPr algn="l" fontAlgn="b"/>
+                      <a:r>
+                        <a:rPr lang="en-US" sz="2100" u="none" strike="noStrike" dirty="0" err="1"/>
+                        <a:t>student_id</a:t>
+                      </a:r>
+                      <a:endParaRPr lang="en-US" sz="2100" b="0" i="0" u="none" strike="noStrike" dirty="0">
+                        <a:solidFill>
+                          <a:srgbClr val="000000"/>
+                        </a:solidFill>
+                        <a:latin typeface="Calibri"/>
+                      </a:endParaRPr>
+                    </a:p>
+                  </a:txBody>
+                  <a:tcPr marL="9525" marR="9525" marT="9525" marB="0" anchor="b"/>
+                </a:tc>
+                <a:tc>
+                  <a:txBody>
+                    <a:bodyPr/>
+                    <a:lstStyle/>
+                    <a:p>
+                      <a:pPr algn="l" fontAlgn="b"/>
+                      <a:r>
+                        <a:rPr lang="en-US" sz="2100" u="none" strike="noStrike" dirty="0"/>
+                        <a:t>integer</a:t>
+                      </a:r>
+                      <a:endParaRPr lang="en-US" sz="2100" b="0" i="0" u="none" strike="noStrike" dirty="0">
+                        <a:solidFill>
+                          <a:srgbClr val="000000"/>
+                        </a:solidFill>
+                        <a:latin typeface="Calibri"/>
+                      </a:endParaRPr>
+                    </a:p>
+                  </a:txBody>
+                  <a:tcPr marL="9525" marR="9525" marT="9525" marB="0" anchor="b"/>
+                </a:tc>
+                <a:tc>
+                  <a:txBody>
+                    <a:bodyPr/>
+                    <a:lstStyle/>
+                    <a:p>
+                      <a:pPr algn="l" fontAlgn="b"/>
+                      <a:r>
+                        <a:rPr lang="en-US" sz="2100" u="none" strike="noStrike"/>
+                        <a:t>primary key</a:t>
+                      </a:r>
+                      <a:endParaRPr lang="en-US" sz="2100" b="0" i="0" u="none" strike="noStrike">
+                        <a:solidFill>
+                          <a:srgbClr val="000000"/>
+                        </a:solidFill>
+                        <a:latin typeface="Calibri"/>
+                      </a:endParaRPr>
+                    </a:p>
+                  </a:txBody>
+                  <a:tcPr marL="9525" marR="9525" marT="9525" marB="0" anchor="b"/>
+                </a:tc>
+              </a:tr>
+              <a:tr h="472440">
+                <a:tc>
+                  <a:txBody>
+                    <a:bodyPr/>
+                    <a:lstStyle/>
+                    <a:p>
+                      <a:pPr algn="l" fontAlgn="b"/>
+                      <a:r>
+                        <a:rPr lang="en-US" sz="2100" u="none" strike="noStrike"/>
+                        <a:t>requests</a:t>
+                      </a:r>
+                      <a:endParaRPr lang="en-US" sz="2100" b="0" i="0" u="none" strike="noStrike">
+                        <a:solidFill>
+                          <a:srgbClr val="000000"/>
+                        </a:solidFill>
+                        <a:latin typeface="Calibri"/>
+                      </a:endParaRPr>
+                    </a:p>
+                  </a:txBody>
+                  <a:tcPr marL="9525" marR="9525" marT="9525" marB="0" anchor="b"/>
+                </a:tc>
+                <a:tc>
+                  <a:txBody>
+                    <a:bodyPr/>
+                    <a:lstStyle/>
+                    <a:p>
+                      <a:pPr algn="l" fontAlgn="b"/>
+                      <a:r>
+                        <a:rPr lang="en-US" sz="2100" u="none" strike="noStrike" dirty="0" err="1"/>
+                        <a:t>varchar</a:t>
+                      </a:r>
+                      <a:r>
+                        <a:rPr lang="en-US" sz="2100" u="none" strike="noStrike" dirty="0"/>
+                        <a:t>(100)</a:t>
+                      </a:r>
+                      <a:endParaRPr lang="en-US" sz="2100" b="0" i="0" u="none" strike="noStrike" dirty="0">
+                        <a:solidFill>
+                          <a:srgbClr val="000000"/>
+                        </a:solidFill>
+                        <a:latin typeface="Calibri"/>
+                      </a:endParaRPr>
+                    </a:p>
+                  </a:txBody>
+                  <a:tcPr marL="9525" marR="9525" marT="9525" marB="0" anchor="b"/>
+                </a:tc>
+                <a:tc>
+                  <a:txBody>
+                    <a:bodyPr/>
+                    <a:lstStyle/>
+                    <a:p>
+                      <a:pPr algn="l" fontAlgn="b"/>
+                      <a:r>
+                        <a:rPr lang="en-US" sz="2100" u="none" strike="noStrike" dirty="0"/>
+                        <a:t> </a:t>
+                      </a:r>
+                      <a:endParaRPr lang="en-US" sz="2100" b="0" i="0" u="none" strike="noStrike" dirty="0">
+                        <a:solidFill>
+                          <a:srgbClr val="000000"/>
+                        </a:solidFill>
+                        <a:latin typeface="Calibri"/>
+                      </a:endParaRPr>
+                    </a:p>
+                  </a:txBody>
+                  <a:tcPr marL="9525" marR="9525" marT="9525" marB="0" anchor="b"/>
+                </a:tc>
+              </a:tr>
+              <a:tr h="472440">
+                <a:tc>
+                  <a:txBody>
+                    <a:bodyPr/>
+                    <a:lstStyle/>
+                    <a:p>
+                      <a:pPr algn="l" fontAlgn="b"/>
+                      <a:r>
+                        <a:rPr lang="en-US" sz="2100" u="none" strike="noStrike"/>
+                        <a:t>date</a:t>
+                      </a:r>
+                      <a:endParaRPr lang="en-US" sz="2100" b="0" i="0" u="none" strike="noStrike">
+                        <a:solidFill>
+                          <a:srgbClr val="000000"/>
+                        </a:solidFill>
+                        <a:latin typeface="Calibri"/>
+                      </a:endParaRPr>
+                    </a:p>
+                  </a:txBody>
+                  <a:tcPr marL="9525" marR="9525" marT="9525" marB="0" anchor="b"/>
+                </a:tc>
+                <a:tc>
+                  <a:txBody>
+                    <a:bodyPr/>
+                    <a:lstStyle/>
+                    <a:p>
+                      <a:pPr algn="l" fontAlgn="b"/>
+                      <a:r>
+                        <a:rPr lang="en-US" sz="2100" u="none" strike="noStrike" dirty="0"/>
+                        <a:t>integer</a:t>
+                      </a:r>
+                      <a:endParaRPr lang="en-US" sz="2100" b="0" i="0" u="none" strike="noStrike" dirty="0">
+                        <a:solidFill>
+                          <a:srgbClr val="000000"/>
+                        </a:solidFill>
+                        <a:latin typeface="Calibri"/>
+                      </a:endParaRPr>
+                    </a:p>
+                  </a:txBody>
+                  <a:tcPr marL="9525" marR="9525" marT="9525" marB="0" anchor="b"/>
+                </a:tc>
+                <a:tc>
+                  <a:txBody>
+                    <a:bodyPr/>
+                    <a:lstStyle/>
+                    <a:p>
+                      <a:pPr algn="l" fontAlgn="b"/>
+                      <a:r>
+                        <a:rPr lang="en-US" sz="2100" u="none" strike="noStrike" dirty="0"/>
+                        <a:t> </a:t>
+                      </a:r>
+                      <a:endParaRPr lang="en-US" sz="2100" b="0" i="0" u="none" strike="noStrike" dirty="0">
+                        <a:solidFill>
+                          <a:srgbClr val="000000"/>
+                        </a:solidFill>
+                        <a:latin typeface="Calibri"/>
+                      </a:endParaRPr>
+                    </a:p>
+                  </a:txBody>
+                  <a:tcPr marL="9525" marR="9525" marT="9525" marB="0" anchor="b"/>
+                </a:tc>
+              </a:tr>
+            </a:tbl>
+          </a:graphicData>
+        </a:graphic>
+      </p:graphicFrame>
+    </p:spTree>
+  </p:cSld>
+  <p:clrMapOvr>
+    <a:masterClrMapping/>
+  </p:clrMapOvr>
+</p:sld>
+</file>
+
+<file path=ppt/slides/slide54.xml><?xml version="1.0" encoding="utf-8"?>
+<p:sld xmlns:a="http://schemas.openxmlformats.org/drawingml/2006/main" xmlns:r="http://schemas.openxmlformats.org/officeDocument/2006/relationships" xmlns:p="http://schemas.openxmlformats.org/presentationml/2006/main">
+  <p:cSld>
+    <p:spTree>
+      <p:nvGrpSpPr>
+        <p:cNvPr id="1" name=""/>
+        <p:cNvGrpSpPr/>
+        <p:nvPr/>
+      </p:nvGrpSpPr>
+      <p:grpSpPr>
+        <a:xfrm>
+          <a:off x="0" y="0"/>
+          <a:ext cx="0" cy="0"/>
+          <a:chOff x="0" y="0"/>
+          <a:chExt cx="0" cy="0"/>
+        </a:xfrm>
+      </p:grpSpPr>
+      <p:graphicFrame>
+        <p:nvGraphicFramePr>
+          <p:cNvPr id="2" name="Table 1"/>
+          <p:cNvGraphicFramePr>
+            <a:graphicFrameLocks noGrp="1"/>
+          </p:cNvGraphicFramePr>
+          <p:nvPr/>
+        </p:nvGraphicFramePr>
+        <p:xfrm>
+          <a:off x="304800" y="1371600"/>
+          <a:ext cx="8534399" cy="3990108"/>
+        </p:xfrm>
+        <a:graphic>
+          <a:graphicData uri="http://schemas.openxmlformats.org/drawingml/2006/table">
+            <a:tbl>
+              <a:tblPr firstRow="1">
+                <a:tableStyleId>{3C2FFA5D-87B4-456A-9821-1D502468CF0F}</a:tableStyleId>
+              </a:tblPr>
+              <a:tblGrid>
+                <a:gridCol w="2844800"/>
+                <a:gridCol w="2844799"/>
+                <a:gridCol w="2844800"/>
+              </a:tblGrid>
+              <a:tr h="332509">
+                <a:tc gridSpan="3">
+                  <a:txBody>
+                    <a:bodyPr/>
+                    <a:lstStyle/>
+                    <a:p>
+                      <a:pPr algn="ctr" fontAlgn="b"/>
+                      <a:r>
+                        <a:rPr lang="en-US" sz="2100" b="1" u="none" strike="noStrike" dirty="0">
+                          <a:latin typeface="+mn-lt"/>
+                        </a:rPr>
+                        <a:t>tests</a:t>
+                      </a:r>
+                      <a:endParaRPr lang="en-US" sz="2100" b="1" i="0" u="none" strike="noStrike" dirty="0">
+                        <a:solidFill>
+                          <a:srgbClr val="000000"/>
+                        </a:solidFill>
+                        <a:latin typeface="+mn-lt"/>
+                      </a:endParaRPr>
+                    </a:p>
+                  </a:txBody>
+                  <a:tcPr marL="9525" marR="9525" marT="9525" marB="0" anchor="b"/>
+                </a:tc>
+                <a:tc hMerge="1">
+                  <a:txBody>
+                    <a:bodyPr/>
+                    <a:lstStyle/>
+                    <a:p>
+                      <a:endParaRPr lang="en-US"/>
+                    </a:p>
+                  </a:txBody>
+                  <a:tcPr/>
+                </a:tc>
+                <a:tc hMerge="1">
+                  <a:txBody>
+                    <a:bodyPr/>
+                    <a:lstStyle/>
+                    <a:p>
+                      <a:endParaRPr lang="en-US"/>
+                    </a:p>
+                  </a:txBody>
+                  <a:tcPr/>
+                </a:tc>
+              </a:tr>
+              <a:tr h="332509">
+                <a:tc>
+                  <a:txBody>
+                    <a:bodyPr/>
+                    <a:lstStyle/>
+                    <a:p>
+                      <a:pPr algn="ctr" fontAlgn="b"/>
+                      <a:r>
+                        <a:rPr lang="en-US" sz="2100" b="1" i="0" u="none" strike="noStrike" dirty="0" smtClean="0">
+                          <a:solidFill>
+                            <a:srgbClr val="000000"/>
+                          </a:solidFill>
+                          <a:latin typeface="+mn-lt"/>
+                        </a:rPr>
+                        <a:t>column name</a:t>
+                      </a:r>
+                      <a:endParaRPr lang="en-US" sz="2100" b="1" i="0" u="none" strike="noStrike" dirty="0">
+                        <a:solidFill>
+                          <a:srgbClr val="000000"/>
+                        </a:solidFill>
+                        <a:latin typeface="+mn-lt"/>
+                      </a:endParaRPr>
+                    </a:p>
+                  </a:txBody>
+                  <a:tcPr marL="9525" marR="9525" marT="9525" marB="0" anchor="b"/>
+                </a:tc>
+                <a:tc>
+                  <a:txBody>
+                    <a:bodyPr/>
+                    <a:lstStyle/>
+                    <a:p>
+                      <a:pPr algn="ctr" fontAlgn="b"/>
+                      <a:r>
+                        <a:rPr lang="en-US" sz="2100" b="1" i="0" u="none" strike="noStrike" dirty="0" smtClean="0">
+                          <a:solidFill>
+                            <a:srgbClr val="000000"/>
+                          </a:solidFill>
+                          <a:latin typeface="+mn-lt"/>
+                        </a:rPr>
+                        <a:t>data type</a:t>
+                      </a:r>
+                      <a:endParaRPr lang="en-US" sz="2100" b="1" i="0" u="none" strike="noStrike" dirty="0">
+                        <a:solidFill>
+                          <a:srgbClr val="000000"/>
+                        </a:solidFill>
+                        <a:latin typeface="+mn-lt"/>
+                      </a:endParaRPr>
+                    </a:p>
+                  </a:txBody>
+                  <a:tcPr marL="9525" marR="9525" marT="9525" marB="0" anchor="b"/>
+                </a:tc>
+                <a:tc>
+                  <a:txBody>
+                    <a:bodyPr/>
+                    <a:lstStyle/>
+                    <a:p>
+                      <a:pPr algn="ctr" fontAlgn="b"/>
+                      <a:r>
+                        <a:rPr lang="en-US" sz="2100" b="1" i="0" u="none" strike="noStrike" dirty="0" smtClean="0">
+                          <a:solidFill>
+                            <a:srgbClr val="000000"/>
+                          </a:solidFill>
+                          <a:latin typeface="+mn-lt"/>
+                        </a:rPr>
+                        <a:t>constraint</a:t>
+                      </a:r>
+                      <a:endParaRPr lang="en-US" sz="2100" b="1" i="0" u="none" strike="noStrike" dirty="0">
+                        <a:solidFill>
+                          <a:srgbClr val="000000"/>
+                        </a:solidFill>
+                        <a:latin typeface="+mn-lt"/>
+                      </a:endParaRPr>
+                    </a:p>
+                  </a:txBody>
+                  <a:tcPr marL="9525" marR="9525" marT="9525" marB="0" anchor="b"/>
+                </a:tc>
+              </a:tr>
+              <a:tr h="332509">
+                <a:tc>
+                  <a:txBody>
+                    <a:bodyPr/>
+                    <a:lstStyle/>
+                    <a:p>
+                      <a:pPr algn="l" fontAlgn="b"/>
+                      <a:r>
+                        <a:rPr lang="en-US" sz="2100" u="none" strike="noStrike">
+                          <a:latin typeface="+mn-lt"/>
+                        </a:rPr>
+                        <a:t>test number</a:t>
+                      </a:r>
+                      <a:endParaRPr lang="en-US" sz="2100" b="0" i="0" u="none" strike="noStrike">
+                        <a:solidFill>
+                          <a:srgbClr val="000000"/>
+                        </a:solidFill>
+                        <a:latin typeface="+mn-lt"/>
+                      </a:endParaRPr>
+                    </a:p>
+                  </a:txBody>
+                  <a:tcPr marL="9525" marR="9525" marT="9525" marB="0" anchor="b"/>
+                </a:tc>
+                <a:tc>
+                  <a:txBody>
+                    <a:bodyPr/>
+                    <a:lstStyle/>
+                    <a:p>
+                      <a:pPr algn="l" fontAlgn="b"/>
+                      <a:r>
+                        <a:rPr lang="en-US" sz="2100" u="none" strike="noStrike" dirty="0" err="1">
+                          <a:latin typeface="+mn-lt"/>
+                        </a:rPr>
+                        <a:t>varchar</a:t>
+                      </a:r>
+                      <a:r>
+                        <a:rPr lang="en-US" sz="2100" u="none" strike="noStrike" dirty="0">
+                          <a:latin typeface="+mn-lt"/>
+                        </a:rPr>
+                        <a:t>(6)</a:t>
+                      </a:r>
+                      <a:endParaRPr lang="en-US" sz="2100" b="0" i="0" u="none" strike="noStrike" dirty="0">
+                        <a:solidFill>
+                          <a:srgbClr val="000000"/>
+                        </a:solidFill>
+                        <a:latin typeface="+mn-lt"/>
+                      </a:endParaRPr>
+                    </a:p>
+                  </a:txBody>
+                  <a:tcPr marL="9525" marR="9525" marT="9525" marB="0" anchor="b"/>
+                </a:tc>
+                <a:tc rowSpan="3">
+                  <a:txBody>
+                    <a:bodyPr/>
+                    <a:lstStyle/>
+                    <a:p>
+                      <a:pPr algn="ctr" fontAlgn="ctr"/>
+                      <a:r>
+                        <a:rPr lang="en-US" sz="2100" u="none" strike="noStrike">
+                          <a:latin typeface="+mn-lt"/>
+                        </a:rPr>
+                        <a:t>composite key</a:t>
+                      </a:r>
+                      <a:endParaRPr lang="en-US" sz="2100" b="0" i="0" u="none" strike="noStrike">
+                        <a:solidFill>
+                          <a:srgbClr val="000000"/>
+                        </a:solidFill>
+                        <a:latin typeface="+mn-lt"/>
+                      </a:endParaRPr>
+                    </a:p>
+                  </a:txBody>
+                  <a:tcPr marL="9525" marR="9525" marT="9525" marB="0" anchor="ctr"/>
+                </a:tc>
+              </a:tr>
+              <a:tr h="332509">
+                <a:tc>
+                  <a:txBody>
+                    <a:bodyPr/>
+                    <a:lstStyle/>
+                    <a:p>
+                      <a:pPr algn="l" fontAlgn="b"/>
+                      <a:r>
+                        <a:rPr lang="en-US" sz="2100" u="none" strike="noStrike">
+                          <a:latin typeface="+mn-lt"/>
+                        </a:rPr>
+                        <a:t>content id</a:t>
+                      </a:r>
+                      <a:endParaRPr lang="en-US" sz="2100" b="0" i="0" u="none" strike="noStrike">
+                        <a:solidFill>
+                          <a:srgbClr val="000000"/>
+                        </a:solidFill>
+                        <a:latin typeface="+mn-lt"/>
+                      </a:endParaRPr>
+                    </a:p>
+                  </a:txBody>
+                  <a:tcPr marL="9525" marR="9525" marT="9525" marB="0" anchor="b"/>
+                </a:tc>
+                <a:tc>
+                  <a:txBody>
+                    <a:bodyPr/>
+                    <a:lstStyle/>
+                    <a:p>
+                      <a:pPr algn="l" fontAlgn="b"/>
+                      <a:r>
+                        <a:rPr lang="en-US" sz="2100" u="none" strike="noStrike">
+                          <a:latin typeface="+mn-lt"/>
+                        </a:rPr>
+                        <a:t>integer</a:t>
+                      </a:r>
+                      <a:endParaRPr lang="en-US" sz="2100" b="0" i="0" u="none" strike="noStrike">
+                        <a:solidFill>
+                          <a:srgbClr val="000000"/>
+                        </a:solidFill>
+                        <a:latin typeface="+mn-lt"/>
+                      </a:endParaRPr>
+                    </a:p>
+                  </a:txBody>
+                  <a:tcPr marL="9525" marR="9525" marT="9525" marB="0" anchor="b"/>
+                </a:tc>
+                <a:tc vMerge="1">
+                  <a:txBody>
+                    <a:bodyPr/>
+                    <a:lstStyle/>
+                    <a:p>
+                      <a:endParaRPr lang="en-US"/>
+                    </a:p>
+                  </a:txBody>
+                  <a:tcPr/>
+                </a:tc>
+              </a:tr>
+              <a:tr h="332509">
+                <a:tc>
+                  <a:txBody>
+                    <a:bodyPr/>
+                    <a:lstStyle/>
+                    <a:p>
+                      <a:pPr algn="l" fontAlgn="b"/>
+                      <a:r>
+                        <a:rPr lang="en-US" sz="2100" u="none" strike="noStrike" dirty="0" err="1">
+                          <a:latin typeface="+mn-lt"/>
+                        </a:rPr>
+                        <a:t>question_num</a:t>
+                      </a:r>
+                      <a:endParaRPr lang="en-US" sz="2100" b="0" i="0" u="none" strike="noStrike" dirty="0">
+                        <a:solidFill>
+                          <a:srgbClr val="000000"/>
+                        </a:solidFill>
+                        <a:latin typeface="+mn-lt"/>
+                      </a:endParaRPr>
+                    </a:p>
+                  </a:txBody>
+                  <a:tcPr marL="9525" marR="9525" marT="9525" marB="0" anchor="b"/>
+                </a:tc>
+                <a:tc>
+                  <a:txBody>
+                    <a:bodyPr/>
+                    <a:lstStyle/>
+                    <a:p>
+                      <a:pPr algn="l" fontAlgn="b"/>
+                      <a:r>
+                        <a:rPr lang="en-US" sz="2100" u="none" strike="noStrike">
+                          <a:latin typeface="+mn-lt"/>
+                        </a:rPr>
+                        <a:t>integer</a:t>
+                      </a:r>
+                      <a:endParaRPr lang="en-US" sz="2100" b="0" i="0" u="none" strike="noStrike">
+                        <a:solidFill>
+                          <a:srgbClr val="000000"/>
+                        </a:solidFill>
+                        <a:latin typeface="+mn-lt"/>
+                      </a:endParaRPr>
+                    </a:p>
+                  </a:txBody>
+                  <a:tcPr marL="9525" marR="9525" marT="9525" marB="0" anchor="b"/>
+                </a:tc>
+                <a:tc vMerge="1">
+                  <a:txBody>
+                    <a:bodyPr/>
+                    <a:lstStyle/>
+                    <a:p>
+                      <a:endParaRPr lang="en-US"/>
+                    </a:p>
+                  </a:txBody>
+                  <a:tcPr/>
+                </a:tc>
+              </a:tr>
+              <a:tr h="332509">
+                <a:tc>
+                  <a:txBody>
+                    <a:bodyPr/>
+                    <a:lstStyle/>
+                    <a:p>
+                      <a:pPr algn="l" fontAlgn="b"/>
+                      <a:r>
+                        <a:rPr lang="en-US" sz="2100" u="none" strike="noStrike">
+                          <a:latin typeface="+mn-lt"/>
+                        </a:rPr>
+                        <a:t>question</a:t>
+                      </a:r>
+                      <a:endParaRPr lang="en-US" sz="2100" b="0" i="0" u="none" strike="noStrike">
+                        <a:solidFill>
+                          <a:srgbClr val="000000"/>
+                        </a:solidFill>
+                        <a:latin typeface="+mn-lt"/>
+                      </a:endParaRPr>
+                    </a:p>
+                  </a:txBody>
+                  <a:tcPr marL="9525" marR="9525" marT="9525" marB="0" anchor="b"/>
+                </a:tc>
+                <a:tc>
+                  <a:txBody>
+                    <a:bodyPr/>
+                    <a:lstStyle/>
+                    <a:p>
+                      <a:pPr algn="l" fontAlgn="b"/>
+                      <a:r>
+                        <a:rPr lang="en-US" sz="2100" u="none" strike="noStrike">
+                          <a:latin typeface="+mn-lt"/>
+                        </a:rPr>
+                        <a:t>varchar(100)</a:t>
+                      </a:r>
+                      <a:endParaRPr lang="en-US" sz="2100" b="0" i="0" u="none" strike="noStrike">
+                        <a:solidFill>
+                          <a:srgbClr val="000000"/>
+                        </a:solidFill>
+                        <a:latin typeface="+mn-lt"/>
+                      </a:endParaRPr>
+                    </a:p>
+                  </a:txBody>
+                  <a:tcPr marL="9525" marR="9525" marT="9525" marB="0" anchor="b"/>
+                </a:tc>
+                <a:tc>
+                  <a:txBody>
+                    <a:bodyPr/>
+                    <a:lstStyle/>
+                    <a:p>
+                      <a:pPr algn="l" fontAlgn="b"/>
+                      <a:r>
+                        <a:rPr lang="en-US" sz="2100" u="none" strike="noStrike">
+                          <a:latin typeface="+mn-lt"/>
+                        </a:rPr>
+                        <a:t> </a:t>
+                      </a:r>
+                      <a:endParaRPr lang="en-US" sz="2100" b="0" i="0" u="none" strike="noStrike">
+                        <a:solidFill>
+                          <a:srgbClr val="000000"/>
+                        </a:solidFill>
+                        <a:latin typeface="+mn-lt"/>
+                      </a:endParaRPr>
+                    </a:p>
+                  </a:txBody>
+                  <a:tcPr marL="9525" marR="9525" marT="9525" marB="0" anchor="b"/>
+                </a:tc>
+              </a:tr>
+              <a:tr h="332509">
+                <a:tc>
+                  <a:txBody>
+                    <a:bodyPr/>
+                    <a:lstStyle/>
+                    <a:p>
+                      <a:pPr algn="l" fontAlgn="b"/>
+                      <a:r>
+                        <a:rPr lang="en-US" sz="2100" u="none" strike="noStrike">
+                          <a:latin typeface="+mn-lt"/>
+                        </a:rPr>
+                        <a:t>option a</a:t>
+                      </a:r>
+                      <a:endParaRPr lang="en-US" sz="2100" b="0" i="0" u="none" strike="noStrike">
+                        <a:solidFill>
+                          <a:srgbClr val="000000"/>
+                        </a:solidFill>
+                        <a:latin typeface="+mn-lt"/>
+                      </a:endParaRPr>
+                    </a:p>
+                  </a:txBody>
+                  <a:tcPr marL="9525" marR="9525" marT="9525" marB="0" anchor="b"/>
+                </a:tc>
+                <a:tc>
+                  <a:txBody>
+                    <a:bodyPr/>
+                    <a:lstStyle/>
+                    <a:p>
+                      <a:pPr algn="l" fontAlgn="b"/>
+                      <a:r>
+                        <a:rPr lang="en-US" sz="2100" u="none" strike="noStrike">
+                          <a:latin typeface="+mn-lt"/>
+                        </a:rPr>
+                        <a:t>varchar(50)</a:t>
+                      </a:r>
+                      <a:endParaRPr lang="en-US" sz="2100" b="0" i="0" u="none" strike="noStrike">
+                        <a:solidFill>
+                          <a:srgbClr val="000000"/>
+                        </a:solidFill>
+                        <a:latin typeface="+mn-lt"/>
+                      </a:endParaRPr>
+                    </a:p>
+                  </a:txBody>
+                  <a:tcPr marL="9525" marR="9525" marT="9525" marB="0" anchor="b"/>
+                </a:tc>
+                <a:tc>
+                  <a:txBody>
+                    <a:bodyPr/>
+                    <a:lstStyle/>
+                    <a:p>
+                      <a:pPr algn="l" fontAlgn="b"/>
+                      <a:r>
+                        <a:rPr lang="en-US" sz="2100" u="none" strike="noStrike">
+                          <a:latin typeface="+mn-lt"/>
+                        </a:rPr>
+                        <a:t> </a:t>
+                      </a:r>
+                      <a:endParaRPr lang="en-US" sz="2100" b="0" i="0" u="none" strike="noStrike">
+                        <a:solidFill>
+                          <a:srgbClr val="000000"/>
+                        </a:solidFill>
+                        <a:latin typeface="+mn-lt"/>
+                      </a:endParaRPr>
+                    </a:p>
+                  </a:txBody>
+                  <a:tcPr marL="9525" marR="9525" marT="9525" marB="0" anchor="b"/>
+                </a:tc>
+              </a:tr>
+              <a:tr h="332509">
+                <a:tc>
+                  <a:txBody>
+                    <a:bodyPr/>
+                    <a:lstStyle/>
+                    <a:p>
+                      <a:pPr algn="l" fontAlgn="b"/>
+                      <a:r>
+                        <a:rPr lang="en-US" sz="2100" u="none" strike="noStrike">
+                          <a:latin typeface="+mn-lt"/>
+                        </a:rPr>
+                        <a:t>option b</a:t>
+                      </a:r>
+                      <a:endParaRPr lang="en-US" sz="2100" b="0" i="0" u="none" strike="noStrike">
+                        <a:solidFill>
+                          <a:srgbClr val="000000"/>
+                        </a:solidFill>
+                        <a:latin typeface="+mn-lt"/>
+                      </a:endParaRPr>
+                    </a:p>
+                  </a:txBody>
+                  <a:tcPr marL="9525" marR="9525" marT="9525" marB="0" anchor="b"/>
+                </a:tc>
+                <a:tc>
+                  <a:txBody>
+                    <a:bodyPr/>
+                    <a:lstStyle/>
+                    <a:p>
+                      <a:pPr algn="l" fontAlgn="b"/>
+                      <a:r>
+                        <a:rPr lang="en-US" sz="2100" u="none" strike="noStrike">
+                          <a:latin typeface="+mn-lt"/>
+                        </a:rPr>
+                        <a:t>varchar(50)</a:t>
+                      </a:r>
+                      <a:endParaRPr lang="en-US" sz="2100" b="0" i="0" u="none" strike="noStrike">
+                        <a:solidFill>
+                          <a:srgbClr val="000000"/>
+                        </a:solidFill>
+                        <a:latin typeface="+mn-lt"/>
+                      </a:endParaRPr>
+                    </a:p>
+                  </a:txBody>
+                  <a:tcPr marL="9525" marR="9525" marT="9525" marB="0" anchor="b"/>
+                </a:tc>
+                <a:tc>
+                  <a:txBody>
+                    <a:bodyPr/>
+                    <a:lstStyle/>
+                    <a:p>
+                      <a:pPr algn="l" fontAlgn="b"/>
+                      <a:r>
+                        <a:rPr lang="en-US" sz="2100" u="none" strike="noStrike">
+                          <a:latin typeface="+mn-lt"/>
+                        </a:rPr>
+                        <a:t> </a:t>
+                      </a:r>
+                      <a:endParaRPr lang="en-US" sz="2100" b="0" i="0" u="none" strike="noStrike">
+                        <a:solidFill>
+                          <a:srgbClr val="000000"/>
+                        </a:solidFill>
+                        <a:latin typeface="+mn-lt"/>
+                      </a:endParaRPr>
+                    </a:p>
+                  </a:txBody>
+                  <a:tcPr marL="9525" marR="9525" marT="9525" marB="0" anchor="b"/>
+                </a:tc>
+              </a:tr>
+              <a:tr h="332509">
+                <a:tc>
+                  <a:txBody>
+                    <a:bodyPr/>
+                    <a:lstStyle/>
+                    <a:p>
+                      <a:pPr algn="l" fontAlgn="b"/>
+                      <a:r>
+                        <a:rPr lang="en-US" sz="2100" u="none" strike="noStrike">
+                          <a:latin typeface="+mn-lt"/>
+                        </a:rPr>
+                        <a:t>option c</a:t>
+                      </a:r>
+                      <a:endParaRPr lang="en-US" sz="2100" b="0" i="0" u="none" strike="noStrike">
+                        <a:solidFill>
+                          <a:srgbClr val="000000"/>
+                        </a:solidFill>
+                        <a:latin typeface="+mn-lt"/>
+                      </a:endParaRPr>
+                    </a:p>
+                  </a:txBody>
+                  <a:tcPr marL="9525" marR="9525" marT="9525" marB="0" anchor="b"/>
+                </a:tc>
+                <a:tc>
+                  <a:txBody>
+                    <a:bodyPr/>
+                    <a:lstStyle/>
+                    <a:p>
+                      <a:pPr algn="l" fontAlgn="b"/>
+                      <a:r>
+                        <a:rPr lang="en-US" sz="2100" u="none" strike="noStrike">
+                          <a:latin typeface="+mn-lt"/>
+                        </a:rPr>
+                        <a:t>varchar(50)</a:t>
+                      </a:r>
+                      <a:endParaRPr lang="en-US" sz="2100" b="0" i="0" u="none" strike="noStrike">
+                        <a:solidFill>
+                          <a:srgbClr val="000000"/>
+                        </a:solidFill>
+                        <a:latin typeface="+mn-lt"/>
+                      </a:endParaRPr>
+                    </a:p>
+                  </a:txBody>
+                  <a:tcPr marL="9525" marR="9525" marT="9525" marB="0" anchor="b"/>
+                </a:tc>
+                <a:tc>
+                  <a:txBody>
+                    <a:bodyPr/>
+                    <a:lstStyle/>
+                    <a:p>
+                      <a:pPr algn="l" fontAlgn="b"/>
+                      <a:r>
+                        <a:rPr lang="en-US" sz="2100" u="none" strike="noStrike">
+                          <a:latin typeface="+mn-lt"/>
+                        </a:rPr>
+                        <a:t> </a:t>
+                      </a:r>
+                      <a:endParaRPr lang="en-US" sz="2100" b="0" i="0" u="none" strike="noStrike">
+                        <a:solidFill>
+                          <a:srgbClr val="000000"/>
+                        </a:solidFill>
+                        <a:latin typeface="+mn-lt"/>
+                      </a:endParaRPr>
+                    </a:p>
+                  </a:txBody>
+                  <a:tcPr marL="9525" marR="9525" marT="9525" marB="0" anchor="b"/>
+                </a:tc>
+              </a:tr>
+              <a:tr h="332509">
+                <a:tc>
+                  <a:txBody>
+                    <a:bodyPr/>
+                    <a:lstStyle/>
+                    <a:p>
+                      <a:pPr algn="l" fontAlgn="b"/>
+                      <a:r>
+                        <a:rPr lang="en-US" sz="2100" u="none" strike="noStrike">
+                          <a:latin typeface="+mn-lt"/>
+                        </a:rPr>
+                        <a:t>option d</a:t>
+                      </a:r>
+                      <a:endParaRPr lang="en-US" sz="2100" b="0" i="0" u="none" strike="noStrike">
+                        <a:solidFill>
+                          <a:srgbClr val="000000"/>
+                        </a:solidFill>
+                        <a:latin typeface="+mn-lt"/>
+                      </a:endParaRPr>
+                    </a:p>
+                  </a:txBody>
+                  <a:tcPr marL="9525" marR="9525" marT="9525" marB="0" anchor="b"/>
+                </a:tc>
+                <a:tc>
+                  <a:txBody>
+                    <a:bodyPr/>
+                    <a:lstStyle/>
+                    <a:p>
+                      <a:pPr algn="l" fontAlgn="b"/>
+                      <a:r>
+                        <a:rPr lang="en-US" sz="2100" u="none" strike="noStrike">
+                          <a:latin typeface="+mn-lt"/>
+                        </a:rPr>
+                        <a:t>varchar(50)</a:t>
+                      </a:r>
+                      <a:endParaRPr lang="en-US" sz="2100" b="0" i="0" u="none" strike="noStrike">
+                        <a:solidFill>
+                          <a:srgbClr val="000000"/>
+                        </a:solidFill>
+                        <a:latin typeface="+mn-lt"/>
+                      </a:endParaRPr>
+                    </a:p>
+                  </a:txBody>
+                  <a:tcPr marL="9525" marR="9525" marT="9525" marB="0" anchor="b"/>
+                </a:tc>
+                <a:tc>
+                  <a:txBody>
+                    <a:bodyPr/>
+                    <a:lstStyle/>
+                    <a:p>
+                      <a:pPr algn="l" fontAlgn="b"/>
+                      <a:r>
+                        <a:rPr lang="en-US" sz="2100" u="none" strike="noStrike">
+                          <a:latin typeface="+mn-lt"/>
+                        </a:rPr>
+                        <a:t> </a:t>
+                      </a:r>
+                      <a:endParaRPr lang="en-US" sz="2100" b="0" i="0" u="none" strike="noStrike">
+                        <a:solidFill>
+                          <a:srgbClr val="000000"/>
+                        </a:solidFill>
+                        <a:latin typeface="+mn-lt"/>
+                      </a:endParaRPr>
+                    </a:p>
+                  </a:txBody>
+                  <a:tcPr marL="9525" marR="9525" marT="9525" marB="0" anchor="b"/>
+                </a:tc>
+              </a:tr>
+              <a:tr h="332509">
+                <a:tc>
+                  <a:txBody>
+                    <a:bodyPr/>
+                    <a:lstStyle/>
+                    <a:p>
+                      <a:pPr algn="l" fontAlgn="b"/>
+                      <a:r>
+                        <a:rPr lang="en-US" sz="2100" u="none" strike="noStrike">
+                          <a:latin typeface="+mn-lt"/>
+                        </a:rPr>
+                        <a:t>answer option</a:t>
+                      </a:r>
+                      <a:endParaRPr lang="en-US" sz="2100" b="0" i="0" u="none" strike="noStrike">
+                        <a:solidFill>
+                          <a:srgbClr val="000000"/>
+                        </a:solidFill>
+                        <a:latin typeface="+mn-lt"/>
+                      </a:endParaRPr>
+                    </a:p>
+                  </a:txBody>
+                  <a:tcPr marL="9525" marR="9525" marT="9525" marB="0" anchor="b"/>
+                </a:tc>
+                <a:tc>
+                  <a:txBody>
+                    <a:bodyPr/>
+                    <a:lstStyle/>
+                    <a:p>
+                      <a:pPr algn="l" fontAlgn="b"/>
+                      <a:r>
+                        <a:rPr lang="en-US" sz="2100" u="none" strike="noStrike">
+                          <a:latin typeface="+mn-lt"/>
+                        </a:rPr>
+                        <a:t>char(1)</a:t>
+                      </a:r>
+                      <a:endParaRPr lang="en-US" sz="2100" b="0" i="0" u="none" strike="noStrike">
+                        <a:solidFill>
+                          <a:srgbClr val="000000"/>
+                        </a:solidFill>
+                        <a:latin typeface="+mn-lt"/>
+                      </a:endParaRPr>
+                    </a:p>
+                  </a:txBody>
+                  <a:tcPr marL="9525" marR="9525" marT="9525" marB="0" anchor="b"/>
+                </a:tc>
+                <a:tc>
+                  <a:txBody>
+                    <a:bodyPr/>
+                    <a:lstStyle/>
+                    <a:p>
+                      <a:pPr algn="l" fontAlgn="b"/>
+                      <a:r>
+                        <a:rPr lang="en-US" sz="2100" u="none" strike="noStrike">
+                          <a:latin typeface="+mn-lt"/>
+                        </a:rPr>
+                        <a:t> </a:t>
+                      </a:r>
+                      <a:endParaRPr lang="en-US" sz="2100" b="0" i="0" u="none" strike="noStrike">
+                        <a:solidFill>
+                          <a:srgbClr val="000000"/>
+                        </a:solidFill>
+                        <a:latin typeface="+mn-lt"/>
+                      </a:endParaRPr>
+                    </a:p>
+                  </a:txBody>
+                  <a:tcPr marL="9525" marR="9525" marT="9525" marB="0" anchor="b"/>
+                </a:tc>
+              </a:tr>
+              <a:tr h="332509">
+                <a:tc>
+                  <a:txBody>
+                    <a:bodyPr/>
+                    <a:lstStyle/>
+                    <a:p>
+                      <a:pPr algn="l" fontAlgn="b"/>
+                      <a:r>
+                        <a:rPr lang="en-US" sz="2100" u="none" strike="noStrike">
+                          <a:latin typeface="+mn-lt"/>
+                        </a:rPr>
+                        <a:t>dificulty level</a:t>
+                      </a:r>
+                      <a:endParaRPr lang="en-US" sz="2100" b="0" i="0" u="none" strike="noStrike">
+                        <a:solidFill>
+                          <a:srgbClr val="000000"/>
+                        </a:solidFill>
+                        <a:latin typeface="+mn-lt"/>
+                      </a:endParaRPr>
+                    </a:p>
+                  </a:txBody>
+                  <a:tcPr marL="9525" marR="9525" marT="9525" marB="0" anchor="b"/>
+                </a:tc>
+                <a:tc>
+                  <a:txBody>
+                    <a:bodyPr/>
+                    <a:lstStyle/>
+                    <a:p>
+                      <a:pPr algn="l" fontAlgn="b"/>
+                      <a:r>
+                        <a:rPr lang="en-US" sz="2100" u="none" strike="noStrike">
+                          <a:latin typeface="+mn-lt"/>
+                        </a:rPr>
+                        <a:t>integer</a:t>
+                      </a:r>
+                      <a:endParaRPr lang="en-US" sz="2100" b="0" i="0" u="none" strike="noStrike">
+                        <a:solidFill>
+                          <a:srgbClr val="000000"/>
+                        </a:solidFill>
+                        <a:latin typeface="+mn-lt"/>
+                      </a:endParaRPr>
+                    </a:p>
+                  </a:txBody>
+                  <a:tcPr marL="9525" marR="9525" marT="9525" marB="0" anchor="b"/>
+                </a:tc>
+                <a:tc>
+                  <a:txBody>
+                    <a:bodyPr/>
+                    <a:lstStyle/>
+                    <a:p>
+                      <a:pPr algn="l" fontAlgn="b"/>
+                      <a:r>
+                        <a:rPr lang="en-US" sz="2100" u="none" strike="noStrike" dirty="0">
+                          <a:latin typeface="+mn-lt"/>
+                        </a:rPr>
+                        <a:t> </a:t>
+                      </a:r>
+                      <a:endParaRPr lang="en-US" sz="2100" b="0" i="0" u="none" strike="noStrike" dirty="0">
+                        <a:solidFill>
+                          <a:srgbClr val="000000"/>
+                        </a:solidFill>
+                        <a:latin typeface="+mn-lt"/>
+                      </a:endParaRPr>
+                    </a:p>
+                  </a:txBody>
+                  <a:tcPr marL="9525" marR="9525" marT="9525" marB="0" anchor="b"/>
+                </a:tc>
+              </a:tr>
+            </a:tbl>
+          </a:graphicData>
+        </a:graphic>
+      </p:graphicFrame>
+    </p:spTree>
+  </p:cSld>
+  <p:clrMapOvr>
+    <a:masterClrMapping/>
+  </p:clrMapOvr>
+</p:sld>
+</file>
+
+<file path=ppt/slides/slide55.xml><?xml version="1.0" encoding="utf-8"?>
+<p:sld xmlns:a="http://schemas.openxmlformats.org/drawingml/2006/main" xmlns:r="http://schemas.openxmlformats.org/officeDocument/2006/relationships" xmlns:p="http://schemas.openxmlformats.org/presentationml/2006/main">
+  <p:cSld>
+    <p:spTree>
+      <p:nvGrpSpPr>
+        <p:cNvPr id="1" name=""/>
+        <p:cNvGrpSpPr/>
+        <p:nvPr/>
+      </p:nvGrpSpPr>
+      <p:grpSpPr>
+        <a:xfrm>
+          <a:off x="0" y="0"/>
+          <a:ext cx="0" cy="0"/>
+          <a:chOff x="0" y="0"/>
+          <a:chExt cx="0" cy="0"/>
+        </a:xfrm>
+      </p:grpSpPr>
+      <p:graphicFrame>
+        <p:nvGraphicFramePr>
+          <p:cNvPr id="2" name="Table 1"/>
+          <p:cNvGraphicFramePr>
+            <a:graphicFrameLocks noGrp="1"/>
+          </p:cNvGraphicFramePr>
+          <p:nvPr/>
+        </p:nvGraphicFramePr>
+        <p:xfrm>
+          <a:off x="914400" y="1524000"/>
+          <a:ext cx="6959599" cy="3162299"/>
+        </p:xfrm>
+        <a:graphic>
+          <a:graphicData uri="http://schemas.openxmlformats.org/drawingml/2006/table">
+            <a:tbl>
+              <a:tblPr firstRow="1">
+                <a:tableStyleId>{3C2FFA5D-87B4-456A-9821-1D502468CF0F}</a:tableStyleId>
+              </a:tblPr>
+              <a:tblGrid>
+                <a:gridCol w="2565680"/>
+                <a:gridCol w="1935783"/>
+                <a:gridCol w="2458136"/>
+              </a:tblGrid>
+              <a:tr h="451757">
+                <a:tc gridSpan="3">
+                  <a:txBody>
+                    <a:bodyPr/>
+                    <a:lstStyle/>
+                    <a:p>
+                      <a:pPr algn="ctr" fontAlgn="b"/>
+                      <a:r>
+                        <a:rPr lang="en-US" sz="2100" b="1" u="none" strike="noStrike" dirty="0"/>
+                        <a:t>payment</a:t>
+                      </a:r>
+                      <a:endParaRPr lang="en-US" sz="2100" b="1" i="0" u="none" strike="noStrike" dirty="0">
+                        <a:solidFill>
+                          <a:srgbClr val="000000"/>
+                        </a:solidFill>
+                        <a:latin typeface="Calibri"/>
+                      </a:endParaRPr>
+                    </a:p>
+                  </a:txBody>
+                  <a:tcPr marL="9525" marR="9525" marT="9525" marB="0" anchor="b"/>
+                </a:tc>
+                <a:tc hMerge="1">
+                  <a:txBody>
+                    <a:bodyPr/>
+                    <a:lstStyle/>
+                    <a:p>
+                      <a:endParaRPr lang="en-US"/>
+                    </a:p>
+                  </a:txBody>
+                  <a:tcPr/>
+                </a:tc>
+                <a:tc hMerge="1">
+                  <a:txBody>
+                    <a:bodyPr/>
+                    <a:lstStyle/>
+                    <a:p>
+                      <a:endParaRPr lang="en-US"/>
+                    </a:p>
+                  </a:txBody>
+                  <a:tcPr/>
+                </a:tc>
+              </a:tr>
+              <a:tr h="451757">
+                <a:tc>
+                  <a:txBody>
+                    <a:bodyPr/>
+                    <a:lstStyle/>
+                    <a:p>
+                      <a:pPr algn="l" fontAlgn="b"/>
+                      <a:r>
+                        <a:rPr lang="en-US" sz="2100" b="1" u="none" strike="noStrike" dirty="0"/>
+                        <a:t>column name</a:t>
+                      </a:r>
+                      <a:endParaRPr lang="en-US" sz="2100" b="1" i="0" u="none" strike="noStrike" dirty="0">
+                        <a:solidFill>
+                          <a:srgbClr val="000000"/>
+                        </a:solidFill>
+                        <a:latin typeface="Calibri"/>
+                      </a:endParaRPr>
+                    </a:p>
+                  </a:txBody>
+                  <a:tcPr marL="9525" marR="9525" marT="9525" marB="0" anchor="b"/>
+                </a:tc>
+                <a:tc>
+                  <a:txBody>
+                    <a:bodyPr/>
+                    <a:lstStyle/>
+                    <a:p>
+                      <a:pPr algn="l" fontAlgn="b"/>
+                      <a:r>
+                        <a:rPr lang="en-US" sz="2100" b="1" u="none" strike="noStrike"/>
+                        <a:t>data type</a:t>
+                      </a:r>
+                      <a:endParaRPr lang="en-US" sz="2100" b="1" i="0" u="none" strike="noStrike">
+                        <a:solidFill>
+                          <a:srgbClr val="000000"/>
+                        </a:solidFill>
+                        <a:latin typeface="Calibri"/>
+                      </a:endParaRPr>
+                    </a:p>
+                  </a:txBody>
+                  <a:tcPr marL="9525" marR="9525" marT="9525" marB="0" anchor="b"/>
+                </a:tc>
+                <a:tc>
+                  <a:txBody>
+                    <a:bodyPr/>
+                    <a:lstStyle/>
+                    <a:p>
+                      <a:pPr algn="l" fontAlgn="b"/>
+                      <a:r>
+                        <a:rPr lang="en-US" sz="2100" b="1" u="none" strike="noStrike" dirty="0"/>
+                        <a:t>constraint</a:t>
+                      </a:r>
+                      <a:endParaRPr lang="en-US" sz="2100" b="1" i="0" u="none" strike="noStrike" dirty="0">
+                        <a:solidFill>
+                          <a:srgbClr val="000000"/>
+                        </a:solidFill>
+                        <a:latin typeface="Calibri"/>
+                      </a:endParaRPr>
+                    </a:p>
+                  </a:txBody>
+                  <a:tcPr marL="9525" marR="9525" marT="9525" marB="0" anchor="b"/>
+                </a:tc>
+              </a:tr>
+              <a:tr h="451757">
+                <a:tc>
+                  <a:txBody>
+                    <a:bodyPr/>
+                    <a:lstStyle/>
+                    <a:p>
+                      <a:pPr algn="l" fontAlgn="b"/>
+                      <a:r>
+                        <a:rPr lang="en-US" sz="2100" u="none" strike="noStrike"/>
+                        <a:t>trans_num</a:t>
+                      </a:r>
+                      <a:endParaRPr lang="en-US" sz="2100" b="0" i="0" u="none" strike="noStrike">
+                        <a:solidFill>
+                          <a:srgbClr val="000000"/>
+                        </a:solidFill>
+                        <a:latin typeface="Calibri"/>
+                      </a:endParaRPr>
+                    </a:p>
+                  </a:txBody>
+                  <a:tcPr marL="9525" marR="9525" marT="9525" marB="0" anchor="b"/>
+                </a:tc>
+                <a:tc>
+                  <a:txBody>
+                    <a:bodyPr/>
+                    <a:lstStyle/>
+                    <a:p>
+                      <a:pPr algn="l" fontAlgn="b"/>
+                      <a:r>
+                        <a:rPr lang="en-US" sz="2100" u="none" strike="noStrike"/>
+                        <a:t>varchar(18)</a:t>
+                      </a:r>
+                      <a:endParaRPr lang="en-US" sz="2100" b="0" i="0" u="none" strike="noStrike">
+                        <a:solidFill>
+                          <a:srgbClr val="000000"/>
+                        </a:solidFill>
+                        <a:latin typeface="Calibri"/>
+                      </a:endParaRPr>
+                    </a:p>
+                  </a:txBody>
+                  <a:tcPr marL="9525" marR="9525" marT="9525" marB="0" anchor="b"/>
+                </a:tc>
+                <a:tc>
+                  <a:txBody>
+                    <a:bodyPr/>
+                    <a:lstStyle/>
+                    <a:p>
+                      <a:pPr algn="l" fontAlgn="b"/>
+                      <a:r>
+                        <a:rPr lang="en-US" sz="2100" u="none" strike="noStrike"/>
+                        <a:t>primary key</a:t>
+                      </a:r>
+                      <a:endParaRPr lang="en-US" sz="2100" b="0" i="0" u="none" strike="noStrike">
+                        <a:solidFill>
+                          <a:srgbClr val="000000"/>
+                        </a:solidFill>
+                        <a:latin typeface="Calibri"/>
+                      </a:endParaRPr>
+                    </a:p>
+                  </a:txBody>
+                  <a:tcPr marL="9525" marR="9525" marT="9525" marB="0" anchor="b"/>
+                </a:tc>
+              </a:tr>
+              <a:tr h="451757">
+                <a:tc>
+                  <a:txBody>
+                    <a:bodyPr/>
+                    <a:lstStyle/>
+                    <a:p>
+                      <a:pPr algn="l" fontAlgn="b"/>
+                      <a:r>
+                        <a:rPr lang="en-US" sz="2100" u="none" strike="noStrike"/>
+                        <a:t>email</a:t>
+                      </a:r>
+                      <a:endParaRPr lang="en-US" sz="2100" b="0" i="0" u="none" strike="noStrike">
+                        <a:solidFill>
+                          <a:srgbClr val="000000"/>
+                        </a:solidFill>
+                        <a:latin typeface="Calibri"/>
+                      </a:endParaRPr>
+                    </a:p>
+                  </a:txBody>
+                  <a:tcPr marL="9525" marR="9525" marT="9525" marB="0" anchor="b"/>
+                </a:tc>
+                <a:tc>
+                  <a:txBody>
+                    <a:bodyPr/>
+                    <a:lstStyle/>
+                    <a:p>
+                      <a:pPr algn="l" fontAlgn="b"/>
+                      <a:r>
+                        <a:rPr lang="en-US" sz="2100" u="none" strike="noStrike"/>
+                        <a:t>varchar(18)</a:t>
+                      </a:r>
+                      <a:endParaRPr lang="en-US" sz="2100" b="0" i="0" u="none" strike="noStrike">
+                        <a:solidFill>
+                          <a:srgbClr val="000000"/>
+                        </a:solidFill>
+                        <a:latin typeface="Calibri"/>
+                      </a:endParaRPr>
+                    </a:p>
+                  </a:txBody>
+                  <a:tcPr marL="9525" marR="9525" marT="9525" marB="0" anchor="b"/>
+                </a:tc>
+                <a:tc>
+                  <a:txBody>
+                    <a:bodyPr/>
+                    <a:lstStyle/>
+                    <a:p>
+                      <a:pPr algn="l" fontAlgn="b"/>
+                      <a:r>
+                        <a:rPr lang="en-US" sz="2100" u="none" strike="noStrike"/>
+                        <a:t> </a:t>
+                      </a:r>
+                      <a:endParaRPr lang="en-US" sz="2100" b="0" i="0" u="none" strike="noStrike">
+                        <a:solidFill>
+                          <a:srgbClr val="000000"/>
+                        </a:solidFill>
+                        <a:latin typeface="Calibri"/>
+                      </a:endParaRPr>
+                    </a:p>
+                  </a:txBody>
+                  <a:tcPr marL="9525" marR="9525" marT="9525" marB="0" anchor="b"/>
+                </a:tc>
+              </a:tr>
+              <a:tr h="451757">
+                <a:tc>
+                  <a:txBody>
+                    <a:bodyPr/>
+                    <a:lstStyle/>
+                    <a:p>
+                      <a:pPr algn="l" fontAlgn="b"/>
+                      <a:r>
+                        <a:rPr lang="en-US" sz="2100" u="none" strike="noStrike"/>
+                        <a:t>content id</a:t>
+                      </a:r>
+                      <a:endParaRPr lang="en-US" sz="2100" b="0" i="0" u="none" strike="noStrike">
+                        <a:solidFill>
+                          <a:srgbClr val="000000"/>
+                        </a:solidFill>
+                        <a:latin typeface="Calibri"/>
+                      </a:endParaRPr>
+                    </a:p>
+                  </a:txBody>
+                  <a:tcPr marL="9525" marR="9525" marT="9525" marB="0" anchor="b"/>
+                </a:tc>
+                <a:tc>
+                  <a:txBody>
+                    <a:bodyPr/>
+                    <a:lstStyle/>
+                    <a:p>
+                      <a:pPr algn="l" fontAlgn="b"/>
+                      <a:r>
+                        <a:rPr lang="en-US" sz="2100" u="none" strike="noStrike"/>
+                        <a:t>integer</a:t>
+                      </a:r>
+                      <a:endParaRPr lang="en-US" sz="2100" b="0" i="0" u="none" strike="noStrike">
+                        <a:solidFill>
+                          <a:srgbClr val="000000"/>
+                        </a:solidFill>
+                        <a:latin typeface="Calibri"/>
+                      </a:endParaRPr>
+                    </a:p>
+                  </a:txBody>
+                  <a:tcPr marL="9525" marR="9525" marT="9525" marB="0" anchor="b"/>
+                </a:tc>
+                <a:tc>
+                  <a:txBody>
+                    <a:bodyPr/>
+                    <a:lstStyle/>
+                    <a:p>
+                      <a:pPr algn="l" fontAlgn="b"/>
+                      <a:r>
+                        <a:rPr lang="en-US" sz="2100" u="none" strike="noStrike"/>
+                        <a:t> </a:t>
+                      </a:r>
+                      <a:endParaRPr lang="en-US" sz="2100" b="0" i="0" u="none" strike="noStrike">
+                        <a:solidFill>
+                          <a:srgbClr val="000000"/>
+                        </a:solidFill>
+                        <a:latin typeface="Calibri"/>
+                      </a:endParaRPr>
+                    </a:p>
+                  </a:txBody>
+                  <a:tcPr marL="9525" marR="9525" marT="9525" marB="0" anchor="b"/>
+                </a:tc>
+              </a:tr>
+              <a:tr h="451757">
+                <a:tc>
+                  <a:txBody>
+                    <a:bodyPr/>
+                    <a:lstStyle/>
+                    <a:p>
+                      <a:pPr algn="l" fontAlgn="b"/>
+                      <a:r>
+                        <a:rPr lang="en-US" sz="2100" u="none" strike="noStrike"/>
+                        <a:t>transaction date</a:t>
+                      </a:r>
+                      <a:endParaRPr lang="en-US" sz="2100" b="0" i="0" u="none" strike="noStrike">
+                        <a:solidFill>
+                          <a:srgbClr val="000000"/>
+                        </a:solidFill>
+                        <a:latin typeface="Calibri"/>
+                      </a:endParaRPr>
+                    </a:p>
+                  </a:txBody>
+                  <a:tcPr marL="9525" marR="9525" marT="9525" marB="0" anchor="b"/>
+                </a:tc>
+                <a:tc>
+                  <a:txBody>
+                    <a:bodyPr/>
+                    <a:lstStyle/>
+                    <a:p>
+                      <a:pPr algn="l" fontAlgn="b"/>
+                      <a:r>
+                        <a:rPr lang="en-US" sz="2100" u="none" strike="noStrike"/>
+                        <a:t>varchar(10)</a:t>
+                      </a:r>
+                      <a:endParaRPr lang="en-US" sz="2100" b="0" i="0" u="none" strike="noStrike">
+                        <a:solidFill>
+                          <a:srgbClr val="000000"/>
+                        </a:solidFill>
+                        <a:latin typeface="Calibri"/>
+                      </a:endParaRPr>
+                    </a:p>
+                  </a:txBody>
+                  <a:tcPr marL="9525" marR="9525" marT="9525" marB="0" anchor="b"/>
+                </a:tc>
+                <a:tc>
+                  <a:txBody>
+                    <a:bodyPr/>
+                    <a:lstStyle/>
+                    <a:p>
+                      <a:pPr algn="l" fontAlgn="b"/>
+                      <a:r>
+                        <a:rPr lang="en-US" sz="2100" u="none" strike="noStrike"/>
+                        <a:t> </a:t>
+                      </a:r>
+                      <a:endParaRPr lang="en-US" sz="2100" b="0" i="0" u="none" strike="noStrike">
+                        <a:solidFill>
+                          <a:srgbClr val="000000"/>
+                        </a:solidFill>
+                        <a:latin typeface="Calibri"/>
+                      </a:endParaRPr>
+                    </a:p>
+                  </a:txBody>
+                  <a:tcPr marL="9525" marR="9525" marT="9525" marB="0" anchor="b"/>
+                </a:tc>
+              </a:tr>
+              <a:tr h="451757">
+                <a:tc>
+                  <a:txBody>
+                    <a:bodyPr/>
+                    <a:lstStyle/>
+                    <a:p>
+                      <a:pPr algn="l" fontAlgn="b"/>
+                      <a:r>
+                        <a:rPr lang="en-US" sz="2100" u="none" strike="noStrike"/>
+                        <a:t>transaction amount</a:t>
+                      </a:r>
+                      <a:endParaRPr lang="en-US" sz="2100" b="0" i="0" u="none" strike="noStrike">
+                        <a:solidFill>
+                          <a:srgbClr val="000000"/>
+                        </a:solidFill>
+                        <a:latin typeface="Calibri"/>
+                      </a:endParaRPr>
+                    </a:p>
+                  </a:txBody>
+                  <a:tcPr marL="9525" marR="9525" marT="9525" marB="0" anchor="b"/>
+                </a:tc>
+                <a:tc>
+                  <a:txBody>
+                    <a:bodyPr/>
+                    <a:lstStyle/>
+                    <a:p>
+                      <a:pPr algn="l" fontAlgn="b"/>
+                      <a:r>
+                        <a:rPr lang="en-US" sz="2100" u="none" strike="noStrike"/>
+                        <a:t>integer</a:t>
+                      </a:r>
+                      <a:endParaRPr lang="en-US" sz="2100" b="0" i="0" u="none" strike="noStrike">
+                        <a:solidFill>
+                          <a:srgbClr val="000000"/>
+                        </a:solidFill>
+                        <a:latin typeface="Calibri"/>
+                      </a:endParaRPr>
+                    </a:p>
+                  </a:txBody>
+                  <a:tcPr marL="9525" marR="9525" marT="9525" marB="0" anchor="b"/>
+                </a:tc>
+                <a:tc>
+                  <a:txBody>
+                    <a:bodyPr/>
+                    <a:lstStyle/>
+                    <a:p>
+                      <a:pPr algn="l" fontAlgn="b"/>
+                      <a:r>
+                        <a:rPr lang="en-US" sz="2100" u="none" strike="noStrike" dirty="0"/>
+                        <a:t> </a:t>
+                      </a:r>
+                      <a:endParaRPr lang="en-US" sz="2100" b="0" i="0" u="none" strike="noStrike" dirty="0">
+                        <a:solidFill>
+                          <a:srgbClr val="000000"/>
+                        </a:solidFill>
+                        <a:latin typeface="Calibri"/>
+                      </a:endParaRPr>
+                    </a:p>
+                  </a:txBody>
+                  <a:tcPr marL="9525" marR="9525" marT="9525" marB="0" anchor="b"/>
+                </a:tc>
+              </a:tr>
+            </a:tbl>
+          </a:graphicData>
+        </a:graphic>
+      </p:graphicFrame>
+    </p:spTree>
+  </p:cSld>
+  <p:clrMapOvr>
+    <a:masterClrMapping/>
+  </p:clrMapOvr>
+</p:sld>
+</file>
+
+<file path=ppt/slides/slide56.xml><?xml version="1.0" encoding="utf-8"?>
+<p:sld xmlns:a="http://schemas.openxmlformats.org/drawingml/2006/main" xmlns:r="http://schemas.openxmlformats.org/officeDocument/2006/relationships" xmlns:p="http://schemas.openxmlformats.org/presentationml/2006/main">
+  <p:cSld>
+    <p:spTree>
+      <p:nvGrpSpPr>
+        <p:cNvPr id="1" name=""/>
+        <p:cNvGrpSpPr/>
+        <p:nvPr/>
+      </p:nvGrpSpPr>
+      <p:grpSpPr>
+        <a:xfrm>
+          <a:off x="0" y="0"/>
+          <a:ext cx="0" cy="0"/>
+          <a:chOff x="0" y="0"/>
+          <a:chExt cx="0" cy="0"/>
+        </a:xfrm>
+      </p:grpSpPr>
+      <p:graphicFrame>
+        <p:nvGraphicFramePr>
+          <p:cNvPr id="2" name="Table 1"/>
+          <p:cNvGraphicFramePr>
+            <a:graphicFrameLocks noGrp="1"/>
+          </p:cNvGraphicFramePr>
+          <p:nvPr/>
+        </p:nvGraphicFramePr>
+        <p:xfrm>
           <a:off x="609600" y="381000"/>
           <a:ext cx="8026399" cy="2762250"/>
         </p:xfrm>
@@ -18812,7 +19057,7 @@
 </p:sld>
 </file>
 
-<file path=ppt/slides/slide51.xml><?xml version="1.0" encoding="utf-8"?>
+<file path=ppt/slides/slide57.xml><?xml version="1.0" encoding="utf-8"?>
 <p:sld xmlns:a="http://schemas.openxmlformats.org/drawingml/2006/main" xmlns:r="http://schemas.openxmlformats.org/officeDocument/2006/relationships" xmlns:p="http://schemas.openxmlformats.org/presentationml/2006/main">
   <p:cSld>
     <p:spTree>
@@ -19626,7 +19871,7 @@
 </p:sld>
 </file>
 
-<file path=ppt/slides/slide52.xml><?xml version="1.0" encoding="utf-8"?>
+<file path=ppt/slides/slide58.xml><?xml version="1.0" encoding="utf-8"?>
 <p:sld xmlns:a="http://schemas.openxmlformats.org/drawingml/2006/main" xmlns:r="http://schemas.openxmlformats.org/officeDocument/2006/relationships" xmlns:p="http://schemas.openxmlformats.org/presentationml/2006/main">
   <p:cSld>
     <p:spTree>
@@ -20151,7 +20396,7 @@
 </p:sld>
 </file>
 
-<file path=ppt/slides/slide53.xml><?xml version="1.0" encoding="utf-8"?>
+<file path=ppt/slides/slide59.xml><?xml version="1.0" encoding="utf-8"?>
 <p:sld xmlns:a="http://schemas.openxmlformats.org/drawingml/2006/main" xmlns:r="http://schemas.openxmlformats.org/officeDocument/2006/relationships" xmlns:p="http://schemas.openxmlformats.org/presentationml/2006/main">
   <p:cSld>
     <p:spTree>
@@ -20184,8 +20429,8 @@
           <a:lstStyle/>
           <a:p>
             <a:r>
-              <a:rPr lang="en-US" dirty="0" smtClean="0"/>
-              <a:t>CODING</a:t>
+              <a:rPr lang="en-US" dirty="0" err="1" smtClean="0"/>
+              <a:t>Normalisation</a:t>
             </a:r>
             <a:endParaRPr lang="en-US" dirty="0"/>
           </a:p>
@@ -20201,76 +20446,10 @@
             <p:ph type="subTitle" idx="1"/>
           </p:nvPr>
         </p:nvSpPr>
-        <p:spPr>
-          <a:xfrm>
-            <a:off x="1371600" y="2819400"/>
-            <a:ext cx="6400800" cy="3429000"/>
-          </a:xfrm>
-        </p:spPr>
+        <p:spPr/>
         <p:txBody>
-          <a:bodyPr>
-            <a:normAutofit/>
-          </a:bodyPr>
+          <a:bodyPr/>
           <a:lstStyle/>
-          <a:p>
-            <a:r>
-              <a:rPr lang="en-US" dirty="0" smtClean="0"/>
-              <a:t>OOP paradigm</a:t>
-            </a:r>
-          </a:p>
-          <a:p>
-            <a:endParaRPr lang="en-US" dirty="0" smtClean="0"/>
-          </a:p>
-          <a:p>
-            <a:r>
-              <a:rPr lang="en-US" dirty="0" smtClean="0"/>
-              <a:t>Form validations</a:t>
-            </a:r>
-          </a:p>
-          <a:p>
-            <a:endParaRPr lang="en-US" dirty="0" smtClean="0"/>
-          </a:p>
-          <a:p>
-            <a:r>
-              <a:rPr lang="en-US" dirty="0" smtClean="0"/>
-              <a:t>Sublime text editor</a:t>
-            </a:r>
-          </a:p>
-          <a:p>
-            <a:endParaRPr lang="en-US" dirty="0" smtClean="0"/>
-          </a:p>
-          <a:p>
-            <a:r>
-              <a:rPr lang="en-US" dirty="0" err="1" smtClean="0"/>
-              <a:t>Otp</a:t>
-            </a:r>
-            <a:endParaRPr lang="en-US" dirty="0" smtClean="0"/>
-          </a:p>
-          <a:p>
-            <a:endParaRPr lang="en-US" dirty="0" smtClean="0"/>
-          </a:p>
-          <a:p>
-            <a:r>
-              <a:rPr lang="en-US" dirty="0" err="1" smtClean="0"/>
-              <a:t>Github</a:t>
-            </a:r>
-            <a:endParaRPr lang="en-US" dirty="0" smtClean="0"/>
-          </a:p>
-          <a:p>
-            <a:endParaRPr lang="en-US" dirty="0" smtClean="0"/>
-          </a:p>
-          <a:p>
-            <a:r>
-              <a:rPr lang="en-US" dirty="0" smtClean="0"/>
-              <a:t>Inspector analysis algorithm</a:t>
-            </a:r>
-          </a:p>
-          <a:p>
-            <a:endParaRPr lang="en-US" dirty="0" smtClean="0"/>
-          </a:p>
-          <a:p>
-            <a:endParaRPr lang="en-US" dirty="0" smtClean="0"/>
-          </a:p>
           <a:p>
             <a:endParaRPr lang="en-US" dirty="0"/>
           </a:p>
@@ -20284,7 +20463,7 @@
 </p:sld>
 </file>
 
-<file path=ppt/slides/slide54.xml><?xml version="1.0" encoding="utf-8"?>
+<file path=ppt/slides/slide6.xml><?xml version="1.0" encoding="utf-8"?>
 <p:sld xmlns:a="http://schemas.openxmlformats.org/drawingml/2006/main" xmlns:r="http://schemas.openxmlformats.org/officeDocument/2006/relationships" xmlns:p="http://schemas.openxmlformats.org/presentationml/2006/main">
   <p:cSld>
     <p:spTree>
@@ -20318,7 +20497,7 @@
           <a:p>
             <a:r>
               <a:rPr lang="en-US" dirty="0" smtClean="0"/>
-              <a:t>Testing</a:t>
+              <a:t>Steps of waterfall model</a:t>
             </a:r>
             <a:endParaRPr lang="en-US" dirty="0"/>
           </a:p>
@@ -20339,57 +20518,60 @@
           <a:bodyPr/>
           <a:lstStyle/>
           <a:p>
-            <a:r>
-              <a:rPr lang="en-IN" dirty="0" smtClean="0"/>
-              <a:t>Unit </a:t>
-            </a:r>
-            <a:r>
-              <a:rPr lang="en-IN" dirty="0" smtClean="0"/>
-              <a:t>Testing (module wise testing)</a:t>
-            </a:r>
-            <a:endParaRPr lang="en-US" dirty="0" smtClean="0"/>
-          </a:p>
-          <a:p>
-            <a:r>
-              <a:rPr lang="en-IN" dirty="0" smtClean="0"/>
-              <a:t>Integration </a:t>
-            </a:r>
-            <a:r>
-              <a:rPr lang="en-IN" dirty="0" smtClean="0"/>
-              <a:t>Testing </a:t>
-            </a:r>
-            <a:endParaRPr lang="en-US" dirty="0" smtClean="0"/>
-          </a:p>
-          <a:p>
-            <a:r>
-              <a:rPr lang="en-IN" dirty="0" smtClean="0"/>
-              <a:t>Validation </a:t>
-            </a:r>
-            <a:r>
-              <a:rPr lang="en-IN" dirty="0" smtClean="0"/>
-              <a:t>Testing (checking with the requirements)</a:t>
-            </a:r>
-            <a:endParaRPr lang="en-US" dirty="0" smtClean="0"/>
-          </a:p>
-          <a:p>
-            <a:r>
-              <a:rPr lang="en-IN" dirty="0" smtClean="0"/>
-              <a:t>Output Testing</a:t>
-            </a:r>
-            <a:endParaRPr lang="en-US" dirty="0" smtClean="0"/>
-          </a:p>
-          <a:p>
-            <a:r>
-              <a:rPr lang="en-IN" dirty="0" smtClean="0"/>
-              <a:t>User Acceptance </a:t>
-            </a:r>
-            <a:r>
-              <a:rPr lang="en-IN" dirty="0" smtClean="0"/>
-              <a:t>Testing (for clients)</a:t>
-            </a:r>
-            <a:endParaRPr lang="en-US" dirty="0" smtClean="0"/>
-          </a:p>
-          <a:p>
+            <a:pPr marL="514350" indent="-514350">
+              <a:buFont typeface="+mj-lt"/>
+              <a:buAutoNum type="arabicPeriod"/>
+            </a:pPr>
+            <a:r>
+              <a:rPr lang="en-US" dirty="0" smtClean="0"/>
+              <a:t>Requirement gathering  &amp; Analysis</a:t>
+            </a:r>
+          </a:p>
+          <a:p>
+            <a:pPr marL="514350" indent="-514350">
+              <a:buFont typeface="+mj-lt"/>
+              <a:buAutoNum type="arabicPeriod"/>
+            </a:pPr>
+            <a:r>
+              <a:rPr lang="en-US" dirty="0" smtClean="0"/>
+              <a:t>Design</a:t>
+            </a:r>
+          </a:p>
+          <a:p>
+            <a:pPr marL="514350" indent="-514350">
+              <a:buFont typeface="+mj-lt"/>
+              <a:buAutoNum type="arabicPeriod"/>
+            </a:pPr>
+            <a:r>
+              <a:rPr lang="en-US" dirty="0" smtClean="0"/>
+              <a:t>Coding</a:t>
+            </a:r>
+          </a:p>
+          <a:p>
+            <a:pPr marL="514350" indent="-514350">
+              <a:buFont typeface="+mj-lt"/>
+              <a:buAutoNum type="arabicPeriod"/>
+            </a:pPr>
+            <a:r>
+              <a:rPr lang="en-US" dirty="0" smtClean="0"/>
+              <a:t>Testing</a:t>
+            </a:r>
+          </a:p>
+          <a:p>
+            <a:pPr marL="514350" indent="-514350">
+              <a:buFont typeface="+mj-lt"/>
+              <a:buAutoNum type="arabicPeriod"/>
+            </a:pPr>
+            <a:r>
+              <a:rPr lang="en-US" dirty="0" smtClean="0"/>
+              <a:t>Implementation</a:t>
+            </a:r>
+          </a:p>
+          <a:p>
+            <a:pPr marL="514350" indent="-514350">
+              <a:buFont typeface="+mj-lt"/>
+              <a:buAutoNum type="arabicPeriod"/>
+            </a:pPr>
             <a:endParaRPr lang="en-US" dirty="0"/>
           </a:p>
         </p:txBody>
@@ -20402,7 +20584,140 @@
 </p:sld>
 </file>
 
-<file path=ppt/slides/slide55.xml><?xml version="1.0" encoding="utf-8"?>
+<file path=ppt/slides/slide60.xml><?xml version="1.0" encoding="utf-8"?>
+<p:sld xmlns:a="http://schemas.openxmlformats.org/drawingml/2006/main" xmlns:r="http://schemas.openxmlformats.org/officeDocument/2006/relationships" xmlns:p="http://schemas.openxmlformats.org/presentationml/2006/main">
+  <p:cSld>
+    <p:spTree>
+      <p:nvGrpSpPr>
+        <p:cNvPr id="1" name=""/>
+        <p:cNvGrpSpPr/>
+        <p:nvPr/>
+      </p:nvGrpSpPr>
+      <p:grpSpPr>
+        <a:xfrm>
+          <a:off x="0" y="0"/>
+          <a:ext cx="0" cy="0"/>
+          <a:chOff x="0" y="0"/>
+          <a:chExt cx="0" cy="0"/>
+        </a:xfrm>
+      </p:grpSpPr>
+      <p:sp>
+        <p:nvSpPr>
+          <p:cNvPr id="2" name="Title 1"/>
+          <p:cNvSpPr>
+            <a:spLocks noGrp="1"/>
+          </p:cNvSpPr>
+          <p:nvPr>
+            <p:ph type="ctrTitle"/>
+          </p:nvPr>
+        </p:nvSpPr>
+        <p:spPr/>
+        <p:txBody>
+          <a:bodyPr/>
+          <a:lstStyle/>
+          <a:p>
+            <a:r>
+              <a:rPr lang="en-US" dirty="0" smtClean="0"/>
+              <a:t>CODING</a:t>
+            </a:r>
+            <a:endParaRPr lang="en-US" dirty="0"/>
+          </a:p>
+        </p:txBody>
+      </p:sp>
+      <p:sp>
+        <p:nvSpPr>
+          <p:cNvPr id="3" name="Subtitle 2"/>
+          <p:cNvSpPr>
+            <a:spLocks noGrp="1"/>
+          </p:cNvSpPr>
+          <p:nvPr>
+            <p:ph type="subTitle" idx="1"/>
+          </p:nvPr>
+        </p:nvSpPr>
+        <p:spPr>
+          <a:xfrm>
+            <a:off x="1371600" y="2819400"/>
+            <a:ext cx="6400800" cy="3429000"/>
+          </a:xfrm>
+        </p:spPr>
+        <p:txBody>
+          <a:bodyPr>
+            <a:normAutofit/>
+          </a:bodyPr>
+          <a:lstStyle/>
+          <a:p>
+            <a:r>
+              <a:rPr lang="en-US" dirty="0" smtClean="0"/>
+              <a:t>OOP paradigm</a:t>
+            </a:r>
+          </a:p>
+          <a:p>
+            <a:endParaRPr lang="en-US" dirty="0" smtClean="0"/>
+          </a:p>
+          <a:p>
+            <a:r>
+              <a:rPr lang="en-US" dirty="0" smtClean="0"/>
+              <a:t>Form validations</a:t>
+            </a:r>
+          </a:p>
+          <a:p>
+            <a:endParaRPr lang="en-US" dirty="0" smtClean="0"/>
+          </a:p>
+          <a:p>
+            <a:r>
+              <a:rPr lang="en-US" dirty="0" smtClean="0"/>
+              <a:t>Sublime text editor</a:t>
+            </a:r>
+          </a:p>
+          <a:p>
+            <a:endParaRPr lang="en-US" dirty="0" smtClean="0"/>
+          </a:p>
+          <a:p>
+            <a:r>
+              <a:rPr lang="en-US" dirty="0" err="1" smtClean="0"/>
+              <a:t>Otp</a:t>
+            </a:r>
+            <a:endParaRPr lang="en-US" dirty="0" smtClean="0"/>
+          </a:p>
+          <a:p>
+            <a:endParaRPr lang="en-US" dirty="0" smtClean="0"/>
+          </a:p>
+          <a:p>
+            <a:r>
+              <a:rPr lang="en-US" dirty="0" err="1" smtClean="0"/>
+              <a:t>Github</a:t>
+            </a:r>
+            <a:endParaRPr lang="en-US" dirty="0" smtClean="0"/>
+          </a:p>
+          <a:p>
+            <a:endParaRPr lang="en-US" dirty="0" smtClean="0"/>
+          </a:p>
+          <a:p>
+            <a:r>
+              <a:rPr lang="en-US" dirty="0" smtClean="0"/>
+              <a:t>Inspector analysis algorithm</a:t>
+            </a:r>
+          </a:p>
+          <a:p>
+            <a:endParaRPr lang="en-US" dirty="0" smtClean="0"/>
+          </a:p>
+          <a:p>
+            <a:endParaRPr lang="en-US" dirty="0" smtClean="0"/>
+          </a:p>
+          <a:p>
+            <a:endParaRPr lang="en-US" dirty="0"/>
+          </a:p>
+        </p:txBody>
+      </p:sp>
+    </p:spTree>
+  </p:cSld>
+  <p:clrMapOvr>
+    <a:masterClrMapping/>
+  </p:clrMapOvr>
+</p:sld>
+</file>
+
+<file path=ppt/slides/slide61.xml><?xml version="1.0" encoding="utf-8"?>
 <p:sld xmlns:a="http://schemas.openxmlformats.org/drawingml/2006/main" xmlns:r="http://schemas.openxmlformats.org/officeDocument/2006/relationships" xmlns:p="http://schemas.openxmlformats.org/presentationml/2006/main">
   <p:cSld>
     <p:spTree>
@@ -20436,7 +20751,7 @@
           <a:p>
             <a:r>
               <a:rPr lang="en-US" dirty="0" smtClean="0"/>
-              <a:t>FUTUTRE</a:t>
+              <a:t>Testing</a:t>
             </a:r>
             <a:endParaRPr lang="en-US" dirty="0"/>
           </a:p>
@@ -20454,64 +20769,41 @@
         </p:nvSpPr>
         <p:spPr/>
         <p:txBody>
-          <a:bodyPr>
-            <a:normAutofit/>
-          </a:bodyPr>
+          <a:bodyPr/>
           <a:lstStyle/>
           <a:p>
             <a:r>
-              <a:rPr lang="en-US" dirty="0" smtClean="0"/>
-              <a:t>E-mail ids can be changed</a:t>
-            </a:r>
-          </a:p>
-          <a:p>
-            <a:r>
-              <a:rPr lang="en-US" dirty="0" smtClean="0"/>
-              <a:t>Text along with video will be given</a:t>
-            </a:r>
-          </a:p>
-          <a:p>
-            <a:r>
-              <a:rPr lang="en-US" dirty="0" smtClean="0"/>
-              <a:t>Security issues</a:t>
-            </a:r>
-          </a:p>
-          <a:p>
-            <a:r>
-              <a:rPr lang="en-US" dirty="0" smtClean="0"/>
-              <a:t>Search bar</a:t>
-            </a:r>
-          </a:p>
-          <a:p>
-            <a:r>
-              <a:rPr lang="en-US" dirty="0" smtClean="0"/>
-              <a:t>Dark mode</a:t>
-            </a:r>
-          </a:p>
-          <a:p>
-            <a:r>
-              <a:rPr lang="en-US" dirty="0" smtClean="0"/>
-              <a:t>Inspector analysis will be completed</a:t>
-            </a:r>
-          </a:p>
-          <a:p>
-            <a:r>
               <a:rPr lang="en-IN" dirty="0" smtClean="0"/>
-              <a:t>Provide tutorials in many native languages.</a:t>
+              <a:t>Unit Testing (module wise testing)</a:t>
             </a:r>
             <a:endParaRPr lang="en-US" dirty="0" smtClean="0"/>
           </a:p>
           <a:p>
             <a:r>
               <a:rPr lang="en-IN" dirty="0" smtClean="0"/>
-              <a:t>Students can be assigned with a guide.</a:t>
+              <a:t>Integration Testing </a:t>
             </a:r>
             <a:endParaRPr lang="en-US" dirty="0" smtClean="0"/>
           </a:p>
           <a:p>
+            <a:r>
+              <a:rPr lang="en-IN" dirty="0" smtClean="0"/>
+              <a:t>Validation Testing (checking with the requirements)</a:t>
+            </a:r>
             <a:endParaRPr lang="en-US" dirty="0" smtClean="0"/>
           </a:p>
           <a:p>
+            <a:r>
+              <a:rPr lang="en-IN" dirty="0" smtClean="0"/>
+              <a:t>Output Testing</a:t>
+            </a:r>
+            <a:endParaRPr lang="en-US" dirty="0" smtClean="0"/>
+          </a:p>
+          <a:p>
+            <a:r>
+              <a:rPr lang="en-IN" dirty="0" smtClean="0"/>
+              <a:t>User Acceptance Testing (for clients)</a:t>
+            </a:r>
             <a:endParaRPr lang="en-US" dirty="0" smtClean="0"/>
           </a:p>
           <a:p>
@@ -20527,7 +20819,7 @@
 </p:sld>
 </file>
 
-<file path=ppt/slides/slide56.xml><?xml version="1.0" encoding="utf-8"?>
+<file path=ppt/slides/slide62.xml><?xml version="1.0" encoding="utf-8"?>
 <p:sld xmlns:a="http://schemas.openxmlformats.org/drawingml/2006/main" xmlns:r="http://schemas.openxmlformats.org/officeDocument/2006/relationships" xmlns:p="http://schemas.openxmlformats.org/presentationml/2006/main">
   <p:cSld>
     <p:spTree>
@@ -20559,6 +20851,10 @@
           <a:bodyPr/>
           <a:lstStyle/>
           <a:p>
+            <a:r>
+              <a:rPr lang="en-US" dirty="0" smtClean="0"/>
+              <a:t>FUTUTRE</a:t>
+            </a:r>
             <a:endParaRPr lang="en-US" dirty="0"/>
           </a:p>
         </p:txBody>
@@ -20581,61 +20877,58 @@
           <a:lstStyle/>
           <a:p>
             <a:r>
+              <a:rPr lang="en-US" dirty="0" smtClean="0"/>
+              <a:t>E-mail ids can be changed</a:t>
+            </a:r>
+          </a:p>
+          <a:p>
+            <a:r>
+              <a:rPr lang="en-US" dirty="0" smtClean="0"/>
+              <a:t>Text along with video will be given</a:t>
+            </a:r>
+          </a:p>
+          <a:p>
+            <a:r>
+              <a:rPr lang="en-US" dirty="0" smtClean="0"/>
+              <a:t>Security issues</a:t>
+            </a:r>
+          </a:p>
+          <a:p>
+            <a:r>
+              <a:rPr lang="en-US" dirty="0" smtClean="0"/>
+              <a:t>Search bar</a:t>
+            </a:r>
+          </a:p>
+          <a:p>
+            <a:r>
+              <a:rPr lang="en-US" dirty="0" smtClean="0"/>
+              <a:t>Dark mode</a:t>
+            </a:r>
+          </a:p>
+          <a:p>
+            <a:r>
+              <a:rPr lang="en-US" dirty="0" smtClean="0"/>
+              <a:t>Inspector analysis will be completed</a:t>
+            </a:r>
+          </a:p>
+          <a:p>
+            <a:r>
               <a:rPr lang="en-IN" dirty="0" smtClean="0"/>
-              <a:t>Less data </a:t>
-            </a:r>
+              <a:t>Provide tutorials in many native languages.</a:t>
+            </a:r>
+            <a:endParaRPr lang="en-US" dirty="0" smtClean="0"/>
+          </a:p>
+          <a:p>
             <a:r>
               <a:rPr lang="en-IN" dirty="0" smtClean="0"/>
-              <a:t>consuming</a:t>
+              <a:t>Students can be assigned with a guide.</a:t>
             </a:r>
             <a:endParaRPr lang="en-US" dirty="0" smtClean="0"/>
           </a:p>
           <a:p>
-            <a:r>
-              <a:rPr lang="en-IN" dirty="0" smtClean="0"/>
-              <a:t>Should load faster, should be able to make materials and video offline.</a:t>
-            </a:r>
             <a:endParaRPr lang="en-US" dirty="0" smtClean="0"/>
           </a:p>
           <a:p>
-            <a:r>
-              <a:rPr lang="en-IN" dirty="0" smtClean="0"/>
-              <a:t>Login easily using Google or </a:t>
-            </a:r>
-            <a:r>
-              <a:rPr lang="en-IN" dirty="0" err="1" smtClean="0"/>
-              <a:t>Facebook</a:t>
-            </a:r>
-            <a:r>
-              <a:rPr lang="en-IN" dirty="0" smtClean="0"/>
-              <a:t>.</a:t>
-            </a:r>
-            <a:endParaRPr lang="en-US" dirty="0" smtClean="0"/>
-          </a:p>
-          <a:p>
-            <a:r>
-              <a:rPr lang="en-IN" dirty="0" smtClean="0"/>
-              <a:t>Study materials available in </a:t>
-            </a:r>
-            <a:r>
-              <a:rPr lang="en-IN" dirty="0" err="1" smtClean="0"/>
-              <a:t>pdf</a:t>
-            </a:r>
-            <a:r>
-              <a:rPr lang="en-IN" dirty="0" smtClean="0"/>
-              <a:t> also.</a:t>
-            </a:r>
-            <a:endParaRPr lang="en-US" dirty="0" smtClean="0"/>
-          </a:p>
-          <a:p>
-            <a:r>
-              <a:rPr lang="en-IN" dirty="0" smtClean="0"/>
-              <a:t>Live </a:t>
-            </a:r>
-            <a:r>
-              <a:rPr lang="en-IN" dirty="0" smtClean="0"/>
-              <a:t>projects</a:t>
-            </a:r>
             <a:endParaRPr lang="en-US" dirty="0" smtClean="0"/>
           </a:p>
           <a:p>
@@ -20651,7 +20944,7 @@
 </p:sld>
 </file>
 
-<file path=ppt/slides/slide57.xml><?xml version="1.0" encoding="utf-8"?>
+<file path=ppt/slides/slide63.xml><?xml version="1.0" encoding="utf-8"?>
 <p:sld xmlns:a="http://schemas.openxmlformats.org/drawingml/2006/main" xmlns:r="http://schemas.openxmlformats.org/officeDocument/2006/relationships" xmlns:p="http://schemas.openxmlformats.org/presentationml/2006/main">
   <p:cSld>
     <p:spTree>
@@ -20683,6 +20976,122 @@
           <a:bodyPr/>
           <a:lstStyle/>
           <a:p>
+            <a:endParaRPr lang="en-US" dirty="0"/>
+          </a:p>
+        </p:txBody>
+      </p:sp>
+      <p:sp>
+        <p:nvSpPr>
+          <p:cNvPr id="3" name="Content Placeholder 2"/>
+          <p:cNvSpPr>
+            <a:spLocks noGrp="1"/>
+          </p:cNvSpPr>
+          <p:nvPr>
+            <p:ph sz="quarter" idx="1"/>
+          </p:nvPr>
+        </p:nvSpPr>
+        <p:spPr/>
+        <p:txBody>
+          <a:bodyPr>
+            <a:normAutofit/>
+          </a:bodyPr>
+          <a:lstStyle/>
+          <a:p>
+            <a:r>
+              <a:rPr lang="en-IN" dirty="0" smtClean="0"/>
+              <a:t>Less data consuming</a:t>
+            </a:r>
+            <a:endParaRPr lang="en-US" dirty="0" smtClean="0"/>
+          </a:p>
+          <a:p>
+            <a:r>
+              <a:rPr lang="en-IN" dirty="0" smtClean="0"/>
+              <a:t>Should load faster, should be able to make materials and video offline.</a:t>
+            </a:r>
+            <a:endParaRPr lang="en-US" dirty="0" smtClean="0"/>
+          </a:p>
+          <a:p>
+            <a:r>
+              <a:rPr lang="en-IN" dirty="0" smtClean="0"/>
+              <a:t>Login easily using Google or </a:t>
+            </a:r>
+            <a:r>
+              <a:rPr lang="en-IN" dirty="0" err="1" smtClean="0"/>
+              <a:t>Facebook</a:t>
+            </a:r>
+            <a:r>
+              <a:rPr lang="en-IN" dirty="0" smtClean="0"/>
+              <a:t>.</a:t>
+            </a:r>
+            <a:endParaRPr lang="en-US" dirty="0" smtClean="0"/>
+          </a:p>
+          <a:p>
+            <a:r>
+              <a:rPr lang="en-IN" dirty="0" smtClean="0"/>
+              <a:t>Study materials available in </a:t>
+            </a:r>
+            <a:r>
+              <a:rPr lang="en-IN" dirty="0" err="1" smtClean="0"/>
+              <a:t>pdf</a:t>
+            </a:r>
+            <a:r>
+              <a:rPr lang="en-IN" dirty="0" smtClean="0"/>
+              <a:t> also.</a:t>
+            </a:r>
+            <a:endParaRPr lang="en-US" dirty="0" smtClean="0"/>
+          </a:p>
+          <a:p>
+            <a:r>
+              <a:rPr lang="en-IN" dirty="0" smtClean="0"/>
+              <a:t>Live projects</a:t>
+            </a:r>
+            <a:endParaRPr lang="en-US" dirty="0" smtClean="0"/>
+          </a:p>
+          <a:p>
+            <a:endParaRPr lang="en-US" dirty="0"/>
+          </a:p>
+        </p:txBody>
+      </p:sp>
+    </p:spTree>
+  </p:cSld>
+  <p:clrMapOvr>
+    <a:masterClrMapping/>
+  </p:clrMapOvr>
+</p:sld>
+</file>
+
+<file path=ppt/slides/slide64.xml><?xml version="1.0" encoding="utf-8"?>
+<p:sld xmlns:a="http://schemas.openxmlformats.org/drawingml/2006/main" xmlns:r="http://schemas.openxmlformats.org/officeDocument/2006/relationships" xmlns:p="http://schemas.openxmlformats.org/presentationml/2006/main">
+  <p:cSld>
+    <p:spTree>
+      <p:nvGrpSpPr>
+        <p:cNvPr id="1" name=""/>
+        <p:cNvGrpSpPr/>
+        <p:nvPr/>
+      </p:nvGrpSpPr>
+      <p:grpSpPr>
+        <a:xfrm>
+          <a:off x="0" y="0"/>
+          <a:ext cx="0" cy="0"/>
+          <a:chOff x="0" y="0"/>
+          <a:chExt cx="0" cy="0"/>
+        </a:xfrm>
+      </p:grpSpPr>
+      <p:sp>
+        <p:nvSpPr>
+          <p:cNvPr id="2" name="Title 1"/>
+          <p:cNvSpPr>
+            <a:spLocks noGrp="1"/>
+          </p:cNvSpPr>
+          <p:nvPr>
+            <p:ph type="title"/>
+          </p:nvPr>
+        </p:nvSpPr>
+        <p:spPr/>
+        <p:txBody>
+          <a:bodyPr/>
+          <a:lstStyle/>
+          <a:p>
             <a:r>
               <a:rPr lang="en-US" dirty="0" smtClean="0"/>
               <a:t>REFERENCES</a:t>
@@ -20737,7 +21146,7 @@
 </p:sld>
 </file>
 
-<file path=ppt/slides/slide58.xml><?xml version="1.0" encoding="utf-8"?>
+<file path=ppt/slides/slide65.xml><?xml version="1.0" encoding="utf-8"?>
 <p:sld xmlns:a="http://schemas.openxmlformats.org/drawingml/2006/main" xmlns:r="http://schemas.openxmlformats.org/officeDocument/2006/relationships" xmlns:p="http://schemas.openxmlformats.org/presentationml/2006/main">
   <p:cSld>
     <p:spTree>
@@ -20796,127 +21205,6 @@
       </p:par>
     </p:tnLst>
   </p:timing>
-</p:sld>
-</file>
-
-<file path=ppt/slides/slide6.xml><?xml version="1.0" encoding="utf-8"?>
-<p:sld xmlns:a="http://schemas.openxmlformats.org/drawingml/2006/main" xmlns:r="http://schemas.openxmlformats.org/officeDocument/2006/relationships" xmlns:p="http://schemas.openxmlformats.org/presentationml/2006/main">
-  <p:cSld>
-    <p:spTree>
-      <p:nvGrpSpPr>
-        <p:cNvPr id="1" name=""/>
-        <p:cNvGrpSpPr/>
-        <p:nvPr/>
-      </p:nvGrpSpPr>
-      <p:grpSpPr>
-        <a:xfrm>
-          <a:off x="0" y="0"/>
-          <a:ext cx="0" cy="0"/>
-          <a:chOff x="0" y="0"/>
-          <a:chExt cx="0" cy="0"/>
-        </a:xfrm>
-      </p:grpSpPr>
-      <p:sp>
-        <p:nvSpPr>
-          <p:cNvPr id="2" name="Title 1"/>
-          <p:cNvSpPr>
-            <a:spLocks noGrp="1"/>
-          </p:cNvSpPr>
-          <p:nvPr>
-            <p:ph type="title"/>
-          </p:nvPr>
-        </p:nvSpPr>
-        <p:spPr/>
-        <p:txBody>
-          <a:bodyPr/>
-          <a:lstStyle/>
-          <a:p>
-            <a:r>
-              <a:rPr lang="en-US" dirty="0" smtClean="0"/>
-              <a:t>Steps of waterfall model</a:t>
-            </a:r>
-            <a:endParaRPr lang="en-US" dirty="0"/>
-          </a:p>
-        </p:txBody>
-      </p:sp>
-      <p:sp>
-        <p:nvSpPr>
-          <p:cNvPr id="3" name="Content Placeholder 2"/>
-          <p:cNvSpPr>
-            <a:spLocks noGrp="1"/>
-          </p:cNvSpPr>
-          <p:nvPr>
-            <p:ph sz="quarter" idx="1"/>
-          </p:nvPr>
-        </p:nvSpPr>
-        <p:spPr/>
-        <p:txBody>
-          <a:bodyPr/>
-          <a:lstStyle/>
-          <a:p>
-            <a:pPr marL="514350" indent="-514350">
-              <a:buFont typeface="+mj-lt"/>
-              <a:buAutoNum type="arabicPeriod"/>
-            </a:pPr>
-            <a:r>
-              <a:rPr lang="en-US" dirty="0" smtClean="0"/>
-              <a:t>Requirement gathering  &amp; Analysis</a:t>
-            </a:r>
-          </a:p>
-          <a:p>
-            <a:pPr marL="514350" indent="-514350">
-              <a:buFont typeface="+mj-lt"/>
-              <a:buAutoNum type="arabicPeriod"/>
-            </a:pPr>
-            <a:r>
-              <a:rPr lang="en-US" dirty="0" smtClean="0"/>
-              <a:t>Design</a:t>
-            </a:r>
-          </a:p>
-          <a:p>
-            <a:pPr marL="514350" indent="-514350">
-              <a:buFont typeface="+mj-lt"/>
-              <a:buAutoNum type="arabicPeriod"/>
-            </a:pPr>
-            <a:r>
-              <a:rPr lang="en-US" dirty="0" smtClean="0"/>
-              <a:t>Coding</a:t>
-            </a:r>
-          </a:p>
-          <a:p>
-            <a:pPr marL="514350" indent="-514350">
-              <a:buFont typeface="+mj-lt"/>
-              <a:buAutoNum type="arabicPeriod"/>
-            </a:pPr>
-            <a:r>
-              <a:rPr lang="en-US" dirty="0" smtClean="0"/>
-              <a:t>Testing</a:t>
-            </a:r>
-          </a:p>
-          <a:p>
-            <a:pPr marL="514350" indent="-514350">
-              <a:buFont typeface="+mj-lt"/>
-              <a:buAutoNum type="arabicPeriod"/>
-            </a:pPr>
-            <a:r>
-              <a:rPr lang="en-US" dirty="0" smtClean="0"/>
-              <a:t>Implementation</a:t>
-            </a:r>
-          </a:p>
-          <a:p>
-            <a:pPr marL="514350" indent="-514350">
-              <a:buFont typeface="+mj-lt"/>
-              <a:buAutoNum type="arabicPeriod"/>
-            </a:pPr>
-            <a:endParaRPr lang="en-US" dirty="0"/>
-          </a:p>
-        </p:txBody>
-      </p:sp>
-    </p:spTree>
-  </p:cSld>
-  <p:clrMapOvr>
-    <a:masterClrMapping/>
-  </p:clrMapOvr>
 </p:sld>
 </file>
 

--- a/documentation/project.pptx
+++ b/documentation/project.pptx
@@ -64,12 +64,17 @@
     <p:sldId id="311" r:id="rId58"/>
     <p:sldId id="312" r:id="rId59"/>
     <p:sldId id="328" r:id="rId60"/>
-    <p:sldId id="320" r:id="rId61"/>
-    <p:sldId id="321" r:id="rId62"/>
-    <p:sldId id="322" r:id="rId63"/>
-    <p:sldId id="323" r:id="rId64"/>
-    <p:sldId id="324" r:id="rId65"/>
-    <p:sldId id="273" r:id="rId66"/>
+    <p:sldId id="332" r:id="rId61"/>
+    <p:sldId id="333" r:id="rId62"/>
+    <p:sldId id="334" r:id="rId63"/>
+    <p:sldId id="335" r:id="rId64"/>
+    <p:sldId id="336" r:id="rId65"/>
+    <p:sldId id="320" r:id="rId66"/>
+    <p:sldId id="321" r:id="rId67"/>
+    <p:sldId id="322" r:id="rId68"/>
+    <p:sldId id="323" r:id="rId69"/>
+    <p:sldId id="324" r:id="rId70"/>
+    <p:sldId id="273" r:id="rId71"/>
   </p:sldIdLst>
   <p:sldSz cx="9144000" cy="6858000" type="screen4x3"/>
   <p:notesSz cx="6858000" cy="9144000"/>
@@ -9858,7 +9863,15 @@
             </a:pPr>
             <a:r>
               <a:rPr lang="en-US" dirty="0" smtClean="0"/>
-              <a:t>A tutorial website that provides students with courses on basic computer science topics.</a:t>
+              <a:t>A tutorial website that provides students with courses on basic computer science </a:t>
+            </a:r>
+            <a:r>
+              <a:rPr lang="en-US" smtClean="0"/>
+              <a:t>topics</a:t>
+            </a:r>
+            <a:r>
+              <a:rPr lang="en-US" smtClean="0"/>
+              <a:t>. </a:t>
             </a:r>
             <a:endParaRPr lang="en-US" dirty="0"/>
           </a:p>
@@ -20608,17 +20621,19 @@
             <a:spLocks noGrp="1"/>
           </p:cNvSpPr>
           <p:nvPr>
-            <p:ph type="ctrTitle"/>
+            <p:ph type="title"/>
           </p:nvPr>
         </p:nvSpPr>
         <p:spPr/>
         <p:txBody>
-          <a:bodyPr/>
+          <a:bodyPr>
+            <a:normAutofit/>
+          </a:bodyPr>
           <a:lstStyle/>
           <a:p>
             <a:r>
-              <a:rPr lang="en-US" dirty="0" smtClean="0"/>
-              <a:t>CODING</a:t>
+              <a:rPr lang="en-IN" b="1" dirty="0" smtClean="0"/>
+              <a:t>First Normal Form (1NF) </a:t>
             </a:r>
             <a:endParaRPr lang="en-US" dirty="0"/>
           </a:p>
@@ -20626,82 +20641,45 @@
       </p:sp>
       <p:sp>
         <p:nvSpPr>
-          <p:cNvPr id="3" name="Subtitle 2"/>
+          <p:cNvPr id="3" name="Content Placeholder 2"/>
           <p:cNvSpPr>
             <a:spLocks noGrp="1"/>
           </p:cNvSpPr>
           <p:nvPr>
-            <p:ph type="subTitle" idx="1"/>
+            <p:ph sz="quarter" idx="1"/>
           </p:nvPr>
         </p:nvSpPr>
-        <p:spPr>
-          <a:xfrm>
-            <a:off x="1371600" y="2819400"/>
-            <a:ext cx="6400800" cy="3429000"/>
-          </a:xfrm>
-        </p:spPr>
-        <p:txBody>
-          <a:bodyPr>
-            <a:normAutofit/>
-          </a:bodyPr>
+        <p:spPr/>
+        <p:txBody>
+          <a:bodyPr/>
           <a:lstStyle/>
           <a:p>
             <a:r>
-              <a:rPr lang="en-US" dirty="0" smtClean="0"/>
-              <a:t>OOP paradigm</a:t>
-            </a:r>
-          </a:p>
-          <a:p>
+              <a:rPr lang="en-IN" dirty="0" smtClean="0"/>
+              <a:t>Each column contain atomic values.</a:t>
+            </a:r>
             <a:endParaRPr lang="en-US" dirty="0" smtClean="0"/>
           </a:p>
           <a:p>
             <a:r>
-              <a:rPr lang="en-US" dirty="0" smtClean="0"/>
-              <a:t>Form validations</a:t>
-            </a:r>
-          </a:p>
-          <a:p>
+              <a:rPr lang="en-IN" dirty="0" smtClean="0"/>
+              <a:t>In each column value stored should be of same </a:t>
+            </a:r>
+            <a:r>
+              <a:rPr lang="en-IN" dirty="0" err="1" smtClean="0"/>
+              <a:t>datatype</a:t>
+            </a:r>
+            <a:r>
+              <a:rPr lang="en-IN" dirty="0" smtClean="0"/>
+              <a:t>.</a:t>
+            </a:r>
             <a:endParaRPr lang="en-US" dirty="0" smtClean="0"/>
           </a:p>
           <a:p>
             <a:r>
-              <a:rPr lang="en-US" dirty="0" smtClean="0"/>
-              <a:t>Sublime text editor</a:t>
-            </a:r>
-          </a:p>
-          <a:p>
-            <a:endParaRPr lang="en-US" dirty="0" smtClean="0"/>
-          </a:p>
-          <a:p>
-            <a:r>
-              <a:rPr lang="en-US" dirty="0" err="1" smtClean="0"/>
-              <a:t>Otp</a:t>
-            </a:r>
-            <a:endParaRPr lang="en-US" dirty="0" smtClean="0"/>
-          </a:p>
-          <a:p>
-            <a:endParaRPr lang="en-US" dirty="0" smtClean="0"/>
-          </a:p>
-          <a:p>
-            <a:r>
-              <a:rPr lang="en-US" dirty="0" err="1" smtClean="0"/>
-              <a:t>Github</a:t>
-            </a:r>
-            <a:endParaRPr lang="en-US" dirty="0" smtClean="0"/>
-          </a:p>
-          <a:p>
-            <a:endParaRPr lang="en-US" dirty="0" smtClean="0"/>
-          </a:p>
-          <a:p>
-            <a:r>
-              <a:rPr lang="en-US" dirty="0" smtClean="0"/>
-              <a:t>Inspector analysis algorithm</a:t>
-            </a:r>
-          </a:p>
-          <a:p>
-            <a:endParaRPr lang="en-US" dirty="0" smtClean="0"/>
-          </a:p>
-          <a:p>
+              <a:rPr lang="en-IN" dirty="0" smtClean="0"/>
+              <a:t>Each column should have unique name.</a:t>
+            </a:r>
             <a:endParaRPr lang="en-US" dirty="0" smtClean="0"/>
           </a:p>
           <a:p>
@@ -20746,12 +20724,14 @@
         </p:nvSpPr>
         <p:spPr/>
         <p:txBody>
-          <a:bodyPr/>
+          <a:bodyPr>
+            <a:normAutofit/>
+          </a:bodyPr>
           <a:lstStyle/>
           <a:p>
             <a:r>
-              <a:rPr lang="en-US" dirty="0" smtClean="0"/>
-              <a:t>Testing</a:t>
+              <a:rPr lang="en-IN" b="1" dirty="0" smtClean="0"/>
+              <a:t>Second Normal Form (2 NF)</a:t>
             </a:r>
             <a:endParaRPr lang="en-US" dirty="0"/>
           </a:p>
@@ -20774,35 +20754,14 @@
           <a:p>
             <a:r>
               <a:rPr lang="en-IN" dirty="0" smtClean="0"/>
-              <a:t>Unit Testing (module wise testing)</a:t>
+              <a:t>Should be in 1NF.</a:t>
             </a:r>
             <a:endParaRPr lang="en-US" dirty="0" smtClean="0"/>
           </a:p>
           <a:p>
             <a:r>
               <a:rPr lang="en-IN" dirty="0" smtClean="0"/>
-              <a:t>Integration Testing </a:t>
-            </a:r>
-            <a:endParaRPr lang="en-US" dirty="0" smtClean="0"/>
-          </a:p>
-          <a:p>
-            <a:r>
-              <a:rPr lang="en-IN" dirty="0" smtClean="0"/>
-              <a:t>Validation Testing (checking with the requirements)</a:t>
-            </a:r>
-            <a:endParaRPr lang="en-US" dirty="0" smtClean="0"/>
-          </a:p>
-          <a:p>
-            <a:r>
-              <a:rPr lang="en-IN" dirty="0" smtClean="0"/>
-              <a:t>Output Testing</a:t>
-            </a:r>
-            <a:endParaRPr lang="en-US" dirty="0" smtClean="0"/>
-          </a:p>
-          <a:p>
-            <a:r>
-              <a:rPr lang="en-IN" dirty="0" smtClean="0"/>
-              <a:t>User Acceptance Testing (for clients)</a:t>
+              <a:t>Should not have any partial dependencies.</a:t>
             </a:r>
             <a:endParaRPr lang="en-US" dirty="0" smtClean="0"/>
           </a:p>
@@ -20848,12 +20807,14 @@
         </p:nvSpPr>
         <p:spPr/>
         <p:txBody>
-          <a:bodyPr/>
+          <a:bodyPr>
+            <a:normAutofit/>
+          </a:bodyPr>
           <a:lstStyle/>
           <a:p>
             <a:r>
-              <a:rPr lang="en-US" dirty="0" smtClean="0"/>
-              <a:t>FUTUTRE</a:t>
+              <a:rPr lang="en-IN" b="1" dirty="0" smtClean="0"/>
+              <a:t>Third Normal Form  (3NF)</a:t>
             </a:r>
             <a:endParaRPr lang="en-US" dirty="0"/>
           </a:p>
@@ -20871,64 +20832,20 @@
         </p:nvSpPr>
         <p:spPr/>
         <p:txBody>
-          <a:bodyPr>
-            <a:normAutofit/>
-          </a:bodyPr>
+          <a:bodyPr/>
           <a:lstStyle/>
           <a:p>
             <a:r>
-              <a:rPr lang="en-US" dirty="0" smtClean="0"/>
-              <a:t>E-mail ids can be changed</a:t>
-            </a:r>
-          </a:p>
-          <a:p>
-            <a:r>
-              <a:rPr lang="en-US" dirty="0" smtClean="0"/>
-              <a:t>Text along with video will be given</a:t>
-            </a:r>
-          </a:p>
-          <a:p>
-            <a:r>
-              <a:rPr lang="en-US" dirty="0" smtClean="0"/>
-              <a:t>Security issues</a:t>
-            </a:r>
-          </a:p>
-          <a:p>
-            <a:r>
-              <a:rPr lang="en-US" dirty="0" smtClean="0"/>
-              <a:t>Search bar</a:t>
-            </a:r>
-          </a:p>
-          <a:p>
-            <a:r>
-              <a:rPr lang="en-US" dirty="0" smtClean="0"/>
-              <a:t>Dark mode</a:t>
-            </a:r>
-          </a:p>
-          <a:p>
-            <a:r>
-              <a:rPr lang="en-US" dirty="0" smtClean="0"/>
-              <a:t>Inspector analysis will be completed</a:t>
-            </a:r>
-          </a:p>
-          <a:p>
-            <a:r>
               <a:rPr lang="en-IN" dirty="0" smtClean="0"/>
-              <a:t>Provide tutorials in many native languages.</a:t>
+              <a:t>Should be in 2NF.</a:t>
             </a:r>
             <a:endParaRPr lang="en-US" dirty="0" smtClean="0"/>
           </a:p>
           <a:p>
             <a:r>
               <a:rPr lang="en-IN" dirty="0" smtClean="0"/>
-              <a:t>Students can be assigned with a guide.</a:t>
-            </a:r>
-            <a:endParaRPr lang="en-US" dirty="0" smtClean="0"/>
-          </a:p>
-          <a:p>
-            <a:endParaRPr lang="en-US" dirty="0" smtClean="0"/>
-          </a:p>
-          <a:p>
+              <a:t>Should not have transitive dependency.</a:t>
+            </a:r>
             <a:endParaRPr lang="en-US" dirty="0" smtClean="0"/>
           </a:p>
           <a:p>
@@ -20973,9 +20890,23 @@
         </p:nvSpPr>
         <p:spPr/>
         <p:txBody>
-          <a:bodyPr/>
+          <a:bodyPr>
+            <a:normAutofit/>
+          </a:bodyPr>
           <a:lstStyle/>
           <a:p>
+            <a:r>
+              <a:rPr lang="en-IN" b="1" dirty="0" smtClean="0"/>
+              <a:t>Boyce-</a:t>
+            </a:r>
+            <a:r>
+              <a:rPr lang="en-IN" b="1" dirty="0" err="1" smtClean="0"/>
+              <a:t>Codd</a:t>
+            </a:r>
+            <a:r>
+              <a:rPr lang="en-IN" b="1" dirty="0" smtClean="0"/>
+              <a:t> Normal Form (3.5NF)</a:t>
+            </a:r>
             <a:endParaRPr lang="en-US" dirty="0"/>
           </a:p>
         </p:txBody>
@@ -20992,58 +20923,19 @@
         </p:nvSpPr>
         <p:spPr/>
         <p:txBody>
-          <a:bodyPr>
-            <a:normAutofit/>
-          </a:bodyPr>
+          <a:bodyPr/>
           <a:lstStyle/>
           <a:p>
             <a:r>
               <a:rPr lang="en-IN" dirty="0" smtClean="0"/>
-              <a:t>Less data consuming</a:t>
+              <a:t>Should be in 3NF.</a:t>
             </a:r>
             <a:endParaRPr lang="en-US" dirty="0" smtClean="0"/>
           </a:p>
           <a:p>
             <a:r>
               <a:rPr lang="en-IN" dirty="0" smtClean="0"/>
-              <a:t>Should load faster, should be able to make materials and video offline.</a:t>
-            </a:r>
-            <a:endParaRPr lang="en-US" dirty="0" smtClean="0"/>
-          </a:p>
-          <a:p>
-            <a:r>
-              <a:rPr lang="en-IN" dirty="0" smtClean="0"/>
-              <a:t>Login easily using Google or </a:t>
-            </a:r>
-            <a:r>
-              <a:rPr lang="en-IN" dirty="0" err="1" smtClean="0"/>
-              <a:t>Facebook</a:t>
-            </a:r>
-            <a:r>
-              <a:rPr lang="en-IN" dirty="0" smtClean="0"/>
-              <a:t>.</a:t>
-            </a:r>
-            <a:endParaRPr lang="en-US" dirty="0" smtClean="0"/>
-          </a:p>
-          <a:p>
-            <a:r>
-              <a:rPr lang="en-IN" dirty="0" smtClean="0"/>
-              <a:t>Study materials available in </a:t>
-            </a:r>
-            <a:r>
-              <a:rPr lang="en-IN" dirty="0" err="1" smtClean="0"/>
-              <a:t>pdf</a:t>
-            </a:r>
-            <a:r>
-              <a:rPr lang="en-IN" dirty="0" smtClean="0"/>
-              <a:t> also.</a:t>
-            </a:r>
-            <a:endParaRPr lang="en-US" dirty="0" smtClean="0"/>
-          </a:p>
-          <a:p>
-            <a:r>
-              <a:rPr lang="en-IN" dirty="0" smtClean="0"/>
-              <a:t>Live projects</a:t>
+              <a:t>For any dependency  A =&gt; B , A should be a super key</a:t>
             </a:r>
             <a:endParaRPr lang="en-US" dirty="0" smtClean="0"/>
           </a:p>
@@ -21089,12 +20981,14 @@
         </p:nvSpPr>
         <p:spPr/>
         <p:txBody>
-          <a:bodyPr/>
+          <a:bodyPr>
+            <a:normAutofit/>
+          </a:bodyPr>
           <a:lstStyle/>
           <a:p>
             <a:r>
-              <a:rPr lang="en-US" dirty="0" smtClean="0"/>
-              <a:t>REFERENCES</a:t>
+              <a:rPr lang="en-IN" b="1" dirty="0" smtClean="0"/>
+              <a:t>Fourth Normal Form (4NF)</a:t>
             </a:r>
             <a:endParaRPr lang="en-US" dirty="0"/>
           </a:p>
@@ -21117,24 +21011,43 @@
           <a:p>
             <a:r>
               <a:rPr lang="en-IN" dirty="0" smtClean="0"/>
-              <a:t>Systems Analysis and Design : Elias M. </a:t>
+              <a:t>Should satisfy BCNF</a:t>
+            </a:r>
+            <a:endParaRPr lang="en-US" dirty="0" smtClean="0"/>
+          </a:p>
+          <a:p>
+            <a:r>
+              <a:rPr lang="en-IN" dirty="0" smtClean="0"/>
+              <a:t>No </a:t>
             </a:r>
             <a:r>
               <a:rPr lang="en-IN" dirty="0" err="1" smtClean="0"/>
-              <a:t>Awad</a:t>
+              <a:t>multivalued</a:t>
+            </a:r>
+            <a:r>
+              <a:rPr lang="en-IN" dirty="0" smtClean="0"/>
+              <a:t> dependency should be there. ( A=&gt;B is </a:t>
+            </a:r>
+            <a:r>
+              <a:rPr lang="en-IN" dirty="0" err="1" smtClean="0"/>
+              <a:t>multivalued</a:t>
+            </a:r>
+            <a:r>
+              <a:rPr lang="en-IN" dirty="0" smtClean="0"/>
+              <a:t> dependency if a single value of A has more than one  value of B in a table [for </a:t>
+            </a:r>
+            <a:r>
+              <a:rPr lang="en-IN" dirty="0" err="1" smtClean="0"/>
+              <a:t>multivalued</a:t>
+            </a:r>
+            <a:r>
+              <a:rPr lang="en-IN" dirty="0" smtClean="0"/>
+              <a:t> dependency there should be min. 3 columns] then B and other columns should not depend on each other.</a:t>
             </a:r>
             <a:endParaRPr lang="en-US" dirty="0" smtClean="0"/>
           </a:p>
           <a:p>
-            <a:r>
-              <a:rPr lang="en-IN" dirty="0" smtClean="0"/>
-              <a:t>Principles of Software Engineering : </a:t>
-            </a:r>
-            <a:r>
-              <a:rPr lang="en-IN" dirty="0" err="1" smtClean="0"/>
-              <a:t>Rohitkhurana</a:t>
-            </a:r>
-            <a:endParaRPr lang="en-US" dirty="0" smtClean="0"/>
+            <a:endParaRPr lang="en-US" dirty="0"/>
           </a:p>
         </p:txBody>
       </p:sp>
@@ -21165,31 +21078,109 @@
       </p:grpSpPr>
       <p:sp>
         <p:nvSpPr>
-          <p:cNvPr id="2" name="TextBox 1"/>
-          <p:cNvSpPr txBox="1"/>
-          <p:nvPr/>
+          <p:cNvPr id="2" name="Title 1"/>
+          <p:cNvSpPr>
+            <a:spLocks noGrp="1"/>
+          </p:cNvSpPr>
+          <p:nvPr>
+            <p:ph type="ctrTitle"/>
+          </p:nvPr>
+        </p:nvSpPr>
+        <p:spPr/>
+        <p:txBody>
+          <a:bodyPr/>
+          <a:lstStyle/>
+          <a:p>
+            <a:r>
+              <a:rPr lang="en-US" dirty="0" smtClean="0"/>
+              <a:t>CODING</a:t>
+            </a:r>
+            <a:endParaRPr lang="en-US" dirty="0"/>
+          </a:p>
+        </p:txBody>
+      </p:sp>
+      <p:sp>
+        <p:nvSpPr>
+          <p:cNvPr id="3" name="Subtitle 2"/>
+          <p:cNvSpPr>
+            <a:spLocks noGrp="1"/>
+          </p:cNvSpPr>
+          <p:nvPr>
+            <p:ph type="subTitle" idx="1"/>
+          </p:nvPr>
         </p:nvSpPr>
         <p:spPr>
           <a:xfrm>
-            <a:off x="1143000" y="1295400"/>
-            <a:ext cx="5565947" cy="707886"/>
+            <a:off x="1371600" y="2819400"/>
+            <a:ext cx="6400800" cy="3429000"/>
           </a:xfrm>
-          <a:prstGeom prst="rect">
-            <a:avLst/>
-          </a:prstGeom>
-          <a:noFill/>
         </p:spPr>
         <p:txBody>
-          <a:bodyPr wrap="none" rtlCol="0">
-            <a:spAutoFit/>
+          <a:bodyPr>
+            <a:normAutofit/>
           </a:bodyPr>
           <a:lstStyle/>
           <a:p>
             <a:r>
-              <a:rPr lang="en-US" sz="4000" b="1" dirty="0" smtClean="0"/>
-              <a:t>Thank you…../…./….</a:t>
-            </a:r>
-            <a:endParaRPr lang="en-US" sz="4000" b="1" dirty="0"/>
+              <a:rPr lang="en-US" dirty="0" smtClean="0"/>
+              <a:t>OOP paradigm</a:t>
+            </a:r>
+          </a:p>
+          <a:p>
+            <a:endParaRPr lang="en-US" dirty="0" smtClean="0"/>
+          </a:p>
+          <a:p>
+            <a:r>
+              <a:rPr lang="en-US" dirty="0" smtClean="0"/>
+              <a:t>Form validations</a:t>
+            </a:r>
+          </a:p>
+          <a:p>
+            <a:endParaRPr lang="en-US" dirty="0" smtClean="0"/>
+          </a:p>
+          <a:p>
+            <a:r>
+              <a:rPr lang="en-US" dirty="0" smtClean="0"/>
+              <a:t>Sublime text editor</a:t>
+            </a:r>
+          </a:p>
+          <a:p>
+            <a:endParaRPr lang="en-US" dirty="0" smtClean="0"/>
+          </a:p>
+          <a:p>
+            <a:r>
+              <a:rPr lang="en-US" dirty="0" err="1" smtClean="0"/>
+              <a:t>Otp</a:t>
+            </a:r>
+            <a:endParaRPr lang="en-US" dirty="0" smtClean="0"/>
+          </a:p>
+          <a:p>
+            <a:endParaRPr lang="en-US" dirty="0" smtClean="0"/>
+          </a:p>
+          <a:p>
+            <a:r>
+              <a:rPr lang="en-US" dirty="0" err="1" smtClean="0"/>
+              <a:t>Github</a:t>
+            </a:r>
+            <a:endParaRPr lang="en-US" dirty="0" smtClean="0"/>
+          </a:p>
+          <a:p>
+            <a:endParaRPr lang="en-US" dirty="0" smtClean="0"/>
+          </a:p>
+          <a:p>
+            <a:r>
+              <a:rPr lang="en-US" dirty="0" smtClean="0"/>
+              <a:t>Inspector analysis algorithm</a:t>
+            </a:r>
+          </a:p>
+          <a:p>
+            <a:endParaRPr lang="en-US" dirty="0" smtClean="0"/>
+          </a:p>
+          <a:p>
+            <a:endParaRPr lang="en-US" dirty="0" smtClean="0"/>
+          </a:p>
+          <a:p>
+            <a:endParaRPr lang="en-US" dirty="0"/>
           </a:p>
         </p:txBody>
       </p:sp>
@@ -21198,13 +21189,435 @@
   <p:clrMapOvr>
     <a:masterClrMapping/>
   </p:clrMapOvr>
-  <p:timing>
-    <p:tnLst>
-      <p:par>
-        <p:cTn id="1" dur="indefinite" restart="never" nodeType="tmRoot"/>
-      </p:par>
-    </p:tnLst>
-  </p:timing>
+</p:sld>
+</file>
+
+<file path=ppt/slides/slide66.xml><?xml version="1.0" encoding="utf-8"?>
+<p:sld xmlns:a="http://schemas.openxmlformats.org/drawingml/2006/main" xmlns:r="http://schemas.openxmlformats.org/officeDocument/2006/relationships" xmlns:p="http://schemas.openxmlformats.org/presentationml/2006/main">
+  <p:cSld>
+    <p:spTree>
+      <p:nvGrpSpPr>
+        <p:cNvPr id="1" name=""/>
+        <p:cNvGrpSpPr/>
+        <p:nvPr/>
+      </p:nvGrpSpPr>
+      <p:grpSpPr>
+        <a:xfrm>
+          <a:off x="0" y="0"/>
+          <a:ext cx="0" cy="0"/>
+          <a:chOff x="0" y="0"/>
+          <a:chExt cx="0" cy="0"/>
+        </a:xfrm>
+      </p:grpSpPr>
+      <p:sp>
+        <p:nvSpPr>
+          <p:cNvPr id="2" name="Title 1"/>
+          <p:cNvSpPr>
+            <a:spLocks noGrp="1"/>
+          </p:cNvSpPr>
+          <p:nvPr>
+            <p:ph type="title"/>
+          </p:nvPr>
+        </p:nvSpPr>
+        <p:spPr/>
+        <p:txBody>
+          <a:bodyPr/>
+          <a:lstStyle/>
+          <a:p>
+            <a:r>
+              <a:rPr lang="en-US" dirty="0" smtClean="0"/>
+              <a:t>Testing</a:t>
+            </a:r>
+            <a:endParaRPr lang="en-US" dirty="0"/>
+          </a:p>
+        </p:txBody>
+      </p:sp>
+      <p:sp>
+        <p:nvSpPr>
+          <p:cNvPr id="3" name="Content Placeholder 2"/>
+          <p:cNvSpPr>
+            <a:spLocks noGrp="1"/>
+          </p:cNvSpPr>
+          <p:nvPr>
+            <p:ph sz="quarter" idx="1"/>
+          </p:nvPr>
+        </p:nvSpPr>
+        <p:spPr/>
+        <p:txBody>
+          <a:bodyPr/>
+          <a:lstStyle/>
+          <a:p>
+            <a:r>
+              <a:rPr lang="en-IN" dirty="0" smtClean="0"/>
+              <a:t>Unit Testing (module wise testing)</a:t>
+            </a:r>
+            <a:endParaRPr lang="en-US" dirty="0" smtClean="0"/>
+          </a:p>
+          <a:p>
+            <a:r>
+              <a:rPr lang="en-IN" dirty="0" smtClean="0"/>
+              <a:t>Integration Testing </a:t>
+            </a:r>
+            <a:endParaRPr lang="en-US" dirty="0" smtClean="0"/>
+          </a:p>
+          <a:p>
+            <a:r>
+              <a:rPr lang="en-IN" dirty="0" smtClean="0"/>
+              <a:t>Validation Testing (checking with the requirements)</a:t>
+            </a:r>
+            <a:endParaRPr lang="en-US" dirty="0" smtClean="0"/>
+          </a:p>
+          <a:p>
+            <a:r>
+              <a:rPr lang="en-IN" dirty="0" smtClean="0"/>
+              <a:t>Output Testing</a:t>
+            </a:r>
+            <a:endParaRPr lang="en-US" dirty="0" smtClean="0"/>
+          </a:p>
+          <a:p>
+            <a:r>
+              <a:rPr lang="en-IN" dirty="0" smtClean="0"/>
+              <a:t>User Acceptance Testing (for clients)</a:t>
+            </a:r>
+            <a:endParaRPr lang="en-US" dirty="0" smtClean="0"/>
+          </a:p>
+          <a:p>
+            <a:endParaRPr lang="en-US" dirty="0"/>
+          </a:p>
+        </p:txBody>
+      </p:sp>
+    </p:spTree>
+  </p:cSld>
+  <p:clrMapOvr>
+    <a:masterClrMapping/>
+  </p:clrMapOvr>
+</p:sld>
+</file>
+
+<file path=ppt/slides/slide67.xml><?xml version="1.0" encoding="utf-8"?>
+<p:sld xmlns:a="http://schemas.openxmlformats.org/drawingml/2006/main" xmlns:r="http://schemas.openxmlformats.org/officeDocument/2006/relationships" xmlns:p="http://schemas.openxmlformats.org/presentationml/2006/main">
+  <p:cSld>
+    <p:spTree>
+      <p:nvGrpSpPr>
+        <p:cNvPr id="1" name=""/>
+        <p:cNvGrpSpPr/>
+        <p:nvPr/>
+      </p:nvGrpSpPr>
+      <p:grpSpPr>
+        <a:xfrm>
+          <a:off x="0" y="0"/>
+          <a:ext cx="0" cy="0"/>
+          <a:chOff x="0" y="0"/>
+          <a:chExt cx="0" cy="0"/>
+        </a:xfrm>
+      </p:grpSpPr>
+      <p:sp>
+        <p:nvSpPr>
+          <p:cNvPr id="2" name="Title 1"/>
+          <p:cNvSpPr>
+            <a:spLocks noGrp="1"/>
+          </p:cNvSpPr>
+          <p:nvPr>
+            <p:ph type="title"/>
+          </p:nvPr>
+        </p:nvSpPr>
+        <p:spPr/>
+        <p:txBody>
+          <a:bodyPr/>
+          <a:lstStyle/>
+          <a:p>
+            <a:r>
+              <a:rPr lang="en-US" dirty="0" smtClean="0"/>
+              <a:t>FUTUTRE</a:t>
+            </a:r>
+            <a:endParaRPr lang="en-US" dirty="0"/>
+          </a:p>
+        </p:txBody>
+      </p:sp>
+      <p:sp>
+        <p:nvSpPr>
+          <p:cNvPr id="3" name="Content Placeholder 2"/>
+          <p:cNvSpPr>
+            <a:spLocks noGrp="1"/>
+          </p:cNvSpPr>
+          <p:nvPr>
+            <p:ph sz="quarter" idx="1"/>
+          </p:nvPr>
+        </p:nvSpPr>
+        <p:spPr/>
+        <p:txBody>
+          <a:bodyPr>
+            <a:normAutofit/>
+          </a:bodyPr>
+          <a:lstStyle/>
+          <a:p>
+            <a:r>
+              <a:rPr lang="en-US" dirty="0" smtClean="0"/>
+              <a:t>E-mail ids can be changed</a:t>
+            </a:r>
+          </a:p>
+          <a:p>
+            <a:r>
+              <a:rPr lang="en-US" dirty="0" smtClean="0"/>
+              <a:t>Text along with video will be given</a:t>
+            </a:r>
+          </a:p>
+          <a:p>
+            <a:r>
+              <a:rPr lang="en-US" dirty="0" smtClean="0"/>
+              <a:t>Security issues</a:t>
+            </a:r>
+          </a:p>
+          <a:p>
+            <a:r>
+              <a:rPr lang="en-US" dirty="0" smtClean="0"/>
+              <a:t>Search bar</a:t>
+            </a:r>
+          </a:p>
+          <a:p>
+            <a:r>
+              <a:rPr lang="en-US" dirty="0" smtClean="0"/>
+              <a:t>Dark mode</a:t>
+            </a:r>
+          </a:p>
+          <a:p>
+            <a:r>
+              <a:rPr lang="en-US" dirty="0" smtClean="0"/>
+              <a:t>Inspector analysis will be completed</a:t>
+            </a:r>
+          </a:p>
+          <a:p>
+            <a:r>
+              <a:rPr lang="en-IN" dirty="0" smtClean="0"/>
+              <a:t>Provide tutorials in many native languages.</a:t>
+            </a:r>
+            <a:endParaRPr lang="en-US" dirty="0" smtClean="0"/>
+          </a:p>
+          <a:p>
+            <a:r>
+              <a:rPr lang="en-IN" dirty="0" smtClean="0"/>
+              <a:t>Students can be assigned with a guide.</a:t>
+            </a:r>
+            <a:endParaRPr lang="en-US" dirty="0" smtClean="0"/>
+          </a:p>
+          <a:p>
+            <a:endParaRPr lang="en-US" dirty="0" smtClean="0"/>
+          </a:p>
+          <a:p>
+            <a:endParaRPr lang="en-US" dirty="0" smtClean="0"/>
+          </a:p>
+          <a:p>
+            <a:endParaRPr lang="en-US" dirty="0"/>
+          </a:p>
+        </p:txBody>
+      </p:sp>
+    </p:spTree>
+  </p:cSld>
+  <p:clrMapOvr>
+    <a:masterClrMapping/>
+  </p:clrMapOvr>
+</p:sld>
+</file>
+
+<file path=ppt/slides/slide68.xml><?xml version="1.0" encoding="utf-8"?>
+<p:sld xmlns:a="http://schemas.openxmlformats.org/drawingml/2006/main" xmlns:r="http://schemas.openxmlformats.org/officeDocument/2006/relationships" xmlns:p="http://schemas.openxmlformats.org/presentationml/2006/main">
+  <p:cSld>
+    <p:spTree>
+      <p:nvGrpSpPr>
+        <p:cNvPr id="1" name=""/>
+        <p:cNvGrpSpPr/>
+        <p:nvPr/>
+      </p:nvGrpSpPr>
+      <p:grpSpPr>
+        <a:xfrm>
+          <a:off x="0" y="0"/>
+          <a:ext cx="0" cy="0"/>
+          <a:chOff x="0" y="0"/>
+          <a:chExt cx="0" cy="0"/>
+        </a:xfrm>
+      </p:grpSpPr>
+      <p:sp>
+        <p:nvSpPr>
+          <p:cNvPr id="2" name="Title 1"/>
+          <p:cNvSpPr>
+            <a:spLocks noGrp="1"/>
+          </p:cNvSpPr>
+          <p:nvPr>
+            <p:ph type="title"/>
+          </p:nvPr>
+        </p:nvSpPr>
+        <p:spPr/>
+        <p:txBody>
+          <a:bodyPr/>
+          <a:lstStyle/>
+          <a:p>
+            <a:endParaRPr lang="en-US" dirty="0"/>
+          </a:p>
+        </p:txBody>
+      </p:sp>
+      <p:sp>
+        <p:nvSpPr>
+          <p:cNvPr id="3" name="Content Placeholder 2"/>
+          <p:cNvSpPr>
+            <a:spLocks noGrp="1"/>
+          </p:cNvSpPr>
+          <p:nvPr>
+            <p:ph sz="quarter" idx="1"/>
+          </p:nvPr>
+        </p:nvSpPr>
+        <p:spPr/>
+        <p:txBody>
+          <a:bodyPr>
+            <a:normAutofit/>
+          </a:bodyPr>
+          <a:lstStyle/>
+          <a:p>
+            <a:r>
+              <a:rPr lang="en-IN" dirty="0" smtClean="0"/>
+              <a:t>Less data consuming</a:t>
+            </a:r>
+            <a:endParaRPr lang="en-US" dirty="0" smtClean="0"/>
+          </a:p>
+          <a:p>
+            <a:r>
+              <a:rPr lang="en-IN" dirty="0" smtClean="0"/>
+              <a:t>Should load faster, should be able to make materials and video offline.</a:t>
+            </a:r>
+            <a:endParaRPr lang="en-US" dirty="0" smtClean="0"/>
+          </a:p>
+          <a:p>
+            <a:r>
+              <a:rPr lang="en-IN" dirty="0" smtClean="0"/>
+              <a:t>Login easily using Google or </a:t>
+            </a:r>
+            <a:r>
+              <a:rPr lang="en-IN" dirty="0" err="1" smtClean="0"/>
+              <a:t>Facebook</a:t>
+            </a:r>
+            <a:r>
+              <a:rPr lang="en-IN" dirty="0" smtClean="0"/>
+              <a:t>.</a:t>
+            </a:r>
+            <a:endParaRPr lang="en-US" dirty="0" smtClean="0"/>
+          </a:p>
+          <a:p>
+            <a:r>
+              <a:rPr lang="en-IN" dirty="0" smtClean="0"/>
+              <a:t>Study materials available in </a:t>
+            </a:r>
+            <a:r>
+              <a:rPr lang="en-IN" dirty="0" err="1" smtClean="0"/>
+              <a:t>pdf</a:t>
+            </a:r>
+            <a:r>
+              <a:rPr lang="en-IN" dirty="0" smtClean="0"/>
+              <a:t> also.</a:t>
+            </a:r>
+            <a:endParaRPr lang="en-US" dirty="0" smtClean="0"/>
+          </a:p>
+          <a:p>
+            <a:r>
+              <a:rPr lang="en-IN" dirty="0" smtClean="0"/>
+              <a:t>Live projects</a:t>
+            </a:r>
+            <a:endParaRPr lang="en-US" dirty="0" smtClean="0"/>
+          </a:p>
+          <a:p>
+            <a:endParaRPr lang="en-US" dirty="0"/>
+          </a:p>
+        </p:txBody>
+      </p:sp>
+    </p:spTree>
+  </p:cSld>
+  <p:clrMapOvr>
+    <a:masterClrMapping/>
+  </p:clrMapOvr>
+</p:sld>
+</file>
+
+<file path=ppt/slides/slide69.xml><?xml version="1.0" encoding="utf-8"?>
+<p:sld xmlns:a="http://schemas.openxmlformats.org/drawingml/2006/main" xmlns:r="http://schemas.openxmlformats.org/officeDocument/2006/relationships" xmlns:p="http://schemas.openxmlformats.org/presentationml/2006/main">
+  <p:cSld>
+    <p:spTree>
+      <p:nvGrpSpPr>
+        <p:cNvPr id="1" name=""/>
+        <p:cNvGrpSpPr/>
+        <p:nvPr/>
+      </p:nvGrpSpPr>
+      <p:grpSpPr>
+        <a:xfrm>
+          <a:off x="0" y="0"/>
+          <a:ext cx="0" cy="0"/>
+          <a:chOff x="0" y="0"/>
+          <a:chExt cx="0" cy="0"/>
+        </a:xfrm>
+      </p:grpSpPr>
+      <p:sp>
+        <p:nvSpPr>
+          <p:cNvPr id="2" name="Title 1"/>
+          <p:cNvSpPr>
+            <a:spLocks noGrp="1"/>
+          </p:cNvSpPr>
+          <p:nvPr>
+            <p:ph type="title"/>
+          </p:nvPr>
+        </p:nvSpPr>
+        <p:spPr/>
+        <p:txBody>
+          <a:bodyPr/>
+          <a:lstStyle/>
+          <a:p>
+            <a:r>
+              <a:rPr lang="en-US" dirty="0" smtClean="0"/>
+              <a:t>REFERENCES</a:t>
+            </a:r>
+            <a:endParaRPr lang="en-US" dirty="0"/>
+          </a:p>
+        </p:txBody>
+      </p:sp>
+      <p:sp>
+        <p:nvSpPr>
+          <p:cNvPr id="3" name="Content Placeholder 2"/>
+          <p:cNvSpPr>
+            <a:spLocks noGrp="1"/>
+          </p:cNvSpPr>
+          <p:nvPr>
+            <p:ph sz="quarter" idx="1"/>
+          </p:nvPr>
+        </p:nvSpPr>
+        <p:spPr/>
+        <p:txBody>
+          <a:bodyPr/>
+          <a:lstStyle/>
+          <a:p>
+            <a:r>
+              <a:rPr lang="en-IN" dirty="0" smtClean="0"/>
+              <a:t>Systems Analysis and Design : Elias M. </a:t>
+            </a:r>
+            <a:r>
+              <a:rPr lang="en-IN" dirty="0" err="1" smtClean="0"/>
+              <a:t>Awad</a:t>
+            </a:r>
+            <a:endParaRPr lang="en-US" dirty="0" smtClean="0"/>
+          </a:p>
+          <a:p>
+            <a:r>
+              <a:rPr lang="en-IN" dirty="0" smtClean="0"/>
+              <a:t>Principles of Software Engineering : </a:t>
+            </a:r>
+            <a:r>
+              <a:rPr lang="en-IN" dirty="0" err="1" smtClean="0"/>
+              <a:t>Rohitkhurana</a:t>
+            </a:r>
+            <a:endParaRPr lang="en-US" dirty="0" smtClean="0"/>
+          </a:p>
+        </p:txBody>
+      </p:sp>
+    </p:spTree>
+  </p:cSld>
+  <p:clrMapOvr>
+    <a:masterClrMapping/>
+  </p:clrMapOvr>
 </p:sld>
 </file>
 
@@ -21261,6 +21674,68 @@
   <p:clrMapOvr>
     <a:masterClrMapping/>
   </p:clrMapOvr>
+</p:sld>
+</file>
+
+<file path=ppt/slides/slide70.xml><?xml version="1.0" encoding="utf-8"?>
+<p:sld xmlns:a="http://schemas.openxmlformats.org/drawingml/2006/main" xmlns:r="http://schemas.openxmlformats.org/officeDocument/2006/relationships" xmlns:p="http://schemas.openxmlformats.org/presentationml/2006/main">
+  <p:cSld>
+    <p:spTree>
+      <p:nvGrpSpPr>
+        <p:cNvPr id="1" name=""/>
+        <p:cNvGrpSpPr/>
+        <p:nvPr/>
+      </p:nvGrpSpPr>
+      <p:grpSpPr>
+        <a:xfrm>
+          <a:off x="0" y="0"/>
+          <a:ext cx="0" cy="0"/>
+          <a:chOff x="0" y="0"/>
+          <a:chExt cx="0" cy="0"/>
+        </a:xfrm>
+      </p:grpSpPr>
+      <p:sp>
+        <p:nvSpPr>
+          <p:cNvPr id="2" name="TextBox 1"/>
+          <p:cNvSpPr txBox="1"/>
+          <p:nvPr/>
+        </p:nvSpPr>
+        <p:spPr>
+          <a:xfrm>
+            <a:off x="1143000" y="1295400"/>
+            <a:ext cx="5565947" cy="707886"/>
+          </a:xfrm>
+          <a:prstGeom prst="rect">
+            <a:avLst/>
+          </a:prstGeom>
+          <a:noFill/>
+        </p:spPr>
+        <p:txBody>
+          <a:bodyPr wrap="none" rtlCol="0">
+            <a:spAutoFit/>
+          </a:bodyPr>
+          <a:lstStyle/>
+          <a:p>
+            <a:r>
+              <a:rPr lang="en-US" sz="4000" b="1" dirty="0" smtClean="0"/>
+              <a:t>Thank you…../…./….</a:t>
+            </a:r>
+            <a:endParaRPr lang="en-US" sz="4000" b="1" dirty="0"/>
+          </a:p>
+        </p:txBody>
+      </p:sp>
+    </p:spTree>
+  </p:cSld>
+  <p:clrMapOvr>
+    <a:masterClrMapping/>
+  </p:clrMapOvr>
+  <p:timing>
+    <p:tnLst>
+      <p:par>
+        <p:cTn id="1" dur="indefinite" restart="never" nodeType="tmRoot"/>
+      </p:par>
+    </p:tnLst>
+  </p:timing>
 </p:sld>
 </file>
 

--- a/documentation/project.pptx
+++ b/documentation/project.pptx
@@ -8649,8 +8649,8 @@
         </p:nvSpPr>
         <p:spPr>
           <a:xfrm>
-            <a:off x="1371600" y="2971800"/>
-            <a:ext cx="6400800" cy="3200400"/>
+            <a:off x="1295400" y="2895600"/>
+            <a:ext cx="6477000" cy="3276600"/>
           </a:xfrm>
         </p:spPr>
         <p:txBody>
@@ -8754,11 +8754,31 @@
           <a:p>
             <a:r>
               <a:rPr lang="en-US" dirty="0" smtClean="0"/>
-              <a:t>Under the guidance of </a:t>
+              <a:t>Under the </a:t>
+            </a:r>
+            <a:r>
+              <a:rPr lang="en-US" dirty="0" smtClean="0"/>
+              <a:t>guidance of </a:t>
             </a:r>
             <a:r>
               <a:rPr lang="en-US" dirty="0" err="1" smtClean="0"/>
-              <a:t>Fr.johny</a:t>
+              <a:t>D</a:t>
+            </a:r>
+            <a:r>
+              <a:rPr lang="en-US" cap="none" dirty="0" err="1" smtClean="0"/>
+              <a:t>r.</a:t>
+            </a:r>
+            <a:r>
+              <a:rPr lang="en-US" dirty="0" err="1" smtClean="0"/>
+              <a:t>F</a:t>
+            </a:r>
+            <a:r>
+              <a:rPr lang="en-US" cap="none" dirty="0" err="1" smtClean="0"/>
+              <a:t>r</a:t>
+            </a:r>
+            <a:r>
+              <a:rPr lang="en-US" dirty="0" err="1" smtClean="0"/>
+              <a:t>.johny</a:t>
             </a:r>
             <a:r>
               <a:rPr lang="en-US" dirty="0" smtClean="0"/>
@@ -9867,11 +9887,7 @@
             </a:r>
             <a:r>
               <a:rPr lang="en-US" smtClean="0"/>
-              <a:t>topics</a:t>
-            </a:r>
-            <a:r>
-              <a:rPr lang="en-US" smtClean="0"/>
-              <a:t>. </a:t>
+              <a:t>topics. </a:t>
             </a:r>
             <a:endParaRPr lang="en-US" dirty="0"/>
           </a:p>

--- a/documentation/project.pptx
+++ b/documentation/project.pptx
@@ -173,6 +173,22 @@
       </a:defRPr>
     </a:lvl9pPr>
   </p:defaultTextStyle>
+  <p:extLst>
+    <p:ext uri="{EFAFB233-063F-42B5-8137-9DF3F51BA10A}">
+      <p15:sldGuideLst xmlns:p15="http://schemas.microsoft.com/office/powerpoint/2012/main">
+        <p15:guide id="1" orient="horz" pos="2160">
+          <p15:clr>
+            <a:srgbClr val="A4A3A4"/>
+          </p15:clr>
+        </p15:guide>
+        <p15:guide id="2" pos="2880">
+          <p15:clr>
+            <a:srgbClr val="A4A3A4"/>
+          </p15:clr>
+        </p15:guide>
+      </p15:sldGuideLst>
+    </p:ext>
+  </p:extLst>
 </p:presentation>
 </file>
 
@@ -1403,26 +1419,26 @@
     </dgm:pt>
   </dgm:ptLst>
   <dgm:cxnLst>
+    <dgm:cxn modelId="{55454B11-D9C0-4942-8C2A-88C7994505EF}" srcId="{96F3274B-589D-4F86-BA39-C6997E5CAFCC}" destId="{0B2F9ECA-D062-4130-B289-D5EEAA6A409F}" srcOrd="1" destOrd="0" parTransId="{56611DEF-212D-475B-9725-8DCEF3BF0B9C}" sibTransId="{EFBCF41F-0EE6-42C3-B8B2-7F3E7B01DBDD}"/>
+    <dgm:cxn modelId="{32938F62-88BB-41AA-9FF6-B510F878E7C2}" type="presOf" srcId="{DEF48C73-B667-41BA-945A-42CFC083AE37}" destId="{D0D29FB7-6BBA-462E-B6C7-AE207AFEC847}" srcOrd="1" destOrd="0" presId="urn:microsoft.com/office/officeart/2005/8/layout/hList7"/>
+    <dgm:cxn modelId="{94859E3E-5FA2-4E69-B5E5-C3E80D631733}" type="presOf" srcId="{EFBCF41F-0EE6-42C3-B8B2-7F3E7B01DBDD}" destId="{D51AFE7C-743B-4FE4-9B99-005B456C3157}" srcOrd="0" destOrd="0" presId="urn:microsoft.com/office/officeart/2005/8/layout/hList7"/>
+    <dgm:cxn modelId="{C965F1C3-CB40-492D-B854-F0C46E29D1CE}" srcId="{96F3274B-589D-4F86-BA39-C6997E5CAFCC}" destId="{DEF48C73-B667-41BA-945A-42CFC083AE37}" srcOrd="4" destOrd="0" parTransId="{994FB9E2-7AC7-4D40-9276-0BB1A69CE142}" sibTransId="{589D46B1-A919-4A20-A2A3-B51C4D9C1F97}"/>
     <dgm:cxn modelId="{9B0F5683-5D49-4551-A263-25F815277892}" srcId="{96F3274B-589D-4F86-BA39-C6997E5CAFCC}" destId="{4110F7CA-1DEE-4D9B-A79E-F220C89DC26F}" srcOrd="2" destOrd="0" parTransId="{81054186-B9B8-4CD5-B96B-9274BCD47627}" sibTransId="{649A1FD8-7B48-48A3-92DB-1CAC4C9627AB}"/>
+    <dgm:cxn modelId="{60495938-DDE7-417A-9A63-F46F343046E6}" type="presOf" srcId="{96F3274B-589D-4F86-BA39-C6997E5CAFCC}" destId="{1630FF3D-A00C-468E-962F-E41FC3624E26}" srcOrd="0" destOrd="0" presId="urn:microsoft.com/office/officeart/2005/8/layout/hList7"/>
+    <dgm:cxn modelId="{CE28B9A0-0DFD-48EB-9DB4-E3281122A49E}" type="presOf" srcId="{311ADC6B-9169-48CF-851A-E007224296FE}" destId="{D534074A-ADFA-4180-B099-B192B3BC0E79}" srcOrd="1" destOrd="0" presId="urn:microsoft.com/office/officeart/2005/8/layout/hList7"/>
+    <dgm:cxn modelId="{7F230D9F-5A18-4A51-A16E-AA6BE381DC1F}" type="presOf" srcId="{3900BB7C-EDD3-48FA-9BB1-AFBD0F8F95AD}" destId="{11A7F566-7E56-43DE-9407-BD45AE0AE41E}" srcOrd="1" destOrd="0" presId="urn:microsoft.com/office/officeart/2005/8/layout/hList7"/>
+    <dgm:cxn modelId="{7D570CEC-EA81-4113-A85C-34D0380D586E}" type="presOf" srcId="{E74E8593-519E-44D5-B246-B98B47AA9F77}" destId="{78F66834-D1A1-4DCA-AAE5-BAFA4EACF199}" srcOrd="0" destOrd="0" presId="urn:microsoft.com/office/officeart/2005/8/layout/hList7"/>
+    <dgm:cxn modelId="{513041CA-2B42-4C42-8120-43A12FED6F6D}" type="presOf" srcId="{4110F7CA-1DEE-4D9B-A79E-F220C89DC26F}" destId="{1F732159-755A-4488-B71F-5FB600B3B865}" srcOrd="0" destOrd="0" presId="urn:microsoft.com/office/officeart/2005/8/layout/hList7"/>
+    <dgm:cxn modelId="{E62D5D5C-1270-40F4-AA7A-AB9BB8313A61}" type="presOf" srcId="{0B2F9ECA-D062-4130-B289-D5EEAA6A409F}" destId="{60F37715-730A-49A4-A142-FAE125BD50AF}" srcOrd="0" destOrd="0" presId="urn:microsoft.com/office/officeart/2005/8/layout/hList7"/>
+    <dgm:cxn modelId="{9C4E77C6-3D28-4860-89DA-D88526F7E384}" type="presOf" srcId="{311ADC6B-9169-48CF-851A-E007224296FE}" destId="{B09D2C9B-4BB8-46EC-9B9C-FB80184BA2C2}" srcOrd="0" destOrd="0" presId="urn:microsoft.com/office/officeart/2005/8/layout/hList7"/>
+    <dgm:cxn modelId="{6E07580A-6777-4313-A83B-D3EFA33EA98B}" type="presOf" srcId="{0B2F9ECA-D062-4130-B289-D5EEAA6A409F}" destId="{FC6E8231-A746-40BE-9D57-3536D6F586E4}" srcOrd="1" destOrd="0" presId="urn:microsoft.com/office/officeart/2005/8/layout/hList7"/>
+    <dgm:cxn modelId="{C1147988-0641-49F9-8287-E869B65D3A69}" type="presOf" srcId="{649A1FD8-7B48-48A3-92DB-1CAC4C9627AB}" destId="{B43DC712-5E64-4D00-A482-FEC2E15D16ED}" srcOrd="0" destOrd="0" presId="urn:microsoft.com/office/officeart/2005/8/layout/hList7"/>
     <dgm:cxn modelId="{DEAD9112-BCBC-42A8-BF79-D5EB438A947F}" type="presOf" srcId="{49DA1277-BF8B-4782-9F0B-F408B308C87A}" destId="{42AD9186-06EF-41C3-B058-A7B27FDB121D}" srcOrd="0" destOrd="0" presId="urn:microsoft.com/office/officeart/2005/8/layout/hList7"/>
-    <dgm:cxn modelId="{7D570CEC-EA81-4113-A85C-34D0380D586E}" type="presOf" srcId="{E74E8593-519E-44D5-B246-B98B47AA9F77}" destId="{78F66834-D1A1-4DCA-AAE5-BAFA4EACF199}" srcOrd="0" destOrd="0" presId="urn:microsoft.com/office/officeart/2005/8/layout/hList7"/>
-    <dgm:cxn modelId="{9C4E77C6-3D28-4860-89DA-D88526F7E384}" type="presOf" srcId="{311ADC6B-9169-48CF-851A-E007224296FE}" destId="{B09D2C9B-4BB8-46EC-9B9C-FB80184BA2C2}" srcOrd="0" destOrd="0" presId="urn:microsoft.com/office/officeart/2005/8/layout/hList7"/>
-    <dgm:cxn modelId="{94859E3E-5FA2-4E69-B5E5-C3E80D631733}" type="presOf" srcId="{EFBCF41F-0EE6-42C3-B8B2-7F3E7B01DBDD}" destId="{D51AFE7C-743B-4FE4-9B99-005B456C3157}" srcOrd="0" destOrd="0" presId="urn:microsoft.com/office/officeart/2005/8/layout/hList7"/>
+    <dgm:cxn modelId="{093900D5-9933-4268-B52E-24651D5EF42E}" type="presOf" srcId="{DEF48C73-B667-41BA-945A-42CFC083AE37}" destId="{D5D96D56-144E-4D09-91F8-8FC748FFCF21}" srcOrd="0" destOrd="0" presId="urn:microsoft.com/office/officeart/2005/8/layout/hList7"/>
+    <dgm:cxn modelId="{9623FFA6-1C7F-43DA-9AB4-1569E9D4F442}" srcId="{96F3274B-589D-4F86-BA39-C6997E5CAFCC}" destId="{311ADC6B-9169-48CF-851A-E007224296FE}" srcOrd="3" destOrd="0" parTransId="{4D1A21DE-7505-4925-806A-EF08F8A3F10F}" sibTransId="{E74E8593-519E-44D5-B246-B98B47AA9F77}"/>
     <dgm:cxn modelId="{6F0B1CC6-BEFA-43DF-9F44-F67AF63F4851}" srcId="{96F3274B-589D-4F86-BA39-C6997E5CAFCC}" destId="{3900BB7C-EDD3-48FA-9BB1-AFBD0F8F95AD}" srcOrd="0" destOrd="0" parTransId="{C727DFF1-465C-44D7-890A-59D013C2C3C6}" sibTransId="{49DA1277-BF8B-4782-9F0B-F408B308C87A}"/>
-    <dgm:cxn modelId="{093900D5-9933-4268-B52E-24651D5EF42E}" type="presOf" srcId="{DEF48C73-B667-41BA-945A-42CFC083AE37}" destId="{D5D96D56-144E-4D09-91F8-8FC748FFCF21}" srcOrd="0" destOrd="0" presId="urn:microsoft.com/office/officeart/2005/8/layout/hList7"/>
-    <dgm:cxn modelId="{32938F62-88BB-41AA-9FF6-B510F878E7C2}" type="presOf" srcId="{DEF48C73-B667-41BA-945A-42CFC083AE37}" destId="{D0D29FB7-6BBA-462E-B6C7-AE207AFEC847}" srcOrd="1" destOrd="0" presId="urn:microsoft.com/office/officeart/2005/8/layout/hList7"/>
-    <dgm:cxn modelId="{C1147988-0641-49F9-8287-E869B65D3A69}" type="presOf" srcId="{649A1FD8-7B48-48A3-92DB-1CAC4C9627AB}" destId="{B43DC712-5E64-4D00-A482-FEC2E15D16ED}" srcOrd="0" destOrd="0" presId="urn:microsoft.com/office/officeart/2005/8/layout/hList7"/>
     <dgm:cxn modelId="{8835325B-50BD-45D3-B95E-474BBDD40735}" type="presOf" srcId="{4110F7CA-1DEE-4D9B-A79E-F220C89DC26F}" destId="{64E2A096-21B2-4E4D-B872-C21AD97E00EE}" srcOrd="1" destOrd="0" presId="urn:microsoft.com/office/officeart/2005/8/layout/hList7"/>
-    <dgm:cxn modelId="{9623FFA6-1C7F-43DA-9AB4-1569E9D4F442}" srcId="{96F3274B-589D-4F86-BA39-C6997E5CAFCC}" destId="{311ADC6B-9169-48CF-851A-E007224296FE}" srcOrd="3" destOrd="0" parTransId="{4D1A21DE-7505-4925-806A-EF08F8A3F10F}" sibTransId="{E74E8593-519E-44D5-B246-B98B47AA9F77}"/>
     <dgm:cxn modelId="{BA1C9148-C374-411B-8D85-9636448A352F}" type="presOf" srcId="{3900BB7C-EDD3-48FA-9BB1-AFBD0F8F95AD}" destId="{D4C3ED54-AFBF-42E6-9E30-AB92C76D3EA4}" srcOrd="0" destOrd="0" presId="urn:microsoft.com/office/officeart/2005/8/layout/hList7"/>
-    <dgm:cxn modelId="{E62D5D5C-1270-40F4-AA7A-AB9BB8313A61}" type="presOf" srcId="{0B2F9ECA-D062-4130-B289-D5EEAA6A409F}" destId="{60F37715-730A-49A4-A142-FAE125BD50AF}" srcOrd="0" destOrd="0" presId="urn:microsoft.com/office/officeart/2005/8/layout/hList7"/>
-    <dgm:cxn modelId="{6E07580A-6777-4313-A83B-D3EFA33EA98B}" type="presOf" srcId="{0B2F9ECA-D062-4130-B289-D5EEAA6A409F}" destId="{FC6E8231-A746-40BE-9D57-3536D6F586E4}" srcOrd="1" destOrd="0" presId="urn:microsoft.com/office/officeart/2005/8/layout/hList7"/>
-    <dgm:cxn modelId="{7F230D9F-5A18-4A51-A16E-AA6BE381DC1F}" type="presOf" srcId="{3900BB7C-EDD3-48FA-9BB1-AFBD0F8F95AD}" destId="{11A7F566-7E56-43DE-9407-BD45AE0AE41E}" srcOrd="1" destOrd="0" presId="urn:microsoft.com/office/officeart/2005/8/layout/hList7"/>
-    <dgm:cxn modelId="{CE28B9A0-0DFD-48EB-9DB4-E3281122A49E}" type="presOf" srcId="{311ADC6B-9169-48CF-851A-E007224296FE}" destId="{D534074A-ADFA-4180-B099-B192B3BC0E79}" srcOrd="1" destOrd="0" presId="urn:microsoft.com/office/officeart/2005/8/layout/hList7"/>
-    <dgm:cxn modelId="{55454B11-D9C0-4942-8C2A-88C7994505EF}" srcId="{96F3274B-589D-4F86-BA39-C6997E5CAFCC}" destId="{0B2F9ECA-D062-4130-B289-D5EEAA6A409F}" srcOrd="1" destOrd="0" parTransId="{56611DEF-212D-475B-9725-8DCEF3BF0B9C}" sibTransId="{EFBCF41F-0EE6-42C3-B8B2-7F3E7B01DBDD}"/>
-    <dgm:cxn modelId="{513041CA-2B42-4C42-8120-43A12FED6F6D}" type="presOf" srcId="{4110F7CA-1DEE-4D9B-A79E-F220C89DC26F}" destId="{1F732159-755A-4488-B71F-5FB600B3B865}" srcOrd="0" destOrd="0" presId="urn:microsoft.com/office/officeart/2005/8/layout/hList7"/>
-    <dgm:cxn modelId="{C965F1C3-CB40-492D-B854-F0C46E29D1CE}" srcId="{96F3274B-589D-4F86-BA39-C6997E5CAFCC}" destId="{DEF48C73-B667-41BA-945A-42CFC083AE37}" srcOrd="4" destOrd="0" parTransId="{994FB9E2-7AC7-4D40-9276-0BB1A69CE142}" sibTransId="{589D46B1-A919-4A20-A2A3-B51C4D9C1F97}"/>
-    <dgm:cxn modelId="{60495938-DDE7-417A-9A63-F46F343046E6}" type="presOf" srcId="{96F3274B-589D-4F86-BA39-C6997E5CAFCC}" destId="{1630FF3D-A00C-468E-962F-E41FC3624E26}" srcOrd="0" destOrd="0" presId="urn:microsoft.com/office/officeart/2005/8/layout/hList7"/>
     <dgm:cxn modelId="{BC2794F2-4549-498B-90B4-A75006521639}" type="presParOf" srcId="{1630FF3D-A00C-468E-962F-E41FC3624E26}" destId="{28C5334B-D391-4972-968A-B17009BE51DE}" srcOrd="0" destOrd="0" presId="urn:microsoft.com/office/officeart/2005/8/layout/hList7"/>
     <dgm:cxn modelId="{5745BE28-E29D-4529-9381-BA99B49EF625}" type="presParOf" srcId="{1630FF3D-A00C-468E-962F-E41FC3624E26}" destId="{EA2E76C5-7A45-40DB-AABF-ADE23567BC5E}" srcOrd="1" destOrd="0" presId="urn:microsoft.com/office/officeart/2005/8/layout/hList7"/>
     <dgm:cxn modelId="{9FAAAF0F-B533-4BD3-908E-69B63BF56E11}" type="presParOf" srcId="{EA2E76C5-7A45-40DB-AABF-ADE23567BC5E}" destId="{0F0F3267-F7EC-481F-8478-4E4553B54E61}" srcOrd="0" destOrd="0" presId="urn:microsoft.com/office/officeart/2005/8/layout/hList7"/>
@@ -1457,7 +1473,692 @@
   </dgm:cxnLst>
   <dgm:bg/>
   <dgm:whole/>
+  <dgm:extLst>
+    <a:ext uri="http://schemas.microsoft.com/office/drawing/2008/diagram">
+      <dsp:dataModelExt xmlns:dsp="http://schemas.microsoft.com/office/drawing/2008/diagram" relId="rId6" minVer="http://schemas.openxmlformats.org/drawingml/2006/diagram"/>
+    </a:ext>
+  </dgm:extLst>
 </dgm:dataModel>
+</file>
+
+<file path=ppt/diagrams/drawing1.xml><?xml version="1.0" encoding="utf-8"?>
+<dsp:drawing xmlns:dgm="http://schemas.openxmlformats.org/drawingml/2006/diagram" xmlns:dsp="http://schemas.microsoft.com/office/drawing/2008/diagram" xmlns:a="http://schemas.openxmlformats.org/drawingml/2006/main">
+  <dsp:spTree>
+    <dsp:nvGrpSpPr>
+      <dsp:cNvPr id="0" name=""/>
+      <dsp:cNvGrpSpPr/>
+    </dsp:nvGrpSpPr>
+    <dsp:grpSpPr/>
+    <dsp:sp modelId="{D4C3ED54-AFBF-42E6-9E30-AB92C76D3EA4}">
+      <dsp:nvSpPr>
+        <dsp:cNvPr id="0" name=""/>
+        <dsp:cNvSpPr/>
+      </dsp:nvSpPr>
+      <dsp:spPr>
+        <a:xfrm>
+          <a:off x="0" y="0"/>
+          <a:ext cx="1622226" cy="4800600"/>
+        </a:xfrm>
+        <a:prstGeom prst="roundRect">
+          <a:avLst>
+            <a:gd name="adj" fmla="val 10000"/>
+          </a:avLst>
+        </a:prstGeom>
+        <a:solidFill>
+          <a:schemeClr val="accent1">
+            <a:hueOff val="0"/>
+            <a:satOff val="0"/>
+            <a:lumOff val="0"/>
+            <a:alphaOff val="0"/>
+          </a:schemeClr>
+        </a:solidFill>
+        <a:ln w="11429" cap="flat" cmpd="sng" algn="ctr">
+          <a:solidFill>
+            <a:schemeClr val="lt1">
+              <a:hueOff val="0"/>
+              <a:satOff val="0"/>
+              <a:lumOff val="0"/>
+              <a:alphaOff val="0"/>
+            </a:schemeClr>
+          </a:solidFill>
+          <a:prstDash val="sysDash"/>
+        </a:ln>
+        <a:effectLst/>
+      </dsp:spPr>
+      <dsp:style>
+        <a:lnRef idx="2">
+          <a:scrgbClr r="0" g="0" b="0"/>
+        </a:lnRef>
+        <a:fillRef idx="1">
+          <a:scrgbClr r="0" g="0" b="0"/>
+        </a:fillRef>
+        <a:effectRef idx="0">
+          <a:scrgbClr r="0" g="0" b="0"/>
+        </a:effectRef>
+        <a:fontRef idx="minor">
+          <a:schemeClr val="lt1"/>
+        </a:fontRef>
+      </dsp:style>
+      <dsp:txBody>
+        <a:bodyPr spcFirstLastPara="0" vert="horz" wrap="square" lIns="120904" tIns="120904" rIns="120904" bIns="120904" numCol="1" spcCol="1270" anchor="ctr" anchorCtr="0">
+          <a:noAutofit/>
+        </a:bodyPr>
+        <a:lstStyle/>
+        <a:p>
+          <a:pPr lvl="0" algn="ctr" defTabSz="755650">
+            <a:lnSpc>
+              <a:spcPct val="90000"/>
+            </a:lnSpc>
+            <a:spcBef>
+              <a:spcPct val="0"/>
+            </a:spcBef>
+            <a:spcAft>
+              <a:spcPct val="35000"/>
+            </a:spcAft>
+          </a:pPr>
+          <a:r>
+            <a:rPr lang="en-US" sz="1700" kern="1200" dirty="0" smtClean="0"/>
+            <a:t>Interview</a:t>
+          </a:r>
+          <a:endParaRPr lang="en-US" sz="1700" kern="1200" dirty="0"/>
+        </a:p>
+      </dsp:txBody>
+      <dsp:txXfrm>
+        <a:off x="0" y="1920240"/>
+        <a:ext cx="1622226" cy="1920240"/>
+      </dsp:txXfrm>
+    </dsp:sp>
+    <dsp:sp modelId="{A26DF1B7-E66A-4C31-B151-2733FD1AF3DC}">
+      <dsp:nvSpPr>
+        <dsp:cNvPr id="0" name=""/>
+        <dsp:cNvSpPr/>
+      </dsp:nvSpPr>
+      <dsp:spPr>
+        <a:xfrm>
+          <a:off x="48666" y="288036"/>
+          <a:ext cx="1524892" cy="1598599"/>
+        </a:xfrm>
+        <a:prstGeom prst="ellipse">
+          <a:avLst/>
+        </a:prstGeom>
+        <a:blipFill rotWithShape="0">
+          <a:blip xmlns:r="http://schemas.openxmlformats.org/officeDocument/2006/relationships" r:embed="rId1"/>
+          <a:stretch>
+            <a:fillRect/>
+          </a:stretch>
+        </a:blipFill>
+        <a:ln w="11429" cap="flat" cmpd="sng" algn="ctr">
+          <a:solidFill>
+            <a:schemeClr val="lt1">
+              <a:hueOff val="0"/>
+              <a:satOff val="0"/>
+              <a:lumOff val="0"/>
+              <a:alphaOff val="0"/>
+            </a:schemeClr>
+          </a:solidFill>
+          <a:prstDash val="sysDash"/>
+        </a:ln>
+        <a:effectLst/>
+      </dsp:spPr>
+      <dsp:style>
+        <a:lnRef idx="2">
+          <a:scrgbClr r="0" g="0" b="0"/>
+        </a:lnRef>
+        <a:fillRef idx="1">
+          <a:scrgbClr r="0" g="0" b="0"/>
+        </a:fillRef>
+        <a:effectRef idx="0">
+          <a:scrgbClr r="0" g="0" b="0"/>
+        </a:effectRef>
+        <a:fontRef idx="minor"/>
+      </dsp:style>
+    </dsp:sp>
+    <dsp:sp modelId="{60F37715-730A-49A4-A142-FAE125BD50AF}">
+      <dsp:nvSpPr>
+        <dsp:cNvPr id="0" name=""/>
+        <dsp:cNvSpPr/>
+      </dsp:nvSpPr>
+      <dsp:spPr>
+        <a:xfrm>
+          <a:off x="1670893" y="0"/>
+          <a:ext cx="1622226" cy="4800600"/>
+        </a:xfrm>
+        <a:prstGeom prst="roundRect">
+          <a:avLst>
+            <a:gd name="adj" fmla="val 10000"/>
+          </a:avLst>
+        </a:prstGeom>
+        <a:solidFill>
+          <a:schemeClr val="accent1">
+            <a:hueOff val="0"/>
+            <a:satOff val="0"/>
+            <a:lumOff val="0"/>
+            <a:alphaOff val="0"/>
+          </a:schemeClr>
+        </a:solidFill>
+        <a:ln w="11429" cap="flat" cmpd="sng" algn="ctr">
+          <a:solidFill>
+            <a:schemeClr val="lt1">
+              <a:hueOff val="0"/>
+              <a:satOff val="0"/>
+              <a:lumOff val="0"/>
+              <a:alphaOff val="0"/>
+            </a:schemeClr>
+          </a:solidFill>
+          <a:prstDash val="sysDash"/>
+        </a:ln>
+        <a:effectLst/>
+      </dsp:spPr>
+      <dsp:style>
+        <a:lnRef idx="2">
+          <a:scrgbClr r="0" g="0" b="0"/>
+        </a:lnRef>
+        <a:fillRef idx="1">
+          <a:scrgbClr r="0" g="0" b="0"/>
+        </a:fillRef>
+        <a:effectRef idx="0">
+          <a:scrgbClr r="0" g="0" b="0"/>
+        </a:effectRef>
+        <a:fontRef idx="minor">
+          <a:schemeClr val="lt1"/>
+        </a:fontRef>
+      </dsp:style>
+      <dsp:txBody>
+        <a:bodyPr spcFirstLastPara="0" vert="horz" wrap="square" lIns="120904" tIns="120904" rIns="120904" bIns="120904" numCol="1" spcCol="1270" anchor="ctr" anchorCtr="0">
+          <a:noAutofit/>
+        </a:bodyPr>
+        <a:lstStyle/>
+        <a:p>
+          <a:pPr lvl="0" algn="ctr" defTabSz="755650">
+            <a:lnSpc>
+              <a:spcPct val="90000"/>
+            </a:lnSpc>
+            <a:spcBef>
+              <a:spcPct val="0"/>
+            </a:spcBef>
+            <a:spcAft>
+              <a:spcPct val="35000"/>
+            </a:spcAft>
+          </a:pPr>
+          <a:r>
+            <a:rPr lang="en-US" sz="1700" kern="1200" dirty="0" smtClean="0"/>
+            <a:t>Questionnaire </a:t>
+          </a:r>
+          <a:endParaRPr lang="en-US" sz="1700" kern="1200" dirty="0"/>
+        </a:p>
+      </dsp:txBody>
+      <dsp:txXfrm>
+        <a:off x="1670893" y="1920240"/>
+        <a:ext cx="1622226" cy="1920240"/>
+      </dsp:txXfrm>
+    </dsp:sp>
+    <dsp:sp modelId="{E8BA3CA3-9B5B-428C-8AB2-38CDC3CC6258}">
+      <dsp:nvSpPr>
+        <dsp:cNvPr id="0" name=""/>
+        <dsp:cNvSpPr/>
+      </dsp:nvSpPr>
+      <dsp:spPr>
+        <a:xfrm>
+          <a:off x="1719560" y="288036"/>
+          <a:ext cx="1524892" cy="1598599"/>
+        </a:xfrm>
+        <a:prstGeom prst="ellipse">
+          <a:avLst/>
+        </a:prstGeom>
+        <a:blipFill rotWithShape="0">
+          <a:blip xmlns:r="http://schemas.openxmlformats.org/officeDocument/2006/relationships" r:embed="rId2"/>
+          <a:stretch>
+            <a:fillRect/>
+          </a:stretch>
+        </a:blipFill>
+        <a:ln w="11429" cap="flat" cmpd="sng" algn="ctr">
+          <a:solidFill>
+            <a:schemeClr val="lt1">
+              <a:hueOff val="0"/>
+              <a:satOff val="0"/>
+              <a:lumOff val="0"/>
+              <a:alphaOff val="0"/>
+            </a:schemeClr>
+          </a:solidFill>
+          <a:prstDash val="sysDash"/>
+        </a:ln>
+        <a:effectLst/>
+      </dsp:spPr>
+      <dsp:style>
+        <a:lnRef idx="2">
+          <a:scrgbClr r="0" g="0" b="0"/>
+        </a:lnRef>
+        <a:fillRef idx="1">
+          <a:scrgbClr r="0" g="0" b="0"/>
+        </a:fillRef>
+        <a:effectRef idx="0">
+          <a:scrgbClr r="0" g="0" b="0"/>
+        </a:effectRef>
+        <a:fontRef idx="minor"/>
+      </dsp:style>
+    </dsp:sp>
+    <dsp:sp modelId="{1F732159-755A-4488-B71F-5FB600B3B865}">
+      <dsp:nvSpPr>
+        <dsp:cNvPr id="0" name=""/>
+        <dsp:cNvSpPr/>
+      </dsp:nvSpPr>
+      <dsp:spPr>
+        <a:xfrm>
+          <a:off x="3341786" y="0"/>
+          <a:ext cx="1622226" cy="4800600"/>
+        </a:xfrm>
+        <a:prstGeom prst="roundRect">
+          <a:avLst>
+            <a:gd name="adj" fmla="val 10000"/>
+          </a:avLst>
+        </a:prstGeom>
+        <a:solidFill>
+          <a:schemeClr val="accent1">
+            <a:hueOff val="0"/>
+            <a:satOff val="0"/>
+            <a:lumOff val="0"/>
+            <a:alphaOff val="0"/>
+          </a:schemeClr>
+        </a:solidFill>
+        <a:ln w="11429" cap="flat" cmpd="sng" algn="ctr">
+          <a:solidFill>
+            <a:schemeClr val="lt1">
+              <a:hueOff val="0"/>
+              <a:satOff val="0"/>
+              <a:lumOff val="0"/>
+              <a:alphaOff val="0"/>
+            </a:schemeClr>
+          </a:solidFill>
+          <a:prstDash val="sysDash"/>
+        </a:ln>
+        <a:effectLst/>
+      </dsp:spPr>
+      <dsp:style>
+        <a:lnRef idx="2">
+          <a:scrgbClr r="0" g="0" b="0"/>
+        </a:lnRef>
+        <a:fillRef idx="1">
+          <a:scrgbClr r="0" g="0" b="0"/>
+        </a:fillRef>
+        <a:effectRef idx="0">
+          <a:scrgbClr r="0" g="0" b="0"/>
+        </a:effectRef>
+        <a:fontRef idx="minor">
+          <a:schemeClr val="lt1"/>
+        </a:fontRef>
+      </dsp:style>
+      <dsp:txBody>
+        <a:bodyPr spcFirstLastPara="0" vert="horz" wrap="square" lIns="120904" tIns="120904" rIns="120904" bIns="120904" numCol="1" spcCol="1270" anchor="ctr" anchorCtr="0">
+          <a:noAutofit/>
+        </a:bodyPr>
+        <a:lstStyle/>
+        <a:p>
+          <a:pPr lvl="0" algn="ctr" defTabSz="755650">
+            <a:lnSpc>
+              <a:spcPct val="90000"/>
+            </a:lnSpc>
+            <a:spcBef>
+              <a:spcPct val="0"/>
+            </a:spcBef>
+            <a:spcAft>
+              <a:spcPct val="35000"/>
+            </a:spcAft>
+          </a:pPr>
+          <a:r>
+            <a:rPr lang="en-US" sz="1700" kern="1200" dirty="0" smtClean="0"/>
+            <a:t>On-site observations</a:t>
+          </a:r>
+          <a:endParaRPr lang="en-US" sz="1700" kern="1200" dirty="0"/>
+        </a:p>
+      </dsp:txBody>
+      <dsp:txXfrm>
+        <a:off x="3341786" y="1920240"/>
+        <a:ext cx="1622226" cy="1920240"/>
+      </dsp:txXfrm>
+    </dsp:sp>
+    <dsp:sp modelId="{2D245B3C-E12F-4F3F-BE3F-AC05594EB492}">
+      <dsp:nvSpPr>
+        <dsp:cNvPr id="0" name=""/>
+        <dsp:cNvSpPr/>
+      </dsp:nvSpPr>
+      <dsp:spPr>
+        <a:xfrm>
+          <a:off x="3390453" y="288036"/>
+          <a:ext cx="1524892" cy="1598599"/>
+        </a:xfrm>
+        <a:prstGeom prst="ellipse">
+          <a:avLst/>
+        </a:prstGeom>
+        <a:blipFill rotWithShape="0">
+          <a:blip xmlns:r="http://schemas.openxmlformats.org/officeDocument/2006/relationships" r:embed="rId3"/>
+          <a:stretch>
+            <a:fillRect/>
+          </a:stretch>
+        </a:blipFill>
+        <a:ln w="11429" cap="flat" cmpd="sng" algn="ctr">
+          <a:solidFill>
+            <a:schemeClr val="lt1">
+              <a:hueOff val="0"/>
+              <a:satOff val="0"/>
+              <a:lumOff val="0"/>
+              <a:alphaOff val="0"/>
+            </a:schemeClr>
+          </a:solidFill>
+          <a:prstDash val="sysDash"/>
+        </a:ln>
+        <a:effectLst/>
+      </dsp:spPr>
+      <dsp:style>
+        <a:lnRef idx="2">
+          <a:scrgbClr r="0" g="0" b="0"/>
+        </a:lnRef>
+        <a:fillRef idx="1">
+          <a:scrgbClr r="0" g="0" b="0"/>
+        </a:fillRef>
+        <a:effectRef idx="0">
+          <a:scrgbClr r="0" g="0" b="0"/>
+        </a:effectRef>
+        <a:fontRef idx="minor"/>
+      </dsp:style>
+    </dsp:sp>
+    <dsp:sp modelId="{B09D2C9B-4BB8-46EC-9B9C-FB80184BA2C2}">
+      <dsp:nvSpPr>
+        <dsp:cNvPr id="0" name=""/>
+        <dsp:cNvSpPr/>
+      </dsp:nvSpPr>
+      <dsp:spPr>
+        <a:xfrm>
+          <a:off x="5012680" y="0"/>
+          <a:ext cx="1622226" cy="4800600"/>
+        </a:xfrm>
+        <a:prstGeom prst="roundRect">
+          <a:avLst>
+            <a:gd name="adj" fmla="val 10000"/>
+          </a:avLst>
+        </a:prstGeom>
+        <a:solidFill>
+          <a:schemeClr val="accent1">
+            <a:hueOff val="0"/>
+            <a:satOff val="0"/>
+            <a:lumOff val="0"/>
+            <a:alphaOff val="0"/>
+          </a:schemeClr>
+        </a:solidFill>
+        <a:ln w="11429" cap="flat" cmpd="sng" algn="ctr">
+          <a:solidFill>
+            <a:schemeClr val="lt1">
+              <a:hueOff val="0"/>
+              <a:satOff val="0"/>
+              <a:lumOff val="0"/>
+              <a:alphaOff val="0"/>
+            </a:schemeClr>
+          </a:solidFill>
+          <a:prstDash val="sysDash"/>
+        </a:ln>
+        <a:effectLst/>
+      </dsp:spPr>
+      <dsp:style>
+        <a:lnRef idx="2">
+          <a:scrgbClr r="0" g="0" b="0"/>
+        </a:lnRef>
+        <a:fillRef idx="1">
+          <a:scrgbClr r="0" g="0" b="0"/>
+        </a:fillRef>
+        <a:effectRef idx="0">
+          <a:scrgbClr r="0" g="0" b="0"/>
+        </a:effectRef>
+        <a:fontRef idx="minor">
+          <a:schemeClr val="lt1"/>
+        </a:fontRef>
+      </dsp:style>
+      <dsp:txBody>
+        <a:bodyPr spcFirstLastPara="0" vert="horz" wrap="square" lIns="120904" tIns="120904" rIns="120904" bIns="120904" numCol="1" spcCol="1270" anchor="ctr" anchorCtr="0">
+          <a:noAutofit/>
+        </a:bodyPr>
+        <a:lstStyle/>
+        <a:p>
+          <a:pPr lvl="0" algn="ctr" defTabSz="755650">
+            <a:lnSpc>
+              <a:spcPct val="90000"/>
+            </a:lnSpc>
+            <a:spcBef>
+              <a:spcPct val="0"/>
+            </a:spcBef>
+            <a:spcAft>
+              <a:spcPct val="35000"/>
+            </a:spcAft>
+          </a:pPr>
+          <a:r>
+            <a:rPr lang="en-IN" sz="1700" kern="1200" smtClean="0"/>
+            <a:t>Literature review</a:t>
+          </a:r>
+          <a:endParaRPr lang="en-US" sz="1700" kern="1200" dirty="0" smtClean="0"/>
+        </a:p>
+      </dsp:txBody>
+      <dsp:txXfrm>
+        <a:off x="5012680" y="1920240"/>
+        <a:ext cx="1622226" cy="1920240"/>
+      </dsp:txXfrm>
+    </dsp:sp>
+    <dsp:sp modelId="{14124B5F-4736-4477-8302-5C4DDC0126BC}">
+      <dsp:nvSpPr>
+        <dsp:cNvPr id="0" name=""/>
+        <dsp:cNvSpPr/>
+      </dsp:nvSpPr>
+      <dsp:spPr>
+        <a:xfrm>
+          <a:off x="5061346" y="288036"/>
+          <a:ext cx="1524892" cy="1598599"/>
+        </a:xfrm>
+        <a:prstGeom prst="ellipse">
+          <a:avLst/>
+        </a:prstGeom>
+        <a:blipFill rotWithShape="0">
+          <a:blip xmlns:r="http://schemas.openxmlformats.org/officeDocument/2006/relationships" r:embed="rId4"/>
+          <a:stretch>
+            <a:fillRect/>
+          </a:stretch>
+        </a:blipFill>
+        <a:ln w="11429" cap="flat" cmpd="sng" algn="ctr">
+          <a:solidFill>
+            <a:schemeClr val="lt1">
+              <a:hueOff val="0"/>
+              <a:satOff val="0"/>
+              <a:lumOff val="0"/>
+              <a:alphaOff val="0"/>
+            </a:schemeClr>
+          </a:solidFill>
+          <a:prstDash val="sysDash"/>
+        </a:ln>
+        <a:effectLst/>
+      </dsp:spPr>
+      <dsp:style>
+        <a:lnRef idx="2">
+          <a:scrgbClr r="0" g="0" b="0"/>
+        </a:lnRef>
+        <a:fillRef idx="1">
+          <a:scrgbClr r="0" g="0" b="0"/>
+        </a:fillRef>
+        <a:effectRef idx="0">
+          <a:scrgbClr r="0" g="0" b="0"/>
+        </a:effectRef>
+        <a:fontRef idx="minor"/>
+      </dsp:style>
+    </dsp:sp>
+    <dsp:sp modelId="{D5D96D56-144E-4D09-91F8-8FC748FFCF21}">
+      <dsp:nvSpPr>
+        <dsp:cNvPr id="0" name=""/>
+        <dsp:cNvSpPr/>
+      </dsp:nvSpPr>
+      <dsp:spPr>
+        <a:xfrm>
+          <a:off x="6683573" y="0"/>
+          <a:ext cx="1622226" cy="4800600"/>
+        </a:xfrm>
+        <a:prstGeom prst="roundRect">
+          <a:avLst>
+            <a:gd name="adj" fmla="val 10000"/>
+          </a:avLst>
+        </a:prstGeom>
+        <a:solidFill>
+          <a:schemeClr val="accent1">
+            <a:hueOff val="0"/>
+            <a:satOff val="0"/>
+            <a:lumOff val="0"/>
+            <a:alphaOff val="0"/>
+          </a:schemeClr>
+        </a:solidFill>
+        <a:ln w="11429" cap="flat" cmpd="sng" algn="ctr">
+          <a:solidFill>
+            <a:schemeClr val="lt1">
+              <a:hueOff val="0"/>
+              <a:satOff val="0"/>
+              <a:lumOff val="0"/>
+              <a:alphaOff val="0"/>
+            </a:schemeClr>
+          </a:solidFill>
+          <a:prstDash val="sysDash"/>
+        </a:ln>
+        <a:effectLst/>
+      </dsp:spPr>
+      <dsp:style>
+        <a:lnRef idx="2">
+          <a:scrgbClr r="0" g="0" b="0"/>
+        </a:lnRef>
+        <a:fillRef idx="1">
+          <a:scrgbClr r="0" g="0" b="0"/>
+        </a:fillRef>
+        <a:effectRef idx="0">
+          <a:scrgbClr r="0" g="0" b="0"/>
+        </a:effectRef>
+        <a:fontRef idx="minor">
+          <a:schemeClr val="lt1"/>
+        </a:fontRef>
+      </dsp:style>
+      <dsp:txBody>
+        <a:bodyPr spcFirstLastPara="0" vert="horz" wrap="square" lIns="120904" tIns="120904" rIns="120904" bIns="120904" numCol="1" spcCol="1270" anchor="ctr" anchorCtr="0">
+          <a:noAutofit/>
+        </a:bodyPr>
+        <a:lstStyle/>
+        <a:p>
+          <a:pPr lvl="0" algn="ctr" defTabSz="755650">
+            <a:lnSpc>
+              <a:spcPct val="90000"/>
+            </a:lnSpc>
+            <a:spcBef>
+              <a:spcPct val="0"/>
+            </a:spcBef>
+            <a:spcAft>
+              <a:spcPct val="35000"/>
+            </a:spcAft>
+          </a:pPr>
+          <a:r>
+            <a:rPr lang="en-IN" sz="1700" kern="1200" smtClean="0"/>
+            <a:t>Visiting similar sites  </a:t>
+          </a:r>
+          <a:endParaRPr lang="en-US" sz="1700" kern="1200" dirty="0" smtClean="0"/>
+        </a:p>
+      </dsp:txBody>
+      <dsp:txXfrm>
+        <a:off x="6683573" y="1920240"/>
+        <a:ext cx="1622226" cy="1920240"/>
+      </dsp:txXfrm>
+    </dsp:sp>
+    <dsp:sp modelId="{60B9BC38-D413-4047-A6BD-DE7E0DF250FC}">
+      <dsp:nvSpPr>
+        <dsp:cNvPr id="0" name=""/>
+        <dsp:cNvSpPr/>
+      </dsp:nvSpPr>
+      <dsp:spPr>
+        <a:xfrm>
+          <a:off x="6732240" y="288036"/>
+          <a:ext cx="1524892" cy="1598599"/>
+        </a:xfrm>
+        <a:prstGeom prst="ellipse">
+          <a:avLst/>
+        </a:prstGeom>
+        <a:blipFill rotWithShape="0">
+          <a:blip xmlns:r="http://schemas.openxmlformats.org/officeDocument/2006/relationships" r:embed="rId5"/>
+          <a:stretch>
+            <a:fillRect/>
+          </a:stretch>
+        </a:blipFill>
+        <a:ln w="11429" cap="flat" cmpd="sng" algn="ctr">
+          <a:solidFill>
+            <a:schemeClr val="lt1">
+              <a:hueOff val="0"/>
+              <a:satOff val="0"/>
+              <a:lumOff val="0"/>
+              <a:alphaOff val="0"/>
+            </a:schemeClr>
+          </a:solidFill>
+          <a:prstDash val="sysDash"/>
+        </a:ln>
+        <a:effectLst/>
+      </dsp:spPr>
+      <dsp:style>
+        <a:lnRef idx="2">
+          <a:scrgbClr r="0" g="0" b="0"/>
+        </a:lnRef>
+        <a:fillRef idx="1">
+          <a:scrgbClr r="0" g="0" b="0"/>
+        </a:fillRef>
+        <a:effectRef idx="0">
+          <a:scrgbClr r="0" g="0" b="0"/>
+        </a:effectRef>
+        <a:fontRef idx="minor"/>
+      </dsp:style>
+    </dsp:sp>
+    <dsp:sp modelId="{28C5334B-D391-4972-968A-B17009BE51DE}">
+      <dsp:nvSpPr>
+        <dsp:cNvPr id="0" name=""/>
+        <dsp:cNvSpPr/>
+      </dsp:nvSpPr>
+      <dsp:spPr>
+        <a:xfrm>
+          <a:off x="332232" y="3840480"/>
+          <a:ext cx="7641336" cy="720090"/>
+        </a:xfrm>
+        <a:prstGeom prst="leftRightArrow">
+          <a:avLst/>
+        </a:prstGeom>
+        <a:solidFill>
+          <a:schemeClr val="accent1">
+            <a:tint val="60000"/>
+            <a:hueOff val="0"/>
+            <a:satOff val="0"/>
+            <a:lumOff val="0"/>
+            <a:alphaOff val="0"/>
+          </a:schemeClr>
+        </a:solidFill>
+        <a:ln w="11429" cap="flat" cmpd="sng" algn="ctr">
+          <a:solidFill>
+            <a:schemeClr val="lt1">
+              <a:hueOff val="0"/>
+              <a:satOff val="0"/>
+              <a:lumOff val="0"/>
+              <a:alphaOff val="0"/>
+            </a:schemeClr>
+          </a:solidFill>
+          <a:prstDash val="sysDash"/>
+        </a:ln>
+        <a:effectLst/>
+      </dsp:spPr>
+      <dsp:style>
+        <a:lnRef idx="2">
+          <a:scrgbClr r="0" g="0" b="0"/>
+        </a:lnRef>
+        <a:fillRef idx="1">
+          <a:scrgbClr r="0" g="0" b="0"/>
+        </a:fillRef>
+        <a:effectRef idx="0">
+          <a:scrgbClr r="0" g="0" b="0"/>
+        </a:effectRef>
+        <a:fontRef idx="minor"/>
+      </dsp:style>
+    </dsp:sp>
+  </dsp:spTree>
+</dsp:drawing>
 </file>
 
 <file path=ppt/diagrams/layout1.xml><?xml version="1.0" encoding="utf-8"?>
@@ -1469,6 +2170,8 @@
     <dgm:cat type="process" pri="20000"/>
     <dgm:cat type="relationship" pri="14000"/>
     <dgm:cat type="convert" pri="8000"/>
+    <dgm:cat type="picture" pri="25000"/>
+    <dgm:cat type="pictureconvert" pri="25000"/>
   </dgm:catLst>
   <dgm:sampData useDef="1">
     <dgm:dataModel>
@@ -8754,11 +9457,7 @@
           <a:p>
             <a:r>
               <a:rPr lang="en-US" dirty="0" smtClean="0"/>
-              <a:t>Under the </a:t>
-            </a:r>
-            <a:r>
-              <a:rPr lang="en-US" dirty="0" smtClean="0"/>
-              <a:t>guidance of </a:t>
+              <a:t>Under the guidance of </a:t>
             </a:r>
             <a:r>
               <a:rPr lang="en-US" dirty="0" err="1" smtClean="0"/>
@@ -9026,6 +9725,13 @@
   <p:clrMapOvr>
     <a:masterClrMapping/>
   </p:clrMapOvr>
+  <p:timing>
+    <p:tnLst>
+      <p:par>
+        <p:cTn id="1" dur="indefinite" restart="never" nodeType="tmRoot"/>
+      </p:par>
+    </p:tnLst>
+  </p:timing>
 </p:sld>
 </file>
 
@@ -9150,6 +9856,13 @@
   <p:clrMapOvr>
     <a:masterClrMapping/>
   </p:clrMapOvr>
+  <p:timing>
+    <p:tnLst>
+      <p:par>
+        <p:cTn id="1" dur="indefinite" restart="never" nodeType="tmRoot"/>
+      </p:par>
+    </p:tnLst>
+  </p:timing>
 </p:sld>
 </file>
 
@@ -9217,6 +9930,13 @@
   <p:clrMapOvr>
     <a:masterClrMapping/>
   </p:clrMapOvr>
+  <p:timing>
+    <p:tnLst>
+      <p:par>
+        <p:cTn id="1" dur="indefinite" restart="never" nodeType="tmRoot"/>
+      </p:par>
+    </p:tnLst>
+  </p:timing>
 </p:sld>
 </file>
 
@@ -9398,6 +10118,13 @@
   <p:clrMapOvr>
     <a:masterClrMapping/>
   </p:clrMapOvr>
+  <p:timing>
+    <p:tnLst>
+      <p:par>
+        <p:cTn id="1" dur="indefinite" restart="never" nodeType="tmRoot"/>
+      </p:par>
+    </p:tnLst>
+  </p:timing>
 </p:sld>
 </file>
 
@@ -10036,6 +10763,13 @@
   <p:clrMapOvr>
     <a:masterClrMapping/>
   </p:clrMapOvr>
+  <p:timing>
+    <p:tnLst>
+      <p:par>
+        <p:cTn id="1" dur="indefinite" restart="never" nodeType="tmRoot"/>
+      </p:par>
+    </p:tnLst>
+  </p:timing>
 </p:sld>
 </file>
 
@@ -10272,6 +11006,13 @@
   <p:clrMapOvr>
     <a:masterClrMapping/>
   </p:clrMapOvr>
+  <p:timing>
+    <p:tnLst>
+      <p:par>
+        <p:cTn id="1" dur="indefinite" restart="never" nodeType="tmRoot"/>
+      </p:par>
+    </p:tnLst>
+  </p:timing>
 </p:sld>
 </file>
 
@@ -10362,6 +11103,13 @@
   <p:clrMapOvr>
     <a:masterClrMapping/>
   </p:clrMapOvr>
+  <p:timing>
+    <p:tnLst>
+      <p:par>
+        <p:cTn id="1" dur="indefinite" restart="never" nodeType="tmRoot"/>
+      </p:par>
+    </p:tnLst>
+  </p:timing>
 </p:sld>
 </file>
 
@@ -10447,6 +11195,13 @@
   <p:clrMapOvr>
     <a:masterClrMapping/>
   </p:clrMapOvr>
+  <p:timing>
+    <p:tnLst>
+      <p:par>
+        <p:cTn id="1" dur="indefinite" restart="never" nodeType="tmRoot"/>
+      </p:par>
+    </p:tnLst>
+  </p:timing>
 </p:sld>
 </file>
 
@@ -10526,6 +11281,13 @@
   <p:clrMapOvr>
     <a:masterClrMapping/>
   </p:clrMapOvr>
+  <p:timing>
+    <p:tnLst>
+      <p:par>
+        <p:cTn id="1" dur="indefinite" restart="never" nodeType="tmRoot"/>
+      </p:par>
+    </p:tnLst>
+  </p:timing>
 </p:sld>
 </file>
 
@@ -10638,6 +11400,13 @@
   <p:clrMapOvr>
     <a:masterClrMapping/>
   </p:clrMapOvr>
+  <p:timing>
+    <p:tnLst>
+      <p:par>
+        <p:cTn id="1" dur="indefinite" restart="never" nodeType="tmRoot"/>
+      </p:par>
+    </p:tnLst>
+  </p:timing>
 </p:sld>
 </file>
 
@@ -10695,6 +11464,13 @@
   <p:clrMapOvr>
     <a:masterClrMapping/>
   </p:clrMapOvr>
+  <p:timing>
+    <p:tnLst>
+      <p:par>
+        <p:cTn id="1" dur="indefinite" restart="never" nodeType="tmRoot"/>
+      </p:par>
+    </p:tnLst>
+  </p:timing>
 </p:sld>
 </file>
 
@@ -10746,6 +11522,13 @@
   <p:clrMapOvr>
     <a:masterClrMapping/>
   </p:clrMapOvr>
+  <p:timing>
+    <p:tnLst>
+      <p:par>
+        <p:cTn id="1" dur="indefinite" restart="never" nodeType="tmRoot"/>
+      </p:par>
+    </p:tnLst>
+  </p:timing>
 </p:sld>
 </file>
 
@@ -10841,6 +11624,13 @@
   <p:clrMapOvr>
     <a:masterClrMapping/>
   </p:clrMapOvr>
+  <p:timing>
+    <p:tnLst>
+      <p:par>
+        <p:cTn id="1" dur="indefinite" restart="never" nodeType="tmRoot"/>
+      </p:par>
+    </p:tnLst>
+  </p:timing>
 </p:sld>
 </file>
 
@@ -10892,6 +11682,13 @@
   <p:clrMapOvr>
     <a:masterClrMapping/>
   </p:clrMapOvr>
+  <p:timing>
+    <p:tnLst>
+      <p:par>
+        <p:cTn id="1" dur="indefinite" restart="never" nodeType="tmRoot"/>
+      </p:par>
+    </p:tnLst>
+  </p:timing>
 </p:sld>
 </file>
 
@@ -10966,6 +11763,13 @@
   <p:clrMapOvr>
     <a:masterClrMapping/>
   </p:clrMapOvr>
+  <p:timing>
+    <p:tnLst>
+      <p:par>
+        <p:cTn id="1" dur="indefinite" restart="never" nodeType="tmRoot"/>
+      </p:par>
+    </p:tnLst>
+  </p:timing>
 </p:sld>
 </file>
 
@@ -11118,6 +11922,13 @@
   <p:clrMapOvr>
     <a:masterClrMapping/>
   </p:clrMapOvr>
+  <p:timing>
+    <p:tnLst>
+      <p:par>
+        <p:cTn id="1" dur="indefinite" restart="never" nodeType="tmRoot"/>
+      </p:par>
+    </p:tnLst>
+  </p:timing>
 </p:sld>
 </file>
 
@@ -11169,6 +11980,13 @@
   <p:clrMapOvr>
     <a:masterClrMapping/>
   </p:clrMapOvr>
+  <p:timing>
+    <p:tnLst>
+      <p:par>
+        <p:cTn id="1" dur="indefinite" restart="never" nodeType="tmRoot"/>
+      </p:par>
+    </p:tnLst>
+  </p:timing>
 </p:sld>
 </file>
 
@@ -11243,6 +12061,13 @@
   <p:clrMapOvr>
     <a:masterClrMapping/>
   </p:clrMapOvr>
+  <p:timing>
+    <p:tnLst>
+      <p:par>
+        <p:cTn id="1" dur="indefinite" restart="never" nodeType="tmRoot"/>
+      </p:par>
+    </p:tnLst>
+  </p:timing>
 </p:sld>
 </file>
 
@@ -11319,6 +12144,13 @@
   <p:clrMapOvr>
     <a:masterClrMapping/>
   </p:clrMapOvr>
+  <p:timing>
+    <p:tnLst>
+      <p:par>
+        <p:cTn id="1" dur="indefinite" restart="never" nodeType="tmRoot"/>
+      </p:par>
+    </p:tnLst>
+  </p:timing>
 </p:sld>
 </file>
 
@@ -11458,6 +12290,13 @@
   <p:clrMapOvr>
     <a:masterClrMapping/>
   </p:clrMapOvr>
+  <p:timing>
+    <p:tnLst>
+      <p:par>
+        <p:cTn id="1" dur="indefinite" restart="never" nodeType="tmRoot"/>
+      </p:par>
+    </p:tnLst>
+  </p:timing>
 </p:sld>
 </file>
 
@@ -11558,6 +12397,13 @@
   <p:clrMapOvr>
     <a:masterClrMapping/>
   </p:clrMapOvr>
+  <p:timing>
+    <p:tnLst>
+      <p:par>
+        <p:cTn id="1" dur="indefinite" restart="never" nodeType="tmRoot"/>
+      </p:par>
+    </p:tnLst>
+  </p:timing>
 </p:sld>
 </file>
 
@@ -11595,7 +12441,13 @@
             <a:tbl>
               <a:tblPr/>
               <a:tblGrid>
-                <a:gridCol w="3303588"/>
+                <a:gridCol w="3303588">
+                  <a:extLst>
+                    <a:ext uri="{9D8B030D-6E8A-4147-A177-3AD203B41FA5}">
+                      <a16:colId xmlns:a16="http://schemas.microsoft.com/office/drawing/2014/main" val="20000"/>
+                    </a:ext>
+                  </a:extLst>
+                </a:gridCol>
               </a:tblGrid>
               <a:tr h="630490">
                 <a:tc>
@@ -11668,6 +12520,11 @@
                     </a:lnB>
                   </a:tcPr>
                 </a:tc>
+                <a:extLst>
+                  <a:ext uri="{0D108BD9-81ED-4DB2-BD59-A6C34878D82A}">
+                    <a16:rowId xmlns:a16="http://schemas.microsoft.com/office/drawing/2014/main" val="10000"/>
+                  </a:ext>
+                </a:extLst>
               </a:tr>
               <a:tr h="2273682">
                 <a:tc>
@@ -11818,6 +12675,11 @@
                     </a:lnB>
                   </a:tcPr>
                 </a:tc>
+                <a:extLst>
+                  <a:ext uri="{0D108BD9-81ED-4DB2-BD59-A6C34878D82A}">
+                    <a16:rowId xmlns:a16="http://schemas.microsoft.com/office/drawing/2014/main" val="10001"/>
+                  </a:ext>
+                </a:extLst>
               </a:tr>
             </a:tbl>
           </a:graphicData>
@@ -11828,6 +12690,13 @@
   <p:clrMapOvr>
     <a:masterClrMapping/>
   </p:clrMapOvr>
+  <p:timing>
+    <p:tnLst>
+      <p:par>
+        <p:cTn id="1" dur="indefinite" restart="never" nodeType="tmRoot"/>
+      </p:par>
+    </p:tnLst>
+  </p:timing>
 </p:sld>
 </file>
 
@@ -11881,6 +12750,13 @@
   <p:clrMapOvr>
     <a:masterClrMapping/>
   </p:clrMapOvr>
+  <p:timing>
+    <p:tnLst>
+      <p:par>
+        <p:cTn id="1" dur="indefinite" restart="never" nodeType="tmRoot"/>
+      </p:par>
+    </p:tnLst>
+  </p:timing>
 </p:sld>
 </file>
 
@@ -12008,6 +12884,13 @@
   <p:clrMapOvr>
     <a:masterClrMapping/>
   </p:clrMapOvr>
+  <p:timing>
+    <p:tnLst>
+      <p:par>
+        <p:cTn id="1" dur="indefinite" restart="never" nodeType="tmRoot"/>
+      </p:par>
+    </p:tnLst>
+  </p:timing>
 </p:sld>
 </file>
 
@@ -12080,6 +12963,13 @@
   <p:clrMapOvr>
     <a:masterClrMapping/>
   </p:clrMapOvr>
+  <p:timing>
+    <p:tnLst>
+      <p:par>
+        <p:cTn id="1" dur="indefinite" restart="never" nodeType="tmRoot"/>
+      </p:par>
+    </p:tnLst>
+  </p:timing>
 </p:sld>
 </file>
 
@@ -12287,7 +13177,13 @@
           <p:cNvGraphicFramePr>
             <a:graphicFrameLocks noGrp="1"/>
           </p:cNvGraphicFramePr>
-          <p:nvPr/>
+          <p:nvPr>
+            <p:extLst>
+              <p:ext uri="{D42A27DB-BD31-4B8C-83A1-F6EECF244321}">
+                <p14:modId xmlns:p14="http://schemas.microsoft.com/office/powerpoint/2010/main" val="2430595732"/>
+              </p:ext>
+            </p:extLst>
+          </p:nvPr>
         </p:nvGraphicFramePr>
         <p:xfrm>
           <a:off x="304800" y="2286000"/>
@@ -12300,9 +13196,27 @@
                 <a:tableStyleId>{3C2FFA5D-87B4-456A-9821-1D502468CF0F}</a:tableStyleId>
               </a:tblPr>
               <a:tblGrid>
-                <a:gridCol w="3117996"/>
-                <a:gridCol w="2547847"/>
-                <a:gridCol w="2868557"/>
+                <a:gridCol w="3117996">
+                  <a:extLst>
+                    <a:ext uri="{9D8B030D-6E8A-4147-A177-3AD203B41FA5}">
+                      <a16:colId xmlns:a16="http://schemas.microsoft.com/office/drawing/2014/main" val="20000"/>
+                    </a:ext>
+                  </a:extLst>
+                </a:gridCol>
+                <a:gridCol w="2547847">
+                  <a:extLst>
+                    <a:ext uri="{9D8B030D-6E8A-4147-A177-3AD203B41FA5}">
+                      <a16:colId xmlns:a16="http://schemas.microsoft.com/office/drawing/2014/main" val="20001"/>
+                    </a:ext>
+                  </a:extLst>
+                </a:gridCol>
+                <a:gridCol w="2868557">
+                  <a:extLst>
+                    <a:ext uri="{9D8B030D-6E8A-4147-A177-3AD203B41FA5}">
+                      <a16:colId xmlns:a16="http://schemas.microsoft.com/office/drawing/2014/main" val="20002"/>
+                    </a:ext>
+                  </a:extLst>
+                </a:gridCol>
               </a:tblGrid>
               <a:tr h="438013">
                 <a:tc gridSpan="3">
@@ -12345,6 +13259,11 @@
                   </a:txBody>
                   <a:tcPr/>
                 </a:tc>
+                <a:extLst>
+                  <a:ext uri="{0D108BD9-81ED-4DB2-BD59-A6C34878D82A}">
+                    <a16:rowId xmlns:a16="http://schemas.microsoft.com/office/drawing/2014/main" val="10000"/>
+                  </a:ext>
+                </a:extLst>
               </a:tr>
               <a:tr h="314284">
                 <a:tc>
@@ -12407,6 +13326,11 @@
                   </a:txBody>
                   <a:tcPr marL="18080" marR="18080" marT="18080" marB="0" anchor="b"/>
                 </a:tc>
+                <a:extLst>
+                  <a:ext uri="{0D108BD9-81ED-4DB2-BD59-A6C34878D82A}">
+                    <a16:rowId xmlns:a16="http://schemas.microsoft.com/office/drawing/2014/main" val="10001"/>
+                  </a:ext>
+                </a:extLst>
               </a:tr>
               <a:tr h="314284">
                 <a:tc>
@@ -12469,6 +13393,11 @@
                   </a:txBody>
                   <a:tcPr marL="18080" marR="18080" marT="18080" marB="0" anchor="b"/>
                 </a:tc>
+                <a:extLst>
+                  <a:ext uri="{0D108BD9-81ED-4DB2-BD59-A6C34878D82A}">
+                    <a16:rowId xmlns:a16="http://schemas.microsoft.com/office/drawing/2014/main" val="10002"/>
+                  </a:ext>
+                </a:extLst>
               </a:tr>
               <a:tr h="314284">
                 <a:tc>
@@ -12531,6 +13460,11 @@
                   </a:txBody>
                   <a:tcPr marL="18080" marR="18080" marT="18080" marB="0" anchor="b"/>
                 </a:tc>
+                <a:extLst>
+                  <a:ext uri="{0D108BD9-81ED-4DB2-BD59-A6C34878D82A}">
+                    <a16:rowId xmlns:a16="http://schemas.microsoft.com/office/drawing/2014/main" val="10003"/>
+                  </a:ext>
+                </a:extLst>
               </a:tr>
               <a:tr h="314284">
                 <a:tc>
@@ -12593,6 +13527,11 @@
                   </a:txBody>
                   <a:tcPr marL="18080" marR="18080" marT="18080" marB="0" anchor="b"/>
                 </a:tc>
+                <a:extLst>
+                  <a:ext uri="{0D108BD9-81ED-4DB2-BD59-A6C34878D82A}">
+                    <a16:rowId xmlns:a16="http://schemas.microsoft.com/office/drawing/2014/main" val="10004"/>
+                  </a:ext>
+                </a:extLst>
               </a:tr>
               <a:tr h="314284">
                 <a:tc>
@@ -12622,29 +13561,13 @@
                     <a:p>
                       <a:pPr algn="l" fontAlgn="b"/>
                       <a:r>
-                        <a:rPr lang="en-US" sz="2100" u="none" strike="noStrike"/>
-                        <a:t> </a:t>
-                      </a:r>
-                      <a:endParaRPr lang="en-US" sz="2100" b="0" i="0" u="none" strike="noStrike">
-                        <a:solidFill>
-                          <a:srgbClr val="000000"/>
-                        </a:solidFill>
-                        <a:latin typeface="Calibri"/>
-                      </a:endParaRPr>
-                    </a:p>
-                  </a:txBody>
-                  <a:tcPr marL="18080" marR="18080" marT="18080" marB="0" anchor="b"/>
-                </a:tc>
-                <a:tc>
-                  <a:txBody>
-                    <a:bodyPr/>
-                    <a:lstStyle/>
-                    <a:p>
-                      <a:pPr algn="l" fontAlgn="b"/>
-                      <a:r>
                         <a:rPr lang="en-US" sz="2100" u="none" strike="noStrike" dirty="0"/>
                         <a:t> </a:t>
                       </a:r>
+                      <a:r>
+                        <a:rPr lang="en-US" sz="2100" u="none" strike="noStrike" dirty="0" smtClean="0"/>
+                        <a:t>varchar(20)</a:t>
+                      </a:r>
                       <a:endParaRPr lang="en-US" sz="2100" b="0" i="0" u="none" strike="noStrike" dirty="0">
                         <a:solidFill>
                           <a:srgbClr val="000000"/>
@@ -12655,6 +13578,31 @@
                   </a:txBody>
                   <a:tcPr marL="18080" marR="18080" marT="18080" marB="0" anchor="b"/>
                 </a:tc>
+                <a:tc>
+                  <a:txBody>
+                    <a:bodyPr/>
+                    <a:lstStyle/>
+                    <a:p>
+                      <a:pPr algn="l" fontAlgn="b"/>
+                      <a:r>
+                        <a:rPr lang="en-US" sz="2100" u="none" strike="noStrike" dirty="0"/>
+                        <a:t> </a:t>
+                      </a:r>
+                      <a:endParaRPr lang="en-US" sz="2100" b="0" i="0" u="none" strike="noStrike" dirty="0">
+                        <a:solidFill>
+                          <a:srgbClr val="000000"/>
+                        </a:solidFill>
+                        <a:latin typeface="Calibri"/>
+                      </a:endParaRPr>
+                    </a:p>
+                  </a:txBody>
+                  <a:tcPr marL="18080" marR="18080" marT="18080" marB="0" anchor="b"/>
+                </a:tc>
+                <a:extLst>
+                  <a:ext uri="{0D108BD9-81ED-4DB2-BD59-A6C34878D82A}">
+                    <a16:rowId xmlns:a16="http://schemas.microsoft.com/office/drawing/2014/main" val="10005"/>
+                  </a:ext>
+                </a:extLst>
               </a:tr>
             </a:tbl>
           </a:graphicData>
@@ -12691,7 +13639,13 @@
           <p:cNvGraphicFramePr>
             <a:graphicFrameLocks noGrp="1"/>
           </p:cNvGraphicFramePr>
-          <p:nvPr/>
+          <p:nvPr>
+            <p:extLst>
+              <p:ext uri="{D42A27DB-BD31-4B8C-83A1-F6EECF244321}">
+                <p14:modId xmlns:p14="http://schemas.microsoft.com/office/powerpoint/2010/main" val="1940557756"/>
+              </p:ext>
+            </p:extLst>
+          </p:nvPr>
         </p:nvGraphicFramePr>
         <p:xfrm>
           <a:off x="381000" y="1219197"/>
@@ -12704,9 +13658,27 @@
                 <a:tableStyleId>{3C2FFA5D-87B4-456A-9821-1D502468CF0F}</a:tableStyleId>
               </a:tblPr>
               <a:tblGrid>
-                <a:gridCol w="3062317"/>
-                <a:gridCol w="2502350"/>
-                <a:gridCol w="2817333"/>
+                <a:gridCol w="3062317">
+                  <a:extLst>
+                    <a:ext uri="{9D8B030D-6E8A-4147-A177-3AD203B41FA5}">
+                      <a16:colId xmlns:a16="http://schemas.microsoft.com/office/drawing/2014/main" val="20000"/>
+                    </a:ext>
+                  </a:extLst>
+                </a:gridCol>
+                <a:gridCol w="2502350">
+                  <a:extLst>
+                    <a:ext uri="{9D8B030D-6E8A-4147-A177-3AD203B41FA5}">
+                      <a16:colId xmlns:a16="http://schemas.microsoft.com/office/drawing/2014/main" val="20001"/>
+                    </a:ext>
+                  </a:extLst>
+                </a:gridCol>
+                <a:gridCol w="2817333">
+                  <a:extLst>
+                    <a:ext uri="{9D8B030D-6E8A-4147-A177-3AD203B41FA5}">
+                      <a16:colId xmlns:a16="http://schemas.microsoft.com/office/drawing/2014/main" val="20002"/>
+                    </a:ext>
+                  </a:extLst>
+                </a:gridCol>
               </a:tblGrid>
               <a:tr h="387928">
                 <a:tc gridSpan="3">
@@ -12749,6 +13721,11 @@
                   </a:txBody>
                   <a:tcPr/>
                 </a:tc>
+                <a:extLst>
+                  <a:ext uri="{0D108BD9-81ED-4DB2-BD59-A6C34878D82A}">
+                    <a16:rowId xmlns:a16="http://schemas.microsoft.com/office/drawing/2014/main" val="10000"/>
+                  </a:ext>
+                </a:extLst>
               </a:tr>
               <a:tr h="387928">
                 <a:tc>
@@ -12811,6 +13788,11 @@
                   </a:txBody>
                   <a:tcPr marL="9525" marR="9525" marT="9525" marB="0" anchor="b"/>
                 </a:tc>
+                <a:extLst>
+                  <a:ext uri="{0D108BD9-81ED-4DB2-BD59-A6C34878D82A}">
+                    <a16:rowId xmlns:a16="http://schemas.microsoft.com/office/drawing/2014/main" val="10001"/>
+                  </a:ext>
+                </a:extLst>
               </a:tr>
               <a:tr h="387928">
                 <a:tc>
@@ -12860,6 +13842,144 @@
                     <a:p>
                       <a:pPr algn="l" fontAlgn="b"/>
                       <a:r>
+                        <a:rPr lang="en-US" sz="2100" u="none" strike="noStrike" dirty="0"/>
+                        <a:t> </a:t>
+                      </a:r>
+                      <a:r>
+                        <a:rPr lang="en-US" sz="2100" u="none" strike="noStrike" dirty="0" smtClean="0"/>
+                        <a:t>foreign key</a:t>
+                      </a:r>
+                      <a:endParaRPr lang="en-US" sz="2100" b="0" i="0" u="none" strike="noStrike" dirty="0">
+                        <a:solidFill>
+                          <a:srgbClr val="000000"/>
+                        </a:solidFill>
+                        <a:latin typeface="Calibri"/>
+                      </a:endParaRPr>
+                    </a:p>
+                  </a:txBody>
+                  <a:tcPr marL="9525" marR="9525" marT="9525" marB="0" anchor="b"/>
+                </a:tc>
+                <a:extLst>
+                  <a:ext uri="{0D108BD9-81ED-4DB2-BD59-A6C34878D82A}">
+                    <a16:rowId xmlns:a16="http://schemas.microsoft.com/office/drawing/2014/main" val="10002"/>
+                  </a:ext>
+                </a:extLst>
+              </a:tr>
+              <a:tr h="387928">
+                <a:tc>
+                  <a:txBody>
+                    <a:bodyPr/>
+                    <a:lstStyle/>
+                    <a:p>
+                      <a:pPr algn="l" fontAlgn="b"/>
+                      <a:r>
+                        <a:rPr lang="en-US" sz="2100" u="none" strike="noStrike"/>
+                        <a:t>student_id</a:t>
+                      </a:r>
+                      <a:endParaRPr lang="en-US" sz="2100" b="0" i="0" u="none" strike="noStrike">
+                        <a:solidFill>
+                          <a:srgbClr val="000000"/>
+                        </a:solidFill>
+                        <a:latin typeface="Calibri"/>
+                      </a:endParaRPr>
+                    </a:p>
+                  </a:txBody>
+                  <a:tcPr marL="9525" marR="9525" marT="9525" marB="0" anchor="b"/>
+                </a:tc>
+                <a:tc>
+                  <a:txBody>
+                    <a:bodyPr/>
+                    <a:lstStyle/>
+                    <a:p>
+                      <a:pPr algn="l" fontAlgn="b"/>
+                      <a:r>
+                        <a:rPr lang="en-US" sz="2100" u="none" strike="noStrike"/>
+                        <a:t>integer</a:t>
+                      </a:r>
+                      <a:endParaRPr lang="en-US" sz="2100" b="0" i="0" u="none" strike="noStrike">
+                        <a:solidFill>
+                          <a:srgbClr val="000000"/>
+                        </a:solidFill>
+                        <a:latin typeface="Calibri"/>
+                      </a:endParaRPr>
+                    </a:p>
+                  </a:txBody>
+                  <a:tcPr marL="9525" marR="9525" marT="9525" marB="0" anchor="b"/>
+                </a:tc>
+                <a:tc>
+                  <a:txBody>
+                    <a:bodyPr/>
+                    <a:lstStyle/>
+                    <a:p>
+                      <a:pPr algn="l" fontAlgn="b"/>
+                      <a:r>
+                        <a:rPr lang="en-US" sz="2100" u="none" strike="noStrike"/>
+                        <a:t>primary key</a:t>
+                      </a:r>
+                      <a:endParaRPr lang="en-US" sz="2100" b="0" i="0" u="none" strike="noStrike">
+                        <a:solidFill>
+                          <a:srgbClr val="000000"/>
+                        </a:solidFill>
+                        <a:latin typeface="Calibri"/>
+                      </a:endParaRPr>
+                    </a:p>
+                  </a:txBody>
+                  <a:tcPr marL="9525" marR="9525" marT="9525" marB="0" anchor="b"/>
+                </a:tc>
+                <a:extLst>
+                  <a:ext uri="{0D108BD9-81ED-4DB2-BD59-A6C34878D82A}">
+                    <a16:rowId xmlns:a16="http://schemas.microsoft.com/office/drawing/2014/main" val="10003"/>
+                  </a:ext>
+                </a:extLst>
+              </a:tr>
+              <a:tr h="387928">
+                <a:tc>
+                  <a:txBody>
+                    <a:bodyPr/>
+                    <a:lstStyle/>
+                    <a:p>
+                      <a:pPr algn="l" fontAlgn="b"/>
+                      <a:r>
+                        <a:rPr lang="en-US" sz="2100" u="none" strike="noStrike" dirty="0"/>
+                        <a:t>name</a:t>
+                      </a:r>
+                      <a:endParaRPr lang="en-US" sz="2100" b="0" i="0" u="none" strike="noStrike" dirty="0">
+                        <a:solidFill>
+                          <a:srgbClr val="000000"/>
+                        </a:solidFill>
+                        <a:latin typeface="Calibri"/>
+                      </a:endParaRPr>
+                    </a:p>
+                  </a:txBody>
+                  <a:tcPr marL="9525" marR="9525" marT="9525" marB="0" anchor="b"/>
+                </a:tc>
+                <a:tc>
+                  <a:txBody>
+                    <a:bodyPr/>
+                    <a:lstStyle/>
+                    <a:p>
+                      <a:pPr algn="l" fontAlgn="b"/>
+                      <a:r>
+                        <a:rPr lang="en-US" sz="2100" u="none" strike="noStrike"/>
+                        <a:t>varchar(15)</a:t>
+                      </a:r>
+                      <a:endParaRPr lang="en-US" sz="2100" b="0" i="0" u="none" strike="noStrike">
+                        <a:solidFill>
+                          <a:srgbClr val="000000"/>
+                        </a:solidFill>
+                        <a:latin typeface="Calibri"/>
+                      </a:endParaRPr>
+                    </a:p>
+                  </a:txBody>
+                  <a:tcPr marL="9525" marR="9525" marT="9525" marB="0" anchor="b"/>
+                </a:tc>
+                <a:tc>
+                  <a:txBody>
+                    <a:bodyPr/>
+                    <a:lstStyle/>
+                    <a:p>
+                      <a:pPr algn="l" fontAlgn="b"/>
+                      <a:r>
                         <a:rPr lang="en-US" sz="2100" u="none" strike="noStrike"/>
                         <a:t> </a:t>
                       </a:r>
@@ -12873,6 +13993,11 @@
                   </a:txBody>
                   <a:tcPr marL="9525" marR="9525" marT="9525" marB="0" anchor="b"/>
                 </a:tc>
+                <a:extLst>
+                  <a:ext uri="{0D108BD9-81ED-4DB2-BD59-A6C34878D82A}">
+                    <a16:rowId xmlns:a16="http://schemas.microsoft.com/office/drawing/2014/main" val="10004"/>
+                  </a:ext>
+                </a:extLst>
               </a:tr>
               <a:tr h="387928">
                 <a:tc>
@@ -12883,7 +14008,212 @@
                       <a:pPr algn="l" fontAlgn="b"/>
                       <a:r>
                         <a:rPr lang="en-US" sz="2100" u="none" strike="noStrike"/>
-                        <a:t>student_id</a:t>
+                        <a:t>gender</a:t>
+                      </a:r>
+                      <a:endParaRPr lang="en-US" sz="2100" b="0" i="0" u="none" strike="noStrike">
+                        <a:solidFill>
+                          <a:srgbClr val="000000"/>
+                        </a:solidFill>
+                        <a:latin typeface="Calibri"/>
+                      </a:endParaRPr>
+                    </a:p>
+                  </a:txBody>
+                  <a:tcPr marL="9525" marR="9525" marT="9525" marB="0" anchor="b"/>
+                </a:tc>
+                <a:tc>
+                  <a:txBody>
+                    <a:bodyPr/>
+                    <a:lstStyle/>
+                    <a:p>
+                      <a:pPr algn="l" fontAlgn="b"/>
+                      <a:r>
+                        <a:rPr lang="en-US" sz="2100" u="none" strike="noStrike"/>
+                        <a:t>varchar(10)</a:t>
+                      </a:r>
+                      <a:endParaRPr lang="en-US" sz="2100" b="0" i="0" u="none" strike="noStrike">
+                        <a:solidFill>
+                          <a:srgbClr val="000000"/>
+                        </a:solidFill>
+                        <a:latin typeface="Calibri"/>
+                      </a:endParaRPr>
+                    </a:p>
+                  </a:txBody>
+                  <a:tcPr marL="9525" marR="9525" marT="9525" marB="0" anchor="b"/>
+                </a:tc>
+                <a:tc>
+                  <a:txBody>
+                    <a:bodyPr/>
+                    <a:lstStyle/>
+                    <a:p>
+                      <a:pPr algn="l" fontAlgn="b"/>
+                      <a:r>
+                        <a:rPr lang="en-US" sz="2100" u="none" strike="noStrike"/>
+                        <a:t> </a:t>
+                      </a:r>
+                      <a:endParaRPr lang="en-US" sz="2100" b="0" i="0" u="none" strike="noStrike">
+                        <a:solidFill>
+                          <a:srgbClr val="000000"/>
+                        </a:solidFill>
+                        <a:latin typeface="Calibri"/>
+                      </a:endParaRPr>
+                    </a:p>
+                  </a:txBody>
+                  <a:tcPr marL="9525" marR="9525" marT="9525" marB="0" anchor="b"/>
+                </a:tc>
+                <a:extLst>
+                  <a:ext uri="{0D108BD9-81ED-4DB2-BD59-A6C34878D82A}">
+                    <a16:rowId xmlns:a16="http://schemas.microsoft.com/office/drawing/2014/main" val="10005"/>
+                  </a:ext>
+                </a:extLst>
+              </a:tr>
+              <a:tr h="387928">
+                <a:tc>
+                  <a:txBody>
+                    <a:bodyPr/>
+                    <a:lstStyle/>
+                    <a:p>
+                      <a:pPr algn="l" fontAlgn="b"/>
+                      <a:r>
+                        <a:rPr lang="en-US" sz="2100" u="none" strike="noStrike"/>
+                        <a:t>country</a:t>
+                      </a:r>
+                      <a:endParaRPr lang="en-US" sz="2100" b="0" i="0" u="none" strike="noStrike">
+                        <a:solidFill>
+                          <a:srgbClr val="000000"/>
+                        </a:solidFill>
+                        <a:latin typeface="Calibri"/>
+                      </a:endParaRPr>
+                    </a:p>
+                  </a:txBody>
+                  <a:tcPr marL="9525" marR="9525" marT="9525" marB="0" anchor="b"/>
+                </a:tc>
+                <a:tc>
+                  <a:txBody>
+                    <a:bodyPr/>
+                    <a:lstStyle/>
+                    <a:p>
+                      <a:pPr algn="l" fontAlgn="b"/>
+                      <a:r>
+                        <a:rPr lang="en-US" sz="2100" u="none" strike="noStrike"/>
+                        <a:t>varchar(10)</a:t>
+                      </a:r>
+                      <a:endParaRPr lang="en-US" sz="2100" b="0" i="0" u="none" strike="noStrike">
+                        <a:solidFill>
+                          <a:srgbClr val="000000"/>
+                        </a:solidFill>
+                        <a:latin typeface="Calibri"/>
+                      </a:endParaRPr>
+                    </a:p>
+                  </a:txBody>
+                  <a:tcPr marL="9525" marR="9525" marT="9525" marB="0" anchor="b"/>
+                </a:tc>
+                <a:tc>
+                  <a:txBody>
+                    <a:bodyPr/>
+                    <a:lstStyle/>
+                    <a:p>
+                      <a:pPr algn="l" fontAlgn="b"/>
+                      <a:r>
+                        <a:rPr lang="en-US" sz="2100" u="none" strike="noStrike"/>
+                        <a:t> </a:t>
+                      </a:r>
+                      <a:endParaRPr lang="en-US" sz="2100" b="0" i="0" u="none" strike="noStrike">
+                        <a:solidFill>
+                          <a:srgbClr val="000000"/>
+                        </a:solidFill>
+                        <a:latin typeface="Calibri"/>
+                      </a:endParaRPr>
+                    </a:p>
+                  </a:txBody>
+                  <a:tcPr marL="9525" marR="9525" marT="9525" marB="0" anchor="b"/>
+                </a:tc>
+                <a:extLst>
+                  <a:ext uri="{0D108BD9-81ED-4DB2-BD59-A6C34878D82A}">
+                    <a16:rowId xmlns:a16="http://schemas.microsoft.com/office/drawing/2014/main" val="10006"/>
+                  </a:ext>
+                </a:extLst>
+              </a:tr>
+              <a:tr h="387928">
+                <a:tc>
+                  <a:txBody>
+                    <a:bodyPr/>
+                    <a:lstStyle/>
+                    <a:p>
+                      <a:pPr algn="l" fontAlgn="b"/>
+                      <a:r>
+                        <a:rPr lang="en-US" sz="2100" u="none" strike="noStrike"/>
+                        <a:t>state</a:t>
+                      </a:r>
+                      <a:endParaRPr lang="en-US" sz="2100" b="0" i="0" u="none" strike="noStrike">
+                        <a:solidFill>
+                          <a:srgbClr val="000000"/>
+                        </a:solidFill>
+                        <a:latin typeface="Calibri"/>
+                      </a:endParaRPr>
+                    </a:p>
+                  </a:txBody>
+                  <a:tcPr marL="9525" marR="9525" marT="9525" marB="0" anchor="b"/>
+                </a:tc>
+                <a:tc>
+                  <a:txBody>
+                    <a:bodyPr/>
+                    <a:lstStyle/>
+                    <a:p>
+                      <a:pPr algn="l" fontAlgn="b"/>
+                      <a:r>
+                        <a:rPr lang="en-US" sz="2100" u="none" strike="noStrike" dirty="0" err="1"/>
+                        <a:t>varchar</a:t>
+                      </a:r>
+                      <a:r>
+                        <a:rPr lang="en-US" sz="2100" u="none" strike="noStrike" dirty="0"/>
+                        <a:t>(10)</a:t>
+                      </a:r>
+                      <a:endParaRPr lang="en-US" sz="2100" b="0" i="0" u="none" strike="noStrike" dirty="0">
+                        <a:solidFill>
+                          <a:srgbClr val="000000"/>
+                        </a:solidFill>
+                        <a:latin typeface="Calibri"/>
+                      </a:endParaRPr>
+                    </a:p>
+                  </a:txBody>
+                  <a:tcPr marL="9525" marR="9525" marT="9525" marB="0" anchor="b"/>
+                </a:tc>
+                <a:tc>
+                  <a:txBody>
+                    <a:bodyPr/>
+                    <a:lstStyle/>
+                    <a:p>
+                      <a:pPr algn="l" fontAlgn="b"/>
+                      <a:r>
+                        <a:rPr lang="en-US" sz="2100" u="none" strike="noStrike"/>
+                        <a:t> </a:t>
+                      </a:r>
+                      <a:endParaRPr lang="en-US" sz="2100" b="0" i="0" u="none" strike="noStrike">
+                        <a:solidFill>
+                          <a:srgbClr val="000000"/>
+                        </a:solidFill>
+                        <a:latin typeface="Calibri"/>
+                      </a:endParaRPr>
+                    </a:p>
+                  </a:txBody>
+                  <a:tcPr marL="9525" marR="9525" marT="9525" marB="0" anchor="b"/>
+                </a:tc>
+                <a:extLst>
+                  <a:ext uri="{0D108BD9-81ED-4DB2-BD59-A6C34878D82A}">
+                    <a16:rowId xmlns:a16="http://schemas.microsoft.com/office/drawing/2014/main" val="10007"/>
+                  </a:ext>
+                </a:extLst>
+              </a:tr>
+              <a:tr h="387928">
+                <a:tc>
+                  <a:txBody>
+                    <a:bodyPr/>
+                    <a:lstStyle/>
+                    <a:p>
+                      <a:pPr algn="l" fontAlgn="b"/>
+                      <a:r>
+                        <a:rPr lang="en-US" sz="2100" u="none" strike="noStrike"/>
+                        <a:t>phone number</a:t>
                       </a:r>
                       <a:endParaRPr lang="en-US" sz="2100" b="0" i="0" u="none" strike="noStrike">
                         <a:solidFill>
@@ -12923,7 +14253,7 @@
                       <a:pPr algn="l" fontAlgn="b"/>
                       <a:r>
                         <a:rPr lang="en-US" sz="2100" u="none" strike="noStrike"/>
-                        <a:t>primary key</a:t>
+                        <a:t> </a:t>
                       </a:r>
                       <a:endParaRPr lang="en-US" sz="2100" b="0" i="0" u="none" strike="noStrike">
                         <a:solidFill>
@@ -12935,6 +14265,11 @@
                   </a:txBody>
                   <a:tcPr marL="9525" marR="9525" marT="9525" marB="0" anchor="b"/>
                 </a:tc>
+                <a:extLst>
+                  <a:ext uri="{0D108BD9-81ED-4DB2-BD59-A6C34878D82A}">
+                    <a16:rowId xmlns:a16="http://schemas.microsoft.com/office/drawing/2014/main" val="10008"/>
+                  </a:ext>
+                </a:extLst>
               </a:tr>
               <a:tr h="387928">
                 <a:tc>
@@ -12944,30 +14279,30 @@
                     <a:p>
                       <a:pPr algn="l" fontAlgn="b"/>
                       <a:r>
+                        <a:rPr lang="en-US" sz="2100" u="none" strike="noStrike"/>
+                        <a:t>age</a:t>
+                      </a:r>
+                      <a:endParaRPr lang="en-US" sz="2100" b="0" i="0" u="none" strike="noStrike">
+                        <a:solidFill>
+                          <a:srgbClr val="000000"/>
+                        </a:solidFill>
+                        <a:latin typeface="Calibri"/>
+                      </a:endParaRPr>
+                    </a:p>
+                  </a:txBody>
+                  <a:tcPr marL="9525" marR="9525" marT="9525" marB="0" anchor="b"/>
+                </a:tc>
+                <a:tc>
+                  <a:txBody>
+                    <a:bodyPr/>
+                    <a:lstStyle/>
+                    <a:p>
+                      <a:pPr algn="l" fontAlgn="b"/>
+                      <a:r>
                         <a:rPr lang="en-US" sz="2100" u="none" strike="noStrike" dirty="0"/>
-                        <a:t>name</a:t>
+                        <a:t>integer</a:t>
                       </a:r>
                       <a:endParaRPr lang="en-US" sz="2100" b="0" i="0" u="none" strike="noStrike" dirty="0">
-                        <a:solidFill>
-                          <a:srgbClr val="000000"/>
-                        </a:solidFill>
-                        <a:latin typeface="Calibri"/>
-                      </a:endParaRPr>
-                    </a:p>
-                  </a:txBody>
-                  <a:tcPr marL="9525" marR="9525" marT="9525" marB="0" anchor="b"/>
-                </a:tc>
-                <a:tc>
-                  <a:txBody>
-                    <a:bodyPr/>
-                    <a:lstStyle/>
-                    <a:p>
-                      <a:pPr algn="l" fontAlgn="b"/>
-                      <a:r>
-                        <a:rPr lang="en-US" sz="2100" u="none" strike="noStrike"/>
-                        <a:t>varchar(15)</a:t>
-                      </a:r>
-                      <a:endParaRPr lang="en-US" sz="2100" b="0" i="0" u="none" strike="noStrike">
                         <a:solidFill>
                           <a:srgbClr val="000000"/>
                         </a:solidFill>
@@ -12997,6 +14332,11 @@
                   </a:txBody>
                   <a:tcPr marL="9525" marR="9525" marT="9525" marB="0" anchor="b"/>
                 </a:tc>
+                <a:extLst>
+                  <a:ext uri="{0D108BD9-81ED-4DB2-BD59-A6C34878D82A}">
+                    <a16:rowId xmlns:a16="http://schemas.microsoft.com/office/drawing/2014/main" val="10009"/>
+                  </a:ext>
+                </a:extLst>
               </a:tr>
               <a:tr h="387928">
                 <a:tc>
@@ -13007,320 +14347,6 @@
                       <a:pPr algn="l" fontAlgn="b"/>
                       <a:r>
                         <a:rPr lang="en-US" sz="2100" u="none" strike="noStrike"/>
-                        <a:t>gender</a:t>
-                      </a:r>
-                      <a:endParaRPr lang="en-US" sz="2100" b="0" i="0" u="none" strike="noStrike">
-                        <a:solidFill>
-                          <a:srgbClr val="000000"/>
-                        </a:solidFill>
-                        <a:latin typeface="Calibri"/>
-                      </a:endParaRPr>
-                    </a:p>
-                  </a:txBody>
-                  <a:tcPr marL="9525" marR="9525" marT="9525" marB="0" anchor="b"/>
-                </a:tc>
-                <a:tc>
-                  <a:txBody>
-                    <a:bodyPr/>
-                    <a:lstStyle/>
-                    <a:p>
-                      <a:pPr algn="l" fontAlgn="b"/>
-                      <a:r>
-                        <a:rPr lang="en-US" sz="2100" u="none" strike="noStrike"/>
-                        <a:t>varchar(10)</a:t>
-                      </a:r>
-                      <a:endParaRPr lang="en-US" sz="2100" b="0" i="0" u="none" strike="noStrike">
-                        <a:solidFill>
-                          <a:srgbClr val="000000"/>
-                        </a:solidFill>
-                        <a:latin typeface="Calibri"/>
-                      </a:endParaRPr>
-                    </a:p>
-                  </a:txBody>
-                  <a:tcPr marL="9525" marR="9525" marT="9525" marB="0" anchor="b"/>
-                </a:tc>
-                <a:tc>
-                  <a:txBody>
-                    <a:bodyPr/>
-                    <a:lstStyle/>
-                    <a:p>
-                      <a:pPr algn="l" fontAlgn="b"/>
-                      <a:r>
-                        <a:rPr lang="en-US" sz="2100" u="none" strike="noStrike"/>
-                        <a:t> </a:t>
-                      </a:r>
-                      <a:endParaRPr lang="en-US" sz="2100" b="0" i="0" u="none" strike="noStrike">
-                        <a:solidFill>
-                          <a:srgbClr val="000000"/>
-                        </a:solidFill>
-                        <a:latin typeface="Calibri"/>
-                      </a:endParaRPr>
-                    </a:p>
-                  </a:txBody>
-                  <a:tcPr marL="9525" marR="9525" marT="9525" marB="0" anchor="b"/>
-                </a:tc>
-              </a:tr>
-              <a:tr h="387928">
-                <a:tc>
-                  <a:txBody>
-                    <a:bodyPr/>
-                    <a:lstStyle/>
-                    <a:p>
-                      <a:pPr algn="l" fontAlgn="b"/>
-                      <a:r>
-                        <a:rPr lang="en-US" sz="2100" u="none" strike="noStrike"/>
-                        <a:t>country</a:t>
-                      </a:r>
-                      <a:endParaRPr lang="en-US" sz="2100" b="0" i="0" u="none" strike="noStrike">
-                        <a:solidFill>
-                          <a:srgbClr val="000000"/>
-                        </a:solidFill>
-                        <a:latin typeface="Calibri"/>
-                      </a:endParaRPr>
-                    </a:p>
-                  </a:txBody>
-                  <a:tcPr marL="9525" marR="9525" marT="9525" marB="0" anchor="b"/>
-                </a:tc>
-                <a:tc>
-                  <a:txBody>
-                    <a:bodyPr/>
-                    <a:lstStyle/>
-                    <a:p>
-                      <a:pPr algn="l" fontAlgn="b"/>
-                      <a:r>
-                        <a:rPr lang="en-US" sz="2100" u="none" strike="noStrike"/>
-                        <a:t>varchar(10)</a:t>
-                      </a:r>
-                      <a:endParaRPr lang="en-US" sz="2100" b="0" i="0" u="none" strike="noStrike">
-                        <a:solidFill>
-                          <a:srgbClr val="000000"/>
-                        </a:solidFill>
-                        <a:latin typeface="Calibri"/>
-                      </a:endParaRPr>
-                    </a:p>
-                  </a:txBody>
-                  <a:tcPr marL="9525" marR="9525" marT="9525" marB="0" anchor="b"/>
-                </a:tc>
-                <a:tc>
-                  <a:txBody>
-                    <a:bodyPr/>
-                    <a:lstStyle/>
-                    <a:p>
-                      <a:pPr algn="l" fontAlgn="b"/>
-                      <a:r>
-                        <a:rPr lang="en-US" sz="2100" u="none" strike="noStrike"/>
-                        <a:t> </a:t>
-                      </a:r>
-                      <a:endParaRPr lang="en-US" sz="2100" b="0" i="0" u="none" strike="noStrike">
-                        <a:solidFill>
-                          <a:srgbClr val="000000"/>
-                        </a:solidFill>
-                        <a:latin typeface="Calibri"/>
-                      </a:endParaRPr>
-                    </a:p>
-                  </a:txBody>
-                  <a:tcPr marL="9525" marR="9525" marT="9525" marB="0" anchor="b"/>
-                </a:tc>
-              </a:tr>
-              <a:tr h="387928">
-                <a:tc>
-                  <a:txBody>
-                    <a:bodyPr/>
-                    <a:lstStyle/>
-                    <a:p>
-                      <a:pPr algn="l" fontAlgn="b"/>
-                      <a:r>
-                        <a:rPr lang="en-US" sz="2100" u="none" strike="noStrike"/>
-                        <a:t>state</a:t>
-                      </a:r>
-                      <a:endParaRPr lang="en-US" sz="2100" b="0" i="0" u="none" strike="noStrike">
-                        <a:solidFill>
-                          <a:srgbClr val="000000"/>
-                        </a:solidFill>
-                        <a:latin typeface="Calibri"/>
-                      </a:endParaRPr>
-                    </a:p>
-                  </a:txBody>
-                  <a:tcPr marL="9525" marR="9525" marT="9525" marB="0" anchor="b"/>
-                </a:tc>
-                <a:tc>
-                  <a:txBody>
-                    <a:bodyPr/>
-                    <a:lstStyle/>
-                    <a:p>
-                      <a:pPr algn="l" fontAlgn="b"/>
-                      <a:r>
-                        <a:rPr lang="en-US" sz="2100" u="none" strike="noStrike" dirty="0" err="1"/>
-                        <a:t>varchar</a:t>
-                      </a:r>
-                      <a:r>
-                        <a:rPr lang="en-US" sz="2100" u="none" strike="noStrike" dirty="0"/>
-                        <a:t>(10)</a:t>
-                      </a:r>
-                      <a:endParaRPr lang="en-US" sz="2100" b="0" i="0" u="none" strike="noStrike" dirty="0">
-                        <a:solidFill>
-                          <a:srgbClr val="000000"/>
-                        </a:solidFill>
-                        <a:latin typeface="Calibri"/>
-                      </a:endParaRPr>
-                    </a:p>
-                  </a:txBody>
-                  <a:tcPr marL="9525" marR="9525" marT="9525" marB="0" anchor="b"/>
-                </a:tc>
-                <a:tc>
-                  <a:txBody>
-                    <a:bodyPr/>
-                    <a:lstStyle/>
-                    <a:p>
-                      <a:pPr algn="l" fontAlgn="b"/>
-                      <a:r>
-                        <a:rPr lang="en-US" sz="2100" u="none" strike="noStrike"/>
-                        <a:t> </a:t>
-                      </a:r>
-                      <a:endParaRPr lang="en-US" sz="2100" b="0" i="0" u="none" strike="noStrike">
-                        <a:solidFill>
-                          <a:srgbClr val="000000"/>
-                        </a:solidFill>
-                        <a:latin typeface="Calibri"/>
-                      </a:endParaRPr>
-                    </a:p>
-                  </a:txBody>
-                  <a:tcPr marL="9525" marR="9525" marT="9525" marB="0" anchor="b"/>
-                </a:tc>
-              </a:tr>
-              <a:tr h="387928">
-                <a:tc>
-                  <a:txBody>
-                    <a:bodyPr/>
-                    <a:lstStyle/>
-                    <a:p>
-                      <a:pPr algn="l" fontAlgn="b"/>
-                      <a:r>
-                        <a:rPr lang="en-US" sz="2100" u="none" strike="noStrike"/>
-                        <a:t>phone number</a:t>
-                      </a:r>
-                      <a:endParaRPr lang="en-US" sz="2100" b="0" i="0" u="none" strike="noStrike">
-                        <a:solidFill>
-                          <a:srgbClr val="000000"/>
-                        </a:solidFill>
-                        <a:latin typeface="Calibri"/>
-                      </a:endParaRPr>
-                    </a:p>
-                  </a:txBody>
-                  <a:tcPr marL="9525" marR="9525" marT="9525" marB="0" anchor="b"/>
-                </a:tc>
-                <a:tc>
-                  <a:txBody>
-                    <a:bodyPr/>
-                    <a:lstStyle/>
-                    <a:p>
-                      <a:pPr algn="l" fontAlgn="b"/>
-                      <a:r>
-                        <a:rPr lang="en-US" sz="2100" u="none" strike="noStrike"/>
-                        <a:t>integer</a:t>
-                      </a:r>
-                      <a:endParaRPr lang="en-US" sz="2100" b="0" i="0" u="none" strike="noStrike">
-                        <a:solidFill>
-                          <a:srgbClr val="000000"/>
-                        </a:solidFill>
-                        <a:latin typeface="Calibri"/>
-                      </a:endParaRPr>
-                    </a:p>
-                  </a:txBody>
-                  <a:tcPr marL="9525" marR="9525" marT="9525" marB="0" anchor="b"/>
-                </a:tc>
-                <a:tc>
-                  <a:txBody>
-                    <a:bodyPr/>
-                    <a:lstStyle/>
-                    <a:p>
-                      <a:pPr algn="l" fontAlgn="b"/>
-                      <a:r>
-                        <a:rPr lang="en-US" sz="2100" u="none" strike="noStrike"/>
-                        <a:t> </a:t>
-                      </a:r>
-                      <a:endParaRPr lang="en-US" sz="2100" b="0" i="0" u="none" strike="noStrike">
-                        <a:solidFill>
-                          <a:srgbClr val="000000"/>
-                        </a:solidFill>
-                        <a:latin typeface="Calibri"/>
-                      </a:endParaRPr>
-                    </a:p>
-                  </a:txBody>
-                  <a:tcPr marL="9525" marR="9525" marT="9525" marB="0" anchor="b"/>
-                </a:tc>
-              </a:tr>
-              <a:tr h="387928">
-                <a:tc>
-                  <a:txBody>
-                    <a:bodyPr/>
-                    <a:lstStyle/>
-                    <a:p>
-                      <a:pPr algn="l" fontAlgn="b"/>
-                      <a:r>
-                        <a:rPr lang="en-US" sz="2100" u="none" strike="noStrike"/>
-                        <a:t>age</a:t>
-                      </a:r>
-                      <a:endParaRPr lang="en-US" sz="2100" b="0" i="0" u="none" strike="noStrike">
-                        <a:solidFill>
-                          <a:srgbClr val="000000"/>
-                        </a:solidFill>
-                        <a:latin typeface="Calibri"/>
-                      </a:endParaRPr>
-                    </a:p>
-                  </a:txBody>
-                  <a:tcPr marL="9525" marR="9525" marT="9525" marB="0" anchor="b"/>
-                </a:tc>
-                <a:tc>
-                  <a:txBody>
-                    <a:bodyPr/>
-                    <a:lstStyle/>
-                    <a:p>
-                      <a:pPr algn="l" fontAlgn="b"/>
-                      <a:r>
-                        <a:rPr lang="en-US" sz="2100" u="none" strike="noStrike" dirty="0"/>
-                        <a:t>integer</a:t>
-                      </a:r>
-                      <a:endParaRPr lang="en-US" sz="2100" b="0" i="0" u="none" strike="noStrike" dirty="0">
-                        <a:solidFill>
-                          <a:srgbClr val="000000"/>
-                        </a:solidFill>
-                        <a:latin typeface="Calibri"/>
-                      </a:endParaRPr>
-                    </a:p>
-                  </a:txBody>
-                  <a:tcPr marL="9525" marR="9525" marT="9525" marB="0" anchor="b"/>
-                </a:tc>
-                <a:tc>
-                  <a:txBody>
-                    <a:bodyPr/>
-                    <a:lstStyle/>
-                    <a:p>
-                      <a:pPr algn="l" fontAlgn="b"/>
-                      <a:r>
-                        <a:rPr lang="en-US" sz="2100" u="none" strike="noStrike"/>
-                        <a:t> </a:t>
-                      </a:r>
-                      <a:endParaRPr lang="en-US" sz="2100" b="0" i="0" u="none" strike="noStrike">
-                        <a:solidFill>
-                          <a:srgbClr val="000000"/>
-                        </a:solidFill>
-                        <a:latin typeface="Calibri"/>
-                      </a:endParaRPr>
-                    </a:p>
-                  </a:txBody>
-                  <a:tcPr marL="9525" marR="9525" marT="9525" marB="0" anchor="b"/>
-                </a:tc>
-              </a:tr>
-              <a:tr h="387928">
-                <a:tc>
-                  <a:txBody>
-                    <a:bodyPr/>
-                    <a:lstStyle/>
-                    <a:p>
-                      <a:pPr algn="l" fontAlgn="b"/>
-                      <a:r>
-                        <a:rPr lang="en-US" sz="2100" u="none" strike="noStrike"/>
                         <a:t>last login </a:t>
                       </a:r>
                       <a:endParaRPr lang="en-US" sz="2100" b="0" i="0" u="none" strike="noStrike">
@@ -13373,6 +14399,11 @@
                   </a:txBody>
                   <a:tcPr marL="9525" marR="9525" marT="9525" marB="0" anchor="b"/>
                 </a:tc>
+                <a:extLst>
+                  <a:ext uri="{0D108BD9-81ED-4DB2-BD59-A6C34878D82A}">
+                    <a16:rowId xmlns:a16="http://schemas.microsoft.com/office/drawing/2014/main" val="10010"/>
+                  </a:ext>
+                </a:extLst>
               </a:tr>
             </a:tbl>
           </a:graphicData>
@@ -13422,9 +14453,27 @@
                 <a:tableStyleId>{3C2FFA5D-87B4-456A-9821-1D502468CF0F}</a:tableStyleId>
               </a:tblPr>
               <a:tblGrid>
-                <a:gridCol w="3117995"/>
-                <a:gridCol w="2547847"/>
-                <a:gridCol w="2868556"/>
+                <a:gridCol w="3117995">
+                  <a:extLst>
+                    <a:ext uri="{9D8B030D-6E8A-4147-A177-3AD203B41FA5}">
+                      <a16:colId xmlns:a16="http://schemas.microsoft.com/office/drawing/2014/main" val="20000"/>
+                    </a:ext>
+                  </a:extLst>
+                </a:gridCol>
+                <a:gridCol w="2547847">
+                  <a:extLst>
+                    <a:ext uri="{9D8B030D-6E8A-4147-A177-3AD203B41FA5}">
+                      <a16:colId xmlns:a16="http://schemas.microsoft.com/office/drawing/2014/main" val="20001"/>
+                    </a:ext>
+                  </a:extLst>
+                </a:gridCol>
+                <a:gridCol w="2868556">
+                  <a:extLst>
+                    <a:ext uri="{9D8B030D-6E8A-4147-A177-3AD203B41FA5}">
+                      <a16:colId xmlns:a16="http://schemas.microsoft.com/office/drawing/2014/main" val="20002"/>
+                    </a:ext>
+                  </a:extLst>
+                </a:gridCol>
               </a:tblGrid>
               <a:tr h="259080">
                 <a:tc gridSpan="3">
@@ -13467,6 +14516,11 @@
                   </a:txBody>
                   <a:tcPr/>
                 </a:tc>
+                <a:extLst>
+                  <a:ext uri="{0D108BD9-81ED-4DB2-BD59-A6C34878D82A}">
+                    <a16:rowId xmlns:a16="http://schemas.microsoft.com/office/drawing/2014/main" val="10000"/>
+                  </a:ext>
+                </a:extLst>
               </a:tr>
               <a:tr h="259080">
                 <a:tc>
@@ -13529,6 +14583,11 @@
                   </a:txBody>
                   <a:tcPr marL="9525" marR="9525" marT="9525" marB="0" anchor="b"/>
                 </a:tc>
+                <a:extLst>
+                  <a:ext uri="{0D108BD9-81ED-4DB2-BD59-A6C34878D82A}">
+                    <a16:rowId xmlns:a16="http://schemas.microsoft.com/office/drawing/2014/main" val="10001"/>
+                  </a:ext>
+                </a:extLst>
               </a:tr>
               <a:tr h="259080">
                 <a:tc>
@@ -13591,6 +14650,11 @@
                   </a:txBody>
                   <a:tcPr marL="9525" marR="9525" marT="9525" marB="0" anchor="b"/>
                 </a:tc>
+                <a:extLst>
+                  <a:ext uri="{0D108BD9-81ED-4DB2-BD59-A6C34878D82A}">
+                    <a16:rowId xmlns:a16="http://schemas.microsoft.com/office/drawing/2014/main" val="10002"/>
+                  </a:ext>
+                </a:extLst>
               </a:tr>
               <a:tr h="259080">
                 <a:tc>
@@ -13653,6 +14717,11 @@
                   </a:txBody>
                   <a:tcPr marL="9525" marR="9525" marT="9525" marB="0" anchor="b"/>
                 </a:tc>
+                <a:extLst>
+                  <a:ext uri="{0D108BD9-81ED-4DB2-BD59-A6C34878D82A}">
+                    <a16:rowId xmlns:a16="http://schemas.microsoft.com/office/drawing/2014/main" val="10003"/>
+                  </a:ext>
+                </a:extLst>
               </a:tr>
               <a:tr h="259080">
                 <a:tc>
@@ -13715,6 +14784,11 @@
                   </a:txBody>
                   <a:tcPr marL="9525" marR="9525" marT="9525" marB="0" anchor="b"/>
                 </a:tc>
+                <a:extLst>
+                  <a:ext uri="{0D108BD9-81ED-4DB2-BD59-A6C34878D82A}">
+                    <a16:rowId xmlns:a16="http://schemas.microsoft.com/office/drawing/2014/main" val="10004"/>
+                  </a:ext>
+                </a:extLst>
               </a:tr>
               <a:tr h="259080">
                 <a:tc>
@@ -13777,6 +14851,11 @@
                   </a:txBody>
                   <a:tcPr marL="9525" marR="9525" marT="9525" marB="0" anchor="b"/>
                 </a:tc>
+                <a:extLst>
+                  <a:ext uri="{0D108BD9-81ED-4DB2-BD59-A6C34878D82A}">
+                    <a16:rowId xmlns:a16="http://schemas.microsoft.com/office/drawing/2014/main" val="10005"/>
+                  </a:ext>
+                </a:extLst>
               </a:tr>
               <a:tr h="259080">
                 <a:tc>
@@ -13839,6 +14918,11 @@
                   </a:txBody>
                   <a:tcPr marL="9525" marR="9525" marT="9525" marB="0" anchor="b"/>
                 </a:tc>
+                <a:extLst>
+                  <a:ext uri="{0D108BD9-81ED-4DB2-BD59-A6C34878D82A}">
+                    <a16:rowId xmlns:a16="http://schemas.microsoft.com/office/drawing/2014/main" val="10006"/>
+                  </a:ext>
+                </a:extLst>
               </a:tr>
               <a:tr h="259080">
                 <a:tc>
@@ -13888,6 +14972,73 @@
                     <a:p>
                       <a:pPr algn="l" fontAlgn="b"/>
                       <a:r>
+                        <a:rPr lang="en-US" sz="2100" u="none" strike="noStrike" dirty="0"/>
+                        <a:t> </a:t>
+                      </a:r>
+                      <a:endParaRPr lang="en-US" sz="2100" b="0" i="0" u="none" strike="noStrike" dirty="0">
+                        <a:solidFill>
+                          <a:srgbClr val="000000"/>
+                        </a:solidFill>
+                        <a:latin typeface="Calibri"/>
+                      </a:endParaRPr>
+                    </a:p>
+                  </a:txBody>
+                  <a:tcPr marL="9525" marR="9525" marT="9525" marB="0" anchor="b"/>
+                </a:tc>
+                <a:extLst>
+                  <a:ext uri="{0D108BD9-81ED-4DB2-BD59-A6C34878D82A}">
+                    <a16:rowId xmlns:a16="http://schemas.microsoft.com/office/drawing/2014/main" val="10007"/>
+                  </a:ext>
+                </a:extLst>
+              </a:tr>
+              <a:tr h="259080">
+                <a:tc>
+                  <a:txBody>
+                    <a:bodyPr/>
+                    <a:lstStyle/>
+                    <a:p>
+                      <a:pPr algn="l" fontAlgn="b"/>
+                      <a:r>
+                        <a:rPr lang="en-US" sz="2100" u="none" strike="noStrike"/>
+                        <a:t>content length</a:t>
+                      </a:r>
+                      <a:endParaRPr lang="en-US" sz="2100" b="0" i="0" u="none" strike="noStrike">
+                        <a:solidFill>
+                          <a:srgbClr val="000000"/>
+                        </a:solidFill>
+                        <a:latin typeface="Calibri"/>
+                      </a:endParaRPr>
+                    </a:p>
+                  </a:txBody>
+                  <a:tcPr marL="9525" marR="9525" marT="9525" marB="0" anchor="b"/>
+                </a:tc>
+                <a:tc>
+                  <a:txBody>
+                    <a:bodyPr/>
+                    <a:lstStyle/>
+                    <a:p>
+                      <a:pPr algn="l" fontAlgn="b"/>
+                      <a:r>
+                        <a:rPr lang="en-US" sz="2100" u="none" strike="noStrike"/>
+                        <a:t>integer</a:t>
+                      </a:r>
+                      <a:endParaRPr lang="en-US" sz="2100" b="0" i="0" u="none" strike="noStrike">
+                        <a:solidFill>
+                          <a:srgbClr val="000000"/>
+                        </a:solidFill>
+                        <a:latin typeface="Calibri"/>
+                      </a:endParaRPr>
+                    </a:p>
+                  </a:txBody>
+                  <a:tcPr marL="9525" marR="9525" marT="9525" marB="0" anchor="b"/>
+                </a:tc>
+                <a:tc>
+                  <a:txBody>
+                    <a:bodyPr/>
+                    <a:lstStyle/>
+                    <a:p>
+                      <a:pPr algn="l" fontAlgn="b"/>
+                      <a:r>
                         <a:rPr lang="en-US" sz="2100" u="none" strike="noStrike"/>
                         <a:t> </a:t>
                       </a:r>
@@ -13901,6 +15052,11 @@
                   </a:txBody>
                   <a:tcPr marL="9525" marR="9525" marT="9525" marB="0" anchor="b"/>
                 </a:tc>
+                <a:extLst>
+                  <a:ext uri="{0D108BD9-81ED-4DB2-BD59-A6C34878D82A}">
+                    <a16:rowId xmlns:a16="http://schemas.microsoft.com/office/drawing/2014/main" val="10008"/>
+                  </a:ext>
+                </a:extLst>
               </a:tr>
               <a:tr h="259080">
                 <a:tc>
@@ -13911,68 +15067,6 @@
                       <a:pPr algn="l" fontAlgn="b"/>
                       <a:r>
                         <a:rPr lang="en-US" sz="2100" u="none" strike="noStrike"/>
-                        <a:t>content length</a:t>
-                      </a:r>
-                      <a:endParaRPr lang="en-US" sz="2100" b="0" i="0" u="none" strike="noStrike">
-                        <a:solidFill>
-                          <a:srgbClr val="000000"/>
-                        </a:solidFill>
-                        <a:latin typeface="Calibri"/>
-                      </a:endParaRPr>
-                    </a:p>
-                  </a:txBody>
-                  <a:tcPr marL="9525" marR="9525" marT="9525" marB="0" anchor="b"/>
-                </a:tc>
-                <a:tc>
-                  <a:txBody>
-                    <a:bodyPr/>
-                    <a:lstStyle/>
-                    <a:p>
-                      <a:pPr algn="l" fontAlgn="b"/>
-                      <a:r>
-                        <a:rPr lang="en-US" sz="2100" u="none" strike="noStrike"/>
-                        <a:t>integer</a:t>
-                      </a:r>
-                      <a:endParaRPr lang="en-US" sz="2100" b="0" i="0" u="none" strike="noStrike">
-                        <a:solidFill>
-                          <a:srgbClr val="000000"/>
-                        </a:solidFill>
-                        <a:latin typeface="Calibri"/>
-                      </a:endParaRPr>
-                    </a:p>
-                  </a:txBody>
-                  <a:tcPr marL="9525" marR="9525" marT="9525" marB="0" anchor="b"/>
-                </a:tc>
-                <a:tc>
-                  <a:txBody>
-                    <a:bodyPr/>
-                    <a:lstStyle/>
-                    <a:p>
-                      <a:pPr algn="l" fontAlgn="b"/>
-                      <a:r>
-                        <a:rPr lang="en-US" sz="2100" u="none" strike="noStrike"/>
-                        <a:t> </a:t>
-                      </a:r>
-                      <a:endParaRPr lang="en-US" sz="2100" b="0" i="0" u="none" strike="noStrike">
-                        <a:solidFill>
-                          <a:srgbClr val="000000"/>
-                        </a:solidFill>
-                        <a:latin typeface="Calibri"/>
-                      </a:endParaRPr>
-                    </a:p>
-                  </a:txBody>
-                  <a:tcPr marL="9525" marR="9525" marT="9525" marB="0" anchor="b"/>
-                </a:tc>
-              </a:tr>
-              <a:tr h="259080">
-                <a:tc>
-                  <a:txBody>
-                    <a:bodyPr/>
-                    <a:lstStyle/>
-                    <a:p>
-                      <a:pPr algn="l" fontAlgn="b"/>
-                      <a:r>
-                        <a:rPr lang="en-US" sz="2100" u="none" strike="noStrike"/>
                         <a:t>paid</a:t>
                       </a:r>
                       <a:endParaRPr lang="en-US" sz="2100" b="0" i="0" u="none" strike="noStrike">
@@ -14025,6 +15119,11 @@
                   </a:txBody>
                   <a:tcPr marL="9525" marR="9525" marT="9525" marB="0" anchor="b"/>
                 </a:tc>
+                <a:extLst>
+                  <a:ext uri="{0D108BD9-81ED-4DB2-BD59-A6C34878D82A}">
+                    <a16:rowId xmlns:a16="http://schemas.microsoft.com/office/drawing/2014/main" val="10009"/>
+                  </a:ext>
+                </a:extLst>
               </a:tr>
             </a:tbl>
           </a:graphicData>
@@ -14061,7 +15160,13 @@
           <p:cNvGraphicFramePr>
             <a:graphicFrameLocks noGrp="1"/>
           </p:cNvGraphicFramePr>
-          <p:nvPr/>
+          <p:nvPr>
+            <p:extLst>
+              <p:ext uri="{D42A27DB-BD31-4B8C-83A1-F6EECF244321}">
+                <p14:modId xmlns:p14="http://schemas.microsoft.com/office/powerpoint/2010/main" val="1565169028"/>
+              </p:ext>
+            </p:extLst>
+          </p:nvPr>
         </p:nvGraphicFramePr>
         <p:xfrm>
           <a:off x="228600" y="1676400"/>
@@ -14074,9 +15179,27 @@
                 <a:tableStyleId>{3C2FFA5D-87B4-456A-9821-1D502468CF0F}</a:tableStyleId>
               </a:tblPr>
               <a:tblGrid>
-                <a:gridCol w="3117996"/>
-                <a:gridCol w="2547848"/>
-                <a:gridCol w="2868557"/>
+                <a:gridCol w="3117996">
+                  <a:extLst>
+                    <a:ext uri="{9D8B030D-6E8A-4147-A177-3AD203B41FA5}">
+                      <a16:colId xmlns:a16="http://schemas.microsoft.com/office/drawing/2014/main" val="20000"/>
+                    </a:ext>
+                  </a:extLst>
+                </a:gridCol>
+                <a:gridCol w="2547848">
+                  <a:extLst>
+                    <a:ext uri="{9D8B030D-6E8A-4147-A177-3AD203B41FA5}">
+                      <a16:colId xmlns:a16="http://schemas.microsoft.com/office/drawing/2014/main" val="20001"/>
+                    </a:ext>
+                  </a:extLst>
+                </a:gridCol>
+                <a:gridCol w="2868557">
+                  <a:extLst>
+                    <a:ext uri="{9D8B030D-6E8A-4147-A177-3AD203B41FA5}">
+                      <a16:colId xmlns:a16="http://schemas.microsoft.com/office/drawing/2014/main" val="20002"/>
+                    </a:ext>
+                  </a:extLst>
+                </a:gridCol>
               </a:tblGrid>
               <a:tr h="333375">
                 <a:tc gridSpan="3">
@@ -14119,6 +15242,11 @@
                   </a:txBody>
                   <a:tcPr/>
                 </a:tc>
+                <a:extLst>
+                  <a:ext uri="{0D108BD9-81ED-4DB2-BD59-A6C34878D82A}">
+                    <a16:rowId xmlns:a16="http://schemas.microsoft.com/office/drawing/2014/main" val="10000"/>
+                  </a:ext>
+                </a:extLst>
               </a:tr>
               <a:tr h="333375">
                 <a:tc>
@@ -14181,6 +15309,11 @@
                   </a:txBody>
                   <a:tcPr marL="9525" marR="9525" marT="9525" marB="0" anchor="b"/>
                 </a:tc>
+                <a:extLst>
+                  <a:ext uri="{0D108BD9-81ED-4DB2-BD59-A6C34878D82A}">
+                    <a16:rowId xmlns:a16="http://schemas.microsoft.com/office/drawing/2014/main" val="10001"/>
+                  </a:ext>
+                </a:extLst>
               </a:tr>
               <a:tr h="333375">
                 <a:tc>
@@ -14243,6 +15376,11 @@
                   </a:txBody>
                   <a:tcPr marL="9525" marR="9525" marT="9525" marB="0" anchor="b"/>
                 </a:tc>
+                <a:extLst>
+                  <a:ext uri="{0D108BD9-81ED-4DB2-BD59-A6C34878D82A}">
+                    <a16:rowId xmlns:a16="http://schemas.microsoft.com/office/drawing/2014/main" val="10002"/>
+                  </a:ext>
+                </a:extLst>
               </a:tr>
               <a:tr h="333375">
                 <a:tc>
@@ -14305,6 +15443,11 @@
                   </a:txBody>
                   <a:tcPr marL="9525" marR="9525" marT="9525" marB="0" anchor="b"/>
                 </a:tc>
+                <a:extLst>
+                  <a:ext uri="{0D108BD9-81ED-4DB2-BD59-A6C34878D82A}">
+                    <a16:rowId xmlns:a16="http://schemas.microsoft.com/office/drawing/2014/main" val="10003"/>
+                  </a:ext>
+                </a:extLst>
               </a:tr>
               <a:tr h="333375">
                 <a:tc>
@@ -14371,6 +15514,11 @@
                   </a:txBody>
                   <a:tcPr marL="9525" marR="9525" marT="9525" marB="0" anchor="b"/>
                 </a:tc>
+                <a:extLst>
+                  <a:ext uri="{0D108BD9-81ED-4DB2-BD59-A6C34878D82A}">
+                    <a16:rowId xmlns:a16="http://schemas.microsoft.com/office/drawing/2014/main" val="10004"/>
+                  </a:ext>
+                </a:extLst>
               </a:tr>
               <a:tr h="333375">
                 <a:tc>
@@ -14433,6 +15581,11 @@
                   </a:txBody>
                   <a:tcPr marL="9525" marR="9525" marT="9525" marB="0" anchor="b"/>
                 </a:tc>
+                <a:extLst>
+                  <a:ext uri="{0D108BD9-81ED-4DB2-BD59-A6C34878D82A}">
+                    <a16:rowId xmlns:a16="http://schemas.microsoft.com/office/drawing/2014/main" val="10005"/>
+                  </a:ext>
+                </a:extLst>
               </a:tr>
               <a:tr h="333375">
                 <a:tc>
@@ -14495,6 +15648,11 @@
                   </a:txBody>
                   <a:tcPr marL="9525" marR="9525" marT="9525" marB="0" anchor="b"/>
                 </a:tc>
+                <a:extLst>
+                  <a:ext uri="{0D108BD9-81ED-4DB2-BD59-A6C34878D82A}">
+                    <a16:rowId xmlns:a16="http://schemas.microsoft.com/office/drawing/2014/main" val="10006"/>
+                  </a:ext>
+                </a:extLst>
               </a:tr>
               <a:tr h="333375">
                 <a:tc>
@@ -14547,6 +15705,10 @@
                         <a:rPr lang="en-US" sz="2100" u="none" strike="noStrike" dirty="0"/>
                         <a:t> </a:t>
                       </a:r>
+                      <a:r>
+                        <a:rPr lang="en-US" sz="2100" u="none" strike="noStrike" dirty="0" smtClean="0"/>
+                        <a:t>foreign key</a:t>
+                      </a:r>
                       <a:endParaRPr lang="en-US" sz="2100" b="0" i="0" u="none" strike="noStrike" dirty="0">
                         <a:solidFill>
                           <a:srgbClr val="000000"/>
@@ -14557,6 +15719,11 @@
                   </a:txBody>
                   <a:tcPr marL="9525" marR="9525" marT="9525" marB="0" anchor="b"/>
                 </a:tc>
+                <a:extLst>
+                  <a:ext uri="{0D108BD9-81ED-4DB2-BD59-A6C34878D82A}">
+                    <a16:rowId xmlns:a16="http://schemas.microsoft.com/office/drawing/2014/main" val="10007"/>
+                  </a:ext>
+                </a:extLst>
               </a:tr>
             </a:tbl>
           </a:graphicData>
@@ -14593,7 +15760,13 @@
           <p:cNvGraphicFramePr>
             <a:graphicFrameLocks noGrp="1"/>
           </p:cNvGraphicFramePr>
-          <p:nvPr/>
+          <p:nvPr>
+            <p:extLst>
+              <p:ext uri="{D42A27DB-BD31-4B8C-83A1-F6EECF244321}">
+                <p14:modId xmlns:p14="http://schemas.microsoft.com/office/powerpoint/2010/main" val="1197494094"/>
+              </p:ext>
+            </p:extLst>
+          </p:nvPr>
         </p:nvGraphicFramePr>
         <p:xfrm>
           <a:off x="228600" y="990600"/>
@@ -14606,9 +15779,27 @@
                 <a:tableStyleId>{3C2FFA5D-87B4-456A-9821-1D502468CF0F}</a:tableStyleId>
               </a:tblPr>
               <a:tblGrid>
-                <a:gridCol w="3145835"/>
-                <a:gridCol w="2570596"/>
-                <a:gridCol w="2894168"/>
+                <a:gridCol w="3145835">
+                  <a:extLst>
+                    <a:ext uri="{9D8B030D-6E8A-4147-A177-3AD203B41FA5}">
+                      <a16:colId xmlns:a16="http://schemas.microsoft.com/office/drawing/2014/main" val="20000"/>
+                    </a:ext>
+                  </a:extLst>
+                </a:gridCol>
+                <a:gridCol w="2570596">
+                  <a:extLst>
+                    <a:ext uri="{9D8B030D-6E8A-4147-A177-3AD203B41FA5}">
+                      <a16:colId xmlns:a16="http://schemas.microsoft.com/office/drawing/2014/main" val="20001"/>
+                    </a:ext>
+                  </a:extLst>
+                </a:gridCol>
+                <a:gridCol w="2894168">
+                  <a:extLst>
+                    <a:ext uri="{9D8B030D-6E8A-4147-A177-3AD203B41FA5}">
+                      <a16:colId xmlns:a16="http://schemas.microsoft.com/office/drawing/2014/main" val="20002"/>
+                    </a:ext>
+                  </a:extLst>
+                </a:gridCol>
               </a:tblGrid>
               <a:tr h="393700">
                 <a:tc gridSpan="3">
@@ -14651,6 +15842,11 @@
                   </a:txBody>
                   <a:tcPr/>
                 </a:tc>
+                <a:extLst>
+                  <a:ext uri="{0D108BD9-81ED-4DB2-BD59-A6C34878D82A}">
+                    <a16:rowId xmlns:a16="http://schemas.microsoft.com/office/drawing/2014/main" val="10000"/>
+                  </a:ext>
+                </a:extLst>
               </a:tr>
               <a:tr h="546100">
                 <a:tc>
@@ -14713,6 +15909,11 @@
                   </a:txBody>
                   <a:tcPr marL="9525" marR="9525" marT="9525" marB="0" anchor="b"/>
                 </a:tc>
+                <a:extLst>
+                  <a:ext uri="{0D108BD9-81ED-4DB2-BD59-A6C34878D82A}">
+                    <a16:rowId xmlns:a16="http://schemas.microsoft.com/office/drawing/2014/main" val="10001"/>
+                  </a:ext>
+                </a:extLst>
               </a:tr>
               <a:tr h="546100">
                 <a:tc>
@@ -14775,6 +15976,11 @@
                   </a:txBody>
                   <a:tcPr marL="9525" marR="9525" marT="9525" marB="0" anchor="b"/>
                 </a:tc>
+                <a:extLst>
+                  <a:ext uri="{0D108BD9-81ED-4DB2-BD59-A6C34878D82A}">
+                    <a16:rowId xmlns:a16="http://schemas.microsoft.com/office/drawing/2014/main" val="10002"/>
+                  </a:ext>
+                </a:extLst>
               </a:tr>
               <a:tr h="546100">
                 <a:tc>
@@ -14837,6 +16043,11 @@
                   </a:txBody>
                   <a:tcPr marL="9525" marR="9525" marT="9525" marB="0" anchor="b"/>
                 </a:tc>
+                <a:extLst>
+                  <a:ext uri="{0D108BD9-81ED-4DB2-BD59-A6C34878D82A}">
+                    <a16:rowId xmlns:a16="http://schemas.microsoft.com/office/drawing/2014/main" val="10003"/>
+                  </a:ext>
+                </a:extLst>
               </a:tr>
               <a:tr h="546100">
                 <a:tc>
@@ -14903,6 +16114,11 @@
                   </a:txBody>
                   <a:tcPr marL="9525" marR="9525" marT="9525" marB="0" anchor="b"/>
                 </a:tc>
+                <a:extLst>
+                  <a:ext uri="{0D108BD9-81ED-4DB2-BD59-A6C34878D82A}">
+                    <a16:rowId xmlns:a16="http://schemas.microsoft.com/office/drawing/2014/main" val="10004"/>
+                  </a:ext>
+                </a:extLst>
               </a:tr>
               <a:tr h="546100">
                 <a:tc>
@@ -14955,6 +16171,10 @@
                         <a:rPr lang="en-US" sz="2100" u="none" strike="noStrike" dirty="0"/>
                         <a:t> </a:t>
                       </a:r>
+                      <a:r>
+                        <a:rPr lang="en-US" sz="2100" u="none" strike="noStrike" dirty="0" smtClean="0"/>
+                        <a:t>foreign key</a:t>
+                      </a:r>
                       <a:endParaRPr lang="en-US" sz="2100" b="0" i="0" u="none" strike="noStrike" dirty="0">
                         <a:solidFill>
                           <a:srgbClr val="000000"/>
@@ -14965,6 +16185,11 @@
                   </a:txBody>
                   <a:tcPr marL="9525" marR="9525" marT="9525" marB="0" anchor="b"/>
                 </a:tc>
+                <a:extLst>
+                  <a:ext uri="{0D108BD9-81ED-4DB2-BD59-A6C34878D82A}">
+                    <a16:rowId xmlns:a16="http://schemas.microsoft.com/office/drawing/2014/main" val="10005"/>
+                  </a:ext>
+                </a:extLst>
               </a:tr>
             </a:tbl>
           </a:graphicData>
@@ -15014,9 +16239,27 @@
                 <a:tableStyleId>{3C2FFA5D-87B4-456A-9821-1D502468CF0F}</a:tableStyleId>
               </a:tblPr>
               <a:tblGrid>
-                <a:gridCol w="2950961"/>
-                <a:gridCol w="2411355"/>
-                <a:gridCol w="2714884"/>
+                <a:gridCol w="2950961">
+                  <a:extLst>
+                    <a:ext uri="{9D8B030D-6E8A-4147-A177-3AD203B41FA5}">
+                      <a16:colId xmlns:a16="http://schemas.microsoft.com/office/drawing/2014/main" val="20000"/>
+                    </a:ext>
+                  </a:extLst>
+                </a:gridCol>
+                <a:gridCol w="2411355">
+                  <a:extLst>
+                    <a:ext uri="{9D8B030D-6E8A-4147-A177-3AD203B41FA5}">
+                      <a16:colId xmlns:a16="http://schemas.microsoft.com/office/drawing/2014/main" val="20001"/>
+                    </a:ext>
+                  </a:extLst>
+                </a:gridCol>
+                <a:gridCol w="2714884">
+                  <a:extLst>
+                    <a:ext uri="{9D8B030D-6E8A-4147-A177-3AD203B41FA5}">
+                      <a16:colId xmlns:a16="http://schemas.microsoft.com/office/drawing/2014/main" val="20002"/>
+                    </a:ext>
+                  </a:extLst>
+                </a:gridCol>
               </a:tblGrid>
               <a:tr h="518160">
                 <a:tc gridSpan="3">
@@ -15059,6 +16302,11 @@
                   </a:txBody>
                   <a:tcPr/>
                 </a:tc>
+                <a:extLst>
+                  <a:ext uri="{0D108BD9-81ED-4DB2-BD59-A6C34878D82A}">
+                    <a16:rowId xmlns:a16="http://schemas.microsoft.com/office/drawing/2014/main" val="10000"/>
+                  </a:ext>
+                </a:extLst>
               </a:tr>
               <a:tr h="518160">
                 <a:tc>
@@ -15121,6 +16369,11 @@
                   </a:txBody>
                   <a:tcPr marL="9525" marR="9525" marT="9525" marB="0" anchor="b"/>
                 </a:tc>
+                <a:extLst>
+                  <a:ext uri="{0D108BD9-81ED-4DB2-BD59-A6C34878D82A}">
+                    <a16:rowId xmlns:a16="http://schemas.microsoft.com/office/drawing/2014/main" val="10001"/>
+                  </a:ext>
+                </a:extLst>
               </a:tr>
               <a:tr h="518160">
                 <a:tc>
@@ -15183,6 +16436,11 @@
                   </a:txBody>
                   <a:tcPr marL="9525" marR="9525" marT="9525" marB="0" anchor="b"/>
                 </a:tc>
+                <a:extLst>
+                  <a:ext uri="{0D108BD9-81ED-4DB2-BD59-A6C34878D82A}">
+                    <a16:rowId xmlns:a16="http://schemas.microsoft.com/office/drawing/2014/main" val="10002"/>
+                  </a:ext>
+                </a:extLst>
               </a:tr>
               <a:tr h="518160">
                 <a:tc>
@@ -15232,19 +16490,24 @@
                     <a:p>
                       <a:pPr algn="l" fontAlgn="b"/>
                       <a:r>
-                        <a:rPr lang="en-US" sz="2100" u="none" strike="noStrike"/>
+                        <a:rPr lang="en-US" sz="2100" u="none" strike="noStrike" dirty="0"/>
                         <a:t> </a:t>
                       </a:r>
-                      <a:endParaRPr lang="en-US" sz="2100" b="0" i="0" u="none" strike="noStrike">
-                        <a:solidFill>
-                          <a:srgbClr val="000000"/>
-                        </a:solidFill>
-                        <a:latin typeface="Calibri"/>
-                      </a:endParaRPr>
-                    </a:p>
-                  </a:txBody>
-                  <a:tcPr marL="9525" marR="9525" marT="9525" marB="0" anchor="b"/>
-                </a:tc>
+                      <a:endParaRPr lang="en-US" sz="2100" b="0" i="0" u="none" strike="noStrike" dirty="0">
+                        <a:solidFill>
+                          <a:srgbClr val="000000"/>
+                        </a:solidFill>
+                        <a:latin typeface="Calibri"/>
+                      </a:endParaRPr>
+                    </a:p>
+                  </a:txBody>
+                  <a:tcPr marL="9525" marR="9525" marT="9525" marB="0" anchor="b"/>
+                </a:tc>
+                <a:extLst>
+                  <a:ext uri="{0D108BD9-81ED-4DB2-BD59-A6C34878D82A}">
+                    <a16:rowId xmlns:a16="http://schemas.microsoft.com/office/drawing/2014/main" val="10003"/>
+                  </a:ext>
+                </a:extLst>
               </a:tr>
               <a:tr h="518160">
                 <a:tc>
@@ -15307,6 +16570,11 @@
                   </a:txBody>
                   <a:tcPr marL="9525" marR="9525" marT="9525" marB="0" anchor="b"/>
                 </a:tc>
+                <a:extLst>
+                  <a:ext uri="{0D108BD9-81ED-4DB2-BD59-A6C34878D82A}">
+                    <a16:rowId xmlns:a16="http://schemas.microsoft.com/office/drawing/2014/main" val="10004"/>
+                  </a:ext>
+                </a:extLst>
               </a:tr>
             </a:tbl>
           </a:graphicData>
@@ -15398,6 +16666,13 @@
   <p:clrMapOvr>
     <a:masterClrMapping/>
   </p:clrMapOvr>
+  <p:timing>
+    <p:tnLst>
+      <p:par>
+        <p:cTn id="1" dur="indefinite" restart="never" nodeType="tmRoot"/>
+      </p:par>
+    </p:tnLst>
+  </p:timing>
 </p:sld>
 </file>
 
@@ -15437,9 +16712,27 @@
                 <a:tableStyleId>{3C2FFA5D-87B4-456A-9821-1D502468CF0F}</a:tableStyleId>
               </a:tblPr>
               <a:tblGrid>
-                <a:gridCol w="3173674"/>
-                <a:gridCol w="2593345"/>
-                <a:gridCol w="2919780"/>
+                <a:gridCol w="3173674">
+                  <a:extLst>
+                    <a:ext uri="{9D8B030D-6E8A-4147-A177-3AD203B41FA5}">
+                      <a16:colId xmlns:a16="http://schemas.microsoft.com/office/drawing/2014/main" val="20000"/>
+                    </a:ext>
+                  </a:extLst>
+                </a:gridCol>
+                <a:gridCol w="2593345">
+                  <a:extLst>
+                    <a:ext uri="{9D8B030D-6E8A-4147-A177-3AD203B41FA5}">
+                      <a16:colId xmlns:a16="http://schemas.microsoft.com/office/drawing/2014/main" val="20001"/>
+                    </a:ext>
+                  </a:extLst>
+                </a:gridCol>
+                <a:gridCol w="2919780">
+                  <a:extLst>
+                    <a:ext uri="{9D8B030D-6E8A-4147-A177-3AD203B41FA5}">
+                      <a16:colId xmlns:a16="http://schemas.microsoft.com/office/drawing/2014/main" val="20002"/>
+                    </a:ext>
+                  </a:extLst>
+                </a:gridCol>
               </a:tblGrid>
               <a:tr h="495300">
                 <a:tc gridSpan="3">
@@ -15482,6 +16775,11 @@
                   </a:txBody>
                   <a:tcPr/>
                 </a:tc>
+                <a:extLst>
+                  <a:ext uri="{0D108BD9-81ED-4DB2-BD59-A6C34878D82A}">
+                    <a16:rowId xmlns:a16="http://schemas.microsoft.com/office/drawing/2014/main" val="10000"/>
+                  </a:ext>
+                </a:extLst>
               </a:tr>
               <a:tr h="495300">
                 <a:tc>
@@ -15544,6 +16842,11 @@
                   </a:txBody>
                   <a:tcPr marL="9525" marR="9525" marT="9525" marB="0" anchor="b"/>
                 </a:tc>
+                <a:extLst>
+                  <a:ext uri="{0D108BD9-81ED-4DB2-BD59-A6C34878D82A}">
+                    <a16:rowId xmlns:a16="http://schemas.microsoft.com/office/drawing/2014/main" val="10001"/>
+                  </a:ext>
+                </a:extLst>
               </a:tr>
               <a:tr h="495300">
                 <a:tc>
@@ -15610,6 +16913,11 @@
                   </a:txBody>
                   <a:tcPr marL="9525" marR="9525" marT="9525" marB="0" anchor="b"/>
                 </a:tc>
+                <a:extLst>
+                  <a:ext uri="{0D108BD9-81ED-4DB2-BD59-A6C34878D82A}">
+                    <a16:rowId xmlns:a16="http://schemas.microsoft.com/office/drawing/2014/main" val="10002"/>
+                  </a:ext>
+                </a:extLst>
               </a:tr>
               <a:tr h="495300">
                 <a:tc>
@@ -15672,6 +16980,11 @@
                   </a:txBody>
                   <a:tcPr marL="9525" marR="9525" marT="9525" marB="0" anchor="b"/>
                 </a:tc>
+                <a:extLst>
+                  <a:ext uri="{0D108BD9-81ED-4DB2-BD59-A6C34878D82A}">
+                    <a16:rowId xmlns:a16="http://schemas.microsoft.com/office/drawing/2014/main" val="10003"/>
+                  </a:ext>
+                </a:extLst>
               </a:tr>
             </a:tbl>
           </a:graphicData>
@@ -15721,9 +17034,27 @@
                 <a:tableStyleId>{3C2FFA5D-87B4-456A-9821-1D502468CF0F}</a:tableStyleId>
               </a:tblPr>
               <a:tblGrid>
-                <a:gridCol w="3090156"/>
-                <a:gridCol w="2525100"/>
-                <a:gridCol w="2842944"/>
+                <a:gridCol w="3090156">
+                  <a:extLst>
+                    <a:ext uri="{9D8B030D-6E8A-4147-A177-3AD203B41FA5}">
+                      <a16:colId xmlns:a16="http://schemas.microsoft.com/office/drawing/2014/main" val="20000"/>
+                    </a:ext>
+                  </a:extLst>
+                </a:gridCol>
+                <a:gridCol w="2525100">
+                  <a:extLst>
+                    <a:ext uri="{9D8B030D-6E8A-4147-A177-3AD203B41FA5}">
+                      <a16:colId xmlns:a16="http://schemas.microsoft.com/office/drawing/2014/main" val="20001"/>
+                    </a:ext>
+                  </a:extLst>
+                </a:gridCol>
+                <a:gridCol w="2842944">
+                  <a:extLst>
+                    <a:ext uri="{9D8B030D-6E8A-4147-A177-3AD203B41FA5}">
+                      <a16:colId xmlns:a16="http://schemas.microsoft.com/office/drawing/2014/main" val="20002"/>
+                    </a:ext>
+                  </a:extLst>
+                </a:gridCol>
               </a:tblGrid>
               <a:tr h="457200">
                 <a:tc gridSpan="3">
@@ -15766,6 +17097,11 @@
                   </a:txBody>
                   <a:tcPr/>
                 </a:tc>
+                <a:extLst>
+                  <a:ext uri="{0D108BD9-81ED-4DB2-BD59-A6C34878D82A}">
+                    <a16:rowId xmlns:a16="http://schemas.microsoft.com/office/drawing/2014/main" val="10000"/>
+                  </a:ext>
+                </a:extLst>
               </a:tr>
               <a:tr h="457200">
                 <a:tc>
@@ -15828,6 +17164,11 @@
                   </a:txBody>
                   <a:tcPr marL="9525" marR="9525" marT="9525" marB="0" anchor="b"/>
                 </a:tc>
+                <a:extLst>
+                  <a:ext uri="{0D108BD9-81ED-4DB2-BD59-A6C34878D82A}">
+                    <a16:rowId xmlns:a16="http://schemas.microsoft.com/office/drawing/2014/main" val="10001"/>
+                  </a:ext>
+                </a:extLst>
               </a:tr>
               <a:tr h="457200">
                 <a:tc>
@@ -15890,6 +17231,11 @@
                   </a:txBody>
                   <a:tcPr marL="9525" marR="9525" marT="9525" marB="0" anchor="ctr"/>
                 </a:tc>
+                <a:extLst>
+                  <a:ext uri="{0D108BD9-81ED-4DB2-BD59-A6C34878D82A}">
+                    <a16:rowId xmlns:a16="http://schemas.microsoft.com/office/drawing/2014/main" val="10002"/>
+                  </a:ext>
+                </a:extLst>
               </a:tr>
               <a:tr h="457200">
                 <a:tc>
@@ -15942,6 +17288,11 @@
                   </a:txBody>
                   <a:tcPr/>
                 </a:tc>
+                <a:extLst>
+                  <a:ext uri="{0D108BD9-81ED-4DB2-BD59-A6C34878D82A}">
+                    <a16:rowId xmlns:a16="http://schemas.microsoft.com/office/drawing/2014/main" val="10003"/>
+                  </a:ext>
+                </a:extLst>
               </a:tr>
               <a:tr h="457200">
                 <a:tc>
@@ -16004,6 +17355,11 @@
                   </a:txBody>
                   <a:tcPr marL="9525" marR="9525" marT="9525" marB="0" anchor="b"/>
                 </a:tc>
+                <a:extLst>
+                  <a:ext uri="{0D108BD9-81ED-4DB2-BD59-A6C34878D82A}">
+                    <a16:rowId xmlns:a16="http://schemas.microsoft.com/office/drawing/2014/main" val="10004"/>
+                  </a:ext>
+                </a:extLst>
               </a:tr>
             </a:tbl>
           </a:graphicData>
@@ -16053,9 +17409,27 @@
                 <a:tableStyleId>{3C2FFA5D-87B4-456A-9821-1D502468CF0F}</a:tableStyleId>
               </a:tblPr>
               <a:tblGrid>
-                <a:gridCol w="3090157"/>
-                <a:gridCol w="2525099"/>
-                <a:gridCol w="2842944"/>
+                <a:gridCol w="3090157">
+                  <a:extLst>
+                    <a:ext uri="{9D8B030D-6E8A-4147-A177-3AD203B41FA5}">
+                      <a16:colId xmlns:a16="http://schemas.microsoft.com/office/drawing/2014/main" val="20000"/>
+                    </a:ext>
+                  </a:extLst>
+                </a:gridCol>
+                <a:gridCol w="2525099">
+                  <a:extLst>
+                    <a:ext uri="{9D8B030D-6E8A-4147-A177-3AD203B41FA5}">
+                      <a16:colId xmlns:a16="http://schemas.microsoft.com/office/drawing/2014/main" val="20001"/>
+                    </a:ext>
+                  </a:extLst>
+                </a:gridCol>
+                <a:gridCol w="2842944">
+                  <a:extLst>
+                    <a:ext uri="{9D8B030D-6E8A-4147-A177-3AD203B41FA5}">
+                      <a16:colId xmlns:a16="http://schemas.microsoft.com/office/drawing/2014/main" val="20002"/>
+                    </a:ext>
+                  </a:extLst>
+                </a:gridCol>
               </a:tblGrid>
               <a:tr h="594360">
                 <a:tc gridSpan="3">
@@ -16098,6 +17472,11 @@
                   </a:txBody>
                   <a:tcPr/>
                 </a:tc>
+                <a:extLst>
+                  <a:ext uri="{0D108BD9-81ED-4DB2-BD59-A6C34878D82A}">
+                    <a16:rowId xmlns:a16="http://schemas.microsoft.com/office/drawing/2014/main" val="10000"/>
+                  </a:ext>
+                </a:extLst>
               </a:tr>
               <a:tr h="594360">
                 <a:tc>
@@ -16160,6 +17539,11 @@
                   </a:txBody>
                   <a:tcPr marL="9525" marR="9525" marT="9525" marB="0" anchor="b"/>
                 </a:tc>
+                <a:extLst>
+                  <a:ext uri="{0D108BD9-81ED-4DB2-BD59-A6C34878D82A}">
+                    <a16:rowId xmlns:a16="http://schemas.microsoft.com/office/drawing/2014/main" val="10001"/>
+                  </a:ext>
+                </a:extLst>
               </a:tr>
               <a:tr h="594360">
                 <a:tc>
@@ -16222,6 +17606,11 @@
                   </a:txBody>
                   <a:tcPr marL="9525" marR="9525" marT="9525" marB="0" anchor="ctr"/>
                 </a:tc>
+                <a:extLst>
+                  <a:ext uri="{0D108BD9-81ED-4DB2-BD59-A6C34878D82A}">
+                    <a16:rowId xmlns:a16="http://schemas.microsoft.com/office/drawing/2014/main" val="10002"/>
+                  </a:ext>
+                </a:extLst>
               </a:tr>
               <a:tr h="594360">
                 <a:tc>
@@ -16274,6 +17663,11 @@
                   </a:txBody>
                   <a:tcPr/>
                 </a:tc>
+                <a:extLst>
+                  <a:ext uri="{0D108BD9-81ED-4DB2-BD59-A6C34878D82A}">
+                    <a16:rowId xmlns:a16="http://schemas.microsoft.com/office/drawing/2014/main" val="10003"/>
+                  </a:ext>
+                </a:extLst>
               </a:tr>
               <a:tr h="594360">
                 <a:tc>
@@ -16336,6 +17730,11 @@
                   </a:txBody>
                   <a:tcPr marL="9525" marR="9525" marT="9525" marB="0" anchor="b"/>
                 </a:tc>
+                <a:extLst>
+                  <a:ext uri="{0D108BD9-81ED-4DB2-BD59-A6C34878D82A}">
+                    <a16:rowId xmlns:a16="http://schemas.microsoft.com/office/drawing/2014/main" val="10004"/>
+                  </a:ext>
+                </a:extLst>
               </a:tr>
             </a:tbl>
           </a:graphicData>
@@ -16385,9 +17784,27 @@
                 <a:tableStyleId>{3C2FFA5D-87B4-456A-9821-1D502468CF0F}</a:tableStyleId>
               </a:tblPr>
               <a:tblGrid>
-                <a:gridCol w="3230509"/>
-                <a:gridCol w="2437392"/>
-                <a:gridCol w="3095099"/>
+                <a:gridCol w="3230509">
+                  <a:extLst>
+                    <a:ext uri="{9D8B030D-6E8A-4147-A177-3AD203B41FA5}">
+                      <a16:colId xmlns:a16="http://schemas.microsoft.com/office/drawing/2014/main" val="20000"/>
+                    </a:ext>
+                  </a:extLst>
+                </a:gridCol>
+                <a:gridCol w="2437392">
+                  <a:extLst>
+                    <a:ext uri="{9D8B030D-6E8A-4147-A177-3AD203B41FA5}">
+                      <a16:colId xmlns:a16="http://schemas.microsoft.com/office/drawing/2014/main" val="20001"/>
+                    </a:ext>
+                  </a:extLst>
+                </a:gridCol>
+                <a:gridCol w="3095099">
+                  <a:extLst>
+                    <a:ext uri="{9D8B030D-6E8A-4147-A177-3AD203B41FA5}">
+                      <a16:colId xmlns:a16="http://schemas.microsoft.com/office/drawing/2014/main" val="20002"/>
+                    </a:ext>
+                  </a:extLst>
+                </a:gridCol>
               </a:tblGrid>
               <a:tr h="295275">
                 <a:tc gridSpan="3">
@@ -16430,6 +17847,11 @@
                   </a:txBody>
                   <a:tcPr/>
                 </a:tc>
+                <a:extLst>
+                  <a:ext uri="{0D108BD9-81ED-4DB2-BD59-A6C34878D82A}">
+                    <a16:rowId xmlns:a16="http://schemas.microsoft.com/office/drawing/2014/main" val="10000"/>
+                  </a:ext>
+                </a:extLst>
               </a:tr>
               <a:tr h="295275">
                 <a:tc>
@@ -16492,6 +17914,11 @@
                   </a:txBody>
                   <a:tcPr marL="9525" marR="9525" marT="9525" marB="0" anchor="b"/>
                 </a:tc>
+                <a:extLst>
+                  <a:ext uri="{0D108BD9-81ED-4DB2-BD59-A6C34878D82A}">
+                    <a16:rowId xmlns:a16="http://schemas.microsoft.com/office/drawing/2014/main" val="10001"/>
+                  </a:ext>
+                </a:extLst>
               </a:tr>
               <a:tr h="295275">
                 <a:tc>
@@ -16554,6 +17981,11 @@
                   </a:txBody>
                   <a:tcPr marL="9525" marR="9525" marT="9525" marB="0" anchor="ctr"/>
                 </a:tc>
+                <a:extLst>
+                  <a:ext uri="{0D108BD9-81ED-4DB2-BD59-A6C34878D82A}">
+                    <a16:rowId xmlns:a16="http://schemas.microsoft.com/office/drawing/2014/main" val="10002"/>
+                  </a:ext>
+                </a:extLst>
               </a:tr>
               <a:tr h="295275">
                 <a:tc>
@@ -16606,6 +18038,11 @@
                   </a:txBody>
                   <a:tcPr/>
                 </a:tc>
+                <a:extLst>
+                  <a:ext uri="{0D108BD9-81ED-4DB2-BD59-A6C34878D82A}">
+                    <a16:rowId xmlns:a16="http://schemas.microsoft.com/office/drawing/2014/main" val="10003"/>
+                  </a:ext>
+                </a:extLst>
               </a:tr>
               <a:tr h="295275">
                 <a:tc>
@@ -16668,6 +18105,11 @@
                   </a:txBody>
                   <a:tcPr marL="9525" marR="9525" marT="9525" marB="0" anchor="b"/>
                 </a:tc>
+                <a:extLst>
+                  <a:ext uri="{0D108BD9-81ED-4DB2-BD59-A6C34878D82A}">
+                    <a16:rowId xmlns:a16="http://schemas.microsoft.com/office/drawing/2014/main" val="10004"/>
+                  </a:ext>
+                </a:extLst>
               </a:tr>
               <a:tr h="295275">
                 <a:tc>
@@ -16730,6 +18172,11 @@
                   </a:txBody>
                   <a:tcPr marL="9525" marR="9525" marT="9525" marB="0" anchor="b"/>
                 </a:tc>
+                <a:extLst>
+                  <a:ext uri="{0D108BD9-81ED-4DB2-BD59-A6C34878D82A}">
+                    <a16:rowId xmlns:a16="http://schemas.microsoft.com/office/drawing/2014/main" val="10005"/>
+                  </a:ext>
+                </a:extLst>
               </a:tr>
               <a:tr h="295275">
                 <a:tc>
@@ -16792,6 +18239,11 @@
                   </a:txBody>
                   <a:tcPr marL="9525" marR="9525" marT="9525" marB="0" anchor="b"/>
                 </a:tc>
+                <a:extLst>
+                  <a:ext uri="{0D108BD9-81ED-4DB2-BD59-A6C34878D82A}">
+                    <a16:rowId xmlns:a16="http://schemas.microsoft.com/office/drawing/2014/main" val="10006"/>
+                  </a:ext>
+                </a:extLst>
               </a:tr>
               <a:tr h="295275">
                 <a:tc>
@@ -16854,6 +18306,11 @@
                   </a:txBody>
                   <a:tcPr marL="9525" marR="9525" marT="9525" marB="0" anchor="b"/>
                 </a:tc>
+                <a:extLst>
+                  <a:ext uri="{0D108BD9-81ED-4DB2-BD59-A6C34878D82A}">
+                    <a16:rowId xmlns:a16="http://schemas.microsoft.com/office/drawing/2014/main" val="10007"/>
+                  </a:ext>
+                </a:extLst>
               </a:tr>
             </a:tbl>
           </a:graphicData>
@@ -16878,9 +18335,27 @@
                 <a:tableStyleId>{3C2FFA5D-87B4-456A-9821-1D502468CF0F}</a:tableStyleId>
               </a:tblPr>
               <a:tblGrid>
-                <a:gridCol w="3202418"/>
-                <a:gridCol w="2416196"/>
-                <a:gridCol w="3068185"/>
+                <a:gridCol w="3202418">
+                  <a:extLst>
+                    <a:ext uri="{9D8B030D-6E8A-4147-A177-3AD203B41FA5}">
+                      <a16:colId xmlns:a16="http://schemas.microsoft.com/office/drawing/2014/main" val="20000"/>
+                    </a:ext>
+                  </a:extLst>
+                </a:gridCol>
+                <a:gridCol w="2416196">
+                  <a:extLst>
+                    <a:ext uri="{9D8B030D-6E8A-4147-A177-3AD203B41FA5}">
+                      <a16:colId xmlns:a16="http://schemas.microsoft.com/office/drawing/2014/main" val="20001"/>
+                    </a:ext>
+                  </a:extLst>
+                </a:gridCol>
+                <a:gridCol w="3068185">
+                  <a:extLst>
+                    <a:ext uri="{9D8B030D-6E8A-4147-A177-3AD203B41FA5}">
+                      <a16:colId xmlns:a16="http://schemas.microsoft.com/office/drawing/2014/main" val="20002"/>
+                    </a:ext>
+                  </a:extLst>
+                </a:gridCol>
               </a:tblGrid>
               <a:tr h="472440">
                 <a:tc gridSpan="3">
@@ -16923,6 +18398,11 @@
                   </a:txBody>
                   <a:tcPr/>
                 </a:tc>
+                <a:extLst>
+                  <a:ext uri="{0D108BD9-81ED-4DB2-BD59-A6C34878D82A}">
+                    <a16:rowId xmlns:a16="http://schemas.microsoft.com/office/drawing/2014/main" val="10000"/>
+                  </a:ext>
+                </a:extLst>
               </a:tr>
               <a:tr h="472440">
                 <a:tc>
@@ -16985,6 +18465,11 @@
                   </a:txBody>
                   <a:tcPr marL="9525" marR="9525" marT="9525" marB="0" anchor="b"/>
                 </a:tc>
+                <a:extLst>
+                  <a:ext uri="{0D108BD9-81ED-4DB2-BD59-A6C34878D82A}">
+                    <a16:rowId xmlns:a16="http://schemas.microsoft.com/office/drawing/2014/main" val="10001"/>
+                  </a:ext>
+                </a:extLst>
               </a:tr>
               <a:tr h="472440">
                 <a:tc>
@@ -17047,6 +18532,11 @@
                   </a:txBody>
                   <a:tcPr marL="9525" marR="9525" marT="9525" marB="0" anchor="b"/>
                 </a:tc>
+                <a:extLst>
+                  <a:ext uri="{0D108BD9-81ED-4DB2-BD59-A6C34878D82A}">
+                    <a16:rowId xmlns:a16="http://schemas.microsoft.com/office/drawing/2014/main" val="10002"/>
+                  </a:ext>
+                </a:extLst>
               </a:tr>
               <a:tr h="472440">
                 <a:tc>
@@ -17113,6 +18603,11 @@
                   </a:txBody>
                   <a:tcPr marL="9525" marR="9525" marT="9525" marB="0" anchor="b"/>
                 </a:tc>
+                <a:extLst>
+                  <a:ext uri="{0D108BD9-81ED-4DB2-BD59-A6C34878D82A}">
+                    <a16:rowId xmlns:a16="http://schemas.microsoft.com/office/drawing/2014/main" val="10003"/>
+                  </a:ext>
+                </a:extLst>
               </a:tr>
               <a:tr h="472440">
                 <a:tc>
@@ -17175,6 +18670,11 @@
                   </a:txBody>
                   <a:tcPr marL="9525" marR="9525" marT="9525" marB="0" anchor="b"/>
                 </a:tc>
+                <a:extLst>
+                  <a:ext uri="{0D108BD9-81ED-4DB2-BD59-A6C34878D82A}">
+                    <a16:rowId xmlns:a16="http://schemas.microsoft.com/office/drawing/2014/main" val="10004"/>
+                  </a:ext>
+                </a:extLst>
               </a:tr>
             </a:tbl>
           </a:graphicData>
@@ -17224,9 +18724,27 @@
                 <a:tableStyleId>{3C2FFA5D-87B4-456A-9821-1D502468CF0F}</a:tableStyleId>
               </a:tblPr>
               <a:tblGrid>
-                <a:gridCol w="2844800"/>
-                <a:gridCol w="2844799"/>
-                <a:gridCol w="2844800"/>
+                <a:gridCol w="2844800">
+                  <a:extLst>
+                    <a:ext uri="{9D8B030D-6E8A-4147-A177-3AD203B41FA5}">
+                      <a16:colId xmlns:a16="http://schemas.microsoft.com/office/drawing/2014/main" val="20000"/>
+                    </a:ext>
+                  </a:extLst>
+                </a:gridCol>
+                <a:gridCol w="2844799">
+                  <a:extLst>
+                    <a:ext uri="{9D8B030D-6E8A-4147-A177-3AD203B41FA5}">
+                      <a16:colId xmlns:a16="http://schemas.microsoft.com/office/drawing/2014/main" val="20001"/>
+                    </a:ext>
+                  </a:extLst>
+                </a:gridCol>
+                <a:gridCol w="2844800">
+                  <a:extLst>
+                    <a:ext uri="{9D8B030D-6E8A-4147-A177-3AD203B41FA5}">
+                      <a16:colId xmlns:a16="http://schemas.microsoft.com/office/drawing/2014/main" val="20002"/>
+                    </a:ext>
+                  </a:extLst>
+                </a:gridCol>
               </a:tblGrid>
               <a:tr h="332509">
                 <a:tc gridSpan="3">
@@ -17271,6 +18789,11 @@
                   </a:txBody>
                   <a:tcPr/>
                 </a:tc>
+                <a:extLst>
+                  <a:ext uri="{0D108BD9-81ED-4DB2-BD59-A6C34878D82A}">
+                    <a16:rowId xmlns:a16="http://schemas.microsoft.com/office/drawing/2014/main" val="10000"/>
+                  </a:ext>
+                </a:extLst>
               </a:tr>
               <a:tr h="332509">
                 <a:tc>
@@ -17348,6 +18871,11 @@
                   </a:txBody>
                   <a:tcPr marL="9525" marR="9525" marT="9525" marB="0" anchor="b"/>
                 </a:tc>
+                <a:extLst>
+                  <a:ext uri="{0D108BD9-81ED-4DB2-BD59-A6C34878D82A}">
+                    <a16:rowId xmlns:a16="http://schemas.microsoft.com/office/drawing/2014/main" val="10001"/>
+                  </a:ext>
+                </a:extLst>
               </a:tr>
               <a:tr h="332509">
                 <a:tc>
@@ -17422,6 +18950,11 @@
                   </a:txBody>
                   <a:tcPr marL="9525" marR="9525" marT="9525" marB="0" anchor="ctr"/>
                 </a:tc>
+                <a:extLst>
+                  <a:ext uri="{0D108BD9-81ED-4DB2-BD59-A6C34878D82A}">
+                    <a16:rowId xmlns:a16="http://schemas.microsoft.com/office/drawing/2014/main" val="10002"/>
+                  </a:ext>
+                </a:extLst>
               </a:tr>
               <a:tr h="332509">
                 <a:tc>
@@ -17478,6 +19011,11 @@
                   </a:txBody>
                   <a:tcPr/>
                 </a:tc>
+                <a:extLst>
+                  <a:ext uri="{0D108BD9-81ED-4DB2-BD59-A6C34878D82A}">
+                    <a16:rowId xmlns:a16="http://schemas.microsoft.com/office/drawing/2014/main" val="10003"/>
+                  </a:ext>
+                </a:extLst>
               </a:tr>
               <a:tr h="332509">
                 <a:tc>
@@ -17534,6 +19072,11 @@
                   </a:txBody>
                   <a:tcPr/>
                 </a:tc>
+                <a:extLst>
+                  <a:ext uri="{0D108BD9-81ED-4DB2-BD59-A6C34878D82A}">
+                    <a16:rowId xmlns:a16="http://schemas.microsoft.com/office/drawing/2014/main" val="10004"/>
+                  </a:ext>
+                </a:extLst>
               </a:tr>
               <a:tr h="332509">
                 <a:tc>
@@ -17602,6 +19145,11 @@
                   </a:txBody>
                   <a:tcPr marL="9525" marR="9525" marT="9525" marB="0" anchor="b"/>
                 </a:tc>
+                <a:extLst>
+                  <a:ext uri="{0D108BD9-81ED-4DB2-BD59-A6C34878D82A}">
+                    <a16:rowId xmlns:a16="http://schemas.microsoft.com/office/drawing/2014/main" val="10005"/>
+                  </a:ext>
+                </a:extLst>
               </a:tr>
               <a:tr h="332509">
                 <a:tc>
@@ -17670,6 +19218,11 @@
                   </a:txBody>
                   <a:tcPr marL="9525" marR="9525" marT="9525" marB="0" anchor="b"/>
                 </a:tc>
+                <a:extLst>
+                  <a:ext uri="{0D108BD9-81ED-4DB2-BD59-A6C34878D82A}">
+                    <a16:rowId xmlns:a16="http://schemas.microsoft.com/office/drawing/2014/main" val="10006"/>
+                  </a:ext>
+                </a:extLst>
               </a:tr>
               <a:tr h="332509">
                 <a:tc>
@@ -17738,6 +19291,11 @@
                   </a:txBody>
                   <a:tcPr marL="9525" marR="9525" marT="9525" marB="0" anchor="b"/>
                 </a:tc>
+                <a:extLst>
+                  <a:ext uri="{0D108BD9-81ED-4DB2-BD59-A6C34878D82A}">
+                    <a16:rowId xmlns:a16="http://schemas.microsoft.com/office/drawing/2014/main" val="10007"/>
+                  </a:ext>
+                </a:extLst>
               </a:tr>
               <a:tr h="332509">
                 <a:tc>
@@ -17806,6 +19364,11 @@
                   </a:txBody>
                   <a:tcPr marL="9525" marR="9525" marT="9525" marB="0" anchor="b"/>
                 </a:tc>
+                <a:extLst>
+                  <a:ext uri="{0D108BD9-81ED-4DB2-BD59-A6C34878D82A}">
+                    <a16:rowId xmlns:a16="http://schemas.microsoft.com/office/drawing/2014/main" val="10008"/>
+                  </a:ext>
+                </a:extLst>
               </a:tr>
               <a:tr h="332509">
                 <a:tc>
@@ -17874,6 +19437,11 @@
                   </a:txBody>
                   <a:tcPr marL="9525" marR="9525" marT="9525" marB="0" anchor="b"/>
                 </a:tc>
+                <a:extLst>
+                  <a:ext uri="{0D108BD9-81ED-4DB2-BD59-A6C34878D82A}">
+                    <a16:rowId xmlns:a16="http://schemas.microsoft.com/office/drawing/2014/main" val="10009"/>
+                  </a:ext>
+                </a:extLst>
               </a:tr>
               <a:tr h="332509">
                 <a:tc>
@@ -17942,6 +19510,11 @@
                   </a:txBody>
                   <a:tcPr marL="9525" marR="9525" marT="9525" marB="0" anchor="b"/>
                 </a:tc>
+                <a:extLst>
+                  <a:ext uri="{0D108BD9-81ED-4DB2-BD59-A6C34878D82A}">
+                    <a16:rowId xmlns:a16="http://schemas.microsoft.com/office/drawing/2014/main" val="10010"/>
+                  </a:ext>
+                </a:extLst>
               </a:tr>
               <a:tr h="332509">
                 <a:tc>
@@ -18010,6 +19583,11 @@
                   </a:txBody>
                   <a:tcPr marL="9525" marR="9525" marT="9525" marB="0" anchor="b"/>
                 </a:tc>
+                <a:extLst>
+                  <a:ext uri="{0D108BD9-81ED-4DB2-BD59-A6C34878D82A}">
+                    <a16:rowId xmlns:a16="http://schemas.microsoft.com/office/drawing/2014/main" val="10011"/>
+                  </a:ext>
+                </a:extLst>
               </a:tr>
             </a:tbl>
           </a:graphicData>
@@ -18059,9 +19637,27 @@
                 <a:tableStyleId>{3C2FFA5D-87B4-456A-9821-1D502468CF0F}</a:tableStyleId>
               </a:tblPr>
               <a:tblGrid>
-                <a:gridCol w="2565680"/>
-                <a:gridCol w="1935783"/>
-                <a:gridCol w="2458136"/>
+                <a:gridCol w="2565680">
+                  <a:extLst>
+                    <a:ext uri="{9D8B030D-6E8A-4147-A177-3AD203B41FA5}">
+                      <a16:colId xmlns:a16="http://schemas.microsoft.com/office/drawing/2014/main" val="20000"/>
+                    </a:ext>
+                  </a:extLst>
+                </a:gridCol>
+                <a:gridCol w="1935783">
+                  <a:extLst>
+                    <a:ext uri="{9D8B030D-6E8A-4147-A177-3AD203B41FA5}">
+                      <a16:colId xmlns:a16="http://schemas.microsoft.com/office/drawing/2014/main" val="20001"/>
+                    </a:ext>
+                  </a:extLst>
+                </a:gridCol>
+                <a:gridCol w="2458136">
+                  <a:extLst>
+                    <a:ext uri="{9D8B030D-6E8A-4147-A177-3AD203B41FA5}">
+                      <a16:colId xmlns:a16="http://schemas.microsoft.com/office/drawing/2014/main" val="20002"/>
+                    </a:ext>
+                  </a:extLst>
+                </a:gridCol>
               </a:tblGrid>
               <a:tr h="451757">
                 <a:tc gridSpan="3">
@@ -18104,6 +19700,11 @@
                   </a:txBody>
                   <a:tcPr/>
                 </a:tc>
+                <a:extLst>
+                  <a:ext uri="{0D108BD9-81ED-4DB2-BD59-A6C34878D82A}">
+                    <a16:rowId xmlns:a16="http://schemas.microsoft.com/office/drawing/2014/main" val="10000"/>
+                  </a:ext>
+                </a:extLst>
               </a:tr>
               <a:tr h="451757">
                 <a:tc>
@@ -18166,6 +19767,11 @@
                   </a:txBody>
                   <a:tcPr marL="9525" marR="9525" marT="9525" marB="0" anchor="b"/>
                 </a:tc>
+                <a:extLst>
+                  <a:ext uri="{0D108BD9-81ED-4DB2-BD59-A6C34878D82A}">
+                    <a16:rowId xmlns:a16="http://schemas.microsoft.com/office/drawing/2014/main" val="10001"/>
+                  </a:ext>
+                </a:extLst>
               </a:tr>
               <a:tr h="451757">
                 <a:tc>
@@ -18228,6 +19834,11 @@
                   </a:txBody>
                   <a:tcPr marL="9525" marR="9525" marT="9525" marB="0" anchor="b"/>
                 </a:tc>
+                <a:extLst>
+                  <a:ext uri="{0D108BD9-81ED-4DB2-BD59-A6C34878D82A}">
+                    <a16:rowId xmlns:a16="http://schemas.microsoft.com/office/drawing/2014/main" val="10002"/>
+                  </a:ext>
+                </a:extLst>
               </a:tr>
               <a:tr h="451757">
                 <a:tc>
@@ -18290,6 +19901,11 @@
                   </a:txBody>
                   <a:tcPr marL="9525" marR="9525" marT="9525" marB="0" anchor="b"/>
                 </a:tc>
+                <a:extLst>
+                  <a:ext uri="{0D108BD9-81ED-4DB2-BD59-A6C34878D82A}">
+                    <a16:rowId xmlns:a16="http://schemas.microsoft.com/office/drawing/2014/main" val="10003"/>
+                  </a:ext>
+                </a:extLst>
               </a:tr>
               <a:tr h="451757">
                 <a:tc>
@@ -18339,6 +19955,73 @@
                     <a:p>
                       <a:pPr algn="l" fontAlgn="b"/>
                       <a:r>
+                        <a:rPr lang="en-US" sz="2100" u="none" strike="noStrike" dirty="0"/>
+                        <a:t> </a:t>
+                      </a:r>
+                      <a:endParaRPr lang="en-US" sz="2100" b="0" i="0" u="none" strike="noStrike" dirty="0">
+                        <a:solidFill>
+                          <a:srgbClr val="000000"/>
+                        </a:solidFill>
+                        <a:latin typeface="Calibri"/>
+                      </a:endParaRPr>
+                    </a:p>
+                  </a:txBody>
+                  <a:tcPr marL="9525" marR="9525" marT="9525" marB="0" anchor="b"/>
+                </a:tc>
+                <a:extLst>
+                  <a:ext uri="{0D108BD9-81ED-4DB2-BD59-A6C34878D82A}">
+                    <a16:rowId xmlns:a16="http://schemas.microsoft.com/office/drawing/2014/main" val="10004"/>
+                  </a:ext>
+                </a:extLst>
+              </a:tr>
+              <a:tr h="451757">
+                <a:tc>
+                  <a:txBody>
+                    <a:bodyPr/>
+                    <a:lstStyle/>
+                    <a:p>
+                      <a:pPr algn="l" fontAlgn="b"/>
+                      <a:r>
+                        <a:rPr lang="en-US" sz="2100" u="none" strike="noStrike"/>
+                        <a:t>transaction date</a:t>
+                      </a:r>
+                      <a:endParaRPr lang="en-US" sz="2100" b="0" i="0" u="none" strike="noStrike">
+                        <a:solidFill>
+                          <a:srgbClr val="000000"/>
+                        </a:solidFill>
+                        <a:latin typeface="Calibri"/>
+                      </a:endParaRPr>
+                    </a:p>
+                  </a:txBody>
+                  <a:tcPr marL="9525" marR="9525" marT="9525" marB="0" anchor="b"/>
+                </a:tc>
+                <a:tc>
+                  <a:txBody>
+                    <a:bodyPr/>
+                    <a:lstStyle/>
+                    <a:p>
+                      <a:pPr algn="l" fontAlgn="b"/>
+                      <a:r>
+                        <a:rPr lang="en-US" sz="2100" u="none" strike="noStrike"/>
+                        <a:t>varchar(10)</a:t>
+                      </a:r>
+                      <a:endParaRPr lang="en-US" sz="2100" b="0" i="0" u="none" strike="noStrike">
+                        <a:solidFill>
+                          <a:srgbClr val="000000"/>
+                        </a:solidFill>
+                        <a:latin typeface="Calibri"/>
+                      </a:endParaRPr>
+                    </a:p>
+                  </a:txBody>
+                  <a:tcPr marL="9525" marR="9525" marT="9525" marB="0" anchor="b"/>
+                </a:tc>
+                <a:tc>
+                  <a:txBody>
+                    <a:bodyPr/>
+                    <a:lstStyle/>
+                    <a:p>
+                      <a:pPr algn="l" fontAlgn="b"/>
+                      <a:r>
                         <a:rPr lang="en-US" sz="2100" u="none" strike="noStrike"/>
                         <a:t> </a:t>
                       </a:r>
@@ -18352,6 +20035,11 @@
                   </a:txBody>
                   <a:tcPr marL="9525" marR="9525" marT="9525" marB="0" anchor="b"/>
                 </a:tc>
+                <a:extLst>
+                  <a:ext uri="{0D108BD9-81ED-4DB2-BD59-A6C34878D82A}">
+                    <a16:rowId xmlns:a16="http://schemas.microsoft.com/office/drawing/2014/main" val="10005"/>
+                  </a:ext>
+                </a:extLst>
               </a:tr>
               <a:tr h="451757">
                 <a:tc>
@@ -18362,68 +20050,6 @@
                       <a:pPr algn="l" fontAlgn="b"/>
                       <a:r>
                         <a:rPr lang="en-US" sz="2100" u="none" strike="noStrike"/>
-                        <a:t>transaction date</a:t>
-                      </a:r>
-                      <a:endParaRPr lang="en-US" sz="2100" b="0" i="0" u="none" strike="noStrike">
-                        <a:solidFill>
-                          <a:srgbClr val="000000"/>
-                        </a:solidFill>
-                        <a:latin typeface="Calibri"/>
-                      </a:endParaRPr>
-                    </a:p>
-                  </a:txBody>
-                  <a:tcPr marL="9525" marR="9525" marT="9525" marB="0" anchor="b"/>
-                </a:tc>
-                <a:tc>
-                  <a:txBody>
-                    <a:bodyPr/>
-                    <a:lstStyle/>
-                    <a:p>
-                      <a:pPr algn="l" fontAlgn="b"/>
-                      <a:r>
-                        <a:rPr lang="en-US" sz="2100" u="none" strike="noStrike"/>
-                        <a:t>varchar(10)</a:t>
-                      </a:r>
-                      <a:endParaRPr lang="en-US" sz="2100" b="0" i="0" u="none" strike="noStrike">
-                        <a:solidFill>
-                          <a:srgbClr val="000000"/>
-                        </a:solidFill>
-                        <a:latin typeface="Calibri"/>
-                      </a:endParaRPr>
-                    </a:p>
-                  </a:txBody>
-                  <a:tcPr marL="9525" marR="9525" marT="9525" marB="0" anchor="b"/>
-                </a:tc>
-                <a:tc>
-                  <a:txBody>
-                    <a:bodyPr/>
-                    <a:lstStyle/>
-                    <a:p>
-                      <a:pPr algn="l" fontAlgn="b"/>
-                      <a:r>
-                        <a:rPr lang="en-US" sz="2100" u="none" strike="noStrike"/>
-                        <a:t> </a:t>
-                      </a:r>
-                      <a:endParaRPr lang="en-US" sz="2100" b="0" i="0" u="none" strike="noStrike">
-                        <a:solidFill>
-                          <a:srgbClr val="000000"/>
-                        </a:solidFill>
-                        <a:latin typeface="Calibri"/>
-                      </a:endParaRPr>
-                    </a:p>
-                  </a:txBody>
-                  <a:tcPr marL="9525" marR="9525" marT="9525" marB="0" anchor="b"/>
-                </a:tc>
-              </a:tr>
-              <a:tr h="451757">
-                <a:tc>
-                  <a:txBody>
-                    <a:bodyPr/>
-                    <a:lstStyle/>
-                    <a:p>
-                      <a:pPr algn="l" fontAlgn="b"/>
-                      <a:r>
-                        <a:rPr lang="en-US" sz="2100" u="none" strike="noStrike"/>
                         <a:t>transaction amount</a:t>
                       </a:r>
                       <a:endParaRPr lang="en-US" sz="2100" b="0" i="0" u="none" strike="noStrike">
@@ -18476,6 +20102,11 @@
                   </a:txBody>
                   <a:tcPr marL="9525" marR="9525" marT="9525" marB="0" anchor="b"/>
                 </a:tc>
+                <a:extLst>
+                  <a:ext uri="{0D108BD9-81ED-4DB2-BD59-A6C34878D82A}">
+                    <a16:rowId xmlns:a16="http://schemas.microsoft.com/office/drawing/2014/main" val="10006"/>
+                  </a:ext>
+                </a:extLst>
               </a:tr>
             </a:tbl>
           </a:graphicData>
@@ -18512,7 +20143,13 @@
           <p:cNvGraphicFramePr>
             <a:graphicFrameLocks noGrp="1"/>
           </p:cNvGraphicFramePr>
-          <p:nvPr/>
+          <p:nvPr>
+            <p:extLst>
+              <p:ext uri="{D42A27DB-BD31-4B8C-83A1-F6EECF244321}">
+                <p14:modId xmlns:p14="http://schemas.microsoft.com/office/powerpoint/2010/main" val="3335627287"/>
+              </p:ext>
+            </p:extLst>
+          </p:nvPr>
         </p:nvGraphicFramePr>
         <p:xfrm>
           <a:off x="609600" y="381000"/>
@@ -18525,9 +20162,27 @@
                 <a:tableStyleId>{3C2FFA5D-87B4-456A-9821-1D502468CF0F}</a:tableStyleId>
               </a:tblPr>
               <a:tblGrid>
-                <a:gridCol w="2958959"/>
-                <a:gridCol w="2232509"/>
-                <a:gridCol w="2834931"/>
+                <a:gridCol w="2958959">
+                  <a:extLst>
+                    <a:ext uri="{9D8B030D-6E8A-4147-A177-3AD203B41FA5}">
+                      <a16:colId xmlns:a16="http://schemas.microsoft.com/office/drawing/2014/main" val="20000"/>
+                    </a:ext>
+                  </a:extLst>
+                </a:gridCol>
+                <a:gridCol w="2232509">
+                  <a:extLst>
+                    <a:ext uri="{9D8B030D-6E8A-4147-A177-3AD203B41FA5}">
+                      <a16:colId xmlns:a16="http://schemas.microsoft.com/office/drawing/2014/main" val="20001"/>
+                    </a:ext>
+                  </a:extLst>
+                </a:gridCol>
+                <a:gridCol w="2834931">
+                  <a:extLst>
+                    <a:ext uri="{9D8B030D-6E8A-4147-A177-3AD203B41FA5}">
+                      <a16:colId xmlns:a16="http://schemas.microsoft.com/office/drawing/2014/main" val="20002"/>
+                    </a:ext>
+                  </a:extLst>
+                </a:gridCol>
               </a:tblGrid>
               <a:tr h="552450">
                 <a:tc gridSpan="3">
@@ -18570,6 +20225,11 @@
                   </a:txBody>
                   <a:tcPr/>
                 </a:tc>
+                <a:extLst>
+                  <a:ext uri="{0D108BD9-81ED-4DB2-BD59-A6C34878D82A}">
+                    <a16:rowId xmlns:a16="http://schemas.microsoft.com/office/drawing/2014/main" val="10000"/>
+                  </a:ext>
+                </a:extLst>
               </a:tr>
               <a:tr h="552450">
                 <a:tc>
@@ -18632,6 +20292,11 @@
                   </a:txBody>
                   <a:tcPr marL="9525" marR="9525" marT="9525" marB="0" anchor="b"/>
                 </a:tc>
+                <a:extLst>
+                  <a:ext uri="{0D108BD9-81ED-4DB2-BD59-A6C34878D82A}">
+                    <a16:rowId xmlns:a16="http://schemas.microsoft.com/office/drawing/2014/main" val="10001"/>
+                  </a:ext>
+                </a:extLst>
               </a:tr>
               <a:tr h="552450">
                 <a:tc>
@@ -18694,6 +20359,11 @@
                   </a:txBody>
                   <a:tcPr marL="9525" marR="9525" marT="9525" marB="0" anchor="b"/>
                 </a:tc>
+                <a:extLst>
+                  <a:ext uri="{0D108BD9-81ED-4DB2-BD59-A6C34878D82A}">
+                    <a16:rowId xmlns:a16="http://schemas.microsoft.com/office/drawing/2014/main" val="10002"/>
+                  </a:ext>
+                </a:extLst>
               </a:tr>
               <a:tr h="552450">
                 <a:tc>
@@ -18743,19 +20413,24 @@
                     <a:p>
                       <a:pPr algn="l" fontAlgn="b"/>
                       <a:r>
-                        <a:rPr lang="en-US" sz="2100" u="none" strike="noStrike"/>
-                        <a:t> </a:t>
-                      </a:r>
-                      <a:endParaRPr lang="en-US" sz="2100" b="0" i="0" u="none" strike="noStrike">
-                        <a:solidFill>
-                          <a:srgbClr val="000000"/>
-                        </a:solidFill>
-                        <a:latin typeface="Calibri"/>
-                      </a:endParaRPr>
-                    </a:p>
-                  </a:txBody>
-                  <a:tcPr marL="9525" marR="9525" marT="9525" marB="0" anchor="b"/>
-                </a:tc>
+                        <a:rPr lang="en-US" sz="2100" u="none" strike="noStrike" dirty="0" smtClean="0"/>
+                        <a:t>foreign key</a:t>
+                      </a:r>
+                      <a:endParaRPr lang="en-US" sz="2100" b="0" i="0" u="none" strike="noStrike" dirty="0">
+                        <a:solidFill>
+                          <a:srgbClr val="000000"/>
+                        </a:solidFill>
+                        <a:latin typeface="Calibri"/>
+                      </a:endParaRPr>
+                    </a:p>
+                  </a:txBody>
+                  <a:tcPr marL="9525" marR="9525" marT="9525" marB="0" anchor="b"/>
+                </a:tc>
+                <a:extLst>
+                  <a:ext uri="{0D108BD9-81ED-4DB2-BD59-A6C34878D82A}">
+                    <a16:rowId xmlns:a16="http://schemas.microsoft.com/office/drawing/2014/main" val="10003"/>
+                  </a:ext>
+                </a:extLst>
               </a:tr>
               <a:tr h="552450">
                 <a:tc>
@@ -18818,6 +20493,11 @@
                   </a:txBody>
                   <a:tcPr marL="9525" marR="9525" marT="9525" marB="0" anchor="b"/>
                 </a:tc>
+                <a:extLst>
+                  <a:ext uri="{0D108BD9-81ED-4DB2-BD59-A6C34878D82A}">
+                    <a16:rowId xmlns:a16="http://schemas.microsoft.com/office/drawing/2014/main" val="10004"/>
+                  </a:ext>
+                </a:extLst>
               </a:tr>
             </a:tbl>
           </a:graphicData>
@@ -18829,7 +20509,13 @@
           <p:cNvGraphicFramePr>
             <a:graphicFrameLocks noGrp="1"/>
           </p:cNvGraphicFramePr>
-          <p:nvPr/>
+          <p:nvPr>
+            <p:extLst>
+              <p:ext uri="{D42A27DB-BD31-4B8C-83A1-F6EECF244321}">
+                <p14:modId xmlns:p14="http://schemas.microsoft.com/office/powerpoint/2010/main" val="4033046285"/>
+              </p:ext>
+            </p:extLst>
+          </p:nvPr>
         </p:nvGraphicFramePr>
         <p:xfrm>
           <a:off x="635001" y="3657601"/>
@@ -18842,9 +20528,27 @@
                 <a:tableStyleId>{3C2FFA5D-87B4-456A-9821-1D502468CF0F}</a:tableStyleId>
               </a:tblPr>
               <a:tblGrid>
-                <a:gridCol w="2940232"/>
-                <a:gridCol w="2218379"/>
-                <a:gridCol w="2816989"/>
+                <a:gridCol w="2940232">
+                  <a:extLst>
+                    <a:ext uri="{9D8B030D-6E8A-4147-A177-3AD203B41FA5}">
+                      <a16:colId xmlns:a16="http://schemas.microsoft.com/office/drawing/2014/main" val="20000"/>
+                    </a:ext>
+                  </a:extLst>
+                </a:gridCol>
+                <a:gridCol w="2218379">
+                  <a:extLst>
+                    <a:ext uri="{9D8B030D-6E8A-4147-A177-3AD203B41FA5}">
+                      <a16:colId xmlns:a16="http://schemas.microsoft.com/office/drawing/2014/main" val="20001"/>
+                    </a:ext>
+                  </a:extLst>
+                </a:gridCol>
+                <a:gridCol w="2816989">
+                  <a:extLst>
+                    <a:ext uri="{9D8B030D-6E8A-4147-A177-3AD203B41FA5}">
+                      <a16:colId xmlns:a16="http://schemas.microsoft.com/office/drawing/2014/main" val="20002"/>
+                    </a:ext>
+                  </a:extLst>
+                </a:gridCol>
               </a:tblGrid>
               <a:tr h="380256">
                 <a:tc gridSpan="3">
@@ -18887,6 +20591,11 @@
                   </a:txBody>
                   <a:tcPr/>
                 </a:tc>
+                <a:extLst>
+                  <a:ext uri="{0D108BD9-81ED-4DB2-BD59-A6C34878D82A}">
+                    <a16:rowId xmlns:a16="http://schemas.microsoft.com/office/drawing/2014/main" val="10000"/>
+                  </a:ext>
+                </a:extLst>
               </a:tr>
               <a:tr h="609847">
                 <a:tc>
@@ -18949,6 +20658,11 @@
                   </a:txBody>
                   <a:tcPr marL="9525" marR="9525" marT="9525" marB="0" anchor="b"/>
                 </a:tc>
+                <a:extLst>
+                  <a:ext uri="{0D108BD9-81ED-4DB2-BD59-A6C34878D82A}">
+                    <a16:rowId xmlns:a16="http://schemas.microsoft.com/office/drawing/2014/main" val="10001"/>
+                  </a:ext>
+                </a:extLst>
               </a:tr>
               <a:tr h="609847">
                 <a:tc>
@@ -18997,20 +20711,21 @@
                     <a:lstStyle/>
                     <a:p>
                       <a:pPr algn="l" fontAlgn="b"/>
-                      <a:r>
-                        <a:rPr lang="en-US" sz="2100" u="none" strike="noStrike"/>
-                        <a:t>primary key</a:t>
-                      </a:r>
-                      <a:endParaRPr lang="en-US" sz="2100" b="0" i="0" u="none" strike="noStrike">
-                        <a:solidFill>
-                          <a:srgbClr val="000000"/>
-                        </a:solidFill>
-                        <a:latin typeface="Calibri"/>
-                      </a:endParaRPr>
-                    </a:p>
-                  </a:txBody>
-                  <a:tcPr marL="9525" marR="9525" marT="9525" marB="0" anchor="b"/>
-                </a:tc>
+                      <a:endParaRPr lang="en-US" sz="2100" b="0" i="0" u="none" strike="noStrike" dirty="0">
+                        <a:solidFill>
+                          <a:srgbClr val="000000"/>
+                        </a:solidFill>
+                        <a:latin typeface="Calibri"/>
+                      </a:endParaRPr>
+                    </a:p>
+                  </a:txBody>
+                  <a:tcPr marL="9525" marR="9525" marT="9525" marB="0" anchor="b"/>
+                </a:tc>
+                <a:extLst>
+                  <a:ext uri="{0D108BD9-81ED-4DB2-BD59-A6C34878D82A}">
+                    <a16:rowId xmlns:a16="http://schemas.microsoft.com/office/drawing/2014/main" val="10002"/>
+                  </a:ext>
+                </a:extLst>
               </a:tr>
               <a:tr h="609847">
                 <a:tc>
@@ -19073,6 +20788,11 @@
                   </a:txBody>
                   <a:tcPr marL="9525" marR="9525" marT="9525" marB="0" anchor="b"/>
                 </a:tc>
+                <a:extLst>
+                  <a:ext uri="{0D108BD9-81ED-4DB2-BD59-A6C34878D82A}">
+                    <a16:rowId xmlns:a16="http://schemas.microsoft.com/office/drawing/2014/main" val="10003"/>
+                  </a:ext>
+                </a:extLst>
               </a:tr>
             </a:tbl>
           </a:graphicData>
@@ -19122,9 +20842,27 @@
                 <a:tableStyleId>{3C2FFA5D-87B4-456A-9821-1D502468CF0F}</a:tableStyleId>
               </a:tblPr>
               <a:tblGrid>
-                <a:gridCol w="3033871"/>
-                <a:gridCol w="2289028"/>
-                <a:gridCol w="2906702"/>
+                <a:gridCol w="3033871">
+                  <a:extLst>
+                    <a:ext uri="{9D8B030D-6E8A-4147-A177-3AD203B41FA5}">
+                      <a16:colId xmlns:a16="http://schemas.microsoft.com/office/drawing/2014/main" val="20000"/>
+                    </a:ext>
+                  </a:extLst>
+                </a:gridCol>
+                <a:gridCol w="2289028">
+                  <a:extLst>
+                    <a:ext uri="{9D8B030D-6E8A-4147-A177-3AD203B41FA5}">
+                      <a16:colId xmlns:a16="http://schemas.microsoft.com/office/drawing/2014/main" val="20001"/>
+                    </a:ext>
+                  </a:extLst>
+                </a:gridCol>
+                <a:gridCol w="2906702">
+                  <a:extLst>
+                    <a:ext uri="{9D8B030D-6E8A-4147-A177-3AD203B41FA5}">
+                      <a16:colId xmlns:a16="http://schemas.microsoft.com/office/drawing/2014/main" val="20002"/>
+                    </a:ext>
+                  </a:extLst>
+                </a:gridCol>
               </a:tblGrid>
               <a:tr h="381000">
                 <a:tc gridSpan="3">
@@ -19167,6 +20905,11 @@
                   </a:txBody>
                   <a:tcPr/>
                 </a:tc>
+                <a:extLst>
+                  <a:ext uri="{0D108BD9-81ED-4DB2-BD59-A6C34878D82A}">
+                    <a16:rowId xmlns:a16="http://schemas.microsoft.com/office/drawing/2014/main" val="10000"/>
+                  </a:ext>
+                </a:extLst>
               </a:tr>
               <a:tr h="495300">
                 <a:tc>
@@ -19229,6 +20972,11 @@
                   </a:txBody>
                   <a:tcPr marL="9525" marR="9525" marT="9525" marB="0" anchor="b"/>
                 </a:tc>
+                <a:extLst>
+                  <a:ext uri="{0D108BD9-81ED-4DB2-BD59-A6C34878D82A}">
+                    <a16:rowId xmlns:a16="http://schemas.microsoft.com/office/drawing/2014/main" val="10001"/>
+                  </a:ext>
+                </a:extLst>
               </a:tr>
               <a:tr h="495300">
                 <a:tc>
@@ -19291,6 +21039,11 @@
                   </a:txBody>
                   <a:tcPr marL="9525" marR="9525" marT="9525" marB="0" anchor="ctr"/>
                 </a:tc>
+                <a:extLst>
+                  <a:ext uri="{0D108BD9-81ED-4DB2-BD59-A6C34878D82A}">
+                    <a16:rowId xmlns:a16="http://schemas.microsoft.com/office/drawing/2014/main" val="10002"/>
+                  </a:ext>
+                </a:extLst>
               </a:tr>
               <a:tr h="495300">
                 <a:tc>
@@ -19343,6 +21096,11 @@
                   </a:txBody>
                   <a:tcPr/>
                 </a:tc>
+                <a:extLst>
+                  <a:ext uri="{0D108BD9-81ED-4DB2-BD59-A6C34878D82A}">
+                    <a16:rowId xmlns:a16="http://schemas.microsoft.com/office/drawing/2014/main" val="10003"/>
+                  </a:ext>
+                </a:extLst>
               </a:tr>
               <a:tr h="495300">
                 <a:tc>
@@ -19392,19 +21150,24 @@
                     <a:p>
                       <a:pPr algn="l" fontAlgn="b"/>
                       <a:r>
-                        <a:rPr lang="en-US" sz="2100" u="none" strike="noStrike"/>
+                        <a:rPr lang="en-US" sz="2100" u="none" strike="noStrike" dirty="0"/>
                         <a:t> </a:t>
                       </a:r>
-                      <a:endParaRPr lang="en-US" sz="2100" b="0" i="0" u="none" strike="noStrike">
-                        <a:solidFill>
-                          <a:srgbClr val="000000"/>
-                        </a:solidFill>
-                        <a:latin typeface="Calibri"/>
-                      </a:endParaRPr>
-                    </a:p>
-                  </a:txBody>
-                  <a:tcPr marL="9525" marR="9525" marT="9525" marB="0" anchor="b"/>
-                </a:tc>
+                      <a:endParaRPr lang="en-US" sz="2100" b="0" i="0" u="none" strike="noStrike" dirty="0">
+                        <a:solidFill>
+                          <a:srgbClr val="000000"/>
+                        </a:solidFill>
+                        <a:latin typeface="Calibri"/>
+                      </a:endParaRPr>
+                    </a:p>
+                  </a:txBody>
+                  <a:tcPr marL="9525" marR="9525" marT="9525" marB="0" anchor="b"/>
+                </a:tc>
+                <a:extLst>
+                  <a:ext uri="{0D108BD9-81ED-4DB2-BD59-A6C34878D82A}">
+                    <a16:rowId xmlns:a16="http://schemas.microsoft.com/office/drawing/2014/main" val="10004"/>
+                  </a:ext>
+                </a:extLst>
               </a:tr>
               <a:tr h="495300">
                 <a:tc>
@@ -19467,6 +21230,11 @@
                   </a:txBody>
                   <a:tcPr marL="9525" marR="9525" marT="9525" marB="0" anchor="b"/>
                 </a:tc>
+                <a:extLst>
+                  <a:ext uri="{0D108BD9-81ED-4DB2-BD59-A6C34878D82A}">
+                    <a16:rowId xmlns:a16="http://schemas.microsoft.com/office/drawing/2014/main" val="10005"/>
+                  </a:ext>
+                </a:extLst>
               </a:tr>
             </a:tbl>
           </a:graphicData>
@@ -19478,7 +21246,13 @@
           <p:cNvGraphicFramePr>
             <a:graphicFrameLocks noGrp="1"/>
           </p:cNvGraphicFramePr>
-          <p:nvPr/>
+          <p:nvPr>
+            <p:extLst>
+              <p:ext uri="{D42A27DB-BD31-4B8C-83A1-F6EECF244321}">
+                <p14:modId xmlns:p14="http://schemas.microsoft.com/office/powerpoint/2010/main" val="1293535267"/>
+              </p:ext>
+            </p:extLst>
+          </p:nvPr>
         </p:nvGraphicFramePr>
         <p:xfrm>
           <a:off x="533400" y="3581400"/>
@@ -19491,9 +21265,27 @@
                 <a:tableStyleId>{3C2FFA5D-87B4-456A-9821-1D502468CF0F}</a:tableStyleId>
               </a:tblPr>
               <a:tblGrid>
-                <a:gridCol w="3005779"/>
-                <a:gridCol w="2267833"/>
-                <a:gridCol w="2879788"/>
+                <a:gridCol w="3005779">
+                  <a:extLst>
+                    <a:ext uri="{9D8B030D-6E8A-4147-A177-3AD203B41FA5}">
+                      <a16:colId xmlns:a16="http://schemas.microsoft.com/office/drawing/2014/main" val="20000"/>
+                    </a:ext>
+                  </a:extLst>
+                </a:gridCol>
+                <a:gridCol w="2267833">
+                  <a:extLst>
+                    <a:ext uri="{9D8B030D-6E8A-4147-A177-3AD203B41FA5}">
+                      <a16:colId xmlns:a16="http://schemas.microsoft.com/office/drawing/2014/main" val="20001"/>
+                    </a:ext>
+                  </a:extLst>
+                </a:gridCol>
+                <a:gridCol w="2879788">
+                  <a:extLst>
+                    <a:ext uri="{9D8B030D-6E8A-4147-A177-3AD203B41FA5}">
+                      <a16:colId xmlns:a16="http://schemas.microsoft.com/office/drawing/2014/main" val="20002"/>
+                    </a:ext>
+                  </a:extLst>
+                </a:gridCol>
               </a:tblGrid>
               <a:tr h="381000">
                 <a:tc gridSpan="3">
@@ -19538,6 +21330,11 @@
                   </a:txBody>
                   <a:tcPr/>
                 </a:tc>
+                <a:extLst>
+                  <a:ext uri="{0D108BD9-81ED-4DB2-BD59-A6C34878D82A}">
+                    <a16:rowId xmlns:a16="http://schemas.microsoft.com/office/drawing/2014/main" val="10000"/>
+                  </a:ext>
+                </a:extLst>
               </a:tr>
               <a:tr h="444500">
                 <a:tc>
@@ -19606,6 +21403,11 @@
                   </a:txBody>
                   <a:tcPr marL="9525" marR="9525" marT="9525" marB="0" anchor="b"/>
                 </a:tc>
+                <a:extLst>
+                  <a:ext uri="{0D108BD9-81ED-4DB2-BD59-A6C34878D82A}">
+                    <a16:rowId xmlns:a16="http://schemas.microsoft.com/office/drawing/2014/main" val="10001"/>
+                  </a:ext>
+                </a:extLst>
               </a:tr>
               <a:tr h="444500">
                 <a:tc>
@@ -19660,6 +21462,183 @@
                     <a:bodyPr/>
                     <a:lstStyle/>
                     <a:p>
+                      <a:pPr marL="0" marR="0" lvl="0" indent="0" algn="l" defTabSz="914400" rtl="0" eaLnBrk="1" fontAlgn="b" latinLnBrk="0" hangingPunct="1">
+                        <a:lnSpc>
+                          <a:spcPct val="100000"/>
+                        </a:lnSpc>
+                        <a:spcBef>
+                          <a:spcPts val="0"/>
+                        </a:spcBef>
+                        <a:spcAft>
+                          <a:spcPts val="0"/>
+                        </a:spcAft>
+                        <a:buClrTx/>
+                        <a:buSzTx/>
+                        <a:buFontTx/>
+                        <a:buNone/>
+                        <a:tabLst/>
+                        <a:defRPr/>
+                      </a:pPr>
+                      <a:r>
+                        <a:rPr lang="en-US" sz="2100" u="none" strike="noStrike" dirty="0">
+                          <a:latin typeface="+mn-lt"/>
+                        </a:rPr>
+                        <a:t> </a:t>
+                      </a:r>
+                      <a:r>
+                        <a:rPr lang="en-US" sz="2100" u="none" strike="noStrike" dirty="0" smtClean="0">
+                          <a:latin typeface="+mn-lt"/>
+                        </a:rPr>
+                        <a:t>primary key</a:t>
+                      </a:r>
+                      <a:endParaRPr lang="en-US" sz="2100" b="0" i="0" u="none" strike="noStrike" dirty="0" smtClean="0">
+                        <a:solidFill>
+                          <a:srgbClr val="000000"/>
+                        </a:solidFill>
+                        <a:latin typeface="+mn-lt"/>
+                      </a:endParaRPr>
+                    </a:p>
+                  </a:txBody>
+                  <a:tcPr marL="9525" marR="9525" marT="9525" marB="0" anchor="b"/>
+                </a:tc>
+                <a:extLst>
+                  <a:ext uri="{0D108BD9-81ED-4DB2-BD59-A6C34878D82A}">
+                    <a16:rowId xmlns:a16="http://schemas.microsoft.com/office/drawing/2014/main" val="10002"/>
+                  </a:ext>
+                </a:extLst>
+              </a:tr>
+              <a:tr h="444500">
+                <a:tc>
+                  <a:txBody>
+                    <a:bodyPr/>
+                    <a:lstStyle/>
+                    <a:p>
+                      <a:pPr algn="l" fontAlgn="b"/>
+                      <a:r>
+                        <a:rPr lang="en-US" sz="2100" u="none" strike="noStrike">
+                          <a:latin typeface="+mn-lt"/>
+                        </a:rPr>
+                        <a:t>developer_id</a:t>
+                      </a:r>
+                      <a:endParaRPr lang="en-US" sz="2100" b="0" i="0" u="none" strike="noStrike">
+                        <a:solidFill>
+                          <a:srgbClr val="000000"/>
+                        </a:solidFill>
+                        <a:latin typeface="+mn-lt"/>
+                      </a:endParaRPr>
+                    </a:p>
+                  </a:txBody>
+                  <a:tcPr marL="9525" marR="9525" marT="9525" marB="0" anchor="b"/>
+                </a:tc>
+                <a:tc>
+                  <a:txBody>
+                    <a:bodyPr/>
+                    <a:lstStyle/>
+                    <a:p>
+                      <a:pPr algn="l" fontAlgn="b"/>
+                      <a:r>
+                        <a:rPr lang="en-US" sz="2100" u="none" strike="noStrike">
+                          <a:latin typeface="+mn-lt"/>
+                        </a:rPr>
+                        <a:t>integer</a:t>
+                      </a:r>
+                      <a:endParaRPr lang="en-US" sz="2100" b="0" i="0" u="none" strike="noStrike">
+                        <a:solidFill>
+                          <a:srgbClr val="000000"/>
+                        </a:solidFill>
+                        <a:latin typeface="+mn-lt"/>
+                      </a:endParaRPr>
+                    </a:p>
+                  </a:txBody>
+                  <a:tcPr marL="9525" marR="9525" marT="9525" marB="0" anchor="b"/>
+                </a:tc>
+                <a:tc>
+                  <a:txBody>
+                    <a:bodyPr/>
+                    <a:lstStyle/>
+                    <a:p>
+                      <a:pPr algn="l" fontAlgn="b"/>
+                      <a:r>
+                        <a:rPr lang="en-US" sz="2100" b="0" i="0" u="none" strike="noStrike" dirty="0" smtClean="0">
+                          <a:solidFill>
+                            <a:srgbClr val="000000"/>
+                          </a:solidFill>
+                          <a:latin typeface="+mn-lt"/>
+                        </a:rPr>
+                        <a:t> Foreign key</a:t>
+                      </a:r>
+                      <a:endParaRPr lang="en-US" sz="2100" b="0" i="0" u="none" strike="noStrike" dirty="0">
+                        <a:solidFill>
+                          <a:srgbClr val="000000"/>
+                        </a:solidFill>
+                        <a:latin typeface="+mn-lt"/>
+                      </a:endParaRPr>
+                    </a:p>
+                  </a:txBody>
+                  <a:tcPr marL="9525" marR="9525" marT="9525" marB="0" anchor="b"/>
+                </a:tc>
+                <a:extLst>
+                  <a:ext uri="{0D108BD9-81ED-4DB2-BD59-A6C34878D82A}">
+                    <a16:rowId xmlns:a16="http://schemas.microsoft.com/office/drawing/2014/main" val="10003"/>
+                  </a:ext>
+                </a:extLst>
+              </a:tr>
+              <a:tr h="444500">
+                <a:tc>
+                  <a:txBody>
+                    <a:bodyPr/>
+                    <a:lstStyle/>
+                    <a:p>
+                      <a:pPr algn="l" fontAlgn="b"/>
+                      <a:r>
+                        <a:rPr lang="en-US" sz="2100" u="none" strike="noStrike" dirty="0">
+                          <a:latin typeface="+mn-lt"/>
+                        </a:rPr>
+                        <a:t>suggestion</a:t>
+                      </a:r>
+                      <a:endParaRPr lang="en-US" sz="2100" b="0" i="0" u="none" strike="noStrike" dirty="0">
+                        <a:solidFill>
+                          <a:srgbClr val="000000"/>
+                        </a:solidFill>
+                        <a:latin typeface="+mn-lt"/>
+                      </a:endParaRPr>
+                    </a:p>
+                  </a:txBody>
+                  <a:tcPr marL="9525" marR="9525" marT="9525" marB="0" anchor="b"/>
+                </a:tc>
+                <a:tc>
+                  <a:txBody>
+                    <a:bodyPr/>
+                    <a:lstStyle/>
+                    <a:p>
+                      <a:pPr algn="l" fontAlgn="b"/>
+                      <a:r>
+                        <a:rPr lang="en-US" sz="2100" u="none" strike="noStrike" dirty="0" err="1">
+                          <a:latin typeface="+mn-lt"/>
+                        </a:rPr>
+                        <a:t>varchar</a:t>
+                      </a:r>
+                      <a:r>
+                        <a:rPr lang="en-US" sz="2100" u="none" strike="noStrike" dirty="0">
+                          <a:latin typeface="+mn-lt"/>
+                        </a:rPr>
+                        <a:t>(100)</a:t>
+                      </a:r>
+                      <a:endParaRPr lang="en-US" sz="2100" b="0" i="0" u="none" strike="noStrike" dirty="0">
+                        <a:solidFill>
+                          <a:srgbClr val="000000"/>
+                        </a:solidFill>
+                        <a:latin typeface="+mn-lt"/>
+                      </a:endParaRPr>
+                    </a:p>
+                  </a:txBody>
+                  <a:tcPr marL="9525" marR="9525" marT="9525" marB="0" anchor="b"/>
+                </a:tc>
+                <a:tc>
+                  <a:txBody>
+                    <a:bodyPr/>
+                    <a:lstStyle/>
+                    <a:p>
                       <a:pPr algn="l" fontAlgn="b"/>
                       <a:r>
                         <a:rPr lang="en-US" sz="2100" u="none" strike="noStrike">
@@ -19677,6 +21656,11 @@
                   </a:txBody>
                   <a:tcPr marL="9525" marR="9525" marT="9525" marB="0" anchor="b"/>
                 </a:tc>
+                <a:extLst>
+                  <a:ext uri="{0D108BD9-81ED-4DB2-BD59-A6C34878D82A}">
+                    <a16:rowId xmlns:a16="http://schemas.microsoft.com/office/drawing/2014/main" val="10004"/>
+                  </a:ext>
+                </a:extLst>
               </a:tr>
               <a:tr h="444500">
                 <a:tc>
@@ -19689,7 +21673,7 @@
                         <a:rPr lang="en-US" sz="2100" u="none" strike="noStrike">
                           <a:latin typeface="+mn-lt"/>
                         </a:rPr>
-                        <a:t>developer_id</a:t>
+                        <a:t>date</a:t>
                       </a:r>
                       <a:endParaRPr lang="en-US" sz="2100" b="0" i="0" u="none" strike="noStrike">
                         <a:solidFill>
@@ -19730,148 +21714,6 @@
                     <a:p>
                       <a:pPr algn="l" fontAlgn="b"/>
                       <a:r>
-                        <a:rPr lang="en-US" sz="2100" u="none" strike="noStrike">
-                          <a:latin typeface="+mn-lt"/>
-                        </a:rPr>
-                        <a:t>primary key</a:t>
-                      </a:r>
-                      <a:endParaRPr lang="en-US" sz="2100" b="0" i="0" u="none" strike="noStrike">
-                        <a:solidFill>
-                          <a:srgbClr val="000000"/>
-                        </a:solidFill>
-                        <a:latin typeface="+mn-lt"/>
-                      </a:endParaRPr>
-                    </a:p>
-                  </a:txBody>
-                  <a:tcPr marL="9525" marR="9525" marT="9525" marB="0" anchor="b"/>
-                </a:tc>
-              </a:tr>
-              <a:tr h="444500">
-                <a:tc>
-                  <a:txBody>
-                    <a:bodyPr/>
-                    <a:lstStyle/>
-                    <a:p>
-                      <a:pPr algn="l" fontAlgn="b"/>
-                      <a:r>
-                        <a:rPr lang="en-US" sz="2100" u="none" strike="noStrike" dirty="0">
-                          <a:latin typeface="+mn-lt"/>
-                        </a:rPr>
-                        <a:t>suggestion</a:t>
-                      </a:r>
-                      <a:endParaRPr lang="en-US" sz="2100" b="0" i="0" u="none" strike="noStrike" dirty="0">
-                        <a:solidFill>
-                          <a:srgbClr val="000000"/>
-                        </a:solidFill>
-                        <a:latin typeface="+mn-lt"/>
-                      </a:endParaRPr>
-                    </a:p>
-                  </a:txBody>
-                  <a:tcPr marL="9525" marR="9525" marT="9525" marB="0" anchor="b"/>
-                </a:tc>
-                <a:tc>
-                  <a:txBody>
-                    <a:bodyPr/>
-                    <a:lstStyle/>
-                    <a:p>
-                      <a:pPr algn="l" fontAlgn="b"/>
-                      <a:r>
-                        <a:rPr lang="en-US" sz="2100" u="none" strike="noStrike" dirty="0" err="1">
-                          <a:latin typeface="+mn-lt"/>
-                        </a:rPr>
-                        <a:t>varchar</a:t>
-                      </a:r>
-                      <a:r>
-                        <a:rPr lang="en-US" sz="2100" u="none" strike="noStrike" dirty="0">
-                          <a:latin typeface="+mn-lt"/>
-                        </a:rPr>
-                        <a:t>(100)</a:t>
-                      </a:r>
-                      <a:endParaRPr lang="en-US" sz="2100" b="0" i="0" u="none" strike="noStrike" dirty="0">
-                        <a:solidFill>
-                          <a:srgbClr val="000000"/>
-                        </a:solidFill>
-                        <a:latin typeface="+mn-lt"/>
-                      </a:endParaRPr>
-                    </a:p>
-                  </a:txBody>
-                  <a:tcPr marL="9525" marR="9525" marT="9525" marB="0" anchor="b"/>
-                </a:tc>
-                <a:tc>
-                  <a:txBody>
-                    <a:bodyPr/>
-                    <a:lstStyle/>
-                    <a:p>
-                      <a:pPr algn="l" fontAlgn="b"/>
-                      <a:r>
-                        <a:rPr lang="en-US" sz="2100" u="none" strike="noStrike">
-                          <a:latin typeface="+mn-lt"/>
-                        </a:rPr>
-                        <a:t> </a:t>
-                      </a:r>
-                      <a:endParaRPr lang="en-US" sz="2100" b="0" i="0" u="none" strike="noStrike">
-                        <a:solidFill>
-                          <a:srgbClr val="000000"/>
-                        </a:solidFill>
-                        <a:latin typeface="+mn-lt"/>
-                      </a:endParaRPr>
-                    </a:p>
-                  </a:txBody>
-                  <a:tcPr marL="9525" marR="9525" marT="9525" marB="0" anchor="b"/>
-                </a:tc>
-              </a:tr>
-              <a:tr h="444500">
-                <a:tc>
-                  <a:txBody>
-                    <a:bodyPr/>
-                    <a:lstStyle/>
-                    <a:p>
-                      <a:pPr algn="l" fontAlgn="b"/>
-                      <a:r>
-                        <a:rPr lang="en-US" sz="2100" u="none" strike="noStrike">
-                          <a:latin typeface="+mn-lt"/>
-                        </a:rPr>
-                        <a:t>date</a:t>
-                      </a:r>
-                      <a:endParaRPr lang="en-US" sz="2100" b="0" i="0" u="none" strike="noStrike">
-                        <a:solidFill>
-                          <a:srgbClr val="000000"/>
-                        </a:solidFill>
-                        <a:latin typeface="+mn-lt"/>
-                      </a:endParaRPr>
-                    </a:p>
-                  </a:txBody>
-                  <a:tcPr marL="9525" marR="9525" marT="9525" marB="0" anchor="b"/>
-                </a:tc>
-                <a:tc>
-                  <a:txBody>
-                    <a:bodyPr/>
-                    <a:lstStyle/>
-                    <a:p>
-                      <a:pPr algn="l" fontAlgn="b"/>
-                      <a:r>
-                        <a:rPr lang="en-US" sz="2100" u="none" strike="noStrike">
-                          <a:latin typeface="+mn-lt"/>
-                        </a:rPr>
-                        <a:t>integer</a:t>
-                      </a:r>
-                      <a:endParaRPr lang="en-US" sz="2100" b="0" i="0" u="none" strike="noStrike">
-                        <a:solidFill>
-                          <a:srgbClr val="000000"/>
-                        </a:solidFill>
-                        <a:latin typeface="+mn-lt"/>
-                      </a:endParaRPr>
-                    </a:p>
-                  </a:txBody>
-                  <a:tcPr marL="9525" marR="9525" marT="9525" marB="0" anchor="b"/>
-                </a:tc>
-                <a:tc>
-                  <a:txBody>
-                    <a:bodyPr/>
-                    <a:lstStyle/>
-                    <a:p>
-                      <a:pPr algn="l" fontAlgn="b"/>
-                      <a:r>
                         <a:rPr lang="en-US" sz="2100" u="none" strike="noStrike" dirty="0">
                           <a:latin typeface="+mn-lt"/>
                         </a:rPr>
@@ -19887,6 +21729,11 @@
                   </a:txBody>
                   <a:tcPr marL="9525" marR="9525" marT="9525" marB="0" anchor="b"/>
                 </a:tc>
+                <a:extLst>
+                  <a:ext uri="{0D108BD9-81ED-4DB2-BD59-A6C34878D82A}">
+                    <a16:rowId xmlns:a16="http://schemas.microsoft.com/office/drawing/2014/main" val="10005"/>
+                  </a:ext>
+                </a:extLst>
               </a:tr>
             </a:tbl>
           </a:graphicData>
@@ -19936,9 +21783,27 @@
                 <a:tableStyleId>{3C2FFA5D-87B4-456A-9821-1D502468CF0F}</a:tableStyleId>
               </a:tblPr>
               <a:tblGrid>
-                <a:gridCol w="3033870"/>
-                <a:gridCol w="2289028"/>
-                <a:gridCol w="2906702"/>
+                <a:gridCol w="3033870">
+                  <a:extLst>
+                    <a:ext uri="{9D8B030D-6E8A-4147-A177-3AD203B41FA5}">
+                      <a16:colId xmlns:a16="http://schemas.microsoft.com/office/drawing/2014/main" val="20000"/>
+                    </a:ext>
+                  </a:extLst>
+                </a:gridCol>
+                <a:gridCol w="2289028">
+                  <a:extLst>
+                    <a:ext uri="{9D8B030D-6E8A-4147-A177-3AD203B41FA5}">
+                      <a16:colId xmlns:a16="http://schemas.microsoft.com/office/drawing/2014/main" val="20001"/>
+                    </a:ext>
+                  </a:extLst>
+                </a:gridCol>
+                <a:gridCol w="2906702">
+                  <a:extLst>
+                    <a:ext uri="{9D8B030D-6E8A-4147-A177-3AD203B41FA5}">
+                      <a16:colId xmlns:a16="http://schemas.microsoft.com/office/drawing/2014/main" val="20002"/>
+                    </a:ext>
+                  </a:extLst>
+                </a:gridCol>
               </a:tblGrid>
               <a:tr h="381000">
                 <a:tc gridSpan="3">
@@ -19981,6 +21846,11 @@
                   </a:txBody>
                   <a:tcPr/>
                 </a:tc>
+                <a:extLst>
+                  <a:ext uri="{0D108BD9-81ED-4DB2-BD59-A6C34878D82A}">
+                    <a16:rowId xmlns:a16="http://schemas.microsoft.com/office/drawing/2014/main" val="10000"/>
+                  </a:ext>
+                </a:extLst>
               </a:tr>
               <a:tr h="457200">
                 <a:tc>
@@ -20043,6 +21913,11 @@
                   </a:txBody>
                   <a:tcPr marL="9525" marR="9525" marT="9525" marB="0" anchor="b"/>
                 </a:tc>
+                <a:extLst>
+                  <a:ext uri="{0D108BD9-81ED-4DB2-BD59-A6C34878D82A}">
+                    <a16:rowId xmlns:a16="http://schemas.microsoft.com/office/drawing/2014/main" val="10001"/>
+                  </a:ext>
+                </a:extLst>
               </a:tr>
               <a:tr h="579120">
                 <a:tc>
@@ -20105,6 +21980,11 @@
                   </a:txBody>
                   <a:tcPr marL="9525" marR="9525" marT="9525" marB="0" anchor="ctr"/>
                 </a:tc>
+                <a:extLst>
+                  <a:ext uri="{0D108BD9-81ED-4DB2-BD59-A6C34878D82A}">
+                    <a16:rowId xmlns:a16="http://schemas.microsoft.com/office/drawing/2014/main" val="10002"/>
+                  </a:ext>
+                </a:extLst>
               </a:tr>
               <a:tr h="579120">
                 <a:tc>
@@ -20157,6 +22037,11 @@
                   </a:txBody>
                   <a:tcPr/>
                 </a:tc>
+                <a:extLst>
+                  <a:ext uri="{0D108BD9-81ED-4DB2-BD59-A6C34878D82A}">
+                    <a16:rowId xmlns:a16="http://schemas.microsoft.com/office/drawing/2014/main" val="10003"/>
+                  </a:ext>
+                </a:extLst>
               </a:tr>
               <a:tr h="579120">
                 <a:tc>
@@ -20219,6 +22104,11 @@
                   </a:txBody>
                   <a:tcPr marL="9525" marR="9525" marT="9525" marB="0" anchor="b"/>
                 </a:tc>
+                <a:extLst>
+                  <a:ext uri="{0D108BD9-81ED-4DB2-BD59-A6C34878D82A}">
+                    <a16:rowId xmlns:a16="http://schemas.microsoft.com/office/drawing/2014/main" val="10004"/>
+                  </a:ext>
+                </a:extLst>
               </a:tr>
             </a:tbl>
           </a:graphicData>
@@ -20243,9 +22133,27 @@
                 <a:tableStyleId>{3C2FFA5D-87B4-456A-9821-1D502468CF0F}</a:tableStyleId>
               </a:tblPr>
               <a:tblGrid>
-                <a:gridCol w="3033870"/>
-                <a:gridCol w="2289028"/>
-                <a:gridCol w="2906702"/>
+                <a:gridCol w="3033870">
+                  <a:extLst>
+                    <a:ext uri="{9D8B030D-6E8A-4147-A177-3AD203B41FA5}">
+                      <a16:colId xmlns:a16="http://schemas.microsoft.com/office/drawing/2014/main" val="20000"/>
+                    </a:ext>
+                  </a:extLst>
+                </a:gridCol>
+                <a:gridCol w="2289028">
+                  <a:extLst>
+                    <a:ext uri="{9D8B030D-6E8A-4147-A177-3AD203B41FA5}">
+                      <a16:colId xmlns:a16="http://schemas.microsoft.com/office/drawing/2014/main" val="20001"/>
+                    </a:ext>
+                  </a:extLst>
+                </a:gridCol>
+                <a:gridCol w="2906702">
+                  <a:extLst>
+                    <a:ext uri="{9D8B030D-6E8A-4147-A177-3AD203B41FA5}">
+                      <a16:colId xmlns:a16="http://schemas.microsoft.com/office/drawing/2014/main" val="20002"/>
+                    </a:ext>
+                  </a:extLst>
+                </a:gridCol>
               </a:tblGrid>
               <a:tr h="419100">
                 <a:tc gridSpan="3">
@@ -20288,6 +22196,11 @@
                   </a:txBody>
                   <a:tcPr/>
                 </a:tc>
+                <a:extLst>
+                  <a:ext uri="{0D108BD9-81ED-4DB2-BD59-A6C34878D82A}">
+                    <a16:rowId xmlns:a16="http://schemas.microsoft.com/office/drawing/2014/main" val="10000"/>
+                  </a:ext>
+                </a:extLst>
               </a:tr>
               <a:tr h="723900">
                 <a:tc>
@@ -20350,6 +22263,11 @@
                   </a:txBody>
                   <a:tcPr marL="9525" marR="9525" marT="9525" marB="0" anchor="b"/>
                 </a:tc>
+                <a:extLst>
+                  <a:ext uri="{0D108BD9-81ED-4DB2-BD59-A6C34878D82A}">
+                    <a16:rowId xmlns:a16="http://schemas.microsoft.com/office/drawing/2014/main" val="10001"/>
+                  </a:ext>
+                </a:extLst>
               </a:tr>
               <a:tr h="723900">
                 <a:tc>
@@ -20359,10 +22277,14 @@
                     <a:p>
                       <a:pPr algn="l" fontAlgn="b"/>
                       <a:r>
-                        <a:rPr lang="en-US" sz="2100" u="none" strike="noStrike"/>
-                        <a:t>topic name</a:t>
-                      </a:r>
-                      <a:endParaRPr lang="en-US" sz="2100" b="0" i="0" u="none" strike="noStrike">
+                        <a:rPr lang="en-US" sz="2100" u="none" strike="noStrike" dirty="0"/>
+                        <a:t>topic </a:t>
+                      </a:r>
+                      <a:r>
+                        <a:rPr lang="en-US" sz="2100" u="none" strike="noStrike" dirty="0" smtClean="0"/>
+                        <a:t>name</a:t>
+                      </a:r>
+                      <a:endParaRPr lang="en-US" sz="2100" b="0" i="0" u="none" strike="noStrike" dirty="0">
                         <a:solidFill>
                           <a:srgbClr val="000000"/>
                         </a:solidFill>
@@ -20399,7 +22321,7 @@
                     <a:p>
                       <a:pPr algn="l" fontAlgn="b"/>
                       <a:r>
-                        <a:rPr lang="en-US" sz="2100" u="none" strike="noStrike" dirty="0"/>
+                        <a:rPr lang="en-US" sz="2100" u="none" strike="noStrike" dirty="0" smtClean="0"/>
                         <a:t>primary key</a:t>
                       </a:r>
                       <a:endParaRPr lang="en-US" sz="2100" b="0" i="0" u="none" strike="noStrike" dirty="0">
@@ -20412,6 +22334,11 @@
                   </a:txBody>
                   <a:tcPr marL="9525" marR="9525" marT="9525" marB="0" anchor="b"/>
                 </a:tc>
+                <a:extLst>
+                  <a:ext uri="{0D108BD9-81ED-4DB2-BD59-A6C34878D82A}">
+                    <a16:rowId xmlns:a16="http://schemas.microsoft.com/office/drawing/2014/main" val="10002"/>
+                  </a:ext>
+                </a:extLst>
               </a:tr>
             </a:tbl>
           </a:graphicData>
@@ -20610,6 +22537,13 @@
   <p:clrMapOvr>
     <a:masterClrMapping/>
   </p:clrMapOvr>
+  <p:timing>
+    <p:tnLst>
+      <p:par>
+        <p:cTn id="1" dur="indefinite" restart="never" nodeType="tmRoot"/>
+      </p:par>
+    </p:tnLst>
+  </p:timing>
 </p:sld>
 </file>
 
@@ -21179,15 +23113,6 @@
               <a:t>Github</a:t>
             </a:r>
             <a:endParaRPr lang="en-US" dirty="0" smtClean="0"/>
-          </a:p>
-          <a:p>
-            <a:endParaRPr lang="en-US" dirty="0" smtClean="0"/>
-          </a:p>
-          <a:p>
-            <a:r>
-              <a:rPr lang="en-US" dirty="0" smtClean="0"/>
-              <a:t>Inspector analysis algorithm</a:t>
-            </a:r>
           </a:p>
           <a:p>
             <a:endParaRPr lang="en-US" dirty="0" smtClean="0"/>
@@ -21690,6 +23615,13 @@
   <p:clrMapOvr>
     <a:masterClrMapping/>
   </p:clrMapOvr>
+  <p:timing>
+    <p:tnLst>
+      <p:par>
+        <p:cTn id="1" dur="indefinite" restart="never" nodeType="tmRoot"/>
+      </p:par>
+    </p:tnLst>
+  </p:timing>
 </p:sld>
 </file>
 
@@ -21847,6 +23779,13 @@
   <p:clrMapOvr>
     <a:masterClrMapping/>
   </p:clrMapOvr>
+  <p:timing>
+    <p:tnLst>
+      <p:par>
+        <p:cTn id="1" dur="indefinite" restart="never" nodeType="tmRoot"/>
+      </p:par>
+    </p:tnLst>
+  </p:timing>
 </p:sld>
 </file>
 
